--- a/FinalReport_team1.pptx
+++ b/FinalReport_team1.pptx
@@ -119,59 +119,36 @@
       </a:defRPr>
     </a:lvl9pPr>
   </p:defaultTextStyle>
+  <p:extLst>
+    <p:ext uri="{EFAFB233-063F-42B5-8137-9DF3F51BA10A}">
+      <p15:sldGuideLst xmlns:p15="http://schemas.microsoft.com/office/powerpoint/2012/main"/>
+    </p:ext>
+  </p:extLst>
 </p:presentation>
 </file>
 
 <file path=ppt/commentAuthors.xml><?xml version="1.0" encoding="utf-8"?>
 <p:cmAuthorLst xmlns:a="http://schemas.openxmlformats.org/drawingml/2006/main" xmlns:r="http://schemas.openxmlformats.org/officeDocument/2006/relationships" xmlns:p="http://schemas.openxmlformats.org/presentationml/2006/main">
   <p:cmAuthor id="7" name="辻 健太" initials="辻 [7]" lastIdx="1" clrIdx="6">
-    <p:extLst>
-      <p:ext uri="{19B8F6BF-5375-455C-9EA6-DF929625EA0E}">
-        <p15:presenceInfo xmlns:p15="http://schemas.microsoft.com/office/powerpoint/2012/main" userId="" providerId=""/>
-      </p:ext>
-    </p:extLst>
+    <p:extLst/>
   </p:cmAuthor>
   <p:cmAuthor id="1" name="辻 健太" initials="辻" lastIdx="1" clrIdx="0">
-    <p:extLst>
-      <p:ext uri="{19B8F6BF-5375-455C-9EA6-DF929625EA0E}">
-        <p15:presenceInfo xmlns:p15="http://schemas.microsoft.com/office/powerpoint/2012/main" userId="" providerId=""/>
-      </p:ext>
-    </p:extLst>
+    <p:extLst/>
   </p:cmAuthor>
   <p:cmAuthor id="2" name="辻 健太" initials="辻 [2]" lastIdx="1" clrIdx="1">
-    <p:extLst>
-      <p:ext uri="{19B8F6BF-5375-455C-9EA6-DF929625EA0E}">
-        <p15:presenceInfo xmlns:p15="http://schemas.microsoft.com/office/powerpoint/2012/main" userId="" providerId=""/>
-      </p:ext>
-    </p:extLst>
+    <p:extLst/>
   </p:cmAuthor>
   <p:cmAuthor id="3" name="辻 健太" initials="辻 [3]" lastIdx="1" clrIdx="2">
-    <p:extLst>
-      <p:ext uri="{19B8F6BF-5375-455C-9EA6-DF929625EA0E}">
-        <p15:presenceInfo xmlns:p15="http://schemas.microsoft.com/office/powerpoint/2012/main" userId="" providerId=""/>
-      </p:ext>
-    </p:extLst>
+    <p:extLst/>
   </p:cmAuthor>
   <p:cmAuthor id="4" name="辻 健太" initials="辻 [4]" lastIdx="1" clrIdx="3">
-    <p:extLst>
-      <p:ext uri="{19B8F6BF-5375-455C-9EA6-DF929625EA0E}">
-        <p15:presenceInfo xmlns:p15="http://schemas.microsoft.com/office/powerpoint/2012/main" userId="" providerId=""/>
-      </p:ext>
-    </p:extLst>
+    <p:extLst/>
   </p:cmAuthor>
   <p:cmAuthor id="5" name="辻 健太" initials="辻 [5]" lastIdx="1" clrIdx="4">
-    <p:extLst>
-      <p:ext uri="{19B8F6BF-5375-455C-9EA6-DF929625EA0E}">
-        <p15:presenceInfo xmlns:p15="http://schemas.microsoft.com/office/powerpoint/2012/main" userId="" providerId=""/>
-      </p:ext>
-    </p:extLst>
+    <p:extLst/>
   </p:cmAuthor>
   <p:cmAuthor id="6" name="辻 健太" initials="辻 [6]" lastIdx="1" clrIdx="5">
-    <p:extLst>
-      <p:ext uri="{19B8F6BF-5375-455C-9EA6-DF929625EA0E}">
-        <p15:presenceInfo xmlns:p15="http://schemas.microsoft.com/office/powerpoint/2012/main" userId="" providerId=""/>
-      </p:ext>
-    </p:extLst>
+    <p:extLst/>
   </p:cmAuthor>
 </p:cmAuthorLst>
 </file>
@@ -952,7 +929,7 @@
 
 <file path=ppt/slideLayouts/slideLayout10.xml><?xml version="1.0" encoding="utf-8"?>
 <p:sldLayout xmlns:a="http://schemas.openxmlformats.org/drawingml/2006/main" xmlns:r="http://schemas.openxmlformats.org/officeDocument/2006/relationships" xmlns:p="http://schemas.openxmlformats.org/presentationml/2006/main" type="vertTx" preserve="1">
-  <p:cSld name="タイトルと&#13;&#10;縦書きテキスト">
+  <p:cSld name="タイトルと&#10;縦書きテキスト">
     <p:spTree>
       <p:nvGrpSpPr>
         <p:cNvPr id="1" name=""/>
@@ -2754,7 +2731,7 @@
 
 <file path=ppt/slideLayouts/slideLayout8.xml><?xml version="1.0" encoding="utf-8"?>
 <p:sldLayout xmlns:a="http://schemas.openxmlformats.org/drawingml/2006/main" xmlns:r="http://schemas.openxmlformats.org/officeDocument/2006/relationships" xmlns:p="http://schemas.openxmlformats.org/presentationml/2006/main" type="objTx" preserve="1">
-  <p:cSld name="タイトル付きの&#13;&#10;コンテンツ">
+  <p:cSld name="タイトル付きの&#10;コンテンツ">
     <p:spTree>
       <p:nvGrpSpPr>
         <p:cNvPr id="1" name=""/>
@@ -5001,14 +4978,14 @@
           <p:nvPr>
             <p:extLst>
               <p:ext uri="{D42A27DB-BD31-4B8C-83A1-F6EECF244321}">
-                <p14:modId xmlns:p14="http://schemas.microsoft.com/office/powerpoint/2010/main" val="744586440"/>
+                <p14:modId xmlns:p14="http://schemas.microsoft.com/office/powerpoint/2010/main" val="2602420700"/>
               </p:ext>
             </p:extLst>
           </p:nvPr>
         </p:nvGraphicFramePr>
         <p:xfrm>
-          <a:off x="5199889" y="1094740"/>
-          <a:ext cx="6358127" cy="5689116"/>
+          <a:off x="5216780" y="823109"/>
+          <a:ext cx="6358127" cy="5709238"/>
         </p:xfrm>
         <a:graphic>
           <a:graphicData uri="http://schemas.openxmlformats.org/drawingml/2006/table">
@@ -5017,10 +4994,22 @@
                 <a:tableStyleId>{5C22544A-7EE6-4342-B048-85BDC9FD1C3A}</a:tableStyleId>
               </a:tblPr>
               <a:tblGrid>
-                <a:gridCol w="2373131"/>
-                <a:gridCol w="3984996"/>
+                <a:gridCol w="2373131">
+                  <a:extLst>
+                    <a:ext uri="{9D8B030D-6E8A-4147-A177-3AD203B41FA5}">
+                      <a16:colId xmlns:a16="http://schemas.microsoft.com/office/drawing/2014/main" val="20000"/>
+                    </a:ext>
+                  </a:extLst>
+                </a:gridCol>
+                <a:gridCol w="3984996">
+                  <a:extLst>
+                    <a:ext uri="{9D8B030D-6E8A-4147-A177-3AD203B41FA5}">
+                      <a16:colId xmlns:a16="http://schemas.microsoft.com/office/drawing/2014/main" val="20001"/>
+                    </a:ext>
+                  </a:extLst>
+                </a:gridCol>
               </a:tblGrid>
-              <a:tr h="462345">
+              <a:tr h="469792">
                 <a:tc>
                   <a:txBody>
                     <a:bodyPr/>
@@ -5073,8 +5062,13 @@
                   </a:txBody>
                   <a:tcPr marL="58111" marR="58111" marT="0" marB="0" anchor="ctr"/>
                 </a:tc>
+                <a:extLst>
+                  <a:ext uri="{0D108BD9-81ED-4DB2-BD59-A6C34878D82A}">
+                    <a16:rowId xmlns:a16="http://schemas.microsoft.com/office/drawing/2014/main" val="10000"/>
+                  </a:ext>
+                </a:extLst>
               </a:tr>
-              <a:tr h="387797">
+              <a:tr h="269288">
                 <a:tc>
                   <a:txBody>
                     <a:bodyPr/>
@@ -5112,12 +5106,24 @@
                         </a:spcAft>
                       </a:pPr>
                       <a:r>
-                        <a:rPr lang="ja-JP" sz="1200" kern="100">
+                        <a:rPr lang="ja-JP" sz="1200" kern="100" dirty="0">
                           <a:effectLst/>
                         </a:rPr>
-                        <a:t>最終課題の発表</a:t>
+                        <a:t>最終課題の</a:t>
                       </a:r>
-                      <a:endParaRPr lang="ja-JP" sz="1200" kern="100">
+                      <a:r>
+                        <a:rPr lang="ja-JP" sz="1200" kern="100" dirty="0" smtClean="0">
+                          <a:effectLst/>
+                        </a:rPr>
+                        <a:t>発表</a:t>
+                      </a:r>
+                      <a:r>
+                        <a:rPr lang="ja-JP" altLang="en-US" sz="1200" kern="100" dirty="0" smtClean="0">
+                          <a:effectLst/>
+                        </a:rPr>
+                        <a:t>、システム仕様の策定</a:t>
+                      </a:r>
+                      <a:endParaRPr lang="ja-JP" sz="1200" kern="100" dirty="0">
                         <a:effectLst/>
                         <a:latin typeface="Yu Mincho" charset="-128"/>
                         <a:ea typeface="Yu Mincho" charset="-128"/>
@@ -5127,8 +5133,13 @@
                   </a:txBody>
                   <a:tcPr marL="58111" marR="58111" marT="0" marB="0" anchor="ctr"/>
                 </a:tc>
+                <a:extLst>
+                  <a:ext uri="{0D108BD9-81ED-4DB2-BD59-A6C34878D82A}">
+                    <a16:rowId xmlns:a16="http://schemas.microsoft.com/office/drawing/2014/main" val="10001"/>
+                  </a:ext>
+                </a:extLst>
               </a:tr>
-              <a:tr h="387797">
+              <a:tr h="412946">
                 <a:tc>
                   <a:txBody>
                     <a:bodyPr/>
@@ -5166,12 +5177,46 @@
                         </a:spcAft>
                       </a:pPr>
                       <a:r>
-                        <a:rPr lang="ja-JP" sz="1200" kern="100">
+                        <a:rPr lang="en-US" altLang="ja-JP" sz="1200" kern="100" dirty="0" smtClean="0">
+                          <a:effectLst/>
+                        </a:rPr>
+                        <a:t>【</a:t>
+                      </a:r>
+                      <a:r>
+                        <a:rPr lang="ja-JP" altLang="en-US" sz="1200" kern="100" dirty="0" smtClean="0">
                           <a:effectLst/>
                         </a:rPr>
                         <a:t>本講義</a:t>
                       </a:r>
-                      <a:endParaRPr lang="ja-JP" sz="1200" kern="100">
+                      <a:r>
+                        <a:rPr lang="en-US" altLang="ja-JP" sz="1200" kern="100" dirty="0" smtClean="0">
+                          <a:effectLst/>
+                        </a:rPr>
+                        <a:t>】</a:t>
+                      </a:r>
+                      <a:r>
+                        <a:rPr lang="ja-JP" altLang="en-US" sz="1200" kern="100" dirty="0" smtClean="0">
+                          <a:effectLst/>
+                        </a:rPr>
+                        <a:t>役割分担決定</a:t>
+                      </a:r>
+                      <a:endParaRPr lang="en-US" altLang="ja-JP" sz="1200" kern="100" dirty="0" smtClean="0">
+                        <a:effectLst/>
+                      </a:endParaRPr>
+                    </a:p>
+                    <a:p>
+                      <a:pPr algn="just">
+                        <a:spcAft>
+                          <a:spcPts val="0"/>
+                        </a:spcAft>
+                      </a:pPr>
+                      <a:r>
+                        <a:rPr lang="ja-JP" altLang="en-US" sz="1200" kern="100" dirty="0" smtClean="0">
+                          <a:effectLst/>
+                        </a:rPr>
+                        <a:t>各自担当機能達成の方針を策定</a:t>
+                      </a:r>
+                      <a:endParaRPr lang="ja-JP" sz="1200" kern="100" dirty="0">
                         <a:effectLst/>
                         <a:latin typeface="Yu Mincho" charset="-128"/>
                         <a:ea typeface="Yu Mincho" charset="-128"/>
@@ -5181,8 +5226,13 @@
                   </a:txBody>
                   <a:tcPr marL="58111" marR="58111" marT="0" marB="0" anchor="ctr"/>
                 </a:tc>
+                <a:extLst>
+                  <a:ext uri="{0D108BD9-81ED-4DB2-BD59-A6C34878D82A}">
+                    <a16:rowId xmlns:a16="http://schemas.microsoft.com/office/drawing/2014/main" val="10002"/>
+                  </a:ext>
+                </a:extLst>
               </a:tr>
-              <a:tr h="193898">
+              <a:tr h="260065">
                 <a:tc>
                   <a:txBody>
                     <a:bodyPr/>
@@ -5194,12 +5244,12 @@
                         </a:spcAft>
                       </a:pPr>
                       <a:r>
-                        <a:rPr lang="en-US" sz="1200" kern="100">
+                        <a:rPr lang="en-US" sz="1200" kern="100" dirty="0">
                           <a:effectLst/>
                         </a:rPr>
                         <a:t> </a:t>
                       </a:r>
-                      <a:endParaRPr lang="ja-JP" sz="1200" kern="100">
+                      <a:endParaRPr lang="ja-JP" sz="1200" kern="100" dirty="0">
                         <a:effectLst/>
                         <a:latin typeface="Yu Mincho" charset="-128"/>
                         <a:ea typeface="Yu Mincho" charset="-128"/>
@@ -5220,12 +5270,18 @@
                         </a:spcAft>
                       </a:pPr>
                       <a:r>
-                        <a:rPr lang="en-US" sz="1200" kern="100">
+                        <a:rPr lang="en-US" sz="1200" kern="100" dirty="0">
                           <a:effectLst/>
                         </a:rPr>
                         <a:t> </a:t>
                       </a:r>
-                      <a:endParaRPr lang="ja-JP" sz="1200" kern="100">
+                      <a:r>
+                        <a:rPr lang="ja-JP" altLang="en-US" sz="1200" kern="100" dirty="0" smtClean="0">
+                          <a:effectLst/>
+                        </a:rPr>
+                        <a:t>（冬休み中、各自で課題に取り組む）</a:t>
+                      </a:r>
+                      <a:endParaRPr lang="ja-JP" sz="1200" kern="100" dirty="0">
                         <a:effectLst/>
                         <a:latin typeface="Yu Mincho" charset="-128"/>
                         <a:ea typeface="Yu Mincho" charset="-128"/>
@@ -5235,8 +5291,13 @@
                   </a:txBody>
                   <a:tcPr marL="58111" marR="58111" marT="0" marB="0" anchor="ctr"/>
                 </a:tc>
+                <a:extLst>
+                  <a:ext uri="{0D108BD9-81ED-4DB2-BD59-A6C34878D82A}">
+                    <a16:rowId xmlns:a16="http://schemas.microsoft.com/office/drawing/2014/main" val="10003"/>
+                  </a:ext>
+                </a:extLst>
               </a:tr>
-              <a:tr h="193898">
+              <a:tr h="237067">
                 <a:tc>
                   <a:txBody>
                     <a:bodyPr/>
@@ -5274,12 +5335,36 @@
                         </a:spcAft>
                       </a:pPr>
                       <a:r>
-                        <a:rPr lang="ja-JP" sz="1200" kern="100">
+                        <a:rPr lang="en-US" altLang="ja-JP" sz="1200" kern="100" dirty="0" smtClean="0">
+                          <a:effectLst/>
+                        </a:rPr>
+                        <a:t>【</a:t>
+                      </a:r>
+                      <a:r>
+                        <a:rPr lang="ja-JP" altLang="en-US" sz="1200" kern="100" dirty="0" smtClean="0">
                           <a:effectLst/>
                         </a:rPr>
                         <a:t>中間発表１</a:t>
                       </a:r>
-                      <a:endParaRPr lang="ja-JP" sz="1200" kern="100">
+                      <a:r>
+                        <a:rPr lang="en-US" altLang="ja-JP" sz="1200" kern="100" dirty="0" smtClean="0">
+                          <a:effectLst/>
+                        </a:rPr>
+                        <a:t>】Docker</a:t>
+                      </a:r>
+                      <a:r>
+                        <a:rPr lang="en-US" altLang="ja-JP" sz="1200" kern="100" baseline="0" dirty="0" smtClean="0">
+                          <a:effectLst/>
+                        </a:rPr>
+                        <a:t> </a:t>
+                      </a:r>
+                      <a:r>
+                        <a:rPr lang="ja-JP" altLang="en-US" sz="1200" kern="100" baseline="0" dirty="0" smtClean="0">
+                          <a:effectLst/>
+                        </a:rPr>
+                        <a:t>の実装、コンテナの作成</a:t>
+                      </a:r>
+                      <a:endParaRPr lang="ja-JP" sz="1200" kern="100" dirty="0">
                         <a:effectLst/>
                         <a:latin typeface="Yu Mincho" charset="-128"/>
                         <a:ea typeface="Yu Mincho" charset="-128"/>
@@ -5289,8 +5374,13 @@
                   </a:txBody>
                   <a:tcPr marL="58111" marR="58111" marT="0" marB="0" anchor="ctr"/>
                 </a:tc>
+                <a:extLst>
+                  <a:ext uri="{0D108BD9-81ED-4DB2-BD59-A6C34878D82A}">
+                    <a16:rowId xmlns:a16="http://schemas.microsoft.com/office/drawing/2014/main" val="10004"/>
+                  </a:ext>
+                </a:extLst>
               </a:tr>
-              <a:tr h="387797">
+              <a:tr h="287962">
                 <a:tc>
                   <a:txBody>
                     <a:bodyPr/>
@@ -5328,36 +5418,48 @@
                         </a:spcAft>
                       </a:pPr>
                       <a:r>
-                        <a:rPr lang="ja-JP" sz="1200" kern="100">
+                        <a:rPr lang="ja-JP" sz="1200" kern="100" dirty="0">
                           <a:effectLst/>
                         </a:rPr>
-                        <a:t>実機スイッチにおける</a:t>
+                        <a:t>実機</a:t>
                       </a:r>
                       <a:r>
-                        <a:rPr lang="en-US" sz="1200" kern="100">
+                        <a:rPr lang="ja-JP" sz="1200" kern="100" dirty="0" smtClean="0">
+                          <a:effectLst/>
+                        </a:rPr>
+                        <a:t>スイッチ</a:t>
+                      </a:r>
+                      <a:r>
+                        <a:rPr lang="ja-JP" altLang="en-US" sz="1200" kern="100" dirty="0" smtClean="0">
+                          <a:effectLst/>
+                        </a:rPr>
+                        <a:t>での</a:t>
+                      </a:r>
+                      <a:r>
+                        <a:rPr lang="en-US" sz="1200" kern="100" dirty="0" smtClean="0">
                           <a:effectLst/>
                         </a:rPr>
                         <a:t>Docker</a:t>
                       </a:r>
                       <a:r>
-                        <a:rPr lang="ja-JP" sz="1200" kern="100">
+                        <a:rPr lang="ja-JP" sz="1200" kern="100" dirty="0">
                           <a:effectLst/>
                         </a:rPr>
                         <a:t>コンテナの</a:t>
                       </a:r>
                       <a:r>
-                        <a:rPr lang="en-US" sz="1200" kern="100">
+                        <a:rPr lang="en-US" sz="1200" kern="100" dirty="0">
                           <a:effectLst/>
                         </a:rPr>
                         <a:t>IP</a:t>
                       </a:r>
                       <a:r>
-                        <a:rPr lang="ja-JP" sz="1200" kern="100">
+                        <a:rPr lang="ja-JP" sz="1200" kern="100" dirty="0">
                           <a:effectLst/>
                         </a:rPr>
                         <a:t>アドレスの検知</a:t>
                       </a:r>
-                      <a:endParaRPr lang="ja-JP" sz="1200" kern="100">
+                      <a:endParaRPr lang="ja-JP" sz="1200" kern="100" dirty="0">
                         <a:effectLst/>
                         <a:latin typeface="Yu Mincho" charset="-128"/>
                         <a:ea typeface="Yu Mincho" charset="-128"/>
@@ -5367,8 +5469,13 @@
                   </a:txBody>
                   <a:tcPr marL="58111" marR="58111" marT="0" marB="0" anchor="ctr"/>
                 </a:tc>
+                <a:extLst>
+                  <a:ext uri="{0D108BD9-81ED-4DB2-BD59-A6C34878D82A}">
+                    <a16:rowId xmlns:a16="http://schemas.microsoft.com/office/drawing/2014/main" val="10005"/>
+                  </a:ext>
+                </a:extLst>
               </a:tr>
-              <a:tr h="282186">
+              <a:tr h="220133">
                 <a:tc>
                   <a:txBody>
                     <a:bodyPr/>
@@ -5380,12 +5487,12 @@
                         </a:spcAft>
                       </a:pPr>
                       <a:r>
-                        <a:rPr lang="en-US" sz="1200" kern="100">
+                        <a:rPr lang="en-US" sz="1200" kern="100" dirty="0">
                           <a:effectLst/>
                         </a:rPr>
                         <a:t>1/14 (Wed.) 10:30 – 14:30</a:t>
                       </a:r>
-                      <a:endParaRPr lang="ja-JP" sz="1200" kern="100">
+                      <a:endParaRPr lang="ja-JP" sz="1200" kern="100" dirty="0">
                         <a:effectLst/>
                         <a:latin typeface="Yu Mincho" charset="-128"/>
                         <a:ea typeface="Yu Mincho" charset="-128"/>
@@ -5406,12 +5513,42 @@
                         </a:spcAft>
                       </a:pPr>
                       <a:r>
-                        <a:rPr lang="ja-JP" sz="1200" kern="100">
+                        <a:rPr lang="en-US" altLang="ja-JP" sz="1200" kern="100" dirty="0" smtClean="0">
+                          <a:effectLst/>
+                        </a:rPr>
+                        <a:t>【</a:t>
+                      </a:r>
+                      <a:r>
+                        <a:rPr lang="ja-JP" altLang="en-US" sz="1200" kern="100" dirty="0" smtClean="0">
                           <a:effectLst/>
                         </a:rPr>
                         <a:t>本講義</a:t>
                       </a:r>
-                      <a:endParaRPr lang="ja-JP" sz="1200" kern="100">
+                      <a:r>
+                        <a:rPr lang="en-US" altLang="ja-JP" sz="1200" kern="100" dirty="0" smtClean="0">
+                          <a:effectLst/>
+                        </a:rPr>
+                        <a:t>】Rest API </a:t>
+                      </a:r>
+                      <a:r>
+                        <a:rPr lang="ja-JP" altLang="en-US" sz="1200" kern="100" dirty="0" smtClean="0">
+                          <a:effectLst/>
+                        </a:rPr>
+                        <a:t>及び </a:t>
+                      </a:r>
+                      <a:r>
+                        <a:rPr lang="en-US" altLang="ja-JP" sz="1200" kern="100" dirty="0" smtClean="0">
+                          <a:effectLst/>
+                        </a:rPr>
+                        <a:t>Web Interface </a:t>
+                      </a:r>
+                      <a:r>
+                        <a:rPr lang="ja-JP" altLang="en-US" sz="1200" kern="100" dirty="0" smtClean="0">
+                          <a:effectLst/>
+                        </a:rPr>
+                        <a:t>の仕様策定</a:t>
+                      </a:r>
+                      <a:endParaRPr lang="ja-JP" sz="1200" kern="100" dirty="0">
                         <a:effectLst/>
                         <a:latin typeface="Yu Mincho" charset="-128"/>
                         <a:ea typeface="Yu Mincho" charset="-128"/>
@@ -5421,8 +5558,13 @@
                   </a:txBody>
                   <a:tcPr marL="58111" marR="58111" marT="0" marB="0" anchor="ctr"/>
                 </a:tc>
+                <a:extLst>
+                  <a:ext uri="{0D108BD9-81ED-4DB2-BD59-A6C34878D82A}">
+                    <a16:rowId xmlns:a16="http://schemas.microsoft.com/office/drawing/2014/main" val="10006"/>
+                  </a:ext>
+                </a:extLst>
               </a:tr>
-              <a:tr h="193898">
+              <a:tr h="245533">
                 <a:tc>
                   <a:txBody>
                     <a:bodyPr/>
@@ -5434,12 +5576,12 @@
                         </a:spcAft>
                       </a:pPr>
                       <a:r>
-                        <a:rPr lang="en-US" sz="1200" kern="100">
+                        <a:rPr lang="en-US" sz="1200" kern="100" dirty="0">
                           <a:effectLst/>
                         </a:rPr>
                         <a:t>1/17 (Thu.) 15:00 – 20:00</a:t>
                       </a:r>
-                      <a:endParaRPr lang="ja-JP" sz="1200" kern="100">
+                      <a:endParaRPr lang="ja-JP" sz="1200" kern="100" dirty="0">
                         <a:effectLst/>
                         <a:latin typeface="Yu Mincho" charset="-128"/>
                         <a:ea typeface="Yu Mincho" charset="-128"/>
@@ -5460,12 +5602,36 @@
                         </a:spcAft>
                       </a:pPr>
                       <a:r>
-                        <a:rPr lang="en-US" sz="1200" kern="100">
+                        <a:rPr lang="en-US" sz="1200" kern="100" dirty="0" smtClean="0">
                           <a:effectLst/>
                         </a:rPr>
-                        <a:t> </a:t>
+                        <a:t>Rest API</a:t>
                       </a:r>
-                      <a:endParaRPr lang="ja-JP" sz="1200" kern="100">
+                      <a:r>
+                        <a:rPr lang="en-US" sz="1200" kern="100" baseline="0" dirty="0" smtClean="0">
+                          <a:effectLst/>
+                        </a:rPr>
+                        <a:t> </a:t>
+                      </a:r>
+                      <a:r>
+                        <a:rPr lang="ja-JP" altLang="en-US" sz="1200" kern="100" baseline="0" dirty="0" smtClean="0">
+                          <a:effectLst/>
+                        </a:rPr>
+                        <a:t>の作成、</a:t>
+                      </a:r>
+                      <a:r>
+                        <a:rPr lang="en-US" altLang="ja-JP" sz="1200" kern="100" baseline="0" dirty="0" smtClean="0">
+                          <a:effectLst/>
+                        </a:rPr>
+                        <a:t>Web Interface </a:t>
+                      </a:r>
+                      <a:r>
+                        <a:rPr lang="ja-JP" altLang="en-US" sz="1200" kern="100" baseline="0" dirty="0" smtClean="0">
+                          <a:effectLst/>
+                        </a:rPr>
+                        <a:t>の作成</a:t>
+                      </a:r>
+                      <a:endParaRPr lang="ja-JP" sz="1200" kern="100" dirty="0">
                         <a:effectLst/>
                         <a:latin typeface="Yu Mincho" charset="-128"/>
                         <a:ea typeface="Yu Mincho" charset="-128"/>
@@ -5475,8 +5641,13 @@
                   </a:txBody>
                   <a:tcPr marL="58111" marR="58111" marT="0" marB="0" anchor="ctr"/>
                 </a:tc>
+                <a:extLst>
+                  <a:ext uri="{0D108BD9-81ED-4DB2-BD59-A6C34878D82A}">
+                    <a16:rowId xmlns:a16="http://schemas.microsoft.com/office/drawing/2014/main" val="10007"/>
+                  </a:ext>
+                </a:extLst>
               </a:tr>
-              <a:tr h="193898">
+              <a:tr h="254000">
                 <a:tc>
                   <a:txBody>
                     <a:bodyPr/>
@@ -5508,18 +5679,42 @@
                     <a:bodyPr/>
                     <a:lstStyle/>
                     <a:p>
-                      <a:pPr algn="just">
+                      <a:pPr marL="0" marR="0" indent="0" algn="just" defTabSz="914400" rtl="0" eaLnBrk="1" fontAlgn="auto" latinLnBrk="0" hangingPunct="1">
+                        <a:lnSpc>
+                          <a:spcPct val="100000"/>
+                        </a:lnSpc>
+                        <a:spcBef>
+                          <a:spcPts val="0"/>
+                        </a:spcBef>
                         <a:spcAft>
                           <a:spcPts val="0"/>
                         </a:spcAft>
+                        <a:buClrTx/>
+                        <a:buSzTx/>
+                        <a:buFontTx/>
+                        <a:buNone/>
+                        <a:tabLst/>
+                        <a:defRPr/>
                       </a:pPr>
                       <a:r>
-                        <a:rPr lang="en-US" sz="1200" kern="100">
+                        <a:rPr lang="en-US" altLang="ja-JP" sz="1200" kern="100" dirty="0" smtClean="0">
                           <a:effectLst/>
                         </a:rPr>
-                        <a:t> </a:t>
+                        <a:t>Rest</a:t>
                       </a:r>
-                      <a:endParaRPr lang="ja-JP" sz="1200" kern="100">
+                      <a:r>
+                        <a:rPr lang="en-US" altLang="ja-JP" sz="1200" kern="100" baseline="0" dirty="0" smtClean="0">
+                          <a:effectLst/>
+                        </a:rPr>
+                        <a:t> API </a:t>
+                      </a:r>
+                      <a:r>
+                        <a:rPr lang="ja-JP" altLang="en-US" sz="1200" kern="100" baseline="0" dirty="0" smtClean="0">
+                          <a:effectLst/>
+                        </a:rPr>
+                        <a:t>のシステムへの組み込み（未完）</a:t>
+                      </a:r>
+                      <a:endParaRPr lang="ja-JP" altLang="ja-JP" sz="1200" kern="100" dirty="0" smtClean="0">
                         <a:effectLst/>
                         <a:latin typeface="Yu Mincho" charset="-128"/>
                         <a:ea typeface="Yu Mincho" charset="-128"/>
@@ -5529,8 +5724,13 @@
                   </a:txBody>
                   <a:tcPr marL="58111" marR="58111" marT="0" marB="0" anchor="ctr"/>
                 </a:tc>
+                <a:extLst>
+                  <a:ext uri="{0D108BD9-81ED-4DB2-BD59-A6C34878D82A}">
+                    <a16:rowId xmlns:a16="http://schemas.microsoft.com/office/drawing/2014/main" val="10008"/>
+                  </a:ext>
+                </a:extLst>
               </a:tr>
-              <a:tr h="290580">
+              <a:tr h="295260">
                 <a:tc>
                   <a:txBody>
                     <a:bodyPr/>
@@ -5562,18 +5762,42 @@
                     <a:bodyPr/>
                     <a:lstStyle/>
                     <a:p>
-                      <a:pPr algn="just">
+                      <a:pPr marL="0" marR="0" indent="0" algn="just" defTabSz="914400" rtl="0" eaLnBrk="1" fontAlgn="auto" latinLnBrk="0" hangingPunct="1">
+                        <a:lnSpc>
+                          <a:spcPct val="100000"/>
+                        </a:lnSpc>
+                        <a:spcBef>
+                          <a:spcPts val="0"/>
+                        </a:spcBef>
                         <a:spcAft>
                           <a:spcPts val="0"/>
                         </a:spcAft>
+                        <a:buClrTx/>
+                        <a:buSzTx/>
+                        <a:buFontTx/>
+                        <a:buNone/>
+                        <a:tabLst/>
+                        <a:defRPr/>
                       </a:pPr>
                       <a:r>
-                        <a:rPr lang="en-US" sz="1200" kern="100">
+                        <a:rPr lang="en-US" altLang="ja-JP" sz="1200" kern="100" dirty="0" smtClean="0">
                           <a:effectLst/>
                         </a:rPr>
-                        <a:t> </a:t>
+                        <a:t>Rest</a:t>
                       </a:r>
-                      <a:endParaRPr lang="ja-JP" sz="1200" kern="100">
+                      <a:r>
+                        <a:rPr lang="en-US" altLang="ja-JP" sz="1200" kern="100" baseline="0" dirty="0" smtClean="0">
+                          <a:effectLst/>
+                        </a:rPr>
+                        <a:t> API </a:t>
+                      </a:r>
+                      <a:r>
+                        <a:rPr lang="ja-JP" altLang="en-US" sz="1200" kern="100" baseline="0" dirty="0" smtClean="0">
+                          <a:effectLst/>
+                        </a:rPr>
+                        <a:t>のシステムへの組み込み（完了）</a:t>
+                      </a:r>
+                      <a:endParaRPr lang="ja-JP" altLang="ja-JP" sz="1200" kern="100" dirty="0" smtClean="0">
                         <a:effectLst/>
                         <a:latin typeface="Yu Mincho" charset="-128"/>
                         <a:ea typeface="Yu Mincho" charset="-128"/>
@@ -5583,8 +5807,13 @@
                   </a:txBody>
                   <a:tcPr marL="58111" marR="58111" marT="0" marB="0" anchor="ctr"/>
                 </a:tc>
+                <a:extLst>
+                  <a:ext uri="{0D108BD9-81ED-4DB2-BD59-A6C34878D82A}">
+                    <a16:rowId xmlns:a16="http://schemas.microsoft.com/office/drawing/2014/main" val="10009"/>
+                  </a:ext>
+                </a:extLst>
               </a:tr>
-              <a:tr h="290580">
+              <a:tr h="221207">
                 <a:tc>
                   <a:txBody>
                     <a:bodyPr/>
@@ -5622,12 +5851,24 @@
                         </a:spcAft>
                       </a:pPr>
                       <a:r>
-                        <a:rPr lang="en-US" sz="1200" kern="100">
+                        <a:rPr lang="ja-JP" altLang="en-US" sz="1200" kern="100" dirty="0">
                           <a:effectLst/>
+                          <a:latin typeface="+mn-lt"/>
+                          <a:ea typeface="+mn-ea"/>
+                          <a:cs typeface="+mn-cs"/>
                         </a:rPr>
-                        <a:t> </a:t>
+                        <a:t>デモ</a:t>
                       </a:r>
-                      <a:endParaRPr lang="ja-JP" sz="1200" kern="100">
+                      <a:r>
+                        <a:rPr lang="ja-JP" altLang="en-US" sz="1200" kern="100" dirty="0" smtClean="0">
+                          <a:effectLst/>
+                          <a:latin typeface="+mn-lt"/>
+                          <a:ea typeface="+mn-ea"/>
+                          <a:cs typeface="+mn-cs"/>
+                        </a:rPr>
+                        <a:t>のシミュレーション</a:t>
+                      </a:r>
+                      <a:endParaRPr lang="ja-JP" sz="1200" kern="100" dirty="0">
                         <a:effectLst/>
                         <a:latin typeface="Yu Mincho" charset="-128"/>
                         <a:ea typeface="Yu Mincho" charset="-128"/>
@@ -5637,8 +5878,13 @@
                   </a:txBody>
                   <a:tcPr marL="58111" marR="58111" marT="0" marB="0" anchor="ctr"/>
                 </a:tc>
+                <a:extLst>
+                  <a:ext uri="{0D108BD9-81ED-4DB2-BD59-A6C34878D82A}">
+                    <a16:rowId xmlns:a16="http://schemas.microsoft.com/office/drawing/2014/main" val="10010"/>
+                  </a:ext>
+                </a:extLst>
               </a:tr>
-              <a:tr h="290580">
+              <a:tr h="245533">
                 <a:tc>
                   <a:txBody>
                     <a:bodyPr/>
@@ -5691,8 +5937,13 @@
                   </a:txBody>
                   <a:tcPr marL="58111" marR="58111" marT="0" marB="0" anchor="ctr"/>
                 </a:tc>
+                <a:extLst>
+                  <a:ext uri="{0D108BD9-81ED-4DB2-BD59-A6C34878D82A}">
+                    <a16:rowId xmlns:a16="http://schemas.microsoft.com/office/drawing/2014/main" val="10011"/>
+                  </a:ext>
+                </a:extLst>
               </a:tr>
-              <a:tr h="290580">
+              <a:tr h="279400">
                 <a:tc>
                   <a:txBody>
                     <a:bodyPr/>
@@ -5724,18 +5975,48 @@
                     <a:bodyPr/>
                     <a:lstStyle/>
                     <a:p>
-                      <a:pPr algn="just">
+                      <a:pPr marL="0" marR="0" indent="0" algn="just" defTabSz="914400" rtl="0" eaLnBrk="1" fontAlgn="auto" latinLnBrk="0" hangingPunct="1">
+                        <a:lnSpc>
+                          <a:spcPct val="100000"/>
+                        </a:lnSpc>
+                        <a:spcBef>
+                          <a:spcPts val="0"/>
+                        </a:spcBef>
                         <a:spcAft>
                           <a:spcPts val="0"/>
                         </a:spcAft>
+                        <a:buClrTx/>
+                        <a:buSzTx/>
+                        <a:buFontTx/>
+                        <a:buNone/>
+                        <a:tabLst/>
+                        <a:defRPr/>
                       </a:pPr>
                       <a:r>
-                        <a:rPr lang="ja-JP" sz="1200" kern="100">
+                        <a:rPr lang="en-US" altLang="ja-JP" sz="1200" kern="100" dirty="0" smtClean="0">
+                          <a:effectLst/>
+                        </a:rPr>
+                        <a:t>【</a:t>
+                      </a:r>
+                      <a:r>
+                        <a:rPr lang="ja-JP" altLang="en-US" sz="1200" kern="100" dirty="0" smtClean="0">
                           <a:effectLst/>
                         </a:rPr>
                         <a:t>中間発表２</a:t>
                       </a:r>
-                      <a:endParaRPr lang="ja-JP" sz="1200" kern="100">
+                      <a:r>
+                        <a:rPr lang="en-US" altLang="ja-JP" sz="1200" kern="100" dirty="0" smtClean="0">
+                          <a:effectLst/>
+                        </a:rPr>
+                        <a:t>】IP </a:t>
+                      </a:r>
+                      <a:r>
+                        <a:rPr lang="ja-JP" altLang="en-US" sz="1200" kern="100" dirty="0" smtClean="0">
+                          <a:effectLst/>
+                        </a:rPr>
+                        <a:t>ルーティングの実装</a:t>
+                      </a:r>
+                      <a:endParaRPr lang="ja-JP" altLang="ja-JP" sz="1200" kern="100" dirty="0" smtClean="0">
                         <a:effectLst/>
                         <a:latin typeface="Yu Mincho" charset="-128"/>
                         <a:ea typeface="Yu Mincho" charset="-128"/>
@@ -5745,8 +6026,13 @@
                   </a:txBody>
                   <a:tcPr marL="58111" marR="58111" marT="0" marB="0" anchor="ctr"/>
                 </a:tc>
+                <a:extLst>
+                  <a:ext uri="{0D108BD9-81ED-4DB2-BD59-A6C34878D82A}">
+                    <a16:rowId xmlns:a16="http://schemas.microsoft.com/office/drawing/2014/main" val="10012"/>
+                  </a:ext>
+                </a:extLst>
               </a:tr>
-              <a:tr h="362902">
+              <a:tr h="306805">
                 <a:tc>
                   <a:txBody>
                     <a:bodyPr/>
@@ -5784,23 +6070,40 @@
                         </a:spcAft>
                       </a:pPr>
                       <a:r>
-                        <a:rPr lang="en-US" sz="1200" kern="100">
+                        <a:rPr lang="en-US" altLang="ja-JP" sz="1200" kern="100" baseline="0" dirty="0" smtClean="0">
                           <a:effectLst/>
+                          <a:latin typeface="+mn-lt"/>
+                          <a:ea typeface="+mn-ea"/>
+                          <a:cs typeface="+mn-cs"/>
                         </a:rPr>
-                        <a:t> </a:t>
+                        <a:t>Web </a:t>
                       </a:r>
-                      <a:endParaRPr lang="ja-JP" sz="1200" kern="100">
+                      <a:r>
+                        <a:rPr lang="ja-JP" altLang="en-US" sz="1200" kern="100" baseline="0" dirty="0" smtClean="0">
+                          <a:effectLst/>
+                          <a:latin typeface="+mn-lt"/>
+                          <a:ea typeface="+mn-ea"/>
+                          <a:cs typeface="+mn-cs"/>
+                        </a:rPr>
+                        <a:t>サーバー以外のスライシング機能の実装</a:t>
+                      </a:r>
+                      <a:endParaRPr lang="en-US" altLang="ja-JP" sz="1200" kern="100" baseline="0" dirty="0" smtClean="0">
                         <a:effectLst/>
-                        <a:latin typeface="Yu Mincho" charset="-128"/>
-                        <a:ea typeface="Yu Mincho" charset="-128"/>
-                        <a:cs typeface="Times New Roman" charset="0"/>
+                        <a:latin typeface="+mn-lt"/>
+                        <a:ea typeface="+mn-ea"/>
+                        <a:cs typeface="+mn-cs"/>
                       </a:endParaRPr>
                     </a:p>
                   </a:txBody>
                   <a:tcPr marL="58111" marR="58111" marT="0" marB="0" anchor="ctr"/>
                 </a:tc>
+                <a:extLst>
+                  <a:ext uri="{0D108BD9-81ED-4DB2-BD59-A6C34878D82A}">
+                    <a16:rowId xmlns:a16="http://schemas.microsoft.com/office/drawing/2014/main" val="10013"/>
+                  </a:ext>
+                </a:extLst>
               </a:tr>
-              <a:tr h="273146">
+              <a:tr h="371651">
                 <a:tc>
                   <a:txBody>
                     <a:bodyPr/>
@@ -5838,12 +6141,48 @@
                         </a:spcAft>
                       </a:pPr>
                       <a:r>
-                        <a:rPr lang="en-US" sz="1200" kern="100">
+                        <a:rPr lang="en-US" altLang="ja-JP" sz="1200" kern="100" dirty="0" smtClean="0">
                           <a:effectLst/>
                         </a:rPr>
-                        <a:t> </a:t>
+                        <a:t>IP </a:t>
                       </a:r>
-                      <a:endParaRPr lang="ja-JP" sz="1200" kern="100">
+                      <a:r>
+                        <a:rPr lang="ja-JP" altLang="en-US" sz="1200" kern="100" dirty="0" smtClean="0">
+                          <a:effectLst/>
+                        </a:rPr>
+                        <a:t>アドレスベースでの </a:t>
+                      </a:r>
+                      <a:r>
+                        <a:rPr lang="en-US" altLang="ja-JP" sz="1200" kern="100" dirty="0" smtClean="0">
+                          <a:effectLst/>
+                        </a:rPr>
+                        <a:t>W</a:t>
+                      </a:r>
+                      <a:r>
+                        <a:rPr lang="en-US" sz="1200" kern="100" dirty="0" smtClean="0">
+                          <a:effectLst/>
+                        </a:rPr>
+                        <a:t>eb </a:t>
+                      </a:r>
+                      <a:r>
+                        <a:rPr lang="ja-JP" altLang="en-US" sz="1200" kern="100" dirty="0" smtClean="0">
+                          <a:effectLst/>
+                        </a:rPr>
+                        <a:t>サーバーのスライシング</a:t>
+                      </a:r>
+                      <a:r>
+                        <a:rPr lang="ja-JP" altLang="en-US" sz="1200" kern="100" baseline="0" dirty="0" smtClean="0">
+                          <a:effectLst/>
+                        </a:rPr>
+                        <a:t>　</a:t>
+                      </a:r>
+                      <a:r>
+                        <a:rPr lang="ja-JP" altLang="en-US" sz="1200" kern="100" dirty="0" smtClean="0">
+                          <a:effectLst/>
+                        </a:rPr>
+                        <a:t>試行→失敗</a:t>
+                      </a:r>
+                      <a:endParaRPr lang="ja-JP" sz="1200" kern="100" dirty="0">
                         <a:effectLst/>
                         <a:latin typeface="Yu Mincho" charset="-128"/>
                         <a:ea typeface="Yu Mincho" charset="-128"/>
@@ -5853,8 +6192,13 @@
                   </a:txBody>
                   <a:tcPr marL="58111" marR="58111" marT="0" marB="0" anchor="ctr"/>
                 </a:tc>
+                <a:extLst>
+                  <a:ext uri="{0D108BD9-81ED-4DB2-BD59-A6C34878D82A}">
+                    <a16:rowId xmlns:a16="http://schemas.microsoft.com/office/drawing/2014/main" val="10014"/>
+                  </a:ext>
+                </a:extLst>
               </a:tr>
-              <a:tr h="273146">
+              <a:tr h="277545">
                 <a:tc>
                   <a:txBody>
                     <a:bodyPr/>
@@ -5892,12 +6236,24 @@
                         </a:spcAft>
                       </a:pPr>
                       <a:r>
-                        <a:rPr lang="en-US" sz="1200" kern="100">
+                        <a:rPr lang="en-US" sz="1200" kern="100" dirty="0" smtClean="0">
                           <a:effectLst/>
                         </a:rPr>
-                        <a:t> </a:t>
+                        <a:t>Web Interface</a:t>
                       </a:r>
-                      <a:endParaRPr lang="ja-JP" sz="1200" kern="100">
+                      <a:r>
+                        <a:rPr lang="en-US" sz="1200" kern="100" baseline="0" dirty="0" smtClean="0">
+                          <a:effectLst/>
+                        </a:rPr>
+                        <a:t> </a:t>
+                      </a:r>
+                      <a:r>
+                        <a:rPr lang="ja-JP" altLang="en-US" sz="1200" kern="100" baseline="0" dirty="0" smtClean="0">
+                          <a:effectLst/>
+                        </a:rPr>
+                        <a:t>のシステムへの組み込み</a:t>
+                      </a:r>
+                      <a:endParaRPr lang="ja-JP" sz="1200" kern="100" dirty="0">
                         <a:effectLst/>
                         <a:latin typeface="Yu Mincho" charset="-128"/>
                         <a:ea typeface="Yu Mincho" charset="-128"/>
@@ -5907,8 +6263,13 @@
                   </a:txBody>
                   <a:tcPr marL="58111" marR="58111" marT="0" marB="0" anchor="ctr"/>
                 </a:tc>
+                <a:extLst>
+                  <a:ext uri="{0D108BD9-81ED-4DB2-BD59-A6C34878D82A}">
+                    <a16:rowId xmlns:a16="http://schemas.microsoft.com/office/drawing/2014/main" val="10015"/>
+                  </a:ext>
+                </a:extLst>
               </a:tr>
-              <a:tr h="273146">
+              <a:tr h="371651">
                 <a:tc>
                   <a:txBody>
                     <a:bodyPr/>
@@ -5946,18 +6307,34 @@
                         </a:spcAft>
                       </a:pPr>
                       <a:r>
-                        <a:rPr lang="en-US" sz="1200" kern="100">
+                        <a:rPr lang="ja-JP" altLang="en-US" sz="1200" kern="100" smtClean="0">
+                          <a:effectLst/>
+                        </a:rPr>
+                        <a:t>ポートの自動割り当て実装</a:t>
+                      </a:r>
+                      <a:endParaRPr lang="en-US" altLang="ja-JP" sz="1200" kern="100" dirty="0" smtClean="0">
+                        <a:effectLst/>
+                      </a:endParaRPr>
+                    </a:p>
+                    <a:p>
+                      <a:pPr algn="just">
+                        <a:spcAft>
+                          <a:spcPts val="0"/>
+                        </a:spcAft>
+                      </a:pPr>
+                      <a:r>
+                        <a:rPr lang="en-US" sz="1200" kern="100" dirty="0" smtClean="0">
                           <a:effectLst/>
                         </a:rPr>
                         <a:t>+</a:t>
                       </a:r>
                       <a:r>
-                        <a:rPr lang="ja-JP" sz="1200" kern="100">
+                        <a:rPr lang="ja-JP" sz="1200" kern="100" dirty="0">
                           <a:effectLst/>
                         </a:rPr>
                         <a:t>αの考案</a:t>
                       </a:r>
-                      <a:endParaRPr lang="ja-JP" sz="1200" kern="100">
+                      <a:endParaRPr lang="ja-JP" sz="1200" kern="100" dirty="0">
                         <a:effectLst/>
                         <a:latin typeface="Yu Mincho" charset="-128"/>
                         <a:ea typeface="Yu Mincho" charset="-128"/>
@@ -5967,8 +6344,13 @@
                   </a:txBody>
                   <a:tcPr marL="58111" marR="58111" marT="0" marB="0" anchor="ctr"/>
                 </a:tc>
+                <a:extLst>
+                  <a:ext uri="{0D108BD9-81ED-4DB2-BD59-A6C34878D82A}">
+                    <a16:rowId xmlns:a16="http://schemas.microsoft.com/office/drawing/2014/main" val="10016"/>
+                  </a:ext>
+                </a:extLst>
               </a:tr>
-              <a:tr h="273146">
+              <a:tr h="277545">
                 <a:tc>
                   <a:txBody>
                     <a:bodyPr/>
@@ -5980,12 +6362,18 @@
                         </a:spcAft>
                       </a:pPr>
                       <a:r>
-                        <a:rPr lang="en-US" sz="1200" kern="100">
+                        <a:rPr lang="en-US" sz="1200" kern="100" dirty="0">
                           <a:effectLst/>
                         </a:rPr>
-                        <a:t>1/31 (Tue.) 17:00 -</a:t>
+                        <a:t>1/31 (Tue.) 17:00 </a:t>
                       </a:r>
-                      <a:endParaRPr lang="ja-JP" sz="1200" kern="100">
+                      <a:r>
+                        <a:rPr lang="en-US" sz="1200" kern="100" dirty="0" smtClean="0">
+                          <a:effectLst/>
+                        </a:rPr>
+                        <a:t>-</a:t>
+                      </a:r>
+                      <a:endParaRPr lang="ja-JP" sz="1200" kern="100" dirty="0">
                         <a:effectLst/>
                         <a:latin typeface="Yu Mincho" charset="-128"/>
                         <a:ea typeface="Yu Mincho" charset="-128"/>
@@ -6006,18 +6394,30 @@
                         </a:spcAft>
                       </a:pPr>
                       <a:r>
-                        <a:rPr lang="en-US" sz="1200" kern="100">
+                        <a:rPr lang="en-US" sz="1200" kern="100" dirty="0" smtClean="0">
                           <a:effectLst/>
                         </a:rPr>
                         <a:t>+</a:t>
                       </a:r>
                       <a:r>
-                        <a:rPr lang="ja-JP" sz="1200" kern="100">
+                        <a:rPr lang="ja-JP" sz="1200" kern="100" dirty="0">
                           <a:effectLst/>
                         </a:rPr>
-                        <a:t>αの考案と実装</a:t>
+                        <a:t>αの考案と</a:t>
                       </a:r>
-                      <a:endParaRPr lang="ja-JP" sz="1200" kern="100">
+                      <a:r>
+                        <a:rPr lang="ja-JP" sz="1200" kern="100" dirty="0" smtClean="0">
+                          <a:effectLst/>
+                        </a:rPr>
+                        <a:t>実装</a:t>
+                      </a:r>
+                      <a:r>
+                        <a:rPr lang="ja-JP" altLang="en-US" sz="1200" kern="100" dirty="0" smtClean="0">
+                          <a:effectLst/>
+                        </a:rPr>
+                        <a:t>、プレゼン準備</a:t>
+                      </a:r>
+                      <a:endParaRPr lang="ja-JP" sz="1200" kern="100" dirty="0">
                         <a:effectLst/>
                         <a:latin typeface="Yu Mincho" charset="-128"/>
                         <a:ea typeface="Yu Mincho" charset="-128"/>
@@ -6027,8 +6427,13 @@
                   </a:txBody>
                   <a:tcPr marL="58111" marR="58111" marT="0" marB="0" anchor="ctr"/>
                 </a:tc>
+                <a:extLst>
+                  <a:ext uri="{0D108BD9-81ED-4DB2-BD59-A6C34878D82A}">
+                    <a16:rowId xmlns:a16="http://schemas.microsoft.com/office/drawing/2014/main" val="10017"/>
+                  </a:ext>
+                </a:extLst>
               </a:tr>
-              <a:tr h="193898">
+              <a:tr h="208834">
                 <a:tc>
                   <a:txBody>
                     <a:bodyPr/>
@@ -6040,66 +6445,12 @@
                         </a:spcAft>
                       </a:pPr>
                       <a:r>
-                        <a:rPr lang="en-US" sz="1200" kern="100">
+                        <a:rPr lang="en-US" sz="1200" kern="100" dirty="0">
                           <a:effectLst/>
                         </a:rPr>
                         <a:t>2/1(Wed.) 9:30 – 10:30</a:t>
                       </a:r>
-                      <a:endParaRPr lang="ja-JP" sz="1200" kern="100">
-                        <a:effectLst/>
-                        <a:latin typeface="Yu Mincho" charset="-128"/>
-                        <a:ea typeface="Yu Mincho" charset="-128"/>
-                        <a:cs typeface="Times New Roman" charset="0"/>
-                      </a:endParaRPr>
-                    </a:p>
-                  </a:txBody>
-                  <a:tcPr marL="58111" marR="58111" marT="0" marB="0" anchor="ctr"/>
-                </a:tc>
-                <a:tc>
-                  <a:txBody>
-                    <a:bodyPr/>
-                    <a:lstStyle/>
-                    <a:p>
-                      <a:pPr algn="just">
-                        <a:spcAft>
-                          <a:spcPts val="0"/>
-                        </a:spcAft>
-                      </a:pPr>
-                      <a:r>
-                        <a:rPr lang="ja-JP" sz="1200" kern="100">
-                          <a:effectLst/>
-                        </a:rPr>
-                        <a:t>最優発表のためのデモ準備</a:t>
-                      </a:r>
-                      <a:endParaRPr lang="ja-JP" sz="1200" kern="100">
-                        <a:effectLst/>
-                        <a:latin typeface="Yu Mincho" charset="-128"/>
-                        <a:ea typeface="Yu Mincho" charset="-128"/>
-                        <a:cs typeface="Times New Roman" charset="0"/>
-                      </a:endParaRPr>
-                    </a:p>
-                  </a:txBody>
-                  <a:tcPr marL="58111" marR="58111" marT="0" marB="0" anchor="ctr"/>
-                </a:tc>
-              </a:tr>
-              <a:tr h="193898">
-                <a:tc>
-                  <a:txBody>
-                    <a:bodyPr/>
-                    <a:lstStyle/>
-                    <a:p>
-                      <a:pPr algn="ctr">
-                        <a:spcAft>
-                          <a:spcPts val="0"/>
-                        </a:spcAft>
-                      </a:pPr>
-                      <a:r>
-                        <a:rPr lang="en-US" sz="1200" kern="100">
-                          <a:effectLst/>
-                        </a:rPr>
-                        <a:t>2/1 (Wed.) 10:30 – 14:30</a:t>
-                      </a:r>
-                      <a:endParaRPr lang="ja-JP" sz="1200" kern="100">
+                      <a:endParaRPr lang="ja-JP" sz="1200" kern="100" dirty="0">
                         <a:effectLst/>
                         <a:latin typeface="Yu Mincho" charset="-128"/>
                         <a:ea typeface="Yu Mincho" charset="-128"/>
@@ -6123,7 +6474,19 @@
                         <a:rPr lang="ja-JP" sz="1200" kern="100" dirty="0">
                           <a:effectLst/>
                         </a:rPr>
-                        <a:t>最終発表</a:t>
+                        <a:t>最優発表のためのデモ</a:t>
+                      </a:r>
+                      <a:r>
+                        <a:rPr lang="ja-JP" sz="1200" kern="100" dirty="0" smtClean="0">
+                          <a:effectLst/>
+                        </a:rPr>
+                        <a:t>準備</a:t>
+                      </a:r>
+                      <a:r>
+                        <a:rPr lang="ja-JP" altLang="en-US" sz="1200" kern="100" dirty="0" smtClean="0">
+                          <a:effectLst/>
+                        </a:rPr>
+                        <a:t>、プレゼン最終調整</a:t>
                       </a:r>
                       <a:endParaRPr lang="ja-JP" sz="1200" kern="100" dirty="0">
                         <a:effectLst/>
@@ -6135,6 +6498,82 @@
                   </a:txBody>
                   <a:tcPr marL="58111" marR="58111" marT="0" marB="0" anchor="ctr"/>
                 </a:tc>
+                <a:extLst>
+                  <a:ext uri="{0D108BD9-81ED-4DB2-BD59-A6C34878D82A}">
+                    <a16:rowId xmlns:a16="http://schemas.microsoft.com/office/drawing/2014/main" val="10018"/>
+                  </a:ext>
+                </a:extLst>
+              </a:tr>
+              <a:tr h="197021">
+                <a:tc>
+                  <a:txBody>
+                    <a:bodyPr/>
+                    <a:lstStyle/>
+                    <a:p>
+                      <a:pPr algn="ctr">
+                        <a:spcAft>
+                          <a:spcPts val="0"/>
+                        </a:spcAft>
+                      </a:pPr>
+                      <a:r>
+                        <a:rPr lang="en-US" sz="1200" kern="100" dirty="0">
+                          <a:effectLst/>
+                        </a:rPr>
+                        <a:t>2/1 (Wed.) 10:30 – 14:30</a:t>
+                      </a:r>
+                      <a:endParaRPr lang="ja-JP" sz="1200" kern="100" dirty="0">
+                        <a:effectLst/>
+                        <a:latin typeface="Yu Mincho" charset="-128"/>
+                        <a:ea typeface="Yu Mincho" charset="-128"/>
+                        <a:cs typeface="Times New Roman" charset="0"/>
+                      </a:endParaRPr>
+                    </a:p>
+                  </a:txBody>
+                  <a:tcPr marL="58111" marR="58111" marT="0" marB="0" anchor="ctr"/>
+                </a:tc>
+                <a:tc>
+                  <a:txBody>
+                    <a:bodyPr/>
+                    <a:lstStyle/>
+                    <a:p>
+                      <a:pPr algn="just">
+                        <a:spcAft>
+                          <a:spcPts val="0"/>
+                        </a:spcAft>
+                      </a:pPr>
+                      <a:r>
+                        <a:rPr lang="en-US" altLang="ja-JP" sz="1200" kern="100" dirty="0" smtClean="0">
+                          <a:effectLst/>
+                        </a:rPr>
+                        <a:t>【</a:t>
+                      </a:r>
+                      <a:r>
+                        <a:rPr lang="ja-JP" altLang="en-US" sz="1200" kern="100" dirty="0" smtClean="0">
+                          <a:effectLst/>
+                        </a:rPr>
+                        <a:t>最終発表</a:t>
+                      </a:r>
+                      <a:r>
+                        <a:rPr lang="en-US" altLang="ja-JP" sz="1200" kern="100" dirty="0" smtClean="0">
+                          <a:effectLst/>
+                        </a:rPr>
+                        <a:t>】</a:t>
+                      </a:r>
+                      <a:endParaRPr lang="ja-JP" sz="1200" kern="100" dirty="0">
+                        <a:effectLst/>
+                        <a:latin typeface="Yu Mincho" charset="-128"/>
+                        <a:ea typeface="Yu Mincho" charset="-128"/>
+                        <a:cs typeface="Times New Roman" charset="0"/>
+                      </a:endParaRPr>
+                    </a:p>
+                  </a:txBody>
+                  <a:tcPr marL="58111" marR="58111" marT="0" marB="0" anchor="ctr"/>
+                </a:tc>
+                <a:extLst>
+                  <a:ext uri="{0D108BD9-81ED-4DB2-BD59-A6C34878D82A}">
+                    <a16:rowId xmlns:a16="http://schemas.microsoft.com/office/drawing/2014/main" val="10019"/>
+                  </a:ext>
+                </a:extLst>
               </a:tr>
             </a:tbl>
           </a:graphicData>
@@ -6148,7 +6587,7 @@
         </p:nvSpPr>
         <p:spPr>
           <a:xfrm>
-            <a:off x="6962007" y="725408"/>
+            <a:off x="8867007" y="410779"/>
             <a:ext cx="2929007" cy="369332"/>
           </a:xfrm>
           <a:prstGeom prst="rect">
@@ -6309,7 +6748,7 @@
           <p:nvPr>
             <p:extLst>
               <p:ext uri="{D42A27DB-BD31-4B8C-83A1-F6EECF244321}">
-                <p14:modId xmlns:p14="http://schemas.microsoft.com/office/powerpoint/2010/main" val="1178278028"/>
+                <p14:modId xmlns:p14="http://schemas.microsoft.com/office/powerpoint/2010/main" val="3838258636"/>
               </p:ext>
             </p:extLst>
           </p:nvPr>
@@ -6325,8 +6764,20 @@
                 <a:tableStyleId>{5C22544A-7EE6-4342-B048-85BDC9FD1C3A}</a:tableStyleId>
               </a:tblPr>
               <a:tblGrid>
-                <a:gridCol w="2054453"/>
-                <a:gridCol w="4868409"/>
+                <a:gridCol w="2054453">
+                  <a:extLst>
+                    <a:ext uri="{9D8B030D-6E8A-4147-A177-3AD203B41FA5}">
+                      <a16:colId xmlns:a16="http://schemas.microsoft.com/office/drawing/2014/main" val="20000"/>
+                    </a:ext>
+                  </a:extLst>
+                </a:gridCol>
+                <a:gridCol w="4868409">
+                  <a:extLst>
+                    <a:ext uri="{9D8B030D-6E8A-4147-A177-3AD203B41FA5}">
+                      <a16:colId xmlns:a16="http://schemas.microsoft.com/office/drawing/2014/main" val="20001"/>
+                    </a:ext>
+                  </a:extLst>
+                </a:gridCol>
               </a:tblGrid>
               <a:tr h="387130">
                 <a:tc>
@@ -6381,6 +6832,11 @@
                   </a:txBody>
                   <a:tcPr marL="61941" marR="61941" marT="0" marB="0" anchor="ctr"/>
                 </a:tc>
+                <a:extLst>
+                  <a:ext uri="{0D108BD9-81ED-4DB2-BD59-A6C34878D82A}">
+                    <a16:rowId xmlns:a16="http://schemas.microsoft.com/office/drawing/2014/main" val="10000"/>
+                  </a:ext>
+                </a:extLst>
               </a:tr>
               <a:tr h="991052">
                 <a:tc>
@@ -6530,6 +6986,11 @@
                   </a:txBody>
                   <a:tcPr marL="61941" marR="61941" marT="0" marB="0" anchor="ctr"/>
                 </a:tc>
+                <a:extLst>
+                  <a:ext uri="{0D108BD9-81ED-4DB2-BD59-A6C34878D82A}">
+                    <a16:rowId xmlns:a16="http://schemas.microsoft.com/office/drawing/2014/main" val="10001"/>
+                  </a:ext>
+                </a:extLst>
               </a:tr>
               <a:tr h="991052">
                 <a:tc>
@@ -6543,12 +7004,24 @@
                         </a:spcAft>
                       </a:pPr>
                       <a:r>
-                        <a:rPr lang="ja-JP" sz="1600" kern="100">
+                        <a:rPr lang="ja-JP" altLang="en-US" sz="1600" kern="100" dirty="0" smtClean="0">
                           <a:effectLst/>
                         </a:rPr>
-                        <a:t>斎藤卓哉</a:t>
+                        <a:t>齋藤</a:t>
                       </a:r>
-                      <a:endParaRPr lang="ja-JP" sz="1400" kern="100">
+                      <a:r>
+                        <a:rPr lang="ja-JP" sz="1600" kern="100" dirty="0" smtClean="0">
+                          <a:effectLst/>
+                        </a:rPr>
+                        <a:t>卓</a:t>
+                      </a:r>
+                      <a:r>
+                        <a:rPr lang="ja-JP" sz="1600" kern="100" dirty="0">
+                          <a:effectLst/>
+                        </a:rPr>
+                        <a:t>哉</a:t>
+                      </a:r>
+                      <a:endParaRPr lang="ja-JP" sz="1400" kern="100" dirty="0">
                         <a:effectLst/>
                         <a:latin typeface="Yu Mincho" charset="-128"/>
                         <a:ea typeface="Yu Mincho" charset="-128"/>
@@ -6679,6 +7152,11 @@
                   </a:txBody>
                   <a:tcPr marL="61941" marR="61941" marT="0" marB="0" anchor="ctr"/>
                 </a:tc>
+                <a:extLst>
+                  <a:ext uri="{0D108BD9-81ED-4DB2-BD59-A6C34878D82A}">
+                    <a16:rowId xmlns:a16="http://schemas.microsoft.com/office/drawing/2014/main" val="10002"/>
+                  </a:ext>
+                </a:extLst>
               </a:tr>
               <a:tr h="660701">
                 <a:tc>
@@ -6813,6 +7291,11 @@
                   </a:txBody>
                   <a:tcPr marL="61941" marR="61941" marT="0" marB="0" anchor="ctr"/>
                 </a:tc>
+                <a:extLst>
+                  <a:ext uri="{0D108BD9-81ED-4DB2-BD59-A6C34878D82A}">
+                    <a16:rowId xmlns:a16="http://schemas.microsoft.com/office/drawing/2014/main" val="10003"/>
+                  </a:ext>
+                </a:extLst>
               </a:tr>
               <a:tr h="330351">
                 <a:tc>
@@ -6893,6 +7376,11 @@
                   </a:txBody>
                   <a:tcPr marL="61941" marR="61941" marT="0" marB="0" anchor="ctr"/>
                 </a:tc>
+                <a:extLst>
+                  <a:ext uri="{0D108BD9-81ED-4DB2-BD59-A6C34878D82A}">
+                    <a16:rowId xmlns:a16="http://schemas.microsoft.com/office/drawing/2014/main" val="10004"/>
+                  </a:ext>
+                </a:extLst>
               </a:tr>
               <a:tr h="991052">
                 <a:tc>
@@ -7030,6 +7518,11 @@
                   </a:txBody>
                   <a:tcPr marL="61941" marR="61941" marT="0" marB="0" anchor="ctr"/>
                 </a:tc>
+                <a:extLst>
+                  <a:ext uri="{0D108BD9-81ED-4DB2-BD59-A6C34878D82A}">
+                    <a16:rowId xmlns:a16="http://schemas.microsoft.com/office/drawing/2014/main" val="10005"/>
+                  </a:ext>
+                </a:extLst>
               </a:tr>
             </a:tbl>
           </a:graphicData>
@@ -7563,7 +8056,7 @@
           <p:nvPr>
             <p:extLst>
               <p:ext uri="{D42A27DB-BD31-4B8C-83A1-F6EECF244321}">
-                <p14:modId xmlns:p14="http://schemas.microsoft.com/office/powerpoint/2010/main" val="324480874"/>
+                <p14:modId xmlns:p14="http://schemas.microsoft.com/office/powerpoint/2010/main" val="1316194643"/>
               </p:ext>
             </p:extLst>
           </p:nvPr>
@@ -7579,9 +8072,27 @@
                 <a:tableStyleId>{69012ECD-51FC-41F1-AA8D-1B2483CD663E}</a:tableStyleId>
               </a:tblPr>
               <a:tblGrid>
-                <a:gridCol w="2536853"/>
-                <a:gridCol w="3177556"/>
-                <a:gridCol w="4219435"/>
+                <a:gridCol w="2536853">
+                  <a:extLst>
+                    <a:ext uri="{9D8B030D-6E8A-4147-A177-3AD203B41FA5}">
+                      <a16:colId xmlns:a16="http://schemas.microsoft.com/office/drawing/2014/main" val="20000"/>
+                    </a:ext>
+                  </a:extLst>
+                </a:gridCol>
+                <a:gridCol w="3177556">
+                  <a:extLst>
+                    <a:ext uri="{9D8B030D-6E8A-4147-A177-3AD203B41FA5}">
+                      <a16:colId xmlns:a16="http://schemas.microsoft.com/office/drawing/2014/main" val="20001"/>
+                    </a:ext>
+                  </a:extLst>
+                </a:gridCol>
+                <a:gridCol w="4219435">
+                  <a:extLst>
+                    <a:ext uri="{9D8B030D-6E8A-4147-A177-3AD203B41FA5}">
+                      <a16:colId xmlns:a16="http://schemas.microsoft.com/office/drawing/2014/main" val="20002"/>
+                    </a:ext>
+                  </a:extLst>
+                </a:gridCol>
               </a:tblGrid>
               <a:tr h="695833">
                 <a:tc>
@@ -7662,6 +8173,11 @@
                   </a:txBody>
                   <a:tcPr marL="68580" marR="68580" marT="0" marB="0" anchor="ctr"/>
                 </a:tc>
+                <a:extLst>
+                  <a:ext uri="{0D108BD9-81ED-4DB2-BD59-A6C34878D82A}">
+                    <a16:rowId xmlns:a16="http://schemas.microsoft.com/office/drawing/2014/main" val="10000"/>
+                  </a:ext>
+                </a:extLst>
               </a:tr>
               <a:tr h="0">
                 <a:tc>
@@ -7743,6 +8259,11 @@
                   </a:txBody>
                   <a:tcPr marL="68580" marR="68580" marT="0" marB="0" anchor="ctr"/>
                 </a:tc>
+                <a:extLst>
+                  <a:ext uri="{0D108BD9-81ED-4DB2-BD59-A6C34878D82A}">
+                    <a16:rowId xmlns:a16="http://schemas.microsoft.com/office/drawing/2014/main" val="10001"/>
+                  </a:ext>
+                </a:extLst>
               </a:tr>
               <a:tr h="277495">
                 <a:tc>
@@ -7756,10 +8277,22 @@
                         </a:spcAft>
                       </a:pPr>
                       <a:r>
+                        <a:rPr lang="ja-JP" altLang="en-US" sz="3200" kern="100" dirty="0" smtClean="0">
+                          <a:effectLst/>
+                        </a:rPr>
+                        <a:t>齋藤</a:t>
+                      </a:r>
+                      <a:r>
+                        <a:rPr lang="ja-JP" sz="3200" kern="100" dirty="0" smtClean="0">
+                          <a:effectLst/>
+                        </a:rPr>
+                        <a:t>卓</a:t>
+                      </a:r>
+                      <a:r>
                         <a:rPr lang="ja-JP" sz="3200" kern="100" dirty="0">
                           <a:effectLst/>
                         </a:rPr>
-                        <a:t>斎藤卓哉</a:t>
+                        <a:t>哉</a:t>
                       </a:r>
                       <a:endParaRPr lang="ja-JP" sz="2800" kern="100" dirty="0">
                         <a:effectLst/>
@@ -7781,6 +8314,12 @@
                           <a:spcPts val="0"/>
                         </a:spcAft>
                       </a:pPr>
+                      <a:r>
+                        <a:rPr lang="en-US" sz="2000" kern="100" dirty="0" smtClean="0">
+                          <a:effectLst/>
+                        </a:rPr>
+                        <a:t>33E16007</a:t>
+                      </a:r>
                       <a:r>
                         <a:rPr lang="en-US" sz="2000" kern="100" dirty="0">
                           <a:effectLst/>
@@ -7824,6 +8363,11 @@
                   </a:txBody>
                   <a:tcPr marL="68580" marR="68580" marT="0" marB="0" anchor="ctr"/>
                 </a:tc>
+                <a:extLst>
+                  <a:ext uri="{0D108BD9-81ED-4DB2-BD59-A6C34878D82A}">
+                    <a16:rowId xmlns:a16="http://schemas.microsoft.com/office/drawing/2014/main" val="10002"/>
+                  </a:ext>
+                </a:extLst>
               </a:tr>
               <a:tr h="0">
                 <a:tc>
@@ -7905,6 +8449,11 @@
                   </a:txBody>
                   <a:tcPr marL="68580" marR="68580" marT="0" marB="0" anchor="ctr"/>
                 </a:tc>
+                <a:extLst>
+                  <a:ext uri="{0D108BD9-81ED-4DB2-BD59-A6C34878D82A}">
+                    <a16:rowId xmlns:a16="http://schemas.microsoft.com/office/drawing/2014/main" val="10003"/>
+                  </a:ext>
+                </a:extLst>
               </a:tr>
               <a:tr h="0">
                 <a:tc>
@@ -7986,6 +8535,11 @@
                   </a:txBody>
                   <a:tcPr marL="68580" marR="68580" marT="0" marB="0" anchor="ctr"/>
                 </a:tc>
+                <a:extLst>
+                  <a:ext uri="{0D108BD9-81ED-4DB2-BD59-A6C34878D82A}">
+                    <a16:rowId xmlns:a16="http://schemas.microsoft.com/office/drawing/2014/main" val="10004"/>
+                  </a:ext>
+                </a:extLst>
               </a:tr>
               <a:tr h="233045">
                 <a:tc>
@@ -8067,6 +8621,11 @@
                   </a:txBody>
                   <a:tcPr marL="68580" marR="68580" marT="0" marB="0" anchor="ctr"/>
                 </a:tc>
+                <a:extLst>
+                  <a:ext uri="{0D108BD9-81ED-4DB2-BD59-A6C34878D82A}">
+                    <a16:rowId xmlns:a16="http://schemas.microsoft.com/office/drawing/2014/main" val="10005"/>
+                  </a:ext>
+                </a:extLst>
               </a:tr>
             </a:tbl>
           </a:graphicData>
@@ -12114,15 +12673,7 @@
                   <a:ea typeface="HGGothicE" charset="-128"/>
                   <a:cs typeface="HGGothicE" charset="-128"/>
                 </a:rPr>
-                <a:t>➁稼働</a:t>
-              </a:r>
-              <a:r>
-                <a:rPr kumimoji="1" lang="ja-JP" altLang="en-US" dirty="0" smtClean="0">
-                  <a:latin typeface="HGGothicE" charset="-128"/>
-                  <a:ea typeface="HGGothicE" charset="-128"/>
-                  <a:cs typeface="HGGothicE" charset="-128"/>
-                </a:rPr>
-                <a:t>しているサーバのリスト</a:t>
+                <a:t>➁稼働しているサーバのリスト</a:t>
               </a:r>
             </a:p>
             <a:p>
@@ -14898,8 +15449,8 @@
           </a:p>
         </p:txBody>
       </p:sp>
-      <mc:AlternateContent xmlns:mc="http://schemas.openxmlformats.org/markup-compatibility/2006">
-        <mc:Choice xmlns:a14="http://schemas.microsoft.com/office/drawing/2010/main" Requires="a14">
+      <mc:AlternateContent xmlns:mc="http://schemas.openxmlformats.org/markup-compatibility/2006" xmlns:a14="http://schemas.microsoft.com/office/drawing/2010/main">
+        <mc:Choice Requires="a14">
           <p:sp>
             <p:nvSpPr>
               <p:cNvPr id="3" name="テキスト ボックス 2"/>
@@ -15166,7 +15717,7 @@
             </p:txBody>
           </p:sp>
         </mc:Choice>
-        <mc:Fallback>
+        <mc:Fallback xmlns="">
           <p:sp>
             <p:nvSpPr>
               <p:cNvPr id="3" name="テキスト ボックス 2"/>

--- a/FinalReport_team1.pptx
+++ b/FinalReport_team1.pptx
@@ -4997,14 +4997,14 @@
                 <a:gridCol w="2373131">
                   <a:extLst>
                     <a:ext uri="{9D8B030D-6E8A-4147-A177-3AD203B41FA5}">
-                      <a16:colId xmlns:a16="http://schemas.microsoft.com/office/drawing/2014/main" val="20000"/>
+                      <a16:colId xmlns:a16="http://schemas.microsoft.com/office/drawing/2014/main" xmlns="" val="20000"/>
                     </a:ext>
                   </a:extLst>
                 </a:gridCol>
                 <a:gridCol w="3984996">
                   <a:extLst>
                     <a:ext uri="{9D8B030D-6E8A-4147-A177-3AD203B41FA5}">
-                      <a16:colId xmlns:a16="http://schemas.microsoft.com/office/drawing/2014/main" val="20001"/>
+                      <a16:colId xmlns:a16="http://schemas.microsoft.com/office/drawing/2014/main" xmlns="" val="20001"/>
                     </a:ext>
                   </a:extLst>
                 </a:gridCol>
@@ -5064,7 +5064,7 @@
                 </a:tc>
                 <a:extLst>
                   <a:ext uri="{0D108BD9-81ED-4DB2-BD59-A6C34878D82A}">
-                    <a16:rowId xmlns:a16="http://schemas.microsoft.com/office/drawing/2014/main" val="10000"/>
+                    <a16:rowId xmlns:a16="http://schemas.microsoft.com/office/drawing/2014/main" xmlns="" val="10000"/>
                   </a:ext>
                 </a:extLst>
               </a:tr>
@@ -5135,7 +5135,7 @@
                 </a:tc>
                 <a:extLst>
                   <a:ext uri="{0D108BD9-81ED-4DB2-BD59-A6C34878D82A}">
-                    <a16:rowId xmlns:a16="http://schemas.microsoft.com/office/drawing/2014/main" val="10001"/>
+                    <a16:rowId xmlns:a16="http://schemas.microsoft.com/office/drawing/2014/main" xmlns="" val="10001"/>
                   </a:ext>
                 </a:extLst>
               </a:tr>
@@ -5228,7 +5228,7 @@
                 </a:tc>
                 <a:extLst>
                   <a:ext uri="{0D108BD9-81ED-4DB2-BD59-A6C34878D82A}">
-                    <a16:rowId xmlns:a16="http://schemas.microsoft.com/office/drawing/2014/main" val="10002"/>
+                    <a16:rowId xmlns:a16="http://schemas.microsoft.com/office/drawing/2014/main" xmlns="" val="10002"/>
                   </a:ext>
                 </a:extLst>
               </a:tr>
@@ -5293,7 +5293,7 @@
                 </a:tc>
                 <a:extLst>
                   <a:ext uri="{0D108BD9-81ED-4DB2-BD59-A6C34878D82A}">
-                    <a16:rowId xmlns:a16="http://schemas.microsoft.com/office/drawing/2014/main" val="10003"/>
+                    <a16:rowId xmlns:a16="http://schemas.microsoft.com/office/drawing/2014/main" xmlns="" val="10003"/>
                   </a:ext>
                 </a:extLst>
               </a:tr>
@@ -5376,7 +5376,7 @@
                 </a:tc>
                 <a:extLst>
                   <a:ext uri="{0D108BD9-81ED-4DB2-BD59-A6C34878D82A}">
-                    <a16:rowId xmlns:a16="http://schemas.microsoft.com/office/drawing/2014/main" val="10004"/>
+                    <a16:rowId xmlns:a16="http://schemas.microsoft.com/office/drawing/2014/main" xmlns="" val="10004"/>
                   </a:ext>
                 </a:extLst>
               </a:tr>
@@ -5471,7 +5471,7 @@
                 </a:tc>
                 <a:extLst>
                   <a:ext uri="{0D108BD9-81ED-4DB2-BD59-A6C34878D82A}">
-                    <a16:rowId xmlns:a16="http://schemas.microsoft.com/office/drawing/2014/main" val="10005"/>
+                    <a16:rowId xmlns:a16="http://schemas.microsoft.com/office/drawing/2014/main" xmlns="" val="10005"/>
                   </a:ext>
                 </a:extLst>
               </a:tr>
@@ -5560,7 +5560,7 @@
                 </a:tc>
                 <a:extLst>
                   <a:ext uri="{0D108BD9-81ED-4DB2-BD59-A6C34878D82A}">
-                    <a16:rowId xmlns:a16="http://schemas.microsoft.com/office/drawing/2014/main" val="10006"/>
+                    <a16:rowId xmlns:a16="http://schemas.microsoft.com/office/drawing/2014/main" xmlns="" val="10006"/>
                   </a:ext>
                 </a:extLst>
               </a:tr>
@@ -5643,7 +5643,7 @@
                 </a:tc>
                 <a:extLst>
                   <a:ext uri="{0D108BD9-81ED-4DB2-BD59-A6C34878D82A}">
-                    <a16:rowId xmlns:a16="http://schemas.microsoft.com/office/drawing/2014/main" val="10007"/>
+                    <a16:rowId xmlns:a16="http://schemas.microsoft.com/office/drawing/2014/main" xmlns="" val="10007"/>
                   </a:ext>
                 </a:extLst>
               </a:tr>
@@ -5726,7 +5726,7 @@
                 </a:tc>
                 <a:extLst>
                   <a:ext uri="{0D108BD9-81ED-4DB2-BD59-A6C34878D82A}">
-                    <a16:rowId xmlns:a16="http://schemas.microsoft.com/office/drawing/2014/main" val="10008"/>
+                    <a16:rowId xmlns:a16="http://schemas.microsoft.com/office/drawing/2014/main" xmlns="" val="10008"/>
                   </a:ext>
                 </a:extLst>
               </a:tr>
@@ -5809,7 +5809,7 @@
                 </a:tc>
                 <a:extLst>
                   <a:ext uri="{0D108BD9-81ED-4DB2-BD59-A6C34878D82A}">
-                    <a16:rowId xmlns:a16="http://schemas.microsoft.com/office/drawing/2014/main" val="10009"/>
+                    <a16:rowId xmlns:a16="http://schemas.microsoft.com/office/drawing/2014/main" xmlns="" val="10009"/>
                   </a:ext>
                 </a:extLst>
               </a:tr>
@@ -5880,7 +5880,7 @@
                 </a:tc>
                 <a:extLst>
                   <a:ext uri="{0D108BD9-81ED-4DB2-BD59-A6C34878D82A}">
-                    <a16:rowId xmlns:a16="http://schemas.microsoft.com/office/drawing/2014/main" val="10010"/>
+                    <a16:rowId xmlns:a16="http://schemas.microsoft.com/office/drawing/2014/main" xmlns="" val="10010"/>
                   </a:ext>
                 </a:extLst>
               </a:tr>
@@ -5939,7 +5939,7 @@
                 </a:tc>
                 <a:extLst>
                   <a:ext uri="{0D108BD9-81ED-4DB2-BD59-A6C34878D82A}">
-                    <a16:rowId xmlns:a16="http://schemas.microsoft.com/office/drawing/2014/main" val="10011"/>
+                    <a16:rowId xmlns:a16="http://schemas.microsoft.com/office/drawing/2014/main" xmlns="" val="10011"/>
                   </a:ext>
                 </a:extLst>
               </a:tr>
@@ -6028,7 +6028,7 @@
                 </a:tc>
                 <a:extLst>
                   <a:ext uri="{0D108BD9-81ED-4DB2-BD59-A6C34878D82A}">
-                    <a16:rowId xmlns:a16="http://schemas.microsoft.com/office/drawing/2014/main" val="10012"/>
+                    <a16:rowId xmlns:a16="http://schemas.microsoft.com/office/drawing/2014/main" xmlns="" val="10012"/>
                   </a:ext>
                 </a:extLst>
               </a:tr>
@@ -6099,7 +6099,7 @@
                 </a:tc>
                 <a:extLst>
                   <a:ext uri="{0D108BD9-81ED-4DB2-BD59-A6C34878D82A}">
-                    <a16:rowId xmlns:a16="http://schemas.microsoft.com/office/drawing/2014/main" val="10013"/>
+                    <a16:rowId xmlns:a16="http://schemas.microsoft.com/office/drawing/2014/main" xmlns="" val="10013"/>
                   </a:ext>
                 </a:extLst>
               </a:tr>
@@ -6194,7 +6194,7 @@
                 </a:tc>
                 <a:extLst>
                   <a:ext uri="{0D108BD9-81ED-4DB2-BD59-A6C34878D82A}">
-                    <a16:rowId xmlns:a16="http://schemas.microsoft.com/office/drawing/2014/main" val="10014"/>
+                    <a16:rowId xmlns:a16="http://schemas.microsoft.com/office/drawing/2014/main" xmlns="" val="10014"/>
                   </a:ext>
                 </a:extLst>
               </a:tr>
@@ -6265,7 +6265,7 @@
                 </a:tc>
                 <a:extLst>
                   <a:ext uri="{0D108BD9-81ED-4DB2-BD59-A6C34878D82A}">
-                    <a16:rowId xmlns:a16="http://schemas.microsoft.com/office/drawing/2014/main" val="10015"/>
+                    <a16:rowId xmlns:a16="http://schemas.microsoft.com/office/drawing/2014/main" xmlns="" val="10015"/>
                   </a:ext>
                 </a:extLst>
               </a:tr>
@@ -6346,7 +6346,7 @@
                 </a:tc>
                 <a:extLst>
                   <a:ext uri="{0D108BD9-81ED-4DB2-BD59-A6C34878D82A}">
-                    <a16:rowId xmlns:a16="http://schemas.microsoft.com/office/drawing/2014/main" val="10016"/>
+                    <a16:rowId xmlns:a16="http://schemas.microsoft.com/office/drawing/2014/main" xmlns="" val="10016"/>
                   </a:ext>
                 </a:extLst>
               </a:tr>
@@ -6429,7 +6429,7 @@
                 </a:tc>
                 <a:extLst>
                   <a:ext uri="{0D108BD9-81ED-4DB2-BD59-A6C34878D82A}">
-                    <a16:rowId xmlns:a16="http://schemas.microsoft.com/office/drawing/2014/main" val="10017"/>
+                    <a16:rowId xmlns:a16="http://schemas.microsoft.com/office/drawing/2014/main" xmlns="" val="10017"/>
                   </a:ext>
                 </a:extLst>
               </a:tr>
@@ -6500,7 +6500,7 @@
                 </a:tc>
                 <a:extLst>
                   <a:ext uri="{0D108BD9-81ED-4DB2-BD59-A6C34878D82A}">
-                    <a16:rowId xmlns:a16="http://schemas.microsoft.com/office/drawing/2014/main" val="10018"/>
+                    <a16:rowId xmlns:a16="http://schemas.microsoft.com/office/drawing/2014/main" xmlns="" val="10018"/>
                   </a:ext>
                 </a:extLst>
               </a:tr>
@@ -6571,7 +6571,7 @@
                 </a:tc>
                 <a:extLst>
                   <a:ext uri="{0D108BD9-81ED-4DB2-BD59-A6C34878D82A}">
-                    <a16:rowId xmlns:a16="http://schemas.microsoft.com/office/drawing/2014/main" val="10019"/>
+                    <a16:rowId xmlns:a16="http://schemas.microsoft.com/office/drawing/2014/main" xmlns="" val="10019"/>
                   </a:ext>
                 </a:extLst>
               </a:tr>
@@ -6748,7 +6748,7 @@
           <p:nvPr>
             <p:extLst>
               <p:ext uri="{D42A27DB-BD31-4B8C-83A1-F6EECF244321}">
-                <p14:modId xmlns:p14="http://schemas.microsoft.com/office/powerpoint/2010/main" val="3838258636"/>
+                <p14:modId xmlns:p14="http://schemas.microsoft.com/office/powerpoint/2010/main" val="1018943017"/>
               </p:ext>
             </p:extLst>
           </p:nvPr>
@@ -6767,14 +6767,14 @@
                 <a:gridCol w="2054453">
                   <a:extLst>
                     <a:ext uri="{9D8B030D-6E8A-4147-A177-3AD203B41FA5}">
-                      <a16:colId xmlns:a16="http://schemas.microsoft.com/office/drawing/2014/main" val="20000"/>
+                      <a16:colId xmlns:a16="http://schemas.microsoft.com/office/drawing/2014/main" xmlns="" val="20000"/>
                     </a:ext>
                   </a:extLst>
                 </a:gridCol>
                 <a:gridCol w="4868409">
                   <a:extLst>
                     <a:ext uri="{9D8B030D-6E8A-4147-A177-3AD203B41FA5}">
-                      <a16:colId xmlns:a16="http://schemas.microsoft.com/office/drawing/2014/main" val="20001"/>
+                      <a16:colId xmlns:a16="http://schemas.microsoft.com/office/drawing/2014/main" xmlns="" val="20001"/>
                     </a:ext>
                   </a:extLst>
                 </a:gridCol>
@@ -6834,7 +6834,7 @@
                 </a:tc>
                 <a:extLst>
                   <a:ext uri="{0D108BD9-81ED-4DB2-BD59-A6C34878D82A}">
-                    <a16:rowId xmlns:a16="http://schemas.microsoft.com/office/drawing/2014/main" val="10000"/>
+                    <a16:rowId xmlns:a16="http://schemas.microsoft.com/office/drawing/2014/main" xmlns="" val="10000"/>
                   </a:ext>
                 </a:extLst>
               </a:tr>
@@ -6988,7 +6988,7 @@
                 </a:tc>
                 <a:extLst>
                   <a:ext uri="{0D108BD9-81ED-4DB2-BD59-A6C34878D82A}">
-                    <a16:rowId xmlns:a16="http://schemas.microsoft.com/office/drawing/2014/main" val="10001"/>
+                    <a16:rowId xmlns:a16="http://schemas.microsoft.com/office/drawing/2014/main" xmlns="" val="10001"/>
                   </a:ext>
                 </a:extLst>
               </a:tr>
@@ -7154,7 +7154,7 @@
                 </a:tc>
                 <a:extLst>
                   <a:ext uri="{0D108BD9-81ED-4DB2-BD59-A6C34878D82A}">
-                    <a16:rowId xmlns:a16="http://schemas.microsoft.com/office/drawing/2014/main" val="10002"/>
+                    <a16:rowId xmlns:a16="http://schemas.microsoft.com/office/drawing/2014/main" xmlns="" val="10002"/>
                   </a:ext>
                 </a:extLst>
               </a:tr>
@@ -7173,7 +7173,13 @@
                         <a:rPr lang="ja-JP" sz="1600" kern="100" dirty="0">
                           <a:effectLst/>
                         </a:rPr>
-                        <a:t>原　祐介</a:t>
+                        <a:t>原　</a:t>
+                      </a:r>
+                      <a:r>
+                        <a:rPr lang="ja-JP" altLang="en-US" sz="1600" kern="100" dirty="0" smtClean="0">
+                          <a:effectLst/>
+                        </a:rPr>
+                        <a:t>佑輔</a:t>
                       </a:r>
                       <a:endParaRPr lang="ja-JP" sz="1400" kern="100" dirty="0">
                         <a:effectLst/>
@@ -7228,15 +7234,15 @@
                         <a:rPr lang="ja-JP" sz="1400" kern="100" dirty="0">
                           <a:effectLst/>
                         </a:rPr>
-                        <a:t>の実装</a:t>
+                        <a:t>の</a:t>
                       </a:r>
                       <a:r>
-                        <a:rPr lang="en-US" sz="1000" kern="100" dirty="0">
+                        <a:rPr lang="ja-JP" sz="1400" kern="100" dirty="0" smtClean="0">
                           <a:effectLst/>
                         </a:rPr>
-                        <a:t> </a:t>
+                        <a:t>実装</a:t>
                       </a:r>
-                      <a:endParaRPr lang="ja-JP" sz="1400" kern="100" dirty="0">
+                      <a:endParaRPr lang="ja-JP" altLang="en-US" sz="1000" kern="100" dirty="0" smtClean="0">
                         <a:effectLst/>
                       </a:endParaRPr>
                     </a:p>
@@ -7249,11 +7255,32 @@
                         <a:buChar char="・"/>
                       </a:pPr>
                       <a:r>
-                        <a:rPr lang="ja-JP" sz="1400" kern="100" dirty="0">
+                        <a:rPr lang="en-US" altLang="ja-JP" sz="1400" kern="100" dirty="0" smtClean="0">
                           <a:effectLst/>
                         </a:rPr>
-                        <a:t>中間発表１</a:t>
+                        <a:t>Command</a:t>
                       </a:r>
+                      <a:r>
+                        <a:rPr lang="en-US" altLang="ja-JP" sz="1400" kern="100" baseline="0" dirty="0" smtClean="0">
+                          <a:effectLst/>
+                        </a:rPr>
+                        <a:t> </a:t>
+                      </a:r>
+                      <a:r>
+                        <a:rPr lang="en-US" altLang="ja-JP" sz="1400" kern="100" baseline="0" smtClean="0">
+                          <a:effectLst/>
+                        </a:rPr>
+                        <a:t>Line Interface</a:t>
+                      </a:r>
+                      <a:r>
+                        <a:rPr lang="ja-JP" altLang="ja-JP" sz="1400" kern="100" smtClean="0">
+                          <a:effectLst/>
+                        </a:rPr>
+                        <a:t>の実装</a:t>
+                      </a:r>
+                      <a:endParaRPr lang="ja-JP" altLang="en-US" sz="1000" kern="100" smtClean="0">
+                        <a:effectLst/>
+                      </a:endParaRPr>
                     </a:p>
                     <a:p>
                       <a:pPr marL="342900" lvl="0" indent="-342900" algn="just">
@@ -7264,7 +7291,7 @@
                         <a:buChar char="・"/>
                       </a:pPr>
                       <a:r>
-                        <a:rPr lang="en-US" sz="1400" kern="100" dirty="0">
+                        <a:rPr lang="en-US" sz="1400" kern="100" dirty="0" smtClean="0">
                           <a:effectLst/>
                         </a:rPr>
                         <a:t>+</a:t>
@@ -7293,7 +7320,7 @@
                 </a:tc>
                 <a:extLst>
                   <a:ext uri="{0D108BD9-81ED-4DB2-BD59-A6C34878D82A}">
-                    <a16:rowId xmlns:a16="http://schemas.microsoft.com/office/drawing/2014/main" val="10003"/>
+                    <a16:rowId xmlns:a16="http://schemas.microsoft.com/office/drawing/2014/main" xmlns="" val="10003"/>
                   </a:ext>
                 </a:extLst>
               </a:tr>
@@ -7309,12 +7336,18 @@
                         </a:spcAft>
                       </a:pPr>
                       <a:r>
-                        <a:rPr lang="en-US" sz="1600" kern="100">
+                        <a:rPr lang="en-US" sz="1600" kern="100" dirty="0" smtClean="0">
                           <a:effectLst/>
                         </a:rPr>
-                        <a:t>Jens Oetjen</a:t>
+                        <a:t>Jens </a:t>
                       </a:r>
-                      <a:endParaRPr lang="ja-JP" sz="1400" kern="100">
+                      <a:r>
+                        <a:rPr lang="en-US" sz="1600" kern="100" dirty="0" err="1" smtClean="0">
+                          <a:effectLst/>
+                        </a:rPr>
+                        <a:t>Oetjen</a:t>
+                      </a:r>
+                      <a:endParaRPr lang="ja-JP" sz="1400" kern="100" dirty="0">
                         <a:effectLst/>
                         <a:latin typeface="Yu Mincho" charset="-128"/>
                         <a:ea typeface="Yu Mincho" charset="-128"/>
@@ -7378,7 +7411,7 @@
                 </a:tc>
                 <a:extLst>
                   <a:ext uri="{0D108BD9-81ED-4DB2-BD59-A6C34878D82A}">
-                    <a16:rowId xmlns:a16="http://schemas.microsoft.com/office/drawing/2014/main" val="10004"/>
+                    <a16:rowId xmlns:a16="http://schemas.microsoft.com/office/drawing/2014/main" xmlns="" val="10004"/>
                   </a:ext>
                 </a:extLst>
               </a:tr>
@@ -7520,7 +7553,7 @@
                 </a:tc>
                 <a:extLst>
                   <a:ext uri="{0D108BD9-81ED-4DB2-BD59-A6C34878D82A}">
-                    <a16:rowId xmlns:a16="http://schemas.microsoft.com/office/drawing/2014/main" val="10005"/>
+                    <a16:rowId xmlns:a16="http://schemas.microsoft.com/office/drawing/2014/main" xmlns="" val="10005"/>
                   </a:ext>
                 </a:extLst>
               </a:tr>
@@ -8056,7 +8089,7 @@
           <p:nvPr>
             <p:extLst>
               <p:ext uri="{D42A27DB-BD31-4B8C-83A1-F6EECF244321}">
-                <p14:modId xmlns:p14="http://schemas.microsoft.com/office/powerpoint/2010/main" val="1316194643"/>
+                <p14:modId xmlns:p14="http://schemas.microsoft.com/office/powerpoint/2010/main" val="1695504613"/>
               </p:ext>
             </p:extLst>
           </p:nvPr>
@@ -8075,21 +8108,21 @@
                 <a:gridCol w="2536853">
                   <a:extLst>
                     <a:ext uri="{9D8B030D-6E8A-4147-A177-3AD203B41FA5}">
-                      <a16:colId xmlns:a16="http://schemas.microsoft.com/office/drawing/2014/main" val="20000"/>
+                      <a16:colId xmlns:a16="http://schemas.microsoft.com/office/drawing/2014/main" xmlns="" val="20000"/>
                     </a:ext>
                   </a:extLst>
                 </a:gridCol>
                 <a:gridCol w="3177556">
                   <a:extLst>
                     <a:ext uri="{9D8B030D-6E8A-4147-A177-3AD203B41FA5}">
-                      <a16:colId xmlns:a16="http://schemas.microsoft.com/office/drawing/2014/main" val="20001"/>
+                      <a16:colId xmlns:a16="http://schemas.microsoft.com/office/drawing/2014/main" xmlns="" val="20001"/>
                     </a:ext>
                   </a:extLst>
                 </a:gridCol>
                 <a:gridCol w="4219435">
                   <a:extLst>
                     <a:ext uri="{9D8B030D-6E8A-4147-A177-3AD203B41FA5}">
-                      <a16:colId xmlns:a16="http://schemas.microsoft.com/office/drawing/2014/main" val="20002"/>
+                      <a16:colId xmlns:a16="http://schemas.microsoft.com/office/drawing/2014/main" xmlns="" val="20002"/>
                     </a:ext>
                   </a:extLst>
                 </a:gridCol>
@@ -8175,7 +8208,7 @@
                 </a:tc>
                 <a:extLst>
                   <a:ext uri="{0D108BD9-81ED-4DB2-BD59-A6C34878D82A}">
-                    <a16:rowId xmlns:a16="http://schemas.microsoft.com/office/drawing/2014/main" val="10000"/>
+                    <a16:rowId xmlns:a16="http://schemas.microsoft.com/office/drawing/2014/main" xmlns="" val="10000"/>
                   </a:ext>
                 </a:extLst>
               </a:tr>
@@ -8261,7 +8294,7 @@
                 </a:tc>
                 <a:extLst>
                   <a:ext uri="{0D108BD9-81ED-4DB2-BD59-A6C34878D82A}">
-                    <a16:rowId xmlns:a16="http://schemas.microsoft.com/office/drawing/2014/main" val="10001"/>
+                    <a16:rowId xmlns:a16="http://schemas.microsoft.com/office/drawing/2014/main" xmlns="" val="10001"/>
                   </a:ext>
                 </a:extLst>
               </a:tr>
@@ -8365,7 +8398,7 @@
                 </a:tc>
                 <a:extLst>
                   <a:ext uri="{0D108BD9-81ED-4DB2-BD59-A6C34878D82A}">
-                    <a16:rowId xmlns:a16="http://schemas.microsoft.com/office/drawing/2014/main" val="10002"/>
+                    <a16:rowId xmlns:a16="http://schemas.microsoft.com/office/drawing/2014/main" xmlns="" val="10002"/>
                   </a:ext>
                 </a:extLst>
               </a:tr>
@@ -8381,12 +8414,24 @@
                         </a:spcAft>
                       </a:pPr>
                       <a:r>
-                        <a:rPr lang="ja-JP" sz="3200" kern="100">
+                        <a:rPr lang="ja-JP" sz="3200" kern="100" dirty="0">
                           <a:effectLst/>
                         </a:rPr>
-                        <a:t>原　祐輔</a:t>
+                        <a:t>原　</a:t>
                       </a:r>
-                      <a:endParaRPr lang="ja-JP" sz="2800" kern="100">
+                      <a:r>
+                        <a:rPr lang="ja-JP" altLang="en-US" sz="3200" kern="100" dirty="0" smtClean="0">
+                          <a:effectLst/>
+                        </a:rPr>
+                        <a:t>佑</a:t>
+                      </a:r>
+                      <a:r>
+                        <a:rPr lang="ja-JP" sz="3200" kern="100" dirty="0" smtClean="0">
+                          <a:effectLst/>
+                        </a:rPr>
+                        <a:t>輔</a:t>
+                      </a:r>
+                      <a:endParaRPr lang="ja-JP" sz="2800" kern="100" dirty="0">
                         <a:effectLst/>
                         <a:latin typeface="Yu Mincho" charset="-128"/>
                         <a:ea typeface="Yu Mincho" charset="-128"/>
@@ -8407,12 +8452,18 @@
                         </a:spcAft>
                       </a:pPr>
                       <a:r>
-                        <a:rPr lang="en-US" sz="2000" kern="100">
+                        <a:rPr lang="en-US" sz="2000" kern="100" dirty="0" smtClean="0">
+                          <a:effectLst/>
+                        </a:rPr>
+                        <a:t>33E16018</a:t>
+                      </a:r>
+                      <a:r>
+                        <a:rPr lang="en-US" sz="2000" kern="100" dirty="0">
                           <a:effectLst/>
                         </a:rPr>
                         <a:t> </a:t>
                       </a:r>
-                      <a:endParaRPr lang="ja-JP" sz="2800" kern="100">
+                      <a:endParaRPr lang="ja-JP" sz="2800" kern="100" dirty="0">
                         <a:effectLst/>
                         <a:latin typeface="Yu Mincho" charset="-128"/>
                         <a:ea typeface="Yu Mincho" charset="-128"/>
@@ -8451,7 +8502,7 @@
                 </a:tc>
                 <a:extLst>
                   <a:ext uri="{0D108BD9-81ED-4DB2-BD59-A6C34878D82A}">
-                    <a16:rowId xmlns:a16="http://schemas.microsoft.com/office/drawing/2014/main" val="10003"/>
+                    <a16:rowId xmlns:a16="http://schemas.microsoft.com/office/drawing/2014/main" xmlns="" val="10003"/>
                   </a:ext>
                 </a:extLst>
               </a:tr>
@@ -8537,7 +8588,7 @@
                 </a:tc>
                 <a:extLst>
                   <a:ext uri="{0D108BD9-81ED-4DB2-BD59-A6C34878D82A}">
-                    <a16:rowId xmlns:a16="http://schemas.microsoft.com/office/drawing/2014/main" val="10004"/>
+                    <a16:rowId xmlns:a16="http://schemas.microsoft.com/office/drawing/2014/main" xmlns="" val="10004"/>
                   </a:ext>
                 </a:extLst>
               </a:tr>
@@ -8623,7 +8674,7 @@
                 </a:tc>
                 <a:extLst>
                   <a:ext uri="{0D108BD9-81ED-4DB2-BD59-A6C34878D82A}">
-                    <a16:rowId xmlns:a16="http://schemas.microsoft.com/office/drawing/2014/main" val="10005"/>
+                    <a16:rowId xmlns:a16="http://schemas.microsoft.com/office/drawing/2014/main" xmlns="" val="10005"/>
                   </a:ext>
                 </a:extLst>
               </a:tr>

--- a/FinalReport_team1.pptx
+++ b/FinalReport_team1.pptx
@@ -5,7 +5,7 @@
     <p:sldMasterId id="2147483648" r:id="rId1"/>
   </p:sldMasterIdLst>
   <p:notesMasterIdLst>
-    <p:notesMasterId r:id="rId15"/>
+    <p:notesMasterId r:id="rId16"/>
   </p:notesMasterIdLst>
   <p:sldIdLst>
     <p:sldId id="256" r:id="rId2"/>
@@ -18,9 +18,10 @@
     <p:sldId id="267" r:id="rId9"/>
     <p:sldId id="268" r:id="rId10"/>
     <p:sldId id="260" r:id="rId11"/>
-    <p:sldId id="261" r:id="rId12"/>
-    <p:sldId id="262" r:id="rId13"/>
-    <p:sldId id="263" r:id="rId14"/>
+    <p:sldId id="269" r:id="rId12"/>
+    <p:sldId id="261" r:id="rId13"/>
+    <p:sldId id="262" r:id="rId14"/>
+    <p:sldId id="263" r:id="rId15"/>
   </p:sldIdLst>
   <p:sldSz cx="12192000" cy="6858000"/>
   <p:notesSz cx="6858000" cy="9144000"/>
@@ -210,37 +211,6 @@
 
 <file path=ppt/comments/comment4.xml><?xml version="1.0" encoding="utf-8"?>
 <p:cmLst xmlns:a="http://schemas.openxmlformats.org/drawingml/2006/main" xmlns:r="http://schemas.openxmlformats.org/officeDocument/2006/relationships" xmlns:p="http://schemas.openxmlformats.org/presentationml/2006/main">
-  <p:cm authorId="3" dt="2017-02-02T09:32:22.170" idx="1">
-    <p:pos x="524" y="1181"/>
-    <p:text>銀杏さんに頂いたtxtファイルの丸写しです．</p:text>
-    <p:extLst>
-      <p:ext uri="{C676402C-5697-4E1C-873F-D02D1690AC5C}">
-        <p15:threadingInfo xmlns:p15="http://schemas.microsoft.com/office/powerpoint/2012/main" timeZoneBias="-540"/>
-      </p:ext>
-    </p:extLst>
-  </p:cm>
-</p:cmLst>
-</file>
-
-<file path=ppt/comments/comment5.xml><?xml version="1.0" encoding="utf-8"?>
-<p:cmLst xmlns:a="http://schemas.openxmlformats.org/drawingml/2006/main" xmlns:r="http://schemas.openxmlformats.org/officeDocument/2006/relationships" xmlns:p="http://schemas.openxmlformats.org/presentationml/2006/main">
-  <p:cm authorId="4" dt="2017-02-02T09:34:44.798" idx="1">
-    <p:pos x="150" y="1013"/>
-    <p:text>メールでは事前の計画と実際の進捗を要求されていますが，そうじゃなかったので正直に書きました．
-表２のスケジュールは講義と集まった日時はコンプリートしてるはずです。（LINEより）
-実施内容は覚えているところだけ書きましたのでスッカスカです．
-修正お願いしまする．</p:text>
-    <p:extLst>
-      <p:ext uri="{C676402C-5697-4E1C-873F-D02D1690AC5C}">
-        <p15:threadingInfo xmlns:p15="http://schemas.microsoft.com/office/powerpoint/2012/main" timeZoneBias="-540"/>
-      </p:ext>
-    </p:extLst>
-  </p:cm>
-</p:cmLst>
-</file>
-
-<file path=ppt/comments/comment6.xml><?xml version="1.0" encoding="utf-8"?>
-<p:cmLst xmlns:a="http://schemas.openxmlformats.org/drawingml/2006/main" xmlns:r="http://schemas.openxmlformats.org/officeDocument/2006/relationships" xmlns:p="http://schemas.openxmlformats.org/presentationml/2006/main">
   <p:cm authorId="5" dt="2017-02-02T09:37:28.363" idx="1">
     <p:pos x="475" y="1318"/>
     <p:text>各自で自分の役割を編集してください．
@@ -255,7 +225,7 @@
 </p:cmLst>
 </file>
 
-<file path=ppt/comments/comment7.xml><?xml version="1.0" encoding="utf-8"?>
+<file path=ppt/comments/comment5.xml><?xml version="1.0" encoding="utf-8"?>
 <p:cmLst xmlns:a="http://schemas.openxmlformats.org/drawingml/2006/main" xmlns:r="http://schemas.openxmlformats.org/officeDocument/2006/relationships" xmlns:p="http://schemas.openxmlformats.org/presentationml/2006/main">
   <p:cm authorId="6" dt="2017-02-02T09:40:50.200" idx="1">
     <p:pos x="3132" y="862"/>
@@ -4171,8 +4141,18 @@
             </a:pPr>
             <a:r>
               <a:rPr lang="ja-JP" altLang="en-US" sz="4800" dirty="0" smtClean="0"/>
-              <a:t>デモの質疑まとめ</a:t>
-            </a:r>
+              <a:t>デモの質疑まとめ </a:t>
+            </a:r>
+            <a:r>
+              <a:rPr lang="en-US" altLang="ja-JP" sz="4800" dirty="0" smtClean="0"/>
+              <a:t>(1)</a:t>
+            </a:r>
+          </a:p>
+          <a:p>
+            <a:pPr marL="914400" indent="-914400">
+              <a:buFont typeface="+mj-lt"/>
+              <a:buAutoNum type="arabicPeriod" startAt="3"/>
+            </a:pPr>
             <a:endParaRPr lang="ja-JP" altLang="en-US" sz="4800" dirty="0"/>
           </a:p>
         </p:txBody>
@@ -4186,7 +4166,7 @@
         <p:spPr>
           <a:xfrm>
             <a:off x="1923288" y="979468"/>
-            <a:ext cx="8345424" cy="5878532"/>
+            <a:ext cx="8345424" cy="5755422"/>
           </a:xfrm>
           <a:prstGeom prst="rect">
             <a:avLst/>
@@ -4258,6 +4238,50 @@
               </a:rPr>
               <a:t>大変だったこと，難しかったことは？</a:t>
             </a:r>
+            <a:endParaRPr lang="en-US" altLang="ja-JP" sz="1600" kern="100" dirty="0" smtClean="0">
+              <a:effectLst/>
+              <a:latin typeface="Yu Mincho" charset="-128"/>
+              <a:ea typeface="HGPGothicE" charset="-128"/>
+              <a:cs typeface="Times New Roman" charset="0"/>
+            </a:endParaRPr>
+          </a:p>
+          <a:p>
+            <a:pPr marL="800100" lvl="1" indent="-342900" algn="just">
+              <a:buFont typeface="Wingdings" panose="05000000000000000000" pitchFamily="2" charset="2"/>
+              <a:buChar char="Ø"/>
+            </a:pPr>
+            <a:r>
+              <a:rPr lang="ja-JP" altLang="ja-JP" sz="1600" kern="100" dirty="0">
+                <a:latin typeface="Yu Mincho" charset="-128"/>
+                <a:ea typeface="HGPGothicE" charset="-128"/>
+                <a:cs typeface="Times New Roman" charset="0"/>
+              </a:rPr>
+              <a:t>コントローラの実装．</a:t>
+            </a:r>
+            <a:r>
+              <a:rPr lang="en-US" altLang="ja-JP" sz="1600" kern="100" dirty="0">
+                <a:latin typeface="Yu Mincho" charset="-128"/>
+                <a:ea typeface="HGPGothicE" charset="-128"/>
+                <a:cs typeface="Times New Roman" charset="0"/>
+              </a:rPr>
+              <a:t>Docker</a:t>
+            </a:r>
+            <a:r>
+              <a:rPr lang="ja-JP" altLang="ja-JP" sz="1600" kern="100" dirty="0">
+                <a:latin typeface="Yu Mincho" charset="-128"/>
+                <a:ea typeface="HGPGothicE" charset="-128"/>
+                <a:cs typeface="Times New Roman" charset="0"/>
+              </a:rPr>
+              <a:t>コンテナとの</a:t>
+            </a:r>
+            <a:r>
+              <a:rPr lang="ja-JP" altLang="ja-JP" sz="1600" kern="100" dirty="0" smtClean="0">
+                <a:latin typeface="Yu Mincho" charset="-128"/>
+                <a:ea typeface="HGPGothicE" charset="-128"/>
+                <a:cs typeface="Times New Roman" charset="0"/>
+              </a:rPr>
+              <a:t>通信</a:t>
+            </a:r>
             <a:endParaRPr lang="ja-JP" altLang="ja-JP" sz="1600" kern="100" dirty="0" smtClean="0">
               <a:effectLst/>
               <a:latin typeface="Yu Mincho" charset="-128"/>
@@ -4271,13 +4295,13 @@
               <a:buChar char=""/>
             </a:pPr>
             <a:r>
-              <a:rPr lang="ja-JP" altLang="ja-JP" sz="1600" kern="100" dirty="0" smtClean="0">
+              <a:rPr lang="ja-JP" altLang="en-US" sz="1600" kern="100" dirty="0" smtClean="0">
                 <a:effectLst/>
                 <a:latin typeface="Yu Mincho" charset="-128"/>
                 <a:ea typeface="HGPGothicE" charset="-128"/>
                 <a:cs typeface="Times New Roman" charset="0"/>
               </a:rPr>
-              <a:t>コントローラの実装．</a:t>
+              <a:t>期間が短すぎたこと．演習</a:t>
             </a:r>
             <a:r>
               <a:rPr lang="en-US" altLang="ja-JP" sz="1600" kern="100" dirty="0" smtClean="0">
@@ -4286,21 +4310,141 @@
                 <a:ea typeface="HGPGothicE" charset="-128"/>
                 <a:cs typeface="Times New Roman" charset="0"/>
               </a:rPr>
-              <a:t>Docker</a:t>
-            </a:r>
-            <a:r>
-              <a:rPr lang="ja-JP" altLang="ja-JP" sz="1600" kern="100" dirty="0" smtClean="0">
+              <a:t>Ⅰ</a:t>
+            </a:r>
+            <a:r>
+              <a:rPr lang="ja-JP" altLang="en-US" sz="1600" kern="100" dirty="0" smtClean="0">
                 <a:effectLst/>
                 <a:latin typeface="Yu Mincho" charset="-128"/>
                 <a:ea typeface="HGPGothicE" charset="-128"/>
                 <a:cs typeface="Times New Roman" charset="0"/>
               </a:rPr>
-              <a:t>コンテナとの通信</a:t>
-            </a:r>
-            <a:endParaRPr lang="ja-JP" altLang="ja-JP" sz="1600" kern="100" dirty="0" smtClean="0">
+              <a:t>と同じ ７ 週構成にして</a:t>
+            </a:r>
+            <a:r>
+              <a:rPr lang="ja-JP" altLang="en-US" sz="1600" kern="100" dirty="0">
+                <a:latin typeface="Yu Mincho" charset="-128"/>
+                <a:ea typeface="HGPGothicE" charset="-128"/>
+                <a:cs typeface="Times New Roman" charset="0"/>
+              </a:rPr>
+              <a:t>欲</a:t>
+            </a:r>
+            <a:r>
+              <a:rPr lang="ja-JP" altLang="en-US" sz="1600" kern="100" dirty="0" smtClean="0">
+                <a:latin typeface="Yu Mincho" charset="-128"/>
+                <a:ea typeface="HGPGothicE" charset="-128"/>
+                <a:cs typeface="Times New Roman" charset="0"/>
+              </a:rPr>
+              <a:t>しい</a:t>
+            </a:r>
+            <a:r>
+              <a:rPr lang="ja-JP" altLang="en-US" sz="1600" kern="100" dirty="0" smtClean="0">
+                <a:effectLst/>
+                <a:latin typeface="Yu Mincho" charset="-128"/>
+                <a:ea typeface="HGPGothicE" charset="-128"/>
+                <a:cs typeface="Times New Roman" charset="0"/>
+              </a:rPr>
+              <a:t>ととても強く感じた．</a:t>
+            </a:r>
+            <a:endParaRPr lang="en-US" altLang="ja-JP" sz="1600" kern="100" dirty="0" smtClean="0">
               <a:effectLst/>
               <a:latin typeface="Yu Mincho" charset="-128"/>
-              <a:ea typeface="Yu Mincho" charset="-128"/>
+              <a:ea typeface="HGPGothicE" charset="-128"/>
+              <a:cs typeface="Times New Roman" charset="0"/>
+            </a:endParaRPr>
+          </a:p>
+          <a:p>
+            <a:pPr marL="800100" lvl="1" indent="-342900" algn="just">
+              <a:buFont typeface="Wingdings" charset="2"/>
+              <a:buChar char=""/>
+            </a:pPr>
+            <a:r>
+              <a:rPr lang="ja-JP" altLang="en-US" sz="1600" kern="100" dirty="0">
+                <a:latin typeface="Yu Mincho" charset="-128"/>
+                <a:ea typeface="HGPGothicE" charset="-128"/>
+                <a:cs typeface="Times New Roman" charset="0"/>
+              </a:rPr>
+              <a:t>仕様がざっくり過ぎて何を作ればいいのかよく理解できなかったこと．もう少し詳細に</a:t>
+            </a:r>
+            <a:r>
+              <a:rPr lang="ja-JP" altLang="en-US" sz="1600" kern="100" dirty="0" smtClean="0">
+                <a:latin typeface="Yu Mincho" charset="-128"/>
+                <a:ea typeface="HGPGothicE" charset="-128"/>
+                <a:cs typeface="Times New Roman" charset="0"/>
+              </a:rPr>
+              <a:t>仕様・要件</a:t>
+            </a:r>
+            <a:r>
+              <a:rPr lang="ja-JP" altLang="en-US" sz="1600" kern="100" dirty="0">
+                <a:latin typeface="Yu Mincho" charset="-128"/>
+                <a:ea typeface="HGPGothicE" charset="-128"/>
+                <a:cs typeface="Times New Roman" charset="0"/>
+              </a:rPr>
+              <a:t>を記載して欲しいと強く感じた</a:t>
+            </a:r>
+            <a:r>
+              <a:rPr lang="ja-JP" altLang="en-US" sz="1600" kern="100" dirty="0" smtClean="0">
+                <a:latin typeface="Yu Mincho" charset="-128"/>
+                <a:ea typeface="HGPGothicE" charset="-128"/>
+                <a:cs typeface="Times New Roman" charset="0"/>
+              </a:rPr>
+              <a:t>．</a:t>
+            </a:r>
+            <a:endParaRPr lang="en-US" altLang="ja-JP" sz="1600" kern="100" dirty="0">
+              <a:latin typeface="Yu Mincho" charset="-128"/>
+              <a:ea typeface="HGPGothicE" charset="-128"/>
+              <a:cs typeface="Times New Roman" charset="0"/>
+            </a:endParaRPr>
+          </a:p>
+          <a:p>
+            <a:pPr marL="800100" lvl="1" indent="-342900" algn="just">
+              <a:buFont typeface="Wingdings" charset="2"/>
+              <a:buChar char=""/>
+            </a:pPr>
+            <a:r>
+              <a:rPr lang="en-US" altLang="ja-JP" sz="1600" kern="100" dirty="0" err="1" smtClean="0">
+                <a:latin typeface="Yu Mincho" charset="-128"/>
+                <a:ea typeface="HGPGothicE" charset="-128"/>
+                <a:cs typeface="Times New Roman" charset="0"/>
+              </a:rPr>
+              <a:t>Trema</a:t>
+            </a:r>
+            <a:r>
+              <a:rPr lang="en-US" altLang="ja-JP" sz="1600" kern="100" dirty="0" smtClean="0">
+                <a:latin typeface="Yu Mincho" charset="-128"/>
+                <a:ea typeface="HGPGothicE" charset="-128"/>
+                <a:cs typeface="Times New Roman" charset="0"/>
+              </a:rPr>
+              <a:t> </a:t>
+            </a:r>
+            <a:r>
+              <a:rPr lang="ja-JP" altLang="en-US" sz="1600" kern="100" dirty="0" smtClean="0">
+                <a:latin typeface="Yu Mincho" charset="-128"/>
+                <a:ea typeface="HGPGothicE" charset="-128"/>
+                <a:cs typeface="Times New Roman" charset="0"/>
+              </a:rPr>
+              <a:t>のプログラムや各種コントローラのプログラムに欠陥があったこと．これらの修正に大変な時間及び労力を用いることを強いられた．これまで何年も演習を実施しているのだから，上記欠陥は教員が発見している，もしくは学生によって指摘されているはずで，本来授業スタッフである教員または </a:t>
+            </a:r>
+            <a:r>
+              <a:rPr lang="en-US" altLang="ja-JP" sz="1600" kern="100" dirty="0" smtClean="0">
+                <a:latin typeface="Yu Mincho" charset="-128"/>
+                <a:ea typeface="HGPGothicE" charset="-128"/>
+                <a:cs typeface="Times New Roman" charset="0"/>
+              </a:rPr>
+              <a:t>TA </a:t>
+            </a:r>
+            <a:r>
+              <a:rPr lang="ja-JP" altLang="en-US" sz="1600" kern="100" dirty="0" smtClean="0">
+                <a:latin typeface="Yu Mincho" charset="-128"/>
+                <a:ea typeface="HGPGothicE" charset="-128"/>
+                <a:cs typeface="Times New Roman" charset="0"/>
+              </a:rPr>
+              <a:t>によって修正されているべきものである．これがなされてないのは完全に教員側の怠惰であり，このような職務放棄をしておきながら学生に対して意見をし，成果物の評価を行うのは完全に立場を利用した傲慢な行為である，と言わざるを得ない．少なくとも学生に対して提供する上記プログラムに関しては，提供者である教員側が責任をもって修正し，仮想環境及び実機での動作確認をして，欠陥なく正常に稼働することを保証するべきである．これは，学生から授業料を徴収し，さらに （国立大学なので） 国家から補助金を交付されることで生活の糧を得ている対価として，教員が当然果たすべき職務である．</a:t>
+            </a:r>
+            <a:endParaRPr lang="en-US" altLang="ja-JP" sz="1600" kern="100" dirty="0" smtClean="0">
+              <a:effectLst/>
+              <a:latin typeface="Yu Mincho" charset="-128"/>
+              <a:ea typeface="HGPGothicE" charset="-128"/>
               <a:cs typeface="Times New Roman" charset="0"/>
             </a:endParaRPr>
           </a:p>
@@ -4361,425 +4505,6 @@
               <a:t>アクセスの制限としては，スイッチへのアクセス数をカウントしている．なので，別のスライスへのアクセスも制限の対象になる．</a:t>
             </a:r>
             <a:endParaRPr lang="ja-JP" altLang="ja-JP" sz="1600" kern="100" dirty="0" smtClean="0">
-              <a:effectLst/>
-              <a:latin typeface="Yu Mincho" charset="-128"/>
-              <a:ea typeface="Yu Mincho" charset="-128"/>
-              <a:cs typeface="Times New Roman" charset="0"/>
-            </a:endParaRPr>
-          </a:p>
-          <a:p>
-            <a:pPr marL="342900" lvl="0" indent="-342900" algn="just">
-              <a:spcAft>
-                <a:spcPts val="0"/>
-              </a:spcAft>
-              <a:buFont typeface="+mj-lt"/>
-              <a:buAutoNum type="circleNumDbPlain"/>
-            </a:pPr>
-            <a:endParaRPr lang="en-US" altLang="ja-JP" sz="1600" kern="100" dirty="0" smtClean="0">
-              <a:effectLst/>
-              <a:latin typeface="HGPGothicE" charset="-128"/>
-              <a:ea typeface="Yu Mincho" charset="-128"/>
-              <a:cs typeface="Times New Roman" charset="0"/>
-            </a:endParaRPr>
-          </a:p>
-          <a:p>
-            <a:pPr marL="342900" lvl="0" indent="-342900" algn="just">
-              <a:spcAft>
-                <a:spcPts val="0"/>
-              </a:spcAft>
-              <a:buFont typeface="+mj-lt"/>
-              <a:buAutoNum type="circleNumDbPlain"/>
-            </a:pPr>
-            <a:r>
-              <a:rPr lang="en-US" altLang="ja-JP" sz="1600" kern="100" dirty="0" err="1" smtClean="0">
-                <a:effectLst/>
-                <a:latin typeface="HGPGothicE" charset="-128"/>
-                <a:ea typeface="Yu Mincho" charset="-128"/>
-                <a:cs typeface="Times New Roman" charset="0"/>
-              </a:rPr>
-              <a:t>docker</a:t>
-            </a:r>
-            <a:r>
-              <a:rPr lang="ja-JP" altLang="ja-JP" sz="1600" kern="100" dirty="0" smtClean="0">
-                <a:effectLst/>
-                <a:latin typeface="Yu Mincho" charset="-128"/>
-                <a:ea typeface="HGPGothicE" charset="-128"/>
-                <a:cs typeface="Times New Roman" charset="0"/>
-              </a:rPr>
-              <a:t>コンテナに割り当てる</a:t>
-            </a:r>
-            <a:r>
-              <a:rPr lang="en-US" altLang="ja-JP" sz="1600" kern="100" dirty="0" smtClean="0">
-                <a:effectLst/>
-                <a:latin typeface="Yu Mincho" charset="-128"/>
-                <a:ea typeface="HGPGothicE" charset="-128"/>
-                <a:cs typeface="Times New Roman" charset="0"/>
-              </a:rPr>
-              <a:t>Docker</a:t>
-            </a:r>
-            <a:r>
-              <a:rPr lang="ja-JP" altLang="ja-JP" sz="1600" kern="100" dirty="0" smtClean="0">
-                <a:effectLst/>
-                <a:latin typeface="Yu Mincho" charset="-128"/>
-                <a:ea typeface="HGPGothicE" charset="-128"/>
-                <a:cs typeface="Times New Roman" charset="0"/>
-              </a:rPr>
-              <a:t>ホストのポートはどのように決定している？</a:t>
-            </a:r>
-            <a:endParaRPr lang="ja-JP" altLang="ja-JP" sz="1600" kern="100" dirty="0" smtClean="0">
-              <a:effectLst/>
-              <a:latin typeface="Yu Mincho" charset="-128"/>
-              <a:ea typeface="Yu Mincho" charset="-128"/>
-              <a:cs typeface="Times New Roman" charset="0"/>
-            </a:endParaRPr>
-          </a:p>
-          <a:p>
-            <a:pPr marL="742950" lvl="1" indent="-285750" algn="just">
-              <a:spcAft>
-                <a:spcPts val="0"/>
-              </a:spcAft>
-              <a:buFont typeface="Wingdings" charset="2"/>
-              <a:buChar char=""/>
-            </a:pPr>
-            <a:r>
-              <a:rPr lang="en-US" altLang="ja-JP" sz="1600" kern="100" dirty="0" err="1" smtClean="0">
-                <a:effectLst/>
-                <a:latin typeface="HGPGothicE" charset="-128"/>
-                <a:ea typeface="Yu Mincho" charset="-128"/>
-                <a:cs typeface="Times New Roman" charset="0"/>
-              </a:rPr>
-              <a:t>restAPI</a:t>
-            </a:r>
-            <a:r>
-              <a:rPr lang="ja-JP" altLang="ja-JP" sz="1600" kern="100" dirty="0" smtClean="0">
-                <a:effectLst/>
-                <a:latin typeface="Yu Mincho" charset="-128"/>
-                <a:ea typeface="HGPGothicE" charset="-128"/>
-                <a:cs typeface="Times New Roman" charset="0"/>
-              </a:rPr>
-              <a:t>を使うと</a:t>
-            </a:r>
-            <a:r>
-              <a:rPr lang="en-US" altLang="ja-JP" sz="1600" kern="100" dirty="0" smtClean="0">
-                <a:effectLst/>
-                <a:latin typeface="Yu Mincho" charset="-128"/>
-                <a:ea typeface="HGPGothicE" charset="-128"/>
-                <a:cs typeface="Times New Roman" charset="0"/>
-              </a:rPr>
-              <a:t>Docker</a:t>
-            </a:r>
-            <a:r>
-              <a:rPr lang="ja-JP" altLang="ja-JP" sz="1600" kern="100" dirty="0" smtClean="0">
-                <a:effectLst/>
-                <a:latin typeface="Yu Mincho" charset="-128"/>
-                <a:ea typeface="HGPGothicE" charset="-128"/>
-                <a:cs typeface="Times New Roman" charset="0"/>
-              </a:rPr>
-              <a:t>ホストが作成したコンテナにポート番号を自動で割り当てる．そのポート番号をクライアントに通知する．</a:t>
-            </a:r>
-            <a:endParaRPr lang="ja-JP" altLang="ja-JP" sz="1600" kern="100" dirty="0" smtClean="0">
-              <a:effectLst/>
-              <a:latin typeface="Yu Mincho" charset="-128"/>
-              <a:ea typeface="Yu Mincho" charset="-128"/>
-              <a:cs typeface="Times New Roman" charset="0"/>
-            </a:endParaRPr>
-          </a:p>
-          <a:p>
-            <a:pPr marL="342900" lvl="0" indent="-342900" algn="just">
-              <a:spcAft>
-                <a:spcPts val="0"/>
-              </a:spcAft>
-              <a:buFont typeface="+mj-lt"/>
-              <a:buAutoNum type="circleNumDbPlain"/>
-            </a:pPr>
-            <a:endParaRPr lang="en-US" altLang="ja-JP" sz="1600" kern="100" dirty="0" smtClean="0">
-              <a:effectLst/>
-              <a:latin typeface="Yu Mincho" charset="-128"/>
-              <a:ea typeface="HGPGothicE" charset="-128"/>
-              <a:cs typeface="Times New Roman" charset="0"/>
-            </a:endParaRPr>
-          </a:p>
-          <a:p>
-            <a:pPr marL="342900" lvl="0" indent="-342900" algn="just">
-              <a:spcAft>
-                <a:spcPts val="0"/>
-              </a:spcAft>
-              <a:buFont typeface="+mj-lt"/>
-              <a:buAutoNum type="circleNumDbPlain"/>
-            </a:pPr>
-            <a:r>
-              <a:rPr lang="ja-JP" altLang="ja-JP" sz="1600" kern="100" dirty="0" smtClean="0">
-                <a:effectLst/>
-                <a:latin typeface="Yu Mincho" charset="-128"/>
-                <a:ea typeface="HGPGothicE" charset="-128"/>
-                <a:cs typeface="Times New Roman" charset="0"/>
-              </a:rPr>
-              <a:t>アクセス制限はどのように実装している？</a:t>
-            </a:r>
-            <a:r>
-              <a:rPr lang="en-US" altLang="ja-JP" sz="1600" kern="100" dirty="0" err="1" smtClean="0">
-                <a:effectLst/>
-                <a:latin typeface="Yu Mincho" charset="-128"/>
-                <a:ea typeface="HGPGothicE" charset="-128"/>
-                <a:cs typeface="Times New Roman" charset="0"/>
-              </a:rPr>
-              <a:t>PacketIn</a:t>
-            </a:r>
-            <a:r>
-              <a:rPr lang="ja-JP" altLang="ja-JP" sz="1600" kern="100" dirty="0" smtClean="0">
-                <a:effectLst/>
-                <a:latin typeface="Yu Mincho" charset="-128"/>
-                <a:ea typeface="HGPGothicE" charset="-128"/>
-                <a:cs typeface="Times New Roman" charset="0"/>
-              </a:rPr>
-              <a:t>でアクセスを判定している？</a:t>
-            </a:r>
-            <a:endParaRPr lang="ja-JP" altLang="ja-JP" sz="1600" kern="100" dirty="0" smtClean="0">
-              <a:effectLst/>
-              <a:latin typeface="Yu Mincho" charset="-128"/>
-              <a:ea typeface="Yu Mincho" charset="-128"/>
-              <a:cs typeface="Times New Roman" charset="0"/>
-            </a:endParaRPr>
-          </a:p>
-          <a:p>
-            <a:pPr marL="742950" lvl="1" indent="-285750" algn="just">
-              <a:spcAft>
-                <a:spcPts val="0"/>
-              </a:spcAft>
-              <a:buFont typeface="Wingdings" charset="2"/>
-              <a:buChar char=""/>
-            </a:pPr>
-            <a:r>
-              <a:rPr lang="ja-JP" altLang="ja-JP" sz="1600" kern="100" dirty="0" smtClean="0">
-                <a:effectLst/>
-                <a:latin typeface="Yu Mincho" charset="-128"/>
-                <a:ea typeface="HGPGothicE" charset="-128"/>
-                <a:cs typeface="Times New Roman" charset="0"/>
-              </a:rPr>
-              <a:t>アクセスが発生するごとに直近の</a:t>
-            </a:r>
-            <a:r>
-              <a:rPr lang="en-US" altLang="ja-JP" sz="1600" kern="100" dirty="0" smtClean="0">
-                <a:effectLst/>
-                <a:latin typeface="Yu Mincho" charset="-128"/>
-                <a:ea typeface="HGPGothicE" charset="-128"/>
-                <a:cs typeface="Times New Roman" charset="0"/>
-              </a:rPr>
-              <a:t>T[s]</a:t>
-            </a:r>
-            <a:r>
-              <a:rPr lang="ja-JP" altLang="ja-JP" sz="1600" kern="100" dirty="0" smtClean="0">
-                <a:effectLst/>
-                <a:latin typeface="Yu Mincho" charset="-128"/>
-                <a:ea typeface="HGPGothicE" charset="-128"/>
-                <a:cs typeface="Times New Roman" charset="0"/>
-              </a:rPr>
-              <a:t>間をみて</a:t>
-            </a:r>
-            <a:r>
-              <a:rPr lang="en-US" altLang="ja-JP" sz="1600" kern="100" dirty="0" smtClean="0">
-                <a:effectLst/>
-                <a:latin typeface="Yu Mincho" charset="-128"/>
-                <a:ea typeface="HGPGothicE" charset="-128"/>
-                <a:cs typeface="Times New Roman" charset="0"/>
-              </a:rPr>
-              <a:t>,n</a:t>
-            </a:r>
-            <a:r>
-              <a:rPr lang="ja-JP" altLang="ja-JP" sz="1600" kern="100" dirty="0" smtClean="0">
-                <a:effectLst/>
-                <a:latin typeface="Yu Mincho" charset="-128"/>
-                <a:ea typeface="HGPGothicE" charset="-128"/>
-                <a:cs typeface="Times New Roman" charset="0"/>
-              </a:rPr>
-              <a:t>回アクセスが発生しているか確認する．</a:t>
-            </a:r>
-            <a:r>
-              <a:rPr lang="en-US" altLang="ja-JP" sz="1600" kern="100" dirty="0" err="1" smtClean="0">
-                <a:effectLst/>
-                <a:latin typeface="Yu Mincho" charset="-128"/>
-                <a:ea typeface="HGPGothicE" charset="-128"/>
-                <a:cs typeface="Times New Roman" charset="0"/>
-              </a:rPr>
-              <a:t>PacketIn</a:t>
-            </a:r>
-            <a:r>
-              <a:rPr lang="ja-JP" altLang="ja-JP" sz="1600" kern="100" dirty="0" smtClean="0">
-                <a:effectLst/>
-                <a:latin typeface="Yu Mincho" charset="-128"/>
-                <a:ea typeface="HGPGothicE" charset="-128"/>
-                <a:cs typeface="Times New Roman" charset="0"/>
-              </a:rPr>
-              <a:t>で判定している．</a:t>
-            </a:r>
-            <a:endParaRPr lang="ja-JP" altLang="ja-JP" sz="1600" kern="100" dirty="0" smtClean="0">
-              <a:effectLst/>
-              <a:latin typeface="Yu Mincho" charset="-128"/>
-              <a:ea typeface="Yu Mincho" charset="-128"/>
-              <a:cs typeface="Times New Roman" charset="0"/>
-            </a:endParaRPr>
-          </a:p>
-          <a:p>
-            <a:pPr marL="342900" lvl="0" indent="-342900" algn="just">
-              <a:spcAft>
-                <a:spcPts val="0"/>
-              </a:spcAft>
-              <a:buFont typeface="+mj-lt"/>
-              <a:buAutoNum type="circleNumDbPlain"/>
-            </a:pPr>
-            <a:endParaRPr lang="en-US" altLang="ja-JP" sz="1600" kern="100" dirty="0" smtClean="0">
-              <a:effectLst/>
-              <a:latin typeface="HGPGothicE" charset="-128"/>
-              <a:ea typeface="Yu Mincho" charset="-128"/>
-              <a:cs typeface="Times New Roman" charset="0"/>
-            </a:endParaRPr>
-          </a:p>
-          <a:p>
-            <a:pPr marL="342900" lvl="0" indent="-342900" algn="just">
-              <a:spcAft>
-                <a:spcPts val="0"/>
-              </a:spcAft>
-              <a:buFont typeface="+mj-lt"/>
-              <a:buAutoNum type="circleNumDbPlain"/>
-            </a:pPr>
-            <a:r>
-              <a:rPr lang="en-US" altLang="ja-JP" sz="1600" kern="100" dirty="0" err="1" smtClean="0">
-                <a:effectLst/>
-                <a:latin typeface="HGPGothicE" charset="-128"/>
-                <a:ea typeface="Yu Mincho" charset="-128"/>
-                <a:cs typeface="Times New Roman" charset="0"/>
-              </a:rPr>
-              <a:t>PacketIn</a:t>
-            </a:r>
-            <a:r>
-              <a:rPr lang="ja-JP" altLang="ja-JP" sz="1600" kern="100" dirty="0" smtClean="0">
-                <a:effectLst/>
-                <a:latin typeface="Yu Mincho" charset="-128"/>
-                <a:ea typeface="HGPGothicE" charset="-128"/>
-                <a:cs typeface="Times New Roman" charset="0"/>
-              </a:rPr>
-              <a:t>を毎回するなら時間がかかるので，</a:t>
-            </a:r>
-            <a:r>
-              <a:rPr lang="en-US" altLang="ja-JP" sz="1600" kern="100" dirty="0" err="1" smtClean="0">
-                <a:effectLst/>
-                <a:latin typeface="Yu Mincho" charset="-128"/>
-                <a:ea typeface="HGPGothicE" charset="-128"/>
-                <a:cs typeface="Times New Roman" charset="0"/>
-              </a:rPr>
-              <a:t>OpenFlow</a:t>
-            </a:r>
-            <a:r>
-              <a:rPr lang="ja-JP" altLang="ja-JP" sz="1600" kern="100" dirty="0" smtClean="0">
-                <a:effectLst/>
-                <a:latin typeface="Yu Mincho" charset="-128"/>
-                <a:ea typeface="HGPGothicE" charset="-128"/>
-                <a:cs typeface="Times New Roman" charset="0"/>
-              </a:rPr>
-              <a:t>の良さがないのではないか？</a:t>
-            </a:r>
-            <a:endParaRPr lang="ja-JP" altLang="ja-JP" sz="1600" kern="100" dirty="0" smtClean="0">
-              <a:effectLst/>
-              <a:latin typeface="Yu Mincho" charset="-128"/>
-              <a:ea typeface="Yu Mincho" charset="-128"/>
-              <a:cs typeface="Times New Roman" charset="0"/>
-            </a:endParaRPr>
-          </a:p>
-          <a:p>
-            <a:pPr marL="742950" lvl="1" indent="-285750" algn="just">
-              <a:spcAft>
-                <a:spcPts val="0"/>
-              </a:spcAft>
-              <a:buFont typeface="Wingdings" charset="2"/>
-              <a:buChar char=""/>
-            </a:pPr>
-            <a:r>
-              <a:rPr lang="ja-JP" altLang="ja-JP" sz="1600" kern="100" dirty="0" smtClean="0">
-                <a:effectLst/>
-                <a:latin typeface="Yu Mincho" charset="-128"/>
-                <a:ea typeface="HGPGothicE" charset="-128"/>
-                <a:cs typeface="Times New Roman" charset="0"/>
-              </a:rPr>
-              <a:t>おっしゃる通りだが，時間と実装上の都合により，そのように実装した．</a:t>
-            </a:r>
-            <a:endParaRPr lang="ja-JP" altLang="ja-JP" sz="1600" kern="100" dirty="0" smtClean="0">
-              <a:effectLst/>
-              <a:latin typeface="Yu Mincho" charset="-128"/>
-              <a:ea typeface="Yu Mincho" charset="-128"/>
-              <a:cs typeface="Times New Roman" charset="0"/>
-            </a:endParaRPr>
-          </a:p>
-          <a:p>
-            <a:pPr algn="just">
-              <a:spcAft>
-                <a:spcPts val="0"/>
-              </a:spcAft>
-            </a:pPr>
-            <a:r>
-              <a:rPr lang="en-US" altLang="ja-JP" sz="1600" kern="100" dirty="0" smtClean="0">
-                <a:effectLst/>
-                <a:latin typeface="HGPGothicE" charset="-128"/>
-                <a:ea typeface="Yu Mincho" charset="-128"/>
-                <a:cs typeface="Times New Roman" charset="0"/>
-              </a:rPr>
-              <a:t> </a:t>
-            </a:r>
-            <a:endParaRPr lang="ja-JP" altLang="ja-JP" sz="1600" kern="100" dirty="0" smtClean="0">
-              <a:effectLst/>
-              <a:latin typeface="Yu Mincho" charset="-128"/>
-              <a:ea typeface="Yu Mincho" charset="-128"/>
-              <a:cs typeface="Times New Roman" charset="0"/>
-            </a:endParaRPr>
-          </a:p>
-          <a:p>
-            <a:pPr algn="just">
-              <a:spcAft>
-                <a:spcPts val="0"/>
-              </a:spcAft>
-            </a:pPr>
-            <a:r>
-              <a:rPr lang="ja-JP" altLang="ja-JP" sz="1600" kern="100" dirty="0" smtClean="0">
-                <a:effectLst/>
-                <a:latin typeface="Yu Mincho" charset="-128"/>
-                <a:ea typeface="HGPGothicE" charset="-128"/>
-                <a:cs typeface="Times New Roman" charset="0"/>
-              </a:rPr>
-              <a:t>コメント</a:t>
-            </a:r>
-            <a:endParaRPr lang="ja-JP" altLang="ja-JP" sz="1600" kern="100" dirty="0" smtClean="0">
-              <a:effectLst/>
-              <a:latin typeface="Yu Mincho" charset="-128"/>
-              <a:ea typeface="Yu Mincho" charset="-128"/>
-              <a:cs typeface="Times New Roman" charset="0"/>
-            </a:endParaRPr>
-          </a:p>
-          <a:p>
-            <a:pPr marL="342900" lvl="0" indent="-342900" algn="just">
-              <a:spcAft>
-                <a:spcPts val="0"/>
-              </a:spcAft>
-              <a:buFont typeface="HGPGothicE" charset="-128"/>
-              <a:buChar char="・"/>
-            </a:pPr>
-            <a:r>
-              <a:rPr lang="en-US" altLang="ja-JP" sz="1600" kern="100" dirty="0" err="1" smtClean="0">
-                <a:effectLst/>
-                <a:latin typeface="HGPGothicE" charset="-128"/>
-                <a:ea typeface="Yu Mincho" charset="-128"/>
-                <a:cs typeface="Times New Roman" charset="0"/>
-              </a:rPr>
-              <a:t>flowstats</a:t>
-            </a:r>
-            <a:r>
-              <a:rPr lang="ja-JP" altLang="ja-JP" sz="1600" kern="100" dirty="0" smtClean="0">
-                <a:effectLst/>
-                <a:latin typeface="Yu Mincho" charset="-128"/>
-                <a:ea typeface="HGPGothicE" charset="-128"/>
-                <a:cs typeface="Times New Roman" charset="0"/>
-              </a:rPr>
-              <a:t>でパケットの統計情報が見れるよ．</a:t>
-            </a:r>
-            <a:endParaRPr lang="ja-JP" altLang="ja-JP" sz="1600" kern="100" dirty="0">
               <a:effectLst/>
               <a:latin typeface="Yu Mincho" charset="-128"/>
               <a:ea typeface="Yu Mincho" charset="-128"/>
@@ -4891,6 +4616,943 @@
           <a:p>
             <a:pPr marL="914400" indent="-914400">
               <a:buFont typeface="+mj-lt"/>
+              <a:buAutoNum type="arabicPeriod" startAt="3"/>
+            </a:pPr>
+            <a:r>
+              <a:rPr lang="ja-JP" altLang="en-US" sz="4800" dirty="0" smtClean="0"/>
+              <a:t>デモの質疑まとめ </a:t>
+            </a:r>
+            <a:r>
+              <a:rPr lang="en-US" altLang="ja-JP" sz="4800" dirty="0" smtClean="0"/>
+              <a:t>(2)</a:t>
+            </a:r>
+            <a:endParaRPr lang="ja-JP" altLang="en-US" sz="4800" dirty="0"/>
+          </a:p>
+        </p:txBody>
+      </p:sp>
+      <p:sp>
+        <p:nvSpPr>
+          <p:cNvPr id="4" name="正方形/長方形 3"/>
+          <p:cNvSpPr/>
+          <p:nvPr/>
+        </p:nvSpPr>
+        <p:spPr>
+          <a:xfrm>
+            <a:off x="0" y="847834"/>
+            <a:ext cx="11540067" cy="5755422"/>
+          </a:xfrm>
+          <a:prstGeom prst="rect">
+            <a:avLst/>
+          </a:prstGeom>
+        </p:spPr>
+        <p:txBody>
+          <a:bodyPr wrap="square">
+            <a:spAutoFit/>
+          </a:bodyPr>
+          <a:lstStyle/>
+          <a:p>
+            <a:pPr lvl="0" algn="just">
+              <a:spcAft>
+                <a:spcPts val="0"/>
+              </a:spcAft>
+            </a:pPr>
+            <a:r>
+              <a:rPr lang="ja-JP" altLang="en-US" sz="1600" kern="100" dirty="0">
+                <a:latin typeface="HGPｺﾞｼｯｸE" panose="020B0900000000000000" pitchFamily="50" charset="-128"/>
+                <a:ea typeface="HGPｺﾞｼｯｸE" panose="020B0900000000000000" pitchFamily="50" charset="-128"/>
+                <a:cs typeface="Times New Roman" charset="0"/>
+              </a:rPr>
+              <a:t>③</a:t>
+            </a:r>
+            <a:r>
+              <a:rPr lang="ja-JP" altLang="en-US" sz="1600" kern="100" dirty="0" smtClean="0">
+                <a:effectLst/>
+                <a:latin typeface="HGPGothicE" charset="-128"/>
+                <a:ea typeface="Yu Mincho" charset="-128"/>
+                <a:cs typeface="Times New Roman" charset="0"/>
+              </a:rPr>
+              <a:t>　</a:t>
+            </a:r>
+            <a:r>
+              <a:rPr lang="en-US" altLang="ja-JP" sz="1600" kern="100" dirty="0" err="1">
+                <a:latin typeface="HGPGothicE" charset="-128"/>
+                <a:ea typeface="Yu Mincho" charset="-128"/>
+                <a:cs typeface="Times New Roman" charset="0"/>
+              </a:rPr>
+              <a:t>d</a:t>
+            </a:r>
+            <a:r>
+              <a:rPr lang="en-US" altLang="ja-JP" sz="1600" kern="100" dirty="0" err="1" smtClean="0">
+                <a:effectLst/>
+                <a:latin typeface="HGPGothicE" charset="-128"/>
+                <a:ea typeface="Yu Mincho" charset="-128"/>
+                <a:cs typeface="Times New Roman" charset="0"/>
+              </a:rPr>
+              <a:t>ocker</a:t>
+            </a:r>
+            <a:r>
+              <a:rPr lang="ja-JP" altLang="ja-JP" sz="1600" kern="100" dirty="0" smtClean="0">
+                <a:effectLst/>
+                <a:latin typeface="Yu Mincho" charset="-128"/>
+                <a:ea typeface="HGPGothicE" charset="-128"/>
+                <a:cs typeface="Times New Roman" charset="0"/>
+              </a:rPr>
+              <a:t>コンテナに割り当てる</a:t>
+            </a:r>
+            <a:r>
+              <a:rPr lang="en-US" altLang="ja-JP" sz="1600" kern="100" dirty="0" smtClean="0">
+                <a:effectLst/>
+                <a:latin typeface="Yu Mincho" charset="-128"/>
+                <a:ea typeface="HGPGothicE" charset="-128"/>
+                <a:cs typeface="Times New Roman" charset="0"/>
+              </a:rPr>
+              <a:t>Docker</a:t>
+            </a:r>
+            <a:r>
+              <a:rPr lang="ja-JP" altLang="ja-JP" sz="1600" kern="100" dirty="0" smtClean="0">
+                <a:effectLst/>
+                <a:latin typeface="Yu Mincho" charset="-128"/>
+                <a:ea typeface="HGPGothicE" charset="-128"/>
+                <a:cs typeface="Times New Roman" charset="0"/>
+              </a:rPr>
+              <a:t>ホストのポートはどのように決定している？</a:t>
+            </a:r>
+            <a:endParaRPr lang="ja-JP" altLang="ja-JP" sz="1600" kern="100" dirty="0" smtClean="0">
+              <a:effectLst/>
+              <a:latin typeface="Yu Mincho" charset="-128"/>
+              <a:ea typeface="Yu Mincho" charset="-128"/>
+              <a:cs typeface="Times New Roman" charset="0"/>
+            </a:endParaRPr>
+          </a:p>
+          <a:p>
+            <a:pPr marL="742950" lvl="1" indent="-285750" algn="just">
+              <a:spcAft>
+                <a:spcPts val="0"/>
+              </a:spcAft>
+              <a:buFont typeface="Wingdings" charset="2"/>
+              <a:buChar char=""/>
+            </a:pPr>
+            <a:r>
+              <a:rPr lang="en-US" altLang="ja-JP" sz="1600" kern="100" dirty="0" err="1" smtClean="0">
+                <a:effectLst/>
+                <a:latin typeface="HGPGothicE" charset="-128"/>
+                <a:ea typeface="Yu Mincho" charset="-128"/>
+                <a:cs typeface="Times New Roman" charset="0"/>
+              </a:rPr>
+              <a:t>restAPI</a:t>
+            </a:r>
+            <a:r>
+              <a:rPr lang="ja-JP" altLang="ja-JP" sz="1600" kern="100" dirty="0" smtClean="0">
+                <a:effectLst/>
+                <a:latin typeface="Yu Mincho" charset="-128"/>
+                <a:ea typeface="HGPGothicE" charset="-128"/>
+                <a:cs typeface="Times New Roman" charset="0"/>
+              </a:rPr>
+              <a:t>を使うと</a:t>
+            </a:r>
+            <a:r>
+              <a:rPr lang="en-US" altLang="ja-JP" sz="1600" kern="100" dirty="0" smtClean="0">
+                <a:effectLst/>
+                <a:latin typeface="Yu Mincho" charset="-128"/>
+                <a:ea typeface="HGPGothicE" charset="-128"/>
+                <a:cs typeface="Times New Roman" charset="0"/>
+              </a:rPr>
+              <a:t>Docker</a:t>
+            </a:r>
+            <a:r>
+              <a:rPr lang="ja-JP" altLang="ja-JP" sz="1600" kern="100" dirty="0" smtClean="0">
+                <a:effectLst/>
+                <a:latin typeface="Yu Mincho" charset="-128"/>
+                <a:ea typeface="HGPGothicE" charset="-128"/>
+                <a:cs typeface="Times New Roman" charset="0"/>
+              </a:rPr>
+              <a:t>ホストが作成したコンテナにポート番号を自動で割り当てる．そのポート番号をクライアントに通知する．</a:t>
+            </a:r>
+            <a:endParaRPr lang="ja-JP" altLang="ja-JP" sz="1600" kern="100" dirty="0" smtClean="0">
+              <a:effectLst/>
+              <a:latin typeface="Yu Mincho" charset="-128"/>
+              <a:ea typeface="Yu Mincho" charset="-128"/>
+              <a:cs typeface="Times New Roman" charset="0"/>
+            </a:endParaRPr>
+          </a:p>
+          <a:p>
+            <a:pPr marL="342900" lvl="0" indent="-342900" algn="just">
+              <a:spcAft>
+                <a:spcPts val="0"/>
+              </a:spcAft>
+              <a:buFont typeface="+mj-lt"/>
+              <a:buAutoNum type="circleNumDbPlain"/>
+            </a:pPr>
+            <a:endParaRPr lang="en-US" altLang="ja-JP" sz="1600" kern="100" dirty="0" smtClean="0">
+              <a:effectLst/>
+              <a:latin typeface="Yu Mincho" charset="-128"/>
+              <a:ea typeface="HGPGothicE" charset="-128"/>
+              <a:cs typeface="Times New Roman" charset="0"/>
+            </a:endParaRPr>
+          </a:p>
+          <a:p>
+            <a:pPr lvl="0" algn="just">
+              <a:spcAft>
+                <a:spcPts val="0"/>
+              </a:spcAft>
+            </a:pPr>
+            <a:r>
+              <a:rPr lang="ja-JP" altLang="en-US" sz="1600" kern="100" dirty="0">
+                <a:latin typeface="Yu Mincho" charset="-128"/>
+                <a:ea typeface="HGPGothicE" charset="-128"/>
+                <a:cs typeface="Times New Roman" charset="0"/>
+              </a:rPr>
+              <a:t>④</a:t>
+            </a:r>
+            <a:r>
+              <a:rPr lang="ja-JP" altLang="en-US" sz="1600" kern="100" dirty="0" smtClean="0">
+                <a:effectLst/>
+                <a:latin typeface="Yu Mincho" charset="-128"/>
+                <a:ea typeface="HGPGothicE" charset="-128"/>
+                <a:cs typeface="Times New Roman" charset="0"/>
+              </a:rPr>
+              <a:t>　</a:t>
+            </a:r>
+            <a:r>
+              <a:rPr lang="ja-JP" altLang="ja-JP" sz="1600" kern="100" dirty="0" smtClean="0">
+                <a:effectLst/>
+                <a:latin typeface="Yu Mincho" charset="-128"/>
+                <a:ea typeface="HGPGothicE" charset="-128"/>
+                <a:cs typeface="Times New Roman" charset="0"/>
+              </a:rPr>
+              <a:t>アクセス制限はどのように実装している？</a:t>
+            </a:r>
+            <a:r>
+              <a:rPr lang="en-US" altLang="ja-JP" sz="1600" kern="100" dirty="0" err="1" smtClean="0">
+                <a:effectLst/>
+                <a:latin typeface="Yu Mincho" charset="-128"/>
+                <a:ea typeface="HGPGothicE" charset="-128"/>
+                <a:cs typeface="Times New Roman" charset="0"/>
+              </a:rPr>
+              <a:t>PacketIn</a:t>
+            </a:r>
+            <a:r>
+              <a:rPr lang="ja-JP" altLang="ja-JP" sz="1600" kern="100" dirty="0" smtClean="0">
+                <a:effectLst/>
+                <a:latin typeface="Yu Mincho" charset="-128"/>
+                <a:ea typeface="HGPGothicE" charset="-128"/>
+                <a:cs typeface="Times New Roman" charset="0"/>
+              </a:rPr>
+              <a:t>でアクセスを判定している？</a:t>
+            </a:r>
+            <a:endParaRPr lang="ja-JP" altLang="ja-JP" sz="1600" kern="100" dirty="0" smtClean="0">
+              <a:effectLst/>
+              <a:latin typeface="Yu Mincho" charset="-128"/>
+              <a:ea typeface="Yu Mincho" charset="-128"/>
+              <a:cs typeface="Times New Roman" charset="0"/>
+            </a:endParaRPr>
+          </a:p>
+          <a:p>
+            <a:pPr marL="742950" lvl="1" indent="-285750" algn="just">
+              <a:spcAft>
+                <a:spcPts val="0"/>
+              </a:spcAft>
+              <a:buFont typeface="Wingdings" charset="2"/>
+              <a:buChar char=""/>
+            </a:pPr>
+            <a:r>
+              <a:rPr lang="ja-JP" altLang="ja-JP" sz="1600" kern="100" dirty="0" smtClean="0">
+                <a:effectLst/>
+                <a:latin typeface="Yu Mincho" charset="-128"/>
+                <a:ea typeface="HGPGothicE" charset="-128"/>
+                <a:cs typeface="Times New Roman" charset="0"/>
+              </a:rPr>
+              <a:t>アクセスが発生するごとに直近の</a:t>
+            </a:r>
+            <a:r>
+              <a:rPr lang="en-US" altLang="ja-JP" sz="1600" kern="100" dirty="0" smtClean="0">
+                <a:effectLst/>
+                <a:latin typeface="Yu Mincho" charset="-128"/>
+                <a:ea typeface="HGPGothicE" charset="-128"/>
+                <a:cs typeface="Times New Roman" charset="0"/>
+              </a:rPr>
+              <a:t>T[s]</a:t>
+            </a:r>
+            <a:r>
+              <a:rPr lang="ja-JP" altLang="ja-JP" sz="1600" kern="100" dirty="0" smtClean="0">
+                <a:effectLst/>
+                <a:latin typeface="Yu Mincho" charset="-128"/>
+                <a:ea typeface="HGPGothicE" charset="-128"/>
+                <a:cs typeface="Times New Roman" charset="0"/>
+              </a:rPr>
+              <a:t>間をみて</a:t>
+            </a:r>
+            <a:r>
+              <a:rPr lang="en-US" altLang="ja-JP" sz="1600" kern="100" dirty="0" smtClean="0">
+                <a:effectLst/>
+                <a:latin typeface="Yu Mincho" charset="-128"/>
+                <a:ea typeface="HGPGothicE" charset="-128"/>
+                <a:cs typeface="Times New Roman" charset="0"/>
+              </a:rPr>
+              <a:t>,n</a:t>
+            </a:r>
+            <a:r>
+              <a:rPr lang="ja-JP" altLang="ja-JP" sz="1600" kern="100" dirty="0" smtClean="0">
+                <a:effectLst/>
+                <a:latin typeface="Yu Mincho" charset="-128"/>
+                <a:ea typeface="HGPGothicE" charset="-128"/>
+                <a:cs typeface="Times New Roman" charset="0"/>
+              </a:rPr>
+              <a:t>回アクセスが発生しているか確認する．</a:t>
+            </a:r>
+            <a:r>
+              <a:rPr lang="en-US" altLang="ja-JP" sz="1600" kern="100" dirty="0" err="1" smtClean="0">
+                <a:effectLst/>
+                <a:latin typeface="Yu Mincho" charset="-128"/>
+                <a:ea typeface="HGPGothicE" charset="-128"/>
+                <a:cs typeface="Times New Roman" charset="0"/>
+              </a:rPr>
+              <a:t>PacketIn</a:t>
+            </a:r>
+            <a:r>
+              <a:rPr lang="ja-JP" altLang="ja-JP" sz="1600" kern="100" dirty="0" smtClean="0">
+                <a:effectLst/>
+                <a:latin typeface="Yu Mincho" charset="-128"/>
+                <a:ea typeface="HGPGothicE" charset="-128"/>
+                <a:cs typeface="Times New Roman" charset="0"/>
+              </a:rPr>
+              <a:t>で判定している．</a:t>
+            </a:r>
+            <a:endParaRPr lang="en-US" altLang="ja-JP" sz="1600" kern="100" dirty="0">
+              <a:latin typeface="Yu Mincho" charset="-128"/>
+              <a:ea typeface="Yu Mincho" charset="-128"/>
+              <a:cs typeface="Times New Roman" charset="0"/>
+            </a:endParaRPr>
+          </a:p>
+          <a:p>
+            <a:pPr lvl="1" algn="just">
+              <a:spcAft>
+                <a:spcPts val="0"/>
+              </a:spcAft>
+            </a:pPr>
+            <a:endParaRPr lang="en-US" altLang="ja-JP" sz="1600" kern="100" dirty="0" smtClean="0">
+              <a:effectLst/>
+              <a:latin typeface="HGPGothicE" charset="-128"/>
+              <a:ea typeface="Yu Mincho" charset="-128"/>
+              <a:cs typeface="Times New Roman" charset="0"/>
+            </a:endParaRPr>
+          </a:p>
+          <a:p>
+            <a:pPr lvl="0" algn="just">
+              <a:spcAft>
+                <a:spcPts val="0"/>
+              </a:spcAft>
+            </a:pPr>
+            <a:r>
+              <a:rPr lang="ja-JP" altLang="en-US" sz="1600" kern="100" dirty="0">
+                <a:latin typeface="HGSｺﾞｼｯｸE" panose="020B0900000000000000" pitchFamily="50" charset="-128"/>
+                <a:ea typeface="HGSｺﾞｼｯｸE" panose="020B0900000000000000" pitchFamily="50" charset="-128"/>
+                <a:cs typeface="Times New Roman" charset="0"/>
+              </a:rPr>
+              <a:t>⑤</a:t>
+            </a:r>
+            <a:r>
+              <a:rPr lang="ja-JP" altLang="en-US" sz="1600" kern="100" dirty="0" smtClean="0">
+                <a:effectLst/>
+                <a:latin typeface="HGPGothicE" charset="-128"/>
+                <a:ea typeface="Yu Mincho" charset="-128"/>
+                <a:cs typeface="Times New Roman" charset="0"/>
+              </a:rPr>
+              <a:t>　</a:t>
+            </a:r>
+            <a:r>
+              <a:rPr lang="en-US" altLang="ja-JP" sz="1600" kern="100" dirty="0" err="1" smtClean="0">
+                <a:latin typeface="HGPGothicE" charset="-128"/>
+                <a:ea typeface="Yu Mincho" charset="-128"/>
+                <a:cs typeface="Times New Roman" charset="0"/>
+              </a:rPr>
+              <a:t>PacketIn</a:t>
+            </a:r>
+            <a:r>
+              <a:rPr lang="en-US" altLang="ja-JP" sz="1600" kern="100" dirty="0" smtClean="0">
+                <a:latin typeface="HGPGothicE" charset="-128"/>
+                <a:ea typeface="Yu Mincho" charset="-128"/>
+                <a:cs typeface="Times New Roman" charset="0"/>
+              </a:rPr>
+              <a:t> </a:t>
+            </a:r>
+            <a:r>
+              <a:rPr lang="ja-JP" altLang="ja-JP" sz="1600" kern="100" dirty="0" smtClean="0">
+                <a:effectLst/>
+                <a:latin typeface="Yu Mincho" charset="-128"/>
+                <a:ea typeface="HGPGothicE" charset="-128"/>
+                <a:cs typeface="Times New Roman" charset="0"/>
+              </a:rPr>
+              <a:t>を毎回するなら時間がかかるので，</a:t>
+            </a:r>
+            <a:r>
+              <a:rPr lang="en-US" altLang="ja-JP" sz="1600" kern="100" dirty="0" err="1" smtClean="0">
+                <a:effectLst/>
+                <a:latin typeface="Yu Mincho" charset="-128"/>
+                <a:ea typeface="HGPGothicE" charset="-128"/>
+                <a:cs typeface="Times New Roman" charset="0"/>
+              </a:rPr>
+              <a:t>OpenFlow</a:t>
+            </a:r>
+            <a:r>
+              <a:rPr lang="ja-JP" altLang="ja-JP" sz="1600" kern="100" dirty="0" smtClean="0">
+                <a:effectLst/>
+                <a:latin typeface="Yu Mincho" charset="-128"/>
+                <a:ea typeface="HGPGothicE" charset="-128"/>
+                <a:cs typeface="Times New Roman" charset="0"/>
+              </a:rPr>
+              <a:t>の良さがないのではないか？</a:t>
+            </a:r>
+            <a:endParaRPr lang="ja-JP" altLang="ja-JP" sz="1600" kern="100" dirty="0" smtClean="0">
+              <a:effectLst/>
+              <a:latin typeface="Yu Mincho" charset="-128"/>
+              <a:ea typeface="Yu Mincho" charset="-128"/>
+              <a:cs typeface="Times New Roman" charset="0"/>
+            </a:endParaRPr>
+          </a:p>
+          <a:p>
+            <a:pPr marL="742950" lvl="1" indent="-285750" algn="just">
+              <a:buFont typeface="Wingdings" panose="05000000000000000000" pitchFamily="2" charset="2"/>
+              <a:buChar char="Ø"/>
+            </a:pPr>
+            <a:r>
+              <a:rPr lang="ja-JP" altLang="en-US" sz="1600" kern="100" dirty="0" smtClean="0">
+                <a:latin typeface="Yu Mincho" charset="-128"/>
+                <a:ea typeface="HGPGothicE" charset="-128"/>
+                <a:cs typeface="Times New Roman" charset="0"/>
+              </a:rPr>
+              <a:t>フローテーブルを用いる場合と比較するとより多くの時間がかかるのは確かである．しかし，</a:t>
+            </a:r>
+            <a:r>
+              <a:rPr lang="en-US" altLang="ja-JP" sz="1600" kern="100" dirty="0">
+                <a:latin typeface="HGPGothicE" charset="-128"/>
+                <a:ea typeface="Yu Mincho" charset="-128"/>
+                <a:cs typeface="Times New Roman" charset="0"/>
+              </a:rPr>
+              <a:t> </a:t>
+            </a:r>
+            <a:r>
+              <a:rPr lang="en-US" altLang="ja-JP" sz="1600" kern="100" dirty="0" err="1" smtClean="0">
+                <a:latin typeface="HGPGothicE" charset="-128"/>
+                <a:ea typeface="Yu Mincho" charset="-128"/>
+                <a:cs typeface="Times New Roman" charset="0"/>
+              </a:rPr>
+              <a:t>PacketIn</a:t>
+            </a:r>
+            <a:r>
+              <a:rPr lang="ja-JP" altLang="en-US" sz="1600" kern="100" dirty="0" smtClean="0">
+                <a:latin typeface="Yu Mincho" charset="-128"/>
+                <a:ea typeface="HGPGothicE" charset="-128"/>
+                <a:cs typeface="Times New Roman" charset="0"/>
+              </a:rPr>
+              <a:t>ハンドラを編集することで，スイッチに届いたパケットを，</a:t>
+            </a:r>
+            <a:r>
+              <a:rPr lang="en-US" altLang="ja-JP" sz="1600" kern="100" dirty="0" smtClean="0">
+                <a:latin typeface="Yu Mincho" charset="-128"/>
+                <a:ea typeface="HGPGothicE" charset="-128"/>
+                <a:cs typeface="Times New Roman" charset="0"/>
+              </a:rPr>
+              <a:t>L2</a:t>
+            </a:r>
+            <a:r>
+              <a:rPr lang="ja-JP" altLang="en-US" sz="1600" kern="100" dirty="0" smtClean="0">
+                <a:latin typeface="Yu Mincho" charset="-128"/>
+                <a:ea typeface="HGPGothicE" charset="-128"/>
+                <a:cs typeface="Times New Roman" charset="0"/>
+              </a:rPr>
+              <a:t>レベルから</a:t>
+            </a:r>
+            <a:r>
+              <a:rPr lang="en-US" altLang="ja-JP" sz="1600" kern="100" dirty="0" smtClean="0">
+                <a:latin typeface="Yu Mincho" charset="-128"/>
+                <a:ea typeface="HGPGothicE" charset="-128"/>
+                <a:cs typeface="Times New Roman" charset="0"/>
+              </a:rPr>
+              <a:t>L4</a:t>
+            </a:r>
+            <a:r>
+              <a:rPr lang="ja-JP" altLang="en-US" sz="1600" kern="100" dirty="0" smtClean="0">
+                <a:latin typeface="Yu Mincho" charset="-128"/>
+                <a:ea typeface="HGPGothicE" charset="-128"/>
+                <a:cs typeface="Times New Roman" charset="0"/>
+              </a:rPr>
+              <a:t>レベルまで柔軟にかつプログラマブルに処理することが出来る．これは </a:t>
+            </a:r>
+            <a:r>
+              <a:rPr lang="en-US" altLang="ja-JP" sz="1600" kern="100" dirty="0" err="1" smtClean="0">
+                <a:latin typeface="Yu Mincho" charset="-128"/>
+                <a:ea typeface="HGPGothicE" charset="-128"/>
+                <a:cs typeface="Times New Roman" charset="0"/>
+              </a:rPr>
+              <a:t>OpenFlow</a:t>
+            </a:r>
+            <a:r>
+              <a:rPr lang="en-US" altLang="ja-JP" sz="1600" kern="100" dirty="0" smtClean="0">
+                <a:latin typeface="Yu Mincho" charset="-128"/>
+                <a:ea typeface="HGPGothicE" charset="-128"/>
+                <a:cs typeface="Times New Roman" charset="0"/>
+              </a:rPr>
+              <a:t> </a:t>
+            </a:r>
+            <a:r>
+              <a:rPr lang="ja-JP" altLang="en-US" sz="1600" kern="100" dirty="0" smtClean="0">
+                <a:latin typeface="Yu Mincho" charset="-128"/>
+                <a:ea typeface="HGPGothicE" charset="-128"/>
+                <a:cs typeface="Times New Roman" charset="0"/>
+              </a:rPr>
+              <a:t>のない従来のスイッチでは決して実装することのできない機能であり，この </a:t>
+            </a:r>
+            <a:r>
+              <a:rPr lang="en-US" altLang="ja-JP" sz="1600" kern="100" dirty="0" err="1" smtClean="0">
+                <a:latin typeface="Yu Mincho" charset="-128"/>
+                <a:ea typeface="HGPGothicE" charset="-128"/>
+                <a:cs typeface="Times New Roman" charset="0"/>
+              </a:rPr>
+              <a:t>PacketIn</a:t>
+            </a:r>
+            <a:r>
+              <a:rPr lang="en-US" altLang="ja-JP" sz="1600" kern="100" dirty="0" smtClean="0">
+                <a:latin typeface="Yu Mincho" charset="-128"/>
+                <a:ea typeface="HGPGothicE" charset="-128"/>
+                <a:cs typeface="Times New Roman" charset="0"/>
+              </a:rPr>
+              <a:t> </a:t>
+            </a:r>
+            <a:r>
+              <a:rPr lang="ja-JP" altLang="en-US" sz="1600" kern="100" dirty="0" smtClean="0">
+                <a:latin typeface="Yu Mincho" charset="-128"/>
+                <a:ea typeface="HGPGothicE" charset="-128"/>
+                <a:cs typeface="Times New Roman" charset="0"/>
+              </a:rPr>
+              <a:t>を駆使してスイッチ</a:t>
+            </a:r>
+            <a:r>
+              <a:rPr lang="ja-JP" altLang="en-US" sz="1600" kern="100" dirty="0">
+                <a:latin typeface="Yu Mincho" charset="-128"/>
+                <a:ea typeface="HGPGothicE" charset="-128"/>
+                <a:cs typeface="Times New Roman" charset="0"/>
+              </a:rPr>
+              <a:t>の</a:t>
+            </a:r>
+            <a:r>
+              <a:rPr lang="ja-JP" altLang="en-US" sz="1600" kern="100" dirty="0" smtClean="0">
+                <a:latin typeface="Yu Mincho" charset="-128"/>
+                <a:ea typeface="HGPGothicE" charset="-128"/>
+                <a:cs typeface="Times New Roman" charset="0"/>
+              </a:rPr>
+              <a:t>ソフトウェア的な挙動を実現している今回のコントローラはまさに </a:t>
+            </a:r>
+            <a:r>
+              <a:rPr lang="en-US" altLang="ja-JP" sz="1600" kern="100" dirty="0" smtClean="0">
+                <a:latin typeface="Yu Mincho" charset="-128"/>
+                <a:ea typeface="HGPGothicE" charset="-128"/>
+                <a:cs typeface="Times New Roman" charset="0"/>
+              </a:rPr>
+              <a:t>SDN </a:t>
+            </a:r>
+            <a:r>
+              <a:rPr lang="ja-JP" altLang="en-US" sz="1600" kern="100" dirty="0" smtClean="0">
+                <a:latin typeface="Yu Mincho" charset="-128"/>
+                <a:ea typeface="HGPGothicE" charset="-128"/>
+                <a:cs typeface="Times New Roman" charset="0"/>
+              </a:rPr>
+              <a:t>を体現するものとしてふさわしく， </a:t>
+            </a:r>
+            <a:r>
+              <a:rPr lang="en-US" altLang="ja-JP" sz="1600" kern="100" dirty="0" err="1" smtClean="0">
+                <a:latin typeface="Yu Mincho" charset="-128"/>
+                <a:ea typeface="HGPGothicE" charset="-128"/>
+                <a:cs typeface="Times New Roman" charset="0"/>
+              </a:rPr>
+              <a:t>OpenFlow</a:t>
+            </a:r>
+            <a:r>
+              <a:rPr lang="en-US" altLang="ja-JP" sz="1600" kern="100" dirty="0" smtClean="0">
+                <a:latin typeface="Yu Mincho" charset="-128"/>
+                <a:ea typeface="HGPGothicE" charset="-128"/>
+                <a:cs typeface="Times New Roman" charset="0"/>
+              </a:rPr>
+              <a:t> </a:t>
+            </a:r>
+            <a:r>
+              <a:rPr lang="ja-JP" altLang="en-US" sz="1600" kern="100" dirty="0" smtClean="0">
+                <a:latin typeface="Yu Mincho" charset="-128"/>
+                <a:ea typeface="HGPGothicE" charset="-128"/>
+                <a:cs typeface="Times New Roman" charset="0"/>
+              </a:rPr>
+              <a:t>の良さを充分に生かしている．なお，今回講義にて提供されたコントローラのプログラム </a:t>
+            </a:r>
+            <a:r>
+              <a:rPr lang="en-US" altLang="ja-JP" sz="1600" kern="100" dirty="0" smtClean="0">
+                <a:latin typeface="Yu Mincho" charset="-128"/>
+                <a:ea typeface="HGPGothicE" charset="-128"/>
+                <a:cs typeface="Times New Roman" charset="0"/>
+              </a:rPr>
+              <a:t>(</a:t>
+            </a:r>
+            <a:r>
+              <a:rPr lang="en-US" altLang="ja-JP" sz="1600" kern="100" dirty="0" err="1" smtClean="0">
+                <a:latin typeface="Yu Mincho" charset="-128"/>
+                <a:ea typeface="HGPGothicE" charset="-128"/>
+                <a:cs typeface="Times New Roman" charset="0"/>
+              </a:rPr>
+              <a:t>simple_router</a:t>
+            </a:r>
+            <a:r>
+              <a:rPr lang="en-US" altLang="ja-JP" sz="1600" kern="100" dirty="0" smtClean="0">
+                <a:latin typeface="Yu Mincho" charset="-128"/>
+                <a:ea typeface="HGPGothicE" charset="-128"/>
+                <a:cs typeface="Times New Roman" charset="0"/>
+              </a:rPr>
+              <a:t>, </a:t>
+            </a:r>
+            <a:r>
+              <a:rPr lang="en-US" altLang="ja-JP" sz="1600" kern="100" dirty="0" err="1" smtClean="0">
+                <a:latin typeface="Yu Mincho" charset="-128"/>
+                <a:ea typeface="HGPGothicE" charset="-128"/>
+                <a:cs typeface="Times New Roman" charset="0"/>
+              </a:rPr>
+              <a:t>routing_switch</a:t>
+            </a:r>
+            <a:r>
+              <a:rPr lang="en-US" altLang="ja-JP" sz="1600" kern="100" dirty="0" smtClean="0">
+                <a:latin typeface="Yu Mincho" charset="-128"/>
+                <a:ea typeface="HGPGothicE" charset="-128"/>
+                <a:cs typeface="Times New Roman" charset="0"/>
+              </a:rPr>
+              <a:t>) </a:t>
+            </a:r>
+            <a:r>
+              <a:rPr lang="ja-JP" altLang="en-US" sz="1600" kern="100" dirty="0" smtClean="0">
+                <a:latin typeface="Yu Mincho" charset="-128"/>
+                <a:ea typeface="HGPGothicE" charset="-128"/>
+                <a:cs typeface="Times New Roman" charset="0"/>
+              </a:rPr>
+              <a:t>は，少なくとも実機での動作においては，毎回 </a:t>
+            </a:r>
+            <a:r>
+              <a:rPr lang="en-US" altLang="ja-JP" sz="1600" kern="100" dirty="0" err="1" smtClean="0">
+                <a:latin typeface="Yu Mincho" charset="-128"/>
+                <a:ea typeface="HGPGothicE" charset="-128"/>
+                <a:cs typeface="Times New Roman" charset="0"/>
+              </a:rPr>
+              <a:t>PacketIn</a:t>
+            </a:r>
+            <a:r>
+              <a:rPr lang="en-US" altLang="ja-JP" sz="1600" kern="100" dirty="0" smtClean="0">
+                <a:latin typeface="Yu Mincho" charset="-128"/>
+                <a:ea typeface="HGPGothicE" charset="-128"/>
+                <a:cs typeface="Times New Roman" charset="0"/>
+              </a:rPr>
+              <a:t> </a:t>
+            </a:r>
+            <a:r>
+              <a:rPr lang="ja-JP" altLang="en-US" sz="1600" kern="100" dirty="0" smtClean="0">
+                <a:latin typeface="Yu Mincho" charset="-128"/>
+                <a:ea typeface="HGPGothicE" charset="-128"/>
+                <a:cs typeface="Times New Roman" charset="0"/>
+              </a:rPr>
+              <a:t>を発生させてパケットを処理していた．</a:t>
+            </a:r>
+            <a:r>
+              <a:rPr lang="en-US" altLang="ja-JP" sz="1600" kern="100" dirty="0" err="1" smtClean="0">
+                <a:latin typeface="Yu Mincho" charset="-128"/>
+                <a:ea typeface="HGPGothicE" charset="-128"/>
+                <a:cs typeface="Times New Roman" charset="0"/>
+              </a:rPr>
+              <a:t>routing_switch</a:t>
+            </a:r>
+            <a:r>
+              <a:rPr lang="en-US" altLang="ja-JP" sz="1600" kern="100" dirty="0" smtClean="0">
+                <a:latin typeface="Yu Mincho" charset="-128"/>
+                <a:ea typeface="HGPGothicE" charset="-128"/>
+                <a:cs typeface="Times New Roman" charset="0"/>
+              </a:rPr>
+              <a:t> </a:t>
+            </a:r>
+            <a:r>
+              <a:rPr lang="ja-JP" altLang="en-US" sz="1600" kern="100" dirty="0" smtClean="0">
+                <a:latin typeface="Yu Mincho" charset="-128"/>
+                <a:ea typeface="HGPGothicE" charset="-128"/>
+                <a:cs typeface="Times New Roman" charset="0"/>
+              </a:rPr>
+              <a:t>に至ってはそもそも </a:t>
+            </a:r>
+            <a:r>
+              <a:rPr lang="en-US" altLang="ja-JP" sz="1600" kern="100" dirty="0" err="1" smtClean="0">
+                <a:latin typeface="Yu Mincho" charset="-128"/>
+                <a:ea typeface="HGPGothicE" charset="-128"/>
+                <a:cs typeface="Times New Roman" charset="0"/>
+              </a:rPr>
+              <a:t>FlowMod</a:t>
+            </a:r>
+            <a:r>
+              <a:rPr lang="en-US" altLang="ja-JP" sz="1600" kern="100" dirty="0" smtClean="0">
+                <a:latin typeface="Yu Mincho" charset="-128"/>
+                <a:ea typeface="HGPGothicE" charset="-128"/>
+                <a:cs typeface="Times New Roman" charset="0"/>
+              </a:rPr>
+              <a:t> </a:t>
+            </a:r>
+            <a:r>
+              <a:rPr lang="ja-JP" altLang="en-US" sz="1600" kern="100" dirty="0" smtClean="0">
+                <a:latin typeface="Yu Mincho" charset="-128"/>
+                <a:ea typeface="HGPGothicE" charset="-128"/>
+                <a:cs typeface="Times New Roman" charset="0"/>
+              </a:rPr>
+              <a:t>を追加する処理が記載されていない．なので，当質問での指摘を適用すると，上記コントローラは </a:t>
+            </a:r>
+            <a:r>
+              <a:rPr lang="en-US" altLang="ja-JP" sz="1600" kern="100" dirty="0" err="1" smtClean="0">
+                <a:latin typeface="Yu Mincho" charset="-128"/>
+                <a:ea typeface="HGPGothicE" charset="-128"/>
+                <a:cs typeface="Times New Roman" charset="0"/>
+              </a:rPr>
+              <a:t>OpenFlow</a:t>
+            </a:r>
+            <a:r>
+              <a:rPr lang="en-US" altLang="ja-JP" sz="1600" kern="100" dirty="0" smtClean="0">
+                <a:latin typeface="Yu Mincho" charset="-128"/>
+                <a:ea typeface="HGPGothicE" charset="-128"/>
+                <a:cs typeface="Times New Roman" charset="0"/>
+              </a:rPr>
+              <a:t> </a:t>
+            </a:r>
+            <a:r>
+              <a:rPr lang="ja-JP" altLang="en-US" sz="1600" kern="100" dirty="0" smtClean="0">
+                <a:latin typeface="Yu Mincho" charset="-128"/>
+                <a:ea typeface="HGPGothicE" charset="-128"/>
+                <a:cs typeface="Times New Roman" charset="0"/>
+              </a:rPr>
+              <a:t>の良さを生かせていない欠陥品であり，教員は学生に対して欠陥プログラムを提供していたということになる．また， </a:t>
+            </a:r>
+            <a:r>
+              <a:rPr lang="en-US" altLang="ja-JP" sz="1600" kern="100" dirty="0" err="1" smtClean="0">
+                <a:latin typeface="Yu Mincho" charset="-128"/>
+                <a:ea typeface="HGPGothicE" charset="-128"/>
+                <a:cs typeface="Times New Roman" charset="0"/>
+              </a:rPr>
+              <a:t>OpenFlow</a:t>
+            </a:r>
+            <a:r>
+              <a:rPr lang="en-US" altLang="ja-JP" sz="1600" kern="100" dirty="0" smtClean="0">
+                <a:latin typeface="Yu Mincho" charset="-128"/>
+                <a:ea typeface="HGPGothicE" charset="-128"/>
+                <a:cs typeface="Times New Roman" charset="0"/>
+              </a:rPr>
+              <a:t> </a:t>
+            </a:r>
+            <a:r>
+              <a:rPr lang="ja-JP" altLang="en-US" sz="1600" kern="100" dirty="0" smtClean="0">
+                <a:latin typeface="Yu Mincho" charset="-128"/>
+                <a:ea typeface="HGPGothicE" charset="-128"/>
+                <a:cs typeface="Times New Roman" charset="0"/>
+              </a:rPr>
+              <a:t>の良さを生かしたものを作成することを要求したいのであれば，その旨の要件を仕様に明記するべきであり，これを行わなかったのは教員側のコミュニケーション不足の表れである．上記２点を鑑みると，学生 （彼はおそらくフローエントリを十二分に生かしたコントローラを実装していたであろう．デモでその雄姿を見せることなくコントローラが落ちてしまったのは大変残念である．完全無二な </a:t>
+            </a:r>
+            <a:r>
+              <a:rPr lang="en-US" altLang="ja-JP" sz="1600" kern="100" dirty="0" smtClean="0">
+                <a:latin typeface="Yu Mincho" charset="-128"/>
+                <a:ea typeface="HGPGothicE" charset="-128"/>
+                <a:cs typeface="Times New Roman" charset="0"/>
+              </a:rPr>
+              <a:t>IaaS </a:t>
+            </a:r>
+            <a:r>
+              <a:rPr lang="ja-JP" altLang="en-US" sz="1600" kern="100" dirty="0" smtClean="0">
+                <a:latin typeface="Yu Mincho" charset="-128"/>
+                <a:ea typeface="HGPGothicE" charset="-128"/>
+                <a:cs typeface="Times New Roman" charset="0"/>
+              </a:rPr>
+              <a:t>が動作し，求められている仕様</a:t>
+            </a:r>
+            <a:r>
+              <a:rPr lang="ja-JP" altLang="en-US" sz="1600" kern="100" dirty="0">
+                <a:latin typeface="Yu Mincho" charset="-128"/>
+                <a:ea typeface="HGPGothicE" charset="-128"/>
+                <a:cs typeface="Times New Roman" charset="0"/>
+              </a:rPr>
+              <a:t>を</a:t>
+            </a:r>
+            <a:r>
+              <a:rPr lang="ja-JP" altLang="en-US" sz="1600" kern="100" dirty="0" smtClean="0">
+                <a:latin typeface="Yu Mincho" charset="-128"/>
+                <a:ea typeface="HGPGothicE" charset="-128"/>
+                <a:cs typeface="Times New Roman" charset="0"/>
+              </a:rPr>
+              <a:t>満たして稼働している様を是非とも拝見したかった） はともかく，教員が当質問のような指摘を行う資格を有しているとは到底考えられない．</a:t>
+            </a:r>
+            <a:endParaRPr lang="en-US" altLang="ja-JP" sz="1600" kern="100" dirty="0">
+              <a:latin typeface="HGPGothicE" charset="-128"/>
+              <a:ea typeface="Yu Mincho" charset="-128"/>
+              <a:cs typeface="Times New Roman" charset="0"/>
+            </a:endParaRPr>
+          </a:p>
+          <a:p>
+            <a:pPr lvl="1" algn="just"/>
+            <a:endParaRPr lang="en-US" altLang="ja-JP" sz="1600" kern="100" dirty="0" smtClean="0">
+              <a:latin typeface="HGPGothicE" charset="-128"/>
+              <a:ea typeface="Yu Mincho" charset="-128"/>
+              <a:cs typeface="Times New Roman" charset="0"/>
+            </a:endParaRPr>
+          </a:p>
+          <a:p>
+            <a:pPr lvl="1" algn="just"/>
+            <a:r>
+              <a:rPr lang="ja-JP" altLang="ja-JP" sz="1600" kern="100" dirty="0" smtClean="0">
+                <a:effectLst/>
+                <a:latin typeface="Yu Mincho" charset="-128"/>
+                <a:ea typeface="HGPGothicE" charset="-128"/>
+                <a:cs typeface="Times New Roman" charset="0"/>
+              </a:rPr>
+              <a:t>コメント</a:t>
+            </a:r>
+            <a:endParaRPr lang="ja-JP" altLang="ja-JP" sz="1600" kern="100" dirty="0" smtClean="0">
+              <a:effectLst/>
+              <a:latin typeface="Yu Mincho" charset="-128"/>
+              <a:ea typeface="Yu Mincho" charset="-128"/>
+              <a:cs typeface="Times New Roman" charset="0"/>
+            </a:endParaRPr>
+          </a:p>
+          <a:p>
+            <a:pPr marL="342900" lvl="0" indent="-342900" algn="just">
+              <a:spcAft>
+                <a:spcPts val="0"/>
+              </a:spcAft>
+              <a:buFont typeface="HGPGothicE" charset="-128"/>
+              <a:buChar char="・"/>
+            </a:pPr>
+            <a:r>
+              <a:rPr lang="en-US" altLang="ja-JP" sz="1600" kern="100" dirty="0" err="1" smtClean="0">
+                <a:effectLst/>
+                <a:latin typeface="HGPGothicE" charset="-128"/>
+                <a:ea typeface="Yu Mincho" charset="-128"/>
+                <a:cs typeface="Times New Roman" charset="0"/>
+              </a:rPr>
+              <a:t>flowstats</a:t>
+            </a:r>
+            <a:r>
+              <a:rPr lang="ja-JP" altLang="ja-JP" sz="1600" kern="100" dirty="0" smtClean="0">
+                <a:effectLst/>
+                <a:latin typeface="Yu Mincho" charset="-128"/>
+                <a:ea typeface="HGPGothicE" charset="-128"/>
+                <a:cs typeface="Times New Roman" charset="0"/>
+              </a:rPr>
+              <a:t>でパケットの統計情報が見れるよ．</a:t>
+            </a:r>
+            <a:endParaRPr lang="ja-JP" altLang="ja-JP" sz="1600" kern="100" dirty="0">
+              <a:effectLst/>
+              <a:latin typeface="Yu Mincho" charset="-128"/>
+              <a:ea typeface="Yu Mincho" charset="-128"/>
+              <a:cs typeface="Times New Roman" charset="0"/>
+            </a:endParaRPr>
+          </a:p>
+        </p:txBody>
+      </p:sp>
+    </p:spTree>
+    <p:extLst>
+      <p:ext uri="{BB962C8B-B14F-4D97-AF65-F5344CB8AC3E}">
+        <p14:creationId xmlns:p14="http://schemas.microsoft.com/office/powerpoint/2010/main" val="1947018022"/>
+      </p:ext>
+    </p:extLst>
+  </p:cSld>
+  <p:clrMapOvr>
+    <a:masterClrMapping/>
+  </p:clrMapOvr>
+  <p:timing>
+    <p:tnLst>
+      <p:par>
+        <p:cTn id="1" dur="indefinite" restart="never" nodeType="tmRoot"/>
+      </p:par>
+    </p:tnLst>
+  </p:timing>
+</p:sld>
+</file>
+
+<file path=ppt/slides/slide12.xml><?xml version="1.0" encoding="utf-8"?>
+<p:sld xmlns:a="http://schemas.openxmlformats.org/drawingml/2006/main" xmlns:r="http://schemas.openxmlformats.org/officeDocument/2006/relationships" xmlns:p="http://schemas.openxmlformats.org/presentationml/2006/main">
+  <p:cSld>
+    <p:spTree>
+      <p:nvGrpSpPr>
+        <p:cNvPr id="1" name=""/>
+        <p:cNvGrpSpPr/>
+        <p:nvPr/>
+      </p:nvGrpSpPr>
+      <p:grpSpPr>
+        <a:xfrm>
+          <a:off x="0" y="0"/>
+          <a:ext cx="0" cy="0"/>
+          <a:chOff x="0" y="0"/>
+          <a:chExt cx="0" cy="0"/>
+        </a:xfrm>
+      </p:grpSpPr>
+      <p:sp>
+        <p:nvSpPr>
+          <p:cNvPr id="2" name="スライド番号プレースホルダー 1"/>
+          <p:cNvSpPr>
+            <a:spLocks noGrp="1"/>
+          </p:cNvSpPr>
+          <p:nvPr>
+            <p:ph type="sldNum" sz="quarter" idx="12"/>
+          </p:nvPr>
+        </p:nvSpPr>
+        <p:spPr/>
+        <p:txBody>
+          <a:bodyPr/>
+          <a:lstStyle/>
+          <a:p>
+            <a:fld id="{6CF45946-1F16-F342-BD1B-1EF94030CB33}" type="slidenum">
+              <a:rPr kumimoji="1" lang="ja-JP" altLang="en-US" smtClean="0"/>
+              <a:t>12</a:t>
+            </a:fld>
+            <a:endParaRPr kumimoji="1" lang="ja-JP" altLang="en-US"/>
+          </a:p>
+        </p:txBody>
+      </p:sp>
+      <p:sp>
+        <p:nvSpPr>
+          <p:cNvPr id="3" name="タイトル 1"/>
+          <p:cNvSpPr txBox="1">
+            <a:spLocks/>
+          </p:cNvSpPr>
+          <p:nvPr/>
+        </p:nvSpPr>
+        <p:spPr>
+          <a:xfrm>
+            <a:off x="838200" y="0"/>
+            <a:ext cx="10515600" cy="1094740"/>
+          </a:xfrm>
+          <a:prstGeom prst="rect">
+            <a:avLst/>
+          </a:prstGeom>
+        </p:spPr>
+        <p:txBody>
+          <a:bodyPr>
+            <a:normAutofit/>
+          </a:bodyPr>
+          <a:lstStyle>
+            <a:lvl1pPr algn="l" defTabSz="914400" rtl="0" eaLnBrk="1" latinLnBrk="0" hangingPunct="1">
+              <a:lnSpc>
+                <a:spcPct val="90000"/>
+              </a:lnSpc>
+              <a:spcBef>
+                <a:spcPct val="0"/>
+              </a:spcBef>
+              <a:buNone/>
+              <a:defRPr kumimoji="1" sz="4400" kern="1200">
+                <a:solidFill>
+                  <a:schemeClr val="tx1"/>
+                </a:solidFill>
+                <a:latin typeface="HGPGothicE" charset="-128"/>
+                <a:ea typeface="HGPGothicE" charset="-128"/>
+                <a:cs typeface="HGPGothicE" charset="-128"/>
+              </a:defRPr>
+            </a:lvl1pPr>
+          </a:lstStyle>
+          <a:p>
+            <a:pPr marL="914400" indent="-914400">
+              <a:buFont typeface="+mj-lt"/>
               <a:buAutoNum type="arabicPeriod" startAt="4"/>
             </a:pPr>
             <a:r>
@@ -4978,7 +5640,7 @@
           <p:nvPr>
             <p:extLst>
               <p:ext uri="{D42A27DB-BD31-4B8C-83A1-F6EECF244321}">
-                <p14:modId xmlns:p14="http://schemas.microsoft.com/office/powerpoint/2010/main" val="2602420700"/>
+                <p14:modId xmlns:p14="http://schemas.microsoft.com/office/powerpoint/2010/main" val="3090338536"/>
               </p:ext>
             </p:extLst>
           </p:nvPr>
@@ -4997,14 +5659,14 @@
                 <a:gridCol w="2373131">
                   <a:extLst>
                     <a:ext uri="{9D8B030D-6E8A-4147-A177-3AD203B41FA5}">
-                      <a16:colId xmlns:a16="http://schemas.microsoft.com/office/drawing/2014/main" xmlns="" val="20000"/>
+                      <a16:colId xmlns:a16="http://schemas.microsoft.com/office/drawing/2014/main" val="20000"/>
                     </a:ext>
                   </a:extLst>
                 </a:gridCol>
                 <a:gridCol w="3984996">
                   <a:extLst>
                     <a:ext uri="{9D8B030D-6E8A-4147-A177-3AD203B41FA5}">
-                      <a16:colId xmlns:a16="http://schemas.microsoft.com/office/drawing/2014/main" xmlns="" val="20001"/>
+                      <a16:colId xmlns:a16="http://schemas.microsoft.com/office/drawing/2014/main" val="20001"/>
                     </a:ext>
                   </a:extLst>
                 </a:gridCol>
@@ -5064,7 +5726,7 @@
                 </a:tc>
                 <a:extLst>
                   <a:ext uri="{0D108BD9-81ED-4DB2-BD59-A6C34878D82A}">
-                    <a16:rowId xmlns:a16="http://schemas.microsoft.com/office/drawing/2014/main" xmlns="" val="10000"/>
+                    <a16:rowId xmlns:a16="http://schemas.microsoft.com/office/drawing/2014/main" val="10000"/>
                   </a:ext>
                 </a:extLst>
               </a:tr>
@@ -5106,22 +5768,28 @@
                         </a:spcAft>
                       </a:pPr>
                       <a:r>
-                        <a:rPr lang="ja-JP" sz="1200" kern="100" dirty="0">
+                        <a:rPr lang="en-US" altLang="ja-JP" sz="1200" kern="100" dirty="0" smtClean="0">
                           <a:effectLst/>
                         </a:rPr>
-                        <a:t>最終課題の</a:t>
-                      </a:r>
-                      <a:r>
-                        <a:rPr lang="ja-JP" sz="1200" kern="100" dirty="0" smtClean="0">
-                          <a:effectLst/>
-                        </a:rPr>
-                        <a:t>発表</a:t>
+                        <a:t>【</a:t>
                       </a:r>
                       <a:r>
                         <a:rPr lang="ja-JP" altLang="en-US" sz="1200" kern="100" dirty="0" smtClean="0">
                           <a:effectLst/>
                         </a:rPr>
-                        <a:t>、システム仕様の策定</a:t>
+                        <a:t>最終課題の発表</a:t>
+                      </a:r>
+                      <a:r>
+                        <a:rPr lang="en-US" altLang="ja-JP" sz="1200" kern="100" dirty="0" smtClean="0">
+                          <a:effectLst/>
+                        </a:rPr>
+                        <a:t>】</a:t>
+                      </a:r>
+                      <a:r>
+                        <a:rPr lang="ja-JP" altLang="en-US" sz="1200" kern="100" dirty="0" smtClean="0">
+                          <a:effectLst/>
+                        </a:rPr>
+                        <a:t>システム仕様の策定</a:t>
                       </a:r>
                       <a:endParaRPr lang="ja-JP" sz="1200" kern="100" dirty="0">
                         <a:effectLst/>
@@ -5135,7 +5803,7 @@
                 </a:tc>
                 <a:extLst>
                   <a:ext uri="{0D108BD9-81ED-4DB2-BD59-A6C34878D82A}">
-                    <a16:rowId xmlns:a16="http://schemas.microsoft.com/office/drawing/2014/main" xmlns="" val="10001"/>
+                    <a16:rowId xmlns:a16="http://schemas.microsoft.com/office/drawing/2014/main" val="10001"/>
                   </a:ext>
                 </a:extLst>
               </a:tr>
@@ -5228,7 +5896,7 @@
                 </a:tc>
                 <a:extLst>
                   <a:ext uri="{0D108BD9-81ED-4DB2-BD59-A6C34878D82A}">
-                    <a16:rowId xmlns:a16="http://schemas.microsoft.com/office/drawing/2014/main" xmlns="" val="10002"/>
+                    <a16:rowId xmlns:a16="http://schemas.microsoft.com/office/drawing/2014/main" val="10002"/>
                   </a:ext>
                 </a:extLst>
               </a:tr>
@@ -5293,7 +5961,7 @@
                 </a:tc>
                 <a:extLst>
                   <a:ext uri="{0D108BD9-81ED-4DB2-BD59-A6C34878D82A}">
-                    <a16:rowId xmlns:a16="http://schemas.microsoft.com/office/drawing/2014/main" xmlns="" val="10003"/>
+                    <a16:rowId xmlns:a16="http://schemas.microsoft.com/office/drawing/2014/main" val="10003"/>
                   </a:ext>
                 </a:extLst>
               </a:tr>
@@ -5376,7 +6044,7 @@
                 </a:tc>
                 <a:extLst>
                   <a:ext uri="{0D108BD9-81ED-4DB2-BD59-A6C34878D82A}">
-                    <a16:rowId xmlns:a16="http://schemas.microsoft.com/office/drawing/2014/main" xmlns="" val="10004"/>
+                    <a16:rowId xmlns:a16="http://schemas.microsoft.com/office/drawing/2014/main" val="10004"/>
                   </a:ext>
                 </a:extLst>
               </a:tr>
@@ -5471,7 +6139,7 @@
                 </a:tc>
                 <a:extLst>
                   <a:ext uri="{0D108BD9-81ED-4DB2-BD59-A6C34878D82A}">
-                    <a16:rowId xmlns:a16="http://schemas.microsoft.com/office/drawing/2014/main" xmlns="" val="10005"/>
+                    <a16:rowId xmlns:a16="http://schemas.microsoft.com/office/drawing/2014/main" val="10005"/>
                   </a:ext>
                 </a:extLst>
               </a:tr>
@@ -5560,7 +6228,7 @@
                 </a:tc>
                 <a:extLst>
                   <a:ext uri="{0D108BD9-81ED-4DB2-BD59-A6C34878D82A}">
-                    <a16:rowId xmlns:a16="http://schemas.microsoft.com/office/drawing/2014/main" xmlns="" val="10006"/>
+                    <a16:rowId xmlns:a16="http://schemas.microsoft.com/office/drawing/2014/main" val="10006"/>
                   </a:ext>
                 </a:extLst>
               </a:tr>
@@ -5643,7 +6311,7 @@
                 </a:tc>
                 <a:extLst>
                   <a:ext uri="{0D108BD9-81ED-4DB2-BD59-A6C34878D82A}">
-                    <a16:rowId xmlns:a16="http://schemas.microsoft.com/office/drawing/2014/main" xmlns="" val="10007"/>
+                    <a16:rowId xmlns:a16="http://schemas.microsoft.com/office/drawing/2014/main" val="10007"/>
                   </a:ext>
                 </a:extLst>
               </a:tr>
@@ -5726,7 +6394,7 @@
                 </a:tc>
                 <a:extLst>
                   <a:ext uri="{0D108BD9-81ED-4DB2-BD59-A6C34878D82A}">
-                    <a16:rowId xmlns:a16="http://schemas.microsoft.com/office/drawing/2014/main" xmlns="" val="10008"/>
+                    <a16:rowId xmlns:a16="http://schemas.microsoft.com/office/drawing/2014/main" val="10008"/>
                   </a:ext>
                 </a:extLst>
               </a:tr>
@@ -5809,7 +6477,7 @@
                 </a:tc>
                 <a:extLst>
                   <a:ext uri="{0D108BD9-81ED-4DB2-BD59-A6C34878D82A}">
-                    <a16:rowId xmlns:a16="http://schemas.microsoft.com/office/drawing/2014/main" xmlns="" val="10009"/>
+                    <a16:rowId xmlns:a16="http://schemas.microsoft.com/office/drawing/2014/main" val="10009"/>
                   </a:ext>
                 </a:extLst>
               </a:tr>
@@ -5880,7 +6548,7 @@
                 </a:tc>
                 <a:extLst>
                   <a:ext uri="{0D108BD9-81ED-4DB2-BD59-A6C34878D82A}">
-                    <a16:rowId xmlns:a16="http://schemas.microsoft.com/office/drawing/2014/main" xmlns="" val="10010"/>
+                    <a16:rowId xmlns:a16="http://schemas.microsoft.com/office/drawing/2014/main" val="10010"/>
                   </a:ext>
                 </a:extLst>
               </a:tr>
@@ -5939,7 +6607,7 @@
                 </a:tc>
                 <a:extLst>
                   <a:ext uri="{0D108BD9-81ED-4DB2-BD59-A6C34878D82A}">
-                    <a16:rowId xmlns:a16="http://schemas.microsoft.com/office/drawing/2014/main" xmlns="" val="10011"/>
+                    <a16:rowId xmlns:a16="http://schemas.microsoft.com/office/drawing/2014/main" val="10011"/>
                   </a:ext>
                 </a:extLst>
               </a:tr>
@@ -6028,7 +6696,7 @@
                 </a:tc>
                 <a:extLst>
                   <a:ext uri="{0D108BD9-81ED-4DB2-BD59-A6C34878D82A}">
-                    <a16:rowId xmlns:a16="http://schemas.microsoft.com/office/drawing/2014/main" xmlns="" val="10012"/>
+                    <a16:rowId xmlns:a16="http://schemas.microsoft.com/office/drawing/2014/main" val="10012"/>
                   </a:ext>
                 </a:extLst>
               </a:tr>
@@ -6099,7 +6767,7 @@
                 </a:tc>
                 <a:extLst>
                   <a:ext uri="{0D108BD9-81ED-4DB2-BD59-A6C34878D82A}">
-                    <a16:rowId xmlns:a16="http://schemas.microsoft.com/office/drawing/2014/main" xmlns="" val="10013"/>
+                    <a16:rowId xmlns:a16="http://schemas.microsoft.com/office/drawing/2014/main" val="10013"/>
                   </a:ext>
                 </a:extLst>
               </a:tr>
@@ -6194,7 +6862,7 @@
                 </a:tc>
                 <a:extLst>
                   <a:ext uri="{0D108BD9-81ED-4DB2-BD59-A6C34878D82A}">
-                    <a16:rowId xmlns:a16="http://schemas.microsoft.com/office/drawing/2014/main" xmlns="" val="10014"/>
+                    <a16:rowId xmlns:a16="http://schemas.microsoft.com/office/drawing/2014/main" val="10014"/>
                   </a:ext>
                 </a:extLst>
               </a:tr>
@@ -6265,7 +6933,7 @@
                 </a:tc>
                 <a:extLst>
                   <a:ext uri="{0D108BD9-81ED-4DB2-BD59-A6C34878D82A}">
-                    <a16:rowId xmlns:a16="http://schemas.microsoft.com/office/drawing/2014/main" xmlns="" val="10015"/>
+                    <a16:rowId xmlns:a16="http://schemas.microsoft.com/office/drawing/2014/main" val="10015"/>
                   </a:ext>
                 </a:extLst>
               </a:tr>
@@ -6307,7 +6975,7 @@
                         </a:spcAft>
                       </a:pPr>
                       <a:r>
-                        <a:rPr lang="ja-JP" altLang="en-US" sz="1200" kern="100" smtClean="0">
+                        <a:rPr lang="ja-JP" altLang="en-US" sz="1200" kern="100" dirty="0" smtClean="0">
                           <a:effectLst/>
                         </a:rPr>
                         <a:t>ポートの自動割り当て実装</a:t>
@@ -6346,7 +7014,7 @@
                 </a:tc>
                 <a:extLst>
                   <a:ext uri="{0D108BD9-81ED-4DB2-BD59-A6C34878D82A}">
-                    <a16:rowId xmlns:a16="http://schemas.microsoft.com/office/drawing/2014/main" xmlns="" val="10016"/>
+                    <a16:rowId xmlns:a16="http://schemas.microsoft.com/office/drawing/2014/main" val="10016"/>
                   </a:ext>
                 </a:extLst>
               </a:tr>
@@ -6429,7 +7097,7 @@
                 </a:tc>
                 <a:extLst>
                   <a:ext uri="{0D108BD9-81ED-4DB2-BD59-A6C34878D82A}">
-                    <a16:rowId xmlns:a16="http://schemas.microsoft.com/office/drawing/2014/main" xmlns="" val="10017"/>
+                    <a16:rowId xmlns:a16="http://schemas.microsoft.com/office/drawing/2014/main" val="10017"/>
                   </a:ext>
                 </a:extLst>
               </a:tr>
@@ -6471,10 +7139,22 @@
                         </a:spcAft>
                       </a:pPr>
                       <a:r>
+                        <a:rPr lang="ja-JP" altLang="en-US" sz="1200" kern="100" smtClean="0">
+                          <a:effectLst/>
+                        </a:rPr>
+                        <a:t>最終</a:t>
+                      </a:r>
+                      <a:r>
+                        <a:rPr lang="ja-JP" sz="1200" kern="100" smtClean="0">
+                          <a:effectLst/>
+                        </a:rPr>
+                        <a:t>発表</a:t>
+                      </a:r>
+                      <a:r>
                         <a:rPr lang="ja-JP" sz="1200" kern="100" dirty="0">
                           <a:effectLst/>
                         </a:rPr>
-                        <a:t>最優発表のためのデモ</a:t>
+                        <a:t>のためのデモ</a:t>
                       </a:r>
                       <a:r>
                         <a:rPr lang="ja-JP" sz="1200" kern="100" dirty="0" smtClean="0">
@@ -6500,7 +7180,7 @@
                 </a:tc>
                 <a:extLst>
                   <a:ext uri="{0D108BD9-81ED-4DB2-BD59-A6C34878D82A}">
-                    <a16:rowId xmlns:a16="http://schemas.microsoft.com/office/drawing/2014/main" xmlns="" val="10018"/>
+                    <a16:rowId xmlns:a16="http://schemas.microsoft.com/office/drawing/2014/main" val="10018"/>
                   </a:ext>
                 </a:extLst>
               </a:tr>
@@ -6571,7 +7251,7 @@
                 </a:tc>
                 <a:extLst>
                   <a:ext uri="{0D108BD9-81ED-4DB2-BD59-A6C34878D82A}">
-                    <a16:rowId xmlns:a16="http://schemas.microsoft.com/office/drawing/2014/main" xmlns="" val="10019"/>
+                    <a16:rowId xmlns:a16="http://schemas.microsoft.com/office/drawing/2014/main" val="10019"/>
                   </a:ext>
                 </a:extLst>
               </a:tr>
@@ -6646,7 +7326,7 @@
 </p:sld>
 </file>
 
-<file path=ppt/slides/slide12.xml><?xml version="1.0" encoding="utf-8"?>
+<file path=ppt/slides/slide13.xml><?xml version="1.0" encoding="utf-8"?>
 <p:sld xmlns:a="http://schemas.openxmlformats.org/drawingml/2006/main" xmlns:r="http://schemas.openxmlformats.org/officeDocument/2006/relationships" xmlns:p="http://schemas.openxmlformats.org/presentationml/2006/main">
   <p:cSld>
     <p:spTree>
@@ -6680,7 +7360,7 @@
           <a:p>
             <a:fld id="{6CF45946-1F16-F342-BD1B-1EF94030CB33}" type="slidenum">
               <a:rPr kumimoji="1" lang="ja-JP" altLang="en-US" smtClean="0"/>
-              <a:t>12</a:t>
+              <a:t>13</a:t>
             </a:fld>
             <a:endParaRPr kumimoji="1" lang="ja-JP" altLang="en-US"/>
           </a:p>
@@ -6748,7 +7428,7 @@
           <p:nvPr>
             <p:extLst>
               <p:ext uri="{D42A27DB-BD31-4B8C-83A1-F6EECF244321}">
-                <p14:modId xmlns:p14="http://schemas.microsoft.com/office/powerpoint/2010/main" val="1018943017"/>
+                <p14:modId xmlns:p14="http://schemas.microsoft.com/office/powerpoint/2010/main" val="3838258636"/>
               </p:ext>
             </p:extLst>
           </p:nvPr>
@@ -6767,14 +7447,14 @@
                 <a:gridCol w="2054453">
                   <a:extLst>
                     <a:ext uri="{9D8B030D-6E8A-4147-A177-3AD203B41FA5}">
-                      <a16:colId xmlns:a16="http://schemas.microsoft.com/office/drawing/2014/main" xmlns="" val="20000"/>
+                      <a16:colId xmlns:a16="http://schemas.microsoft.com/office/drawing/2014/main" val="20000"/>
                     </a:ext>
                   </a:extLst>
                 </a:gridCol>
                 <a:gridCol w="4868409">
                   <a:extLst>
                     <a:ext uri="{9D8B030D-6E8A-4147-A177-3AD203B41FA5}">
-                      <a16:colId xmlns:a16="http://schemas.microsoft.com/office/drawing/2014/main" xmlns="" val="20001"/>
+                      <a16:colId xmlns:a16="http://schemas.microsoft.com/office/drawing/2014/main" val="20001"/>
                     </a:ext>
                   </a:extLst>
                 </a:gridCol>
@@ -6834,7 +7514,7 @@
                 </a:tc>
                 <a:extLst>
                   <a:ext uri="{0D108BD9-81ED-4DB2-BD59-A6C34878D82A}">
-                    <a16:rowId xmlns:a16="http://schemas.microsoft.com/office/drawing/2014/main" xmlns="" val="10000"/>
+                    <a16:rowId xmlns:a16="http://schemas.microsoft.com/office/drawing/2014/main" val="10000"/>
                   </a:ext>
                 </a:extLst>
               </a:tr>
@@ -6988,7 +7668,7 @@
                 </a:tc>
                 <a:extLst>
                   <a:ext uri="{0D108BD9-81ED-4DB2-BD59-A6C34878D82A}">
-                    <a16:rowId xmlns:a16="http://schemas.microsoft.com/office/drawing/2014/main" xmlns="" val="10001"/>
+                    <a16:rowId xmlns:a16="http://schemas.microsoft.com/office/drawing/2014/main" val="10001"/>
                   </a:ext>
                 </a:extLst>
               </a:tr>
@@ -7154,7 +7834,7 @@
                 </a:tc>
                 <a:extLst>
                   <a:ext uri="{0D108BD9-81ED-4DB2-BD59-A6C34878D82A}">
-                    <a16:rowId xmlns:a16="http://schemas.microsoft.com/office/drawing/2014/main" xmlns="" val="10002"/>
+                    <a16:rowId xmlns:a16="http://schemas.microsoft.com/office/drawing/2014/main" val="10002"/>
                   </a:ext>
                 </a:extLst>
               </a:tr>
@@ -7173,13 +7853,7 @@
                         <a:rPr lang="ja-JP" sz="1600" kern="100" dirty="0">
                           <a:effectLst/>
                         </a:rPr>
-                        <a:t>原　</a:t>
-                      </a:r>
-                      <a:r>
-                        <a:rPr lang="ja-JP" altLang="en-US" sz="1600" kern="100" dirty="0" smtClean="0">
-                          <a:effectLst/>
-                        </a:rPr>
-                        <a:t>佑輔</a:t>
+                        <a:t>原　祐介</a:t>
                       </a:r>
                       <a:endParaRPr lang="ja-JP" sz="1400" kern="100" dirty="0">
                         <a:effectLst/>
@@ -7234,15 +7908,15 @@
                         <a:rPr lang="ja-JP" sz="1400" kern="100" dirty="0">
                           <a:effectLst/>
                         </a:rPr>
-                        <a:t>の</a:t>
+                        <a:t>の実装</a:t>
                       </a:r>
                       <a:r>
-                        <a:rPr lang="ja-JP" sz="1400" kern="100" dirty="0" smtClean="0">
+                        <a:rPr lang="en-US" sz="1000" kern="100" dirty="0">
                           <a:effectLst/>
                         </a:rPr>
-                        <a:t>実装</a:t>
+                        <a:t> </a:t>
                       </a:r>
-                      <a:endParaRPr lang="ja-JP" altLang="en-US" sz="1000" kern="100" dirty="0" smtClean="0">
+                      <a:endParaRPr lang="ja-JP" sz="1400" kern="100" dirty="0">
                         <a:effectLst/>
                       </a:endParaRPr>
                     </a:p>
@@ -7255,32 +7929,11 @@
                         <a:buChar char="・"/>
                       </a:pPr>
                       <a:r>
-                        <a:rPr lang="en-US" altLang="ja-JP" sz="1400" kern="100" dirty="0" smtClean="0">
+                        <a:rPr lang="ja-JP" sz="1400" kern="100" dirty="0">
                           <a:effectLst/>
                         </a:rPr>
-                        <a:t>Command</a:t>
+                        <a:t>中間発表１</a:t>
                       </a:r>
-                      <a:r>
-                        <a:rPr lang="en-US" altLang="ja-JP" sz="1400" kern="100" baseline="0" dirty="0" smtClean="0">
-                          <a:effectLst/>
-                        </a:rPr>
-                        <a:t> </a:t>
-                      </a:r>
-                      <a:r>
-                        <a:rPr lang="en-US" altLang="ja-JP" sz="1400" kern="100" baseline="0" smtClean="0">
-                          <a:effectLst/>
-                        </a:rPr>
-                        <a:t>Line Interface</a:t>
-                      </a:r>
-                      <a:r>
-                        <a:rPr lang="ja-JP" altLang="ja-JP" sz="1400" kern="100" smtClean="0">
-                          <a:effectLst/>
-                        </a:rPr>
-                        <a:t>の実装</a:t>
-                      </a:r>
-                      <a:endParaRPr lang="ja-JP" altLang="en-US" sz="1000" kern="100" smtClean="0">
-                        <a:effectLst/>
-                      </a:endParaRPr>
                     </a:p>
                     <a:p>
                       <a:pPr marL="342900" lvl="0" indent="-342900" algn="just">
@@ -7291,7 +7944,7 @@
                         <a:buChar char="・"/>
                       </a:pPr>
                       <a:r>
-                        <a:rPr lang="en-US" sz="1400" kern="100" dirty="0" smtClean="0">
+                        <a:rPr lang="en-US" sz="1400" kern="100" dirty="0">
                           <a:effectLst/>
                         </a:rPr>
                         <a:t>+</a:t>
@@ -7320,7 +7973,7 @@
                 </a:tc>
                 <a:extLst>
                   <a:ext uri="{0D108BD9-81ED-4DB2-BD59-A6C34878D82A}">
-                    <a16:rowId xmlns:a16="http://schemas.microsoft.com/office/drawing/2014/main" xmlns="" val="10003"/>
+                    <a16:rowId xmlns:a16="http://schemas.microsoft.com/office/drawing/2014/main" val="10003"/>
                   </a:ext>
                 </a:extLst>
               </a:tr>
@@ -7336,18 +7989,12 @@
                         </a:spcAft>
                       </a:pPr>
                       <a:r>
-                        <a:rPr lang="en-US" sz="1600" kern="100" dirty="0" smtClean="0">
+                        <a:rPr lang="en-US" sz="1600" kern="100">
                           <a:effectLst/>
                         </a:rPr>
-                        <a:t>Jens </a:t>
+                        <a:t>Jens Oetjen</a:t>
                       </a:r>
-                      <a:r>
-                        <a:rPr lang="en-US" sz="1600" kern="100" dirty="0" err="1" smtClean="0">
-                          <a:effectLst/>
-                        </a:rPr>
-                        <a:t>Oetjen</a:t>
-                      </a:r>
-                      <a:endParaRPr lang="ja-JP" sz="1400" kern="100" dirty="0">
+                      <a:endParaRPr lang="ja-JP" sz="1400" kern="100">
                         <a:effectLst/>
                         <a:latin typeface="Yu Mincho" charset="-128"/>
                         <a:ea typeface="Yu Mincho" charset="-128"/>
@@ -7411,7 +8058,7 @@
                 </a:tc>
                 <a:extLst>
                   <a:ext uri="{0D108BD9-81ED-4DB2-BD59-A6C34878D82A}">
-                    <a16:rowId xmlns:a16="http://schemas.microsoft.com/office/drawing/2014/main" xmlns="" val="10004"/>
+                    <a16:rowId xmlns:a16="http://schemas.microsoft.com/office/drawing/2014/main" val="10004"/>
                   </a:ext>
                 </a:extLst>
               </a:tr>
@@ -7553,7 +8200,7 @@
                 </a:tc>
                 <a:extLst>
                   <a:ext uri="{0D108BD9-81ED-4DB2-BD59-A6C34878D82A}">
-                    <a16:rowId xmlns:a16="http://schemas.microsoft.com/office/drawing/2014/main" xmlns="" val="10005"/>
+                    <a16:rowId xmlns:a16="http://schemas.microsoft.com/office/drawing/2014/main" val="10005"/>
                   </a:ext>
                 </a:extLst>
               </a:tr>
@@ -7664,7 +8311,7 @@
 </p:sld>
 </file>
 
-<file path=ppt/slides/slide13.xml><?xml version="1.0" encoding="utf-8"?>
+<file path=ppt/slides/slide14.xml><?xml version="1.0" encoding="utf-8"?>
 <p:sld xmlns:a="http://schemas.openxmlformats.org/drawingml/2006/main" xmlns:r="http://schemas.openxmlformats.org/officeDocument/2006/relationships" xmlns:p="http://schemas.openxmlformats.org/presentationml/2006/main">
   <p:cSld>
     <p:spTree>
@@ -7698,7 +8345,7 @@
           <a:p>
             <a:fld id="{6CF45946-1F16-F342-BD1B-1EF94030CB33}" type="slidenum">
               <a:rPr kumimoji="1" lang="ja-JP" altLang="en-US" smtClean="0"/>
-              <a:t>13</a:t>
+              <a:t>14</a:t>
             </a:fld>
             <a:endParaRPr kumimoji="1" lang="ja-JP" altLang="en-US"/>
           </a:p>
@@ -8089,7 +8736,7 @@
           <p:nvPr>
             <p:extLst>
               <p:ext uri="{D42A27DB-BD31-4B8C-83A1-F6EECF244321}">
-                <p14:modId xmlns:p14="http://schemas.microsoft.com/office/powerpoint/2010/main" val="1695504613"/>
+                <p14:modId xmlns:p14="http://schemas.microsoft.com/office/powerpoint/2010/main" val="409081579"/>
               </p:ext>
             </p:extLst>
           </p:nvPr>
@@ -8108,21 +8755,21 @@
                 <a:gridCol w="2536853">
                   <a:extLst>
                     <a:ext uri="{9D8B030D-6E8A-4147-A177-3AD203B41FA5}">
-                      <a16:colId xmlns:a16="http://schemas.microsoft.com/office/drawing/2014/main" xmlns="" val="20000"/>
+                      <a16:colId xmlns:a16="http://schemas.microsoft.com/office/drawing/2014/main" val="20000"/>
                     </a:ext>
                   </a:extLst>
                 </a:gridCol>
                 <a:gridCol w="3177556">
                   <a:extLst>
                     <a:ext uri="{9D8B030D-6E8A-4147-A177-3AD203B41FA5}">
-                      <a16:colId xmlns:a16="http://schemas.microsoft.com/office/drawing/2014/main" xmlns="" val="20001"/>
+                      <a16:colId xmlns:a16="http://schemas.microsoft.com/office/drawing/2014/main" val="20001"/>
                     </a:ext>
                   </a:extLst>
                 </a:gridCol>
                 <a:gridCol w="4219435">
                   <a:extLst>
                     <a:ext uri="{9D8B030D-6E8A-4147-A177-3AD203B41FA5}">
-                      <a16:colId xmlns:a16="http://schemas.microsoft.com/office/drawing/2014/main" xmlns="" val="20002"/>
+                      <a16:colId xmlns:a16="http://schemas.microsoft.com/office/drawing/2014/main" val="20002"/>
                     </a:ext>
                   </a:extLst>
                 </a:gridCol>
@@ -8208,7 +8855,7 @@
                 </a:tc>
                 <a:extLst>
                   <a:ext uri="{0D108BD9-81ED-4DB2-BD59-A6C34878D82A}">
-                    <a16:rowId xmlns:a16="http://schemas.microsoft.com/office/drawing/2014/main" xmlns="" val="10000"/>
+                    <a16:rowId xmlns:a16="http://schemas.microsoft.com/office/drawing/2014/main" val="10000"/>
                   </a:ext>
                 </a:extLst>
               </a:tr>
@@ -8224,10 +8871,22 @@
                         </a:spcAft>
                       </a:pPr>
                       <a:r>
-                        <a:rPr lang="ja-JP" sz="3200" kern="100" dirty="0">
+                        <a:rPr lang="ja-JP" sz="3200" kern="100" dirty="0" smtClean="0">
                           <a:effectLst/>
                         </a:rPr>
-                        <a:t>銀杏一樹</a:t>
+                        <a:t>銀杏</a:t>
+                      </a:r>
+                      <a:r>
+                        <a:rPr lang="en-US" altLang="ja-JP" sz="3200" kern="100" dirty="0" smtClean="0">
+                          <a:effectLst/>
+                        </a:rPr>
+                        <a:t> </a:t>
+                      </a:r>
+                      <a:r>
+                        <a:rPr lang="ja-JP" sz="3200" kern="100" dirty="0" smtClean="0">
+                          <a:effectLst/>
+                        </a:rPr>
+                        <a:t>一樹</a:t>
                       </a:r>
                       <a:endParaRPr lang="ja-JP" sz="2800" kern="100" dirty="0">
                         <a:effectLst/>
@@ -8294,7 +8953,7 @@
                 </a:tc>
                 <a:extLst>
                   <a:ext uri="{0D108BD9-81ED-4DB2-BD59-A6C34878D82A}">
-                    <a16:rowId xmlns:a16="http://schemas.microsoft.com/office/drawing/2014/main" xmlns="" val="10001"/>
+                    <a16:rowId xmlns:a16="http://schemas.microsoft.com/office/drawing/2014/main" val="10001"/>
                   </a:ext>
                 </a:extLst>
               </a:tr>
@@ -8313,7 +8972,7 @@
                         <a:rPr lang="ja-JP" altLang="en-US" sz="3200" kern="100" dirty="0" smtClean="0">
                           <a:effectLst/>
                         </a:rPr>
-                        <a:t>齋藤</a:t>
+                        <a:t>齋藤 </a:t>
                       </a:r>
                       <a:r>
                         <a:rPr lang="ja-JP" sz="3200" kern="100" dirty="0" smtClean="0">
@@ -8398,7 +9057,7 @@
                 </a:tc>
                 <a:extLst>
                   <a:ext uri="{0D108BD9-81ED-4DB2-BD59-A6C34878D82A}">
-                    <a16:rowId xmlns:a16="http://schemas.microsoft.com/office/drawing/2014/main" xmlns="" val="10002"/>
+                    <a16:rowId xmlns:a16="http://schemas.microsoft.com/office/drawing/2014/main" val="10002"/>
                   </a:ext>
                 </a:extLst>
               </a:tr>
@@ -8414,19 +9073,25 @@
                         </a:spcAft>
                       </a:pPr>
                       <a:r>
-                        <a:rPr lang="ja-JP" sz="3200" kern="100" dirty="0">
+                        <a:rPr lang="ja-JP" sz="3200" kern="100" dirty="0" smtClean="0">
                           <a:effectLst/>
                         </a:rPr>
-                        <a:t>原　</a:t>
+                        <a:t>原</a:t>
                       </a:r>
                       <a:r>
-                        <a:rPr lang="ja-JP" altLang="en-US" sz="3200" kern="100" dirty="0" smtClean="0">
+                        <a:rPr lang="en-US" altLang="ja-JP" sz="3200" kern="100" baseline="0" dirty="0" smtClean="0">
                           <a:effectLst/>
                         </a:rPr>
-                        <a:t>佑</a:t>
+                        <a:t> </a:t>
                       </a:r>
                       <a:r>
                         <a:rPr lang="ja-JP" sz="3200" kern="100" dirty="0" smtClean="0">
+                          <a:effectLst/>
+                        </a:rPr>
+                        <a:t>祐</a:t>
+                      </a:r>
+                      <a:r>
+                        <a:rPr lang="ja-JP" sz="3200" kern="100" dirty="0">
                           <a:effectLst/>
                         </a:rPr>
                         <a:t>輔</a:t>
@@ -8452,13 +9117,13 @@
                         </a:spcAft>
                       </a:pPr>
                       <a:r>
-                        <a:rPr lang="en-US" sz="2000" kern="100" dirty="0" smtClean="0">
+                        <a:rPr lang="en-US" sz="2000" kern="100" smtClean="0">
                           <a:effectLst/>
                         </a:rPr>
                         <a:t>33E16018</a:t>
                       </a:r>
                       <a:r>
-                        <a:rPr lang="en-US" sz="2000" kern="100" dirty="0">
+                        <a:rPr lang="en-US" sz="2000" kern="100">
                           <a:effectLst/>
                         </a:rPr>
                         <a:t> </a:t>
@@ -8502,7 +9167,7 @@
                 </a:tc>
                 <a:extLst>
                   <a:ext uri="{0D108BD9-81ED-4DB2-BD59-A6C34878D82A}">
-                    <a16:rowId xmlns:a16="http://schemas.microsoft.com/office/drawing/2014/main" xmlns="" val="10003"/>
+                    <a16:rowId xmlns:a16="http://schemas.microsoft.com/office/drawing/2014/main" val="10003"/>
                   </a:ext>
                 </a:extLst>
               </a:tr>
@@ -8588,7 +9253,7 @@
                 </a:tc>
                 <a:extLst>
                   <a:ext uri="{0D108BD9-81ED-4DB2-BD59-A6C34878D82A}">
-                    <a16:rowId xmlns:a16="http://schemas.microsoft.com/office/drawing/2014/main" xmlns="" val="10004"/>
+                    <a16:rowId xmlns:a16="http://schemas.microsoft.com/office/drawing/2014/main" val="10004"/>
                   </a:ext>
                 </a:extLst>
               </a:tr>
@@ -8604,12 +9269,24 @@
                         </a:spcAft>
                       </a:pPr>
                       <a:r>
-                        <a:rPr lang="ja-JP" sz="3200" kern="100">
+                        <a:rPr lang="ja-JP" sz="3200" kern="100" dirty="0" smtClean="0">
                           <a:effectLst/>
                         </a:rPr>
-                        <a:t>辻　健太</a:t>
+                        <a:t>辻</a:t>
                       </a:r>
-                      <a:endParaRPr lang="ja-JP" sz="2800" kern="100">
+                      <a:r>
+                        <a:rPr lang="en-US" altLang="ja-JP" sz="3200" kern="100" baseline="0" dirty="0" smtClean="0">
+                          <a:effectLst/>
+                        </a:rPr>
+                        <a:t> </a:t>
+                      </a:r>
+                      <a:r>
+                        <a:rPr lang="ja-JP" sz="3200" kern="100" dirty="0" smtClean="0">
+                          <a:effectLst/>
+                        </a:rPr>
+                        <a:t>健太</a:t>
+                      </a:r>
+                      <a:endParaRPr lang="ja-JP" sz="2800" kern="100" dirty="0">
                         <a:effectLst/>
                         <a:latin typeface="Yu Mincho" charset="-128"/>
                         <a:ea typeface="Yu Mincho" charset="-128"/>
@@ -8674,7 +9351,7 @@
                 </a:tc>
                 <a:extLst>
                   <a:ext uri="{0D108BD9-81ED-4DB2-BD59-A6C34878D82A}">
-                    <a16:rowId xmlns:a16="http://schemas.microsoft.com/office/drawing/2014/main" xmlns="" val="10005"/>
+                    <a16:rowId xmlns:a16="http://schemas.microsoft.com/office/drawing/2014/main" val="10005"/>
                   </a:ext>
                 </a:extLst>
               </a:tr>

--- a/FinalReport_team1.pptx
+++ b/FinalReport_team1.pptx
@@ -228,9 +228,9 @@
 <file path=ppt/comments/comment5.xml><?xml version="1.0" encoding="utf-8"?>
 <p:cmLst xmlns:a="http://schemas.openxmlformats.org/drawingml/2006/main" xmlns:r="http://schemas.openxmlformats.org/officeDocument/2006/relationships" xmlns:p="http://schemas.openxmlformats.org/presentationml/2006/main">
   <p:cm authorId="6" dt="2017-02-02T09:40:50.200" idx="1">
-    <p:pos x="3132" y="862"/>
+    <p:pos x="828" y="588"/>
     <p:text>成果物の公開を担当される方は記入してね！</p:text>
-    <p:extLst>
+    <p:extLst mod="1">
       <p:ext uri="{C676402C-5697-4E1C-873F-D02D1690AC5C}">
         <p15:threadingInfo xmlns:p15="http://schemas.microsoft.com/office/powerpoint/2012/main" timeZoneBias="-540"/>
       </p:ext>
@@ -5391,7 +5391,7 @@
           </a:p>
           <a:p>
             <a:pPr lvl="1" algn="just"/>
-            <a:endParaRPr lang="en-US" altLang="ja-JP" sz="1600" kern="100" dirty="0" smtClean="0">
+            <a:endParaRPr lang="en-US" altLang="ja-JP" sz="1600" kern="100" dirty="0">
               <a:latin typeface="HGPGothicE" charset="-128"/>
               <a:ea typeface="Yu Mincho" charset="-128"/>
               <a:cs typeface="Times New Roman" charset="0"/>
@@ -5416,10 +5416,7 @@
             </a:endParaRPr>
           </a:p>
           <a:p>
-            <a:pPr marL="342900" lvl="0" indent="-342900" algn="just">
-              <a:spcAft>
-                <a:spcPts val="0"/>
-              </a:spcAft>
+            <a:pPr marL="1257300" lvl="2" indent="-342900" algn="just">
               <a:buFont typeface="HGPGothicE" charset="-128"/>
               <a:buChar char="・"/>
             </a:pPr>
@@ -5640,14 +5637,14 @@
           <p:nvPr>
             <p:extLst>
               <p:ext uri="{D42A27DB-BD31-4B8C-83A1-F6EECF244321}">
-                <p14:modId xmlns:p14="http://schemas.microsoft.com/office/powerpoint/2010/main" val="3090338536"/>
+                <p14:modId xmlns:p14="http://schemas.microsoft.com/office/powerpoint/2010/main" val="627280437"/>
               </p:ext>
             </p:extLst>
           </p:nvPr>
         </p:nvGraphicFramePr>
         <p:xfrm>
-          <a:off x="5216780" y="823109"/>
-          <a:ext cx="6358127" cy="5709238"/>
+          <a:off x="5186796" y="1272302"/>
+          <a:ext cx="6358127" cy="5449173"/>
         </p:xfrm>
         <a:graphic>
           <a:graphicData uri="http://schemas.openxmlformats.org/drawingml/2006/table">
@@ -5659,14 +5656,14 @@
                 <a:gridCol w="2373131">
                   <a:extLst>
                     <a:ext uri="{9D8B030D-6E8A-4147-A177-3AD203B41FA5}">
-                      <a16:colId xmlns:a16="http://schemas.microsoft.com/office/drawing/2014/main" val="20000"/>
+                      <a16:colId xmlns:a16="http://schemas.microsoft.com/office/drawing/2014/main" xmlns="" val="20000"/>
                     </a:ext>
                   </a:extLst>
                 </a:gridCol>
                 <a:gridCol w="3984996">
                   <a:extLst>
                     <a:ext uri="{9D8B030D-6E8A-4147-A177-3AD203B41FA5}">
-                      <a16:colId xmlns:a16="http://schemas.microsoft.com/office/drawing/2014/main" val="20001"/>
+                      <a16:colId xmlns:a16="http://schemas.microsoft.com/office/drawing/2014/main" xmlns="" val="20001"/>
                     </a:ext>
                   </a:extLst>
                 </a:gridCol>
@@ -5726,7 +5723,7 @@
                 </a:tc>
                 <a:extLst>
                   <a:ext uri="{0D108BD9-81ED-4DB2-BD59-A6C34878D82A}">
-                    <a16:rowId xmlns:a16="http://schemas.microsoft.com/office/drawing/2014/main" val="10000"/>
+                    <a16:rowId xmlns:a16="http://schemas.microsoft.com/office/drawing/2014/main" xmlns="" val="10000"/>
                   </a:ext>
                 </a:extLst>
               </a:tr>
@@ -5803,7 +5800,7 @@
                 </a:tc>
                 <a:extLst>
                   <a:ext uri="{0D108BD9-81ED-4DB2-BD59-A6C34878D82A}">
-                    <a16:rowId xmlns:a16="http://schemas.microsoft.com/office/drawing/2014/main" val="10001"/>
+                    <a16:rowId xmlns:a16="http://schemas.microsoft.com/office/drawing/2014/main" xmlns="" val="10001"/>
                   </a:ext>
                 </a:extLst>
               </a:tr>
@@ -5896,72 +5893,7 @@
                 </a:tc>
                 <a:extLst>
                   <a:ext uri="{0D108BD9-81ED-4DB2-BD59-A6C34878D82A}">
-                    <a16:rowId xmlns:a16="http://schemas.microsoft.com/office/drawing/2014/main" val="10002"/>
-                  </a:ext>
-                </a:extLst>
-              </a:tr>
-              <a:tr h="260065">
-                <a:tc>
-                  <a:txBody>
-                    <a:bodyPr/>
-                    <a:lstStyle/>
-                    <a:p>
-                      <a:pPr algn="ctr">
-                        <a:spcAft>
-                          <a:spcPts val="0"/>
-                        </a:spcAft>
-                      </a:pPr>
-                      <a:r>
-                        <a:rPr lang="en-US" sz="1200" kern="100" dirty="0">
-                          <a:effectLst/>
-                        </a:rPr>
-                        <a:t> </a:t>
-                      </a:r>
-                      <a:endParaRPr lang="ja-JP" sz="1200" kern="100" dirty="0">
-                        <a:effectLst/>
-                        <a:latin typeface="Yu Mincho" charset="-128"/>
-                        <a:ea typeface="Yu Mincho" charset="-128"/>
-                        <a:cs typeface="Times New Roman" charset="0"/>
-                      </a:endParaRPr>
-                    </a:p>
-                  </a:txBody>
-                  <a:tcPr marL="58111" marR="58111" marT="0" marB="0" anchor="ctr"/>
-                </a:tc>
-                <a:tc>
-                  <a:txBody>
-                    <a:bodyPr/>
-                    <a:lstStyle/>
-                    <a:p>
-                      <a:pPr algn="just">
-                        <a:spcAft>
-                          <a:spcPts val="0"/>
-                        </a:spcAft>
-                      </a:pPr>
-                      <a:r>
-                        <a:rPr lang="en-US" sz="1200" kern="100" dirty="0">
-                          <a:effectLst/>
-                        </a:rPr>
-                        <a:t> </a:t>
-                      </a:r>
-                      <a:r>
-                        <a:rPr lang="ja-JP" altLang="en-US" sz="1200" kern="100" dirty="0" smtClean="0">
-                          <a:effectLst/>
-                        </a:rPr>
-                        <a:t>（冬休み中、各自で課題に取り組む）</a:t>
-                      </a:r>
-                      <a:endParaRPr lang="ja-JP" sz="1200" kern="100" dirty="0">
-                        <a:effectLst/>
-                        <a:latin typeface="Yu Mincho" charset="-128"/>
-                        <a:ea typeface="Yu Mincho" charset="-128"/>
-                        <a:cs typeface="Times New Roman" charset="0"/>
-                      </a:endParaRPr>
-                    </a:p>
-                  </a:txBody>
-                  <a:tcPr marL="58111" marR="58111" marT="0" marB="0" anchor="ctr"/>
-                </a:tc>
-                <a:extLst>
-                  <a:ext uri="{0D108BD9-81ED-4DB2-BD59-A6C34878D82A}">
-                    <a16:rowId xmlns:a16="http://schemas.microsoft.com/office/drawing/2014/main" val="10003"/>
+                    <a16:rowId xmlns:a16="http://schemas.microsoft.com/office/drawing/2014/main" xmlns="" val="10002"/>
                   </a:ext>
                 </a:extLst>
               </a:tr>
@@ -5977,12 +5909,12 @@
                         </a:spcAft>
                       </a:pPr>
                       <a:r>
-                        <a:rPr lang="en-US" sz="1200" kern="100">
+                        <a:rPr lang="en-US" sz="1200" kern="100" dirty="0">
                           <a:effectLst/>
                         </a:rPr>
                         <a:t>1/11 (Wed.) 10:30 – 14:30</a:t>
                       </a:r>
-                      <a:endParaRPr lang="ja-JP" sz="1200" kern="100">
+                      <a:endParaRPr lang="ja-JP" sz="1200" kern="100" dirty="0">
                         <a:effectLst/>
                         <a:latin typeface="Yu Mincho" charset="-128"/>
                         <a:ea typeface="Yu Mincho" charset="-128"/>
@@ -6044,7 +5976,7 @@
                 </a:tc>
                 <a:extLst>
                   <a:ext uri="{0D108BD9-81ED-4DB2-BD59-A6C34878D82A}">
-                    <a16:rowId xmlns:a16="http://schemas.microsoft.com/office/drawing/2014/main" val="10004"/>
+                    <a16:rowId xmlns:a16="http://schemas.microsoft.com/office/drawing/2014/main" xmlns="" val="10004"/>
                   </a:ext>
                 </a:extLst>
               </a:tr>
@@ -6139,7 +6071,7 @@
                 </a:tc>
                 <a:extLst>
                   <a:ext uri="{0D108BD9-81ED-4DB2-BD59-A6C34878D82A}">
-                    <a16:rowId xmlns:a16="http://schemas.microsoft.com/office/drawing/2014/main" val="10005"/>
+                    <a16:rowId xmlns:a16="http://schemas.microsoft.com/office/drawing/2014/main" xmlns="" val="10005"/>
                   </a:ext>
                 </a:extLst>
               </a:tr>
@@ -6228,7 +6160,7 @@
                 </a:tc>
                 <a:extLst>
                   <a:ext uri="{0D108BD9-81ED-4DB2-BD59-A6C34878D82A}">
-                    <a16:rowId xmlns:a16="http://schemas.microsoft.com/office/drawing/2014/main" val="10006"/>
+                    <a16:rowId xmlns:a16="http://schemas.microsoft.com/office/drawing/2014/main" xmlns="" val="10006"/>
                   </a:ext>
                 </a:extLst>
               </a:tr>
@@ -6311,7 +6243,7 @@
                 </a:tc>
                 <a:extLst>
                   <a:ext uri="{0D108BD9-81ED-4DB2-BD59-A6C34878D82A}">
-                    <a16:rowId xmlns:a16="http://schemas.microsoft.com/office/drawing/2014/main" val="10007"/>
+                    <a16:rowId xmlns:a16="http://schemas.microsoft.com/office/drawing/2014/main" xmlns="" val="10007"/>
                   </a:ext>
                 </a:extLst>
               </a:tr>
@@ -6394,7 +6326,7 @@
                 </a:tc>
                 <a:extLst>
                   <a:ext uri="{0D108BD9-81ED-4DB2-BD59-A6C34878D82A}">
-                    <a16:rowId xmlns:a16="http://schemas.microsoft.com/office/drawing/2014/main" val="10008"/>
+                    <a16:rowId xmlns:a16="http://schemas.microsoft.com/office/drawing/2014/main" xmlns="" val="10008"/>
                   </a:ext>
                 </a:extLst>
               </a:tr>
@@ -6477,7 +6409,7 @@
                 </a:tc>
                 <a:extLst>
                   <a:ext uri="{0D108BD9-81ED-4DB2-BD59-A6C34878D82A}">
-                    <a16:rowId xmlns:a16="http://schemas.microsoft.com/office/drawing/2014/main" val="10009"/>
+                    <a16:rowId xmlns:a16="http://schemas.microsoft.com/office/drawing/2014/main" xmlns="" val="10009"/>
                   </a:ext>
                 </a:extLst>
               </a:tr>
@@ -6548,7 +6480,7 @@
                 </a:tc>
                 <a:extLst>
                   <a:ext uri="{0D108BD9-81ED-4DB2-BD59-A6C34878D82A}">
-                    <a16:rowId xmlns:a16="http://schemas.microsoft.com/office/drawing/2014/main" val="10010"/>
+                    <a16:rowId xmlns:a16="http://schemas.microsoft.com/office/drawing/2014/main" xmlns="" val="10010"/>
                   </a:ext>
                 </a:extLst>
               </a:tr>
@@ -6607,7 +6539,7 @@
                 </a:tc>
                 <a:extLst>
                   <a:ext uri="{0D108BD9-81ED-4DB2-BD59-A6C34878D82A}">
-                    <a16:rowId xmlns:a16="http://schemas.microsoft.com/office/drawing/2014/main" val="10011"/>
+                    <a16:rowId xmlns:a16="http://schemas.microsoft.com/office/drawing/2014/main" xmlns="" val="10011"/>
                   </a:ext>
                 </a:extLst>
               </a:tr>
@@ -6696,7 +6628,7 @@
                 </a:tc>
                 <a:extLst>
                   <a:ext uri="{0D108BD9-81ED-4DB2-BD59-A6C34878D82A}">
-                    <a16:rowId xmlns:a16="http://schemas.microsoft.com/office/drawing/2014/main" val="10012"/>
+                    <a16:rowId xmlns:a16="http://schemas.microsoft.com/office/drawing/2014/main" xmlns="" val="10012"/>
                   </a:ext>
                 </a:extLst>
               </a:tr>
@@ -6767,7 +6699,7 @@
                 </a:tc>
                 <a:extLst>
                   <a:ext uri="{0D108BD9-81ED-4DB2-BD59-A6C34878D82A}">
-                    <a16:rowId xmlns:a16="http://schemas.microsoft.com/office/drawing/2014/main" val="10013"/>
+                    <a16:rowId xmlns:a16="http://schemas.microsoft.com/office/drawing/2014/main" xmlns="" val="10013"/>
                   </a:ext>
                 </a:extLst>
               </a:tr>
@@ -6862,7 +6794,7 @@
                 </a:tc>
                 <a:extLst>
                   <a:ext uri="{0D108BD9-81ED-4DB2-BD59-A6C34878D82A}">
-                    <a16:rowId xmlns:a16="http://schemas.microsoft.com/office/drawing/2014/main" val="10014"/>
+                    <a16:rowId xmlns:a16="http://schemas.microsoft.com/office/drawing/2014/main" xmlns="" val="10014"/>
                   </a:ext>
                 </a:extLst>
               </a:tr>
@@ -6933,7 +6865,7 @@
                 </a:tc>
                 <a:extLst>
                   <a:ext uri="{0D108BD9-81ED-4DB2-BD59-A6C34878D82A}">
-                    <a16:rowId xmlns:a16="http://schemas.microsoft.com/office/drawing/2014/main" val="10015"/>
+                    <a16:rowId xmlns:a16="http://schemas.microsoft.com/office/drawing/2014/main" xmlns="" val="10015"/>
                   </a:ext>
                 </a:extLst>
               </a:tr>
@@ -7014,7 +6946,7 @@
                 </a:tc>
                 <a:extLst>
                   <a:ext uri="{0D108BD9-81ED-4DB2-BD59-A6C34878D82A}">
-                    <a16:rowId xmlns:a16="http://schemas.microsoft.com/office/drawing/2014/main" val="10016"/>
+                    <a16:rowId xmlns:a16="http://schemas.microsoft.com/office/drawing/2014/main" xmlns="" val="10016"/>
                   </a:ext>
                 </a:extLst>
               </a:tr>
@@ -7097,7 +7029,7 @@
                 </a:tc>
                 <a:extLst>
                   <a:ext uri="{0D108BD9-81ED-4DB2-BD59-A6C34878D82A}">
-                    <a16:rowId xmlns:a16="http://schemas.microsoft.com/office/drawing/2014/main" val="10017"/>
+                    <a16:rowId xmlns:a16="http://schemas.microsoft.com/office/drawing/2014/main" xmlns="" val="10017"/>
                   </a:ext>
                 </a:extLst>
               </a:tr>
@@ -7180,7 +7112,7 @@
                 </a:tc>
                 <a:extLst>
                   <a:ext uri="{0D108BD9-81ED-4DB2-BD59-A6C34878D82A}">
-                    <a16:rowId xmlns:a16="http://schemas.microsoft.com/office/drawing/2014/main" val="10018"/>
+                    <a16:rowId xmlns:a16="http://schemas.microsoft.com/office/drawing/2014/main" xmlns="" val="10018"/>
                   </a:ext>
                 </a:extLst>
               </a:tr>
@@ -7251,7 +7183,7 @@
                 </a:tc>
                 <a:extLst>
                   <a:ext uri="{0D108BD9-81ED-4DB2-BD59-A6C34878D82A}">
-                    <a16:rowId xmlns:a16="http://schemas.microsoft.com/office/drawing/2014/main" val="10019"/>
+                    <a16:rowId xmlns:a16="http://schemas.microsoft.com/office/drawing/2014/main" xmlns="" val="10019"/>
                   </a:ext>
                 </a:extLst>
               </a:tr>
@@ -7267,7 +7199,7 @@
         </p:nvSpPr>
         <p:spPr>
           <a:xfrm>
-            <a:off x="8867007" y="410779"/>
+            <a:off x="6901355" y="902970"/>
             <a:ext cx="2929007" cy="369332"/>
           </a:xfrm>
           <a:prstGeom prst="rect">
@@ -7447,14 +7379,14 @@
                 <a:gridCol w="2054453">
                   <a:extLst>
                     <a:ext uri="{9D8B030D-6E8A-4147-A177-3AD203B41FA5}">
-                      <a16:colId xmlns:a16="http://schemas.microsoft.com/office/drawing/2014/main" val="20000"/>
+                      <a16:colId xmlns:a16="http://schemas.microsoft.com/office/drawing/2014/main" xmlns="" val="20000"/>
                     </a:ext>
                   </a:extLst>
                 </a:gridCol>
                 <a:gridCol w="4868409">
                   <a:extLst>
                     <a:ext uri="{9D8B030D-6E8A-4147-A177-3AD203B41FA5}">
-                      <a16:colId xmlns:a16="http://schemas.microsoft.com/office/drawing/2014/main" val="20001"/>
+                      <a16:colId xmlns:a16="http://schemas.microsoft.com/office/drawing/2014/main" xmlns="" val="20001"/>
                     </a:ext>
                   </a:extLst>
                 </a:gridCol>
@@ -7514,7 +7446,7 @@
                 </a:tc>
                 <a:extLst>
                   <a:ext uri="{0D108BD9-81ED-4DB2-BD59-A6C34878D82A}">
-                    <a16:rowId xmlns:a16="http://schemas.microsoft.com/office/drawing/2014/main" val="10000"/>
+                    <a16:rowId xmlns:a16="http://schemas.microsoft.com/office/drawing/2014/main" xmlns="" val="10000"/>
                   </a:ext>
                 </a:extLst>
               </a:tr>
@@ -7668,7 +7600,7 @@
                 </a:tc>
                 <a:extLst>
                   <a:ext uri="{0D108BD9-81ED-4DB2-BD59-A6C34878D82A}">
-                    <a16:rowId xmlns:a16="http://schemas.microsoft.com/office/drawing/2014/main" val="10001"/>
+                    <a16:rowId xmlns:a16="http://schemas.microsoft.com/office/drawing/2014/main" xmlns="" val="10001"/>
                   </a:ext>
                 </a:extLst>
               </a:tr>
@@ -7834,7 +7766,7 @@
                 </a:tc>
                 <a:extLst>
                   <a:ext uri="{0D108BD9-81ED-4DB2-BD59-A6C34878D82A}">
-                    <a16:rowId xmlns:a16="http://schemas.microsoft.com/office/drawing/2014/main" val="10002"/>
+                    <a16:rowId xmlns:a16="http://schemas.microsoft.com/office/drawing/2014/main" xmlns="" val="10002"/>
                   </a:ext>
                 </a:extLst>
               </a:tr>
@@ -7973,7 +7905,7 @@
                 </a:tc>
                 <a:extLst>
                   <a:ext uri="{0D108BD9-81ED-4DB2-BD59-A6C34878D82A}">
-                    <a16:rowId xmlns:a16="http://schemas.microsoft.com/office/drawing/2014/main" val="10003"/>
+                    <a16:rowId xmlns:a16="http://schemas.microsoft.com/office/drawing/2014/main" xmlns="" val="10003"/>
                   </a:ext>
                 </a:extLst>
               </a:tr>
@@ -8058,7 +7990,7 @@
                 </a:tc>
                 <a:extLst>
                   <a:ext uri="{0D108BD9-81ED-4DB2-BD59-A6C34878D82A}">
-                    <a16:rowId xmlns:a16="http://schemas.microsoft.com/office/drawing/2014/main" val="10004"/>
+                    <a16:rowId xmlns:a16="http://schemas.microsoft.com/office/drawing/2014/main" xmlns="" val="10004"/>
                   </a:ext>
                 </a:extLst>
               </a:tr>
@@ -8200,7 +8132,7 @@
                 </a:tc>
                 <a:extLst>
                   <a:ext uri="{0D108BD9-81ED-4DB2-BD59-A6C34878D82A}">
-                    <a16:rowId xmlns:a16="http://schemas.microsoft.com/office/drawing/2014/main" val="10005"/>
+                    <a16:rowId xmlns:a16="http://schemas.microsoft.com/office/drawing/2014/main" xmlns="" val="10005"/>
                   </a:ext>
                 </a:extLst>
               </a:tr>
@@ -8401,6 +8333,436 @@
               <a:t>成果物の公開場所</a:t>
             </a:r>
             <a:endParaRPr lang="ja-JP" altLang="en-US" sz="4800" dirty="0"/>
+          </a:p>
+        </p:txBody>
+      </p:sp>
+      <p:sp>
+        <p:nvSpPr>
+          <p:cNvPr id="5" name="正方形/長方形 4"/>
+          <p:cNvSpPr/>
+          <p:nvPr/>
+        </p:nvSpPr>
+        <p:spPr>
+          <a:xfrm>
+            <a:off x="637350" y="1314808"/>
+            <a:ext cx="6013185" cy="369332"/>
+          </a:xfrm>
+          <a:prstGeom prst="rect">
+            <a:avLst/>
+          </a:prstGeom>
+        </p:spPr>
+        <p:txBody>
+          <a:bodyPr wrap="none">
+            <a:spAutoFit/>
+          </a:bodyPr>
+          <a:lstStyle/>
+          <a:p>
+            <a:pPr marL="285750" indent="-285750">
+              <a:buFont typeface="Arial" charset="0"/>
+              <a:buChar char="•"/>
+            </a:pPr>
+            <a:r>
+              <a:rPr lang="ja-JP" altLang="en-US" dirty="0" smtClean="0">
+                <a:latin typeface="HGGothicE" charset="-128"/>
+                <a:ea typeface="HGGothicE" charset="-128"/>
+                <a:cs typeface="HGGothicE" charset="-128"/>
+              </a:rPr>
+              <a:t>成果物の公開場所およびその説明を表６にまとめる．</a:t>
+            </a:r>
+            <a:endParaRPr lang="en-US" altLang="ja-JP" dirty="0">
+              <a:latin typeface="HGGothicE" charset="-128"/>
+              <a:ea typeface="HGGothicE" charset="-128"/>
+              <a:cs typeface="HGGothicE" charset="-128"/>
+            </a:endParaRPr>
+          </a:p>
+        </p:txBody>
+      </p:sp>
+      <p:graphicFrame>
+        <p:nvGraphicFramePr>
+          <p:cNvPr id="6" name="表 5"/>
+          <p:cNvGraphicFramePr>
+            <a:graphicFrameLocks noGrp="1"/>
+          </p:cNvGraphicFramePr>
+          <p:nvPr>
+            <p:extLst>
+              <p:ext uri="{D42A27DB-BD31-4B8C-83A1-F6EECF244321}">
+                <p14:modId xmlns:p14="http://schemas.microsoft.com/office/powerpoint/2010/main" val="1659347555"/>
+              </p:ext>
+            </p:extLst>
+          </p:nvPr>
+        </p:nvGraphicFramePr>
+        <p:xfrm>
+          <a:off x="2393792" y="2413873"/>
+          <a:ext cx="7404415" cy="2221988"/>
+        </p:xfrm>
+        <a:graphic>
+          <a:graphicData uri="http://schemas.openxmlformats.org/drawingml/2006/table">
+            <a:tbl>
+              <a:tblPr firstRow="1" firstCol="1" bandRow="1">
+                <a:tableStyleId>{5C22544A-7EE6-4342-B048-85BDC9FD1C3A}</a:tableStyleId>
+              </a:tblPr>
+              <a:tblGrid>
+                <a:gridCol w="1698873">
+                  <a:extLst>
+                    <a:ext uri="{9D8B030D-6E8A-4147-A177-3AD203B41FA5}">
+                      <a16:colId xmlns:a16="http://schemas.microsoft.com/office/drawing/2014/main" xmlns="" val="20000"/>
+                    </a:ext>
+                  </a:extLst>
+                </a:gridCol>
+                <a:gridCol w="2852771">
+                  <a:extLst>
+                    <a:ext uri="{9D8B030D-6E8A-4147-A177-3AD203B41FA5}">
+                      <a16:colId xmlns:a16="http://schemas.microsoft.com/office/drawing/2014/main" xmlns="" val="20001"/>
+                    </a:ext>
+                  </a:extLst>
+                </a:gridCol>
+                <a:gridCol w="2852771"/>
+              </a:tblGrid>
+              <a:tr h="758948">
+                <a:tc>
+                  <a:txBody>
+                    <a:bodyPr/>
+                    <a:lstStyle/>
+                    <a:p>
+                      <a:pPr algn="ctr">
+                        <a:spcAft>
+                          <a:spcPts val="0"/>
+                        </a:spcAft>
+                      </a:pPr>
+                      <a:r>
+                        <a:rPr lang="ja-JP" altLang="en-US" sz="1600" kern="100" dirty="0" smtClean="0">
+                          <a:effectLst/>
+                          <a:latin typeface="+mn-lt"/>
+                          <a:ea typeface="+mn-ea"/>
+                          <a:cs typeface="+mn-cs"/>
+                        </a:rPr>
+                        <a:t>成果物の名前</a:t>
+                      </a:r>
+                      <a:endParaRPr lang="ja-JP" sz="1600" kern="100" dirty="0">
+                        <a:effectLst/>
+                        <a:latin typeface="Yu Mincho" charset="-128"/>
+                        <a:ea typeface="Yu Mincho" charset="-128"/>
+                        <a:cs typeface="Times New Roman" charset="0"/>
+                      </a:endParaRPr>
+                    </a:p>
+                  </a:txBody>
+                  <a:tcPr marL="58111" marR="58111" marT="0" marB="0" anchor="ctr"/>
+                </a:tc>
+                <a:tc>
+                  <a:txBody>
+                    <a:bodyPr/>
+                    <a:lstStyle/>
+                    <a:p>
+                      <a:pPr algn="ctr">
+                        <a:spcAft>
+                          <a:spcPts val="0"/>
+                        </a:spcAft>
+                      </a:pPr>
+                      <a:r>
+                        <a:rPr lang="ja-JP" altLang="en-US" sz="1600" kern="100" dirty="0" smtClean="0">
+                          <a:effectLst/>
+                          <a:latin typeface="Yu Mincho" charset="-128"/>
+                          <a:ea typeface="Yu Mincho" charset="-128"/>
+                          <a:cs typeface="Times New Roman" charset="0"/>
+                        </a:rPr>
+                        <a:t>公開場所</a:t>
+                      </a:r>
+                      <a:endParaRPr lang="ja-JP" sz="1600" kern="100" dirty="0">
+                        <a:effectLst/>
+                        <a:latin typeface="Yu Mincho" charset="-128"/>
+                        <a:ea typeface="Yu Mincho" charset="-128"/>
+                        <a:cs typeface="Times New Roman" charset="0"/>
+                      </a:endParaRPr>
+                    </a:p>
+                  </a:txBody>
+                  <a:tcPr marL="58111" marR="58111" marT="0" marB="0" anchor="ctr"/>
+                </a:tc>
+                <a:tc>
+                  <a:txBody>
+                    <a:bodyPr/>
+                    <a:lstStyle/>
+                    <a:p>
+                      <a:pPr algn="ctr">
+                        <a:spcAft>
+                          <a:spcPts val="0"/>
+                        </a:spcAft>
+                      </a:pPr>
+                      <a:r>
+                        <a:rPr lang="ja-JP" altLang="en-US" sz="1600" kern="100" dirty="0" smtClean="0">
+                          <a:effectLst/>
+                          <a:latin typeface="Yu Mincho" charset="-128"/>
+                          <a:ea typeface="Yu Mincho" charset="-128"/>
+                          <a:cs typeface="Times New Roman" charset="0"/>
+                        </a:rPr>
+                        <a:t>説明</a:t>
+                      </a:r>
+                      <a:endParaRPr lang="ja-JP" sz="1600" kern="100" dirty="0">
+                        <a:effectLst/>
+                        <a:latin typeface="Yu Mincho" charset="-128"/>
+                        <a:ea typeface="Yu Mincho" charset="-128"/>
+                        <a:cs typeface="Times New Roman" charset="0"/>
+                      </a:endParaRPr>
+                    </a:p>
+                  </a:txBody>
+                  <a:tcPr marL="58111" marR="58111" marT="0" marB="0" anchor="ctr"/>
+                </a:tc>
+                <a:extLst>
+                  <a:ext uri="{0D108BD9-81ED-4DB2-BD59-A6C34878D82A}">
+                    <a16:rowId xmlns:a16="http://schemas.microsoft.com/office/drawing/2014/main" xmlns="" val="10000"/>
+                  </a:ext>
+                </a:extLst>
+              </a:tr>
+              <a:tr h="269288">
+                <a:tc>
+                  <a:txBody>
+                    <a:bodyPr/>
+                    <a:lstStyle/>
+                    <a:p>
+                      <a:pPr algn="ctr">
+                        <a:spcAft>
+                          <a:spcPts val="0"/>
+                        </a:spcAft>
+                      </a:pPr>
+                      <a:r>
+                        <a:rPr lang="en-US" altLang="ja-JP" sz="1800" b="1" kern="100" dirty="0" smtClean="0">
+                          <a:effectLst/>
+                          <a:latin typeface="Yu Mincho" charset="-128"/>
+                          <a:ea typeface="Yu Mincho" charset="-128"/>
+                          <a:cs typeface="Times New Roman" charset="0"/>
+                        </a:rPr>
+                        <a:t>Rest API</a:t>
+                      </a:r>
+                      <a:endParaRPr lang="ja-JP" sz="1800" b="1" kern="100" dirty="0">
+                        <a:effectLst/>
+                        <a:latin typeface="Yu Mincho" charset="-128"/>
+                        <a:ea typeface="Yu Mincho" charset="-128"/>
+                        <a:cs typeface="Times New Roman" charset="0"/>
+                      </a:endParaRPr>
+                    </a:p>
+                  </a:txBody>
+                  <a:tcPr marL="58111" marR="58111" marT="0" marB="0" anchor="ctr"/>
+                </a:tc>
+                <a:tc>
+                  <a:txBody>
+                    <a:bodyPr/>
+                    <a:lstStyle/>
+                    <a:p>
+                      <a:pPr algn="just">
+                        <a:spcAft>
+                          <a:spcPts val="0"/>
+                        </a:spcAft>
+                      </a:pPr>
+                      <a:r>
+                        <a:rPr lang="en-US" altLang="ja-JP" sz="1600" kern="100" dirty="0" smtClean="0">
+                          <a:effectLst/>
+                          <a:latin typeface="Yu Mincho" charset="-128"/>
+                          <a:ea typeface="Yu Mincho" charset="-128"/>
+                          <a:cs typeface="Times New Roman" charset="0"/>
+                          <a:hlinkClick r:id="rId2"/>
+                        </a:rPr>
+                        <a:t>https://github.com/handai-trema/IaaS-team-1/tree/master/restAPI</a:t>
+                      </a:r>
+                      <a:endParaRPr lang="en-US" altLang="ja-JP" sz="1600" kern="100" dirty="0" smtClean="0">
+                        <a:effectLst/>
+                        <a:latin typeface="Yu Mincho" charset="-128"/>
+                        <a:ea typeface="Yu Mincho" charset="-128"/>
+                        <a:cs typeface="Times New Roman" charset="0"/>
+                      </a:endParaRPr>
+                    </a:p>
+                  </a:txBody>
+                  <a:tcPr marL="58111" marR="58111" marT="0" marB="0" anchor="ctr"/>
+                </a:tc>
+                <a:tc>
+                  <a:txBody>
+                    <a:bodyPr/>
+                    <a:lstStyle/>
+                    <a:p>
+                      <a:pPr algn="just">
+                        <a:spcAft>
+                          <a:spcPts val="0"/>
+                        </a:spcAft>
+                      </a:pPr>
+                      <a:r>
+                        <a:rPr lang="en-US" altLang="ja-JP" sz="1600" kern="100" dirty="0" smtClean="0">
+                          <a:effectLst/>
+                          <a:latin typeface="Yu Mincho" charset="-128"/>
+                          <a:ea typeface="Yu Mincho" charset="-128"/>
+                          <a:cs typeface="Times New Roman" charset="0"/>
+                          <a:hlinkClick r:id="rId3"/>
+                        </a:rPr>
+                        <a:t>https://github.com/handai-trema/IaaS-team-1/blob/master/README.md</a:t>
+                      </a:r>
+                      <a:endParaRPr lang="en-US" altLang="ja-JP" sz="1600" kern="100" dirty="0" smtClean="0">
+                        <a:effectLst/>
+                        <a:latin typeface="Yu Mincho" charset="-128"/>
+                        <a:ea typeface="Yu Mincho" charset="-128"/>
+                        <a:cs typeface="Times New Roman" charset="0"/>
+                      </a:endParaRPr>
+                    </a:p>
+                  </a:txBody>
+                  <a:tcPr marL="58111" marR="58111" marT="0" marB="0" anchor="ctr"/>
+                </a:tc>
+                <a:extLst>
+                  <a:ext uri="{0D108BD9-81ED-4DB2-BD59-A6C34878D82A}">
+                    <a16:rowId xmlns:a16="http://schemas.microsoft.com/office/drawing/2014/main" xmlns="" val="10001"/>
+                  </a:ext>
+                </a:extLst>
+              </a:tr>
+              <a:tr h="269288">
+                <a:tc>
+                  <a:txBody>
+                    <a:bodyPr/>
+                    <a:lstStyle/>
+                    <a:p>
+                      <a:pPr algn="ctr">
+                        <a:spcAft>
+                          <a:spcPts val="0"/>
+                        </a:spcAft>
+                      </a:pPr>
+                      <a:r>
+                        <a:rPr lang="en-US" altLang="ja-JP" sz="1800" b="1" kern="100" dirty="0" smtClean="0">
+                          <a:effectLst/>
+                          <a:latin typeface="Yu Mincho" charset="-128"/>
+                          <a:ea typeface="Yu Mincho" charset="-128"/>
+                          <a:cs typeface="Times New Roman" charset="0"/>
+                        </a:rPr>
+                        <a:t>CLI</a:t>
+                      </a:r>
+                      <a:endParaRPr lang="ja-JP" sz="1800" b="1" kern="100" dirty="0">
+                        <a:effectLst/>
+                        <a:latin typeface="Yu Mincho" charset="-128"/>
+                        <a:ea typeface="Yu Mincho" charset="-128"/>
+                        <a:cs typeface="Times New Roman" charset="0"/>
+                      </a:endParaRPr>
+                    </a:p>
+                  </a:txBody>
+                  <a:tcPr marL="58111" marR="58111" marT="0" marB="0" anchor="ctr"/>
+                </a:tc>
+                <a:tc>
+                  <a:txBody>
+                    <a:bodyPr/>
+                    <a:lstStyle/>
+                    <a:p>
+                      <a:pPr algn="just">
+                        <a:spcAft>
+                          <a:spcPts val="0"/>
+                        </a:spcAft>
+                      </a:pPr>
+                      <a:r>
+                        <a:rPr lang="en-US" altLang="ja-JP" sz="1600" kern="100" dirty="0" smtClean="0">
+                          <a:effectLst/>
+                          <a:latin typeface="Yu Mincho" charset="-128"/>
+                          <a:ea typeface="Yu Mincho" charset="-128"/>
+                          <a:cs typeface="Times New Roman" charset="0"/>
+                          <a:hlinkClick r:id="rId2"/>
+                        </a:rPr>
+                        <a:t>https://github.com/handai-trema/IaaS-team-1/tree/master/restAPI</a:t>
+                      </a:r>
+                      <a:endParaRPr lang="ja-JP" sz="1600" kern="100" dirty="0">
+                        <a:effectLst/>
+                        <a:latin typeface="Yu Mincho" charset="-128"/>
+                        <a:ea typeface="Yu Mincho" charset="-128"/>
+                        <a:cs typeface="Times New Roman" charset="0"/>
+                      </a:endParaRPr>
+                    </a:p>
+                  </a:txBody>
+                  <a:tcPr marL="58111" marR="58111" marT="0" marB="0" anchor="ctr"/>
+                </a:tc>
+                <a:tc>
+                  <a:txBody>
+                    <a:bodyPr/>
+                    <a:lstStyle/>
+                    <a:p>
+                      <a:pPr algn="just">
+                        <a:spcAft>
+                          <a:spcPts val="0"/>
+                        </a:spcAft>
+                      </a:pPr>
+                      <a:r>
+                        <a:rPr lang="en-US" altLang="ja-JP" sz="1600" kern="100" dirty="0" smtClean="0">
+                          <a:effectLst/>
+                          <a:latin typeface="Yu Mincho" charset="-128"/>
+                          <a:ea typeface="Yu Mincho" charset="-128"/>
+                          <a:cs typeface="Times New Roman" charset="0"/>
+                          <a:hlinkClick r:id="rId3"/>
+                        </a:rPr>
+                        <a:t>https://github.com/handai-trema/IaaS-team-1/blob/master/README.md</a:t>
+                      </a:r>
+                      <a:endParaRPr lang="en-US" altLang="ja-JP" sz="1600" kern="100" dirty="0" smtClean="0">
+                        <a:effectLst/>
+                        <a:latin typeface="Yu Mincho" charset="-128"/>
+                        <a:ea typeface="Yu Mincho" charset="-128"/>
+                        <a:cs typeface="Times New Roman" charset="0"/>
+                      </a:endParaRPr>
+                    </a:p>
+                  </a:txBody>
+                  <a:tcPr marL="58111" marR="58111" marT="0" marB="0" anchor="ctr"/>
+                </a:tc>
+              </a:tr>
+            </a:tbl>
+          </a:graphicData>
+        </a:graphic>
+      </p:graphicFrame>
+      <p:sp>
+        <p:nvSpPr>
+          <p:cNvPr id="7" name="正方形/長方形 6"/>
+          <p:cNvSpPr/>
+          <p:nvPr/>
+        </p:nvSpPr>
+        <p:spPr>
+          <a:xfrm>
+            <a:off x="4136820" y="2044541"/>
+            <a:ext cx="3701654" cy="369332"/>
+          </a:xfrm>
+          <a:prstGeom prst="rect">
+            <a:avLst/>
+          </a:prstGeom>
+        </p:spPr>
+        <p:txBody>
+          <a:bodyPr wrap="none">
+            <a:spAutoFit/>
+          </a:bodyPr>
+          <a:lstStyle/>
+          <a:p>
+            <a:r>
+              <a:rPr lang="ja-JP" altLang="ja-JP" i="1" dirty="0" smtClean="0">
+                <a:effectLst/>
+                <a:ea typeface="HGPGothicE" charset="-128"/>
+                <a:cs typeface="Times New Roman" charset="0"/>
+              </a:rPr>
+              <a:t>表</a:t>
+            </a:r>
+            <a:r>
+              <a:rPr lang="ja-JP" altLang="en-US" i="1" smtClean="0">
+                <a:effectLst/>
+                <a:ea typeface="HGPGothicE" charset="-128"/>
+                <a:cs typeface="Times New Roman" charset="0"/>
+              </a:rPr>
+              <a:t>６</a:t>
+            </a:r>
+            <a:r>
+              <a:rPr lang="ja-JP" altLang="ja-JP" i="1" smtClean="0">
+                <a:effectLst/>
+                <a:ea typeface="HGPGothicE" charset="-128"/>
+                <a:cs typeface="Times New Roman" charset="0"/>
+              </a:rPr>
+              <a:t>．</a:t>
+            </a:r>
+            <a:r>
+              <a:rPr lang="ja-JP" altLang="en-US" i="1" smtClean="0">
+                <a:effectLst/>
+                <a:ea typeface="HGPGothicE" charset="-128"/>
+                <a:cs typeface="Times New Roman" charset="0"/>
+              </a:rPr>
+              <a:t>成果物の公開場所とその説明</a:t>
+            </a:r>
+            <a:r>
+              <a:rPr lang="ja-JP" altLang="ja-JP" smtClean="0">
+                <a:effectLst/>
+              </a:rPr>
+              <a:t> </a:t>
+            </a:r>
+            <a:endParaRPr lang="ja-JP" altLang="en-US" dirty="0"/>
           </a:p>
         </p:txBody>
       </p:sp>
@@ -8755,21 +9117,21 @@
                 <a:gridCol w="2536853">
                   <a:extLst>
                     <a:ext uri="{9D8B030D-6E8A-4147-A177-3AD203B41FA5}">
-                      <a16:colId xmlns:a16="http://schemas.microsoft.com/office/drawing/2014/main" val="20000"/>
+                      <a16:colId xmlns:a16="http://schemas.microsoft.com/office/drawing/2014/main" xmlns="" val="20000"/>
                     </a:ext>
                   </a:extLst>
                 </a:gridCol>
                 <a:gridCol w="3177556">
                   <a:extLst>
                     <a:ext uri="{9D8B030D-6E8A-4147-A177-3AD203B41FA5}">
-                      <a16:colId xmlns:a16="http://schemas.microsoft.com/office/drawing/2014/main" val="20001"/>
+                      <a16:colId xmlns:a16="http://schemas.microsoft.com/office/drawing/2014/main" xmlns="" val="20001"/>
                     </a:ext>
                   </a:extLst>
                 </a:gridCol>
                 <a:gridCol w="4219435">
                   <a:extLst>
                     <a:ext uri="{9D8B030D-6E8A-4147-A177-3AD203B41FA5}">
-                      <a16:colId xmlns:a16="http://schemas.microsoft.com/office/drawing/2014/main" val="20002"/>
+                      <a16:colId xmlns:a16="http://schemas.microsoft.com/office/drawing/2014/main" xmlns="" val="20002"/>
                     </a:ext>
                   </a:extLst>
                 </a:gridCol>
@@ -8855,7 +9217,7 @@
                 </a:tc>
                 <a:extLst>
                   <a:ext uri="{0D108BD9-81ED-4DB2-BD59-A6C34878D82A}">
-                    <a16:rowId xmlns:a16="http://schemas.microsoft.com/office/drawing/2014/main" val="10000"/>
+                    <a16:rowId xmlns:a16="http://schemas.microsoft.com/office/drawing/2014/main" xmlns="" val="10000"/>
                   </a:ext>
                 </a:extLst>
               </a:tr>
@@ -8953,7 +9315,7 @@
                 </a:tc>
                 <a:extLst>
                   <a:ext uri="{0D108BD9-81ED-4DB2-BD59-A6C34878D82A}">
-                    <a16:rowId xmlns:a16="http://schemas.microsoft.com/office/drawing/2014/main" val="10001"/>
+                    <a16:rowId xmlns:a16="http://schemas.microsoft.com/office/drawing/2014/main" xmlns="" val="10001"/>
                   </a:ext>
                 </a:extLst>
               </a:tr>
@@ -9057,7 +9419,7 @@
                 </a:tc>
                 <a:extLst>
                   <a:ext uri="{0D108BD9-81ED-4DB2-BD59-A6C34878D82A}">
-                    <a16:rowId xmlns:a16="http://schemas.microsoft.com/office/drawing/2014/main" val="10002"/>
+                    <a16:rowId xmlns:a16="http://schemas.microsoft.com/office/drawing/2014/main" xmlns="" val="10002"/>
                   </a:ext>
                 </a:extLst>
               </a:tr>
@@ -9167,7 +9529,7 @@
                 </a:tc>
                 <a:extLst>
                   <a:ext uri="{0D108BD9-81ED-4DB2-BD59-A6C34878D82A}">
-                    <a16:rowId xmlns:a16="http://schemas.microsoft.com/office/drawing/2014/main" val="10003"/>
+                    <a16:rowId xmlns:a16="http://schemas.microsoft.com/office/drawing/2014/main" xmlns="" val="10003"/>
                   </a:ext>
                 </a:extLst>
               </a:tr>
@@ -9253,7 +9615,7 @@
                 </a:tc>
                 <a:extLst>
                   <a:ext uri="{0D108BD9-81ED-4DB2-BD59-A6C34878D82A}">
-                    <a16:rowId xmlns:a16="http://schemas.microsoft.com/office/drawing/2014/main" val="10004"/>
+                    <a16:rowId xmlns:a16="http://schemas.microsoft.com/office/drawing/2014/main" xmlns="" val="10004"/>
                   </a:ext>
                 </a:extLst>
               </a:tr>
@@ -9351,7 +9713,7 @@
                 </a:tc>
                 <a:extLst>
                   <a:ext uri="{0D108BD9-81ED-4DB2-BD59-A6C34878D82A}">
-                    <a16:rowId xmlns:a16="http://schemas.microsoft.com/office/drawing/2014/main" val="10005"/>
+                    <a16:rowId xmlns:a16="http://schemas.microsoft.com/office/drawing/2014/main" xmlns="" val="10005"/>
                   </a:ext>
                 </a:extLst>
               </a:tr>
@@ -13770,14 +14132,14 @@
               <a:buChar char="•"/>
             </a:pPr>
             <a:r>
-              <a:rPr lang="ja-JP" altLang="en-US" sz="2800" dirty="0">
+              <a:rPr lang="ja-JP" altLang="en-US" sz="2800" dirty="0" smtClean="0">
                 <a:latin typeface="HGGothicE" charset="-128"/>
                 <a:ea typeface="HGGothicE" charset="-128"/>
                 <a:cs typeface="HGGothicE" charset="-128"/>
               </a:rPr>
               <a:t>工夫点：ポートをスライスに割り当て</a:t>
             </a:r>
-            <a:endParaRPr lang="en-US" altLang="ja-JP" sz="2800" dirty="0">
+            <a:endParaRPr lang="en-US" altLang="ja-JP" sz="2800" dirty="0" smtClean="0">
               <a:latin typeface="HGGothicE" charset="-128"/>
               <a:ea typeface="HGGothicE" charset="-128"/>
               <a:cs typeface="HGGothicE" charset="-128"/>
@@ -13788,13 +14150,21 @@
               <a:buFont typeface="Arial" charset="0"/>
               <a:buChar char="•"/>
             </a:pPr>
+            <a:r>
+              <a:rPr lang="ja-JP" altLang="en-US" sz="2400" dirty="0" smtClean="0">
+                <a:latin typeface="HGGothicE" charset="-128"/>
+                <a:ea typeface="HGGothicE" charset="-128"/>
+                <a:cs typeface="HGGothicE" charset="-128"/>
+              </a:rPr>
+              <a:t>スライス</a:t>
+            </a:r>
             <a:r>
               <a:rPr lang="ja-JP" altLang="en-US" sz="2400" dirty="0">
                 <a:latin typeface="HGGothicE" charset="-128"/>
                 <a:ea typeface="HGGothicE" charset="-128"/>
                 <a:cs typeface="HGGothicE" charset="-128"/>
               </a:rPr>
-              <a:t>スライスに割り当てる要素に</a:t>
+              <a:t>に割り当てる要素に</a:t>
             </a:r>
             <a:r>
               <a:rPr lang="en-US" altLang="ja-JP" sz="2400" dirty="0">

--- a/FinalReport_team1.pptx
+++ b/FinalReport_team1.pptx
@@ -5656,14 +5656,14 @@
                 <a:gridCol w="2373131">
                   <a:extLst>
                     <a:ext uri="{9D8B030D-6E8A-4147-A177-3AD203B41FA5}">
-                      <a16:colId xmlns:a16="http://schemas.microsoft.com/office/drawing/2014/main" xmlns="" val="20000"/>
+                      <a16:colId xmlns="" xmlns:a16="http://schemas.microsoft.com/office/drawing/2014/main" val="20000"/>
                     </a:ext>
                   </a:extLst>
                 </a:gridCol>
                 <a:gridCol w="3984996">
                   <a:extLst>
                     <a:ext uri="{9D8B030D-6E8A-4147-A177-3AD203B41FA5}">
-                      <a16:colId xmlns:a16="http://schemas.microsoft.com/office/drawing/2014/main" xmlns="" val="20001"/>
+                      <a16:colId xmlns="" xmlns:a16="http://schemas.microsoft.com/office/drawing/2014/main" val="20001"/>
                     </a:ext>
                   </a:extLst>
                 </a:gridCol>
@@ -5723,7 +5723,7 @@
                 </a:tc>
                 <a:extLst>
                   <a:ext uri="{0D108BD9-81ED-4DB2-BD59-A6C34878D82A}">
-                    <a16:rowId xmlns:a16="http://schemas.microsoft.com/office/drawing/2014/main" xmlns="" val="10000"/>
+                    <a16:rowId xmlns="" xmlns:a16="http://schemas.microsoft.com/office/drawing/2014/main" val="10000"/>
                   </a:ext>
                 </a:extLst>
               </a:tr>
@@ -5800,7 +5800,7 @@
                 </a:tc>
                 <a:extLst>
                   <a:ext uri="{0D108BD9-81ED-4DB2-BD59-A6C34878D82A}">
-                    <a16:rowId xmlns:a16="http://schemas.microsoft.com/office/drawing/2014/main" xmlns="" val="10001"/>
+                    <a16:rowId xmlns="" xmlns:a16="http://schemas.microsoft.com/office/drawing/2014/main" val="10001"/>
                   </a:ext>
                 </a:extLst>
               </a:tr>
@@ -5893,7 +5893,7 @@
                 </a:tc>
                 <a:extLst>
                   <a:ext uri="{0D108BD9-81ED-4DB2-BD59-A6C34878D82A}">
-                    <a16:rowId xmlns:a16="http://schemas.microsoft.com/office/drawing/2014/main" xmlns="" val="10002"/>
+                    <a16:rowId xmlns="" xmlns:a16="http://schemas.microsoft.com/office/drawing/2014/main" val="10002"/>
                   </a:ext>
                 </a:extLst>
               </a:tr>
@@ -5976,7 +5976,7 @@
                 </a:tc>
                 <a:extLst>
                   <a:ext uri="{0D108BD9-81ED-4DB2-BD59-A6C34878D82A}">
-                    <a16:rowId xmlns:a16="http://schemas.microsoft.com/office/drawing/2014/main" xmlns="" val="10004"/>
+                    <a16:rowId xmlns="" xmlns:a16="http://schemas.microsoft.com/office/drawing/2014/main" val="10004"/>
                   </a:ext>
                 </a:extLst>
               </a:tr>
@@ -6071,7 +6071,7 @@
                 </a:tc>
                 <a:extLst>
                   <a:ext uri="{0D108BD9-81ED-4DB2-BD59-A6C34878D82A}">
-                    <a16:rowId xmlns:a16="http://schemas.microsoft.com/office/drawing/2014/main" xmlns="" val="10005"/>
+                    <a16:rowId xmlns="" xmlns:a16="http://schemas.microsoft.com/office/drawing/2014/main" val="10005"/>
                   </a:ext>
                 </a:extLst>
               </a:tr>
@@ -6160,7 +6160,7 @@
                 </a:tc>
                 <a:extLst>
                   <a:ext uri="{0D108BD9-81ED-4DB2-BD59-A6C34878D82A}">
-                    <a16:rowId xmlns:a16="http://schemas.microsoft.com/office/drawing/2014/main" xmlns="" val="10006"/>
+                    <a16:rowId xmlns="" xmlns:a16="http://schemas.microsoft.com/office/drawing/2014/main" val="10006"/>
                   </a:ext>
                 </a:extLst>
               </a:tr>
@@ -6243,7 +6243,7 @@
                 </a:tc>
                 <a:extLst>
                   <a:ext uri="{0D108BD9-81ED-4DB2-BD59-A6C34878D82A}">
-                    <a16:rowId xmlns:a16="http://schemas.microsoft.com/office/drawing/2014/main" xmlns="" val="10007"/>
+                    <a16:rowId xmlns="" xmlns:a16="http://schemas.microsoft.com/office/drawing/2014/main" val="10007"/>
                   </a:ext>
                 </a:extLst>
               </a:tr>
@@ -6326,7 +6326,7 @@
                 </a:tc>
                 <a:extLst>
                   <a:ext uri="{0D108BD9-81ED-4DB2-BD59-A6C34878D82A}">
-                    <a16:rowId xmlns:a16="http://schemas.microsoft.com/office/drawing/2014/main" xmlns="" val="10008"/>
+                    <a16:rowId xmlns="" xmlns:a16="http://schemas.microsoft.com/office/drawing/2014/main" val="10008"/>
                   </a:ext>
                 </a:extLst>
               </a:tr>
@@ -6409,7 +6409,7 @@
                 </a:tc>
                 <a:extLst>
                   <a:ext uri="{0D108BD9-81ED-4DB2-BD59-A6C34878D82A}">
-                    <a16:rowId xmlns:a16="http://schemas.microsoft.com/office/drawing/2014/main" xmlns="" val="10009"/>
+                    <a16:rowId xmlns="" xmlns:a16="http://schemas.microsoft.com/office/drawing/2014/main" val="10009"/>
                   </a:ext>
                 </a:extLst>
               </a:tr>
@@ -6480,7 +6480,7 @@
                 </a:tc>
                 <a:extLst>
                   <a:ext uri="{0D108BD9-81ED-4DB2-BD59-A6C34878D82A}">
-                    <a16:rowId xmlns:a16="http://schemas.microsoft.com/office/drawing/2014/main" xmlns="" val="10010"/>
+                    <a16:rowId xmlns="" xmlns:a16="http://schemas.microsoft.com/office/drawing/2014/main" val="10010"/>
                   </a:ext>
                 </a:extLst>
               </a:tr>
@@ -6539,7 +6539,7 @@
                 </a:tc>
                 <a:extLst>
                   <a:ext uri="{0D108BD9-81ED-4DB2-BD59-A6C34878D82A}">
-                    <a16:rowId xmlns:a16="http://schemas.microsoft.com/office/drawing/2014/main" xmlns="" val="10011"/>
+                    <a16:rowId xmlns="" xmlns:a16="http://schemas.microsoft.com/office/drawing/2014/main" val="10011"/>
                   </a:ext>
                 </a:extLst>
               </a:tr>
@@ -6628,7 +6628,7 @@
                 </a:tc>
                 <a:extLst>
                   <a:ext uri="{0D108BD9-81ED-4DB2-BD59-A6C34878D82A}">
-                    <a16:rowId xmlns:a16="http://schemas.microsoft.com/office/drawing/2014/main" xmlns="" val="10012"/>
+                    <a16:rowId xmlns="" xmlns:a16="http://schemas.microsoft.com/office/drawing/2014/main" val="10012"/>
                   </a:ext>
                 </a:extLst>
               </a:tr>
@@ -6699,7 +6699,7 @@
                 </a:tc>
                 <a:extLst>
                   <a:ext uri="{0D108BD9-81ED-4DB2-BD59-A6C34878D82A}">
-                    <a16:rowId xmlns:a16="http://schemas.microsoft.com/office/drawing/2014/main" xmlns="" val="10013"/>
+                    <a16:rowId xmlns="" xmlns:a16="http://schemas.microsoft.com/office/drawing/2014/main" val="10013"/>
                   </a:ext>
                 </a:extLst>
               </a:tr>
@@ -6794,7 +6794,7 @@
                 </a:tc>
                 <a:extLst>
                   <a:ext uri="{0D108BD9-81ED-4DB2-BD59-A6C34878D82A}">
-                    <a16:rowId xmlns:a16="http://schemas.microsoft.com/office/drawing/2014/main" xmlns="" val="10014"/>
+                    <a16:rowId xmlns="" xmlns:a16="http://schemas.microsoft.com/office/drawing/2014/main" val="10014"/>
                   </a:ext>
                 </a:extLst>
               </a:tr>
@@ -6865,7 +6865,7 @@
                 </a:tc>
                 <a:extLst>
                   <a:ext uri="{0D108BD9-81ED-4DB2-BD59-A6C34878D82A}">
-                    <a16:rowId xmlns:a16="http://schemas.microsoft.com/office/drawing/2014/main" xmlns="" val="10015"/>
+                    <a16:rowId xmlns="" xmlns:a16="http://schemas.microsoft.com/office/drawing/2014/main" val="10015"/>
                   </a:ext>
                 </a:extLst>
               </a:tr>
@@ -6946,7 +6946,7 @@
                 </a:tc>
                 <a:extLst>
                   <a:ext uri="{0D108BD9-81ED-4DB2-BD59-A6C34878D82A}">
-                    <a16:rowId xmlns:a16="http://schemas.microsoft.com/office/drawing/2014/main" xmlns="" val="10016"/>
+                    <a16:rowId xmlns="" xmlns:a16="http://schemas.microsoft.com/office/drawing/2014/main" val="10016"/>
                   </a:ext>
                 </a:extLst>
               </a:tr>
@@ -7029,7 +7029,7 @@
                 </a:tc>
                 <a:extLst>
                   <a:ext uri="{0D108BD9-81ED-4DB2-BD59-A6C34878D82A}">
-                    <a16:rowId xmlns:a16="http://schemas.microsoft.com/office/drawing/2014/main" xmlns="" val="10017"/>
+                    <a16:rowId xmlns="" xmlns:a16="http://schemas.microsoft.com/office/drawing/2014/main" val="10017"/>
                   </a:ext>
                 </a:extLst>
               </a:tr>
@@ -7112,7 +7112,7 @@
                 </a:tc>
                 <a:extLst>
                   <a:ext uri="{0D108BD9-81ED-4DB2-BD59-A6C34878D82A}">
-                    <a16:rowId xmlns:a16="http://schemas.microsoft.com/office/drawing/2014/main" xmlns="" val="10018"/>
+                    <a16:rowId xmlns="" xmlns:a16="http://schemas.microsoft.com/office/drawing/2014/main" val="10018"/>
                   </a:ext>
                 </a:extLst>
               </a:tr>
@@ -7183,7 +7183,7 @@
                 </a:tc>
                 <a:extLst>
                   <a:ext uri="{0D108BD9-81ED-4DB2-BD59-A6C34878D82A}">
-                    <a16:rowId xmlns:a16="http://schemas.microsoft.com/office/drawing/2014/main" xmlns="" val="10019"/>
+                    <a16:rowId xmlns="" xmlns:a16="http://schemas.microsoft.com/office/drawing/2014/main" val="10019"/>
                   </a:ext>
                 </a:extLst>
               </a:tr>
@@ -7360,7 +7360,7 @@
           <p:nvPr>
             <p:extLst>
               <p:ext uri="{D42A27DB-BD31-4B8C-83A1-F6EECF244321}">
-                <p14:modId xmlns:p14="http://schemas.microsoft.com/office/powerpoint/2010/main" val="3838258636"/>
+                <p14:modId xmlns:p14="http://schemas.microsoft.com/office/powerpoint/2010/main" val="1629393751"/>
               </p:ext>
             </p:extLst>
           </p:nvPr>
@@ -7379,14 +7379,14 @@
                 <a:gridCol w="2054453">
                   <a:extLst>
                     <a:ext uri="{9D8B030D-6E8A-4147-A177-3AD203B41FA5}">
-                      <a16:colId xmlns:a16="http://schemas.microsoft.com/office/drawing/2014/main" xmlns="" val="20000"/>
+                      <a16:colId xmlns="" xmlns:a16="http://schemas.microsoft.com/office/drawing/2014/main" val="20000"/>
                     </a:ext>
                   </a:extLst>
                 </a:gridCol>
                 <a:gridCol w="4868409">
                   <a:extLst>
                     <a:ext uri="{9D8B030D-6E8A-4147-A177-3AD203B41FA5}">
-                      <a16:colId xmlns:a16="http://schemas.microsoft.com/office/drawing/2014/main" xmlns="" val="20001"/>
+                      <a16:colId xmlns="" xmlns:a16="http://schemas.microsoft.com/office/drawing/2014/main" val="20001"/>
                     </a:ext>
                   </a:extLst>
                 </a:gridCol>
@@ -7446,7 +7446,7 @@
                 </a:tc>
                 <a:extLst>
                   <a:ext uri="{0D108BD9-81ED-4DB2-BD59-A6C34878D82A}">
-                    <a16:rowId xmlns:a16="http://schemas.microsoft.com/office/drawing/2014/main" xmlns="" val="10000"/>
+                    <a16:rowId xmlns="" xmlns:a16="http://schemas.microsoft.com/office/drawing/2014/main" val="10000"/>
                   </a:ext>
                 </a:extLst>
               </a:tr>
@@ -7600,7 +7600,7 @@
                 </a:tc>
                 <a:extLst>
                   <a:ext uri="{0D108BD9-81ED-4DB2-BD59-A6C34878D82A}">
-                    <a16:rowId xmlns:a16="http://schemas.microsoft.com/office/drawing/2014/main" xmlns="" val="10001"/>
+                    <a16:rowId xmlns="" xmlns:a16="http://schemas.microsoft.com/office/drawing/2014/main" val="10001"/>
                   </a:ext>
                 </a:extLst>
               </a:tr>
@@ -7766,7 +7766,7 @@
                 </a:tc>
                 <a:extLst>
                   <a:ext uri="{0D108BD9-81ED-4DB2-BD59-A6C34878D82A}">
-                    <a16:rowId xmlns:a16="http://schemas.microsoft.com/office/drawing/2014/main" xmlns="" val="10002"/>
+                    <a16:rowId xmlns="" xmlns:a16="http://schemas.microsoft.com/office/drawing/2014/main" val="10002"/>
                   </a:ext>
                 </a:extLst>
               </a:tr>
@@ -7785,7 +7785,13 @@
                         <a:rPr lang="ja-JP" sz="1600" kern="100" dirty="0">
                           <a:effectLst/>
                         </a:rPr>
-                        <a:t>原　祐介</a:t>
+                        <a:t>原　</a:t>
+                      </a:r>
+                      <a:r>
+                        <a:rPr lang="ja-JP" altLang="en-US" sz="1600" kern="100" dirty="0" smtClean="0">
+                          <a:effectLst/>
+                        </a:rPr>
+                        <a:t>佑輔</a:t>
                       </a:r>
                       <a:endParaRPr lang="ja-JP" sz="1400" kern="100" dirty="0">
                         <a:effectLst/>
@@ -7905,7 +7911,7 @@
                 </a:tc>
                 <a:extLst>
                   <a:ext uri="{0D108BD9-81ED-4DB2-BD59-A6C34878D82A}">
-                    <a16:rowId xmlns:a16="http://schemas.microsoft.com/office/drawing/2014/main" xmlns="" val="10003"/>
+                    <a16:rowId xmlns="" xmlns:a16="http://schemas.microsoft.com/office/drawing/2014/main" val="10003"/>
                   </a:ext>
                 </a:extLst>
               </a:tr>
@@ -7990,7 +7996,7 @@
                 </a:tc>
                 <a:extLst>
                   <a:ext uri="{0D108BD9-81ED-4DB2-BD59-A6C34878D82A}">
-                    <a16:rowId xmlns:a16="http://schemas.microsoft.com/office/drawing/2014/main" xmlns="" val="10004"/>
+                    <a16:rowId xmlns="" xmlns:a16="http://schemas.microsoft.com/office/drawing/2014/main" val="10004"/>
                   </a:ext>
                 </a:extLst>
               </a:tr>
@@ -8132,7 +8138,7 @@
                 </a:tc>
                 <a:extLst>
                   <a:ext uri="{0D108BD9-81ED-4DB2-BD59-A6C34878D82A}">
-                    <a16:rowId xmlns:a16="http://schemas.microsoft.com/office/drawing/2014/main" xmlns="" val="10005"/>
+                    <a16:rowId xmlns="" xmlns:a16="http://schemas.microsoft.com/office/drawing/2014/main" val="10005"/>
                   </a:ext>
                 </a:extLst>
               </a:tr>
@@ -8405,14 +8411,14 @@
                 <a:gridCol w="1698873">
                   <a:extLst>
                     <a:ext uri="{9D8B030D-6E8A-4147-A177-3AD203B41FA5}">
-                      <a16:colId xmlns:a16="http://schemas.microsoft.com/office/drawing/2014/main" xmlns="" val="20000"/>
+                      <a16:colId xmlns="" xmlns:a16="http://schemas.microsoft.com/office/drawing/2014/main" val="20000"/>
                     </a:ext>
                   </a:extLst>
                 </a:gridCol>
                 <a:gridCol w="2852771">
                   <a:extLst>
                     <a:ext uri="{9D8B030D-6E8A-4147-A177-3AD203B41FA5}">
-                      <a16:colId xmlns:a16="http://schemas.microsoft.com/office/drawing/2014/main" xmlns="" val="20001"/>
+                      <a16:colId xmlns="" xmlns:a16="http://schemas.microsoft.com/office/drawing/2014/main" val="20001"/>
                     </a:ext>
                   </a:extLst>
                 </a:gridCol>
@@ -8508,7 +8514,7 @@
                 </a:tc>
                 <a:extLst>
                   <a:ext uri="{0D108BD9-81ED-4DB2-BD59-A6C34878D82A}">
-                    <a16:rowId xmlns:a16="http://schemas.microsoft.com/office/drawing/2014/main" xmlns="" val="10000"/>
+                    <a16:rowId xmlns="" xmlns:a16="http://schemas.microsoft.com/office/drawing/2014/main" val="10000"/>
                   </a:ext>
                 </a:extLst>
               </a:tr>
@@ -8604,7 +8610,7 @@
                 </a:tc>
                 <a:extLst>
                   <a:ext uri="{0D108BD9-81ED-4DB2-BD59-A6C34878D82A}">
-                    <a16:rowId xmlns:a16="http://schemas.microsoft.com/office/drawing/2014/main" xmlns="" val="10001"/>
+                    <a16:rowId xmlns="" xmlns:a16="http://schemas.microsoft.com/office/drawing/2014/main" val="10001"/>
                   </a:ext>
                 </a:extLst>
               </a:tr>
@@ -9098,7 +9104,7 @@
           <p:nvPr>
             <p:extLst>
               <p:ext uri="{D42A27DB-BD31-4B8C-83A1-F6EECF244321}">
-                <p14:modId xmlns:p14="http://schemas.microsoft.com/office/powerpoint/2010/main" val="409081579"/>
+                <p14:modId xmlns:p14="http://schemas.microsoft.com/office/powerpoint/2010/main" val="1291674284"/>
               </p:ext>
             </p:extLst>
           </p:nvPr>
@@ -9117,21 +9123,21 @@
                 <a:gridCol w="2536853">
                   <a:extLst>
                     <a:ext uri="{9D8B030D-6E8A-4147-A177-3AD203B41FA5}">
-                      <a16:colId xmlns:a16="http://schemas.microsoft.com/office/drawing/2014/main" xmlns="" val="20000"/>
+                      <a16:colId xmlns="" xmlns:a16="http://schemas.microsoft.com/office/drawing/2014/main" val="20000"/>
                     </a:ext>
                   </a:extLst>
                 </a:gridCol>
                 <a:gridCol w="3177556">
                   <a:extLst>
                     <a:ext uri="{9D8B030D-6E8A-4147-A177-3AD203B41FA5}">
-                      <a16:colId xmlns:a16="http://schemas.microsoft.com/office/drawing/2014/main" xmlns="" val="20001"/>
+                      <a16:colId xmlns="" xmlns:a16="http://schemas.microsoft.com/office/drawing/2014/main" val="20001"/>
                     </a:ext>
                   </a:extLst>
                 </a:gridCol>
                 <a:gridCol w="4219435">
                   <a:extLst>
                     <a:ext uri="{9D8B030D-6E8A-4147-A177-3AD203B41FA5}">
-                      <a16:colId xmlns:a16="http://schemas.microsoft.com/office/drawing/2014/main" xmlns="" val="20002"/>
+                      <a16:colId xmlns="" xmlns:a16="http://schemas.microsoft.com/office/drawing/2014/main" val="20002"/>
                     </a:ext>
                   </a:extLst>
                 </a:gridCol>
@@ -9217,7 +9223,7 @@
                 </a:tc>
                 <a:extLst>
                   <a:ext uri="{0D108BD9-81ED-4DB2-BD59-A6C34878D82A}">
-                    <a16:rowId xmlns:a16="http://schemas.microsoft.com/office/drawing/2014/main" xmlns="" val="10000"/>
+                    <a16:rowId xmlns="" xmlns:a16="http://schemas.microsoft.com/office/drawing/2014/main" val="10000"/>
                   </a:ext>
                 </a:extLst>
               </a:tr>
@@ -9315,7 +9321,7 @@
                 </a:tc>
                 <a:extLst>
                   <a:ext uri="{0D108BD9-81ED-4DB2-BD59-A6C34878D82A}">
-                    <a16:rowId xmlns:a16="http://schemas.microsoft.com/office/drawing/2014/main" xmlns="" val="10001"/>
+                    <a16:rowId xmlns="" xmlns:a16="http://schemas.microsoft.com/office/drawing/2014/main" val="10001"/>
                   </a:ext>
                 </a:extLst>
               </a:tr>
@@ -9419,7 +9425,7 @@
                 </a:tc>
                 <a:extLst>
                   <a:ext uri="{0D108BD9-81ED-4DB2-BD59-A6C34878D82A}">
-                    <a16:rowId xmlns:a16="http://schemas.microsoft.com/office/drawing/2014/main" xmlns="" val="10002"/>
+                    <a16:rowId xmlns="" xmlns:a16="http://schemas.microsoft.com/office/drawing/2014/main" val="10002"/>
                   </a:ext>
                 </a:extLst>
               </a:tr>
@@ -9447,16 +9453,10 @@
                         <a:t> </a:t>
                       </a:r>
                       <a:r>
-                        <a:rPr lang="ja-JP" sz="3200" kern="100" dirty="0" smtClean="0">
+                        <a:rPr lang="ja-JP" altLang="en-US" sz="3200" kern="100" baseline="0" dirty="0" smtClean="0">
                           <a:effectLst/>
                         </a:rPr>
-                        <a:t>祐</a:t>
-                      </a:r>
-                      <a:r>
-                        <a:rPr lang="ja-JP" sz="3200" kern="100" dirty="0">
-                          <a:effectLst/>
-                        </a:rPr>
-                        <a:t>輔</a:t>
+                        <a:t>佑輔</a:t>
                       </a:r>
                       <a:endParaRPr lang="ja-JP" sz="2800" kern="100" dirty="0">
                         <a:effectLst/>
@@ -9529,7 +9529,7 @@
                 </a:tc>
                 <a:extLst>
                   <a:ext uri="{0D108BD9-81ED-4DB2-BD59-A6C34878D82A}">
-                    <a16:rowId xmlns:a16="http://schemas.microsoft.com/office/drawing/2014/main" xmlns="" val="10003"/>
+                    <a16:rowId xmlns="" xmlns:a16="http://schemas.microsoft.com/office/drawing/2014/main" val="10003"/>
                   </a:ext>
                 </a:extLst>
               </a:tr>
@@ -9615,7 +9615,7 @@
                 </a:tc>
                 <a:extLst>
                   <a:ext uri="{0D108BD9-81ED-4DB2-BD59-A6C34878D82A}">
-                    <a16:rowId xmlns:a16="http://schemas.microsoft.com/office/drawing/2014/main" xmlns="" val="10004"/>
+                    <a16:rowId xmlns="" xmlns:a16="http://schemas.microsoft.com/office/drawing/2014/main" val="10004"/>
                   </a:ext>
                 </a:extLst>
               </a:tr>
@@ -9713,7 +9713,7 @@
                 </a:tc>
                 <a:extLst>
                   <a:ext uri="{0D108BD9-81ED-4DB2-BD59-A6C34878D82A}">
-                    <a16:rowId xmlns:a16="http://schemas.microsoft.com/office/drawing/2014/main" xmlns="" val="10005"/>
+                    <a16:rowId xmlns="" xmlns:a16="http://schemas.microsoft.com/office/drawing/2014/main" val="10005"/>
                   </a:ext>
                 </a:extLst>
               </a:tr>

--- a/FinalReport_team1.pptx
+++ b/FinalReport_team1.pptx
@@ -5,7 +5,7 @@
     <p:sldMasterId id="2147483648" r:id="rId1"/>
   </p:sldMasterIdLst>
   <p:notesMasterIdLst>
-    <p:notesMasterId r:id="rId16"/>
+    <p:notesMasterId r:id="rId15"/>
   </p:notesMasterIdLst>
   <p:sldIdLst>
     <p:sldId id="256" r:id="rId2"/>
@@ -18,10 +18,9 @@
     <p:sldId id="267" r:id="rId9"/>
     <p:sldId id="268" r:id="rId10"/>
     <p:sldId id="260" r:id="rId11"/>
-    <p:sldId id="269" r:id="rId12"/>
-    <p:sldId id="261" r:id="rId13"/>
-    <p:sldId id="262" r:id="rId14"/>
-    <p:sldId id="263" r:id="rId15"/>
+    <p:sldId id="261" r:id="rId12"/>
+    <p:sldId id="262" r:id="rId13"/>
+    <p:sldId id="263" r:id="rId14"/>
   </p:sldIdLst>
   <p:sldSz cx="12192000" cy="6858000"/>
   <p:notesSz cx="6858000" cy="9144000"/>
@@ -172,21 +171,6 @@
 
 <file path=ppt/comments/comment2.xml><?xml version="1.0" encoding="utf-8"?>
 <p:cmLst xmlns:a="http://schemas.openxmlformats.org/drawingml/2006/main" xmlns:r="http://schemas.openxmlformats.org/officeDocument/2006/relationships" xmlns:p="http://schemas.openxmlformats.org/presentationml/2006/main">
-  <p:cm authorId="2" dt="2017-02-02T09:26:33.397" idx="1">
-    <p:pos x="3143" y="2429"/>
-    <p:text>各自の学籍番号を所定の欄に記述しましょう．
-Write down your student number.</p:text>
-    <p:extLst>
-      <p:ext uri="{C676402C-5697-4E1C-873F-D02D1690AC5C}">
-        <p15:threadingInfo xmlns:p15="http://schemas.microsoft.com/office/powerpoint/2012/main" timeZoneBias="-540"/>
-      </p:ext>
-    </p:extLst>
-  </p:cm>
-</p:cmLst>
-</file>
-
-<file path=ppt/comments/comment3.xml><?xml version="1.0" encoding="utf-8"?>
-<p:cmLst xmlns:a="http://schemas.openxmlformats.org/drawingml/2006/main" xmlns:r="http://schemas.openxmlformats.org/officeDocument/2006/relationships" xmlns:p="http://schemas.openxmlformats.org/presentationml/2006/main">
   <p:cm authorId="7" dt="2017-02-02T10:09:36.050" idx="1">
     <p:pos x="3811" y="771"/>
     <p:text>最終発表のスライドをそのまま載せました．
@@ -209,7 +193,7 @@
 </p:cmLst>
 </file>
 
-<file path=ppt/comments/comment4.xml><?xml version="1.0" encoding="utf-8"?>
+<file path=ppt/comments/comment3.xml><?xml version="1.0" encoding="utf-8"?>
 <p:cmLst xmlns:a="http://schemas.openxmlformats.org/drawingml/2006/main" xmlns:r="http://schemas.openxmlformats.org/officeDocument/2006/relationships" xmlns:p="http://schemas.openxmlformats.org/presentationml/2006/main">
   <p:cm authorId="5" dt="2017-02-02T09:37:28.363" idx="1">
     <p:pos x="475" y="1318"/>
@@ -225,7 +209,7 @@
 </p:cmLst>
 </file>
 
-<file path=ppt/comments/comment5.xml><?xml version="1.0" encoding="utf-8"?>
+<file path=ppt/comments/comment4.xml><?xml version="1.0" encoding="utf-8"?>
 <p:cmLst xmlns:a="http://schemas.openxmlformats.org/drawingml/2006/main" xmlns:r="http://schemas.openxmlformats.org/officeDocument/2006/relationships" xmlns:p="http://schemas.openxmlformats.org/presentationml/2006/main">
   <p:cm authorId="6" dt="2017-02-02T09:40:50.200" idx="1">
     <p:pos x="828" y="588"/>
@@ -321,7 +305,7 @@
           <a:p>
             <a:fld id="{D3280593-7C42-5843-B081-6C518870F69D}" type="datetimeFigureOut">
               <a:rPr kumimoji="1" lang="ja-JP" altLang="en-US" smtClean="0"/>
-              <a:t>2017/2/2</a:t>
+              <a:t>2017/2/3</a:t>
             </a:fld>
             <a:endParaRPr kumimoji="1" lang="ja-JP" altLang="en-US"/>
           </a:p>
@@ -836,7 +820,7 @@
           <a:p>
             <a:fld id="{66799932-8D7B-764F-9326-29DDE68D3EAA}" type="datetime1">
               <a:rPr kumimoji="1" lang="ja-JP" altLang="en-US" smtClean="0"/>
-              <a:t>2017/2/2</a:t>
+              <a:t>2017/2/3</a:t>
             </a:fld>
             <a:endParaRPr kumimoji="1" lang="ja-JP" altLang="en-US"/>
           </a:p>
@@ -1038,7 +1022,7 @@
           <a:p>
             <a:fld id="{CAE5463A-7E1A-2E4B-B0AE-41A6BD3235AF}" type="datetime1">
               <a:rPr kumimoji="1" lang="ja-JP" altLang="en-US" smtClean="0"/>
-              <a:t>2017/2/2</a:t>
+              <a:t>2017/2/3</a:t>
             </a:fld>
             <a:endParaRPr kumimoji="1" lang="ja-JP" altLang="en-US"/>
           </a:p>
@@ -1250,7 +1234,7 @@
           <a:p>
             <a:fld id="{CE374C79-7A9D-4D49-8376-FB8336C03319}" type="datetime1">
               <a:rPr kumimoji="1" lang="ja-JP" altLang="en-US" smtClean="0"/>
-              <a:t>2017/2/2</a:t>
+              <a:t>2017/2/3</a:t>
             </a:fld>
             <a:endParaRPr kumimoji="1" lang="ja-JP" altLang="en-US"/>
           </a:p>
@@ -1452,7 +1436,7 @@
           <a:p>
             <a:fld id="{E76F834C-CEFA-9D46-A7A9-2A9FAB28DDD1}" type="datetime1">
               <a:rPr kumimoji="1" lang="ja-JP" altLang="en-US" smtClean="0"/>
-              <a:t>2017/2/2</a:t>
+              <a:t>2017/2/3</a:t>
             </a:fld>
             <a:endParaRPr kumimoji="1" lang="ja-JP" altLang="en-US"/>
           </a:p>
@@ -1698,7 +1682,7 @@
           <a:p>
             <a:fld id="{9EAA5CF6-2B4A-2E44-93BE-A2EE45AF8E02}" type="datetime1">
               <a:rPr kumimoji="1" lang="ja-JP" altLang="en-US" smtClean="0"/>
-              <a:t>2017/2/2</a:t>
+              <a:t>2017/2/3</a:t>
             </a:fld>
             <a:endParaRPr kumimoji="1" lang="ja-JP" altLang="en-US"/>
           </a:p>
@@ -1994,7 +1978,7 @@
           <a:p>
             <a:fld id="{47F3C8BD-19CC-7047-9A9E-B4334F8EB4A3}" type="datetime1">
               <a:rPr kumimoji="1" lang="ja-JP" altLang="en-US" smtClean="0"/>
-              <a:t>2017/2/2</a:t>
+              <a:t>2017/2/3</a:t>
             </a:fld>
             <a:endParaRPr kumimoji="1" lang="ja-JP" altLang="en-US"/>
           </a:p>
@@ -2425,7 +2409,7 @@
           <a:p>
             <a:fld id="{0CE0FDFE-8C98-DA42-9AAE-A8374B2C458A}" type="datetime1">
               <a:rPr kumimoji="1" lang="ja-JP" altLang="en-US" smtClean="0"/>
-              <a:t>2017/2/2</a:t>
+              <a:t>2017/2/3</a:t>
             </a:fld>
             <a:endParaRPr kumimoji="1" lang="ja-JP" altLang="en-US"/>
           </a:p>
@@ -2543,7 +2527,7 @@
           <a:p>
             <a:fld id="{596E8ED7-F57B-B540-A070-084317F58026}" type="datetime1">
               <a:rPr kumimoji="1" lang="ja-JP" altLang="en-US" smtClean="0"/>
-              <a:t>2017/2/2</a:t>
+              <a:t>2017/2/3</a:t>
             </a:fld>
             <a:endParaRPr kumimoji="1" lang="ja-JP" altLang="en-US"/>
           </a:p>
@@ -2638,7 +2622,7 @@
           <a:p>
             <a:fld id="{B4708856-CBAF-AB47-9335-89045B7F966D}" type="datetime1">
               <a:rPr kumimoji="1" lang="ja-JP" altLang="en-US" smtClean="0"/>
-              <a:t>2017/2/2</a:t>
+              <a:t>2017/2/3</a:t>
             </a:fld>
             <a:endParaRPr kumimoji="1" lang="ja-JP" altLang="en-US"/>
           </a:p>
@@ -2947,7 +2931,7 @@
           <a:p>
             <a:fld id="{FF17E302-1DC0-9947-8E9A-89DEC6D799BE}" type="datetime1">
               <a:rPr kumimoji="1" lang="ja-JP" altLang="en-US" smtClean="0"/>
-              <a:t>2017/2/2</a:t>
+              <a:t>2017/2/3</a:t>
             </a:fld>
             <a:endParaRPr kumimoji="1" lang="ja-JP" altLang="en-US"/>
           </a:p>
@@ -3200,7 +3184,7 @@
           <a:p>
             <a:fld id="{828D861D-5ABD-5D42-A35A-D470506FAF5E}" type="datetime1">
               <a:rPr kumimoji="1" lang="ja-JP" altLang="en-US" smtClean="0"/>
-              <a:t>2017/2/2</a:t>
+              <a:t>2017/2/3</a:t>
             </a:fld>
             <a:endParaRPr kumimoji="1" lang="ja-JP" altLang="en-US"/>
           </a:p>
@@ -3448,7 +3432,7 @@
           <a:p>
             <a:fld id="{40E3953F-FE39-2447-83E0-87C2306981C2}" type="datetime1">
               <a:rPr lang="ja-JP" altLang="en-US" smtClean="0"/>
-              <a:t>2017/2/2</a:t>
+              <a:t>2017/2/3</a:t>
             </a:fld>
             <a:endParaRPr lang="ja-JP" altLang="en-US"/>
           </a:p>
@@ -4141,12 +4125,13 @@
             </a:pPr>
             <a:r>
               <a:rPr lang="ja-JP" altLang="en-US" sz="4800" dirty="0" smtClean="0"/>
-              <a:t>デモの質疑まとめ </a:t>
-            </a:r>
-            <a:r>
-              <a:rPr lang="en-US" altLang="ja-JP" sz="4800" dirty="0" smtClean="0"/>
-              <a:t>(1)</a:t>
-            </a:r>
+              <a:t>デモの質疑</a:t>
+            </a:r>
+            <a:r>
+              <a:rPr lang="ja-JP" altLang="en-US" sz="4800" dirty="0" smtClean="0"/>
+              <a:t>まとめ</a:t>
+            </a:r>
+            <a:endParaRPr lang="en-US" altLang="ja-JP" sz="4800" dirty="0" smtClean="0"/>
           </a:p>
           <a:p>
             <a:pPr marL="914400" indent="-914400">
@@ -4165,8 +4150,8 @@
         </p:nvSpPr>
         <p:spPr>
           <a:xfrm>
-            <a:off x="1923288" y="979468"/>
-            <a:ext cx="8345424" cy="5755422"/>
+            <a:off x="0" y="847834"/>
+            <a:ext cx="11761694" cy="5755422"/>
           </a:xfrm>
           <a:prstGeom prst="rect">
             <a:avLst/>
@@ -4301,7 +4286,25 @@
                 <a:ea typeface="HGPGothicE" charset="-128"/>
                 <a:cs typeface="Times New Roman" charset="0"/>
               </a:rPr>
-              <a:t>期間が短すぎたこと．演習</a:t>
+              <a:t>期間が</a:t>
+            </a:r>
+            <a:r>
+              <a:rPr lang="ja-JP" altLang="en-US" sz="1600" kern="100" dirty="0" smtClean="0">
+                <a:effectLst/>
+                <a:latin typeface="Yu Mincho" charset="-128"/>
+                <a:ea typeface="HGPGothicE" charset="-128"/>
+                <a:cs typeface="Times New Roman" charset="0"/>
+              </a:rPr>
+              <a:t>短すぎて講義時間以外にも多くの時間を割いて作業しなければならなかったこと．</a:t>
+            </a:r>
+            <a:r>
+              <a:rPr lang="ja-JP" altLang="en-US" sz="1600" kern="100" dirty="0" smtClean="0">
+                <a:effectLst/>
+                <a:latin typeface="Yu Mincho" charset="-128"/>
+                <a:ea typeface="HGPGothicE" charset="-128"/>
+                <a:cs typeface="Times New Roman" charset="0"/>
+              </a:rPr>
+              <a:t>演習</a:t>
             </a:r>
             <a:r>
               <a:rPr lang="en-US" altLang="ja-JP" sz="1600" kern="100" dirty="0" smtClean="0">
@@ -4344,7 +4347,16 @@
                 <a:ea typeface="HGPGothicE" charset="-128"/>
                 <a:cs typeface="Times New Roman" charset="0"/>
               </a:rPr>
-              <a:t>ととても強く感じた．</a:t>
+              <a:t>と感じた</a:t>
+            </a:r>
+            <a:r>
+              <a:rPr lang="ja-JP" altLang="en-US" sz="1600" kern="100" dirty="0" smtClean="0">
+                <a:effectLst/>
+                <a:latin typeface="Yu Mincho" charset="-128"/>
+                <a:ea typeface="HGPGothicE" charset="-128"/>
+                <a:cs typeface="Times New Roman" charset="0"/>
+              </a:rPr>
+              <a:t>．</a:t>
             </a:r>
             <a:endParaRPr lang="en-US" altLang="ja-JP" sz="1600" kern="100" dirty="0" smtClean="0">
               <a:effectLst/>
@@ -4364,7 +4376,39 @@
                 <a:ea typeface="HGPGothicE" charset="-128"/>
                 <a:cs typeface="Times New Roman" charset="0"/>
               </a:rPr>
-              <a:t>仕様がざっくり過ぎて何を作ればいいのかよく理解できなかったこと．もう少し詳細に</a:t>
+              <a:t>仕様がざっくり</a:t>
+            </a:r>
+            <a:r>
+              <a:rPr lang="ja-JP" altLang="en-US" sz="1600" kern="100" dirty="0" smtClean="0">
+                <a:latin typeface="Yu Mincho" charset="-128"/>
+                <a:ea typeface="HGPGothicE" charset="-128"/>
+                <a:cs typeface="Times New Roman" charset="0"/>
+              </a:rPr>
+              <a:t>過ぎて</a:t>
+            </a:r>
+            <a:r>
+              <a:rPr lang="ja-JP" altLang="en-US" sz="1600" kern="100" dirty="0" smtClean="0">
+                <a:latin typeface="Yu Mincho" charset="-128"/>
+                <a:ea typeface="HGPGothicE" charset="-128"/>
+                <a:cs typeface="Times New Roman" charset="0"/>
+              </a:rPr>
+              <a:t>その解釈に時間を取られて大変だった</a:t>
+            </a:r>
+            <a:r>
+              <a:rPr lang="ja-JP" altLang="en-US" sz="1600" kern="100" dirty="0" smtClean="0">
+                <a:latin typeface="Yu Mincho" charset="-128"/>
+                <a:ea typeface="HGPGothicE" charset="-128"/>
+                <a:cs typeface="Times New Roman" charset="0"/>
+              </a:rPr>
+              <a:t>．</a:t>
+            </a:r>
+            <a:r>
+              <a:rPr lang="ja-JP" altLang="en-US" sz="1600" kern="100" dirty="0">
+                <a:latin typeface="Yu Mincho" charset="-128"/>
+                <a:ea typeface="HGPGothicE" charset="-128"/>
+                <a:cs typeface="Times New Roman" charset="0"/>
+              </a:rPr>
+              <a:t>もう少し詳細に</a:t>
             </a:r>
             <a:r>
               <a:rPr lang="ja-JP" altLang="en-US" sz="1600" kern="100" dirty="0" smtClean="0">
@@ -4380,7 +4424,15 @@
                 <a:ea typeface="HGPGothicE" charset="-128"/>
                 <a:cs typeface="Times New Roman" charset="0"/>
               </a:rPr>
-              <a:t>を記載して欲しいと強く感じた</a:t>
+              <a:t>を記載して欲しい</a:t>
+            </a:r>
+            <a:r>
+              <a:rPr lang="ja-JP" altLang="en-US" sz="1600" kern="100" dirty="0" smtClean="0">
+                <a:latin typeface="Yu Mincho" charset="-128"/>
+                <a:ea typeface="HGPGothicE" charset="-128"/>
+                <a:cs typeface="Times New Roman" charset="0"/>
+              </a:rPr>
+              <a:t>と感じた</a:t>
             </a:r>
             <a:r>
               <a:rPr lang="ja-JP" altLang="en-US" sz="1600" kern="100" dirty="0" smtClean="0">
@@ -4423,15 +4475,7 @@
                 <a:ea typeface="HGPGothicE" charset="-128"/>
                 <a:cs typeface="Times New Roman" charset="0"/>
               </a:rPr>
-              <a:t>のプログラムや各種コントローラのプログラムに欠陥があったこと．これらの修正に大変な時間及び労力を用いることを強いられた．これまで何年も演習を実施しているのだから，上記欠陥は教員が発見している，もしくは学生によって指摘されているはずで，本来授業スタッフである教員または </a:t>
-            </a:r>
-            <a:r>
-              <a:rPr lang="en-US" altLang="ja-JP" sz="1600" kern="100" dirty="0" smtClean="0">
-                <a:latin typeface="Yu Mincho" charset="-128"/>
-                <a:ea typeface="HGPGothicE" charset="-128"/>
-                <a:cs typeface="Times New Roman" charset="0"/>
-              </a:rPr>
-              <a:t>TA </a:t>
+              <a:t>のプログラムや各種コントローラのプログラム</a:t>
             </a:r>
             <a:r>
               <a:rPr lang="ja-JP" altLang="en-US" sz="1600" kern="100" dirty="0" smtClean="0">
@@ -4439,7 +4483,23 @@
                 <a:ea typeface="HGPGothicE" charset="-128"/>
                 <a:cs typeface="Times New Roman" charset="0"/>
               </a:rPr>
-              <a:t>によって修正されているべきものである．これがなされてないのは完全に教員側の怠惰であり，このような職務放棄をしておきながら学生に対して意見をし，成果物の評価を行うのは完全に立場を利用した傲慢な行為である，と言わざるを得ない．少なくとも学生に対して提供する上記プログラムに関しては，提供者である教員側が責任をもって修正し，仮想環境及び実機での動作確認をして，欠陥なく正常に稼働することを保証するべきである．これは，学生から授業料を徴収し，さらに （国立大学なので） 国家から補助金を交付されることで生活の糧を得ている対価として，教員が当然果たすべき職務である．</a:t>
+              <a:t>に</a:t>
+            </a:r>
+            <a:r>
+              <a:rPr lang="ja-JP" altLang="en-US" sz="1600" kern="100" dirty="0" smtClean="0">
+                <a:latin typeface="Yu Mincho" charset="-128"/>
+                <a:ea typeface="HGPGothicE" charset="-128"/>
+                <a:cs typeface="Times New Roman" charset="0"/>
+              </a:rPr>
+              <a:t>バグ</a:t>
+            </a:r>
+            <a:r>
+              <a:rPr lang="ja-JP" altLang="en-US" sz="1600" kern="100" dirty="0" smtClean="0">
+                <a:latin typeface="Yu Mincho" charset="-128"/>
+                <a:ea typeface="HGPGothicE" charset="-128"/>
+                <a:cs typeface="Times New Roman" charset="0"/>
+              </a:rPr>
+              <a:t>があり、これらの修正に大変な労力を強いられた。</a:t>
             </a:r>
             <a:endParaRPr lang="en-US" altLang="ja-JP" sz="1600" kern="100" dirty="0" smtClean="0">
               <a:effectLst/>
@@ -4502,10 +4562,468 @@
                 <a:ea typeface="HGPGothicE" charset="-128"/>
                 <a:cs typeface="Times New Roman" charset="0"/>
               </a:rPr>
-              <a:t>アクセスの制限としては，スイッチへのアクセス数をカウントしている．なので，別のスライスへのアクセスも制限の対象になる．</a:t>
-            </a:r>
-            <a:endParaRPr lang="ja-JP" altLang="ja-JP" sz="1600" kern="100" dirty="0" smtClean="0">
+              <a:t>アクセスの制限としては，スイッチへのアクセス数をカウントしている．なので，別のスライスへのアクセスも制限の対象になる</a:t>
+            </a:r>
+            <a:r>
+              <a:rPr lang="ja-JP" altLang="ja-JP" sz="1600" kern="100" dirty="0" smtClean="0">
+                <a:effectLst/>
+                <a:latin typeface="Yu Mincho" charset="-128"/>
+                <a:ea typeface="HGPGothicE" charset="-128"/>
+                <a:cs typeface="Times New Roman" charset="0"/>
+              </a:rPr>
+              <a:t>．</a:t>
+            </a:r>
+            <a:endParaRPr lang="en-US" altLang="ja-JP" sz="1600" kern="100" dirty="0" smtClean="0">
               <a:effectLst/>
+              <a:latin typeface="Yu Mincho" charset="-128"/>
+              <a:ea typeface="HGPGothicE" charset="-128"/>
+              <a:cs typeface="Times New Roman" charset="0"/>
+            </a:endParaRPr>
+          </a:p>
+          <a:p>
+            <a:pPr marL="742950" lvl="1" indent="-285750" algn="just">
+              <a:spcAft>
+                <a:spcPts val="0"/>
+              </a:spcAft>
+              <a:buFont typeface="Wingdings" charset="2"/>
+              <a:buChar char=""/>
+            </a:pPr>
+            <a:endParaRPr lang="en-US" altLang="ja-JP" sz="1600" kern="100" dirty="0">
+              <a:latin typeface="Yu Mincho" charset="-128"/>
+              <a:ea typeface="Yu Mincho" charset="-128"/>
+              <a:cs typeface="Times New Roman" charset="0"/>
+            </a:endParaRPr>
+          </a:p>
+          <a:p>
+            <a:pPr lvl="0" algn="just">
+              <a:spcAft>
+                <a:spcPts val="0"/>
+              </a:spcAft>
+            </a:pPr>
+            <a:r>
+              <a:rPr lang="ja-JP" altLang="en-US" sz="1600" kern="100" dirty="0">
+                <a:latin typeface="HGPｺﾞｼｯｸE" panose="020B0900000000000000" pitchFamily="50" charset="-128"/>
+                <a:ea typeface="HGPｺﾞｼｯｸE" panose="020B0900000000000000" pitchFamily="50" charset="-128"/>
+                <a:cs typeface="Times New Roman" charset="0"/>
+              </a:rPr>
+              <a:t>③</a:t>
+            </a:r>
+            <a:r>
+              <a:rPr lang="ja-JP" altLang="en-US" sz="1600" kern="100" dirty="0">
+                <a:latin typeface="HGPGothicE" charset="-128"/>
+                <a:ea typeface="Yu Mincho" charset="-128"/>
+                <a:cs typeface="Times New Roman" charset="0"/>
+              </a:rPr>
+              <a:t>　</a:t>
+            </a:r>
+            <a:r>
+              <a:rPr lang="en-US" altLang="ja-JP" sz="1600" kern="100" dirty="0" err="1">
+                <a:latin typeface="HGPGothicE" charset="-128"/>
+                <a:ea typeface="Yu Mincho" charset="-128"/>
+                <a:cs typeface="Times New Roman" charset="0"/>
+              </a:rPr>
+              <a:t>docker</a:t>
+            </a:r>
+            <a:r>
+              <a:rPr lang="ja-JP" altLang="ja-JP" sz="1600" kern="100" dirty="0">
+                <a:latin typeface="Yu Mincho" charset="-128"/>
+                <a:ea typeface="HGPGothicE" charset="-128"/>
+                <a:cs typeface="Times New Roman" charset="0"/>
+              </a:rPr>
+              <a:t>コンテナに</a:t>
+            </a:r>
+            <a:r>
+              <a:rPr lang="ja-JP" altLang="ja-JP" sz="1600" kern="100" dirty="0" smtClean="0">
+                <a:latin typeface="Yu Mincho" charset="-128"/>
+                <a:ea typeface="HGPGothicE" charset="-128"/>
+                <a:cs typeface="Times New Roman" charset="0"/>
+              </a:rPr>
+              <a:t>割り当てる</a:t>
+            </a:r>
+            <a:r>
+              <a:rPr lang="en-US" altLang="ja-JP" sz="1600" kern="100" dirty="0" smtClean="0">
+                <a:latin typeface="Yu Mincho" charset="-128"/>
+                <a:ea typeface="HGPGothicE" charset="-128"/>
+                <a:cs typeface="Times New Roman" charset="0"/>
+              </a:rPr>
+              <a:t> Docker </a:t>
+            </a:r>
+            <a:r>
+              <a:rPr lang="ja-JP" altLang="ja-JP" sz="1600" kern="100" dirty="0" smtClean="0">
+                <a:latin typeface="Yu Mincho" charset="-128"/>
+                <a:ea typeface="HGPGothicE" charset="-128"/>
+                <a:cs typeface="Times New Roman" charset="0"/>
+              </a:rPr>
+              <a:t>ホスト</a:t>
+            </a:r>
+            <a:r>
+              <a:rPr lang="ja-JP" altLang="ja-JP" sz="1600" kern="100" dirty="0">
+                <a:latin typeface="Yu Mincho" charset="-128"/>
+                <a:ea typeface="HGPGothicE" charset="-128"/>
+                <a:cs typeface="Times New Roman" charset="0"/>
+              </a:rPr>
+              <a:t>のポートはどのように決定している？</a:t>
+            </a:r>
+            <a:endParaRPr lang="ja-JP" altLang="ja-JP" sz="1600" kern="100" dirty="0">
+              <a:latin typeface="Yu Mincho" charset="-128"/>
+              <a:ea typeface="Yu Mincho" charset="-128"/>
+              <a:cs typeface="Times New Roman" charset="0"/>
+            </a:endParaRPr>
+          </a:p>
+          <a:p>
+            <a:pPr marL="742950" lvl="1" indent="-285750" algn="just">
+              <a:spcAft>
+                <a:spcPts val="0"/>
+              </a:spcAft>
+              <a:buFont typeface="Wingdings" charset="2"/>
+              <a:buChar char=""/>
+            </a:pPr>
+            <a:r>
+              <a:rPr lang="en-US" altLang="ja-JP" sz="1600" kern="100" dirty="0" err="1">
+                <a:latin typeface="HGPGothicE" charset="-128"/>
+                <a:ea typeface="Yu Mincho" charset="-128"/>
+                <a:cs typeface="Times New Roman" charset="0"/>
+              </a:rPr>
+              <a:t>restAPI</a:t>
+            </a:r>
+            <a:r>
+              <a:rPr lang="ja-JP" altLang="ja-JP" sz="1600" kern="100" dirty="0">
+                <a:latin typeface="Yu Mincho" charset="-128"/>
+                <a:ea typeface="HGPGothicE" charset="-128"/>
+                <a:cs typeface="Times New Roman" charset="0"/>
+              </a:rPr>
+              <a:t>を使うと</a:t>
+            </a:r>
+            <a:r>
+              <a:rPr lang="en-US" altLang="ja-JP" sz="1600" kern="100" dirty="0">
+                <a:latin typeface="Yu Mincho" charset="-128"/>
+                <a:ea typeface="HGPGothicE" charset="-128"/>
+                <a:cs typeface="Times New Roman" charset="0"/>
+              </a:rPr>
+              <a:t>Docker</a:t>
+            </a:r>
+            <a:r>
+              <a:rPr lang="ja-JP" altLang="ja-JP" sz="1600" kern="100" dirty="0">
+                <a:latin typeface="Yu Mincho" charset="-128"/>
+                <a:ea typeface="HGPGothicE" charset="-128"/>
+                <a:cs typeface="Times New Roman" charset="0"/>
+              </a:rPr>
+              <a:t>ホストが作成したコンテナにポート番号を自動で割り当てる．そのポート番号をクライアントに通知する．</a:t>
+            </a:r>
+            <a:endParaRPr lang="ja-JP" altLang="ja-JP" sz="1600" kern="100" dirty="0">
+              <a:latin typeface="Yu Mincho" charset="-128"/>
+              <a:ea typeface="Yu Mincho" charset="-128"/>
+              <a:cs typeface="Times New Roman" charset="0"/>
+            </a:endParaRPr>
+          </a:p>
+          <a:p>
+            <a:pPr marL="342900" lvl="0" indent="-342900" algn="just">
+              <a:spcAft>
+                <a:spcPts val="0"/>
+              </a:spcAft>
+              <a:buFont typeface="+mj-lt"/>
+              <a:buAutoNum type="circleNumDbPlain"/>
+            </a:pPr>
+            <a:endParaRPr lang="en-US" altLang="ja-JP" sz="1600" kern="100" dirty="0">
+              <a:latin typeface="Yu Mincho" charset="-128"/>
+              <a:ea typeface="HGPGothicE" charset="-128"/>
+              <a:cs typeface="Times New Roman" charset="0"/>
+            </a:endParaRPr>
+          </a:p>
+          <a:p>
+            <a:pPr lvl="0" algn="just">
+              <a:spcAft>
+                <a:spcPts val="0"/>
+              </a:spcAft>
+            </a:pPr>
+            <a:r>
+              <a:rPr lang="ja-JP" altLang="en-US" sz="1600" kern="100" dirty="0">
+                <a:latin typeface="Yu Mincho" charset="-128"/>
+                <a:ea typeface="HGPGothicE" charset="-128"/>
+                <a:cs typeface="Times New Roman" charset="0"/>
+              </a:rPr>
+              <a:t>④　</a:t>
+            </a:r>
+            <a:r>
+              <a:rPr lang="ja-JP" altLang="ja-JP" sz="1600" kern="100" dirty="0">
+                <a:latin typeface="Yu Mincho" charset="-128"/>
+                <a:ea typeface="HGPGothicE" charset="-128"/>
+                <a:cs typeface="Times New Roman" charset="0"/>
+              </a:rPr>
+              <a:t>アクセス制限はどのように実装している？</a:t>
+            </a:r>
+            <a:r>
+              <a:rPr lang="en-US" altLang="ja-JP" sz="1600" kern="100" dirty="0" err="1">
+                <a:latin typeface="Yu Mincho" charset="-128"/>
+                <a:ea typeface="HGPGothicE" charset="-128"/>
+                <a:cs typeface="Times New Roman" charset="0"/>
+              </a:rPr>
+              <a:t>PacketIn</a:t>
+            </a:r>
+            <a:r>
+              <a:rPr lang="ja-JP" altLang="ja-JP" sz="1600" kern="100" dirty="0">
+                <a:latin typeface="Yu Mincho" charset="-128"/>
+                <a:ea typeface="HGPGothicE" charset="-128"/>
+                <a:cs typeface="Times New Roman" charset="0"/>
+              </a:rPr>
+              <a:t>でアクセスを判定している？</a:t>
+            </a:r>
+            <a:endParaRPr lang="ja-JP" altLang="ja-JP" sz="1600" kern="100" dirty="0">
+              <a:latin typeface="Yu Mincho" charset="-128"/>
+              <a:ea typeface="Yu Mincho" charset="-128"/>
+              <a:cs typeface="Times New Roman" charset="0"/>
+            </a:endParaRPr>
+          </a:p>
+          <a:p>
+            <a:pPr marL="742950" lvl="1" indent="-285750" algn="just">
+              <a:spcAft>
+                <a:spcPts val="0"/>
+              </a:spcAft>
+              <a:buFont typeface="Wingdings" charset="2"/>
+              <a:buChar char=""/>
+            </a:pPr>
+            <a:r>
+              <a:rPr lang="ja-JP" altLang="ja-JP" sz="1600" kern="100" dirty="0">
+                <a:latin typeface="Yu Mincho" charset="-128"/>
+                <a:ea typeface="HGPGothicE" charset="-128"/>
+                <a:cs typeface="Times New Roman" charset="0"/>
+              </a:rPr>
+              <a:t>アクセスが発生するごとに直近の</a:t>
+            </a:r>
+            <a:r>
+              <a:rPr lang="en-US" altLang="ja-JP" sz="1600" kern="100" dirty="0">
+                <a:latin typeface="Yu Mincho" charset="-128"/>
+                <a:ea typeface="HGPGothicE" charset="-128"/>
+                <a:cs typeface="Times New Roman" charset="0"/>
+              </a:rPr>
+              <a:t>T[s]</a:t>
+            </a:r>
+            <a:r>
+              <a:rPr lang="ja-JP" altLang="ja-JP" sz="1600" kern="100" dirty="0">
+                <a:latin typeface="Yu Mincho" charset="-128"/>
+                <a:ea typeface="HGPGothicE" charset="-128"/>
+                <a:cs typeface="Times New Roman" charset="0"/>
+              </a:rPr>
+              <a:t>間をみて</a:t>
+            </a:r>
+            <a:r>
+              <a:rPr lang="en-US" altLang="ja-JP" sz="1600" kern="100" dirty="0">
+                <a:latin typeface="Yu Mincho" charset="-128"/>
+                <a:ea typeface="HGPGothicE" charset="-128"/>
+                <a:cs typeface="Times New Roman" charset="0"/>
+              </a:rPr>
+              <a:t>,n</a:t>
+            </a:r>
+            <a:r>
+              <a:rPr lang="ja-JP" altLang="ja-JP" sz="1600" kern="100" dirty="0">
+                <a:latin typeface="Yu Mincho" charset="-128"/>
+                <a:ea typeface="HGPGothicE" charset="-128"/>
+                <a:cs typeface="Times New Roman" charset="0"/>
+              </a:rPr>
+              <a:t>回アクセスが発生しているか確認する．</a:t>
+            </a:r>
+            <a:r>
+              <a:rPr lang="en-US" altLang="ja-JP" sz="1600" kern="100" dirty="0" err="1">
+                <a:latin typeface="Yu Mincho" charset="-128"/>
+                <a:ea typeface="HGPGothicE" charset="-128"/>
+                <a:cs typeface="Times New Roman" charset="0"/>
+              </a:rPr>
+              <a:t>PacketIn</a:t>
+            </a:r>
+            <a:r>
+              <a:rPr lang="ja-JP" altLang="ja-JP" sz="1600" kern="100" dirty="0">
+                <a:latin typeface="Yu Mincho" charset="-128"/>
+                <a:ea typeface="HGPGothicE" charset="-128"/>
+                <a:cs typeface="Times New Roman" charset="0"/>
+              </a:rPr>
+              <a:t>で判定している．</a:t>
+            </a:r>
+            <a:endParaRPr lang="en-US" altLang="ja-JP" sz="1600" kern="100" dirty="0">
+              <a:latin typeface="Yu Mincho" charset="-128"/>
+              <a:ea typeface="Yu Mincho" charset="-128"/>
+              <a:cs typeface="Times New Roman" charset="0"/>
+            </a:endParaRPr>
+          </a:p>
+          <a:p>
+            <a:pPr lvl="1" algn="just">
+              <a:spcAft>
+                <a:spcPts val="0"/>
+              </a:spcAft>
+            </a:pPr>
+            <a:endParaRPr lang="en-US" altLang="ja-JP" sz="1600" kern="100" dirty="0">
+              <a:latin typeface="HGPGothicE" charset="-128"/>
+              <a:ea typeface="Yu Mincho" charset="-128"/>
+              <a:cs typeface="Times New Roman" charset="0"/>
+            </a:endParaRPr>
+          </a:p>
+          <a:p>
+            <a:pPr lvl="0" algn="just">
+              <a:spcAft>
+                <a:spcPts val="0"/>
+              </a:spcAft>
+            </a:pPr>
+            <a:r>
+              <a:rPr lang="ja-JP" altLang="en-US" sz="1600" kern="100" dirty="0">
+                <a:latin typeface="HGSｺﾞｼｯｸE" panose="020B0900000000000000" pitchFamily="50" charset="-128"/>
+                <a:ea typeface="HGSｺﾞｼｯｸE" panose="020B0900000000000000" pitchFamily="50" charset="-128"/>
+                <a:cs typeface="Times New Roman" charset="0"/>
+              </a:rPr>
+              <a:t>⑤</a:t>
+            </a:r>
+            <a:r>
+              <a:rPr lang="ja-JP" altLang="en-US" sz="1600" kern="100" dirty="0">
+                <a:latin typeface="HGPGothicE" charset="-128"/>
+                <a:ea typeface="Yu Mincho" charset="-128"/>
+                <a:cs typeface="Times New Roman" charset="0"/>
+              </a:rPr>
+              <a:t>　</a:t>
+            </a:r>
+            <a:r>
+              <a:rPr lang="en-US" altLang="ja-JP" sz="1600" kern="100" dirty="0" err="1">
+                <a:latin typeface="HGPGothicE" charset="-128"/>
+                <a:ea typeface="Yu Mincho" charset="-128"/>
+                <a:cs typeface="Times New Roman" charset="0"/>
+              </a:rPr>
+              <a:t>PacketIn</a:t>
+            </a:r>
+            <a:r>
+              <a:rPr lang="en-US" altLang="ja-JP" sz="1600" kern="100" dirty="0">
+                <a:latin typeface="HGPGothicE" charset="-128"/>
+                <a:ea typeface="Yu Mincho" charset="-128"/>
+                <a:cs typeface="Times New Roman" charset="0"/>
+              </a:rPr>
+              <a:t> </a:t>
+            </a:r>
+            <a:r>
+              <a:rPr lang="ja-JP" altLang="ja-JP" sz="1600" kern="100" dirty="0">
+                <a:latin typeface="Yu Mincho" charset="-128"/>
+                <a:ea typeface="HGPGothicE" charset="-128"/>
+                <a:cs typeface="Times New Roman" charset="0"/>
+              </a:rPr>
+              <a:t>を毎回するなら時間がかかるので，</a:t>
+            </a:r>
+            <a:r>
+              <a:rPr lang="en-US" altLang="ja-JP" sz="1600" kern="100" dirty="0" err="1">
+                <a:latin typeface="Yu Mincho" charset="-128"/>
+                <a:ea typeface="HGPGothicE" charset="-128"/>
+                <a:cs typeface="Times New Roman" charset="0"/>
+              </a:rPr>
+              <a:t>OpenFlow</a:t>
+            </a:r>
+            <a:r>
+              <a:rPr lang="ja-JP" altLang="ja-JP" sz="1600" kern="100" dirty="0">
+                <a:latin typeface="Yu Mincho" charset="-128"/>
+                <a:ea typeface="HGPGothicE" charset="-128"/>
+                <a:cs typeface="Times New Roman" charset="0"/>
+              </a:rPr>
+              <a:t>の良さがないのではないか？</a:t>
+            </a:r>
+            <a:endParaRPr lang="ja-JP" altLang="ja-JP" sz="1600" kern="100" dirty="0">
+              <a:latin typeface="Yu Mincho" charset="-128"/>
+              <a:ea typeface="Yu Mincho" charset="-128"/>
+              <a:cs typeface="Times New Roman" charset="0"/>
+            </a:endParaRPr>
+          </a:p>
+          <a:p>
+            <a:pPr marL="742950" lvl="1" indent="-285750" algn="just">
+              <a:buFont typeface="Wingdings" charset="2"/>
+              <a:buChar char="Ø"/>
+            </a:pPr>
+            <a:r>
+              <a:rPr lang="ja-JP" altLang="en-US" sz="1600" kern="100" dirty="0">
+                <a:latin typeface="Yu Mincho" charset="-128"/>
+                <a:ea typeface="HGPGothicE" charset="-128"/>
+                <a:cs typeface="Times New Roman" charset="0"/>
+              </a:rPr>
+              <a:t>おっしゃる通りだが、</a:t>
+            </a:r>
+            <a:r>
+              <a:rPr lang="en-US" altLang="ja-JP" sz="1600" kern="100" dirty="0">
+                <a:latin typeface="Yu Mincho" charset="-128"/>
+                <a:ea typeface="HGPGothicE" charset="-128"/>
+                <a:cs typeface="Times New Roman" charset="0"/>
+              </a:rPr>
+              <a:t> </a:t>
+            </a:r>
+            <a:r>
+              <a:rPr lang="ja-JP" altLang="en-US" sz="1600" kern="100" dirty="0">
+                <a:latin typeface="Yu Mincho" charset="-128"/>
+                <a:ea typeface="HGPGothicE" charset="-128"/>
+                <a:cs typeface="Times New Roman" charset="0"/>
+              </a:rPr>
+              <a:t>フローエントリを用いた処理を実装してもうまく稼働せず、時間の都合上これを省くこととなった</a:t>
+            </a:r>
+            <a:r>
+              <a:rPr lang="ja-JP" altLang="en-US" sz="1600" kern="100" dirty="0" smtClean="0">
+                <a:latin typeface="Yu Mincho" charset="-128"/>
+                <a:ea typeface="HGPGothicE" charset="-128"/>
+                <a:cs typeface="Times New Roman" charset="0"/>
+              </a:rPr>
+              <a:t>。</a:t>
+            </a:r>
+            <a:endParaRPr lang="en-US" altLang="ja-JP" sz="1600" kern="100" dirty="0" smtClean="0">
+              <a:latin typeface="Yu Mincho" charset="-128"/>
+              <a:ea typeface="HGPGothicE" charset="-128"/>
+              <a:cs typeface="Times New Roman" charset="0"/>
+            </a:endParaRPr>
+          </a:p>
+          <a:p>
+            <a:pPr marL="742950" lvl="1" indent="-285750" algn="just">
+              <a:buFont typeface="Wingdings" charset="2"/>
+              <a:buChar char="Ø"/>
+            </a:pPr>
+            <a:endParaRPr lang="en-US" altLang="ja-JP" sz="1600" kern="100" dirty="0">
+              <a:latin typeface="HGPGothicE" charset="-128"/>
+              <a:ea typeface="Yu Mincho" charset="-128"/>
+              <a:cs typeface="Times New Roman" charset="0"/>
+            </a:endParaRPr>
+          </a:p>
+          <a:p>
+            <a:pPr lvl="1" algn="just"/>
+            <a:r>
+              <a:rPr lang="ja-JP" altLang="ja-JP" sz="1600" kern="100" dirty="0">
+                <a:latin typeface="Yu Mincho" charset="-128"/>
+                <a:ea typeface="HGPGothicE" charset="-128"/>
+                <a:cs typeface="Times New Roman" charset="0"/>
+              </a:rPr>
+              <a:t>コメント</a:t>
+            </a:r>
+            <a:endParaRPr lang="ja-JP" altLang="ja-JP" sz="1600" kern="100" dirty="0">
+              <a:latin typeface="Yu Mincho" charset="-128"/>
+              <a:ea typeface="Yu Mincho" charset="-128"/>
+              <a:cs typeface="Times New Roman" charset="0"/>
+            </a:endParaRPr>
+          </a:p>
+          <a:p>
+            <a:pPr marL="1257300" lvl="2" indent="-342900" algn="just">
+              <a:buFont typeface="HGPGothicE" charset="-128"/>
+              <a:buChar char="・"/>
+            </a:pPr>
+            <a:r>
+              <a:rPr lang="en-US" altLang="ja-JP" sz="1600" kern="100" dirty="0" err="1">
+                <a:latin typeface="HGPGothicE" charset="-128"/>
+                <a:ea typeface="Yu Mincho" charset="-128"/>
+                <a:cs typeface="Times New Roman" charset="0"/>
+              </a:rPr>
+              <a:t>flowstats</a:t>
+            </a:r>
+            <a:r>
+              <a:rPr lang="ja-JP" altLang="ja-JP" sz="1600" kern="100" dirty="0">
+                <a:latin typeface="Yu Mincho" charset="-128"/>
+                <a:ea typeface="HGPGothicE" charset="-128"/>
+                <a:cs typeface="Times New Roman" charset="0"/>
+              </a:rPr>
+              <a:t>でパケットの統計情報が見れるよ</a:t>
+            </a:r>
+            <a:r>
+              <a:rPr lang="ja-JP" altLang="ja-JP" sz="1600" kern="100" dirty="0" smtClean="0">
+                <a:latin typeface="Yu Mincho" charset="-128"/>
+                <a:ea typeface="HGPGothicE" charset="-128"/>
+                <a:cs typeface="Times New Roman" charset="0"/>
+              </a:rPr>
+              <a:t>．</a:t>
+            </a:r>
+            <a:endParaRPr lang="ja-JP" altLang="ja-JP" sz="1600" kern="100" dirty="0">
               <a:latin typeface="Yu Mincho" charset="-128"/>
               <a:ea typeface="Yu Mincho" charset="-128"/>
               <a:cs typeface="Times New Roman" charset="0"/>
@@ -4616,940 +5134,6 @@
           <a:p>
             <a:pPr marL="914400" indent="-914400">
               <a:buFont typeface="+mj-lt"/>
-              <a:buAutoNum type="arabicPeriod" startAt="3"/>
-            </a:pPr>
-            <a:r>
-              <a:rPr lang="ja-JP" altLang="en-US" sz="4800" dirty="0" smtClean="0"/>
-              <a:t>デモの質疑まとめ </a:t>
-            </a:r>
-            <a:r>
-              <a:rPr lang="en-US" altLang="ja-JP" sz="4800" dirty="0" smtClean="0"/>
-              <a:t>(2)</a:t>
-            </a:r>
-            <a:endParaRPr lang="ja-JP" altLang="en-US" sz="4800" dirty="0"/>
-          </a:p>
-        </p:txBody>
-      </p:sp>
-      <p:sp>
-        <p:nvSpPr>
-          <p:cNvPr id="4" name="正方形/長方形 3"/>
-          <p:cNvSpPr/>
-          <p:nvPr/>
-        </p:nvSpPr>
-        <p:spPr>
-          <a:xfrm>
-            <a:off x="0" y="847834"/>
-            <a:ext cx="11540067" cy="5755422"/>
-          </a:xfrm>
-          <a:prstGeom prst="rect">
-            <a:avLst/>
-          </a:prstGeom>
-        </p:spPr>
-        <p:txBody>
-          <a:bodyPr wrap="square">
-            <a:spAutoFit/>
-          </a:bodyPr>
-          <a:lstStyle/>
-          <a:p>
-            <a:pPr lvl="0" algn="just">
-              <a:spcAft>
-                <a:spcPts val="0"/>
-              </a:spcAft>
-            </a:pPr>
-            <a:r>
-              <a:rPr lang="ja-JP" altLang="en-US" sz="1600" kern="100" dirty="0">
-                <a:latin typeface="HGPｺﾞｼｯｸE" panose="020B0900000000000000" pitchFamily="50" charset="-128"/>
-                <a:ea typeface="HGPｺﾞｼｯｸE" panose="020B0900000000000000" pitchFamily="50" charset="-128"/>
-                <a:cs typeface="Times New Roman" charset="0"/>
-              </a:rPr>
-              <a:t>③</a:t>
-            </a:r>
-            <a:r>
-              <a:rPr lang="ja-JP" altLang="en-US" sz="1600" kern="100" dirty="0" smtClean="0">
-                <a:effectLst/>
-                <a:latin typeface="HGPGothicE" charset="-128"/>
-                <a:ea typeface="Yu Mincho" charset="-128"/>
-                <a:cs typeface="Times New Roman" charset="0"/>
-              </a:rPr>
-              <a:t>　</a:t>
-            </a:r>
-            <a:r>
-              <a:rPr lang="en-US" altLang="ja-JP" sz="1600" kern="100" dirty="0" err="1">
-                <a:latin typeface="HGPGothicE" charset="-128"/>
-                <a:ea typeface="Yu Mincho" charset="-128"/>
-                <a:cs typeface="Times New Roman" charset="0"/>
-              </a:rPr>
-              <a:t>d</a:t>
-            </a:r>
-            <a:r>
-              <a:rPr lang="en-US" altLang="ja-JP" sz="1600" kern="100" dirty="0" err="1" smtClean="0">
-                <a:effectLst/>
-                <a:latin typeface="HGPGothicE" charset="-128"/>
-                <a:ea typeface="Yu Mincho" charset="-128"/>
-                <a:cs typeface="Times New Roman" charset="0"/>
-              </a:rPr>
-              <a:t>ocker</a:t>
-            </a:r>
-            <a:r>
-              <a:rPr lang="ja-JP" altLang="ja-JP" sz="1600" kern="100" dirty="0" smtClean="0">
-                <a:effectLst/>
-                <a:latin typeface="Yu Mincho" charset="-128"/>
-                <a:ea typeface="HGPGothicE" charset="-128"/>
-                <a:cs typeface="Times New Roman" charset="0"/>
-              </a:rPr>
-              <a:t>コンテナに割り当てる</a:t>
-            </a:r>
-            <a:r>
-              <a:rPr lang="en-US" altLang="ja-JP" sz="1600" kern="100" dirty="0" smtClean="0">
-                <a:effectLst/>
-                <a:latin typeface="Yu Mincho" charset="-128"/>
-                <a:ea typeface="HGPGothicE" charset="-128"/>
-                <a:cs typeface="Times New Roman" charset="0"/>
-              </a:rPr>
-              <a:t>Docker</a:t>
-            </a:r>
-            <a:r>
-              <a:rPr lang="ja-JP" altLang="ja-JP" sz="1600" kern="100" dirty="0" smtClean="0">
-                <a:effectLst/>
-                <a:latin typeface="Yu Mincho" charset="-128"/>
-                <a:ea typeface="HGPGothicE" charset="-128"/>
-                <a:cs typeface="Times New Roman" charset="0"/>
-              </a:rPr>
-              <a:t>ホストのポートはどのように決定している？</a:t>
-            </a:r>
-            <a:endParaRPr lang="ja-JP" altLang="ja-JP" sz="1600" kern="100" dirty="0" smtClean="0">
-              <a:effectLst/>
-              <a:latin typeface="Yu Mincho" charset="-128"/>
-              <a:ea typeface="Yu Mincho" charset="-128"/>
-              <a:cs typeface="Times New Roman" charset="0"/>
-            </a:endParaRPr>
-          </a:p>
-          <a:p>
-            <a:pPr marL="742950" lvl="1" indent="-285750" algn="just">
-              <a:spcAft>
-                <a:spcPts val="0"/>
-              </a:spcAft>
-              <a:buFont typeface="Wingdings" charset="2"/>
-              <a:buChar char=""/>
-            </a:pPr>
-            <a:r>
-              <a:rPr lang="en-US" altLang="ja-JP" sz="1600" kern="100" dirty="0" err="1" smtClean="0">
-                <a:effectLst/>
-                <a:latin typeface="HGPGothicE" charset="-128"/>
-                <a:ea typeface="Yu Mincho" charset="-128"/>
-                <a:cs typeface="Times New Roman" charset="0"/>
-              </a:rPr>
-              <a:t>restAPI</a:t>
-            </a:r>
-            <a:r>
-              <a:rPr lang="ja-JP" altLang="ja-JP" sz="1600" kern="100" dirty="0" smtClean="0">
-                <a:effectLst/>
-                <a:latin typeface="Yu Mincho" charset="-128"/>
-                <a:ea typeface="HGPGothicE" charset="-128"/>
-                <a:cs typeface="Times New Roman" charset="0"/>
-              </a:rPr>
-              <a:t>を使うと</a:t>
-            </a:r>
-            <a:r>
-              <a:rPr lang="en-US" altLang="ja-JP" sz="1600" kern="100" dirty="0" smtClean="0">
-                <a:effectLst/>
-                <a:latin typeface="Yu Mincho" charset="-128"/>
-                <a:ea typeface="HGPGothicE" charset="-128"/>
-                <a:cs typeface="Times New Roman" charset="0"/>
-              </a:rPr>
-              <a:t>Docker</a:t>
-            </a:r>
-            <a:r>
-              <a:rPr lang="ja-JP" altLang="ja-JP" sz="1600" kern="100" dirty="0" smtClean="0">
-                <a:effectLst/>
-                <a:latin typeface="Yu Mincho" charset="-128"/>
-                <a:ea typeface="HGPGothicE" charset="-128"/>
-                <a:cs typeface="Times New Roman" charset="0"/>
-              </a:rPr>
-              <a:t>ホストが作成したコンテナにポート番号を自動で割り当てる．そのポート番号をクライアントに通知する．</a:t>
-            </a:r>
-            <a:endParaRPr lang="ja-JP" altLang="ja-JP" sz="1600" kern="100" dirty="0" smtClean="0">
-              <a:effectLst/>
-              <a:latin typeface="Yu Mincho" charset="-128"/>
-              <a:ea typeface="Yu Mincho" charset="-128"/>
-              <a:cs typeface="Times New Roman" charset="0"/>
-            </a:endParaRPr>
-          </a:p>
-          <a:p>
-            <a:pPr marL="342900" lvl="0" indent="-342900" algn="just">
-              <a:spcAft>
-                <a:spcPts val="0"/>
-              </a:spcAft>
-              <a:buFont typeface="+mj-lt"/>
-              <a:buAutoNum type="circleNumDbPlain"/>
-            </a:pPr>
-            <a:endParaRPr lang="en-US" altLang="ja-JP" sz="1600" kern="100" dirty="0" smtClean="0">
-              <a:effectLst/>
-              <a:latin typeface="Yu Mincho" charset="-128"/>
-              <a:ea typeface="HGPGothicE" charset="-128"/>
-              <a:cs typeface="Times New Roman" charset="0"/>
-            </a:endParaRPr>
-          </a:p>
-          <a:p>
-            <a:pPr lvl="0" algn="just">
-              <a:spcAft>
-                <a:spcPts val="0"/>
-              </a:spcAft>
-            </a:pPr>
-            <a:r>
-              <a:rPr lang="ja-JP" altLang="en-US" sz="1600" kern="100" dirty="0">
-                <a:latin typeface="Yu Mincho" charset="-128"/>
-                <a:ea typeface="HGPGothicE" charset="-128"/>
-                <a:cs typeface="Times New Roman" charset="0"/>
-              </a:rPr>
-              <a:t>④</a:t>
-            </a:r>
-            <a:r>
-              <a:rPr lang="ja-JP" altLang="en-US" sz="1600" kern="100" dirty="0" smtClean="0">
-                <a:effectLst/>
-                <a:latin typeface="Yu Mincho" charset="-128"/>
-                <a:ea typeface="HGPGothicE" charset="-128"/>
-                <a:cs typeface="Times New Roman" charset="0"/>
-              </a:rPr>
-              <a:t>　</a:t>
-            </a:r>
-            <a:r>
-              <a:rPr lang="ja-JP" altLang="ja-JP" sz="1600" kern="100" dirty="0" smtClean="0">
-                <a:effectLst/>
-                <a:latin typeface="Yu Mincho" charset="-128"/>
-                <a:ea typeface="HGPGothicE" charset="-128"/>
-                <a:cs typeface="Times New Roman" charset="0"/>
-              </a:rPr>
-              <a:t>アクセス制限はどのように実装している？</a:t>
-            </a:r>
-            <a:r>
-              <a:rPr lang="en-US" altLang="ja-JP" sz="1600" kern="100" dirty="0" err="1" smtClean="0">
-                <a:effectLst/>
-                <a:latin typeface="Yu Mincho" charset="-128"/>
-                <a:ea typeface="HGPGothicE" charset="-128"/>
-                <a:cs typeface="Times New Roman" charset="0"/>
-              </a:rPr>
-              <a:t>PacketIn</a:t>
-            </a:r>
-            <a:r>
-              <a:rPr lang="ja-JP" altLang="ja-JP" sz="1600" kern="100" dirty="0" smtClean="0">
-                <a:effectLst/>
-                <a:latin typeface="Yu Mincho" charset="-128"/>
-                <a:ea typeface="HGPGothicE" charset="-128"/>
-                <a:cs typeface="Times New Roman" charset="0"/>
-              </a:rPr>
-              <a:t>でアクセスを判定している？</a:t>
-            </a:r>
-            <a:endParaRPr lang="ja-JP" altLang="ja-JP" sz="1600" kern="100" dirty="0" smtClean="0">
-              <a:effectLst/>
-              <a:latin typeface="Yu Mincho" charset="-128"/>
-              <a:ea typeface="Yu Mincho" charset="-128"/>
-              <a:cs typeface="Times New Roman" charset="0"/>
-            </a:endParaRPr>
-          </a:p>
-          <a:p>
-            <a:pPr marL="742950" lvl="1" indent="-285750" algn="just">
-              <a:spcAft>
-                <a:spcPts val="0"/>
-              </a:spcAft>
-              <a:buFont typeface="Wingdings" charset="2"/>
-              <a:buChar char=""/>
-            </a:pPr>
-            <a:r>
-              <a:rPr lang="ja-JP" altLang="ja-JP" sz="1600" kern="100" dirty="0" smtClean="0">
-                <a:effectLst/>
-                <a:latin typeface="Yu Mincho" charset="-128"/>
-                <a:ea typeface="HGPGothicE" charset="-128"/>
-                <a:cs typeface="Times New Roman" charset="0"/>
-              </a:rPr>
-              <a:t>アクセスが発生するごとに直近の</a:t>
-            </a:r>
-            <a:r>
-              <a:rPr lang="en-US" altLang="ja-JP" sz="1600" kern="100" dirty="0" smtClean="0">
-                <a:effectLst/>
-                <a:latin typeface="Yu Mincho" charset="-128"/>
-                <a:ea typeface="HGPGothicE" charset="-128"/>
-                <a:cs typeface="Times New Roman" charset="0"/>
-              </a:rPr>
-              <a:t>T[s]</a:t>
-            </a:r>
-            <a:r>
-              <a:rPr lang="ja-JP" altLang="ja-JP" sz="1600" kern="100" dirty="0" smtClean="0">
-                <a:effectLst/>
-                <a:latin typeface="Yu Mincho" charset="-128"/>
-                <a:ea typeface="HGPGothicE" charset="-128"/>
-                <a:cs typeface="Times New Roman" charset="0"/>
-              </a:rPr>
-              <a:t>間をみて</a:t>
-            </a:r>
-            <a:r>
-              <a:rPr lang="en-US" altLang="ja-JP" sz="1600" kern="100" dirty="0" smtClean="0">
-                <a:effectLst/>
-                <a:latin typeface="Yu Mincho" charset="-128"/>
-                <a:ea typeface="HGPGothicE" charset="-128"/>
-                <a:cs typeface="Times New Roman" charset="0"/>
-              </a:rPr>
-              <a:t>,n</a:t>
-            </a:r>
-            <a:r>
-              <a:rPr lang="ja-JP" altLang="ja-JP" sz="1600" kern="100" dirty="0" smtClean="0">
-                <a:effectLst/>
-                <a:latin typeface="Yu Mincho" charset="-128"/>
-                <a:ea typeface="HGPGothicE" charset="-128"/>
-                <a:cs typeface="Times New Roman" charset="0"/>
-              </a:rPr>
-              <a:t>回アクセスが発生しているか確認する．</a:t>
-            </a:r>
-            <a:r>
-              <a:rPr lang="en-US" altLang="ja-JP" sz="1600" kern="100" dirty="0" err="1" smtClean="0">
-                <a:effectLst/>
-                <a:latin typeface="Yu Mincho" charset="-128"/>
-                <a:ea typeface="HGPGothicE" charset="-128"/>
-                <a:cs typeface="Times New Roman" charset="0"/>
-              </a:rPr>
-              <a:t>PacketIn</a:t>
-            </a:r>
-            <a:r>
-              <a:rPr lang="ja-JP" altLang="ja-JP" sz="1600" kern="100" dirty="0" smtClean="0">
-                <a:effectLst/>
-                <a:latin typeface="Yu Mincho" charset="-128"/>
-                <a:ea typeface="HGPGothicE" charset="-128"/>
-                <a:cs typeface="Times New Roman" charset="0"/>
-              </a:rPr>
-              <a:t>で判定している．</a:t>
-            </a:r>
-            <a:endParaRPr lang="en-US" altLang="ja-JP" sz="1600" kern="100" dirty="0">
-              <a:latin typeface="Yu Mincho" charset="-128"/>
-              <a:ea typeface="Yu Mincho" charset="-128"/>
-              <a:cs typeface="Times New Roman" charset="0"/>
-            </a:endParaRPr>
-          </a:p>
-          <a:p>
-            <a:pPr lvl="1" algn="just">
-              <a:spcAft>
-                <a:spcPts val="0"/>
-              </a:spcAft>
-            </a:pPr>
-            <a:endParaRPr lang="en-US" altLang="ja-JP" sz="1600" kern="100" dirty="0" smtClean="0">
-              <a:effectLst/>
-              <a:latin typeface="HGPGothicE" charset="-128"/>
-              <a:ea typeface="Yu Mincho" charset="-128"/>
-              <a:cs typeface="Times New Roman" charset="0"/>
-            </a:endParaRPr>
-          </a:p>
-          <a:p>
-            <a:pPr lvl="0" algn="just">
-              <a:spcAft>
-                <a:spcPts val="0"/>
-              </a:spcAft>
-            </a:pPr>
-            <a:r>
-              <a:rPr lang="ja-JP" altLang="en-US" sz="1600" kern="100" dirty="0">
-                <a:latin typeface="HGSｺﾞｼｯｸE" panose="020B0900000000000000" pitchFamily="50" charset="-128"/>
-                <a:ea typeface="HGSｺﾞｼｯｸE" panose="020B0900000000000000" pitchFamily="50" charset="-128"/>
-                <a:cs typeface="Times New Roman" charset="0"/>
-              </a:rPr>
-              <a:t>⑤</a:t>
-            </a:r>
-            <a:r>
-              <a:rPr lang="ja-JP" altLang="en-US" sz="1600" kern="100" dirty="0" smtClean="0">
-                <a:effectLst/>
-                <a:latin typeface="HGPGothicE" charset="-128"/>
-                <a:ea typeface="Yu Mincho" charset="-128"/>
-                <a:cs typeface="Times New Roman" charset="0"/>
-              </a:rPr>
-              <a:t>　</a:t>
-            </a:r>
-            <a:r>
-              <a:rPr lang="en-US" altLang="ja-JP" sz="1600" kern="100" dirty="0" err="1" smtClean="0">
-                <a:latin typeface="HGPGothicE" charset="-128"/>
-                <a:ea typeface="Yu Mincho" charset="-128"/>
-                <a:cs typeface="Times New Roman" charset="0"/>
-              </a:rPr>
-              <a:t>PacketIn</a:t>
-            </a:r>
-            <a:r>
-              <a:rPr lang="en-US" altLang="ja-JP" sz="1600" kern="100" dirty="0" smtClean="0">
-                <a:latin typeface="HGPGothicE" charset="-128"/>
-                <a:ea typeface="Yu Mincho" charset="-128"/>
-                <a:cs typeface="Times New Roman" charset="0"/>
-              </a:rPr>
-              <a:t> </a:t>
-            </a:r>
-            <a:r>
-              <a:rPr lang="ja-JP" altLang="ja-JP" sz="1600" kern="100" dirty="0" smtClean="0">
-                <a:effectLst/>
-                <a:latin typeface="Yu Mincho" charset="-128"/>
-                <a:ea typeface="HGPGothicE" charset="-128"/>
-                <a:cs typeface="Times New Roman" charset="0"/>
-              </a:rPr>
-              <a:t>を毎回するなら時間がかかるので，</a:t>
-            </a:r>
-            <a:r>
-              <a:rPr lang="en-US" altLang="ja-JP" sz="1600" kern="100" dirty="0" err="1" smtClean="0">
-                <a:effectLst/>
-                <a:latin typeface="Yu Mincho" charset="-128"/>
-                <a:ea typeface="HGPGothicE" charset="-128"/>
-                <a:cs typeface="Times New Roman" charset="0"/>
-              </a:rPr>
-              <a:t>OpenFlow</a:t>
-            </a:r>
-            <a:r>
-              <a:rPr lang="ja-JP" altLang="ja-JP" sz="1600" kern="100" dirty="0" smtClean="0">
-                <a:effectLst/>
-                <a:latin typeface="Yu Mincho" charset="-128"/>
-                <a:ea typeface="HGPGothicE" charset="-128"/>
-                <a:cs typeface="Times New Roman" charset="0"/>
-              </a:rPr>
-              <a:t>の良さがないのではないか？</a:t>
-            </a:r>
-            <a:endParaRPr lang="ja-JP" altLang="ja-JP" sz="1600" kern="100" dirty="0" smtClean="0">
-              <a:effectLst/>
-              <a:latin typeface="Yu Mincho" charset="-128"/>
-              <a:ea typeface="Yu Mincho" charset="-128"/>
-              <a:cs typeface="Times New Roman" charset="0"/>
-            </a:endParaRPr>
-          </a:p>
-          <a:p>
-            <a:pPr marL="742950" lvl="1" indent="-285750" algn="just">
-              <a:buFont typeface="Wingdings" panose="05000000000000000000" pitchFamily="2" charset="2"/>
-              <a:buChar char="Ø"/>
-            </a:pPr>
-            <a:r>
-              <a:rPr lang="ja-JP" altLang="en-US" sz="1600" kern="100" dirty="0" smtClean="0">
-                <a:latin typeface="Yu Mincho" charset="-128"/>
-                <a:ea typeface="HGPGothicE" charset="-128"/>
-                <a:cs typeface="Times New Roman" charset="0"/>
-              </a:rPr>
-              <a:t>フローテーブルを用いる場合と比較するとより多くの時間がかかるのは確かである．しかし，</a:t>
-            </a:r>
-            <a:r>
-              <a:rPr lang="en-US" altLang="ja-JP" sz="1600" kern="100" dirty="0">
-                <a:latin typeface="HGPGothicE" charset="-128"/>
-                <a:ea typeface="Yu Mincho" charset="-128"/>
-                <a:cs typeface="Times New Roman" charset="0"/>
-              </a:rPr>
-              <a:t> </a:t>
-            </a:r>
-            <a:r>
-              <a:rPr lang="en-US" altLang="ja-JP" sz="1600" kern="100" dirty="0" err="1" smtClean="0">
-                <a:latin typeface="HGPGothicE" charset="-128"/>
-                <a:ea typeface="Yu Mincho" charset="-128"/>
-                <a:cs typeface="Times New Roman" charset="0"/>
-              </a:rPr>
-              <a:t>PacketIn</a:t>
-            </a:r>
-            <a:r>
-              <a:rPr lang="ja-JP" altLang="en-US" sz="1600" kern="100" dirty="0" smtClean="0">
-                <a:latin typeface="Yu Mincho" charset="-128"/>
-                <a:ea typeface="HGPGothicE" charset="-128"/>
-                <a:cs typeface="Times New Roman" charset="0"/>
-              </a:rPr>
-              <a:t>ハンドラを編集することで，スイッチに届いたパケットを，</a:t>
-            </a:r>
-            <a:r>
-              <a:rPr lang="en-US" altLang="ja-JP" sz="1600" kern="100" dirty="0" smtClean="0">
-                <a:latin typeface="Yu Mincho" charset="-128"/>
-                <a:ea typeface="HGPGothicE" charset="-128"/>
-                <a:cs typeface="Times New Roman" charset="0"/>
-              </a:rPr>
-              <a:t>L2</a:t>
-            </a:r>
-            <a:r>
-              <a:rPr lang="ja-JP" altLang="en-US" sz="1600" kern="100" dirty="0" smtClean="0">
-                <a:latin typeface="Yu Mincho" charset="-128"/>
-                <a:ea typeface="HGPGothicE" charset="-128"/>
-                <a:cs typeface="Times New Roman" charset="0"/>
-              </a:rPr>
-              <a:t>レベルから</a:t>
-            </a:r>
-            <a:r>
-              <a:rPr lang="en-US" altLang="ja-JP" sz="1600" kern="100" dirty="0" smtClean="0">
-                <a:latin typeface="Yu Mincho" charset="-128"/>
-                <a:ea typeface="HGPGothicE" charset="-128"/>
-                <a:cs typeface="Times New Roman" charset="0"/>
-              </a:rPr>
-              <a:t>L4</a:t>
-            </a:r>
-            <a:r>
-              <a:rPr lang="ja-JP" altLang="en-US" sz="1600" kern="100" dirty="0" smtClean="0">
-                <a:latin typeface="Yu Mincho" charset="-128"/>
-                <a:ea typeface="HGPGothicE" charset="-128"/>
-                <a:cs typeface="Times New Roman" charset="0"/>
-              </a:rPr>
-              <a:t>レベルまで柔軟にかつプログラマブルに処理することが出来る．これは </a:t>
-            </a:r>
-            <a:r>
-              <a:rPr lang="en-US" altLang="ja-JP" sz="1600" kern="100" dirty="0" err="1" smtClean="0">
-                <a:latin typeface="Yu Mincho" charset="-128"/>
-                <a:ea typeface="HGPGothicE" charset="-128"/>
-                <a:cs typeface="Times New Roman" charset="0"/>
-              </a:rPr>
-              <a:t>OpenFlow</a:t>
-            </a:r>
-            <a:r>
-              <a:rPr lang="en-US" altLang="ja-JP" sz="1600" kern="100" dirty="0" smtClean="0">
-                <a:latin typeface="Yu Mincho" charset="-128"/>
-                <a:ea typeface="HGPGothicE" charset="-128"/>
-                <a:cs typeface="Times New Roman" charset="0"/>
-              </a:rPr>
-              <a:t> </a:t>
-            </a:r>
-            <a:r>
-              <a:rPr lang="ja-JP" altLang="en-US" sz="1600" kern="100" dirty="0" smtClean="0">
-                <a:latin typeface="Yu Mincho" charset="-128"/>
-                <a:ea typeface="HGPGothicE" charset="-128"/>
-                <a:cs typeface="Times New Roman" charset="0"/>
-              </a:rPr>
-              <a:t>のない従来のスイッチでは決して実装することのできない機能であり，この </a:t>
-            </a:r>
-            <a:r>
-              <a:rPr lang="en-US" altLang="ja-JP" sz="1600" kern="100" dirty="0" err="1" smtClean="0">
-                <a:latin typeface="Yu Mincho" charset="-128"/>
-                <a:ea typeface="HGPGothicE" charset="-128"/>
-                <a:cs typeface="Times New Roman" charset="0"/>
-              </a:rPr>
-              <a:t>PacketIn</a:t>
-            </a:r>
-            <a:r>
-              <a:rPr lang="en-US" altLang="ja-JP" sz="1600" kern="100" dirty="0" smtClean="0">
-                <a:latin typeface="Yu Mincho" charset="-128"/>
-                <a:ea typeface="HGPGothicE" charset="-128"/>
-                <a:cs typeface="Times New Roman" charset="0"/>
-              </a:rPr>
-              <a:t> </a:t>
-            </a:r>
-            <a:r>
-              <a:rPr lang="ja-JP" altLang="en-US" sz="1600" kern="100" dirty="0" smtClean="0">
-                <a:latin typeface="Yu Mincho" charset="-128"/>
-                <a:ea typeface="HGPGothicE" charset="-128"/>
-                <a:cs typeface="Times New Roman" charset="0"/>
-              </a:rPr>
-              <a:t>を駆使してスイッチ</a:t>
-            </a:r>
-            <a:r>
-              <a:rPr lang="ja-JP" altLang="en-US" sz="1600" kern="100" dirty="0">
-                <a:latin typeface="Yu Mincho" charset="-128"/>
-                <a:ea typeface="HGPGothicE" charset="-128"/>
-                <a:cs typeface="Times New Roman" charset="0"/>
-              </a:rPr>
-              <a:t>の</a:t>
-            </a:r>
-            <a:r>
-              <a:rPr lang="ja-JP" altLang="en-US" sz="1600" kern="100" dirty="0" smtClean="0">
-                <a:latin typeface="Yu Mincho" charset="-128"/>
-                <a:ea typeface="HGPGothicE" charset="-128"/>
-                <a:cs typeface="Times New Roman" charset="0"/>
-              </a:rPr>
-              <a:t>ソフトウェア的な挙動を実現している今回のコントローラはまさに </a:t>
-            </a:r>
-            <a:r>
-              <a:rPr lang="en-US" altLang="ja-JP" sz="1600" kern="100" dirty="0" smtClean="0">
-                <a:latin typeface="Yu Mincho" charset="-128"/>
-                <a:ea typeface="HGPGothicE" charset="-128"/>
-                <a:cs typeface="Times New Roman" charset="0"/>
-              </a:rPr>
-              <a:t>SDN </a:t>
-            </a:r>
-            <a:r>
-              <a:rPr lang="ja-JP" altLang="en-US" sz="1600" kern="100" dirty="0" smtClean="0">
-                <a:latin typeface="Yu Mincho" charset="-128"/>
-                <a:ea typeface="HGPGothicE" charset="-128"/>
-                <a:cs typeface="Times New Roman" charset="0"/>
-              </a:rPr>
-              <a:t>を体現するものとしてふさわしく， </a:t>
-            </a:r>
-            <a:r>
-              <a:rPr lang="en-US" altLang="ja-JP" sz="1600" kern="100" dirty="0" err="1" smtClean="0">
-                <a:latin typeface="Yu Mincho" charset="-128"/>
-                <a:ea typeface="HGPGothicE" charset="-128"/>
-                <a:cs typeface="Times New Roman" charset="0"/>
-              </a:rPr>
-              <a:t>OpenFlow</a:t>
-            </a:r>
-            <a:r>
-              <a:rPr lang="en-US" altLang="ja-JP" sz="1600" kern="100" dirty="0" smtClean="0">
-                <a:latin typeface="Yu Mincho" charset="-128"/>
-                <a:ea typeface="HGPGothicE" charset="-128"/>
-                <a:cs typeface="Times New Roman" charset="0"/>
-              </a:rPr>
-              <a:t> </a:t>
-            </a:r>
-            <a:r>
-              <a:rPr lang="ja-JP" altLang="en-US" sz="1600" kern="100" dirty="0" smtClean="0">
-                <a:latin typeface="Yu Mincho" charset="-128"/>
-                <a:ea typeface="HGPGothicE" charset="-128"/>
-                <a:cs typeface="Times New Roman" charset="0"/>
-              </a:rPr>
-              <a:t>の良さを充分に生かしている．なお，今回講義にて提供されたコントローラのプログラム </a:t>
-            </a:r>
-            <a:r>
-              <a:rPr lang="en-US" altLang="ja-JP" sz="1600" kern="100" dirty="0" smtClean="0">
-                <a:latin typeface="Yu Mincho" charset="-128"/>
-                <a:ea typeface="HGPGothicE" charset="-128"/>
-                <a:cs typeface="Times New Roman" charset="0"/>
-              </a:rPr>
-              <a:t>(</a:t>
-            </a:r>
-            <a:r>
-              <a:rPr lang="en-US" altLang="ja-JP" sz="1600" kern="100" dirty="0" err="1" smtClean="0">
-                <a:latin typeface="Yu Mincho" charset="-128"/>
-                <a:ea typeface="HGPGothicE" charset="-128"/>
-                <a:cs typeface="Times New Roman" charset="0"/>
-              </a:rPr>
-              <a:t>simple_router</a:t>
-            </a:r>
-            <a:r>
-              <a:rPr lang="en-US" altLang="ja-JP" sz="1600" kern="100" dirty="0" smtClean="0">
-                <a:latin typeface="Yu Mincho" charset="-128"/>
-                <a:ea typeface="HGPGothicE" charset="-128"/>
-                <a:cs typeface="Times New Roman" charset="0"/>
-              </a:rPr>
-              <a:t>, </a:t>
-            </a:r>
-            <a:r>
-              <a:rPr lang="en-US" altLang="ja-JP" sz="1600" kern="100" dirty="0" err="1" smtClean="0">
-                <a:latin typeface="Yu Mincho" charset="-128"/>
-                <a:ea typeface="HGPGothicE" charset="-128"/>
-                <a:cs typeface="Times New Roman" charset="0"/>
-              </a:rPr>
-              <a:t>routing_switch</a:t>
-            </a:r>
-            <a:r>
-              <a:rPr lang="en-US" altLang="ja-JP" sz="1600" kern="100" dirty="0" smtClean="0">
-                <a:latin typeface="Yu Mincho" charset="-128"/>
-                <a:ea typeface="HGPGothicE" charset="-128"/>
-                <a:cs typeface="Times New Roman" charset="0"/>
-              </a:rPr>
-              <a:t>) </a:t>
-            </a:r>
-            <a:r>
-              <a:rPr lang="ja-JP" altLang="en-US" sz="1600" kern="100" dirty="0" smtClean="0">
-                <a:latin typeface="Yu Mincho" charset="-128"/>
-                <a:ea typeface="HGPGothicE" charset="-128"/>
-                <a:cs typeface="Times New Roman" charset="0"/>
-              </a:rPr>
-              <a:t>は，少なくとも実機での動作においては，毎回 </a:t>
-            </a:r>
-            <a:r>
-              <a:rPr lang="en-US" altLang="ja-JP" sz="1600" kern="100" dirty="0" err="1" smtClean="0">
-                <a:latin typeface="Yu Mincho" charset="-128"/>
-                <a:ea typeface="HGPGothicE" charset="-128"/>
-                <a:cs typeface="Times New Roman" charset="0"/>
-              </a:rPr>
-              <a:t>PacketIn</a:t>
-            </a:r>
-            <a:r>
-              <a:rPr lang="en-US" altLang="ja-JP" sz="1600" kern="100" dirty="0" smtClean="0">
-                <a:latin typeface="Yu Mincho" charset="-128"/>
-                <a:ea typeface="HGPGothicE" charset="-128"/>
-                <a:cs typeface="Times New Roman" charset="0"/>
-              </a:rPr>
-              <a:t> </a:t>
-            </a:r>
-            <a:r>
-              <a:rPr lang="ja-JP" altLang="en-US" sz="1600" kern="100" dirty="0" smtClean="0">
-                <a:latin typeface="Yu Mincho" charset="-128"/>
-                <a:ea typeface="HGPGothicE" charset="-128"/>
-                <a:cs typeface="Times New Roman" charset="0"/>
-              </a:rPr>
-              <a:t>を発生させてパケットを処理していた．</a:t>
-            </a:r>
-            <a:r>
-              <a:rPr lang="en-US" altLang="ja-JP" sz="1600" kern="100" dirty="0" err="1" smtClean="0">
-                <a:latin typeface="Yu Mincho" charset="-128"/>
-                <a:ea typeface="HGPGothicE" charset="-128"/>
-                <a:cs typeface="Times New Roman" charset="0"/>
-              </a:rPr>
-              <a:t>routing_switch</a:t>
-            </a:r>
-            <a:r>
-              <a:rPr lang="en-US" altLang="ja-JP" sz="1600" kern="100" dirty="0" smtClean="0">
-                <a:latin typeface="Yu Mincho" charset="-128"/>
-                <a:ea typeface="HGPGothicE" charset="-128"/>
-                <a:cs typeface="Times New Roman" charset="0"/>
-              </a:rPr>
-              <a:t> </a:t>
-            </a:r>
-            <a:r>
-              <a:rPr lang="ja-JP" altLang="en-US" sz="1600" kern="100" dirty="0" smtClean="0">
-                <a:latin typeface="Yu Mincho" charset="-128"/>
-                <a:ea typeface="HGPGothicE" charset="-128"/>
-                <a:cs typeface="Times New Roman" charset="0"/>
-              </a:rPr>
-              <a:t>に至ってはそもそも </a:t>
-            </a:r>
-            <a:r>
-              <a:rPr lang="en-US" altLang="ja-JP" sz="1600" kern="100" dirty="0" err="1" smtClean="0">
-                <a:latin typeface="Yu Mincho" charset="-128"/>
-                <a:ea typeface="HGPGothicE" charset="-128"/>
-                <a:cs typeface="Times New Roman" charset="0"/>
-              </a:rPr>
-              <a:t>FlowMod</a:t>
-            </a:r>
-            <a:r>
-              <a:rPr lang="en-US" altLang="ja-JP" sz="1600" kern="100" dirty="0" smtClean="0">
-                <a:latin typeface="Yu Mincho" charset="-128"/>
-                <a:ea typeface="HGPGothicE" charset="-128"/>
-                <a:cs typeface="Times New Roman" charset="0"/>
-              </a:rPr>
-              <a:t> </a:t>
-            </a:r>
-            <a:r>
-              <a:rPr lang="ja-JP" altLang="en-US" sz="1600" kern="100" dirty="0" smtClean="0">
-                <a:latin typeface="Yu Mincho" charset="-128"/>
-                <a:ea typeface="HGPGothicE" charset="-128"/>
-                <a:cs typeface="Times New Roman" charset="0"/>
-              </a:rPr>
-              <a:t>を追加する処理が記載されていない．なので，当質問での指摘を適用すると，上記コントローラは </a:t>
-            </a:r>
-            <a:r>
-              <a:rPr lang="en-US" altLang="ja-JP" sz="1600" kern="100" dirty="0" err="1" smtClean="0">
-                <a:latin typeface="Yu Mincho" charset="-128"/>
-                <a:ea typeface="HGPGothicE" charset="-128"/>
-                <a:cs typeface="Times New Roman" charset="0"/>
-              </a:rPr>
-              <a:t>OpenFlow</a:t>
-            </a:r>
-            <a:r>
-              <a:rPr lang="en-US" altLang="ja-JP" sz="1600" kern="100" dirty="0" smtClean="0">
-                <a:latin typeface="Yu Mincho" charset="-128"/>
-                <a:ea typeface="HGPGothicE" charset="-128"/>
-                <a:cs typeface="Times New Roman" charset="0"/>
-              </a:rPr>
-              <a:t> </a:t>
-            </a:r>
-            <a:r>
-              <a:rPr lang="ja-JP" altLang="en-US" sz="1600" kern="100" dirty="0" smtClean="0">
-                <a:latin typeface="Yu Mincho" charset="-128"/>
-                <a:ea typeface="HGPGothicE" charset="-128"/>
-                <a:cs typeface="Times New Roman" charset="0"/>
-              </a:rPr>
-              <a:t>の良さを生かせていない欠陥品であり，教員は学生に対して欠陥プログラムを提供していたということになる．また， </a:t>
-            </a:r>
-            <a:r>
-              <a:rPr lang="en-US" altLang="ja-JP" sz="1600" kern="100" dirty="0" err="1" smtClean="0">
-                <a:latin typeface="Yu Mincho" charset="-128"/>
-                <a:ea typeface="HGPGothicE" charset="-128"/>
-                <a:cs typeface="Times New Roman" charset="0"/>
-              </a:rPr>
-              <a:t>OpenFlow</a:t>
-            </a:r>
-            <a:r>
-              <a:rPr lang="en-US" altLang="ja-JP" sz="1600" kern="100" dirty="0" smtClean="0">
-                <a:latin typeface="Yu Mincho" charset="-128"/>
-                <a:ea typeface="HGPGothicE" charset="-128"/>
-                <a:cs typeface="Times New Roman" charset="0"/>
-              </a:rPr>
-              <a:t> </a:t>
-            </a:r>
-            <a:r>
-              <a:rPr lang="ja-JP" altLang="en-US" sz="1600" kern="100" dirty="0" smtClean="0">
-                <a:latin typeface="Yu Mincho" charset="-128"/>
-                <a:ea typeface="HGPGothicE" charset="-128"/>
-                <a:cs typeface="Times New Roman" charset="0"/>
-              </a:rPr>
-              <a:t>の良さを生かしたものを作成することを要求したいのであれば，その旨の要件を仕様に明記するべきであり，これを行わなかったのは教員側のコミュニケーション不足の表れである．上記２点を鑑みると，学生 （彼はおそらくフローエントリを十二分に生かしたコントローラを実装していたであろう．デモでその雄姿を見せることなくコントローラが落ちてしまったのは大変残念である．完全無二な </a:t>
-            </a:r>
-            <a:r>
-              <a:rPr lang="en-US" altLang="ja-JP" sz="1600" kern="100" dirty="0" smtClean="0">
-                <a:latin typeface="Yu Mincho" charset="-128"/>
-                <a:ea typeface="HGPGothicE" charset="-128"/>
-                <a:cs typeface="Times New Roman" charset="0"/>
-              </a:rPr>
-              <a:t>IaaS </a:t>
-            </a:r>
-            <a:r>
-              <a:rPr lang="ja-JP" altLang="en-US" sz="1600" kern="100" dirty="0" smtClean="0">
-                <a:latin typeface="Yu Mincho" charset="-128"/>
-                <a:ea typeface="HGPGothicE" charset="-128"/>
-                <a:cs typeface="Times New Roman" charset="0"/>
-              </a:rPr>
-              <a:t>が動作し，求められている仕様</a:t>
-            </a:r>
-            <a:r>
-              <a:rPr lang="ja-JP" altLang="en-US" sz="1600" kern="100" dirty="0">
-                <a:latin typeface="Yu Mincho" charset="-128"/>
-                <a:ea typeface="HGPGothicE" charset="-128"/>
-                <a:cs typeface="Times New Roman" charset="0"/>
-              </a:rPr>
-              <a:t>を</a:t>
-            </a:r>
-            <a:r>
-              <a:rPr lang="ja-JP" altLang="en-US" sz="1600" kern="100" dirty="0" smtClean="0">
-                <a:latin typeface="Yu Mincho" charset="-128"/>
-                <a:ea typeface="HGPGothicE" charset="-128"/>
-                <a:cs typeface="Times New Roman" charset="0"/>
-              </a:rPr>
-              <a:t>満たして稼働している様を是非とも拝見したかった） はともかく，教員が当質問のような指摘を行う資格を有しているとは到底考えられない．</a:t>
-            </a:r>
-            <a:endParaRPr lang="en-US" altLang="ja-JP" sz="1600" kern="100" dirty="0">
-              <a:latin typeface="HGPGothicE" charset="-128"/>
-              <a:ea typeface="Yu Mincho" charset="-128"/>
-              <a:cs typeface="Times New Roman" charset="0"/>
-            </a:endParaRPr>
-          </a:p>
-          <a:p>
-            <a:pPr lvl="1" algn="just"/>
-            <a:endParaRPr lang="en-US" altLang="ja-JP" sz="1600" kern="100" dirty="0">
-              <a:latin typeface="HGPGothicE" charset="-128"/>
-              <a:ea typeface="Yu Mincho" charset="-128"/>
-              <a:cs typeface="Times New Roman" charset="0"/>
-            </a:endParaRPr>
-          </a:p>
-          <a:p>
-            <a:pPr lvl="1" algn="just"/>
-            <a:r>
-              <a:rPr lang="ja-JP" altLang="ja-JP" sz="1600" kern="100" dirty="0" smtClean="0">
-                <a:effectLst/>
-                <a:latin typeface="Yu Mincho" charset="-128"/>
-                <a:ea typeface="HGPGothicE" charset="-128"/>
-                <a:cs typeface="Times New Roman" charset="0"/>
-              </a:rPr>
-              <a:t>コメント</a:t>
-            </a:r>
-            <a:endParaRPr lang="ja-JP" altLang="ja-JP" sz="1600" kern="100" dirty="0" smtClean="0">
-              <a:effectLst/>
-              <a:latin typeface="Yu Mincho" charset="-128"/>
-              <a:ea typeface="Yu Mincho" charset="-128"/>
-              <a:cs typeface="Times New Roman" charset="0"/>
-            </a:endParaRPr>
-          </a:p>
-          <a:p>
-            <a:pPr marL="1257300" lvl="2" indent="-342900" algn="just">
-              <a:buFont typeface="HGPGothicE" charset="-128"/>
-              <a:buChar char="・"/>
-            </a:pPr>
-            <a:r>
-              <a:rPr lang="en-US" altLang="ja-JP" sz="1600" kern="100" dirty="0" err="1" smtClean="0">
-                <a:effectLst/>
-                <a:latin typeface="HGPGothicE" charset="-128"/>
-                <a:ea typeface="Yu Mincho" charset="-128"/>
-                <a:cs typeface="Times New Roman" charset="0"/>
-              </a:rPr>
-              <a:t>flowstats</a:t>
-            </a:r>
-            <a:r>
-              <a:rPr lang="ja-JP" altLang="ja-JP" sz="1600" kern="100" dirty="0" smtClean="0">
-                <a:effectLst/>
-                <a:latin typeface="Yu Mincho" charset="-128"/>
-                <a:ea typeface="HGPGothicE" charset="-128"/>
-                <a:cs typeface="Times New Roman" charset="0"/>
-              </a:rPr>
-              <a:t>でパケットの統計情報が見れるよ．</a:t>
-            </a:r>
-            <a:endParaRPr lang="ja-JP" altLang="ja-JP" sz="1600" kern="100" dirty="0">
-              <a:effectLst/>
-              <a:latin typeface="Yu Mincho" charset="-128"/>
-              <a:ea typeface="Yu Mincho" charset="-128"/>
-              <a:cs typeface="Times New Roman" charset="0"/>
-            </a:endParaRPr>
-          </a:p>
-        </p:txBody>
-      </p:sp>
-    </p:spTree>
-    <p:extLst>
-      <p:ext uri="{BB962C8B-B14F-4D97-AF65-F5344CB8AC3E}">
-        <p14:creationId xmlns:p14="http://schemas.microsoft.com/office/powerpoint/2010/main" val="1947018022"/>
-      </p:ext>
-    </p:extLst>
-  </p:cSld>
-  <p:clrMapOvr>
-    <a:masterClrMapping/>
-  </p:clrMapOvr>
-  <p:timing>
-    <p:tnLst>
-      <p:par>
-        <p:cTn id="1" dur="indefinite" restart="never" nodeType="tmRoot"/>
-      </p:par>
-    </p:tnLst>
-  </p:timing>
-</p:sld>
-</file>
-
-<file path=ppt/slides/slide12.xml><?xml version="1.0" encoding="utf-8"?>
-<p:sld xmlns:a="http://schemas.openxmlformats.org/drawingml/2006/main" xmlns:r="http://schemas.openxmlformats.org/officeDocument/2006/relationships" xmlns:p="http://schemas.openxmlformats.org/presentationml/2006/main">
-  <p:cSld>
-    <p:spTree>
-      <p:nvGrpSpPr>
-        <p:cNvPr id="1" name=""/>
-        <p:cNvGrpSpPr/>
-        <p:nvPr/>
-      </p:nvGrpSpPr>
-      <p:grpSpPr>
-        <a:xfrm>
-          <a:off x="0" y="0"/>
-          <a:ext cx="0" cy="0"/>
-          <a:chOff x="0" y="0"/>
-          <a:chExt cx="0" cy="0"/>
-        </a:xfrm>
-      </p:grpSpPr>
-      <p:sp>
-        <p:nvSpPr>
-          <p:cNvPr id="2" name="スライド番号プレースホルダー 1"/>
-          <p:cNvSpPr>
-            <a:spLocks noGrp="1"/>
-          </p:cNvSpPr>
-          <p:nvPr>
-            <p:ph type="sldNum" sz="quarter" idx="12"/>
-          </p:nvPr>
-        </p:nvSpPr>
-        <p:spPr/>
-        <p:txBody>
-          <a:bodyPr/>
-          <a:lstStyle/>
-          <a:p>
-            <a:fld id="{6CF45946-1F16-F342-BD1B-1EF94030CB33}" type="slidenum">
-              <a:rPr kumimoji="1" lang="ja-JP" altLang="en-US" smtClean="0"/>
-              <a:t>12</a:t>
-            </a:fld>
-            <a:endParaRPr kumimoji="1" lang="ja-JP" altLang="en-US"/>
-          </a:p>
-        </p:txBody>
-      </p:sp>
-      <p:sp>
-        <p:nvSpPr>
-          <p:cNvPr id="3" name="タイトル 1"/>
-          <p:cNvSpPr txBox="1">
-            <a:spLocks/>
-          </p:cNvSpPr>
-          <p:nvPr/>
-        </p:nvSpPr>
-        <p:spPr>
-          <a:xfrm>
-            <a:off x="838200" y="0"/>
-            <a:ext cx="10515600" cy="1094740"/>
-          </a:xfrm>
-          <a:prstGeom prst="rect">
-            <a:avLst/>
-          </a:prstGeom>
-        </p:spPr>
-        <p:txBody>
-          <a:bodyPr>
-            <a:normAutofit/>
-          </a:bodyPr>
-          <a:lstStyle>
-            <a:lvl1pPr algn="l" defTabSz="914400" rtl="0" eaLnBrk="1" latinLnBrk="0" hangingPunct="1">
-              <a:lnSpc>
-                <a:spcPct val="90000"/>
-              </a:lnSpc>
-              <a:spcBef>
-                <a:spcPct val="0"/>
-              </a:spcBef>
-              <a:buNone/>
-              <a:defRPr kumimoji="1" sz="4400" kern="1200">
-                <a:solidFill>
-                  <a:schemeClr val="tx1"/>
-                </a:solidFill>
-                <a:latin typeface="HGPGothicE" charset="-128"/>
-                <a:ea typeface="HGPGothicE" charset="-128"/>
-                <a:cs typeface="HGPGothicE" charset="-128"/>
-              </a:defRPr>
-            </a:lvl1pPr>
-          </a:lstStyle>
-          <a:p>
-            <a:pPr marL="914400" indent="-914400">
-              <a:buFont typeface="+mj-lt"/>
               <a:buAutoNum type="arabicPeriod" startAt="4"/>
             </a:pPr>
             <a:r>
@@ -5656,14 +5240,14 @@
                 <a:gridCol w="2373131">
                   <a:extLst>
                     <a:ext uri="{9D8B030D-6E8A-4147-A177-3AD203B41FA5}">
-                      <a16:colId xmlns="" xmlns:a16="http://schemas.microsoft.com/office/drawing/2014/main" val="20000"/>
+                      <a16:colId xmlns:a16="http://schemas.microsoft.com/office/drawing/2014/main" xmlns="" val="20000"/>
                     </a:ext>
                   </a:extLst>
                 </a:gridCol>
                 <a:gridCol w="3984996">
                   <a:extLst>
                     <a:ext uri="{9D8B030D-6E8A-4147-A177-3AD203B41FA5}">
-                      <a16:colId xmlns="" xmlns:a16="http://schemas.microsoft.com/office/drawing/2014/main" val="20001"/>
+                      <a16:colId xmlns:a16="http://schemas.microsoft.com/office/drawing/2014/main" xmlns="" val="20001"/>
                     </a:ext>
                   </a:extLst>
                 </a:gridCol>
@@ -5723,7 +5307,7 @@
                 </a:tc>
                 <a:extLst>
                   <a:ext uri="{0D108BD9-81ED-4DB2-BD59-A6C34878D82A}">
-                    <a16:rowId xmlns="" xmlns:a16="http://schemas.microsoft.com/office/drawing/2014/main" val="10000"/>
+                    <a16:rowId xmlns:a16="http://schemas.microsoft.com/office/drawing/2014/main" xmlns="" val="10000"/>
                   </a:ext>
                 </a:extLst>
               </a:tr>
@@ -5800,7 +5384,7 @@
                 </a:tc>
                 <a:extLst>
                   <a:ext uri="{0D108BD9-81ED-4DB2-BD59-A6C34878D82A}">
-                    <a16:rowId xmlns="" xmlns:a16="http://schemas.microsoft.com/office/drawing/2014/main" val="10001"/>
+                    <a16:rowId xmlns:a16="http://schemas.microsoft.com/office/drawing/2014/main" xmlns="" val="10001"/>
                   </a:ext>
                 </a:extLst>
               </a:tr>
@@ -5893,7 +5477,7 @@
                 </a:tc>
                 <a:extLst>
                   <a:ext uri="{0D108BD9-81ED-4DB2-BD59-A6C34878D82A}">
-                    <a16:rowId xmlns="" xmlns:a16="http://schemas.microsoft.com/office/drawing/2014/main" val="10002"/>
+                    <a16:rowId xmlns:a16="http://schemas.microsoft.com/office/drawing/2014/main" xmlns="" val="10002"/>
                   </a:ext>
                 </a:extLst>
               </a:tr>
@@ -5976,7 +5560,7 @@
                 </a:tc>
                 <a:extLst>
                   <a:ext uri="{0D108BD9-81ED-4DB2-BD59-A6C34878D82A}">
-                    <a16:rowId xmlns="" xmlns:a16="http://schemas.microsoft.com/office/drawing/2014/main" val="10004"/>
+                    <a16:rowId xmlns:a16="http://schemas.microsoft.com/office/drawing/2014/main" xmlns="" val="10004"/>
                   </a:ext>
                 </a:extLst>
               </a:tr>
@@ -6071,7 +5655,7 @@
                 </a:tc>
                 <a:extLst>
                   <a:ext uri="{0D108BD9-81ED-4DB2-BD59-A6C34878D82A}">
-                    <a16:rowId xmlns="" xmlns:a16="http://schemas.microsoft.com/office/drawing/2014/main" val="10005"/>
+                    <a16:rowId xmlns:a16="http://schemas.microsoft.com/office/drawing/2014/main" xmlns="" val="10005"/>
                   </a:ext>
                 </a:extLst>
               </a:tr>
@@ -6160,7 +5744,7 @@
                 </a:tc>
                 <a:extLst>
                   <a:ext uri="{0D108BD9-81ED-4DB2-BD59-A6C34878D82A}">
-                    <a16:rowId xmlns="" xmlns:a16="http://schemas.microsoft.com/office/drawing/2014/main" val="10006"/>
+                    <a16:rowId xmlns:a16="http://schemas.microsoft.com/office/drawing/2014/main" xmlns="" val="10006"/>
                   </a:ext>
                 </a:extLst>
               </a:tr>
@@ -6243,7 +5827,7 @@
                 </a:tc>
                 <a:extLst>
                   <a:ext uri="{0D108BD9-81ED-4DB2-BD59-A6C34878D82A}">
-                    <a16:rowId xmlns="" xmlns:a16="http://schemas.microsoft.com/office/drawing/2014/main" val="10007"/>
+                    <a16:rowId xmlns:a16="http://schemas.microsoft.com/office/drawing/2014/main" xmlns="" val="10007"/>
                   </a:ext>
                 </a:extLst>
               </a:tr>
@@ -6326,7 +5910,7 @@
                 </a:tc>
                 <a:extLst>
                   <a:ext uri="{0D108BD9-81ED-4DB2-BD59-A6C34878D82A}">
-                    <a16:rowId xmlns="" xmlns:a16="http://schemas.microsoft.com/office/drawing/2014/main" val="10008"/>
+                    <a16:rowId xmlns:a16="http://schemas.microsoft.com/office/drawing/2014/main" xmlns="" val="10008"/>
                   </a:ext>
                 </a:extLst>
               </a:tr>
@@ -6409,7 +5993,7 @@
                 </a:tc>
                 <a:extLst>
                   <a:ext uri="{0D108BD9-81ED-4DB2-BD59-A6C34878D82A}">
-                    <a16:rowId xmlns="" xmlns:a16="http://schemas.microsoft.com/office/drawing/2014/main" val="10009"/>
+                    <a16:rowId xmlns:a16="http://schemas.microsoft.com/office/drawing/2014/main" xmlns="" val="10009"/>
                   </a:ext>
                 </a:extLst>
               </a:tr>
@@ -6480,7 +6064,7 @@
                 </a:tc>
                 <a:extLst>
                   <a:ext uri="{0D108BD9-81ED-4DB2-BD59-A6C34878D82A}">
-                    <a16:rowId xmlns="" xmlns:a16="http://schemas.microsoft.com/office/drawing/2014/main" val="10010"/>
+                    <a16:rowId xmlns:a16="http://schemas.microsoft.com/office/drawing/2014/main" xmlns="" val="10010"/>
                   </a:ext>
                 </a:extLst>
               </a:tr>
@@ -6539,7 +6123,7 @@
                 </a:tc>
                 <a:extLst>
                   <a:ext uri="{0D108BD9-81ED-4DB2-BD59-A6C34878D82A}">
-                    <a16:rowId xmlns="" xmlns:a16="http://schemas.microsoft.com/office/drawing/2014/main" val="10011"/>
+                    <a16:rowId xmlns:a16="http://schemas.microsoft.com/office/drawing/2014/main" xmlns="" val="10011"/>
                   </a:ext>
                 </a:extLst>
               </a:tr>
@@ -6628,7 +6212,7 @@
                 </a:tc>
                 <a:extLst>
                   <a:ext uri="{0D108BD9-81ED-4DB2-BD59-A6C34878D82A}">
-                    <a16:rowId xmlns="" xmlns:a16="http://schemas.microsoft.com/office/drawing/2014/main" val="10012"/>
+                    <a16:rowId xmlns:a16="http://schemas.microsoft.com/office/drawing/2014/main" xmlns="" val="10012"/>
                   </a:ext>
                 </a:extLst>
               </a:tr>
@@ -6699,7 +6283,7 @@
                 </a:tc>
                 <a:extLst>
                   <a:ext uri="{0D108BD9-81ED-4DB2-BD59-A6C34878D82A}">
-                    <a16:rowId xmlns="" xmlns:a16="http://schemas.microsoft.com/office/drawing/2014/main" val="10013"/>
+                    <a16:rowId xmlns:a16="http://schemas.microsoft.com/office/drawing/2014/main" xmlns="" val="10013"/>
                   </a:ext>
                 </a:extLst>
               </a:tr>
@@ -6794,7 +6378,7 @@
                 </a:tc>
                 <a:extLst>
                   <a:ext uri="{0D108BD9-81ED-4DB2-BD59-A6C34878D82A}">
-                    <a16:rowId xmlns="" xmlns:a16="http://schemas.microsoft.com/office/drawing/2014/main" val="10014"/>
+                    <a16:rowId xmlns:a16="http://schemas.microsoft.com/office/drawing/2014/main" xmlns="" val="10014"/>
                   </a:ext>
                 </a:extLst>
               </a:tr>
@@ -6865,7 +6449,7 @@
                 </a:tc>
                 <a:extLst>
                   <a:ext uri="{0D108BD9-81ED-4DB2-BD59-A6C34878D82A}">
-                    <a16:rowId xmlns="" xmlns:a16="http://schemas.microsoft.com/office/drawing/2014/main" val="10015"/>
+                    <a16:rowId xmlns:a16="http://schemas.microsoft.com/office/drawing/2014/main" xmlns="" val="10015"/>
                   </a:ext>
                 </a:extLst>
               </a:tr>
@@ -6946,7 +6530,7 @@
                 </a:tc>
                 <a:extLst>
                   <a:ext uri="{0D108BD9-81ED-4DB2-BD59-A6C34878D82A}">
-                    <a16:rowId xmlns="" xmlns:a16="http://schemas.microsoft.com/office/drawing/2014/main" val="10016"/>
+                    <a16:rowId xmlns:a16="http://schemas.microsoft.com/office/drawing/2014/main" xmlns="" val="10016"/>
                   </a:ext>
                 </a:extLst>
               </a:tr>
@@ -7029,7 +6613,7 @@
                 </a:tc>
                 <a:extLst>
                   <a:ext uri="{0D108BD9-81ED-4DB2-BD59-A6C34878D82A}">
-                    <a16:rowId xmlns="" xmlns:a16="http://schemas.microsoft.com/office/drawing/2014/main" val="10017"/>
+                    <a16:rowId xmlns:a16="http://schemas.microsoft.com/office/drawing/2014/main" xmlns="" val="10017"/>
                   </a:ext>
                 </a:extLst>
               </a:tr>
@@ -7112,7 +6696,7 @@
                 </a:tc>
                 <a:extLst>
                   <a:ext uri="{0D108BD9-81ED-4DB2-BD59-A6C34878D82A}">
-                    <a16:rowId xmlns="" xmlns:a16="http://schemas.microsoft.com/office/drawing/2014/main" val="10018"/>
+                    <a16:rowId xmlns:a16="http://schemas.microsoft.com/office/drawing/2014/main" xmlns="" val="10018"/>
                   </a:ext>
                 </a:extLst>
               </a:tr>
@@ -7183,7 +6767,7 @@
                 </a:tc>
                 <a:extLst>
                   <a:ext uri="{0D108BD9-81ED-4DB2-BD59-A6C34878D82A}">
-                    <a16:rowId xmlns="" xmlns:a16="http://schemas.microsoft.com/office/drawing/2014/main" val="10019"/>
+                    <a16:rowId xmlns:a16="http://schemas.microsoft.com/office/drawing/2014/main" xmlns="" val="10019"/>
                   </a:ext>
                 </a:extLst>
               </a:tr>
@@ -7258,7 +6842,7 @@
 </p:sld>
 </file>
 
-<file path=ppt/slides/slide13.xml><?xml version="1.0" encoding="utf-8"?>
+<file path=ppt/slides/slide12.xml><?xml version="1.0" encoding="utf-8"?>
 <p:sld xmlns:a="http://schemas.openxmlformats.org/drawingml/2006/main" xmlns:r="http://schemas.openxmlformats.org/officeDocument/2006/relationships" xmlns:p="http://schemas.openxmlformats.org/presentationml/2006/main">
   <p:cSld>
     <p:spTree>
@@ -7292,7 +6876,7 @@
           <a:p>
             <a:fld id="{6CF45946-1F16-F342-BD1B-1EF94030CB33}" type="slidenum">
               <a:rPr kumimoji="1" lang="ja-JP" altLang="en-US" smtClean="0"/>
-              <a:t>13</a:t>
+              <a:t>12</a:t>
             </a:fld>
             <a:endParaRPr kumimoji="1" lang="ja-JP" altLang="en-US"/>
           </a:p>
@@ -7379,14 +6963,14 @@
                 <a:gridCol w="2054453">
                   <a:extLst>
                     <a:ext uri="{9D8B030D-6E8A-4147-A177-3AD203B41FA5}">
-                      <a16:colId xmlns="" xmlns:a16="http://schemas.microsoft.com/office/drawing/2014/main" val="20000"/>
+                      <a16:colId xmlns:a16="http://schemas.microsoft.com/office/drawing/2014/main" xmlns="" val="20000"/>
                     </a:ext>
                   </a:extLst>
                 </a:gridCol>
                 <a:gridCol w="4868409">
                   <a:extLst>
                     <a:ext uri="{9D8B030D-6E8A-4147-A177-3AD203B41FA5}">
-                      <a16:colId xmlns="" xmlns:a16="http://schemas.microsoft.com/office/drawing/2014/main" val="20001"/>
+                      <a16:colId xmlns:a16="http://schemas.microsoft.com/office/drawing/2014/main" xmlns="" val="20001"/>
                     </a:ext>
                   </a:extLst>
                 </a:gridCol>
@@ -7446,7 +7030,7 @@
                 </a:tc>
                 <a:extLst>
                   <a:ext uri="{0D108BD9-81ED-4DB2-BD59-A6C34878D82A}">
-                    <a16:rowId xmlns="" xmlns:a16="http://schemas.microsoft.com/office/drawing/2014/main" val="10000"/>
+                    <a16:rowId xmlns:a16="http://schemas.microsoft.com/office/drawing/2014/main" xmlns="" val="10000"/>
                   </a:ext>
                 </a:extLst>
               </a:tr>
@@ -7600,7 +7184,7 @@
                 </a:tc>
                 <a:extLst>
                   <a:ext uri="{0D108BD9-81ED-4DB2-BD59-A6C34878D82A}">
-                    <a16:rowId xmlns="" xmlns:a16="http://schemas.microsoft.com/office/drawing/2014/main" val="10001"/>
+                    <a16:rowId xmlns:a16="http://schemas.microsoft.com/office/drawing/2014/main" xmlns="" val="10001"/>
                   </a:ext>
                 </a:extLst>
               </a:tr>
@@ -7766,7 +7350,7 @@
                 </a:tc>
                 <a:extLst>
                   <a:ext uri="{0D108BD9-81ED-4DB2-BD59-A6C34878D82A}">
-                    <a16:rowId xmlns="" xmlns:a16="http://schemas.microsoft.com/office/drawing/2014/main" val="10002"/>
+                    <a16:rowId xmlns:a16="http://schemas.microsoft.com/office/drawing/2014/main" xmlns="" val="10002"/>
                   </a:ext>
                 </a:extLst>
               </a:tr>
@@ -7911,7 +7495,7 @@
                 </a:tc>
                 <a:extLst>
                   <a:ext uri="{0D108BD9-81ED-4DB2-BD59-A6C34878D82A}">
-                    <a16:rowId xmlns="" xmlns:a16="http://schemas.microsoft.com/office/drawing/2014/main" val="10003"/>
+                    <a16:rowId xmlns:a16="http://schemas.microsoft.com/office/drawing/2014/main" xmlns="" val="10003"/>
                   </a:ext>
                 </a:extLst>
               </a:tr>
@@ -7996,7 +7580,7 @@
                 </a:tc>
                 <a:extLst>
                   <a:ext uri="{0D108BD9-81ED-4DB2-BD59-A6C34878D82A}">
-                    <a16:rowId xmlns="" xmlns:a16="http://schemas.microsoft.com/office/drawing/2014/main" val="10004"/>
+                    <a16:rowId xmlns:a16="http://schemas.microsoft.com/office/drawing/2014/main" xmlns="" val="10004"/>
                   </a:ext>
                 </a:extLst>
               </a:tr>
@@ -8138,7 +7722,7 @@
                 </a:tc>
                 <a:extLst>
                   <a:ext uri="{0D108BD9-81ED-4DB2-BD59-A6C34878D82A}">
-                    <a16:rowId xmlns="" xmlns:a16="http://schemas.microsoft.com/office/drawing/2014/main" val="10005"/>
+                    <a16:rowId xmlns:a16="http://schemas.microsoft.com/office/drawing/2014/main" xmlns="" val="10005"/>
                   </a:ext>
                 </a:extLst>
               </a:tr>
@@ -8249,7 +7833,7 @@
 </p:sld>
 </file>
 
-<file path=ppt/slides/slide14.xml><?xml version="1.0" encoding="utf-8"?>
+<file path=ppt/slides/slide13.xml><?xml version="1.0" encoding="utf-8"?>
 <p:sld xmlns:a="http://schemas.openxmlformats.org/drawingml/2006/main" xmlns:r="http://schemas.openxmlformats.org/officeDocument/2006/relationships" xmlns:p="http://schemas.openxmlformats.org/presentationml/2006/main">
   <p:cSld>
     <p:spTree>
@@ -8283,7 +7867,7 @@
           <a:p>
             <a:fld id="{6CF45946-1F16-F342-BD1B-1EF94030CB33}" type="slidenum">
               <a:rPr kumimoji="1" lang="ja-JP" altLang="en-US" smtClean="0"/>
-              <a:t>14</a:t>
+              <a:t>13</a:t>
             </a:fld>
             <a:endParaRPr kumimoji="1" lang="ja-JP" altLang="en-US"/>
           </a:p>
@@ -8411,14 +7995,14 @@
                 <a:gridCol w="1698873">
                   <a:extLst>
                     <a:ext uri="{9D8B030D-6E8A-4147-A177-3AD203B41FA5}">
-                      <a16:colId xmlns="" xmlns:a16="http://schemas.microsoft.com/office/drawing/2014/main" val="20000"/>
+                      <a16:colId xmlns:a16="http://schemas.microsoft.com/office/drawing/2014/main" xmlns="" val="20000"/>
                     </a:ext>
                   </a:extLst>
                 </a:gridCol>
                 <a:gridCol w="2852771">
                   <a:extLst>
                     <a:ext uri="{9D8B030D-6E8A-4147-A177-3AD203B41FA5}">
-                      <a16:colId xmlns="" xmlns:a16="http://schemas.microsoft.com/office/drawing/2014/main" val="20001"/>
+                      <a16:colId xmlns:a16="http://schemas.microsoft.com/office/drawing/2014/main" xmlns="" val="20001"/>
                     </a:ext>
                   </a:extLst>
                 </a:gridCol>
@@ -8514,7 +8098,7 @@
                 </a:tc>
                 <a:extLst>
                   <a:ext uri="{0D108BD9-81ED-4DB2-BD59-A6C34878D82A}">
-                    <a16:rowId xmlns="" xmlns:a16="http://schemas.microsoft.com/office/drawing/2014/main" val="10000"/>
+                    <a16:rowId xmlns:a16="http://schemas.microsoft.com/office/drawing/2014/main" xmlns="" val="10000"/>
                   </a:ext>
                 </a:extLst>
               </a:tr>
@@ -8610,7 +8194,7 @@
                 </a:tc>
                 <a:extLst>
                   <a:ext uri="{0D108BD9-81ED-4DB2-BD59-A6C34878D82A}">
-                    <a16:rowId xmlns="" xmlns:a16="http://schemas.microsoft.com/office/drawing/2014/main" val="10001"/>
+                    <a16:rowId xmlns:a16="http://schemas.microsoft.com/office/drawing/2014/main" xmlns="" val="10001"/>
                   </a:ext>
                 </a:extLst>
               </a:tr>
@@ -9123,21 +8707,21 @@
                 <a:gridCol w="2536853">
                   <a:extLst>
                     <a:ext uri="{9D8B030D-6E8A-4147-A177-3AD203B41FA5}">
-                      <a16:colId xmlns="" xmlns:a16="http://schemas.microsoft.com/office/drawing/2014/main" val="20000"/>
+                      <a16:colId xmlns:a16="http://schemas.microsoft.com/office/drawing/2014/main" xmlns="" val="20000"/>
                     </a:ext>
                   </a:extLst>
                 </a:gridCol>
                 <a:gridCol w="3177556">
                   <a:extLst>
                     <a:ext uri="{9D8B030D-6E8A-4147-A177-3AD203B41FA5}">
-                      <a16:colId xmlns="" xmlns:a16="http://schemas.microsoft.com/office/drawing/2014/main" val="20001"/>
+                      <a16:colId xmlns:a16="http://schemas.microsoft.com/office/drawing/2014/main" xmlns="" val="20001"/>
                     </a:ext>
                   </a:extLst>
                 </a:gridCol>
                 <a:gridCol w="4219435">
                   <a:extLst>
                     <a:ext uri="{9D8B030D-6E8A-4147-A177-3AD203B41FA5}">
-                      <a16:colId xmlns="" xmlns:a16="http://schemas.microsoft.com/office/drawing/2014/main" val="20002"/>
+                      <a16:colId xmlns:a16="http://schemas.microsoft.com/office/drawing/2014/main" xmlns="" val="20002"/>
                     </a:ext>
                   </a:extLst>
                 </a:gridCol>
@@ -9223,7 +8807,7 @@
                 </a:tc>
                 <a:extLst>
                   <a:ext uri="{0D108BD9-81ED-4DB2-BD59-A6C34878D82A}">
-                    <a16:rowId xmlns="" xmlns:a16="http://schemas.microsoft.com/office/drawing/2014/main" val="10000"/>
+                    <a16:rowId xmlns:a16="http://schemas.microsoft.com/office/drawing/2014/main" xmlns="" val="10000"/>
                   </a:ext>
                 </a:extLst>
               </a:tr>
@@ -9321,7 +8905,7 @@
                 </a:tc>
                 <a:extLst>
                   <a:ext uri="{0D108BD9-81ED-4DB2-BD59-A6C34878D82A}">
-                    <a16:rowId xmlns="" xmlns:a16="http://schemas.microsoft.com/office/drawing/2014/main" val="10001"/>
+                    <a16:rowId xmlns:a16="http://schemas.microsoft.com/office/drawing/2014/main" xmlns="" val="10001"/>
                   </a:ext>
                 </a:extLst>
               </a:tr>
@@ -9425,7 +9009,7 @@
                 </a:tc>
                 <a:extLst>
                   <a:ext uri="{0D108BD9-81ED-4DB2-BD59-A6C34878D82A}">
-                    <a16:rowId xmlns="" xmlns:a16="http://schemas.microsoft.com/office/drawing/2014/main" val="10002"/>
+                    <a16:rowId xmlns:a16="http://schemas.microsoft.com/office/drawing/2014/main" xmlns="" val="10002"/>
                   </a:ext>
                 </a:extLst>
               </a:tr>
@@ -9529,7 +9113,7 @@
                 </a:tc>
                 <a:extLst>
                   <a:ext uri="{0D108BD9-81ED-4DB2-BD59-A6C34878D82A}">
-                    <a16:rowId xmlns="" xmlns:a16="http://schemas.microsoft.com/office/drawing/2014/main" val="10003"/>
+                    <a16:rowId xmlns:a16="http://schemas.microsoft.com/office/drawing/2014/main" xmlns="" val="10003"/>
                   </a:ext>
                 </a:extLst>
               </a:tr>
@@ -9615,7 +9199,7 @@
                 </a:tc>
                 <a:extLst>
                   <a:ext uri="{0D108BD9-81ED-4DB2-BD59-A6C34878D82A}">
-                    <a16:rowId xmlns="" xmlns:a16="http://schemas.microsoft.com/office/drawing/2014/main" val="10004"/>
+                    <a16:rowId xmlns:a16="http://schemas.microsoft.com/office/drawing/2014/main" xmlns="" val="10004"/>
                   </a:ext>
                 </a:extLst>
               </a:tr>
@@ -9713,7 +9297,7 @@
                 </a:tc>
                 <a:extLst>
                   <a:ext uri="{0D108BD9-81ED-4DB2-BD59-A6C34878D82A}">
-                    <a16:rowId xmlns="" xmlns:a16="http://schemas.microsoft.com/office/drawing/2014/main" val="10005"/>
+                    <a16:rowId xmlns:a16="http://schemas.microsoft.com/office/drawing/2014/main" xmlns="" val="10005"/>
                   </a:ext>
                 </a:extLst>
               </a:tr>

--- a/FinalReport_team1.pptx
+++ b/FinalReport_team1.pptx
@@ -5,7 +5,7 @@
     <p:sldMasterId id="2147483648" r:id="rId1"/>
   </p:sldMasterIdLst>
   <p:notesMasterIdLst>
-    <p:notesMasterId r:id="rId15"/>
+    <p:notesMasterId r:id="rId18"/>
   </p:notesMasterIdLst>
   <p:sldIdLst>
     <p:sldId id="256" r:id="rId2"/>
@@ -17,10 +17,13 @@
     <p:sldId id="266" r:id="rId8"/>
     <p:sldId id="267" r:id="rId9"/>
     <p:sldId id="268" r:id="rId10"/>
-    <p:sldId id="260" r:id="rId11"/>
-    <p:sldId id="261" r:id="rId12"/>
-    <p:sldId id="262" r:id="rId13"/>
-    <p:sldId id="263" r:id="rId14"/>
+    <p:sldId id="269" r:id="rId11"/>
+    <p:sldId id="270" r:id="rId12"/>
+    <p:sldId id="271" r:id="rId13"/>
+    <p:sldId id="260" r:id="rId14"/>
+    <p:sldId id="261" r:id="rId15"/>
+    <p:sldId id="262" r:id="rId16"/>
+    <p:sldId id="263" r:id="rId17"/>
   </p:sldIdLst>
   <p:sldSz cx="12192000" cy="6858000"/>
   <p:notesSz cx="6858000" cy="9144000"/>
@@ -121,7 +124,7 @@
   </p:defaultTextStyle>
   <p:extLst>
     <p:ext uri="{EFAFB233-063F-42B5-8137-9DF3F51BA10A}">
-      <p15:sldGuideLst xmlns:p15="http://schemas.microsoft.com/office/powerpoint/2012/main"/>
+      <p15:sldGuideLst xmlns:p15="http://schemas.microsoft.com/office/powerpoint/2012/main" xmlns=""/>
     </p:ext>
   </p:extLst>
 </p:presentation>
@@ -4057,6 +4060,304 @@
       </p:grpSpPr>
       <p:sp>
         <p:nvSpPr>
+          <p:cNvPr id="2" name="タイトル 1"/>
+          <p:cNvSpPr>
+            <a:spLocks noGrp="1"/>
+          </p:cNvSpPr>
+          <p:nvPr>
+            <p:ph type="title"/>
+          </p:nvPr>
+        </p:nvSpPr>
+        <p:spPr>
+          <a:xfrm>
+            <a:off x="0" y="365125"/>
+            <a:ext cx="12192000" cy="1325563"/>
+          </a:xfrm>
+        </p:spPr>
+        <p:txBody>
+          <a:bodyPr/>
+          <a:lstStyle/>
+          <a:p>
+            <a:r>
+              <a:rPr lang="en-US" altLang="ja-JP" dirty="0"/>
+              <a:t>+α</a:t>
+            </a:r>
+            <a:r>
+              <a:rPr lang="ja-JP" altLang="en-US" dirty="0"/>
+              <a:t>：　ポート番号の自動割り当ての工夫</a:t>
+            </a:r>
+            <a:r>
+              <a:rPr lang="ja-JP" altLang="en-US" dirty="0" smtClean="0"/>
+              <a:t>理由</a:t>
+            </a:r>
+            <a:r>
+              <a:rPr lang="en-US" altLang="ja-JP" dirty="0" smtClean="0"/>
+              <a:t>(2/2)</a:t>
+            </a:r>
+            <a:endParaRPr kumimoji="1" lang="ja-JP" altLang="en-US" dirty="0"/>
+          </a:p>
+        </p:txBody>
+      </p:sp>
+      <p:sp>
+        <p:nvSpPr>
+          <p:cNvPr id="3" name="コンテンツ プレースホルダー 2"/>
+          <p:cNvSpPr>
+            <a:spLocks noGrp="1"/>
+          </p:cNvSpPr>
+          <p:nvPr>
+            <p:ph idx="1"/>
+          </p:nvPr>
+        </p:nvSpPr>
+        <p:spPr>
+          <a:xfrm>
+            <a:off x="241738" y="1685726"/>
+            <a:ext cx="11112062" cy="5172274"/>
+          </a:xfrm>
+        </p:spPr>
+        <p:txBody>
+          <a:bodyPr>
+            <a:normAutofit/>
+          </a:bodyPr>
+          <a:lstStyle/>
+          <a:p>
+            <a:r>
+              <a:rPr lang="ja-JP" altLang="en-US" dirty="0" smtClean="0"/>
+              <a:t>実装する予定だった構成</a:t>
+            </a:r>
+            <a:endParaRPr lang="en-US" altLang="ja-JP" dirty="0" smtClean="0"/>
+          </a:p>
+          <a:p>
+            <a:endParaRPr kumimoji="1" lang="en-US" altLang="ja-JP" dirty="0"/>
+          </a:p>
+          <a:p>
+            <a:endParaRPr lang="en-US" altLang="ja-JP" dirty="0" smtClean="0"/>
+          </a:p>
+          <a:p>
+            <a:endParaRPr kumimoji="1" lang="en-US" altLang="ja-JP" dirty="0"/>
+          </a:p>
+          <a:p>
+            <a:endParaRPr lang="en-US" altLang="ja-JP" dirty="0" smtClean="0"/>
+          </a:p>
+          <a:p>
+            <a:pPr marL="0" indent="0">
+              <a:buNone/>
+            </a:pPr>
+            <a:endParaRPr lang="en-US" altLang="ja-JP" dirty="0" smtClean="0"/>
+          </a:p>
+          <a:p>
+            <a:pPr lvl="1"/>
+            <a:r>
+              <a:rPr lang="en-US" altLang="ja-JP" dirty="0" smtClean="0"/>
+              <a:t>Docker</a:t>
+            </a:r>
+            <a:r>
+              <a:rPr lang="ja-JP" altLang="en-US" dirty="0" smtClean="0"/>
+              <a:t>ホストに仮想ブリッジを立て、そこに</a:t>
+            </a:r>
+            <a:r>
+              <a:rPr lang="en-US" altLang="ja-JP" dirty="0" smtClean="0"/>
+              <a:t>Web</a:t>
+            </a:r>
+            <a:r>
+              <a:rPr lang="ja-JP" altLang="en-US" dirty="0" smtClean="0"/>
+              <a:t>サーバを接続</a:t>
+            </a:r>
+            <a:endParaRPr lang="en-US" altLang="ja-JP" dirty="0" smtClean="0"/>
+          </a:p>
+          <a:p>
+            <a:pPr lvl="1"/>
+            <a:r>
+              <a:rPr lang="en-US" altLang="ja-JP" dirty="0" smtClean="0"/>
+              <a:t>Web</a:t>
+            </a:r>
+            <a:r>
+              <a:rPr lang="ja-JP" altLang="en-US" dirty="0" smtClean="0"/>
+              <a:t>サーバには</a:t>
+            </a:r>
+            <a:r>
+              <a:rPr lang="en-US" altLang="ja-JP" dirty="0" smtClean="0"/>
+              <a:t>192.168.1.x</a:t>
+            </a:r>
+            <a:r>
+              <a:rPr lang="ja-JP" altLang="en-US" dirty="0" smtClean="0"/>
+              <a:t>の</a:t>
+            </a:r>
+            <a:r>
+              <a:rPr lang="en-US" altLang="ja-JP" dirty="0" smtClean="0"/>
+              <a:t>IP</a:t>
+            </a:r>
+            <a:r>
+              <a:rPr lang="ja-JP" altLang="en-US" dirty="0" smtClean="0"/>
+              <a:t>を割り当て</a:t>
+            </a:r>
+            <a:endParaRPr lang="en-US" altLang="ja-JP" dirty="0" smtClean="0"/>
+          </a:p>
+          <a:p>
+            <a:r>
+              <a:rPr kumimoji="1" lang="ja-JP" altLang="en-US" dirty="0" smtClean="0"/>
+              <a:t>実装できなかった要因</a:t>
+            </a:r>
+            <a:endParaRPr kumimoji="1" lang="en-US" altLang="ja-JP" dirty="0" smtClean="0"/>
+          </a:p>
+          <a:p>
+            <a:pPr lvl="1"/>
+            <a:r>
+              <a:rPr lang="en-US" altLang="ja-JP" dirty="0" smtClean="0"/>
+              <a:t>Switch</a:t>
+            </a:r>
+            <a:r>
+              <a:rPr lang="ja-JP" altLang="en-US" dirty="0" smtClean="0"/>
+              <a:t>と仮想ブリッジ</a:t>
+            </a:r>
+            <a:r>
+              <a:rPr lang="ja-JP" altLang="en-US" dirty="0"/>
+              <a:t>間</a:t>
+            </a:r>
+            <a:r>
+              <a:rPr lang="ja-JP" altLang="en-US" dirty="0" smtClean="0"/>
+              <a:t>の</a:t>
+            </a:r>
+            <a:r>
+              <a:rPr lang="en-US" altLang="ja-JP" dirty="0" err="1" smtClean="0"/>
+              <a:t>arp</a:t>
+            </a:r>
+            <a:r>
+              <a:rPr lang="ja-JP" altLang="en-US" dirty="0" smtClean="0"/>
+              <a:t>解決ができていなかった</a:t>
+            </a:r>
+            <a:endParaRPr lang="en-US" altLang="ja-JP" dirty="0" smtClean="0"/>
+          </a:p>
+          <a:p>
+            <a:pPr marL="457200" lvl="1" indent="0">
+              <a:buNone/>
+            </a:pPr>
+            <a:r>
+              <a:rPr kumimoji="1" lang="ja-JP" altLang="en-US" dirty="0" smtClean="0"/>
+              <a:t>   →解決方法は今後の課題</a:t>
+            </a:r>
+            <a:endParaRPr kumimoji="1" lang="ja-JP" altLang="en-US" dirty="0"/>
+          </a:p>
+        </p:txBody>
+      </p:sp>
+      <p:sp>
+        <p:nvSpPr>
+          <p:cNvPr id="4" name="スライド番号プレースホルダー 3"/>
+          <p:cNvSpPr>
+            <a:spLocks noGrp="1"/>
+          </p:cNvSpPr>
+          <p:nvPr>
+            <p:ph type="sldNum" sz="quarter" idx="12"/>
+          </p:nvPr>
+        </p:nvSpPr>
+        <p:spPr/>
+        <p:txBody>
+          <a:bodyPr/>
+          <a:lstStyle/>
+          <a:p>
+            <a:fld id="{6CF45946-1F16-F342-BD1B-1EF94030CB33}" type="slidenum">
+              <a:rPr kumimoji="1" lang="ja-JP" altLang="en-US" smtClean="0"/>
+              <a:t>10</a:t>
+            </a:fld>
+            <a:endParaRPr kumimoji="1" lang="ja-JP" altLang="en-US"/>
+          </a:p>
+        </p:txBody>
+      </p:sp>
+      <p:pic>
+        <p:nvPicPr>
+          <p:cNvPr id="1026" name="Picture 2"/>
+          <p:cNvPicPr>
+            <a:picLocks noChangeAspect="1" noChangeArrowheads="1"/>
+          </p:cNvPicPr>
+          <p:nvPr/>
+        </p:nvPicPr>
+        <p:blipFill>
+          <a:blip r:embed="rId2">
+            <a:clrChange>
+              <a:clrFrom>
+                <a:srgbClr val="FFFFFF"/>
+              </a:clrFrom>
+              <a:clrTo>
+                <a:srgbClr val="FFFFFF">
+                  <a:alpha val="0"/>
+                </a:srgbClr>
+              </a:clrTo>
+            </a:clrChange>
+            <a:extLst>
+              <a:ext uri="{28A0092B-C50C-407E-A947-70E740481C1C}">
+                <a14:useLocalDpi xmlns:a14="http://schemas.microsoft.com/office/drawing/2010/main" val="0"/>
+              </a:ext>
+            </a:extLst>
+          </a:blip>
+          <a:srcRect/>
+          <a:stretch>
+            <a:fillRect/>
+          </a:stretch>
+        </p:blipFill>
+        <p:spPr bwMode="auto">
+          <a:xfrm>
+            <a:off x="1766944" y="2143801"/>
+            <a:ext cx="8232097" cy="2540868"/>
+          </a:xfrm>
+          <a:prstGeom prst="rect">
+            <a:avLst/>
+          </a:prstGeom>
+          <a:noFill/>
+          <a:ln>
+            <a:noFill/>
+          </a:ln>
+          <a:extLst>
+            <a:ext uri="{909E8E84-426E-40DD-AFC4-6F175D3DCCD1}">
+              <a14:hiddenFill xmlns:a14="http://schemas.microsoft.com/office/drawing/2010/main">
+                <a:solidFill>
+                  <a:schemeClr val="accent1"/>
+                </a:solidFill>
+              </a14:hiddenFill>
+            </a:ext>
+            <a:ext uri="{91240B29-F687-4F45-9708-019B960494DF}">
+              <a14:hiddenLine xmlns:a14="http://schemas.microsoft.com/office/drawing/2010/main" w="9525">
+                <a:solidFill>
+                  <a:schemeClr val="tx1"/>
+                </a:solidFill>
+                <a:miter lim="800000"/>
+                <a:headEnd/>
+                <a:tailEnd/>
+              </a14:hiddenLine>
+            </a:ext>
+          </a:extLst>
+        </p:spPr>
+      </p:pic>
+    </p:spTree>
+    <p:extLst>
+      <p:ext uri="{BB962C8B-B14F-4D97-AF65-F5344CB8AC3E}">
+        <p14:creationId xmlns:p14="http://schemas.microsoft.com/office/powerpoint/2010/main" val="3805542920"/>
+      </p:ext>
+    </p:extLst>
+  </p:cSld>
+  <p:clrMapOvr>
+    <a:masterClrMapping/>
+  </p:clrMapOvr>
+</p:sld>
+</file>
+
+<file path=ppt/slides/slide11.xml><?xml version="1.0" encoding="utf-8"?>
+<p:sld xmlns:a="http://schemas.openxmlformats.org/drawingml/2006/main" xmlns:r="http://schemas.openxmlformats.org/officeDocument/2006/relationships" xmlns:p="http://schemas.openxmlformats.org/presentationml/2006/main">
+  <p:cSld>
+    <p:spTree>
+      <p:nvGrpSpPr>
+        <p:cNvPr id="1" name=""/>
+        <p:cNvGrpSpPr/>
+        <p:nvPr/>
+      </p:nvGrpSpPr>
+      <p:grpSpPr>
+        <a:xfrm>
+          <a:off x="0" y="0"/>
+          <a:ext cx="0" cy="0"/>
+          <a:chOff x="0" y="0"/>
+          <a:chExt cx="0" cy="0"/>
+        </a:xfrm>
+      </p:grpSpPr>
+      <p:sp>
+        <p:nvSpPr>
           <p:cNvPr id="2" name="スライド番号プレースホルダー 1"/>
           <p:cNvSpPr>
             <a:spLocks noGrp="1"/>
@@ -4072,7 +4373,2891 @@
           <a:p>
             <a:fld id="{6CF45946-1F16-F342-BD1B-1EF94030CB33}" type="slidenum">
               <a:rPr kumimoji="1" lang="ja-JP" altLang="en-US" smtClean="0"/>
-              <a:t>10</a:t>
+              <a:t>11</a:t>
+            </a:fld>
+            <a:endParaRPr kumimoji="1" lang="ja-JP" altLang="en-US"/>
+          </a:p>
+        </p:txBody>
+      </p:sp>
+      <mc:AlternateContent xmlns:mc="http://schemas.openxmlformats.org/markup-compatibility/2006" xmlns:a14="http://schemas.microsoft.com/office/drawing/2010/main">
+        <mc:Choice Requires="a14">
+          <p:sp>
+            <p:nvSpPr>
+              <p:cNvPr id="3" name="テキスト ボックス 2"/>
+              <p:cNvSpPr txBox="1"/>
+              <p:nvPr/>
+            </p:nvSpPr>
+            <p:spPr>
+              <a:xfrm>
+                <a:off x="73573" y="1439003"/>
+                <a:ext cx="6399633" cy="5693866"/>
+              </a:xfrm>
+              <a:prstGeom prst="rect">
+                <a:avLst/>
+              </a:prstGeom>
+              <a:noFill/>
+            </p:spPr>
+            <p:txBody>
+              <a:bodyPr wrap="square" rtlCol="0">
+                <a:spAutoFit/>
+              </a:bodyPr>
+              <a:lstStyle/>
+              <a:p>
+                <a:pPr marL="685800" indent="-685800">
+                  <a:buFont typeface="Arial" charset="0"/>
+                  <a:buChar char="•"/>
+                </a:pPr>
+                <a:r>
+                  <a:rPr lang="ja-JP" altLang="en-US" sz="2800" dirty="0">
+                    <a:latin typeface="HGGothicE" charset="-128"/>
+                    <a:ea typeface="HGGothicE" charset="-128"/>
+                    <a:cs typeface="HGGothicE" charset="-128"/>
+                  </a:rPr>
+                  <a:t>独自機能：アクセスの制限機能</a:t>
+                </a:r>
+                <a:endParaRPr lang="en-US" altLang="ja-JP" sz="2800" dirty="0">
+                  <a:latin typeface="HGGothicE" charset="-128"/>
+                  <a:ea typeface="HGGothicE" charset="-128"/>
+                  <a:cs typeface="HGGothicE" charset="-128"/>
+                </a:endParaRPr>
+              </a:p>
+              <a:p>
+                <a:pPr marL="1143000" lvl="1" indent="-685800">
+                  <a:buFont typeface="Arial" charset="0"/>
+                  <a:buChar char="•"/>
+                </a:pPr>
+                <a:r>
+                  <a:rPr lang="ja-JP" altLang="en-US" sz="2400" dirty="0">
+                    <a:latin typeface="HGGothicE" charset="-128"/>
+                    <a:ea typeface="HGGothicE" charset="-128"/>
+                    <a:cs typeface="HGGothicE" charset="-128"/>
+                  </a:rPr>
+                  <a:t>直近でアクセス数が多かった</a:t>
+                </a:r>
+                <a:r>
+                  <a:rPr lang="en-US" altLang="ja-JP" sz="2400" dirty="0">
+                    <a:latin typeface="HGGothicE" charset="-128"/>
+                    <a:ea typeface="HGGothicE" charset="-128"/>
+                    <a:cs typeface="HGGothicE" charset="-128"/>
+                  </a:rPr>
+                  <a:t/>
+                </a:r>
+                <a:br>
+                  <a:rPr lang="en-US" altLang="ja-JP" sz="2400" dirty="0">
+                    <a:latin typeface="HGGothicE" charset="-128"/>
+                    <a:ea typeface="HGGothicE" charset="-128"/>
+                    <a:cs typeface="HGGothicE" charset="-128"/>
+                  </a:rPr>
+                </a:br>
+                <a:r>
+                  <a:rPr lang="en-US" altLang="ja-JP" sz="2400" dirty="0">
+                    <a:latin typeface="HGGothicE" charset="-128"/>
+                    <a:ea typeface="HGGothicE" charset="-128"/>
+                    <a:cs typeface="HGGothicE" charset="-128"/>
+                  </a:rPr>
+                  <a:t>IP</a:t>
+                </a:r>
+                <a:r>
+                  <a:rPr lang="ja-JP" altLang="en-US" sz="2400" dirty="0">
+                    <a:latin typeface="HGGothicE" charset="-128"/>
+                    <a:ea typeface="HGGothicE" charset="-128"/>
+                    <a:cs typeface="HGGothicE" charset="-128"/>
+                  </a:rPr>
+                  <a:t>アドレスからのアクセスを</a:t>
+                </a:r>
+                <a:r>
+                  <a:rPr lang="ja-JP" altLang="en-US" sz="2400" dirty="0" smtClean="0">
+                    <a:latin typeface="HGGothicE" charset="-128"/>
+                    <a:ea typeface="HGGothicE" charset="-128"/>
+                    <a:cs typeface="HGGothicE" charset="-128"/>
+                  </a:rPr>
+                  <a:t>制限</a:t>
+                </a:r>
+                <a:endParaRPr lang="en-US" altLang="ja-JP" sz="2400" dirty="0" smtClean="0">
+                  <a:latin typeface="HGGothicE" charset="-128"/>
+                  <a:ea typeface="HGGothicE" charset="-128"/>
+                  <a:cs typeface="HGGothicE" charset="-128"/>
+                </a:endParaRPr>
+              </a:p>
+              <a:p>
+                <a:pPr marL="1600200" lvl="2" indent="-685800">
+                  <a:buFont typeface="Arial" charset="0"/>
+                  <a:buChar char="•"/>
+                </a:pPr>
+                <a:r>
+                  <a:rPr lang="ja-JP" altLang="en-US" sz="2000" dirty="0" smtClean="0">
+                    <a:latin typeface="HGGothicE" charset="-128"/>
+                    <a:ea typeface="HGGothicE" charset="-128"/>
+                    <a:cs typeface="HGGothicE" charset="-128"/>
+                  </a:rPr>
+                  <a:t>アクセス制限は</a:t>
+                </a:r>
+                <a:r>
+                  <a:rPr lang="en-US" altLang="ja-JP" sz="2000" dirty="0" smtClean="0">
+                    <a:latin typeface="HGGothicE" charset="-128"/>
+                    <a:ea typeface="HGGothicE" charset="-128"/>
+                    <a:cs typeface="HGGothicE" charset="-128"/>
+                  </a:rPr>
+                  <a:t>switch</a:t>
+                </a:r>
+                <a:r>
+                  <a:rPr lang="ja-JP" altLang="en-US" sz="2000" dirty="0" smtClean="0">
+                    <a:latin typeface="HGGothicE" charset="-128"/>
+                    <a:ea typeface="HGGothicE" charset="-128"/>
+                    <a:cs typeface="HGGothicE" charset="-128"/>
+                  </a:rPr>
+                  <a:t>で実装</a:t>
+                </a:r>
+                <a:endParaRPr lang="en-US" altLang="ja-JP" sz="2000" dirty="0" smtClean="0">
+                  <a:latin typeface="HGGothicE" charset="-128"/>
+                  <a:ea typeface="HGGothicE" charset="-128"/>
+                  <a:cs typeface="HGGothicE" charset="-128"/>
+                </a:endParaRPr>
+              </a:p>
+              <a:p>
+                <a:pPr lvl="2"/>
+                <a:r>
+                  <a:rPr lang="ja-JP" altLang="en-US" sz="2000" dirty="0" smtClean="0">
+                    <a:latin typeface="HGGothicE" charset="-128"/>
+                    <a:ea typeface="HGGothicE" charset="-128"/>
+                    <a:cs typeface="HGGothicE" charset="-128"/>
+                  </a:rPr>
+                  <a:t>      →</a:t>
+                </a:r>
+                <a:r>
+                  <a:rPr lang="en-US" altLang="ja-JP" sz="2000" dirty="0" smtClean="0">
+                    <a:latin typeface="HGGothicE" charset="-128"/>
+                    <a:ea typeface="HGGothicE" charset="-128"/>
+                    <a:cs typeface="HGGothicE" charset="-128"/>
+                  </a:rPr>
+                  <a:t>switch</a:t>
+                </a:r>
+                <a:r>
+                  <a:rPr lang="ja-JP" altLang="en-US" sz="2000" dirty="0" smtClean="0">
+                    <a:latin typeface="HGGothicE" charset="-128"/>
+                    <a:ea typeface="HGGothicE" charset="-128"/>
+                    <a:cs typeface="HGGothicE" charset="-128"/>
+                  </a:rPr>
+                  <a:t>に入る前にパケットを落とす</a:t>
+                </a:r>
+                <a:endParaRPr lang="en-US" altLang="ja-JP" sz="2000" dirty="0" smtClean="0">
+                  <a:latin typeface="HGGothicE" charset="-128"/>
+                  <a:ea typeface="HGGothicE" charset="-128"/>
+                  <a:cs typeface="HGGothicE" charset="-128"/>
+                </a:endParaRPr>
+              </a:p>
+              <a:p>
+                <a:pPr marL="4000500" lvl="8" indent="-342900">
+                  <a:buFont typeface="Arial" panose="020B0604020202020204" pitchFamily="34" charset="0"/>
+                  <a:buChar char="•"/>
+                </a:pPr>
+                <a:endParaRPr lang="en-US" altLang="ja-JP" sz="800" dirty="0">
+                  <a:latin typeface="HGGothicE" charset="-128"/>
+                  <a:ea typeface="HGGothicE" charset="-128"/>
+                  <a:cs typeface="HGGothicE" charset="-128"/>
+                </a:endParaRPr>
+              </a:p>
+              <a:p>
+                <a:pPr marL="1600200" lvl="2" indent="-685800">
+                  <a:buFont typeface="Arial" charset="0"/>
+                  <a:buChar char="•"/>
+                </a:pPr>
+                <a:r>
+                  <a:rPr lang="ja-JP" altLang="en-US" sz="2000" dirty="0">
+                    <a:latin typeface="HGGothicE" charset="-128"/>
+                    <a:ea typeface="HGGothicE" charset="-128"/>
+                    <a:cs typeface="HGGothicE" charset="-128"/>
+                  </a:rPr>
+                  <a:t>直近の</a:t>
+                </a:r>
+                <a14:m>
+                  <m:oMath xmlns:m="http://schemas.openxmlformats.org/officeDocument/2006/math">
+                    <m:r>
+                      <a:rPr lang="en-US" altLang="ja-JP" sz="2000" i="1">
+                        <a:latin typeface="Cambria Math" charset="0"/>
+                        <a:ea typeface="HGGothicE" charset="-128"/>
+                        <a:cs typeface="HGGothicE" charset="-128"/>
+                      </a:rPr>
+                      <m:t>𝑇</m:t>
+                    </m:r>
+                  </m:oMath>
+                </a14:m>
+                <a:r>
+                  <a:rPr lang="ja-JP" altLang="en-US" sz="2000" dirty="0">
+                    <a:latin typeface="HGGothicE" charset="-128"/>
+                    <a:ea typeface="HGGothicE" charset="-128"/>
+                    <a:cs typeface="HGGothicE" charset="-128"/>
+                  </a:rPr>
+                  <a:t>秒間</a:t>
+                </a:r>
+                <a:r>
+                  <a:rPr lang="ja-JP" altLang="en-US" sz="2000" dirty="0" smtClean="0">
+                    <a:latin typeface="HGGothicE" charset="-128"/>
+                    <a:ea typeface="HGGothicE" charset="-128"/>
+                    <a:cs typeface="HGGothicE" charset="-128"/>
+                  </a:rPr>
+                  <a:t>である</a:t>
+                </a:r>
+                <a:r>
+                  <a:rPr lang="en-US" altLang="ja-JP" sz="2000" dirty="0">
+                    <a:latin typeface="HGGothicE" charset="-128"/>
+                    <a:ea typeface="HGGothicE" charset="-128"/>
+                    <a:cs typeface="HGGothicE" charset="-128"/>
+                  </a:rPr>
+                  <a:t>IP</a:t>
+                </a:r>
+                <a:r>
+                  <a:rPr lang="ja-JP" altLang="en-US" sz="2000" dirty="0">
+                    <a:latin typeface="HGGothicE" charset="-128"/>
+                    <a:ea typeface="HGGothicE" charset="-128"/>
+                    <a:cs typeface="HGGothicE" charset="-128"/>
+                  </a:rPr>
+                  <a:t>アドレスから</a:t>
+                </a:r>
+                <a:r>
+                  <a:rPr lang="ja-JP" altLang="en-US" sz="2000" dirty="0" smtClean="0">
+                    <a:latin typeface="HGGothicE" charset="-128"/>
+                    <a:ea typeface="HGGothicE" charset="-128"/>
+                    <a:cs typeface="HGGothicE" charset="-128"/>
+                  </a:rPr>
+                  <a:t>の</a:t>
+                </a:r>
+                <a:r>
+                  <a:rPr lang="en-US" altLang="ja-JP" sz="2000" dirty="0" smtClean="0">
+                    <a:latin typeface="HGGothicE" charset="-128"/>
+                    <a:ea typeface="HGGothicE" charset="-128"/>
+                    <a:cs typeface="HGGothicE" charset="-128"/>
+                  </a:rPr>
+                  <a:t/>
+                </a:r>
+                <a:br>
+                  <a:rPr lang="en-US" altLang="ja-JP" sz="2000" dirty="0" smtClean="0">
+                    <a:latin typeface="HGGothicE" charset="-128"/>
+                    <a:ea typeface="HGGothicE" charset="-128"/>
+                    <a:cs typeface="HGGothicE" charset="-128"/>
+                  </a:rPr>
+                </a:br>
+                <a:r>
+                  <a:rPr lang="ja-JP" altLang="en-US" sz="2000" dirty="0" smtClean="0">
+                    <a:latin typeface="HGGothicE" charset="-128"/>
+                    <a:ea typeface="HGGothicE" charset="-128"/>
+                    <a:cs typeface="HGGothicE" charset="-128"/>
+                  </a:rPr>
+                  <a:t>アクセス</a:t>
+                </a:r>
+                <a:r>
+                  <a:rPr lang="ja-JP" altLang="en-US" sz="2000" dirty="0">
+                    <a:latin typeface="HGGothicE" charset="-128"/>
+                    <a:ea typeface="HGGothicE" charset="-128"/>
+                    <a:cs typeface="HGGothicE" charset="-128"/>
+                  </a:rPr>
+                  <a:t>が</a:t>
+                </a:r>
+                <a14:m>
+                  <m:oMath xmlns:m="http://schemas.openxmlformats.org/officeDocument/2006/math">
+                    <m:r>
+                      <a:rPr lang="en-US" altLang="ja-JP" sz="2000" i="1">
+                        <a:latin typeface="Cambria Math" charset="0"/>
+                        <a:ea typeface="HGGothicE" charset="-128"/>
+                        <a:cs typeface="HGGothicE" charset="-128"/>
+                      </a:rPr>
+                      <m:t>𝑛</m:t>
+                    </m:r>
+                  </m:oMath>
+                </a14:m>
+                <a:r>
+                  <a:rPr lang="ja-JP" altLang="en-US" sz="2000" dirty="0">
+                    <a:latin typeface="HGGothicE" charset="-128"/>
+                    <a:ea typeface="HGGothicE" charset="-128"/>
+                    <a:cs typeface="HGGothicE" charset="-128"/>
+                  </a:rPr>
+                  <a:t>回あった場合、</a:t>
+                </a:r>
+                <a:r>
+                  <a:rPr lang="en-US" altLang="ja-JP" sz="2000" dirty="0">
+                    <a:latin typeface="HGGothicE" charset="-128"/>
+                    <a:ea typeface="HGGothicE" charset="-128"/>
+                    <a:cs typeface="HGGothicE" charset="-128"/>
+                  </a:rPr>
+                  <a:t/>
+                </a:r>
+                <a:br>
+                  <a:rPr lang="en-US" altLang="ja-JP" sz="2000" dirty="0">
+                    <a:latin typeface="HGGothicE" charset="-128"/>
+                    <a:ea typeface="HGGothicE" charset="-128"/>
+                    <a:cs typeface="HGGothicE" charset="-128"/>
+                  </a:rPr>
+                </a:br>
+                <a:r>
+                  <a:rPr lang="ja-JP" altLang="en-US" sz="2000" dirty="0">
+                    <a:latin typeface="HGGothicE" charset="-128"/>
+                    <a:ea typeface="HGGothicE" charset="-128"/>
+                    <a:cs typeface="HGGothicE" charset="-128"/>
+                  </a:rPr>
+                  <a:t>その</a:t>
+                </a:r>
+                <a:r>
+                  <a:rPr lang="en-US" altLang="ja-JP" sz="2000" dirty="0">
+                    <a:latin typeface="HGGothicE" charset="-128"/>
+                    <a:ea typeface="HGGothicE" charset="-128"/>
+                    <a:cs typeface="HGGothicE" charset="-128"/>
+                  </a:rPr>
+                  <a:t>IP</a:t>
+                </a:r>
+                <a:r>
+                  <a:rPr lang="ja-JP" altLang="en-US" sz="2000" dirty="0">
+                    <a:latin typeface="HGGothicE" charset="-128"/>
+                    <a:ea typeface="HGGothicE" charset="-128"/>
+                    <a:cs typeface="HGGothicE" charset="-128"/>
+                  </a:rPr>
+                  <a:t>からのアクセスを</a:t>
+                </a:r>
+                <a:r>
+                  <a:rPr lang="ja-JP" altLang="en-US" sz="2000" dirty="0" smtClean="0">
+                    <a:latin typeface="HGGothicE" charset="-128"/>
+                    <a:ea typeface="HGGothicE" charset="-128"/>
+                    <a:cs typeface="HGGothicE" charset="-128"/>
+                  </a:rPr>
+                  <a:t>遮断</a:t>
+                </a:r>
+                <a:endParaRPr lang="en-US" altLang="ja-JP" sz="2000" dirty="0" smtClean="0">
+                  <a:latin typeface="HGGothicE" charset="-128"/>
+                  <a:ea typeface="HGGothicE" charset="-128"/>
+                  <a:cs typeface="HGGothicE" charset="-128"/>
+                </a:endParaRPr>
+              </a:p>
+              <a:p>
+                <a:pPr marL="3429000" lvl="6" indent="-685800">
+                  <a:buFont typeface="Arial" charset="0"/>
+                  <a:buChar char="•"/>
+                </a:pPr>
+                <a:endParaRPr lang="en-US" altLang="ja-JP" sz="800" dirty="0" smtClean="0">
+                  <a:latin typeface="HGGothicE" charset="-128"/>
+                  <a:ea typeface="HGGothicE" charset="-128"/>
+                  <a:cs typeface="HGGothicE" charset="-128"/>
+                </a:endParaRPr>
+              </a:p>
+              <a:p>
+                <a:pPr marL="1600200" lvl="2" indent="-685800">
+                  <a:buFont typeface="Arial" charset="0"/>
+                  <a:buChar char="•"/>
+                </a:pPr>
+                <a:r>
+                  <a:rPr lang="ja-JP" altLang="en-US" sz="2000" dirty="0" smtClean="0">
+                    <a:latin typeface="HGGothicE" charset="-128"/>
+                    <a:ea typeface="HGGothicE" charset="-128"/>
+                    <a:cs typeface="HGGothicE" charset="-128"/>
+                  </a:rPr>
+                  <a:t>一定時間後、またアクセスが可能に</a:t>
+                </a:r>
+                <a:endParaRPr lang="en-US" altLang="ja-JP" sz="2000" dirty="0">
+                  <a:latin typeface="HGGothicE" charset="-128"/>
+                  <a:ea typeface="HGGothicE" charset="-128"/>
+                  <a:cs typeface="HGGothicE" charset="-128"/>
+                </a:endParaRPr>
+              </a:p>
+              <a:p>
+                <a:pPr marL="1143000" lvl="1" indent="-685800">
+                  <a:buFont typeface="Arial" charset="0"/>
+                  <a:buChar char="•"/>
+                </a:pPr>
+                <a:r>
+                  <a:rPr lang="ja-JP" altLang="en-US" sz="2400" dirty="0" smtClean="0">
+                    <a:latin typeface="HGGothicE" charset="-128"/>
+                    <a:ea typeface="HGGothicE" charset="-128"/>
+                    <a:cs typeface="HGGothicE" charset="-128"/>
+                  </a:rPr>
+                  <a:t>導入目的</a:t>
+                </a:r>
+                <a:endParaRPr lang="en-US" altLang="ja-JP" sz="2400" dirty="0">
+                  <a:latin typeface="HGGothicE" charset="-128"/>
+                  <a:ea typeface="HGGothicE" charset="-128"/>
+                  <a:cs typeface="HGGothicE" charset="-128"/>
+                </a:endParaRPr>
+              </a:p>
+              <a:p>
+                <a:pPr marL="1257300" lvl="2" indent="-342900">
+                  <a:buFont typeface="Arial" panose="020B0604020202020204" pitchFamily="34" charset="0"/>
+                  <a:buChar char="•"/>
+                </a:pPr>
+                <a:r>
+                  <a:rPr lang="ja-JP" altLang="en-US" sz="2000" dirty="0" smtClean="0">
+                    <a:latin typeface="HGGothicE" charset="-128"/>
+                    <a:ea typeface="HGGothicE" charset="-128"/>
+                    <a:cs typeface="HGGothicE" charset="-128"/>
+                  </a:rPr>
+                  <a:t>サーバ</a:t>
+                </a:r>
+                <a:r>
+                  <a:rPr lang="ja-JP" altLang="en-US" sz="2000" dirty="0">
+                    <a:latin typeface="HGGothicE" charset="-128"/>
+                    <a:ea typeface="HGGothicE" charset="-128"/>
+                    <a:cs typeface="HGGothicE" charset="-128"/>
+                  </a:rPr>
+                  <a:t>へのアクセス集中を</a:t>
+                </a:r>
+                <a:r>
+                  <a:rPr lang="ja-JP" altLang="en-US" sz="2000" dirty="0" smtClean="0">
+                    <a:latin typeface="HGGothicE" charset="-128"/>
+                    <a:ea typeface="HGGothicE" charset="-128"/>
+                    <a:cs typeface="HGGothicE" charset="-128"/>
+                  </a:rPr>
+                  <a:t>防止</a:t>
+                </a:r>
+                <a:endParaRPr lang="en-US" altLang="ja-JP" sz="2000" dirty="0" smtClean="0">
+                  <a:latin typeface="HGGothicE" charset="-128"/>
+                  <a:ea typeface="HGGothicE" charset="-128"/>
+                  <a:cs typeface="HGGothicE" charset="-128"/>
+                </a:endParaRPr>
+              </a:p>
+              <a:p>
+                <a:pPr lvl="2"/>
+                <a:r>
+                  <a:rPr lang="ja-JP" altLang="en-US" sz="2000" dirty="0" smtClean="0">
+                    <a:latin typeface="HGGothicE" charset="-128"/>
+                    <a:ea typeface="HGGothicE" charset="-128"/>
+                    <a:cs typeface="HGGothicE" charset="-128"/>
+                  </a:rPr>
+                  <a:t>   →サーバへの負荷を低減することにより、  </a:t>
+                </a:r>
+                <a:endParaRPr lang="en-US" altLang="ja-JP" sz="2000" dirty="0" smtClean="0">
+                  <a:latin typeface="HGGothicE" charset="-128"/>
+                  <a:ea typeface="HGGothicE" charset="-128"/>
+                  <a:cs typeface="HGGothicE" charset="-128"/>
+                </a:endParaRPr>
+              </a:p>
+              <a:p>
+                <a:pPr lvl="2"/>
+                <a:r>
+                  <a:rPr lang="en-US" altLang="ja-JP" sz="2000" dirty="0">
+                    <a:latin typeface="HGGothicE" charset="-128"/>
+                    <a:ea typeface="HGGothicE" charset="-128"/>
+                    <a:cs typeface="HGGothicE" charset="-128"/>
+                  </a:rPr>
+                  <a:t> </a:t>
+                </a:r>
+                <a:r>
+                  <a:rPr lang="en-US" altLang="ja-JP" sz="2000" dirty="0" smtClean="0">
+                    <a:latin typeface="HGGothicE" charset="-128"/>
+                    <a:ea typeface="HGGothicE" charset="-128"/>
+                    <a:cs typeface="HGGothicE" charset="-128"/>
+                  </a:rPr>
+                  <a:t>    </a:t>
+                </a:r>
+                <a:r>
+                  <a:rPr lang="ja-JP" altLang="en-US" sz="2000" dirty="0" smtClean="0">
+                    <a:latin typeface="HGGothicE" charset="-128"/>
+                    <a:ea typeface="HGGothicE" charset="-128"/>
+                    <a:cs typeface="HGGothicE" charset="-128"/>
+                  </a:rPr>
+                  <a:t>サーバが停止することを防ぐ</a:t>
+                </a:r>
+                <a:endParaRPr lang="en-US" altLang="ja-JP" sz="2000" dirty="0">
+                  <a:latin typeface="HGGothicE" charset="-128"/>
+                  <a:ea typeface="HGGothicE" charset="-128"/>
+                  <a:cs typeface="HGGothicE" charset="-128"/>
+                </a:endParaRPr>
+              </a:p>
+              <a:p>
+                <a:pPr marL="1257300" lvl="2" indent="-342900">
+                  <a:buFont typeface="Arial" panose="020B0604020202020204" pitchFamily="34" charset="0"/>
+                  <a:buChar char="•"/>
+                </a:pPr>
+                <a:r>
+                  <a:rPr lang="en-US" altLang="ja-JP" sz="2000" dirty="0" smtClean="0">
+                    <a:latin typeface="HGGothicE" charset="-128"/>
+                    <a:ea typeface="HGGothicE" charset="-128"/>
+                    <a:cs typeface="HGGothicE" charset="-128"/>
+                  </a:rPr>
+                  <a:t>DOS</a:t>
+                </a:r>
+                <a:r>
+                  <a:rPr lang="ja-JP" altLang="en-US" sz="2000" dirty="0">
+                    <a:latin typeface="HGGothicE" charset="-128"/>
+                    <a:ea typeface="HGGothicE" charset="-128"/>
+                    <a:cs typeface="HGGothicE" charset="-128"/>
+                  </a:rPr>
+                  <a:t>攻撃</a:t>
+                </a:r>
+                <a:r>
+                  <a:rPr lang="ja-JP" altLang="en-US" sz="2000" dirty="0" smtClean="0">
+                    <a:latin typeface="HGGothicE" charset="-128"/>
+                    <a:ea typeface="HGGothicE" charset="-128"/>
+                    <a:cs typeface="HGGothicE" charset="-128"/>
+                  </a:rPr>
+                  <a:t>対策</a:t>
+                </a:r>
+                <a:endParaRPr lang="en-US" altLang="ja-JP" sz="2000" dirty="0" smtClean="0">
+                  <a:latin typeface="HGGothicE" charset="-128"/>
+                  <a:ea typeface="HGGothicE" charset="-128"/>
+                  <a:cs typeface="HGGothicE" charset="-128"/>
+                </a:endParaRPr>
+              </a:p>
+              <a:p>
+                <a:pPr lvl="1"/>
+                <a:endParaRPr lang="en-US" altLang="ja-JP" sz="2400" dirty="0">
+                  <a:latin typeface="HGGothicE" charset="-128"/>
+                  <a:ea typeface="HGGothicE" charset="-128"/>
+                  <a:cs typeface="HGGothicE" charset="-128"/>
+                </a:endParaRPr>
+              </a:p>
+              <a:p>
+                <a:pPr lvl="1"/>
+                <a:endParaRPr lang="en-US" altLang="ja-JP" sz="2400" dirty="0" smtClean="0">
+                  <a:latin typeface="HGGothicE" charset="-128"/>
+                  <a:ea typeface="HGGothicE" charset="-128"/>
+                  <a:cs typeface="HGGothicE" charset="-128"/>
+                </a:endParaRPr>
+              </a:p>
+            </p:txBody>
+          </p:sp>
+        </mc:Choice>
+        <mc:Fallback xmlns="">
+          <p:sp>
+            <p:nvSpPr>
+              <p:cNvPr id="3" name="テキスト ボックス 2"/>
+              <p:cNvSpPr txBox="1">
+                <a:spLocks noRot="1" noChangeAspect="1" noMove="1" noResize="1" noEditPoints="1" noAdjustHandles="1" noChangeArrowheads="1" noChangeShapeType="1" noTextEdit="1"/>
+              </p:cNvSpPr>
+              <p:nvPr/>
+            </p:nvSpPr>
+            <p:spPr>
+              <a:xfrm>
+                <a:off x="73573" y="1439003"/>
+                <a:ext cx="6399633" cy="5693866"/>
+              </a:xfrm>
+              <a:prstGeom prst="rect">
+                <a:avLst/>
+              </a:prstGeom>
+              <a:blipFill rotWithShape="1">
+                <a:blip r:embed="rId2"/>
+                <a:stretch>
+                  <a:fillRect l="-1619" t="-1071"/>
+                </a:stretch>
+              </a:blipFill>
+            </p:spPr>
+            <p:txBody>
+              <a:bodyPr/>
+              <a:lstStyle/>
+              <a:p>
+                <a:r>
+                  <a:rPr lang="ja-JP" altLang="en-US">
+                    <a:noFill/>
+                  </a:rPr>
+                  <a:t> </a:t>
+                </a:r>
+              </a:p>
+            </p:txBody>
+          </p:sp>
+        </mc:Fallback>
+      </mc:AlternateContent>
+      <p:grpSp>
+        <p:nvGrpSpPr>
+          <p:cNvPr id="4" name="図形グループ 3"/>
+          <p:cNvGrpSpPr/>
+          <p:nvPr/>
+        </p:nvGrpSpPr>
+        <p:grpSpPr>
+          <a:xfrm>
+            <a:off x="6633847" y="1078041"/>
+            <a:ext cx="5558153" cy="5681867"/>
+            <a:chOff x="6633847" y="1078041"/>
+            <a:chExt cx="5558153" cy="5681867"/>
+          </a:xfrm>
+        </p:grpSpPr>
+        <p:cxnSp>
+          <p:nvCxnSpPr>
+            <p:cNvPr id="5" name="直線矢印コネクタ 4"/>
+            <p:cNvCxnSpPr/>
+            <p:nvPr/>
+          </p:nvCxnSpPr>
+          <p:spPr>
+            <a:xfrm>
+              <a:off x="11085460" y="1627037"/>
+              <a:ext cx="0" cy="5132871"/>
+            </a:xfrm>
+            <a:prstGeom prst="straightConnector1">
+              <a:avLst/>
+            </a:prstGeom>
+            <a:ln>
+              <a:solidFill>
+                <a:schemeClr val="tx1"/>
+              </a:solidFill>
+              <a:tailEnd type="arrow"/>
+            </a:ln>
+          </p:spPr>
+          <p:style>
+            <a:lnRef idx="1">
+              <a:schemeClr val="accent1"/>
+            </a:lnRef>
+            <a:fillRef idx="0">
+              <a:schemeClr val="accent1"/>
+            </a:fillRef>
+            <a:effectRef idx="0">
+              <a:schemeClr val="accent1"/>
+            </a:effectRef>
+            <a:fontRef idx="minor">
+              <a:schemeClr val="tx1"/>
+            </a:fontRef>
+          </p:style>
+        </p:cxnSp>
+        <p:cxnSp>
+          <p:nvCxnSpPr>
+            <p:cNvPr id="6" name="直線矢印コネクタ 5"/>
+            <p:cNvCxnSpPr/>
+            <p:nvPr/>
+          </p:nvCxnSpPr>
+          <p:spPr>
+            <a:xfrm>
+              <a:off x="9108218" y="1588604"/>
+              <a:ext cx="0" cy="5132871"/>
+            </a:xfrm>
+            <a:prstGeom prst="straightConnector1">
+              <a:avLst/>
+            </a:prstGeom>
+            <a:ln>
+              <a:solidFill>
+                <a:schemeClr val="tx1"/>
+              </a:solidFill>
+              <a:tailEnd type="arrow"/>
+            </a:ln>
+          </p:spPr>
+          <p:style>
+            <a:lnRef idx="1">
+              <a:schemeClr val="accent1"/>
+            </a:lnRef>
+            <a:fillRef idx="0">
+              <a:schemeClr val="accent1"/>
+            </a:fillRef>
+            <a:effectRef idx="0">
+              <a:schemeClr val="accent1"/>
+            </a:effectRef>
+            <a:fontRef idx="minor">
+              <a:schemeClr val="tx1"/>
+            </a:fontRef>
+          </p:style>
+        </p:cxnSp>
+        <p:sp>
+          <p:nvSpPr>
+            <p:cNvPr id="7" name="正方形/長方形 6"/>
+            <p:cNvSpPr/>
+            <p:nvPr/>
+          </p:nvSpPr>
+          <p:spPr>
+            <a:xfrm>
+              <a:off x="8651019" y="1080772"/>
+              <a:ext cx="914400" cy="546265"/>
+            </a:xfrm>
+            <a:prstGeom prst="rect">
+              <a:avLst/>
+            </a:prstGeom>
+          </p:spPr>
+          <p:style>
+            <a:lnRef idx="2">
+              <a:schemeClr val="accent1">
+                <a:shade val="50000"/>
+              </a:schemeClr>
+            </a:lnRef>
+            <a:fillRef idx="1">
+              <a:schemeClr val="accent1"/>
+            </a:fillRef>
+            <a:effectRef idx="0">
+              <a:schemeClr val="accent1"/>
+            </a:effectRef>
+            <a:fontRef idx="minor">
+              <a:schemeClr val="lt1"/>
+            </a:fontRef>
+          </p:style>
+          <p:txBody>
+            <a:bodyPr rtlCol="0" anchor="ctr"/>
+            <a:lstStyle/>
+            <a:p>
+              <a:pPr algn="ctr"/>
+              <a:r>
+                <a:rPr kumimoji="1" lang="ja-JP" altLang="en-US" dirty="0" smtClean="0">
+                  <a:latin typeface="HGGothicE" charset="-128"/>
+                  <a:ea typeface="HGGothicE" charset="-128"/>
+                  <a:cs typeface="HGGothicE" charset="-128"/>
+                </a:rPr>
+                <a:t>サーバ</a:t>
+              </a:r>
+              <a:endParaRPr kumimoji="1" lang="ja-JP" altLang="en-US" dirty="0">
+                <a:latin typeface="HGGothicE" charset="-128"/>
+                <a:ea typeface="HGGothicE" charset="-128"/>
+                <a:cs typeface="HGGothicE" charset="-128"/>
+              </a:endParaRPr>
+            </a:p>
+          </p:txBody>
+        </p:sp>
+        <p:sp>
+          <p:nvSpPr>
+            <p:cNvPr id="8" name="正方形/長方形 7"/>
+            <p:cNvSpPr/>
+            <p:nvPr/>
+          </p:nvSpPr>
+          <p:spPr>
+            <a:xfrm>
+              <a:off x="10042155" y="1078041"/>
+              <a:ext cx="1803326" cy="546265"/>
+            </a:xfrm>
+            <a:prstGeom prst="rect">
+              <a:avLst/>
+            </a:prstGeom>
+          </p:spPr>
+          <p:style>
+            <a:lnRef idx="2">
+              <a:schemeClr val="accent1">
+                <a:shade val="50000"/>
+              </a:schemeClr>
+            </a:lnRef>
+            <a:fillRef idx="1">
+              <a:schemeClr val="accent1"/>
+            </a:fillRef>
+            <a:effectRef idx="0">
+              <a:schemeClr val="accent1"/>
+            </a:effectRef>
+            <a:fontRef idx="minor">
+              <a:schemeClr val="lt1"/>
+            </a:fontRef>
+          </p:style>
+          <p:txBody>
+            <a:bodyPr rtlCol="0" anchor="ctr"/>
+            <a:lstStyle/>
+            <a:p>
+              <a:pPr algn="ctr"/>
+              <a:r>
+                <a:rPr lang="en-US" altLang="ja-JP" dirty="0">
+                  <a:latin typeface="HGGothicE" charset="-128"/>
+                  <a:ea typeface="HGGothicE" charset="-128"/>
+                  <a:cs typeface="HGGothicE" charset="-128"/>
+                </a:rPr>
+                <a:t>192.168.1.101</a:t>
+              </a:r>
+              <a:endParaRPr kumimoji="1" lang="ja-JP" altLang="en-US" dirty="0">
+                <a:latin typeface="HGGothicE" charset="-128"/>
+                <a:ea typeface="HGGothicE" charset="-128"/>
+                <a:cs typeface="HGGothicE" charset="-128"/>
+              </a:endParaRPr>
+            </a:p>
+          </p:txBody>
+        </p:sp>
+        <p:cxnSp>
+          <p:nvCxnSpPr>
+            <p:cNvPr id="9" name="直線矢印コネクタ 8"/>
+            <p:cNvCxnSpPr/>
+            <p:nvPr/>
+          </p:nvCxnSpPr>
+          <p:spPr>
+            <a:xfrm flipH="1">
+              <a:off x="9126032" y="2025014"/>
+              <a:ext cx="1959427" cy="0"/>
+            </a:xfrm>
+            <a:prstGeom prst="straightConnector1">
+              <a:avLst/>
+            </a:prstGeom>
+            <a:ln>
+              <a:solidFill>
+                <a:schemeClr val="accent1"/>
+              </a:solidFill>
+              <a:tailEnd type="arrow"/>
+            </a:ln>
+          </p:spPr>
+          <p:style>
+            <a:lnRef idx="1">
+              <a:schemeClr val="accent1"/>
+            </a:lnRef>
+            <a:fillRef idx="0">
+              <a:schemeClr val="accent1"/>
+            </a:fillRef>
+            <a:effectRef idx="0">
+              <a:schemeClr val="accent1"/>
+            </a:effectRef>
+            <a:fontRef idx="minor">
+              <a:schemeClr val="tx1"/>
+            </a:fontRef>
+          </p:style>
+        </p:cxnSp>
+        <p:cxnSp>
+          <p:nvCxnSpPr>
+            <p:cNvPr id="10" name="直線矢印コネクタ 9"/>
+            <p:cNvCxnSpPr/>
+            <p:nvPr/>
+          </p:nvCxnSpPr>
+          <p:spPr>
+            <a:xfrm flipH="1">
+              <a:off x="9126032" y="2179393"/>
+              <a:ext cx="1959428" cy="0"/>
+            </a:xfrm>
+            <a:prstGeom prst="straightConnector1">
+              <a:avLst/>
+            </a:prstGeom>
+            <a:ln>
+              <a:solidFill>
+                <a:schemeClr val="accent1"/>
+              </a:solidFill>
+              <a:tailEnd type="arrow"/>
+            </a:ln>
+          </p:spPr>
+          <p:style>
+            <a:lnRef idx="1">
+              <a:schemeClr val="accent1"/>
+            </a:lnRef>
+            <a:fillRef idx="0">
+              <a:schemeClr val="accent1"/>
+            </a:fillRef>
+            <a:effectRef idx="0">
+              <a:schemeClr val="accent1"/>
+            </a:effectRef>
+            <a:fontRef idx="minor">
+              <a:schemeClr val="tx1"/>
+            </a:fontRef>
+          </p:style>
+        </p:cxnSp>
+        <p:sp>
+          <p:nvSpPr>
+            <p:cNvPr id="11" name="テキスト ボックス 10"/>
+            <p:cNvSpPr txBox="1"/>
+            <p:nvPr/>
+          </p:nvSpPr>
+          <p:spPr>
+            <a:xfrm rot="5400000">
+              <a:off x="9625274" y="2964783"/>
+              <a:ext cx="795646" cy="307777"/>
+            </a:xfrm>
+            <a:prstGeom prst="rect">
+              <a:avLst/>
+            </a:prstGeom>
+            <a:noFill/>
+            <a:ln>
+              <a:noFill/>
+            </a:ln>
+          </p:spPr>
+          <p:txBody>
+            <a:bodyPr wrap="square" rtlCol="0">
+              <a:spAutoFit/>
+            </a:bodyPr>
+            <a:lstStyle/>
+            <a:p>
+              <a:r>
+                <a:rPr lang="ja-JP" altLang="en-US" sz="1400" dirty="0">
+                  <a:solidFill>
+                    <a:srgbClr val="FF0000"/>
+                  </a:solidFill>
+                  <a:latin typeface="HGGothicE" charset="-128"/>
+                  <a:ea typeface="HGGothicE" charset="-128"/>
+                  <a:cs typeface="HGGothicE" charset="-128"/>
+                </a:rPr>
+                <a:t>・・・</a:t>
+              </a:r>
+              <a:endParaRPr kumimoji="1" lang="ja-JP" altLang="en-US" sz="1400" dirty="0">
+                <a:solidFill>
+                  <a:srgbClr val="FF0000"/>
+                </a:solidFill>
+                <a:latin typeface="HGGothicE" charset="-128"/>
+                <a:ea typeface="HGGothicE" charset="-128"/>
+                <a:cs typeface="HGGothicE" charset="-128"/>
+              </a:endParaRPr>
+            </a:p>
+          </p:txBody>
+        </p:sp>
+        <p:cxnSp>
+          <p:nvCxnSpPr>
+            <p:cNvPr id="12" name="直線矢印コネクタ 11"/>
+            <p:cNvCxnSpPr/>
+            <p:nvPr/>
+          </p:nvCxnSpPr>
+          <p:spPr>
+            <a:xfrm flipH="1">
+              <a:off x="9117125" y="3501106"/>
+              <a:ext cx="1977242" cy="0"/>
+            </a:xfrm>
+            <a:prstGeom prst="straightConnector1">
+              <a:avLst/>
+            </a:prstGeom>
+            <a:ln>
+              <a:solidFill>
+                <a:schemeClr val="accent1"/>
+              </a:solidFill>
+              <a:tailEnd type="arrow"/>
+            </a:ln>
+          </p:spPr>
+          <p:style>
+            <a:lnRef idx="1">
+              <a:schemeClr val="accent1"/>
+            </a:lnRef>
+            <a:fillRef idx="0">
+              <a:schemeClr val="accent1"/>
+            </a:fillRef>
+            <a:effectRef idx="0">
+              <a:schemeClr val="accent1"/>
+            </a:effectRef>
+            <a:fontRef idx="minor">
+              <a:schemeClr val="tx1"/>
+            </a:fontRef>
+          </p:style>
+        </p:cxnSp>
+        <p:cxnSp>
+          <p:nvCxnSpPr>
+            <p:cNvPr id="13" name="直線矢印コネクタ 12"/>
+            <p:cNvCxnSpPr/>
+            <p:nvPr/>
+          </p:nvCxnSpPr>
+          <p:spPr>
+            <a:xfrm flipH="1">
+              <a:off x="9099310" y="3641853"/>
+              <a:ext cx="1977242" cy="0"/>
+            </a:xfrm>
+            <a:prstGeom prst="straightConnector1">
+              <a:avLst/>
+            </a:prstGeom>
+            <a:ln>
+              <a:solidFill>
+                <a:schemeClr val="accent1"/>
+              </a:solidFill>
+              <a:tailEnd type="arrow"/>
+            </a:ln>
+          </p:spPr>
+          <p:style>
+            <a:lnRef idx="1">
+              <a:schemeClr val="accent1"/>
+            </a:lnRef>
+            <a:fillRef idx="0">
+              <a:schemeClr val="accent1"/>
+            </a:fillRef>
+            <a:effectRef idx="0">
+              <a:schemeClr val="accent1"/>
+            </a:effectRef>
+            <a:fontRef idx="minor">
+              <a:schemeClr val="tx1"/>
+            </a:fontRef>
+          </p:style>
+        </p:cxnSp>
+        <p:sp>
+          <p:nvSpPr>
+            <p:cNvPr id="14" name="左中かっこ 13"/>
+            <p:cNvSpPr/>
+            <p:nvPr/>
+          </p:nvSpPr>
+          <p:spPr>
+            <a:xfrm>
+              <a:off x="8651019" y="1922478"/>
+              <a:ext cx="338437" cy="2118058"/>
+            </a:xfrm>
+            <a:prstGeom prst="leftBrace">
+              <a:avLst/>
+            </a:prstGeom>
+          </p:spPr>
+          <p:style>
+            <a:lnRef idx="1">
+              <a:schemeClr val="dk1"/>
+            </a:lnRef>
+            <a:fillRef idx="0">
+              <a:schemeClr val="dk1"/>
+            </a:fillRef>
+            <a:effectRef idx="0">
+              <a:schemeClr val="dk1"/>
+            </a:effectRef>
+            <a:fontRef idx="minor">
+              <a:schemeClr val="tx1"/>
+            </a:fontRef>
+          </p:style>
+          <p:txBody>
+            <a:bodyPr rtlCol="0" anchor="ctr"/>
+            <a:lstStyle/>
+            <a:p>
+              <a:pPr algn="ctr"/>
+              <a:endParaRPr kumimoji="1" lang="ja-JP" altLang="en-US">
+                <a:latin typeface="HGGothicE" charset="-128"/>
+                <a:ea typeface="HGGothicE" charset="-128"/>
+                <a:cs typeface="HGGothicE" charset="-128"/>
+              </a:endParaRPr>
+            </a:p>
+          </p:txBody>
+        </p:sp>
+        <p:cxnSp>
+          <p:nvCxnSpPr>
+            <p:cNvPr id="15" name="直線矢印コネクタ 14"/>
+            <p:cNvCxnSpPr/>
+            <p:nvPr/>
+          </p:nvCxnSpPr>
+          <p:spPr>
+            <a:xfrm>
+              <a:off x="11287329" y="1922478"/>
+              <a:ext cx="0" cy="2048059"/>
+            </a:xfrm>
+            <a:prstGeom prst="straightConnector1">
+              <a:avLst/>
+            </a:prstGeom>
+            <a:ln>
+              <a:headEnd type="arrow"/>
+              <a:tailEnd type="arrow"/>
+            </a:ln>
+          </p:spPr>
+          <p:style>
+            <a:lnRef idx="1">
+              <a:schemeClr val="dk1"/>
+            </a:lnRef>
+            <a:fillRef idx="0">
+              <a:schemeClr val="dk1"/>
+            </a:fillRef>
+            <a:effectRef idx="0">
+              <a:schemeClr val="dk1"/>
+            </a:effectRef>
+            <a:fontRef idx="minor">
+              <a:schemeClr val="tx1"/>
+            </a:fontRef>
+          </p:style>
+        </p:cxnSp>
+        <mc:AlternateContent xmlns:mc="http://schemas.openxmlformats.org/markup-compatibility/2006" xmlns:a14="http://schemas.microsoft.com/office/drawing/2010/main">
+          <mc:Choice Requires="a14">
+            <p:sp>
+              <p:nvSpPr>
+                <p:cNvPr id="16" name="テキスト ボックス 15"/>
+                <p:cNvSpPr txBox="1"/>
+                <p:nvPr/>
+              </p:nvSpPr>
+              <p:spPr>
+                <a:xfrm>
+                  <a:off x="11287329" y="2351516"/>
+                  <a:ext cx="904671" cy="369332"/>
+                </a:xfrm>
+                <a:prstGeom prst="rect">
+                  <a:avLst/>
+                </a:prstGeom>
+                <a:noFill/>
+              </p:spPr>
+              <p:txBody>
+                <a:bodyPr wrap="none" rtlCol="0">
+                  <a:spAutoFit/>
+                </a:bodyPr>
+                <a:lstStyle/>
+                <a:p>
+                  <a14:m>
+                    <m:oMath xmlns:m="http://schemas.openxmlformats.org/officeDocument/2006/math">
+                      <m:r>
+                        <a:rPr lang="en-US" altLang="ja-JP" i="1">
+                          <a:latin typeface="Cambria Math" charset="0"/>
+                          <a:ea typeface="HGGothicE" charset="-128"/>
+                          <a:cs typeface="HGGothicE" charset="-128"/>
+                        </a:rPr>
+                        <m:t>𝑇</m:t>
+                      </m:r>
+                    </m:oMath>
+                  </a14:m>
+                  <a:r>
+                    <a:rPr kumimoji="1" lang="en-US" altLang="ja-JP" dirty="0" smtClean="0">
+                      <a:latin typeface="HGGothicE" charset="-128"/>
+                      <a:ea typeface="HGGothicE" charset="-128"/>
+                      <a:cs typeface="HGGothicE" charset="-128"/>
+                    </a:rPr>
+                    <a:t>[sec]</a:t>
+                  </a:r>
+                  <a:endParaRPr kumimoji="1" lang="ja-JP" altLang="en-US" dirty="0">
+                    <a:latin typeface="HGGothicE" charset="-128"/>
+                    <a:ea typeface="HGGothicE" charset="-128"/>
+                    <a:cs typeface="HGGothicE" charset="-128"/>
+                  </a:endParaRPr>
+                </a:p>
+              </p:txBody>
+            </p:sp>
+          </mc:Choice>
+          <mc:Fallback xmlns="">
+            <p:sp>
+              <p:nvSpPr>
+                <p:cNvPr id="41" name="テキスト ボックス 40"/>
+                <p:cNvSpPr txBox="1">
+                  <a:spLocks noRot="1" noChangeAspect="1" noMove="1" noResize="1" noEditPoints="1" noAdjustHandles="1" noChangeArrowheads="1" noChangeShapeType="1" noTextEdit="1"/>
+                </p:cNvSpPr>
+                <p:nvPr/>
+              </p:nvSpPr>
+              <p:spPr>
+                <a:xfrm>
+                  <a:off x="11287329" y="2351516"/>
+                  <a:ext cx="904671" cy="369332"/>
+                </a:xfrm>
+                <a:prstGeom prst="rect">
+                  <a:avLst/>
+                </a:prstGeom>
+                <a:blipFill rotWithShape="0">
+                  <a:blip r:embed="rId4"/>
+                  <a:stretch>
+                    <a:fillRect t="-13333" r="-5405" b="-23333"/>
+                  </a:stretch>
+                </a:blipFill>
+              </p:spPr>
+              <p:txBody>
+                <a:bodyPr/>
+                <a:lstStyle/>
+                <a:p>
+                  <a:r>
+                    <a:rPr lang="ja-JP" altLang="en-US">
+                      <a:noFill/>
+                    </a:rPr>
+                    <a:t> </a:t>
+                  </a:r>
+                </a:p>
+              </p:txBody>
+            </p:sp>
+          </mc:Fallback>
+        </mc:AlternateContent>
+        <mc:AlternateContent xmlns:mc="http://schemas.openxmlformats.org/markup-compatibility/2006" xmlns:a14="http://schemas.microsoft.com/office/drawing/2010/main">
+          <mc:Choice Requires="a14">
+            <p:sp>
+              <p:nvSpPr>
+                <p:cNvPr id="17" name="テキスト ボックス 16"/>
+                <p:cNvSpPr txBox="1"/>
+                <p:nvPr/>
+              </p:nvSpPr>
+              <p:spPr>
+                <a:xfrm>
+                  <a:off x="6850525" y="2658341"/>
+                  <a:ext cx="1800493" cy="669992"/>
+                </a:xfrm>
+                <a:prstGeom prst="rect">
+                  <a:avLst/>
+                </a:prstGeom>
+                <a:noFill/>
+                <a:ln>
+                  <a:solidFill>
+                    <a:schemeClr val="tx1"/>
+                  </a:solidFill>
+                </a:ln>
+              </p:spPr>
+              <p:txBody>
+                <a:bodyPr wrap="none" rtlCol="0">
+                  <a:spAutoFit/>
+                </a:bodyPr>
+                <a:lstStyle/>
+                <a:p>
+                  <a14:m>
+                    <m:oMath xmlns:m="http://schemas.openxmlformats.org/officeDocument/2006/math">
+                      <m:r>
+                        <a:rPr lang="en-US" altLang="ja-JP" i="1">
+                          <a:latin typeface="Cambria Math" charset="0"/>
+                          <a:ea typeface="HGGothicE" charset="-128"/>
+                          <a:cs typeface="HGGothicE" charset="-128"/>
+                        </a:rPr>
+                        <m:t>𝑇</m:t>
+                      </m:r>
+                    </m:oMath>
+                  </a14:m>
+                  <a:r>
+                    <a:rPr kumimoji="1" lang="en-US" altLang="ja-JP" dirty="0" smtClean="0">
+                      <a:latin typeface="HGGothicE" charset="-128"/>
+                      <a:ea typeface="HGGothicE" charset="-128"/>
+                      <a:cs typeface="HGGothicE" charset="-128"/>
+                    </a:rPr>
+                    <a:t>[sec]</a:t>
+                  </a:r>
+                  <a:r>
+                    <a:rPr kumimoji="1" lang="ja-JP" altLang="en-US" dirty="0" smtClean="0">
+                      <a:latin typeface="HGGothicE" charset="-128"/>
+                      <a:ea typeface="HGGothicE" charset="-128"/>
+                      <a:cs typeface="HGGothicE" charset="-128"/>
+                    </a:rPr>
+                    <a:t>間に</a:t>
+                  </a:r>
+                  <a:r>
+                    <a:rPr kumimoji="1" lang="en-US" altLang="ja-JP" dirty="0" smtClean="0">
+                      <a:latin typeface="HGGothicE" charset="-128"/>
+                      <a:ea typeface="HGGothicE" charset="-128"/>
+                      <a:cs typeface="HGGothicE" charset="-128"/>
+                    </a:rPr>
+                    <a:t/>
+                  </a:r>
+                  <a:br>
+                    <a:rPr kumimoji="1" lang="en-US" altLang="ja-JP" dirty="0" smtClean="0">
+                      <a:latin typeface="HGGothicE" charset="-128"/>
+                      <a:ea typeface="HGGothicE" charset="-128"/>
+                      <a:cs typeface="HGGothicE" charset="-128"/>
+                    </a:rPr>
+                  </a:br>
+                  <a:r>
+                    <a:rPr kumimoji="1" lang="ja-JP" altLang="en-US" dirty="0" smtClean="0">
+                      <a:latin typeface="HGGothicE" charset="-128"/>
+                      <a:ea typeface="HGGothicE" charset="-128"/>
+                      <a:cs typeface="HGGothicE" charset="-128"/>
+                    </a:rPr>
+                    <a:t>アクセスが集中</a:t>
+                  </a:r>
+                  <a:endParaRPr kumimoji="1" lang="ja-JP" altLang="en-US" dirty="0">
+                    <a:latin typeface="HGGothicE" charset="-128"/>
+                    <a:ea typeface="HGGothicE" charset="-128"/>
+                    <a:cs typeface="HGGothicE" charset="-128"/>
+                  </a:endParaRPr>
+                </a:p>
+              </p:txBody>
+            </p:sp>
+          </mc:Choice>
+          <mc:Fallback xmlns="">
+            <p:sp>
+              <p:nvSpPr>
+                <p:cNvPr id="42" name="テキスト ボックス 41"/>
+                <p:cNvSpPr txBox="1">
+                  <a:spLocks noRot="1" noChangeAspect="1" noMove="1" noResize="1" noEditPoints="1" noAdjustHandles="1" noChangeArrowheads="1" noChangeShapeType="1" noTextEdit="1"/>
+                </p:cNvSpPr>
+                <p:nvPr/>
+              </p:nvSpPr>
+              <p:spPr>
+                <a:xfrm>
+                  <a:off x="6850525" y="2658341"/>
+                  <a:ext cx="1800493" cy="669992"/>
+                </a:xfrm>
+                <a:prstGeom prst="rect">
+                  <a:avLst/>
+                </a:prstGeom>
+                <a:blipFill rotWithShape="0">
+                  <a:blip r:embed="rId5"/>
+                  <a:stretch>
+                    <a:fillRect l="-2694" t="-5357" r="-2357" b="-8929"/>
+                  </a:stretch>
+                </a:blipFill>
+                <a:ln>
+                  <a:solidFill>
+                    <a:schemeClr val="tx1"/>
+                  </a:solidFill>
+                </a:ln>
+              </p:spPr>
+              <p:txBody>
+                <a:bodyPr/>
+                <a:lstStyle/>
+                <a:p>
+                  <a:r>
+                    <a:rPr lang="ja-JP" altLang="en-US">
+                      <a:noFill/>
+                    </a:rPr>
+                    <a:t> </a:t>
+                  </a:r>
+                </a:p>
+              </p:txBody>
+            </p:sp>
+          </mc:Fallback>
+        </mc:AlternateContent>
+        <p:cxnSp>
+          <p:nvCxnSpPr>
+            <p:cNvPr id="18" name="直線矢印コネクタ 17"/>
+            <p:cNvCxnSpPr/>
+            <p:nvPr/>
+          </p:nvCxnSpPr>
+          <p:spPr>
+            <a:xfrm flipH="1">
+              <a:off x="9108218" y="3799516"/>
+              <a:ext cx="1959427" cy="0"/>
+            </a:xfrm>
+            <a:prstGeom prst="straightConnector1">
+              <a:avLst/>
+            </a:prstGeom>
+            <a:ln>
+              <a:solidFill>
+                <a:schemeClr val="accent1"/>
+              </a:solidFill>
+              <a:tailEnd type="arrow"/>
+            </a:ln>
+          </p:spPr>
+          <p:style>
+            <a:lnRef idx="1">
+              <a:schemeClr val="accent1"/>
+            </a:lnRef>
+            <a:fillRef idx="0">
+              <a:schemeClr val="accent1"/>
+            </a:fillRef>
+            <a:effectRef idx="0">
+              <a:schemeClr val="accent1"/>
+            </a:effectRef>
+            <a:fontRef idx="minor">
+              <a:schemeClr val="tx1"/>
+            </a:fontRef>
+          </p:style>
+        </p:cxnSp>
+        <p:cxnSp>
+          <p:nvCxnSpPr>
+            <p:cNvPr id="19" name="直線矢印コネクタ 18"/>
+            <p:cNvCxnSpPr/>
+            <p:nvPr/>
+          </p:nvCxnSpPr>
+          <p:spPr>
+            <a:xfrm flipH="1">
+              <a:off x="9108218" y="3953895"/>
+              <a:ext cx="1959428" cy="0"/>
+            </a:xfrm>
+            <a:prstGeom prst="straightConnector1">
+              <a:avLst/>
+            </a:prstGeom>
+            <a:ln>
+              <a:solidFill>
+                <a:schemeClr val="accent1"/>
+              </a:solidFill>
+              <a:tailEnd type="arrow"/>
+            </a:ln>
+          </p:spPr>
+          <p:style>
+            <a:lnRef idx="1">
+              <a:schemeClr val="accent1"/>
+            </a:lnRef>
+            <a:fillRef idx="0">
+              <a:schemeClr val="accent1"/>
+            </a:fillRef>
+            <a:effectRef idx="0">
+              <a:schemeClr val="accent1"/>
+            </a:effectRef>
+            <a:fontRef idx="minor">
+              <a:schemeClr val="tx1"/>
+            </a:fontRef>
+          </p:style>
+        </p:cxnSp>
+        <p:cxnSp>
+          <p:nvCxnSpPr>
+            <p:cNvPr id="20" name="直線矢印コネクタ 19"/>
+            <p:cNvCxnSpPr/>
+            <p:nvPr/>
+          </p:nvCxnSpPr>
+          <p:spPr>
+            <a:xfrm flipH="1">
+              <a:off x="9117124" y="2339640"/>
+              <a:ext cx="1977242" cy="0"/>
+            </a:xfrm>
+            <a:prstGeom prst="straightConnector1">
+              <a:avLst/>
+            </a:prstGeom>
+            <a:ln>
+              <a:solidFill>
+                <a:schemeClr val="accent1"/>
+              </a:solidFill>
+              <a:tailEnd type="arrow"/>
+            </a:ln>
+          </p:spPr>
+          <p:style>
+            <a:lnRef idx="1">
+              <a:schemeClr val="accent1"/>
+            </a:lnRef>
+            <a:fillRef idx="0">
+              <a:schemeClr val="accent1"/>
+            </a:fillRef>
+            <a:effectRef idx="0">
+              <a:schemeClr val="accent1"/>
+            </a:effectRef>
+            <a:fontRef idx="minor">
+              <a:schemeClr val="tx1"/>
+            </a:fontRef>
+          </p:style>
+        </p:cxnSp>
+        <p:cxnSp>
+          <p:nvCxnSpPr>
+            <p:cNvPr id="21" name="直線矢印コネクタ 20"/>
+            <p:cNvCxnSpPr/>
+            <p:nvPr/>
+          </p:nvCxnSpPr>
+          <p:spPr>
+            <a:xfrm flipH="1">
+              <a:off x="9090405" y="2536182"/>
+              <a:ext cx="1977242" cy="0"/>
+            </a:xfrm>
+            <a:prstGeom prst="straightConnector1">
+              <a:avLst/>
+            </a:prstGeom>
+            <a:ln>
+              <a:solidFill>
+                <a:schemeClr val="accent1"/>
+              </a:solidFill>
+              <a:tailEnd type="arrow"/>
+            </a:ln>
+          </p:spPr>
+          <p:style>
+            <a:lnRef idx="1">
+              <a:schemeClr val="accent1"/>
+            </a:lnRef>
+            <a:fillRef idx="0">
+              <a:schemeClr val="accent1"/>
+            </a:fillRef>
+            <a:effectRef idx="0">
+              <a:schemeClr val="accent1"/>
+            </a:effectRef>
+            <a:fontRef idx="minor">
+              <a:schemeClr val="tx1"/>
+            </a:fontRef>
+          </p:style>
+        </p:cxnSp>
+        <p:cxnSp>
+          <p:nvCxnSpPr>
+            <p:cNvPr id="22" name="直線矢印コネクタ 21"/>
+            <p:cNvCxnSpPr/>
+            <p:nvPr/>
+          </p:nvCxnSpPr>
+          <p:spPr>
+            <a:xfrm flipH="1">
+              <a:off x="10023097" y="4193472"/>
+              <a:ext cx="1062363" cy="0"/>
+            </a:xfrm>
+            <a:prstGeom prst="straightConnector1">
+              <a:avLst/>
+            </a:prstGeom>
+            <a:ln>
+              <a:solidFill>
+                <a:schemeClr val="accent1"/>
+              </a:solidFill>
+              <a:tailEnd type="arrow"/>
+            </a:ln>
+          </p:spPr>
+          <p:style>
+            <a:lnRef idx="1">
+              <a:schemeClr val="accent1"/>
+            </a:lnRef>
+            <a:fillRef idx="0">
+              <a:schemeClr val="accent1"/>
+            </a:fillRef>
+            <a:effectRef idx="0">
+              <a:schemeClr val="accent1"/>
+            </a:effectRef>
+            <a:fontRef idx="minor">
+              <a:schemeClr val="tx1"/>
+            </a:fontRef>
+          </p:style>
+        </p:cxnSp>
+        <p:cxnSp>
+          <p:nvCxnSpPr>
+            <p:cNvPr id="23" name="直線矢印コネクタ 22"/>
+            <p:cNvCxnSpPr/>
+            <p:nvPr/>
+          </p:nvCxnSpPr>
+          <p:spPr>
+            <a:xfrm flipH="1">
+              <a:off x="10042154" y="4382034"/>
+              <a:ext cx="1062363" cy="0"/>
+            </a:xfrm>
+            <a:prstGeom prst="straightConnector1">
+              <a:avLst/>
+            </a:prstGeom>
+            <a:ln>
+              <a:solidFill>
+                <a:schemeClr val="accent1"/>
+              </a:solidFill>
+              <a:tailEnd type="arrow"/>
+            </a:ln>
+          </p:spPr>
+          <p:style>
+            <a:lnRef idx="1">
+              <a:schemeClr val="accent1"/>
+            </a:lnRef>
+            <a:fillRef idx="0">
+              <a:schemeClr val="accent1"/>
+            </a:fillRef>
+            <a:effectRef idx="0">
+              <a:schemeClr val="accent1"/>
+            </a:effectRef>
+            <a:fontRef idx="minor">
+              <a:schemeClr val="tx1"/>
+            </a:fontRef>
+          </p:style>
+        </p:cxnSp>
+        <p:sp>
+          <p:nvSpPr>
+            <p:cNvPr id="24" name="テキスト ボックス 23"/>
+            <p:cNvSpPr txBox="1"/>
+            <p:nvPr/>
+          </p:nvSpPr>
+          <p:spPr>
+            <a:xfrm rot="5400000">
+              <a:off x="9625274" y="5133241"/>
+              <a:ext cx="795646" cy="307777"/>
+            </a:xfrm>
+            <a:prstGeom prst="rect">
+              <a:avLst/>
+            </a:prstGeom>
+            <a:noFill/>
+            <a:ln>
+              <a:noFill/>
+            </a:ln>
+          </p:spPr>
+          <p:txBody>
+            <a:bodyPr wrap="square" rtlCol="0">
+              <a:spAutoFit/>
+            </a:bodyPr>
+            <a:lstStyle/>
+            <a:p>
+              <a:r>
+                <a:rPr lang="ja-JP" altLang="en-US" sz="1400" dirty="0">
+                  <a:solidFill>
+                    <a:srgbClr val="FF0000"/>
+                  </a:solidFill>
+                  <a:latin typeface="HGGothicE" charset="-128"/>
+                  <a:ea typeface="HGGothicE" charset="-128"/>
+                  <a:cs typeface="HGGothicE" charset="-128"/>
+                </a:rPr>
+                <a:t>・・・</a:t>
+              </a:r>
+              <a:endParaRPr kumimoji="1" lang="ja-JP" altLang="en-US" sz="1400" dirty="0">
+                <a:solidFill>
+                  <a:srgbClr val="FF0000"/>
+                </a:solidFill>
+                <a:latin typeface="HGGothicE" charset="-128"/>
+                <a:ea typeface="HGGothicE" charset="-128"/>
+                <a:cs typeface="HGGothicE" charset="-128"/>
+              </a:endParaRPr>
+            </a:p>
+          </p:txBody>
+        </p:sp>
+        <p:cxnSp>
+          <p:nvCxnSpPr>
+            <p:cNvPr id="25" name="直線矢印コネクタ 24"/>
+            <p:cNvCxnSpPr/>
+            <p:nvPr/>
+          </p:nvCxnSpPr>
+          <p:spPr>
+            <a:xfrm flipH="1">
+              <a:off x="10023097" y="5669564"/>
+              <a:ext cx="1071270" cy="15389"/>
+            </a:xfrm>
+            <a:prstGeom prst="straightConnector1">
+              <a:avLst/>
+            </a:prstGeom>
+            <a:ln>
+              <a:solidFill>
+                <a:schemeClr val="accent1"/>
+              </a:solidFill>
+              <a:tailEnd type="arrow"/>
+            </a:ln>
+          </p:spPr>
+          <p:style>
+            <a:lnRef idx="1">
+              <a:schemeClr val="accent1"/>
+            </a:lnRef>
+            <a:fillRef idx="0">
+              <a:schemeClr val="accent1"/>
+            </a:fillRef>
+            <a:effectRef idx="0">
+              <a:schemeClr val="accent1"/>
+            </a:effectRef>
+            <a:fontRef idx="minor">
+              <a:schemeClr val="tx1"/>
+            </a:fontRef>
+          </p:style>
+        </p:cxnSp>
+        <p:cxnSp>
+          <p:nvCxnSpPr>
+            <p:cNvPr id="26" name="直線矢印コネクタ 25"/>
+            <p:cNvCxnSpPr/>
+            <p:nvPr/>
+          </p:nvCxnSpPr>
+          <p:spPr>
+            <a:xfrm flipH="1">
+              <a:off x="10023097" y="4591225"/>
+              <a:ext cx="1071269" cy="0"/>
+            </a:xfrm>
+            <a:prstGeom prst="straightConnector1">
+              <a:avLst/>
+            </a:prstGeom>
+            <a:ln>
+              <a:solidFill>
+                <a:schemeClr val="accent1"/>
+              </a:solidFill>
+              <a:tailEnd type="arrow"/>
+            </a:ln>
+          </p:spPr>
+          <p:style>
+            <a:lnRef idx="1">
+              <a:schemeClr val="accent1"/>
+            </a:lnRef>
+            <a:fillRef idx="0">
+              <a:schemeClr val="accent1"/>
+            </a:fillRef>
+            <a:effectRef idx="0">
+              <a:schemeClr val="accent1"/>
+            </a:effectRef>
+            <a:fontRef idx="minor">
+              <a:schemeClr val="tx1"/>
+            </a:fontRef>
+          </p:style>
+        </p:cxnSp>
+        <p:cxnSp>
+          <p:nvCxnSpPr>
+            <p:cNvPr id="27" name="直線矢印コネクタ 26"/>
+            <p:cNvCxnSpPr/>
+            <p:nvPr/>
+          </p:nvCxnSpPr>
+          <p:spPr>
+            <a:xfrm flipH="1">
+              <a:off x="10115895" y="4810301"/>
+              <a:ext cx="988622" cy="0"/>
+            </a:xfrm>
+            <a:prstGeom prst="straightConnector1">
+              <a:avLst/>
+            </a:prstGeom>
+            <a:ln>
+              <a:solidFill>
+                <a:schemeClr val="accent1"/>
+              </a:solidFill>
+              <a:tailEnd type="arrow"/>
+            </a:ln>
+          </p:spPr>
+          <p:style>
+            <a:lnRef idx="1">
+              <a:schemeClr val="accent1"/>
+            </a:lnRef>
+            <a:fillRef idx="0">
+              <a:schemeClr val="accent1"/>
+            </a:fillRef>
+            <a:effectRef idx="0">
+              <a:schemeClr val="accent1"/>
+            </a:effectRef>
+            <a:fontRef idx="minor">
+              <a:schemeClr val="tx1"/>
+            </a:fontRef>
+          </p:style>
+        </p:cxnSp>
+        <p:sp>
+          <p:nvSpPr>
+            <p:cNvPr id="28" name="テキスト ボックス 27"/>
+            <p:cNvSpPr txBox="1"/>
+            <p:nvPr/>
+          </p:nvSpPr>
+          <p:spPr>
+            <a:xfrm>
+              <a:off x="9565419" y="1717237"/>
+              <a:ext cx="902811" cy="307777"/>
+            </a:xfrm>
+            <a:prstGeom prst="rect">
+              <a:avLst/>
+            </a:prstGeom>
+            <a:noFill/>
+          </p:spPr>
+          <p:txBody>
+            <a:bodyPr wrap="none" rtlCol="0">
+              <a:spAutoFit/>
+            </a:bodyPr>
+            <a:lstStyle/>
+            <a:p>
+              <a:r>
+                <a:rPr lang="ja-JP" altLang="en-US" sz="1400" dirty="0">
+                  <a:latin typeface="HGGothicE" charset="-128"/>
+                  <a:ea typeface="HGGothicE" charset="-128"/>
+                  <a:cs typeface="HGGothicE" charset="-128"/>
+                </a:rPr>
+                <a:t>アクセス</a:t>
+              </a:r>
+              <a:endParaRPr kumimoji="1" lang="ja-JP" altLang="en-US" sz="1400" dirty="0">
+                <a:latin typeface="HGGothicE" charset="-128"/>
+                <a:ea typeface="HGGothicE" charset="-128"/>
+                <a:cs typeface="HGGothicE" charset="-128"/>
+              </a:endParaRPr>
+            </a:p>
+          </p:txBody>
+        </p:sp>
+        <p:sp>
+          <p:nvSpPr>
+            <p:cNvPr id="29" name="加算記号 28"/>
+            <p:cNvSpPr/>
+            <p:nvPr/>
+          </p:nvSpPr>
+          <p:spPr>
+            <a:xfrm rot="2764767">
+              <a:off x="9948080" y="4035805"/>
+              <a:ext cx="315332" cy="315332"/>
+            </a:xfrm>
+            <a:prstGeom prst="mathPlus">
+              <a:avLst>
+                <a:gd name="adj1" fmla="val 11226"/>
+              </a:avLst>
+            </a:prstGeom>
+            <a:solidFill>
+              <a:srgbClr val="FF0000"/>
+            </a:solidFill>
+            <a:ln>
+              <a:solidFill>
+                <a:srgbClr val="FF0000"/>
+              </a:solidFill>
+            </a:ln>
+          </p:spPr>
+          <p:style>
+            <a:lnRef idx="2">
+              <a:schemeClr val="accent1">
+                <a:shade val="50000"/>
+              </a:schemeClr>
+            </a:lnRef>
+            <a:fillRef idx="1">
+              <a:schemeClr val="accent1"/>
+            </a:fillRef>
+            <a:effectRef idx="0">
+              <a:schemeClr val="accent1"/>
+            </a:effectRef>
+            <a:fontRef idx="minor">
+              <a:schemeClr val="lt1"/>
+            </a:fontRef>
+          </p:style>
+          <p:txBody>
+            <a:bodyPr rtlCol="0" anchor="ctr"/>
+            <a:lstStyle/>
+            <a:p>
+              <a:pPr algn="ctr"/>
+              <a:endParaRPr kumimoji="1" lang="ja-JP" altLang="en-US">
+                <a:latin typeface="HGGothicE" charset="-128"/>
+                <a:ea typeface="HGGothicE" charset="-128"/>
+                <a:cs typeface="HGGothicE" charset="-128"/>
+              </a:endParaRPr>
+            </a:p>
+          </p:txBody>
+        </p:sp>
+        <p:sp>
+          <p:nvSpPr>
+            <p:cNvPr id="30" name="加算記号 29"/>
+            <p:cNvSpPr/>
+            <p:nvPr/>
+          </p:nvSpPr>
+          <p:spPr>
+            <a:xfrm rot="2764767">
+              <a:off x="9948080" y="4258739"/>
+              <a:ext cx="315332" cy="315332"/>
+            </a:xfrm>
+            <a:prstGeom prst="mathPlus">
+              <a:avLst>
+                <a:gd name="adj1" fmla="val 11226"/>
+              </a:avLst>
+            </a:prstGeom>
+            <a:solidFill>
+              <a:srgbClr val="FF0000"/>
+            </a:solidFill>
+            <a:ln>
+              <a:solidFill>
+                <a:srgbClr val="FF0000"/>
+              </a:solidFill>
+            </a:ln>
+          </p:spPr>
+          <p:style>
+            <a:lnRef idx="2">
+              <a:schemeClr val="accent1">
+                <a:shade val="50000"/>
+              </a:schemeClr>
+            </a:lnRef>
+            <a:fillRef idx="1">
+              <a:schemeClr val="accent1"/>
+            </a:fillRef>
+            <a:effectRef idx="0">
+              <a:schemeClr val="accent1"/>
+            </a:effectRef>
+            <a:fontRef idx="minor">
+              <a:schemeClr val="lt1"/>
+            </a:fontRef>
+          </p:style>
+          <p:txBody>
+            <a:bodyPr rtlCol="0" anchor="ctr"/>
+            <a:lstStyle/>
+            <a:p>
+              <a:pPr algn="ctr"/>
+              <a:endParaRPr kumimoji="1" lang="ja-JP" altLang="en-US">
+                <a:latin typeface="HGGothicE" charset="-128"/>
+                <a:ea typeface="HGGothicE" charset="-128"/>
+                <a:cs typeface="HGGothicE" charset="-128"/>
+              </a:endParaRPr>
+            </a:p>
+          </p:txBody>
+        </p:sp>
+        <p:sp>
+          <p:nvSpPr>
+            <p:cNvPr id="31" name="加算記号 30"/>
+            <p:cNvSpPr/>
+            <p:nvPr/>
+          </p:nvSpPr>
+          <p:spPr>
+            <a:xfrm rot="2764767">
+              <a:off x="9948080" y="4484041"/>
+              <a:ext cx="315332" cy="315332"/>
+            </a:xfrm>
+            <a:prstGeom prst="mathPlus">
+              <a:avLst>
+                <a:gd name="adj1" fmla="val 11226"/>
+              </a:avLst>
+            </a:prstGeom>
+            <a:solidFill>
+              <a:srgbClr val="FF0000"/>
+            </a:solidFill>
+            <a:ln>
+              <a:solidFill>
+                <a:srgbClr val="FF0000"/>
+              </a:solidFill>
+            </a:ln>
+          </p:spPr>
+          <p:style>
+            <a:lnRef idx="2">
+              <a:schemeClr val="accent1">
+                <a:shade val="50000"/>
+              </a:schemeClr>
+            </a:lnRef>
+            <a:fillRef idx="1">
+              <a:schemeClr val="accent1"/>
+            </a:fillRef>
+            <a:effectRef idx="0">
+              <a:schemeClr val="accent1"/>
+            </a:effectRef>
+            <a:fontRef idx="minor">
+              <a:schemeClr val="lt1"/>
+            </a:fontRef>
+          </p:style>
+          <p:txBody>
+            <a:bodyPr rtlCol="0" anchor="ctr"/>
+            <a:lstStyle/>
+            <a:p>
+              <a:pPr algn="ctr"/>
+              <a:endParaRPr kumimoji="1" lang="ja-JP" altLang="en-US">
+                <a:latin typeface="HGGothicE" charset="-128"/>
+                <a:ea typeface="HGGothicE" charset="-128"/>
+                <a:cs typeface="HGGothicE" charset="-128"/>
+              </a:endParaRPr>
+            </a:p>
+          </p:txBody>
+        </p:sp>
+        <p:sp>
+          <p:nvSpPr>
+            <p:cNvPr id="32" name="加算記号 31"/>
+            <p:cNvSpPr/>
+            <p:nvPr/>
+          </p:nvSpPr>
+          <p:spPr>
+            <a:xfrm rot="2764767">
+              <a:off x="9948080" y="4652635"/>
+              <a:ext cx="315332" cy="315332"/>
+            </a:xfrm>
+            <a:prstGeom prst="mathPlus">
+              <a:avLst>
+                <a:gd name="adj1" fmla="val 11226"/>
+              </a:avLst>
+            </a:prstGeom>
+            <a:solidFill>
+              <a:srgbClr val="FF0000"/>
+            </a:solidFill>
+            <a:ln>
+              <a:solidFill>
+                <a:srgbClr val="FF0000"/>
+              </a:solidFill>
+            </a:ln>
+          </p:spPr>
+          <p:style>
+            <a:lnRef idx="2">
+              <a:schemeClr val="accent1">
+                <a:shade val="50000"/>
+              </a:schemeClr>
+            </a:lnRef>
+            <a:fillRef idx="1">
+              <a:schemeClr val="accent1"/>
+            </a:fillRef>
+            <a:effectRef idx="0">
+              <a:schemeClr val="accent1"/>
+            </a:effectRef>
+            <a:fontRef idx="minor">
+              <a:schemeClr val="lt1"/>
+            </a:fontRef>
+          </p:style>
+          <p:txBody>
+            <a:bodyPr rtlCol="0" anchor="ctr"/>
+            <a:lstStyle/>
+            <a:p>
+              <a:pPr algn="ctr"/>
+              <a:endParaRPr kumimoji="1" lang="ja-JP" altLang="en-US">
+                <a:latin typeface="HGGothicE" charset="-128"/>
+                <a:ea typeface="HGGothicE" charset="-128"/>
+                <a:cs typeface="HGGothicE" charset="-128"/>
+              </a:endParaRPr>
+            </a:p>
+          </p:txBody>
+        </p:sp>
+        <p:sp>
+          <p:nvSpPr>
+            <p:cNvPr id="33" name="加算記号 32"/>
+            <p:cNvSpPr/>
+            <p:nvPr/>
+          </p:nvSpPr>
+          <p:spPr>
+            <a:xfrm rot="2764767">
+              <a:off x="9948080" y="5527287"/>
+              <a:ext cx="315332" cy="315332"/>
+            </a:xfrm>
+            <a:prstGeom prst="mathPlus">
+              <a:avLst>
+                <a:gd name="adj1" fmla="val 11226"/>
+              </a:avLst>
+            </a:prstGeom>
+            <a:solidFill>
+              <a:srgbClr val="FF0000"/>
+            </a:solidFill>
+            <a:ln>
+              <a:solidFill>
+                <a:srgbClr val="FF0000"/>
+              </a:solidFill>
+            </a:ln>
+          </p:spPr>
+          <p:style>
+            <a:lnRef idx="2">
+              <a:schemeClr val="accent1">
+                <a:shade val="50000"/>
+              </a:schemeClr>
+            </a:lnRef>
+            <a:fillRef idx="1">
+              <a:schemeClr val="accent1"/>
+            </a:fillRef>
+            <a:effectRef idx="0">
+              <a:schemeClr val="accent1"/>
+            </a:effectRef>
+            <a:fontRef idx="minor">
+              <a:schemeClr val="lt1"/>
+            </a:fontRef>
+          </p:style>
+          <p:txBody>
+            <a:bodyPr rtlCol="0" anchor="ctr"/>
+            <a:lstStyle/>
+            <a:p>
+              <a:pPr algn="ctr"/>
+              <a:endParaRPr kumimoji="1" lang="ja-JP" altLang="en-US">
+                <a:latin typeface="HGGothicE" charset="-128"/>
+                <a:ea typeface="HGGothicE" charset="-128"/>
+                <a:cs typeface="HGGothicE" charset="-128"/>
+              </a:endParaRPr>
+            </a:p>
+          </p:txBody>
+        </p:sp>
+        <p:sp>
+          <p:nvSpPr>
+            <p:cNvPr id="34" name="左中かっこ 33"/>
+            <p:cNvSpPr/>
+            <p:nvPr/>
+          </p:nvSpPr>
+          <p:spPr>
+            <a:xfrm>
+              <a:off x="9527304" y="4155037"/>
+              <a:ext cx="446284" cy="1643045"/>
+            </a:xfrm>
+            <a:prstGeom prst="leftBrace">
+              <a:avLst/>
+            </a:prstGeom>
+          </p:spPr>
+          <p:style>
+            <a:lnRef idx="1">
+              <a:schemeClr val="dk1"/>
+            </a:lnRef>
+            <a:fillRef idx="0">
+              <a:schemeClr val="dk1"/>
+            </a:fillRef>
+            <a:effectRef idx="0">
+              <a:schemeClr val="dk1"/>
+            </a:effectRef>
+            <a:fontRef idx="minor">
+              <a:schemeClr val="tx1"/>
+            </a:fontRef>
+          </p:style>
+          <p:txBody>
+            <a:bodyPr rtlCol="0" anchor="ctr"/>
+            <a:lstStyle/>
+            <a:p>
+              <a:pPr algn="ctr"/>
+              <a:endParaRPr kumimoji="1" lang="ja-JP" altLang="en-US">
+                <a:latin typeface="HGGothicE" charset="-128"/>
+                <a:ea typeface="HGGothicE" charset="-128"/>
+                <a:cs typeface="HGGothicE" charset="-128"/>
+              </a:endParaRPr>
+            </a:p>
+          </p:txBody>
+        </p:sp>
+        <p:sp>
+          <p:nvSpPr>
+            <p:cNvPr id="35" name="テキスト ボックス 34"/>
+            <p:cNvSpPr txBox="1"/>
+            <p:nvPr/>
+          </p:nvSpPr>
+          <p:spPr>
+            <a:xfrm>
+              <a:off x="7764926" y="4787109"/>
+              <a:ext cx="1800493" cy="369332"/>
+            </a:xfrm>
+            <a:prstGeom prst="rect">
+              <a:avLst/>
+            </a:prstGeom>
+            <a:solidFill>
+              <a:schemeClr val="bg1"/>
+            </a:solidFill>
+            <a:ln>
+              <a:solidFill>
+                <a:schemeClr val="tx1"/>
+              </a:solidFill>
+            </a:ln>
+          </p:spPr>
+          <p:txBody>
+            <a:bodyPr wrap="none" rtlCol="0">
+              <a:spAutoFit/>
+            </a:bodyPr>
+            <a:lstStyle/>
+            <a:p>
+              <a:r>
+                <a:rPr kumimoji="1" lang="ja-JP" altLang="en-US" dirty="0" smtClean="0">
+                  <a:solidFill>
+                    <a:srgbClr val="FF0000"/>
+                  </a:solidFill>
+                  <a:latin typeface="HGGothicE" charset="-128"/>
+                  <a:ea typeface="HGGothicE" charset="-128"/>
+                  <a:cs typeface="HGGothicE" charset="-128"/>
+                </a:rPr>
+                <a:t>アクセスを遮断</a:t>
+              </a:r>
+              <a:endParaRPr kumimoji="1" lang="ja-JP" altLang="en-US" dirty="0">
+                <a:solidFill>
+                  <a:srgbClr val="FF0000"/>
+                </a:solidFill>
+                <a:latin typeface="HGGothicE" charset="-128"/>
+                <a:ea typeface="HGGothicE" charset="-128"/>
+                <a:cs typeface="HGGothicE" charset="-128"/>
+              </a:endParaRPr>
+            </a:p>
+          </p:txBody>
+        </p:sp>
+        <p:cxnSp>
+          <p:nvCxnSpPr>
+            <p:cNvPr id="37" name="直線矢印コネクタ 36"/>
+            <p:cNvCxnSpPr/>
+            <p:nvPr/>
+          </p:nvCxnSpPr>
+          <p:spPr>
+            <a:xfrm flipH="1">
+              <a:off x="9117125" y="6047202"/>
+              <a:ext cx="1977242" cy="0"/>
+            </a:xfrm>
+            <a:prstGeom prst="straightConnector1">
+              <a:avLst/>
+            </a:prstGeom>
+            <a:ln>
+              <a:solidFill>
+                <a:schemeClr val="accent1"/>
+              </a:solidFill>
+              <a:tailEnd type="arrow"/>
+            </a:ln>
+          </p:spPr>
+          <p:style>
+            <a:lnRef idx="1">
+              <a:schemeClr val="accent1"/>
+            </a:lnRef>
+            <a:fillRef idx="0">
+              <a:schemeClr val="accent1"/>
+            </a:fillRef>
+            <a:effectRef idx="0">
+              <a:schemeClr val="accent1"/>
+            </a:effectRef>
+            <a:fontRef idx="minor">
+              <a:schemeClr val="tx1"/>
+            </a:fontRef>
+          </p:style>
+        </p:cxnSp>
+        <p:cxnSp>
+          <p:nvCxnSpPr>
+            <p:cNvPr id="38" name="直線矢印コネクタ 37"/>
+            <p:cNvCxnSpPr/>
+            <p:nvPr/>
+          </p:nvCxnSpPr>
+          <p:spPr>
+            <a:xfrm flipH="1">
+              <a:off x="9099310" y="6187949"/>
+              <a:ext cx="1977242" cy="0"/>
+            </a:xfrm>
+            <a:prstGeom prst="straightConnector1">
+              <a:avLst/>
+            </a:prstGeom>
+            <a:ln>
+              <a:solidFill>
+                <a:schemeClr val="accent1"/>
+              </a:solidFill>
+              <a:tailEnd type="arrow"/>
+            </a:ln>
+          </p:spPr>
+          <p:style>
+            <a:lnRef idx="1">
+              <a:schemeClr val="accent1"/>
+            </a:lnRef>
+            <a:fillRef idx="0">
+              <a:schemeClr val="accent1"/>
+            </a:fillRef>
+            <a:effectRef idx="0">
+              <a:schemeClr val="accent1"/>
+            </a:effectRef>
+            <a:fontRef idx="minor">
+              <a:schemeClr val="tx1"/>
+            </a:fontRef>
+          </p:style>
+        </p:cxnSp>
+        <p:cxnSp>
+          <p:nvCxnSpPr>
+            <p:cNvPr id="39" name="直線矢印コネクタ 38"/>
+            <p:cNvCxnSpPr/>
+            <p:nvPr/>
+          </p:nvCxnSpPr>
+          <p:spPr>
+            <a:xfrm flipH="1">
+              <a:off x="9108218" y="6345612"/>
+              <a:ext cx="1959427" cy="0"/>
+            </a:xfrm>
+            <a:prstGeom prst="straightConnector1">
+              <a:avLst/>
+            </a:prstGeom>
+            <a:ln>
+              <a:solidFill>
+                <a:schemeClr val="accent1"/>
+              </a:solidFill>
+              <a:tailEnd type="arrow"/>
+            </a:ln>
+          </p:spPr>
+          <p:style>
+            <a:lnRef idx="1">
+              <a:schemeClr val="accent1"/>
+            </a:lnRef>
+            <a:fillRef idx="0">
+              <a:schemeClr val="accent1"/>
+            </a:fillRef>
+            <a:effectRef idx="0">
+              <a:schemeClr val="accent1"/>
+            </a:effectRef>
+            <a:fontRef idx="minor">
+              <a:schemeClr val="tx1"/>
+            </a:fontRef>
+          </p:style>
+        </p:cxnSp>
+        <p:cxnSp>
+          <p:nvCxnSpPr>
+            <p:cNvPr id="40" name="直線矢印コネクタ 39"/>
+            <p:cNvCxnSpPr/>
+            <p:nvPr/>
+          </p:nvCxnSpPr>
+          <p:spPr>
+            <a:xfrm flipH="1">
+              <a:off x="9108218" y="6499991"/>
+              <a:ext cx="1959428" cy="0"/>
+            </a:xfrm>
+            <a:prstGeom prst="straightConnector1">
+              <a:avLst/>
+            </a:prstGeom>
+            <a:ln>
+              <a:solidFill>
+                <a:schemeClr val="accent1"/>
+              </a:solidFill>
+              <a:tailEnd type="arrow"/>
+            </a:ln>
+          </p:spPr>
+          <p:style>
+            <a:lnRef idx="1">
+              <a:schemeClr val="accent1"/>
+            </a:lnRef>
+            <a:fillRef idx="0">
+              <a:schemeClr val="accent1"/>
+            </a:fillRef>
+            <a:effectRef idx="0">
+              <a:schemeClr val="accent1"/>
+            </a:effectRef>
+            <a:fontRef idx="minor">
+              <a:schemeClr val="tx1"/>
+            </a:fontRef>
+          </p:style>
+        </p:cxnSp>
+        <p:sp>
+          <p:nvSpPr>
+            <p:cNvPr id="41" name="テキスト ボックス 40"/>
+            <p:cNvSpPr txBox="1"/>
+            <p:nvPr/>
+          </p:nvSpPr>
+          <p:spPr>
+            <a:xfrm>
+              <a:off x="6633847" y="5907885"/>
+              <a:ext cx="2031325" cy="646331"/>
+            </a:xfrm>
+            <a:prstGeom prst="rect">
+              <a:avLst/>
+            </a:prstGeom>
+            <a:noFill/>
+            <a:ln>
+              <a:solidFill>
+                <a:schemeClr val="tx1"/>
+              </a:solidFill>
+            </a:ln>
+          </p:spPr>
+          <p:txBody>
+            <a:bodyPr wrap="none" rtlCol="0">
+              <a:spAutoFit/>
+            </a:bodyPr>
+            <a:lstStyle/>
+            <a:p>
+              <a:r>
+                <a:rPr kumimoji="1" lang="ja-JP" altLang="en-US" dirty="0" smtClean="0">
+                  <a:latin typeface="HGGothicE" charset="-128"/>
+                  <a:ea typeface="HGGothicE" charset="-128"/>
+                  <a:cs typeface="HGGothicE" charset="-128"/>
+                </a:rPr>
+                <a:t>一定時間後にまた</a:t>
+              </a:r>
+              <a:endParaRPr kumimoji="1" lang="en-US" altLang="ja-JP" dirty="0" smtClean="0">
+                <a:latin typeface="HGGothicE" charset="-128"/>
+                <a:ea typeface="HGGothicE" charset="-128"/>
+                <a:cs typeface="HGGothicE" charset="-128"/>
+              </a:endParaRPr>
+            </a:p>
+            <a:p>
+              <a:r>
+                <a:rPr kumimoji="1" lang="ja-JP" altLang="en-US" dirty="0" smtClean="0">
+                  <a:latin typeface="HGGothicE" charset="-128"/>
+                  <a:ea typeface="HGGothicE" charset="-128"/>
+                  <a:cs typeface="HGGothicE" charset="-128"/>
+                </a:rPr>
+                <a:t>アクセスが可能</a:t>
+              </a:r>
+              <a:endParaRPr kumimoji="1" lang="ja-JP" altLang="en-US" dirty="0">
+                <a:latin typeface="HGGothicE" charset="-128"/>
+                <a:ea typeface="HGGothicE" charset="-128"/>
+                <a:cs typeface="HGGothicE" charset="-128"/>
+              </a:endParaRPr>
+            </a:p>
+          </p:txBody>
+        </p:sp>
+        <p:sp>
+          <p:nvSpPr>
+            <p:cNvPr id="42" name="左中かっこ 41"/>
+            <p:cNvSpPr/>
+            <p:nvPr/>
+          </p:nvSpPr>
+          <p:spPr>
+            <a:xfrm>
+              <a:off x="8632712" y="5847005"/>
+              <a:ext cx="338437" cy="803230"/>
+            </a:xfrm>
+            <a:prstGeom prst="leftBrace">
+              <a:avLst/>
+            </a:prstGeom>
+          </p:spPr>
+          <p:style>
+            <a:lnRef idx="1">
+              <a:schemeClr val="dk1"/>
+            </a:lnRef>
+            <a:fillRef idx="0">
+              <a:schemeClr val="dk1"/>
+            </a:fillRef>
+            <a:effectRef idx="0">
+              <a:schemeClr val="dk1"/>
+            </a:effectRef>
+            <a:fontRef idx="minor">
+              <a:schemeClr val="tx1"/>
+            </a:fontRef>
+          </p:style>
+          <p:txBody>
+            <a:bodyPr rtlCol="0" anchor="ctr"/>
+            <a:lstStyle/>
+            <a:p>
+              <a:pPr algn="ctr"/>
+              <a:endParaRPr kumimoji="1" lang="ja-JP" altLang="en-US">
+                <a:latin typeface="HGGothicE" charset="-128"/>
+                <a:ea typeface="HGGothicE" charset="-128"/>
+                <a:cs typeface="HGGothicE" charset="-128"/>
+              </a:endParaRPr>
+            </a:p>
+          </p:txBody>
+        </p:sp>
+        <p:cxnSp>
+          <p:nvCxnSpPr>
+            <p:cNvPr id="44" name="直線矢印コネクタ 43"/>
+            <p:cNvCxnSpPr/>
+            <p:nvPr/>
+          </p:nvCxnSpPr>
+          <p:spPr>
+            <a:xfrm>
+              <a:off x="11287329" y="3999143"/>
+              <a:ext cx="0" cy="1798939"/>
+            </a:xfrm>
+            <a:prstGeom prst="straightConnector1">
+              <a:avLst/>
+            </a:prstGeom>
+            <a:ln>
+              <a:headEnd type="arrow"/>
+              <a:tailEnd type="arrow"/>
+            </a:ln>
+          </p:spPr>
+          <p:style>
+            <a:lnRef idx="1">
+              <a:schemeClr val="dk1"/>
+            </a:lnRef>
+            <a:fillRef idx="0">
+              <a:schemeClr val="dk1"/>
+            </a:fillRef>
+            <a:effectRef idx="0">
+              <a:schemeClr val="dk1"/>
+            </a:effectRef>
+            <a:fontRef idx="minor">
+              <a:schemeClr val="tx1"/>
+            </a:fontRef>
+          </p:style>
+        </p:cxnSp>
+        <mc:AlternateContent xmlns:mc="http://schemas.openxmlformats.org/markup-compatibility/2006" xmlns:a14="http://schemas.microsoft.com/office/drawing/2010/main">
+          <mc:Choice Requires="a14">
+            <p:sp>
+              <p:nvSpPr>
+                <p:cNvPr id="46" name="テキスト ボックス 45"/>
+                <p:cNvSpPr txBox="1"/>
+                <p:nvPr/>
+              </p:nvSpPr>
+              <p:spPr>
+                <a:xfrm>
+                  <a:off x="11287329" y="4519974"/>
+                  <a:ext cx="904671" cy="369332"/>
+                </a:xfrm>
+                <a:prstGeom prst="rect">
+                  <a:avLst/>
+                </a:prstGeom>
+                <a:noFill/>
+              </p:spPr>
+              <p:txBody>
+                <a:bodyPr wrap="none" rtlCol="0">
+                  <a:spAutoFit/>
+                </a:bodyPr>
+                <a:lstStyle/>
+                <a:p>
+                  <a14:m>
+                    <m:oMath xmlns:m="http://schemas.openxmlformats.org/officeDocument/2006/math">
+                      <m:r>
+                        <a:rPr lang="en-US" altLang="ja-JP" i="1">
+                          <a:latin typeface="Cambria Math" charset="0"/>
+                          <a:ea typeface="HGGothicE" charset="-128"/>
+                          <a:cs typeface="HGGothicE" charset="-128"/>
+                        </a:rPr>
+                        <m:t>𝑇</m:t>
+                      </m:r>
+                    </m:oMath>
+                  </a14:m>
+                  <a:r>
+                    <a:rPr kumimoji="1" lang="en-US" altLang="ja-JP" dirty="0" smtClean="0">
+                      <a:latin typeface="HGGothicE" charset="-128"/>
+                      <a:ea typeface="HGGothicE" charset="-128"/>
+                      <a:cs typeface="HGGothicE" charset="-128"/>
+                    </a:rPr>
+                    <a:t>[sec]</a:t>
+                  </a:r>
+                  <a:endParaRPr kumimoji="1" lang="ja-JP" altLang="en-US" dirty="0">
+                    <a:latin typeface="HGGothicE" charset="-128"/>
+                    <a:ea typeface="HGGothicE" charset="-128"/>
+                    <a:cs typeface="HGGothicE" charset="-128"/>
+                  </a:endParaRPr>
+                </a:p>
+              </p:txBody>
+            </p:sp>
+          </mc:Choice>
+          <mc:Fallback xmlns="">
+            <p:sp>
+              <p:nvSpPr>
+                <p:cNvPr id="46" name="テキスト ボックス 45"/>
+                <p:cNvSpPr txBox="1">
+                  <a:spLocks noRot="1" noChangeAspect="1" noMove="1" noResize="1" noEditPoints="1" noAdjustHandles="1" noChangeArrowheads="1" noChangeShapeType="1" noTextEdit="1"/>
+                </p:cNvSpPr>
+                <p:nvPr/>
+              </p:nvSpPr>
+              <p:spPr>
+                <a:xfrm>
+                  <a:off x="11287329" y="4519974"/>
+                  <a:ext cx="904671" cy="369332"/>
+                </a:xfrm>
+                <a:prstGeom prst="rect">
+                  <a:avLst/>
+                </a:prstGeom>
+                <a:blipFill rotWithShape="1">
+                  <a:blip r:embed="rId6"/>
+                  <a:stretch>
+                    <a:fillRect t="-11475" r="-4730" b="-21311"/>
+                  </a:stretch>
+                </a:blipFill>
+              </p:spPr>
+              <p:txBody>
+                <a:bodyPr/>
+                <a:lstStyle/>
+                <a:p>
+                  <a:r>
+                    <a:rPr lang="ja-JP" altLang="en-US">
+                      <a:noFill/>
+                    </a:rPr>
+                    <a:t> </a:t>
+                  </a:r>
+                </a:p>
+              </p:txBody>
+            </p:sp>
+          </mc:Fallback>
+        </mc:AlternateContent>
+      </p:grpSp>
+      <p:sp>
+        <p:nvSpPr>
+          <p:cNvPr id="36" name="タイトル 1"/>
+          <p:cNvSpPr txBox="1">
+            <a:spLocks/>
+          </p:cNvSpPr>
+          <p:nvPr/>
+        </p:nvSpPr>
+        <p:spPr>
+          <a:xfrm>
+            <a:off x="838200" y="0"/>
+            <a:ext cx="10515600" cy="1094740"/>
+          </a:xfrm>
+          <a:prstGeom prst="rect">
+            <a:avLst/>
+          </a:prstGeom>
+        </p:spPr>
+        <p:txBody>
+          <a:bodyPr>
+            <a:normAutofit lnSpcReduction="10000"/>
+          </a:bodyPr>
+          <a:lstStyle>
+            <a:lvl1pPr algn="l" defTabSz="914400" rtl="0" eaLnBrk="1" latinLnBrk="0" hangingPunct="1">
+              <a:lnSpc>
+                <a:spcPct val="90000"/>
+              </a:lnSpc>
+              <a:spcBef>
+                <a:spcPct val="0"/>
+              </a:spcBef>
+              <a:buNone/>
+              <a:defRPr kumimoji="1" sz="4400" kern="1200">
+                <a:solidFill>
+                  <a:schemeClr val="tx1"/>
+                </a:solidFill>
+                <a:latin typeface="HGPGothicE" charset="-128"/>
+                <a:ea typeface="HGPGothicE" charset="-128"/>
+                <a:cs typeface="HGPGothicE" charset="-128"/>
+              </a:defRPr>
+            </a:lvl1pPr>
+          </a:lstStyle>
+          <a:p>
+            <a:pPr marL="914400" indent="-914400">
+              <a:buFont typeface="+mj-lt"/>
+              <a:buAutoNum type="arabicPeriod" startAt="2"/>
+            </a:pPr>
+            <a:r>
+              <a:rPr lang="ja-JP" altLang="en-US" sz="4800" dirty="0" smtClean="0"/>
+              <a:t>デモ内容の説明</a:t>
+            </a:r>
+          </a:p>
+          <a:p>
+            <a:pPr marL="1371600" lvl="1" indent="-914400">
+              <a:buFont typeface="+mj-ea"/>
+              <a:buAutoNum type="circleNumDbPlain" startAt="5"/>
+            </a:pPr>
+            <a:r>
+              <a:rPr lang="en-US" altLang="ja-JP" sz="2800" dirty="0" smtClean="0">
+                <a:latin typeface="HGPGothicE" charset="-128"/>
+                <a:ea typeface="HGPGothicE" charset="-128"/>
+                <a:cs typeface="HGPGothicE" charset="-128"/>
+              </a:rPr>
+              <a:t>+α</a:t>
+            </a:r>
+            <a:r>
+              <a:rPr lang="ja-JP" altLang="en-US" sz="2800" dirty="0" smtClean="0">
+                <a:latin typeface="HGPGothicE" charset="-128"/>
+                <a:ea typeface="HGPGothicE" charset="-128"/>
+                <a:cs typeface="HGPGothicE" charset="-128"/>
+              </a:rPr>
+              <a:t>：　アクセス権限</a:t>
+            </a:r>
+            <a:endParaRPr lang="en-US" altLang="ja-JP" sz="2800" dirty="0" smtClean="0">
+              <a:latin typeface="HGPGothicE" charset="-128"/>
+              <a:ea typeface="HGPGothicE" charset="-128"/>
+              <a:cs typeface="HGPGothicE" charset="-128"/>
+            </a:endParaRPr>
+          </a:p>
+        </p:txBody>
+      </p:sp>
+    </p:spTree>
+    <p:extLst>
+      <p:ext uri="{BB962C8B-B14F-4D97-AF65-F5344CB8AC3E}">
+        <p14:creationId xmlns:p14="http://schemas.microsoft.com/office/powerpoint/2010/main" val="2211508625"/>
+      </p:ext>
+    </p:extLst>
+  </p:cSld>
+  <p:clrMapOvr>
+    <a:masterClrMapping/>
+  </p:clrMapOvr>
+</p:sld>
+</file>
+
+<file path=ppt/slides/slide12.xml><?xml version="1.0" encoding="utf-8"?>
+<p:sld xmlns:a="http://schemas.openxmlformats.org/drawingml/2006/main" xmlns:r="http://schemas.openxmlformats.org/officeDocument/2006/relationships" xmlns:p="http://schemas.openxmlformats.org/presentationml/2006/main">
+  <p:cSld>
+    <p:spTree>
+      <p:nvGrpSpPr>
+        <p:cNvPr id="1" name=""/>
+        <p:cNvGrpSpPr/>
+        <p:nvPr/>
+      </p:nvGrpSpPr>
+      <p:grpSpPr>
+        <a:xfrm>
+          <a:off x="0" y="0"/>
+          <a:ext cx="0" cy="0"/>
+          <a:chOff x="0" y="0"/>
+          <a:chExt cx="0" cy="0"/>
+        </a:xfrm>
+      </p:grpSpPr>
+      <p:sp>
+        <p:nvSpPr>
+          <p:cNvPr id="2" name="タイトル 1"/>
+          <p:cNvSpPr>
+            <a:spLocks noGrp="1"/>
+          </p:cNvSpPr>
+          <p:nvPr>
+            <p:ph type="title"/>
+          </p:nvPr>
+        </p:nvSpPr>
+        <p:spPr/>
+        <p:txBody>
+          <a:bodyPr/>
+          <a:lstStyle/>
+          <a:p>
+            <a:r>
+              <a:rPr lang="en-US" altLang="ja-JP" dirty="0"/>
+              <a:t>+α</a:t>
+            </a:r>
+            <a:r>
+              <a:rPr lang="ja-JP" altLang="en-US" dirty="0"/>
+              <a:t>：　アクセス</a:t>
+            </a:r>
+            <a:r>
+              <a:rPr lang="ja-JP" altLang="en-US" dirty="0" smtClean="0"/>
+              <a:t>権限のアルゴリズムの流れ</a:t>
+            </a:r>
+            <a:endParaRPr kumimoji="1" lang="ja-JP" altLang="en-US" dirty="0"/>
+          </a:p>
+        </p:txBody>
+      </p:sp>
+      <mc:AlternateContent xmlns:mc="http://schemas.openxmlformats.org/markup-compatibility/2006" xmlns:a14="http://schemas.microsoft.com/office/drawing/2010/main">
+        <mc:Choice Requires="a14">
+          <p:sp>
+            <p:nvSpPr>
+              <p:cNvPr id="3" name="コンテンツ プレースホルダー 2"/>
+              <p:cNvSpPr>
+                <a:spLocks noGrp="1"/>
+              </p:cNvSpPr>
+              <p:nvPr>
+                <p:ph idx="1"/>
+              </p:nvPr>
+            </p:nvSpPr>
+            <p:spPr/>
+            <p:txBody>
+              <a:bodyPr/>
+              <a:lstStyle/>
+              <a:p>
+                <a:pPr marL="0" indent="0" algn="ctr">
+                  <a:buNone/>
+                </a:pPr>
+                <a:r>
+                  <a:rPr kumimoji="1" lang="ja-JP" altLang="en-US" dirty="0" smtClean="0"/>
+                  <a:t>サーバへのアクセスが発生</a:t>
+                </a:r>
+                <a:r>
+                  <a:rPr kumimoji="1" lang="en-US" altLang="ja-JP" dirty="0" smtClean="0"/>
+                  <a:t>(</a:t>
+                </a:r>
+                <a:r>
+                  <a:rPr kumimoji="1" lang="ja-JP" altLang="en-US" dirty="0" smtClean="0"/>
+                  <a:t>トリガー</a:t>
+                </a:r>
+                <a:r>
+                  <a:rPr kumimoji="1" lang="en-US" altLang="ja-JP" dirty="0" smtClean="0"/>
+                  <a:t>)</a:t>
+                </a:r>
+              </a:p>
+              <a:p>
+                <a:pPr marL="0" indent="0" algn="ctr">
+                  <a:buNone/>
+                </a:pPr>
+                <a:r>
+                  <a:rPr lang="ja-JP" altLang="en-US" dirty="0"/>
+                  <a:t>↓</a:t>
+                </a:r>
+                <a:endParaRPr kumimoji="1" lang="en-US" altLang="ja-JP" dirty="0" smtClean="0"/>
+              </a:p>
+              <a:p>
+                <a:pPr marL="0" indent="0" algn="ctr">
+                  <a:buNone/>
+                </a:pPr>
+                <a:r>
+                  <a:rPr kumimoji="1" lang="ja-JP" altLang="en-US" dirty="0" smtClean="0"/>
+                  <a:t>アクセスが発生した時刻をログに</a:t>
+                </a:r>
+                <a:r>
+                  <a:rPr lang="ja-JP" altLang="en-US" dirty="0" smtClean="0"/>
+                  <a:t>取得</a:t>
+                </a:r>
+                <a:endParaRPr lang="en-US" altLang="ja-JP" dirty="0" smtClean="0"/>
+              </a:p>
+              <a:p>
+                <a:pPr marL="0" indent="0" algn="ctr">
+                  <a:buNone/>
+                </a:pPr>
+                <a:r>
+                  <a:rPr kumimoji="1" lang="ja-JP" altLang="en-US" dirty="0"/>
+                  <a:t>↓</a:t>
+                </a:r>
+                <a:endParaRPr kumimoji="1" lang="en-US" altLang="ja-JP" dirty="0" smtClean="0"/>
+              </a:p>
+              <a:p>
+                <a:pPr marL="0" indent="0" algn="ctr">
+                  <a:buNone/>
+                </a:pPr>
+                <a:r>
+                  <a:rPr lang="en-US" altLang="ja-JP" dirty="0" smtClean="0"/>
+                  <a:t>(</a:t>
+                </a:r>
+                <a:r>
+                  <a:rPr lang="ja-JP" altLang="en-US" dirty="0" smtClean="0"/>
+                  <a:t>サーバが発生した時刻</a:t>
+                </a:r>
+                <a:r>
+                  <a:rPr lang="en-US" altLang="ja-JP" dirty="0" smtClean="0"/>
+                  <a:t>) - </a:t>
+                </a:r>
+                <a14:m>
+                  <m:oMath xmlns:m="http://schemas.openxmlformats.org/officeDocument/2006/math">
+                    <m:r>
+                      <a:rPr lang="en-US" altLang="ja-JP" b="0" i="1" smtClean="0">
+                        <a:latin typeface="Cambria Math"/>
+                      </a:rPr>
+                      <m:t>𝑇</m:t>
+                    </m:r>
+                  </m:oMath>
+                </a14:m>
+                <a:r>
+                  <a:rPr kumimoji="1" lang="en-US" altLang="ja-JP" dirty="0" smtClean="0"/>
+                  <a:t> </a:t>
+                </a:r>
+                <a14:m>
+                  <m:oMath xmlns:m="http://schemas.openxmlformats.org/officeDocument/2006/math">
+                    <m:r>
+                      <a:rPr kumimoji="1" lang="en-US" altLang="ja-JP" i="1" dirty="0" smtClean="0">
+                        <a:latin typeface="Cambria Math"/>
+                        <a:ea typeface="Cambria Math"/>
+                      </a:rPr>
+                      <m:t>≤</m:t>
+                    </m:r>
+                    <m:r>
+                      <a:rPr kumimoji="1" lang="en-US" altLang="ja-JP" b="0" i="1" dirty="0" smtClean="0">
+                        <a:latin typeface="Cambria Math"/>
+                        <a:ea typeface="Cambria Math"/>
+                      </a:rPr>
+                      <m:t>𝑡</m:t>
+                    </m:r>
+                    <m:r>
+                      <a:rPr kumimoji="1" lang="en-US" altLang="ja-JP" i="1" dirty="0" smtClean="0">
+                        <a:latin typeface="Cambria Math"/>
+                        <a:ea typeface="Cambria Math"/>
+                      </a:rPr>
+                      <m:t>≤</m:t>
+                    </m:r>
+                  </m:oMath>
+                </a14:m>
+                <a:r>
+                  <a:rPr kumimoji="1" lang="en-US" altLang="ja-JP" dirty="0" smtClean="0"/>
+                  <a:t> </a:t>
+                </a:r>
+                <a:r>
+                  <a:rPr lang="en-US" altLang="ja-JP" dirty="0"/>
+                  <a:t>(</a:t>
+                </a:r>
+                <a:r>
+                  <a:rPr lang="ja-JP" altLang="en-US" dirty="0"/>
+                  <a:t>サーバが発生した時刻</a:t>
+                </a:r>
+                <a:r>
+                  <a:rPr lang="en-US" altLang="ja-JP" dirty="0"/>
+                  <a:t>) </a:t>
+                </a:r>
+                <a:br>
+                  <a:rPr lang="en-US" altLang="ja-JP" dirty="0"/>
+                </a:br>
+                <a:r>
+                  <a:rPr lang="ja-JP" altLang="en-US" dirty="0" smtClean="0"/>
+                  <a:t>の条件</a:t>
+                </a:r>
+                <a:r>
+                  <a:rPr lang="ja-JP" altLang="en-US" dirty="0"/>
+                  <a:t>を満たす</a:t>
+                </a:r>
+                <a:r>
+                  <a:rPr lang="ja-JP" altLang="en-US" dirty="0" smtClean="0"/>
+                  <a:t>𝑡に発生したログの個数</a:t>
+                </a:r>
+                <a14:m>
+                  <m:oMath xmlns:m="http://schemas.openxmlformats.org/officeDocument/2006/math">
+                    <m:r>
+                      <a:rPr lang="en-US" altLang="ja-JP" b="0" i="1" smtClean="0">
+                        <a:latin typeface="Cambria Math"/>
+                      </a:rPr>
+                      <m:t>𝑐</m:t>
+                    </m:r>
+                  </m:oMath>
+                </a14:m>
+                <a:r>
+                  <a:rPr lang="ja-JP" altLang="en-US" dirty="0" smtClean="0"/>
+                  <a:t>を取得</a:t>
+                </a:r>
+                <a:endParaRPr lang="en-US" altLang="ja-JP" dirty="0" smtClean="0"/>
+              </a:p>
+              <a:p>
+                <a:pPr marL="0" indent="0" algn="ctr">
+                  <a:buNone/>
+                </a:pPr>
+                <a:r>
+                  <a:rPr lang="ja-JP" altLang="en-US" dirty="0"/>
+                  <a:t>↓</a:t>
+                </a:r>
+                <a:endParaRPr lang="en-US" altLang="ja-JP" dirty="0" smtClean="0"/>
+              </a:p>
+              <a:p>
+                <a:pPr marL="0" indent="0" algn="ctr">
+                  <a:buNone/>
+                </a:pPr>
+                <a14:m>
+                  <m:oMath xmlns:m="http://schemas.openxmlformats.org/officeDocument/2006/math">
+                    <m:r>
+                      <a:rPr kumimoji="1" lang="en-US" altLang="ja-JP" b="0" i="1" smtClean="0">
+                        <a:latin typeface="Cambria Math"/>
+                      </a:rPr>
+                      <m:t>𝑐</m:t>
+                    </m:r>
+                    <m:r>
+                      <a:rPr kumimoji="1" lang="en-US" altLang="ja-JP" b="0" i="1" smtClean="0">
+                        <a:latin typeface="Cambria Math"/>
+                        <a:ea typeface="Cambria Math"/>
+                      </a:rPr>
+                      <m:t>≥</m:t>
+                    </m:r>
+                    <m:r>
+                      <a:rPr kumimoji="1" lang="en-US" altLang="ja-JP" b="0" i="1" smtClean="0">
+                        <a:latin typeface="Cambria Math"/>
+                        <a:ea typeface="Cambria Math"/>
+                      </a:rPr>
+                      <m:t>𝑛</m:t>
+                    </m:r>
+                  </m:oMath>
+                </a14:m>
+                <a:r>
+                  <a:rPr kumimoji="1" lang="ja-JP" altLang="en-US" dirty="0" smtClean="0"/>
+                  <a:t>の場合、</a:t>
+                </a:r>
+                <a14:m>
+                  <m:oMath xmlns:m="http://schemas.openxmlformats.org/officeDocument/2006/math">
+                    <m:r>
+                      <a:rPr kumimoji="1" lang="en-US" altLang="ja-JP" b="0" i="1" smtClean="0">
+                        <a:latin typeface="Cambria Math"/>
+                      </a:rPr>
+                      <m:t>𝑇</m:t>
+                    </m:r>
+                  </m:oMath>
+                </a14:m>
+                <a:r>
+                  <a:rPr kumimoji="1" lang="ja-JP" altLang="en-US" dirty="0" smtClean="0"/>
+                  <a:t>秒間、アクセスを遮断</a:t>
+                </a:r>
+                <a:endParaRPr kumimoji="1" lang="en-US" altLang="ja-JP" dirty="0" smtClean="0"/>
+              </a:p>
+              <a:p>
+                <a:endParaRPr kumimoji="1" lang="ja-JP" altLang="en-US" dirty="0"/>
+              </a:p>
+            </p:txBody>
+          </p:sp>
+        </mc:Choice>
+        <mc:Fallback xmlns="">
+          <p:sp>
+            <p:nvSpPr>
+              <p:cNvPr id="3" name="コンテンツ プレースホルダー 2"/>
+              <p:cNvSpPr>
+                <a:spLocks noGrp="1" noRot="1" noChangeAspect="1" noMove="1" noResize="1" noEditPoints="1" noAdjustHandles="1" noChangeArrowheads="1" noChangeShapeType="1" noTextEdit="1"/>
+              </p:cNvSpPr>
+              <p:nvPr>
+                <p:ph idx="1"/>
+              </p:nvPr>
+            </p:nvSpPr>
+            <p:spPr>
+              <a:blipFill rotWithShape="1">
+                <a:blip r:embed="rId2"/>
+                <a:stretch>
+                  <a:fillRect t="-2381"/>
+                </a:stretch>
+              </a:blipFill>
+            </p:spPr>
+            <p:txBody>
+              <a:bodyPr/>
+              <a:lstStyle/>
+              <a:p>
+                <a:r>
+                  <a:rPr lang="ja-JP" altLang="en-US">
+                    <a:noFill/>
+                  </a:rPr>
+                  <a:t> </a:t>
+                </a:r>
+              </a:p>
+            </p:txBody>
+          </p:sp>
+        </mc:Fallback>
+      </mc:AlternateContent>
+      <p:sp>
+        <p:nvSpPr>
+          <p:cNvPr id="4" name="スライド番号プレースホルダー 3"/>
+          <p:cNvSpPr>
+            <a:spLocks noGrp="1"/>
+          </p:cNvSpPr>
+          <p:nvPr>
+            <p:ph type="sldNum" sz="quarter" idx="12"/>
+          </p:nvPr>
+        </p:nvSpPr>
+        <p:spPr/>
+        <p:txBody>
+          <a:bodyPr/>
+          <a:lstStyle/>
+          <a:p>
+            <a:fld id="{6CF45946-1F16-F342-BD1B-1EF94030CB33}" type="slidenum">
+              <a:rPr kumimoji="1" lang="ja-JP" altLang="en-US" smtClean="0"/>
+              <a:t>12</a:t>
+            </a:fld>
+            <a:endParaRPr kumimoji="1" lang="ja-JP" altLang="en-US"/>
+          </a:p>
+        </p:txBody>
+      </p:sp>
+    </p:spTree>
+    <p:extLst>
+      <p:ext uri="{BB962C8B-B14F-4D97-AF65-F5344CB8AC3E}">
+        <p14:creationId xmlns:p14="http://schemas.microsoft.com/office/powerpoint/2010/main" val="1297238662"/>
+      </p:ext>
+    </p:extLst>
+  </p:cSld>
+  <p:clrMapOvr>
+    <a:masterClrMapping/>
+  </p:clrMapOvr>
+</p:sld>
+</file>
+
+<file path=ppt/slides/slide13.xml><?xml version="1.0" encoding="utf-8"?>
+<p:sld xmlns:a="http://schemas.openxmlformats.org/drawingml/2006/main" xmlns:r="http://schemas.openxmlformats.org/officeDocument/2006/relationships" xmlns:p="http://schemas.openxmlformats.org/presentationml/2006/main">
+  <p:cSld>
+    <p:spTree>
+      <p:nvGrpSpPr>
+        <p:cNvPr id="1" name=""/>
+        <p:cNvGrpSpPr/>
+        <p:nvPr/>
+      </p:nvGrpSpPr>
+      <p:grpSpPr>
+        <a:xfrm>
+          <a:off x="0" y="0"/>
+          <a:ext cx="0" cy="0"/>
+          <a:chOff x="0" y="0"/>
+          <a:chExt cx="0" cy="0"/>
+        </a:xfrm>
+      </p:grpSpPr>
+      <p:sp>
+        <p:nvSpPr>
+          <p:cNvPr id="2" name="スライド番号プレースホルダー 1"/>
+          <p:cNvSpPr>
+            <a:spLocks noGrp="1"/>
+          </p:cNvSpPr>
+          <p:nvPr>
+            <p:ph type="sldNum" sz="quarter" idx="12"/>
+          </p:nvPr>
+        </p:nvSpPr>
+        <p:spPr/>
+        <p:txBody>
+          <a:bodyPr/>
+          <a:lstStyle/>
+          <a:p>
+            <a:fld id="{6CF45946-1F16-F342-BD1B-1EF94030CB33}" type="slidenum">
+              <a:rPr kumimoji="1" lang="ja-JP" altLang="en-US" smtClean="0"/>
+              <a:t>13</a:t>
             </a:fld>
             <a:endParaRPr kumimoji="1" lang="ja-JP" altLang="en-US"/>
           </a:p>
@@ -4125,11 +7310,7 @@
             </a:pPr>
             <a:r>
               <a:rPr lang="ja-JP" altLang="en-US" sz="4800" dirty="0" smtClean="0"/>
-              <a:t>デモの質疑</a:t>
-            </a:r>
-            <a:r>
-              <a:rPr lang="ja-JP" altLang="en-US" sz="4800" dirty="0" smtClean="0"/>
-              <a:t>まとめ</a:t>
+              <a:t>デモの質疑まとめ</a:t>
             </a:r>
             <a:endParaRPr lang="en-US" altLang="ja-JP" sz="4800" dirty="0" smtClean="0"/>
           </a:p>
@@ -4286,25 +7467,7 @@
                 <a:ea typeface="HGPGothicE" charset="-128"/>
                 <a:cs typeface="Times New Roman" charset="0"/>
               </a:rPr>
-              <a:t>期間が</a:t>
-            </a:r>
-            <a:r>
-              <a:rPr lang="ja-JP" altLang="en-US" sz="1600" kern="100" dirty="0" smtClean="0">
-                <a:effectLst/>
-                <a:latin typeface="Yu Mincho" charset="-128"/>
-                <a:ea typeface="HGPGothicE" charset="-128"/>
-                <a:cs typeface="Times New Roman" charset="0"/>
-              </a:rPr>
-              <a:t>短すぎて講義時間以外にも多くの時間を割いて作業しなければならなかったこと．</a:t>
-            </a:r>
-            <a:r>
-              <a:rPr lang="ja-JP" altLang="en-US" sz="1600" kern="100" dirty="0" smtClean="0">
-                <a:effectLst/>
-                <a:latin typeface="Yu Mincho" charset="-128"/>
-                <a:ea typeface="HGPGothicE" charset="-128"/>
-                <a:cs typeface="Times New Roman" charset="0"/>
-              </a:rPr>
-              <a:t>演習</a:t>
+              <a:t>期間が短すぎて講義時間以外にも多くの時間を割いて作業しなければならなかったこと．演習</a:t>
             </a:r>
             <a:r>
               <a:rPr lang="en-US" altLang="ja-JP" sz="1600" kern="100" dirty="0" smtClean="0">
@@ -4347,16 +7510,7 @@
                 <a:ea typeface="HGPGothicE" charset="-128"/>
                 <a:cs typeface="Times New Roman" charset="0"/>
               </a:rPr>
-              <a:t>と感じた</a:t>
-            </a:r>
-            <a:r>
-              <a:rPr lang="ja-JP" altLang="en-US" sz="1600" kern="100" dirty="0" smtClean="0">
-                <a:effectLst/>
-                <a:latin typeface="Yu Mincho" charset="-128"/>
-                <a:ea typeface="HGPGothicE" charset="-128"/>
-                <a:cs typeface="Times New Roman" charset="0"/>
-              </a:rPr>
-              <a:t>．</a:t>
+              <a:t>と感じた．</a:t>
             </a:r>
             <a:endParaRPr lang="en-US" altLang="ja-JP" sz="1600" kern="100" dirty="0" smtClean="0">
               <a:effectLst/>
@@ -4384,23 +7538,7 @@
                 <a:ea typeface="HGPGothicE" charset="-128"/>
                 <a:cs typeface="Times New Roman" charset="0"/>
               </a:rPr>
-              <a:t>過ぎて</a:t>
-            </a:r>
-            <a:r>
-              <a:rPr lang="ja-JP" altLang="en-US" sz="1600" kern="100" dirty="0" smtClean="0">
-                <a:latin typeface="Yu Mincho" charset="-128"/>
-                <a:ea typeface="HGPGothicE" charset="-128"/>
-                <a:cs typeface="Times New Roman" charset="0"/>
-              </a:rPr>
-              <a:t>その解釈に時間を取られて大変だった</a:t>
-            </a:r>
-            <a:r>
-              <a:rPr lang="ja-JP" altLang="en-US" sz="1600" kern="100" dirty="0" smtClean="0">
-                <a:latin typeface="Yu Mincho" charset="-128"/>
-                <a:ea typeface="HGPGothicE" charset="-128"/>
-                <a:cs typeface="Times New Roman" charset="0"/>
-              </a:rPr>
-              <a:t>．</a:t>
+              <a:t>過ぎてその解釈に時間を取られて大変だった．</a:t>
             </a:r>
             <a:r>
               <a:rPr lang="ja-JP" altLang="en-US" sz="1600" kern="100" dirty="0">
@@ -4432,15 +7570,7 @@
                 <a:ea typeface="HGPGothicE" charset="-128"/>
                 <a:cs typeface="Times New Roman" charset="0"/>
               </a:rPr>
-              <a:t>と感じた</a:t>
-            </a:r>
-            <a:r>
-              <a:rPr lang="ja-JP" altLang="en-US" sz="1600" kern="100" dirty="0" smtClean="0">
-                <a:latin typeface="Yu Mincho" charset="-128"/>
-                <a:ea typeface="HGPGothicE" charset="-128"/>
-                <a:cs typeface="Times New Roman" charset="0"/>
-              </a:rPr>
-              <a:t>．</a:t>
+              <a:t>と感じた．</a:t>
             </a:r>
             <a:endParaRPr lang="en-US" altLang="ja-JP" sz="1600" kern="100" dirty="0">
               <a:latin typeface="Yu Mincho" charset="-128"/>
@@ -4475,31 +7605,7 @@
                 <a:ea typeface="HGPGothicE" charset="-128"/>
                 <a:cs typeface="Times New Roman" charset="0"/>
               </a:rPr>
-              <a:t>のプログラムや各種コントローラのプログラム</a:t>
-            </a:r>
-            <a:r>
-              <a:rPr lang="ja-JP" altLang="en-US" sz="1600" kern="100" dirty="0" smtClean="0">
-                <a:latin typeface="Yu Mincho" charset="-128"/>
-                <a:ea typeface="HGPGothicE" charset="-128"/>
-                <a:cs typeface="Times New Roman" charset="0"/>
-              </a:rPr>
-              <a:t>に</a:t>
-            </a:r>
-            <a:r>
-              <a:rPr lang="ja-JP" altLang="en-US" sz="1600" kern="100" dirty="0" smtClean="0">
-                <a:latin typeface="Yu Mincho" charset="-128"/>
-                <a:ea typeface="HGPGothicE" charset="-128"/>
-                <a:cs typeface="Times New Roman" charset="0"/>
-              </a:rPr>
-              <a:t>バグ</a:t>
-            </a:r>
-            <a:r>
-              <a:rPr lang="ja-JP" altLang="en-US" sz="1600" kern="100" dirty="0" smtClean="0">
-                <a:latin typeface="Yu Mincho" charset="-128"/>
-                <a:ea typeface="HGPGothicE" charset="-128"/>
-                <a:cs typeface="Times New Roman" charset="0"/>
-              </a:rPr>
-              <a:t>があり、これらの修正に大変な労力を強いられた。</a:t>
+              <a:t>のプログラムや各種コントローラのプログラムにバグがあり、これらの修正に大変な労力を強いられた。</a:t>
             </a:r>
             <a:endParaRPr lang="en-US" altLang="ja-JP" sz="1600" kern="100" dirty="0" smtClean="0">
               <a:effectLst/>
@@ -4562,16 +7668,7 @@
                 <a:ea typeface="HGPGothicE" charset="-128"/>
                 <a:cs typeface="Times New Roman" charset="0"/>
               </a:rPr>
-              <a:t>アクセスの制限としては，スイッチへのアクセス数をカウントしている．なので，別のスライスへのアクセスも制限の対象になる</a:t>
-            </a:r>
-            <a:r>
-              <a:rPr lang="ja-JP" altLang="ja-JP" sz="1600" kern="100" dirty="0" smtClean="0">
-                <a:effectLst/>
-                <a:latin typeface="Yu Mincho" charset="-128"/>
-                <a:ea typeface="HGPGothicE" charset="-128"/>
-                <a:cs typeface="Times New Roman" charset="0"/>
-              </a:rPr>
-              <a:t>．</a:t>
+              <a:t>アクセスの制限としては，スイッチへのアクセス数をカウントしている．なので，別のスライスへのアクセスも制限の対象になる．</a:t>
             </a:r>
             <a:endParaRPr lang="en-US" altLang="ja-JP" sz="1600" kern="100" dirty="0" smtClean="0">
               <a:effectLst/>
@@ -5051,7 +8148,7 @@
 </p:sld>
 </file>
 
-<file path=ppt/slides/slide11.xml><?xml version="1.0" encoding="utf-8"?>
+<file path=ppt/slides/slide14.xml><?xml version="1.0" encoding="utf-8"?>
 <p:sld xmlns:a="http://schemas.openxmlformats.org/drawingml/2006/main" xmlns:r="http://schemas.openxmlformats.org/officeDocument/2006/relationships" xmlns:p="http://schemas.openxmlformats.org/presentationml/2006/main">
   <p:cSld>
     <p:spTree>
@@ -5085,7 +8182,7 @@
           <a:p>
             <a:fld id="{6CF45946-1F16-F342-BD1B-1EF94030CB33}" type="slidenum">
               <a:rPr kumimoji="1" lang="ja-JP" altLang="en-US" smtClean="0"/>
-              <a:t>11</a:t>
+              <a:t>14</a:t>
             </a:fld>
             <a:endParaRPr kumimoji="1" lang="ja-JP" altLang="en-US"/>
           </a:p>
@@ -5240,14 +8337,14 @@
                 <a:gridCol w="2373131">
                   <a:extLst>
                     <a:ext uri="{9D8B030D-6E8A-4147-A177-3AD203B41FA5}">
-                      <a16:colId xmlns:a16="http://schemas.microsoft.com/office/drawing/2014/main" xmlns="" val="20000"/>
+                      <a16:colId xmlns="" xmlns:a16="http://schemas.microsoft.com/office/drawing/2014/main" val="20000"/>
                     </a:ext>
                   </a:extLst>
                 </a:gridCol>
                 <a:gridCol w="3984996">
                   <a:extLst>
                     <a:ext uri="{9D8B030D-6E8A-4147-A177-3AD203B41FA5}">
-                      <a16:colId xmlns:a16="http://schemas.microsoft.com/office/drawing/2014/main" xmlns="" val="20001"/>
+                      <a16:colId xmlns="" xmlns:a16="http://schemas.microsoft.com/office/drawing/2014/main" val="20001"/>
                     </a:ext>
                   </a:extLst>
                 </a:gridCol>
@@ -5307,7 +8404,7 @@
                 </a:tc>
                 <a:extLst>
                   <a:ext uri="{0D108BD9-81ED-4DB2-BD59-A6C34878D82A}">
-                    <a16:rowId xmlns:a16="http://schemas.microsoft.com/office/drawing/2014/main" xmlns="" val="10000"/>
+                    <a16:rowId xmlns="" xmlns:a16="http://schemas.microsoft.com/office/drawing/2014/main" val="10000"/>
                   </a:ext>
                 </a:extLst>
               </a:tr>
@@ -5384,7 +8481,7 @@
                 </a:tc>
                 <a:extLst>
                   <a:ext uri="{0D108BD9-81ED-4DB2-BD59-A6C34878D82A}">
-                    <a16:rowId xmlns:a16="http://schemas.microsoft.com/office/drawing/2014/main" xmlns="" val="10001"/>
+                    <a16:rowId xmlns="" xmlns:a16="http://schemas.microsoft.com/office/drawing/2014/main" val="10001"/>
                   </a:ext>
                 </a:extLst>
               </a:tr>
@@ -5477,7 +8574,7 @@
                 </a:tc>
                 <a:extLst>
                   <a:ext uri="{0D108BD9-81ED-4DB2-BD59-A6C34878D82A}">
-                    <a16:rowId xmlns:a16="http://schemas.microsoft.com/office/drawing/2014/main" xmlns="" val="10002"/>
+                    <a16:rowId xmlns="" xmlns:a16="http://schemas.microsoft.com/office/drawing/2014/main" val="10002"/>
                   </a:ext>
                 </a:extLst>
               </a:tr>
@@ -5560,7 +8657,7 @@
                 </a:tc>
                 <a:extLst>
                   <a:ext uri="{0D108BD9-81ED-4DB2-BD59-A6C34878D82A}">
-                    <a16:rowId xmlns:a16="http://schemas.microsoft.com/office/drawing/2014/main" xmlns="" val="10004"/>
+                    <a16:rowId xmlns="" xmlns:a16="http://schemas.microsoft.com/office/drawing/2014/main" val="10004"/>
                   </a:ext>
                 </a:extLst>
               </a:tr>
@@ -5655,7 +8752,7 @@
                 </a:tc>
                 <a:extLst>
                   <a:ext uri="{0D108BD9-81ED-4DB2-BD59-A6C34878D82A}">
-                    <a16:rowId xmlns:a16="http://schemas.microsoft.com/office/drawing/2014/main" xmlns="" val="10005"/>
+                    <a16:rowId xmlns="" xmlns:a16="http://schemas.microsoft.com/office/drawing/2014/main" val="10005"/>
                   </a:ext>
                 </a:extLst>
               </a:tr>
@@ -5744,7 +8841,7 @@
                 </a:tc>
                 <a:extLst>
                   <a:ext uri="{0D108BD9-81ED-4DB2-BD59-A6C34878D82A}">
-                    <a16:rowId xmlns:a16="http://schemas.microsoft.com/office/drawing/2014/main" xmlns="" val="10006"/>
+                    <a16:rowId xmlns="" xmlns:a16="http://schemas.microsoft.com/office/drawing/2014/main" val="10006"/>
                   </a:ext>
                 </a:extLst>
               </a:tr>
@@ -5827,7 +8924,7 @@
                 </a:tc>
                 <a:extLst>
                   <a:ext uri="{0D108BD9-81ED-4DB2-BD59-A6C34878D82A}">
-                    <a16:rowId xmlns:a16="http://schemas.microsoft.com/office/drawing/2014/main" xmlns="" val="10007"/>
+                    <a16:rowId xmlns="" xmlns:a16="http://schemas.microsoft.com/office/drawing/2014/main" val="10007"/>
                   </a:ext>
                 </a:extLst>
               </a:tr>
@@ -5910,7 +9007,7 @@
                 </a:tc>
                 <a:extLst>
                   <a:ext uri="{0D108BD9-81ED-4DB2-BD59-A6C34878D82A}">
-                    <a16:rowId xmlns:a16="http://schemas.microsoft.com/office/drawing/2014/main" xmlns="" val="10008"/>
+                    <a16:rowId xmlns="" xmlns:a16="http://schemas.microsoft.com/office/drawing/2014/main" val="10008"/>
                   </a:ext>
                 </a:extLst>
               </a:tr>
@@ -5993,7 +9090,7 @@
                 </a:tc>
                 <a:extLst>
                   <a:ext uri="{0D108BD9-81ED-4DB2-BD59-A6C34878D82A}">
-                    <a16:rowId xmlns:a16="http://schemas.microsoft.com/office/drawing/2014/main" xmlns="" val="10009"/>
+                    <a16:rowId xmlns="" xmlns:a16="http://schemas.microsoft.com/office/drawing/2014/main" val="10009"/>
                   </a:ext>
                 </a:extLst>
               </a:tr>
@@ -6064,7 +9161,7 @@
                 </a:tc>
                 <a:extLst>
                   <a:ext uri="{0D108BD9-81ED-4DB2-BD59-A6C34878D82A}">
-                    <a16:rowId xmlns:a16="http://schemas.microsoft.com/office/drawing/2014/main" xmlns="" val="10010"/>
+                    <a16:rowId xmlns="" xmlns:a16="http://schemas.microsoft.com/office/drawing/2014/main" val="10010"/>
                   </a:ext>
                 </a:extLst>
               </a:tr>
@@ -6123,7 +9220,7 @@
                 </a:tc>
                 <a:extLst>
                   <a:ext uri="{0D108BD9-81ED-4DB2-BD59-A6C34878D82A}">
-                    <a16:rowId xmlns:a16="http://schemas.microsoft.com/office/drawing/2014/main" xmlns="" val="10011"/>
+                    <a16:rowId xmlns="" xmlns:a16="http://schemas.microsoft.com/office/drawing/2014/main" val="10011"/>
                   </a:ext>
                 </a:extLst>
               </a:tr>
@@ -6212,7 +9309,7 @@
                 </a:tc>
                 <a:extLst>
                   <a:ext uri="{0D108BD9-81ED-4DB2-BD59-A6C34878D82A}">
-                    <a16:rowId xmlns:a16="http://schemas.microsoft.com/office/drawing/2014/main" xmlns="" val="10012"/>
+                    <a16:rowId xmlns="" xmlns:a16="http://schemas.microsoft.com/office/drawing/2014/main" val="10012"/>
                   </a:ext>
                 </a:extLst>
               </a:tr>
@@ -6283,7 +9380,7 @@
                 </a:tc>
                 <a:extLst>
                   <a:ext uri="{0D108BD9-81ED-4DB2-BD59-A6C34878D82A}">
-                    <a16:rowId xmlns:a16="http://schemas.microsoft.com/office/drawing/2014/main" xmlns="" val="10013"/>
+                    <a16:rowId xmlns="" xmlns:a16="http://schemas.microsoft.com/office/drawing/2014/main" val="10013"/>
                   </a:ext>
                 </a:extLst>
               </a:tr>
@@ -6378,7 +9475,7 @@
                 </a:tc>
                 <a:extLst>
                   <a:ext uri="{0D108BD9-81ED-4DB2-BD59-A6C34878D82A}">
-                    <a16:rowId xmlns:a16="http://schemas.microsoft.com/office/drawing/2014/main" xmlns="" val="10014"/>
+                    <a16:rowId xmlns="" xmlns:a16="http://schemas.microsoft.com/office/drawing/2014/main" val="10014"/>
                   </a:ext>
                 </a:extLst>
               </a:tr>
@@ -6449,7 +9546,7 @@
                 </a:tc>
                 <a:extLst>
                   <a:ext uri="{0D108BD9-81ED-4DB2-BD59-A6C34878D82A}">
-                    <a16:rowId xmlns:a16="http://schemas.microsoft.com/office/drawing/2014/main" xmlns="" val="10015"/>
+                    <a16:rowId xmlns="" xmlns:a16="http://schemas.microsoft.com/office/drawing/2014/main" val="10015"/>
                   </a:ext>
                 </a:extLst>
               </a:tr>
@@ -6530,7 +9627,7 @@
                 </a:tc>
                 <a:extLst>
                   <a:ext uri="{0D108BD9-81ED-4DB2-BD59-A6C34878D82A}">
-                    <a16:rowId xmlns:a16="http://schemas.microsoft.com/office/drawing/2014/main" xmlns="" val="10016"/>
+                    <a16:rowId xmlns="" xmlns:a16="http://schemas.microsoft.com/office/drawing/2014/main" val="10016"/>
                   </a:ext>
                 </a:extLst>
               </a:tr>
@@ -6613,7 +9710,7 @@
                 </a:tc>
                 <a:extLst>
                   <a:ext uri="{0D108BD9-81ED-4DB2-BD59-A6C34878D82A}">
-                    <a16:rowId xmlns:a16="http://schemas.microsoft.com/office/drawing/2014/main" xmlns="" val="10017"/>
+                    <a16:rowId xmlns="" xmlns:a16="http://schemas.microsoft.com/office/drawing/2014/main" val="10017"/>
                   </a:ext>
                 </a:extLst>
               </a:tr>
@@ -6696,7 +9793,7 @@
                 </a:tc>
                 <a:extLst>
                   <a:ext uri="{0D108BD9-81ED-4DB2-BD59-A6C34878D82A}">
-                    <a16:rowId xmlns:a16="http://schemas.microsoft.com/office/drawing/2014/main" xmlns="" val="10018"/>
+                    <a16:rowId xmlns="" xmlns:a16="http://schemas.microsoft.com/office/drawing/2014/main" val="10018"/>
                   </a:ext>
                 </a:extLst>
               </a:tr>
@@ -6767,7 +9864,7 @@
                 </a:tc>
                 <a:extLst>
                   <a:ext uri="{0D108BD9-81ED-4DB2-BD59-A6C34878D82A}">
-                    <a16:rowId xmlns:a16="http://schemas.microsoft.com/office/drawing/2014/main" xmlns="" val="10019"/>
+                    <a16:rowId xmlns="" xmlns:a16="http://schemas.microsoft.com/office/drawing/2014/main" val="10019"/>
                   </a:ext>
                 </a:extLst>
               </a:tr>
@@ -6842,7 +9939,7 @@
 </p:sld>
 </file>
 
-<file path=ppt/slides/slide12.xml><?xml version="1.0" encoding="utf-8"?>
+<file path=ppt/slides/slide15.xml><?xml version="1.0" encoding="utf-8"?>
 <p:sld xmlns:a="http://schemas.openxmlformats.org/drawingml/2006/main" xmlns:r="http://schemas.openxmlformats.org/officeDocument/2006/relationships" xmlns:p="http://schemas.openxmlformats.org/presentationml/2006/main">
   <p:cSld>
     <p:spTree>
@@ -6876,7 +9973,7 @@
           <a:p>
             <a:fld id="{6CF45946-1F16-F342-BD1B-1EF94030CB33}" type="slidenum">
               <a:rPr kumimoji="1" lang="ja-JP" altLang="en-US" smtClean="0"/>
-              <a:t>12</a:t>
+              <a:t>15</a:t>
             </a:fld>
             <a:endParaRPr kumimoji="1" lang="ja-JP" altLang="en-US"/>
           </a:p>
@@ -6944,7 +10041,7 @@
           <p:nvPr>
             <p:extLst>
               <p:ext uri="{D42A27DB-BD31-4B8C-83A1-F6EECF244321}">
-                <p14:modId xmlns:p14="http://schemas.microsoft.com/office/powerpoint/2010/main" val="1629393751"/>
+                <p14:modId xmlns:p14="http://schemas.microsoft.com/office/powerpoint/2010/main" val="865286775"/>
               </p:ext>
             </p:extLst>
           </p:nvPr>
@@ -6963,14 +10060,14 @@
                 <a:gridCol w="2054453">
                   <a:extLst>
                     <a:ext uri="{9D8B030D-6E8A-4147-A177-3AD203B41FA5}">
-                      <a16:colId xmlns:a16="http://schemas.microsoft.com/office/drawing/2014/main" xmlns="" val="20000"/>
+                      <a16:colId xmlns="" xmlns:a16="http://schemas.microsoft.com/office/drawing/2014/main" val="20000"/>
                     </a:ext>
                   </a:extLst>
                 </a:gridCol>
                 <a:gridCol w="4868409">
                   <a:extLst>
                     <a:ext uri="{9D8B030D-6E8A-4147-A177-3AD203B41FA5}">
-                      <a16:colId xmlns:a16="http://schemas.microsoft.com/office/drawing/2014/main" xmlns="" val="20001"/>
+                      <a16:colId xmlns="" xmlns:a16="http://schemas.microsoft.com/office/drawing/2014/main" val="20001"/>
                     </a:ext>
                   </a:extLst>
                 </a:gridCol>
@@ -6987,12 +10084,12 @@
                         </a:spcAft>
                       </a:pPr>
                       <a:r>
-                        <a:rPr lang="ja-JP" sz="1600" kern="100">
+                        <a:rPr lang="ja-JP" sz="1600" kern="100" dirty="0">
                           <a:effectLst/>
                         </a:rPr>
                         <a:t>氏名</a:t>
                       </a:r>
-                      <a:endParaRPr lang="ja-JP" sz="1400" kern="100">
+                      <a:endParaRPr lang="ja-JP" sz="1400" kern="100" dirty="0">
                         <a:effectLst/>
                         <a:latin typeface="Yu Mincho" charset="-128"/>
                         <a:ea typeface="Yu Mincho" charset="-128"/>
@@ -7030,7 +10127,7 @@
                 </a:tc>
                 <a:extLst>
                   <a:ext uri="{0D108BD9-81ED-4DB2-BD59-A6C34878D82A}">
-                    <a16:rowId xmlns:a16="http://schemas.microsoft.com/office/drawing/2014/main" xmlns="" val="10000"/>
+                    <a16:rowId xmlns="" xmlns:a16="http://schemas.microsoft.com/office/drawing/2014/main" val="10000"/>
                   </a:ext>
                 </a:extLst>
               </a:tr>
@@ -7113,8 +10210,23 @@
                         <a:rPr lang="ja-JP" sz="1400" kern="100" dirty="0">
                           <a:effectLst/>
                         </a:rPr>
-                        <a:t>ポートの自動割り当ての実装</a:t>
+                        <a:t>ポートの自動割り当て</a:t>
                       </a:r>
+                      <a:r>
+                        <a:rPr lang="ja-JP" sz="1400" kern="100" dirty="0" smtClean="0">
+                          <a:effectLst/>
+                        </a:rPr>
+                        <a:t>の</a:t>
+                      </a:r>
+                      <a:r>
+                        <a:rPr lang="ja-JP" altLang="en-US" sz="1400" kern="100" dirty="0" smtClean="0">
+                          <a:effectLst/>
+                        </a:rPr>
+                        <a:t>提案</a:t>
+                      </a:r>
+                      <a:endParaRPr lang="ja-JP" sz="1400" kern="100" dirty="0">
+                        <a:effectLst/>
+                      </a:endParaRPr>
                     </a:p>
                     <a:p>
                       <a:pPr marL="342900" lvl="0" indent="-342900" algn="just">
@@ -7128,8 +10240,23 @@
                         <a:rPr lang="ja-JP" sz="1400" kern="100" dirty="0">
                           <a:effectLst/>
                         </a:rPr>
-                        <a:t>アクセス制限の実装</a:t>
+                        <a:t>アクセス制限</a:t>
                       </a:r>
+                      <a:r>
+                        <a:rPr lang="ja-JP" sz="1400" kern="100" dirty="0" smtClean="0">
+                          <a:effectLst/>
+                        </a:rPr>
+                        <a:t>の</a:t>
+                      </a:r>
+                      <a:r>
+                        <a:rPr lang="ja-JP" altLang="en-US" sz="1400" kern="100" dirty="0" smtClean="0">
+                          <a:effectLst/>
+                        </a:rPr>
+                        <a:t>提案、実装補助</a:t>
+                      </a:r>
+                      <a:endParaRPr lang="ja-JP" sz="1400" kern="100" dirty="0">
+                        <a:effectLst/>
+                      </a:endParaRPr>
                     </a:p>
                     <a:p>
                       <a:pPr marL="342900" lvl="0" indent="-342900" algn="just">
@@ -7184,7 +10311,7 @@
                 </a:tc>
                 <a:extLst>
                   <a:ext uri="{0D108BD9-81ED-4DB2-BD59-A6C34878D82A}">
-                    <a16:rowId xmlns:a16="http://schemas.microsoft.com/office/drawing/2014/main" xmlns="" val="10001"/>
+                    <a16:rowId xmlns="" xmlns:a16="http://schemas.microsoft.com/office/drawing/2014/main" val="10001"/>
                   </a:ext>
                 </a:extLst>
               </a:tr>
@@ -7350,7 +10477,7 @@
                 </a:tc>
                 <a:extLst>
                   <a:ext uri="{0D108BD9-81ED-4DB2-BD59-A6C34878D82A}">
-                    <a16:rowId xmlns:a16="http://schemas.microsoft.com/office/drawing/2014/main" xmlns="" val="10002"/>
+                    <a16:rowId xmlns="" xmlns:a16="http://schemas.microsoft.com/office/drawing/2014/main" val="10002"/>
                   </a:ext>
                 </a:extLst>
               </a:tr>
@@ -7495,7 +10622,7 @@
                 </a:tc>
                 <a:extLst>
                   <a:ext uri="{0D108BD9-81ED-4DB2-BD59-A6C34878D82A}">
-                    <a16:rowId xmlns:a16="http://schemas.microsoft.com/office/drawing/2014/main" xmlns="" val="10003"/>
+                    <a16:rowId xmlns="" xmlns:a16="http://schemas.microsoft.com/office/drawing/2014/main" val="10003"/>
                   </a:ext>
                 </a:extLst>
               </a:tr>
@@ -7580,7 +10707,7 @@
                 </a:tc>
                 <a:extLst>
                   <a:ext uri="{0D108BD9-81ED-4DB2-BD59-A6C34878D82A}">
-                    <a16:rowId xmlns:a16="http://schemas.microsoft.com/office/drawing/2014/main" xmlns="" val="10004"/>
+                    <a16:rowId xmlns="" xmlns:a16="http://schemas.microsoft.com/office/drawing/2014/main" val="10004"/>
                   </a:ext>
                 </a:extLst>
               </a:tr>
@@ -7722,7 +10849,7 @@
                 </a:tc>
                 <a:extLst>
                   <a:ext uri="{0D108BD9-81ED-4DB2-BD59-A6C34878D82A}">
-                    <a16:rowId xmlns:a16="http://schemas.microsoft.com/office/drawing/2014/main" xmlns="" val="10005"/>
+                    <a16:rowId xmlns="" xmlns:a16="http://schemas.microsoft.com/office/drawing/2014/main" val="10005"/>
                   </a:ext>
                 </a:extLst>
               </a:tr>
@@ -7833,7 +10960,7 @@
 </p:sld>
 </file>
 
-<file path=ppt/slides/slide13.xml><?xml version="1.0" encoding="utf-8"?>
+<file path=ppt/slides/slide16.xml><?xml version="1.0" encoding="utf-8"?>
 <p:sld xmlns:a="http://schemas.openxmlformats.org/drawingml/2006/main" xmlns:r="http://schemas.openxmlformats.org/officeDocument/2006/relationships" xmlns:p="http://schemas.openxmlformats.org/presentationml/2006/main">
   <p:cSld>
     <p:spTree>
@@ -7867,7 +10994,7 @@
           <a:p>
             <a:fld id="{6CF45946-1F16-F342-BD1B-1EF94030CB33}" type="slidenum">
               <a:rPr kumimoji="1" lang="ja-JP" altLang="en-US" smtClean="0"/>
-              <a:t>13</a:t>
+              <a:t>16</a:t>
             </a:fld>
             <a:endParaRPr kumimoji="1" lang="ja-JP" altLang="en-US"/>
           </a:p>
@@ -7995,14 +11122,14 @@
                 <a:gridCol w="1698873">
                   <a:extLst>
                     <a:ext uri="{9D8B030D-6E8A-4147-A177-3AD203B41FA5}">
-                      <a16:colId xmlns:a16="http://schemas.microsoft.com/office/drawing/2014/main" xmlns="" val="20000"/>
+                      <a16:colId xmlns="" xmlns:a16="http://schemas.microsoft.com/office/drawing/2014/main" val="20000"/>
                     </a:ext>
                   </a:extLst>
                 </a:gridCol>
                 <a:gridCol w="2852771">
                   <a:extLst>
                     <a:ext uri="{9D8B030D-6E8A-4147-A177-3AD203B41FA5}">
-                      <a16:colId xmlns:a16="http://schemas.microsoft.com/office/drawing/2014/main" xmlns="" val="20001"/>
+                      <a16:colId xmlns="" xmlns:a16="http://schemas.microsoft.com/office/drawing/2014/main" val="20001"/>
                     </a:ext>
                   </a:extLst>
                 </a:gridCol>
@@ -8098,7 +11225,7 @@
                 </a:tc>
                 <a:extLst>
                   <a:ext uri="{0D108BD9-81ED-4DB2-BD59-A6C34878D82A}">
-                    <a16:rowId xmlns:a16="http://schemas.microsoft.com/office/drawing/2014/main" xmlns="" val="10000"/>
+                    <a16:rowId xmlns="" xmlns:a16="http://schemas.microsoft.com/office/drawing/2014/main" val="10000"/>
                   </a:ext>
                 </a:extLst>
               </a:tr>
@@ -8194,7 +11321,7 @@
                 </a:tc>
                 <a:extLst>
                   <a:ext uri="{0D108BD9-81ED-4DB2-BD59-A6C34878D82A}">
-                    <a16:rowId xmlns:a16="http://schemas.microsoft.com/office/drawing/2014/main" xmlns="" val="10001"/>
+                    <a16:rowId xmlns="" xmlns:a16="http://schemas.microsoft.com/office/drawing/2014/main" val="10001"/>
                   </a:ext>
                 </a:extLst>
               </a:tr>
@@ -8688,7 +11815,7 @@
           <p:nvPr>
             <p:extLst>
               <p:ext uri="{D42A27DB-BD31-4B8C-83A1-F6EECF244321}">
-                <p14:modId xmlns:p14="http://schemas.microsoft.com/office/powerpoint/2010/main" val="1291674284"/>
+                <p14:modId xmlns:p14="http://schemas.microsoft.com/office/powerpoint/2010/main" val="2885436585"/>
               </p:ext>
             </p:extLst>
           </p:nvPr>
@@ -8707,21 +11834,21 @@
                 <a:gridCol w="2536853">
                   <a:extLst>
                     <a:ext uri="{9D8B030D-6E8A-4147-A177-3AD203B41FA5}">
-                      <a16:colId xmlns:a16="http://schemas.microsoft.com/office/drawing/2014/main" xmlns="" val="20000"/>
+                      <a16:colId xmlns="" xmlns:a16="http://schemas.microsoft.com/office/drawing/2014/main" val="20000"/>
                     </a:ext>
                   </a:extLst>
                 </a:gridCol>
                 <a:gridCol w="3177556">
                   <a:extLst>
                     <a:ext uri="{9D8B030D-6E8A-4147-A177-3AD203B41FA5}">
-                      <a16:colId xmlns:a16="http://schemas.microsoft.com/office/drawing/2014/main" xmlns="" val="20001"/>
+                      <a16:colId xmlns="" xmlns:a16="http://schemas.microsoft.com/office/drawing/2014/main" val="20001"/>
                     </a:ext>
                   </a:extLst>
                 </a:gridCol>
                 <a:gridCol w="4219435">
                   <a:extLst>
                     <a:ext uri="{9D8B030D-6E8A-4147-A177-3AD203B41FA5}">
-                      <a16:colId xmlns:a16="http://schemas.microsoft.com/office/drawing/2014/main" xmlns="" val="20002"/>
+                      <a16:colId xmlns="" xmlns:a16="http://schemas.microsoft.com/office/drawing/2014/main" val="20002"/>
                     </a:ext>
                   </a:extLst>
                 </a:gridCol>
@@ -8807,7 +11934,7 @@
                 </a:tc>
                 <a:extLst>
                   <a:ext uri="{0D108BD9-81ED-4DB2-BD59-A6C34878D82A}">
-                    <a16:rowId xmlns:a16="http://schemas.microsoft.com/office/drawing/2014/main" xmlns="" val="10000"/>
+                    <a16:rowId xmlns="" xmlns:a16="http://schemas.microsoft.com/office/drawing/2014/main" val="10000"/>
                   </a:ext>
                 </a:extLst>
               </a:tr>
@@ -8835,10 +11962,10 @@
                         <a:t> </a:t>
                       </a:r>
                       <a:r>
-                        <a:rPr lang="ja-JP" sz="3200" kern="100" dirty="0" smtClean="0">
+                        <a:rPr lang="ja-JP" altLang="en-US" sz="3200" kern="100" dirty="0" smtClean="0">
                           <a:effectLst/>
                         </a:rPr>
-                        <a:t>一樹</a:t>
+                        <a:t>一輝</a:t>
                       </a:r>
                       <a:endParaRPr lang="ja-JP" sz="2800" kern="100" dirty="0">
                         <a:effectLst/>
@@ -8861,12 +11988,18 @@
                         </a:spcAft>
                       </a:pPr>
                       <a:r>
-                        <a:rPr lang="en-US" sz="2000" kern="100">
+                        <a:rPr lang="en-US" sz="2000" kern="100" dirty="0" smtClean="0">
+                          <a:effectLst/>
+                        </a:rPr>
+                        <a:t>33E16006</a:t>
+                      </a:r>
+                      <a:r>
+                        <a:rPr lang="en-US" sz="2000" kern="100" dirty="0">
                           <a:effectLst/>
                         </a:rPr>
                         <a:t> </a:t>
                       </a:r>
-                      <a:endParaRPr lang="ja-JP" sz="2800" kern="100">
+                      <a:endParaRPr lang="ja-JP" sz="2800" kern="100" dirty="0">
                         <a:effectLst/>
                         <a:latin typeface="Yu Mincho" charset="-128"/>
                         <a:ea typeface="Yu Mincho" charset="-128"/>
@@ -8905,7 +12038,7 @@
                 </a:tc>
                 <a:extLst>
                   <a:ext uri="{0D108BD9-81ED-4DB2-BD59-A6C34878D82A}">
-                    <a16:rowId xmlns:a16="http://schemas.microsoft.com/office/drawing/2014/main" xmlns="" val="10001"/>
+                    <a16:rowId xmlns="" xmlns:a16="http://schemas.microsoft.com/office/drawing/2014/main" val="10001"/>
                   </a:ext>
                 </a:extLst>
               </a:tr>
@@ -9009,7 +12142,7 @@
                 </a:tc>
                 <a:extLst>
                   <a:ext uri="{0D108BD9-81ED-4DB2-BD59-A6C34878D82A}">
-                    <a16:rowId xmlns:a16="http://schemas.microsoft.com/office/drawing/2014/main" xmlns="" val="10002"/>
+                    <a16:rowId xmlns="" xmlns:a16="http://schemas.microsoft.com/office/drawing/2014/main" val="10002"/>
                   </a:ext>
                 </a:extLst>
               </a:tr>
@@ -9113,7 +12246,7 @@
                 </a:tc>
                 <a:extLst>
                   <a:ext uri="{0D108BD9-81ED-4DB2-BD59-A6C34878D82A}">
-                    <a16:rowId xmlns:a16="http://schemas.microsoft.com/office/drawing/2014/main" xmlns="" val="10003"/>
+                    <a16:rowId xmlns="" xmlns:a16="http://schemas.microsoft.com/office/drawing/2014/main" val="10003"/>
                   </a:ext>
                 </a:extLst>
               </a:tr>
@@ -9199,7 +12332,7 @@
                 </a:tc>
                 <a:extLst>
                   <a:ext uri="{0D108BD9-81ED-4DB2-BD59-A6C34878D82A}">
-                    <a16:rowId xmlns:a16="http://schemas.microsoft.com/office/drawing/2014/main" xmlns="" val="10004"/>
+                    <a16:rowId xmlns="" xmlns:a16="http://schemas.microsoft.com/office/drawing/2014/main" val="10004"/>
                   </a:ext>
                 </a:extLst>
               </a:tr>
@@ -9297,7 +12430,7 @@
                 </a:tc>
                 <a:extLst>
                   <a:ext uri="{0D108BD9-81ED-4DB2-BD59-A6C34878D82A}">
-                    <a16:rowId xmlns:a16="http://schemas.microsoft.com/office/drawing/2014/main" xmlns="" val="10005"/>
+                    <a16:rowId xmlns="" xmlns:a16="http://schemas.microsoft.com/office/drawing/2014/main" val="10005"/>
                   </a:ext>
                 </a:extLst>
               </a:tr>
@@ -13697,8 +16830,8 @@
         </p:nvSpPr>
         <p:spPr>
           <a:xfrm>
-            <a:off x="391886" y="1777003"/>
-            <a:ext cx="11329059" cy="1692771"/>
+            <a:off x="157376" y="1356547"/>
+            <a:ext cx="11329059" cy="2616101"/>
           </a:xfrm>
           <a:prstGeom prst="rect">
             <a:avLst/>
@@ -13764,7 +16897,15 @@
                 <a:ea typeface="HGGothicE" charset="-128"/>
                 <a:cs typeface="HGGothicE" charset="-128"/>
               </a:rPr>
-              <a:t>マネージャのポート番号を追加</a:t>
+              <a:t>マネージャのポート番号を</a:t>
+            </a:r>
+            <a:r>
+              <a:rPr lang="ja-JP" altLang="en-US" sz="2400" dirty="0" smtClean="0">
+                <a:latin typeface="HGGothicE" charset="-128"/>
+                <a:ea typeface="HGGothicE" charset="-128"/>
+                <a:cs typeface="HGGothicE" charset="-128"/>
+              </a:rPr>
+              <a:t>追加</a:t>
             </a:r>
             <a:endParaRPr lang="en-US" altLang="ja-JP" sz="2000" dirty="0">
               <a:latin typeface="HGGothicE" charset="-128"/>
@@ -13778,12 +16919,52 @@
               <a:buChar char="•"/>
             </a:pPr>
             <a:r>
-              <a:rPr lang="en-US" altLang="ja-JP" sz="2000" dirty="0">
+              <a:rPr lang="ja-JP" altLang="en-US" sz="2000" dirty="0" smtClean="0">
                 <a:latin typeface="HGGothicE" charset="-128"/>
                 <a:ea typeface="HGGothicE" charset="-128"/>
                 <a:cs typeface="HGGothicE" charset="-128"/>
               </a:rPr>
-              <a:t>VM</a:t>
+              <a:t>ポートフォワーディングにより、</a:t>
+            </a:r>
+            <a:r>
+              <a:rPr lang="en-US" altLang="ja-JP" sz="2000" dirty="0" smtClean="0">
+                <a:latin typeface="HGGothicE" charset="-128"/>
+                <a:ea typeface="HGGothicE" charset="-128"/>
+                <a:cs typeface="HGGothicE" charset="-128"/>
+              </a:rPr>
+              <a:t>Docker</a:t>
+            </a:r>
+            <a:r>
+              <a:rPr lang="ja-JP" altLang="en-US" sz="2000" dirty="0" smtClean="0">
+                <a:latin typeface="HGGothicE" charset="-128"/>
+                <a:ea typeface="HGGothicE" charset="-128"/>
+                <a:cs typeface="HGGothicE" charset="-128"/>
+              </a:rPr>
+              <a:t>ホストの各ポートに立ち上げた</a:t>
+            </a:r>
+            <a:r>
+              <a:rPr lang="en-US" altLang="ja-JP" sz="2000" dirty="0" smtClean="0">
+                <a:latin typeface="HGGothicE" charset="-128"/>
+                <a:ea typeface="HGGothicE" charset="-128"/>
+                <a:cs typeface="HGGothicE" charset="-128"/>
+              </a:rPr>
+              <a:t>Docker</a:t>
+            </a:r>
+            <a:r>
+              <a:rPr lang="ja-JP" altLang="en-US" sz="2000" dirty="0" smtClean="0">
+                <a:latin typeface="HGGothicE" charset="-128"/>
+                <a:ea typeface="HGGothicE" charset="-128"/>
+                <a:cs typeface="HGGothicE" charset="-128"/>
+              </a:rPr>
+              <a:t>コンテナ</a:t>
+            </a:r>
+            <a:r>
+              <a:rPr lang="en-US" altLang="ja-JP" sz="2000" dirty="0" smtClean="0">
+                <a:latin typeface="HGGothicE" charset="-128"/>
+                <a:ea typeface="HGGothicE" charset="-128"/>
+                <a:cs typeface="HGGothicE" charset="-128"/>
+              </a:rPr>
+              <a:t>(Web</a:t>
             </a:r>
             <a:r>
               <a:rPr lang="ja-JP" altLang="en-US" sz="2000" dirty="0">
@@ -13791,10 +16972,80 @@
                 <a:ea typeface="HGGothicE" charset="-128"/>
                 <a:cs typeface="HGGothicE" charset="-128"/>
               </a:rPr>
-              <a:t>マネージャのポートごとに</a:t>
-            </a:r>
-            <a:r>
-              <a:rPr lang="en-US" altLang="ja-JP" sz="2000" dirty="0">
+              <a:t>サーバ</a:t>
+            </a:r>
+            <a:r>
+              <a:rPr lang="en-US" altLang="ja-JP" sz="2000" dirty="0" smtClean="0">
+                <a:latin typeface="HGGothicE" charset="-128"/>
+                <a:ea typeface="HGGothicE" charset="-128"/>
+                <a:cs typeface="HGGothicE" charset="-128"/>
+              </a:rPr>
+              <a:t>)</a:t>
+            </a:r>
+            <a:r>
+              <a:rPr lang="ja-JP" altLang="en-US" sz="2000" dirty="0" smtClean="0">
+                <a:latin typeface="HGGothicE" charset="-128"/>
+                <a:ea typeface="HGGothicE" charset="-128"/>
+                <a:cs typeface="HGGothicE" charset="-128"/>
+              </a:rPr>
+              <a:t>を割り当て</a:t>
+            </a:r>
+            <a:endParaRPr lang="en-US" altLang="ja-JP" sz="2000" dirty="0" smtClean="0">
+              <a:latin typeface="HGGothicE" charset="-128"/>
+              <a:ea typeface="HGGothicE" charset="-128"/>
+              <a:cs typeface="HGGothicE" charset="-128"/>
+            </a:endParaRPr>
+          </a:p>
+          <a:p>
+            <a:pPr marL="1600200" lvl="2" indent="-685800">
+              <a:buFont typeface="Arial" charset="0"/>
+              <a:buChar char="•"/>
+            </a:pPr>
+            <a:r>
+              <a:rPr lang="ja-JP" altLang="en-US" sz="2000" dirty="0" smtClean="0">
+                <a:latin typeface="HGGothicE" charset="-128"/>
+                <a:ea typeface="HGGothicE" charset="-128"/>
+                <a:cs typeface="HGGothicE" charset="-128"/>
+              </a:rPr>
+              <a:t>割り当てるポートは</a:t>
+            </a:r>
+            <a:r>
+              <a:rPr lang="en-US" altLang="ja-JP" sz="2000" dirty="0" err="1" smtClean="0">
+                <a:latin typeface="HGGothicE" charset="-128"/>
+                <a:ea typeface="HGGothicE" charset="-128"/>
+                <a:cs typeface="HGGothicE" charset="-128"/>
+              </a:rPr>
+              <a:t>restAPI</a:t>
+            </a:r>
+            <a:r>
+              <a:rPr lang="ja-JP" altLang="en-US" sz="2000" dirty="0" smtClean="0">
+                <a:latin typeface="HGGothicE" charset="-128"/>
+                <a:ea typeface="HGGothicE" charset="-128"/>
+                <a:cs typeface="HGGothicE" charset="-128"/>
+              </a:rPr>
+              <a:t>を使うことにより自動で設定</a:t>
+            </a:r>
+            <a:endParaRPr lang="en-US" altLang="ja-JP" sz="2000" dirty="0" smtClean="0">
+              <a:latin typeface="HGGothicE" charset="-128"/>
+              <a:ea typeface="HGGothicE" charset="-128"/>
+              <a:cs typeface="HGGothicE" charset="-128"/>
+            </a:endParaRPr>
+          </a:p>
+          <a:p>
+            <a:pPr marL="1600200" lvl="2" indent="-685800">
+              <a:buFont typeface="Arial" charset="0"/>
+              <a:buChar char="•"/>
+            </a:pPr>
+            <a:r>
+              <a:rPr lang="ja-JP" altLang="en-US" sz="2000" dirty="0" smtClean="0">
+                <a:latin typeface="HGGothicE" charset="-128"/>
+                <a:ea typeface="HGGothicE" charset="-128"/>
+                <a:cs typeface="HGGothicE" charset="-128"/>
+              </a:rPr>
+              <a:t>→</a:t>
+            </a:r>
+            <a:r>
+              <a:rPr lang="en-US" altLang="ja-JP" sz="2000" dirty="0" smtClean="0">
                 <a:latin typeface="HGGothicE" charset="-128"/>
                 <a:ea typeface="HGGothicE" charset="-128"/>
                 <a:cs typeface="HGGothicE" charset="-128"/>
@@ -13802,12 +17053,28 @@
               <a:t>Docker</a:t>
             </a:r>
             <a:r>
-              <a:rPr lang="ja-JP" altLang="en-US" sz="2000" dirty="0">
+              <a:rPr lang="ja-JP" altLang="en-US" sz="2000" dirty="0" smtClean="0">
                 <a:latin typeface="HGGothicE" charset="-128"/>
                 <a:ea typeface="HGGothicE" charset="-128"/>
                 <a:cs typeface="HGGothicE" charset="-128"/>
               </a:rPr>
-              <a:t>コンテナを割り当てていたため</a:t>
+              <a:t>ホストはクライントはポート番号を</a:t>
+            </a:r>
+            <a:r>
+              <a:rPr lang="en-US" altLang="ja-JP" sz="2000" dirty="0" smtClean="0">
+                <a:latin typeface="HGGothicE" charset="-128"/>
+                <a:ea typeface="HGGothicE" charset="-128"/>
+                <a:cs typeface="HGGothicE" charset="-128"/>
+              </a:rPr>
+              <a:t>Web</a:t>
+            </a:r>
+            <a:r>
+              <a:rPr lang="ja-JP" altLang="en-US" sz="2000" dirty="0" smtClean="0">
+                <a:latin typeface="HGGothicE" charset="-128"/>
+                <a:ea typeface="HGGothicE" charset="-128"/>
+                <a:cs typeface="HGGothicE" charset="-128"/>
+              </a:rPr>
+              <a:t>上に通知</a:t>
             </a:r>
             <a:endParaRPr lang="en-US" altLang="ja-JP" sz="2000" dirty="0">
               <a:latin typeface="HGGothicE" charset="-128"/>
@@ -16081,7 +19348,7 @@
     </p:spTree>
     <p:extLst>
       <p:ext uri="{BB962C8B-B14F-4D97-AF65-F5344CB8AC3E}">
-        <p14:creationId xmlns:p14="http://schemas.microsoft.com/office/powerpoint/2010/main" val="1522845420"/>
+        <p14:creationId xmlns:p14="http://schemas.microsoft.com/office/powerpoint/2010/main" val="303925797"/>
       </p:ext>
     </p:extLst>
   </p:cSld>
@@ -16110,7 +19377,221 @@
       </p:grpSpPr>
       <p:sp>
         <p:nvSpPr>
-          <p:cNvPr id="2" name="スライド番号プレースホルダー 1"/>
+          <p:cNvPr id="2" name="タイトル 1"/>
+          <p:cNvSpPr>
+            <a:spLocks noGrp="1"/>
+          </p:cNvSpPr>
+          <p:nvPr>
+            <p:ph type="title"/>
+          </p:nvPr>
+        </p:nvSpPr>
+        <p:spPr>
+          <a:xfrm>
+            <a:off x="-1" y="365125"/>
+            <a:ext cx="12118297" cy="1325563"/>
+          </a:xfrm>
+        </p:spPr>
+        <p:txBody>
+          <a:bodyPr/>
+          <a:lstStyle/>
+          <a:p>
+            <a:r>
+              <a:rPr lang="en-US" altLang="ja-JP" dirty="0"/>
+              <a:t>+α</a:t>
+            </a:r>
+            <a:r>
+              <a:rPr lang="ja-JP" altLang="en-US" dirty="0"/>
+              <a:t>：　ポート番号の自動</a:t>
+            </a:r>
+            <a:r>
+              <a:rPr lang="ja-JP" altLang="en-US" dirty="0" smtClean="0"/>
+              <a:t>割り当ての工夫理由</a:t>
+            </a:r>
+            <a:r>
+              <a:rPr lang="en-US" altLang="ja-JP" dirty="0" smtClean="0"/>
+              <a:t>(1/2)</a:t>
+            </a:r>
+            <a:endParaRPr kumimoji="1" lang="ja-JP" altLang="en-US" dirty="0"/>
+          </a:p>
+        </p:txBody>
+      </p:sp>
+      <p:sp>
+        <p:nvSpPr>
+          <p:cNvPr id="3" name="コンテンツ プレースホルダー 2"/>
+          <p:cNvSpPr>
+            <a:spLocks noGrp="1"/>
+          </p:cNvSpPr>
+          <p:nvPr>
+            <p:ph idx="1"/>
+          </p:nvPr>
+        </p:nvSpPr>
+        <p:spPr>
+          <a:xfrm>
+            <a:off x="199697" y="1825625"/>
+            <a:ext cx="11992303" cy="4351338"/>
+          </a:xfrm>
+        </p:spPr>
+        <p:txBody>
+          <a:bodyPr/>
+          <a:lstStyle/>
+          <a:p>
+            <a:r>
+              <a:rPr kumimoji="1" lang="ja-JP" altLang="en-US" dirty="0" smtClean="0"/>
+              <a:t>当初の予定</a:t>
+            </a:r>
+            <a:endParaRPr kumimoji="1" lang="en-US" altLang="ja-JP" dirty="0" smtClean="0"/>
+          </a:p>
+          <a:p>
+            <a:pPr lvl="1"/>
+            <a:r>
+              <a:rPr lang="en-US" altLang="ja-JP" dirty="0" smtClean="0"/>
+              <a:t>Docker</a:t>
+            </a:r>
+            <a:r>
+              <a:rPr lang="ja-JP" altLang="en-US" dirty="0" smtClean="0"/>
+              <a:t>コンテナ</a:t>
+            </a:r>
+            <a:r>
+              <a:rPr lang="en-US" altLang="ja-JP" dirty="0" smtClean="0"/>
+              <a:t>(Web</a:t>
+            </a:r>
+            <a:r>
+              <a:rPr lang="ja-JP" altLang="en-US" dirty="0" smtClean="0"/>
+              <a:t>サーバ</a:t>
+            </a:r>
+            <a:r>
+              <a:rPr lang="en-US" altLang="ja-JP" dirty="0" smtClean="0"/>
+              <a:t>)</a:t>
+            </a:r>
+            <a:r>
+              <a:rPr lang="ja-JP" altLang="en-US" dirty="0" smtClean="0"/>
+              <a:t>に任意の</a:t>
+            </a:r>
+            <a:r>
+              <a:rPr lang="en-US" altLang="ja-JP" dirty="0" smtClean="0"/>
+              <a:t>IP</a:t>
+            </a:r>
+            <a:r>
+              <a:rPr lang="ja-JP" altLang="en-US" dirty="0" smtClean="0"/>
+              <a:t>を割り当てることにより、</a:t>
+            </a:r>
+            <a:r>
+              <a:rPr lang="en-US" altLang="ja-JP" dirty="0" smtClean="0"/>
+              <a:t/>
+            </a:r>
+            <a:br>
+              <a:rPr lang="en-US" altLang="ja-JP" dirty="0" smtClean="0"/>
+            </a:br>
+            <a:r>
+              <a:rPr lang="ja-JP" altLang="en-US" dirty="0" smtClean="0"/>
+              <a:t>クライアントと</a:t>
+            </a:r>
+            <a:r>
+              <a:rPr lang="en-US" altLang="ja-JP" dirty="0" smtClean="0"/>
+              <a:t>Web</a:t>
+            </a:r>
+            <a:r>
+              <a:rPr lang="ja-JP" altLang="en-US" dirty="0" smtClean="0"/>
+              <a:t>サーバを通信させる予定だった。</a:t>
+            </a:r>
+            <a:endParaRPr lang="en-US" altLang="ja-JP" dirty="0" smtClean="0"/>
+          </a:p>
+          <a:p>
+            <a:pPr lvl="1"/>
+            <a:r>
+              <a:rPr lang="ja-JP" altLang="en-US" dirty="0" smtClean="0"/>
+              <a:t>しかし、</a:t>
+            </a:r>
+            <a:r>
+              <a:rPr lang="en-US" altLang="ja-JP" dirty="0" smtClean="0"/>
+              <a:t>Web</a:t>
+            </a:r>
+            <a:r>
+              <a:rPr lang="ja-JP" altLang="en-US" dirty="0" smtClean="0"/>
+              <a:t>サーバの</a:t>
+            </a:r>
+            <a:r>
+              <a:rPr lang="en-US" altLang="ja-JP" dirty="0" smtClean="0"/>
+              <a:t>IP</a:t>
+            </a:r>
+            <a:r>
+              <a:rPr lang="ja-JP" altLang="en-US" dirty="0" smtClean="0"/>
+              <a:t>を見て通信しようとすると</a:t>
+            </a:r>
+            <a:r>
+              <a:rPr lang="en-US" altLang="ja-JP" dirty="0" smtClean="0"/>
+              <a:t>ping</a:t>
+            </a:r>
+            <a:r>
+              <a:rPr lang="ja-JP" altLang="en-US" dirty="0" smtClean="0"/>
+              <a:t>が飛ばないという事態が発生した。</a:t>
+            </a:r>
+            <a:endParaRPr lang="en-US" altLang="ja-JP" dirty="0" smtClean="0"/>
+          </a:p>
+          <a:p>
+            <a:pPr lvl="1"/>
+            <a:r>
+              <a:rPr kumimoji="1" lang="ja-JP" altLang="en-US" dirty="0"/>
+              <a:t>その</a:t>
+            </a:r>
+            <a:r>
+              <a:rPr kumimoji="1" lang="ja-JP" altLang="en-US" dirty="0" smtClean="0"/>
+              <a:t>ため</a:t>
+            </a:r>
+            <a:r>
+              <a:rPr lang="ja-JP" altLang="en-US" dirty="0" smtClean="0"/>
+              <a:t>、</a:t>
+            </a:r>
+            <a:r>
+              <a:rPr lang="en-US" altLang="ja-JP" dirty="0" smtClean="0"/>
+              <a:t>Web</a:t>
+            </a:r>
+            <a:r>
+              <a:rPr lang="ja-JP" altLang="en-US" dirty="0" smtClean="0"/>
+              <a:t>サーバをスライスに割り当てるとき、</a:t>
+            </a:r>
+            <a:r>
+              <a:rPr lang="en-US" altLang="ja-JP" dirty="0" smtClean="0"/>
+              <a:t/>
+            </a:r>
+            <a:br>
+              <a:rPr lang="en-US" altLang="ja-JP" dirty="0" smtClean="0"/>
+            </a:br>
+            <a:r>
+              <a:rPr lang="en-US" altLang="ja-JP" dirty="0" smtClean="0"/>
+              <a:t>IP</a:t>
+            </a:r>
+            <a:r>
+              <a:rPr lang="ja-JP" altLang="en-US" dirty="0" smtClean="0"/>
+              <a:t>アドレスを指定して割り当てることができなかった。</a:t>
+            </a:r>
+            <a:endParaRPr lang="en-US" altLang="ja-JP" dirty="0" smtClean="0"/>
+          </a:p>
+          <a:p>
+            <a:pPr lvl="2"/>
+            <a:r>
+              <a:rPr kumimoji="1" lang="ja-JP" altLang="en-US" dirty="0" smtClean="0"/>
+              <a:t>スライスに割り当てることができるように、スライスの要素として、</a:t>
+            </a:r>
+            <a:r>
+              <a:rPr kumimoji="1" lang="en-US" altLang="ja-JP" dirty="0" smtClean="0"/>
+              <a:t>TCP</a:t>
+            </a:r>
+            <a:r>
+              <a:rPr kumimoji="1" lang="ja-JP" altLang="en-US" dirty="0" smtClean="0"/>
+              <a:t>のポート番号を追加した。</a:t>
+            </a:r>
+            <a:endParaRPr kumimoji="1" lang="en-US" altLang="ja-JP" dirty="0" smtClean="0"/>
+          </a:p>
+          <a:p>
+            <a:pPr lvl="2"/>
+            <a:endParaRPr kumimoji="1" lang="ja-JP" altLang="en-US" dirty="0"/>
+          </a:p>
+        </p:txBody>
+      </p:sp>
+      <p:sp>
+        <p:nvSpPr>
+          <p:cNvPr id="4" name="スライド番号プレースホルダー 3"/>
           <p:cNvSpPr>
             <a:spLocks noGrp="1"/>
           </p:cNvSpPr>
@@ -16131,1851 +19612,10 @@
           </a:p>
         </p:txBody>
       </p:sp>
-      <mc:AlternateContent xmlns:mc="http://schemas.openxmlformats.org/markup-compatibility/2006" xmlns:a14="http://schemas.microsoft.com/office/drawing/2010/main">
-        <mc:Choice Requires="a14">
-          <p:sp>
-            <p:nvSpPr>
-              <p:cNvPr id="3" name="テキスト ボックス 2"/>
-              <p:cNvSpPr txBox="1"/>
-              <p:nvPr/>
-            </p:nvSpPr>
-            <p:spPr>
-              <a:xfrm>
-                <a:off x="215409" y="2230365"/>
-                <a:ext cx="6425573" cy="3231654"/>
-              </a:xfrm>
-              <a:prstGeom prst="rect">
-                <a:avLst/>
-              </a:prstGeom>
-              <a:noFill/>
-            </p:spPr>
-            <p:txBody>
-              <a:bodyPr wrap="square" rtlCol="0">
-                <a:spAutoFit/>
-              </a:bodyPr>
-              <a:lstStyle/>
-              <a:p>
-                <a:pPr marL="685800" indent="-685800">
-                  <a:buFont typeface="Arial" charset="0"/>
-                  <a:buChar char="•"/>
-                </a:pPr>
-                <a:r>
-                  <a:rPr lang="ja-JP" altLang="en-US" sz="2800" dirty="0">
-                    <a:latin typeface="HGGothicE" charset="-128"/>
-                    <a:ea typeface="HGGothicE" charset="-128"/>
-                    <a:cs typeface="HGGothicE" charset="-128"/>
-                  </a:rPr>
-                  <a:t>独自機能：アクセスの制限機能</a:t>
-                </a:r>
-                <a:endParaRPr lang="en-US" altLang="ja-JP" sz="2800" dirty="0">
-                  <a:latin typeface="HGGothicE" charset="-128"/>
-                  <a:ea typeface="HGGothicE" charset="-128"/>
-                  <a:cs typeface="HGGothicE" charset="-128"/>
-                </a:endParaRPr>
-              </a:p>
-              <a:p>
-                <a:pPr marL="1143000" lvl="1" indent="-685800">
-                  <a:buFont typeface="Arial" charset="0"/>
-                  <a:buChar char="•"/>
-                </a:pPr>
-                <a:r>
-                  <a:rPr lang="ja-JP" altLang="en-US" sz="2400" dirty="0">
-                    <a:latin typeface="HGGothicE" charset="-128"/>
-                    <a:ea typeface="HGGothicE" charset="-128"/>
-                    <a:cs typeface="HGGothicE" charset="-128"/>
-                  </a:rPr>
-                  <a:t>直近でアクセス数が多かった</a:t>
-                </a:r>
-                <a:r>
-                  <a:rPr lang="en-US" altLang="ja-JP" sz="2400" dirty="0">
-                    <a:latin typeface="HGGothicE" charset="-128"/>
-                    <a:ea typeface="HGGothicE" charset="-128"/>
-                    <a:cs typeface="HGGothicE" charset="-128"/>
-                  </a:rPr>
-                  <a:t/>
-                </a:r>
-                <a:br>
-                  <a:rPr lang="en-US" altLang="ja-JP" sz="2400" dirty="0">
-                    <a:latin typeface="HGGothicE" charset="-128"/>
-                    <a:ea typeface="HGGothicE" charset="-128"/>
-                    <a:cs typeface="HGGothicE" charset="-128"/>
-                  </a:rPr>
-                </a:br>
-                <a:r>
-                  <a:rPr lang="en-US" altLang="ja-JP" sz="2400" dirty="0">
-                    <a:latin typeface="HGGothicE" charset="-128"/>
-                    <a:ea typeface="HGGothicE" charset="-128"/>
-                    <a:cs typeface="HGGothicE" charset="-128"/>
-                  </a:rPr>
-                  <a:t>IP</a:t>
-                </a:r>
-                <a:r>
-                  <a:rPr lang="ja-JP" altLang="en-US" sz="2400" dirty="0">
-                    <a:latin typeface="HGGothicE" charset="-128"/>
-                    <a:ea typeface="HGGothicE" charset="-128"/>
-                    <a:cs typeface="HGGothicE" charset="-128"/>
-                  </a:rPr>
-                  <a:t>アドレスからのアクセスを制限</a:t>
-                </a:r>
-                <a:endParaRPr lang="en-US" altLang="ja-JP" sz="2400" dirty="0">
-                  <a:latin typeface="HGGothicE" charset="-128"/>
-                  <a:ea typeface="HGGothicE" charset="-128"/>
-                  <a:cs typeface="HGGothicE" charset="-128"/>
-                </a:endParaRPr>
-              </a:p>
-              <a:p>
-                <a:pPr marL="1600200" lvl="2" indent="-685800">
-                  <a:buFont typeface="Arial" charset="0"/>
-                  <a:buChar char="•"/>
-                </a:pPr>
-                <a:r>
-                  <a:rPr lang="ja-JP" altLang="en-US" sz="2000" dirty="0">
-                    <a:latin typeface="HGGothicE" charset="-128"/>
-                    <a:ea typeface="HGGothicE" charset="-128"/>
-                    <a:cs typeface="HGGothicE" charset="-128"/>
-                  </a:rPr>
-                  <a:t>直近の</a:t>
-                </a:r>
-                <a14:m>
-                  <m:oMath xmlns:m="http://schemas.openxmlformats.org/officeDocument/2006/math">
-                    <m:r>
-                      <a:rPr lang="en-US" altLang="ja-JP" sz="2000" i="1">
-                        <a:latin typeface="Cambria Math" charset="0"/>
-                        <a:ea typeface="HGGothicE" charset="-128"/>
-                        <a:cs typeface="HGGothicE" charset="-128"/>
-                      </a:rPr>
-                      <m:t>𝑇</m:t>
-                    </m:r>
-                  </m:oMath>
-                </a14:m>
-                <a:r>
-                  <a:rPr lang="ja-JP" altLang="en-US" sz="2000" dirty="0">
-                    <a:latin typeface="HGGothicE" charset="-128"/>
-                    <a:ea typeface="HGGothicE" charset="-128"/>
-                    <a:cs typeface="HGGothicE" charset="-128"/>
-                  </a:rPr>
-                  <a:t>秒間で、ある</a:t>
-                </a:r>
-                <a:r>
-                  <a:rPr lang="en-US" altLang="ja-JP" sz="2000" dirty="0">
-                    <a:latin typeface="HGGothicE" charset="-128"/>
-                    <a:ea typeface="HGGothicE" charset="-128"/>
-                    <a:cs typeface="HGGothicE" charset="-128"/>
-                  </a:rPr>
-                  <a:t>IP</a:t>
-                </a:r>
-                <a:r>
-                  <a:rPr lang="ja-JP" altLang="en-US" sz="2000" dirty="0">
-                    <a:latin typeface="HGGothicE" charset="-128"/>
-                    <a:ea typeface="HGGothicE" charset="-128"/>
-                    <a:cs typeface="HGGothicE" charset="-128"/>
-                  </a:rPr>
-                  <a:t>アドレスからのアクセスが</a:t>
-                </a:r>
-                <a14:m>
-                  <m:oMath xmlns:m="http://schemas.openxmlformats.org/officeDocument/2006/math">
-                    <m:r>
-                      <a:rPr lang="en-US" altLang="ja-JP" sz="2000" i="1">
-                        <a:latin typeface="Cambria Math" charset="0"/>
-                        <a:ea typeface="HGGothicE" charset="-128"/>
-                        <a:cs typeface="HGGothicE" charset="-128"/>
-                      </a:rPr>
-                      <m:t>𝑛</m:t>
-                    </m:r>
-                  </m:oMath>
-                </a14:m>
-                <a:r>
-                  <a:rPr lang="ja-JP" altLang="en-US" sz="2000" dirty="0">
-                    <a:latin typeface="HGGothicE" charset="-128"/>
-                    <a:ea typeface="HGGothicE" charset="-128"/>
-                    <a:cs typeface="HGGothicE" charset="-128"/>
-                  </a:rPr>
-                  <a:t>回あった場合、</a:t>
-                </a:r>
-                <a:r>
-                  <a:rPr lang="en-US" altLang="ja-JP" sz="2000" dirty="0">
-                    <a:latin typeface="HGGothicE" charset="-128"/>
-                    <a:ea typeface="HGGothicE" charset="-128"/>
-                    <a:cs typeface="HGGothicE" charset="-128"/>
-                  </a:rPr>
-                  <a:t/>
-                </a:r>
-                <a:br>
-                  <a:rPr lang="en-US" altLang="ja-JP" sz="2000" dirty="0">
-                    <a:latin typeface="HGGothicE" charset="-128"/>
-                    <a:ea typeface="HGGothicE" charset="-128"/>
-                    <a:cs typeface="HGGothicE" charset="-128"/>
-                  </a:rPr>
-                </a:br>
-                <a:r>
-                  <a:rPr lang="ja-JP" altLang="en-US" sz="2000" dirty="0">
-                    <a:latin typeface="HGGothicE" charset="-128"/>
-                    <a:ea typeface="HGGothicE" charset="-128"/>
-                    <a:cs typeface="HGGothicE" charset="-128"/>
-                  </a:rPr>
-                  <a:t>その</a:t>
-                </a:r>
-                <a:r>
-                  <a:rPr lang="en-US" altLang="ja-JP" sz="2000" dirty="0">
-                    <a:latin typeface="HGGothicE" charset="-128"/>
-                    <a:ea typeface="HGGothicE" charset="-128"/>
-                    <a:cs typeface="HGGothicE" charset="-128"/>
-                  </a:rPr>
-                  <a:t>IP</a:t>
-                </a:r>
-                <a:r>
-                  <a:rPr lang="ja-JP" altLang="en-US" sz="2000" dirty="0">
-                    <a:latin typeface="HGGothicE" charset="-128"/>
-                    <a:ea typeface="HGGothicE" charset="-128"/>
-                    <a:cs typeface="HGGothicE" charset="-128"/>
-                  </a:rPr>
-                  <a:t>からのアクセスを遮断</a:t>
-                </a:r>
-                <a:endParaRPr lang="en-US" altLang="ja-JP" sz="2000" dirty="0">
-                  <a:latin typeface="HGGothicE" charset="-128"/>
-                  <a:ea typeface="HGGothicE" charset="-128"/>
-                  <a:cs typeface="HGGothicE" charset="-128"/>
-                </a:endParaRPr>
-              </a:p>
-              <a:p>
-                <a:pPr marL="1600200" lvl="2" indent="-685800">
-                  <a:buFont typeface="Arial" charset="0"/>
-                  <a:buChar char="•"/>
-                </a:pPr>
-                <a:endParaRPr lang="en-US" altLang="ja-JP" sz="2000" dirty="0">
-                  <a:latin typeface="HGGothicE" charset="-128"/>
-                  <a:ea typeface="HGGothicE" charset="-128"/>
-                  <a:cs typeface="HGGothicE" charset="-128"/>
-                </a:endParaRPr>
-              </a:p>
-              <a:p>
-                <a:pPr lvl="1"/>
-                <a:r>
-                  <a:rPr lang="ja-JP" altLang="en-US" sz="2400" dirty="0">
-                    <a:latin typeface="HGGothicE" charset="-128"/>
-                    <a:ea typeface="HGGothicE" charset="-128"/>
-                    <a:cs typeface="HGGothicE" charset="-128"/>
-                  </a:rPr>
-                  <a:t>→サーバへのアクセス集中を防止</a:t>
-                </a:r>
-                <a:endParaRPr lang="en-US" altLang="ja-JP" sz="2400" dirty="0">
-                  <a:latin typeface="HGGothicE" charset="-128"/>
-                  <a:ea typeface="HGGothicE" charset="-128"/>
-                  <a:cs typeface="HGGothicE" charset="-128"/>
-                </a:endParaRPr>
-              </a:p>
-              <a:p>
-                <a:pPr lvl="1"/>
-                <a:r>
-                  <a:rPr lang="ja-JP" altLang="en-US" sz="2400" dirty="0">
-                    <a:latin typeface="HGGothicE" charset="-128"/>
-                    <a:ea typeface="HGGothicE" charset="-128"/>
-                    <a:cs typeface="HGGothicE" charset="-128"/>
-                  </a:rPr>
-                  <a:t>→</a:t>
-                </a:r>
-                <a:r>
-                  <a:rPr lang="en-US" altLang="ja-JP" sz="2400" dirty="0">
-                    <a:latin typeface="HGGothicE" charset="-128"/>
-                    <a:ea typeface="HGGothicE" charset="-128"/>
-                    <a:cs typeface="HGGothicE" charset="-128"/>
-                  </a:rPr>
-                  <a:t>DOS</a:t>
-                </a:r>
-                <a:r>
-                  <a:rPr lang="ja-JP" altLang="en-US" sz="2400" dirty="0">
-                    <a:latin typeface="HGGothicE" charset="-128"/>
-                    <a:ea typeface="HGGothicE" charset="-128"/>
-                    <a:cs typeface="HGGothicE" charset="-128"/>
-                  </a:rPr>
-                  <a:t>攻撃対策</a:t>
-                </a:r>
-                <a:endParaRPr lang="en-US" altLang="ja-JP" sz="3200" dirty="0">
-                  <a:latin typeface="HGGothicE" charset="-128"/>
-                  <a:ea typeface="HGGothicE" charset="-128"/>
-                  <a:cs typeface="HGGothicE" charset="-128"/>
-                </a:endParaRPr>
-              </a:p>
-            </p:txBody>
-          </p:sp>
-        </mc:Choice>
-        <mc:Fallback xmlns="">
-          <p:sp>
-            <p:nvSpPr>
-              <p:cNvPr id="3" name="テキスト ボックス 2"/>
-              <p:cNvSpPr txBox="1">
-                <a:spLocks noRot="1" noChangeAspect="1" noMove="1" noResize="1" noEditPoints="1" noAdjustHandles="1" noChangeArrowheads="1" noChangeShapeType="1" noTextEdit="1"/>
-              </p:cNvSpPr>
-              <p:nvPr/>
-            </p:nvSpPr>
-            <p:spPr>
-              <a:xfrm>
-                <a:off x="215409" y="2230365"/>
-                <a:ext cx="6425573" cy="3231654"/>
-              </a:xfrm>
-              <a:prstGeom prst="rect">
-                <a:avLst/>
-              </a:prstGeom>
-              <a:blipFill rotWithShape="0">
-                <a:blip r:embed="rId2"/>
-                <a:stretch>
-                  <a:fillRect l="-1708" t="-2075" b="-3396"/>
-                </a:stretch>
-              </a:blipFill>
-            </p:spPr>
-            <p:txBody>
-              <a:bodyPr/>
-              <a:lstStyle/>
-              <a:p>
-                <a:r>
-                  <a:rPr lang="ja-JP" altLang="en-US">
-                    <a:noFill/>
-                  </a:rPr>
-                  <a:t> </a:t>
-                </a:r>
-              </a:p>
-            </p:txBody>
-          </p:sp>
-        </mc:Fallback>
-      </mc:AlternateContent>
-      <p:grpSp>
-        <p:nvGrpSpPr>
-          <p:cNvPr id="4" name="図形グループ 3"/>
-          <p:cNvGrpSpPr/>
-          <p:nvPr/>
-        </p:nvGrpSpPr>
-        <p:grpSpPr>
-          <a:xfrm>
-            <a:off x="6850525" y="1078041"/>
-            <a:ext cx="5341475" cy="5681867"/>
-            <a:chOff x="6850525" y="1078041"/>
-            <a:chExt cx="5341475" cy="5681867"/>
-          </a:xfrm>
-        </p:grpSpPr>
-        <p:cxnSp>
-          <p:nvCxnSpPr>
-            <p:cNvPr id="5" name="直線矢印コネクタ 4"/>
-            <p:cNvCxnSpPr/>
-            <p:nvPr/>
-          </p:nvCxnSpPr>
-          <p:spPr>
-            <a:xfrm>
-              <a:off x="11085460" y="1627037"/>
-              <a:ext cx="0" cy="5132871"/>
-            </a:xfrm>
-            <a:prstGeom prst="straightConnector1">
-              <a:avLst/>
-            </a:prstGeom>
-            <a:ln>
-              <a:solidFill>
-                <a:schemeClr val="tx1"/>
-              </a:solidFill>
-              <a:tailEnd type="arrow"/>
-            </a:ln>
-          </p:spPr>
-          <p:style>
-            <a:lnRef idx="1">
-              <a:schemeClr val="accent1"/>
-            </a:lnRef>
-            <a:fillRef idx="0">
-              <a:schemeClr val="accent1"/>
-            </a:fillRef>
-            <a:effectRef idx="0">
-              <a:schemeClr val="accent1"/>
-            </a:effectRef>
-            <a:fontRef idx="minor">
-              <a:schemeClr val="tx1"/>
-            </a:fontRef>
-          </p:style>
-        </p:cxnSp>
-        <p:cxnSp>
-          <p:nvCxnSpPr>
-            <p:cNvPr id="6" name="直線矢印コネクタ 5"/>
-            <p:cNvCxnSpPr/>
-            <p:nvPr/>
-          </p:nvCxnSpPr>
-          <p:spPr>
-            <a:xfrm>
-              <a:off x="9108218" y="1588604"/>
-              <a:ext cx="0" cy="5132871"/>
-            </a:xfrm>
-            <a:prstGeom prst="straightConnector1">
-              <a:avLst/>
-            </a:prstGeom>
-            <a:ln>
-              <a:solidFill>
-                <a:schemeClr val="tx1"/>
-              </a:solidFill>
-              <a:tailEnd type="arrow"/>
-            </a:ln>
-          </p:spPr>
-          <p:style>
-            <a:lnRef idx="1">
-              <a:schemeClr val="accent1"/>
-            </a:lnRef>
-            <a:fillRef idx="0">
-              <a:schemeClr val="accent1"/>
-            </a:fillRef>
-            <a:effectRef idx="0">
-              <a:schemeClr val="accent1"/>
-            </a:effectRef>
-            <a:fontRef idx="minor">
-              <a:schemeClr val="tx1"/>
-            </a:fontRef>
-          </p:style>
-        </p:cxnSp>
-        <p:sp>
-          <p:nvSpPr>
-            <p:cNvPr id="7" name="正方形/長方形 6"/>
-            <p:cNvSpPr/>
-            <p:nvPr/>
-          </p:nvSpPr>
-          <p:spPr>
-            <a:xfrm>
-              <a:off x="8651019" y="1080772"/>
-              <a:ext cx="914400" cy="546265"/>
-            </a:xfrm>
-            <a:prstGeom prst="rect">
-              <a:avLst/>
-            </a:prstGeom>
-          </p:spPr>
-          <p:style>
-            <a:lnRef idx="2">
-              <a:schemeClr val="accent1">
-                <a:shade val="50000"/>
-              </a:schemeClr>
-            </a:lnRef>
-            <a:fillRef idx="1">
-              <a:schemeClr val="accent1"/>
-            </a:fillRef>
-            <a:effectRef idx="0">
-              <a:schemeClr val="accent1"/>
-            </a:effectRef>
-            <a:fontRef idx="minor">
-              <a:schemeClr val="lt1"/>
-            </a:fontRef>
-          </p:style>
-          <p:txBody>
-            <a:bodyPr rtlCol="0" anchor="ctr"/>
-            <a:lstStyle/>
-            <a:p>
-              <a:pPr algn="ctr"/>
-              <a:r>
-                <a:rPr kumimoji="1" lang="ja-JP" altLang="en-US" dirty="0" smtClean="0">
-                  <a:latin typeface="HGGothicE" charset="-128"/>
-                  <a:ea typeface="HGGothicE" charset="-128"/>
-                  <a:cs typeface="HGGothicE" charset="-128"/>
-                </a:rPr>
-                <a:t>サーバ</a:t>
-              </a:r>
-              <a:endParaRPr kumimoji="1" lang="ja-JP" altLang="en-US" dirty="0">
-                <a:latin typeface="HGGothicE" charset="-128"/>
-                <a:ea typeface="HGGothicE" charset="-128"/>
-                <a:cs typeface="HGGothicE" charset="-128"/>
-              </a:endParaRPr>
-            </a:p>
-          </p:txBody>
-        </p:sp>
-        <p:sp>
-          <p:nvSpPr>
-            <p:cNvPr id="8" name="正方形/長方形 7"/>
-            <p:cNvSpPr/>
-            <p:nvPr/>
-          </p:nvSpPr>
-          <p:spPr>
-            <a:xfrm>
-              <a:off x="10042155" y="1078041"/>
-              <a:ext cx="1803326" cy="546265"/>
-            </a:xfrm>
-            <a:prstGeom prst="rect">
-              <a:avLst/>
-            </a:prstGeom>
-          </p:spPr>
-          <p:style>
-            <a:lnRef idx="2">
-              <a:schemeClr val="accent1">
-                <a:shade val="50000"/>
-              </a:schemeClr>
-            </a:lnRef>
-            <a:fillRef idx="1">
-              <a:schemeClr val="accent1"/>
-            </a:fillRef>
-            <a:effectRef idx="0">
-              <a:schemeClr val="accent1"/>
-            </a:effectRef>
-            <a:fontRef idx="minor">
-              <a:schemeClr val="lt1"/>
-            </a:fontRef>
-          </p:style>
-          <p:txBody>
-            <a:bodyPr rtlCol="0" anchor="ctr"/>
-            <a:lstStyle/>
-            <a:p>
-              <a:pPr algn="ctr"/>
-              <a:r>
-                <a:rPr lang="en-US" altLang="ja-JP" dirty="0">
-                  <a:latin typeface="HGGothicE" charset="-128"/>
-                  <a:ea typeface="HGGothicE" charset="-128"/>
-                  <a:cs typeface="HGGothicE" charset="-128"/>
-                </a:rPr>
-                <a:t>192.168.1.101</a:t>
-              </a:r>
-              <a:endParaRPr kumimoji="1" lang="ja-JP" altLang="en-US" dirty="0">
-                <a:latin typeface="HGGothicE" charset="-128"/>
-                <a:ea typeface="HGGothicE" charset="-128"/>
-                <a:cs typeface="HGGothicE" charset="-128"/>
-              </a:endParaRPr>
-            </a:p>
-          </p:txBody>
-        </p:sp>
-        <p:cxnSp>
-          <p:nvCxnSpPr>
-            <p:cNvPr id="9" name="直線矢印コネクタ 8"/>
-            <p:cNvCxnSpPr/>
-            <p:nvPr/>
-          </p:nvCxnSpPr>
-          <p:spPr>
-            <a:xfrm flipH="1">
-              <a:off x="9126032" y="2025014"/>
-              <a:ext cx="1959427" cy="0"/>
-            </a:xfrm>
-            <a:prstGeom prst="straightConnector1">
-              <a:avLst/>
-            </a:prstGeom>
-            <a:ln>
-              <a:solidFill>
-                <a:schemeClr val="accent1"/>
-              </a:solidFill>
-              <a:tailEnd type="arrow"/>
-            </a:ln>
-          </p:spPr>
-          <p:style>
-            <a:lnRef idx="1">
-              <a:schemeClr val="accent1"/>
-            </a:lnRef>
-            <a:fillRef idx="0">
-              <a:schemeClr val="accent1"/>
-            </a:fillRef>
-            <a:effectRef idx="0">
-              <a:schemeClr val="accent1"/>
-            </a:effectRef>
-            <a:fontRef idx="minor">
-              <a:schemeClr val="tx1"/>
-            </a:fontRef>
-          </p:style>
-        </p:cxnSp>
-        <p:cxnSp>
-          <p:nvCxnSpPr>
-            <p:cNvPr id="10" name="直線矢印コネクタ 9"/>
-            <p:cNvCxnSpPr/>
-            <p:nvPr/>
-          </p:nvCxnSpPr>
-          <p:spPr>
-            <a:xfrm flipH="1">
-              <a:off x="9126032" y="2179393"/>
-              <a:ext cx="1959428" cy="0"/>
-            </a:xfrm>
-            <a:prstGeom prst="straightConnector1">
-              <a:avLst/>
-            </a:prstGeom>
-            <a:ln>
-              <a:solidFill>
-                <a:schemeClr val="accent1"/>
-              </a:solidFill>
-              <a:tailEnd type="arrow"/>
-            </a:ln>
-          </p:spPr>
-          <p:style>
-            <a:lnRef idx="1">
-              <a:schemeClr val="accent1"/>
-            </a:lnRef>
-            <a:fillRef idx="0">
-              <a:schemeClr val="accent1"/>
-            </a:fillRef>
-            <a:effectRef idx="0">
-              <a:schemeClr val="accent1"/>
-            </a:effectRef>
-            <a:fontRef idx="minor">
-              <a:schemeClr val="tx1"/>
-            </a:fontRef>
-          </p:style>
-        </p:cxnSp>
-        <p:sp>
-          <p:nvSpPr>
-            <p:cNvPr id="11" name="テキスト ボックス 10"/>
-            <p:cNvSpPr txBox="1"/>
-            <p:nvPr/>
-          </p:nvSpPr>
-          <p:spPr>
-            <a:xfrm rot="5400000">
-              <a:off x="9625274" y="2964783"/>
-              <a:ext cx="795646" cy="307777"/>
-            </a:xfrm>
-            <a:prstGeom prst="rect">
-              <a:avLst/>
-            </a:prstGeom>
-            <a:noFill/>
-            <a:ln>
-              <a:noFill/>
-            </a:ln>
-          </p:spPr>
-          <p:txBody>
-            <a:bodyPr wrap="square" rtlCol="0">
-              <a:spAutoFit/>
-            </a:bodyPr>
-            <a:lstStyle/>
-            <a:p>
-              <a:r>
-                <a:rPr lang="ja-JP" altLang="en-US" sz="1400" dirty="0">
-                  <a:solidFill>
-                    <a:srgbClr val="FF0000"/>
-                  </a:solidFill>
-                  <a:latin typeface="HGGothicE" charset="-128"/>
-                  <a:ea typeface="HGGothicE" charset="-128"/>
-                  <a:cs typeface="HGGothicE" charset="-128"/>
-                </a:rPr>
-                <a:t>・・・</a:t>
-              </a:r>
-              <a:endParaRPr kumimoji="1" lang="ja-JP" altLang="en-US" sz="1400" dirty="0">
-                <a:solidFill>
-                  <a:srgbClr val="FF0000"/>
-                </a:solidFill>
-                <a:latin typeface="HGGothicE" charset="-128"/>
-                <a:ea typeface="HGGothicE" charset="-128"/>
-                <a:cs typeface="HGGothicE" charset="-128"/>
-              </a:endParaRPr>
-            </a:p>
-          </p:txBody>
-        </p:sp>
-        <p:cxnSp>
-          <p:nvCxnSpPr>
-            <p:cNvPr id="12" name="直線矢印コネクタ 11"/>
-            <p:cNvCxnSpPr/>
-            <p:nvPr/>
-          </p:nvCxnSpPr>
-          <p:spPr>
-            <a:xfrm flipH="1">
-              <a:off x="9117125" y="3501106"/>
-              <a:ext cx="1977242" cy="0"/>
-            </a:xfrm>
-            <a:prstGeom prst="straightConnector1">
-              <a:avLst/>
-            </a:prstGeom>
-            <a:ln>
-              <a:solidFill>
-                <a:schemeClr val="accent1"/>
-              </a:solidFill>
-              <a:tailEnd type="arrow"/>
-            </a:ln>
-          </p:spPr>
-          <p:style>
-            <a:lnRef idx="1">
-              <a:schemeClr val="accent1"/>
-            </a:lnRef>
-            <a:fillRef idx="0">
-              <a:schemeClr val="accent1"/>
-            </a:fillRef>
-            <a:effectRef idx="0">
-              <a:schemeClr val="accent1"/>
-            </a:effectRef>
-            <a:fontRef idx="minor">
-              <a:schemeClr val="tx1"/>
-            </a:fontRef>
-          </p:style>
-        </p:cxnSp>
-        <p:cxnSp>
-          <p:nvCxnSpPr>
-            <p:cNvPr id="13" name="直線矢印コネクタ 12"/>
-            <p:cNvCxnSpPr/>
-            <p:nvPr/>
-          </p:nvCxnSpPr>
-          <p:spPr>
-            <a:xfrm flipH="1">
-              <a:off x="9099310" y="3641853"/>
-              <a:ext cx="1977242" cy="0"/>
-            </a:xfrm>
-            <a:prstGeom prst="straightConnector1">
-              <a:avLst/>
-            </a:prstGeom>
-            <a:ln>
-              <a:solidFill>
-                <a:schemeClr val="accent1"/>
-              </a:solidFill>
-              <a:tailEnd type="arrow"/>
-            </a:ln>
-          </p:spPr>
-          <p:style>
-            <a:lnRef idx="1">
-              <a:schemeClr val="accent1"/>
-            </a:lnRef>
-            <a:fillRef idx="0">
-              <a:schemeClr val="accent1"/>
-            </a:fillRef>
-            <a:effectRef idx="0">
-              <a:schemeClr val="accent1"/>
-            </a:effectRef>
-            <a:fontRef idx="minor">
-              <a:schemeClr val="tx1"/>
-            </a:fontRef>
-          </p:style>
-        </p:cxnSp>
-        <p:sp>
-          <p:nvSpPr>
-            <p:cNvPr id="14" name="左中かっこ 13"/>
-            <p:cNvSpPr/>
-            <p:nvPr/>
-          </p:nvSpPr>
-          <p:spPr>
-            <a:xfrm>
-              <a:off x="8651019" y="1922478"/>
-              <a:ext cx="338437" cy="2118058"/>
-            </a:xfrm>
-            <a:prstGeom prst="leftBrace">
-              <a:avLst/>
-            </a:prstGeom>
-          </p:spPr>
-          <p:style>
-            <a:lnRef idx="1">
-              <a:schemeClr val="dk1"/>
-            </a:lnRef>
-            <a:fillRef idx="0">
-              <a:schemeClr val="dk1"/>
-            </a:fillRef>
-            <a:effectRef idx="0">
-              <a:schemeClr val="dk1"/>
-            </a:effectRef>
-            <a:fontRef idx="minor">
-              <a:schemeClr val="tx1"/>
-            </a:fontRef>
-          </p:style>
-          <p:txBody>
-            <a:bodyPr rtlCol="0" anchor="ctr"/>
-            <a:lstStyle/>
-            <a:p>
-              <a:pPr algn="ctr"/>
-              <a:endParaRPr kumimoji="1" lang="ja-JP" altLang="en-US">
-                <a:latin typeface="HGGothicE" charset="-128"/>
-                <a:ea typeface="HGGothicE" charset="-128"/>
-                <a:cs typeface="HGGothicE" charset="-128"/>
-              </a:endParaRPr>
-            </a:p>
-          </p:txBody>
-        </p:sp>
-        <p:cxnSp>
-          <p:nvCxnSpPr>
-            <p:cNvPr id="15" name="直線矢印コネクタ 14"/>
-            <p:cNvCxnSpPr/>
-            <p:nvPr/>
-          </p:nvCxnSpPr>
-          <p:spPr>
-            <a:xfrm>
-              <a:off x="11287329" y="1922478"/>
-              <a:ext cx="0" cy="2118058"/>
-            </a:xfrm>
-            <a:prstGeom prst="straightConnector1">
-              <a:avLst/>
-            </a:prstGeom>
-            <a:ln>
-              <a:headEnd type="arrow"/>
-              <a:tailEnd type="arrow"/>
-            </a:ln>
-          </p:spPr>
-          <p:style>
-            <a:lnRef idx="1">
-              <a:schemeClr val="dk1"/>
-            </a:lnRef>
-            <a:fillRef idx="0">
-              <a:schemeClr val="dk1"/>
-            </a:fillRef>
-            <a:effectRef idx="0">
-              <a:schemeClr val="dk1"/>
-            </a:effectRef>
-            <a:fontRef idx="minor">
-              <a:schemeClr val="tx1"/>
-            </a:fontRef>
-          </p:style>
-        </p:cxnSp>
-        <mc:AlternateContent xmlns:mc="http://schemas.openxmlformats.org/markup-compatibility/2006" xmlns:a14="http://schemas.microsoft.com/office/drawing/2010/main">
-          <mc:Choice Requires="a14">
-            <p:sp>
-              <p:nvSpPr>
-                <p:cNvPr id="16" name="テキスト ボックス 15"/>
-                <p:cNvSpPr txBox="1"/>
-                <p:nvPr/>
-              </p:nvSpPr>
-              <p:spPr>
-                <a:xfrm>
-                  <a:off x="11287329" y="2351516"/>
-                  <a:ext cx="904671" cy="369332"/>
-                </a:xfrm>
-                <a:prstGeom prst="rect">
-                  <a:avLst/>
-                </a:prstGeom>
-                <a:noFill/>
-              </p:spPr>
-              <p:txBody>
-                <a:bodyPr wrap="none" rtlCol="0">
-                  <a:spAutoFit/>
-                </a:bodyPr>
-                <a:lstStyle/>
-                <a:p>
-                  <a14:m>
-                    <m:oMath xmlns:m="http://schemas.openxmlformats.org/officeDocument/2006/math">
-                      <m:r>
-                        <a:rPr lang="en-US" altLang="ja-JP" i="1">
-                          <a:latin typeface="Cambria Math" charset="0"/>
-                          <a:ea typeface="HGGothicE" charset="-128"/>
-                          <a:cs typeface="HGGothicE" charset="-128"/>
-                        </a:rPr>
-                        <m:t>𝑇</m:t>
-                      </m:r>
-                    </m:oMath>
-                  </a14:m>
-                  <a:r>
-                    <a:rPr kumimoji="1" lang="en-US" altLang="ja-JP" dirty="0" smtClean="0">
-                      <a:latin typeface="HGGothicE" charset="-128"/>
-                      <a:ea typeface="HGGothicE" charset="-128"/>
-                      <a:cs typeface="HGGothicE" charset="-128"/>
-                    </a:rPr>
-                    <a:t>[sec]</a:t>
-                  </a:r>
-                  <a:endParaRPr kumimoji="1" lang="ja-JP" altLang="en-US" dirty="0">
-                    <a:latin typeface="HGGothicE" charset="-128"/>
-                    <a:ea typeface="HGGothicE" charset="-128"/>
-                    <a:cs typeface="HGGothicE" charset="-128"/>
-                  </a:endParaRPr>
-                </a:p>
-              </p:txBody>
-            </p:sp>
-          </mc:Choice>
-          <mc:Fallback xmlns="">
-            <p:sp>
-              <p:nvSpPr>
-                <p:cNvPr id="41" name="テキスト ボックス 40"/>
-                <p:cNvSpPr txBox="1">
-                  <a:spLocks noRot="1" noChangeAspect="1" noMove="1" noResize="1" noEditPoints="1" noAdjustHandles="1" noChangeArrowheads="1" noChangeShapeType="1" noTextEdit="1"/>
-                </p:cNvSpPr>
-                <p:nvPr/>
-              </p:nvSpPr>
-              <p:spPr>
-                <a:xfrm>
-                  <a:off x="11287329" y="2351516"/>
-                  <a:ext cx="904671" cy="369332"/>
-                </a:xfrm>
-                <a:prstGeom prst="rect">
-                  <a:avLst/>
-                </a:prstGeom>
-                <a:blipFill rotWithShape="0">
-                  <a:blip r:embed="rId4"/>
-                  <a:stretch>
-                    <a:fillRect t="-13333" r="-5405" b="-23333"/>
-                  </a:stretch>
-                </a:blipFill>
-              </p:spPr>
-              <p:txBody>
-                <a:bodyPr/>
-                <a:lstStyle/>
-                <a:p>
-                  <a:r>
-                    <a:rPr lang="ja-JP" altLang="en-US">
-                      <a:noFill/>
-                    </a:rPr>
-                    <a:t> </a:t>
-                  </a:r>
-                </a:p>
-              </p:txBody>
-            </p:sp>
-          </mc:Fallback>
-        </mc:AlternateContent>
-        <mc:AlternateContent xmlns:mc="http://schemas.openxmlformats.org/markup-compatibility/2006" xmlns:a14="http://schemas.microsoft.com/office/drawing/2010/main">
-          <mc:Choice Requires="a14">
-            <p:sp>
-              <p:nvSpPr>
-                <p:cNvPr id="17" name="テキスト ボックス 16"/>
-                <p:cNvSpPr txBox="1"/>
-                <p:nvPr/>
-              </p:nvSpPr>
-              <p:spPr>
-                <a:xfrm>
-                  <a:off x="6850525" y="2658341"/>
-                  <a:ext cx="1800493" cy="669992"/>
-                </a:xfrm>
-                <a:prstGeom prst="rect">
-                  <a:avLst/>
-                </a:prstGeom>
-                <a:noFill/>
-                <a:ln>
-                  <a:solidFill>
-                    <a:schemeClr val="tx1"/>
-                  </a:solidFill>
-                </a:ln>
-              </p:spPr>
-              <p:txBody>
-                <a:bodyPr wrap="none" rtlCol="0">
-                  <a:spAutoFit/>
-                </a:bodyPr>
-                <a:lstStyle/>
-                <a:p>
-                  <a14:m>
-                    <m:oMath xmlns:m="http://schemas.openxmlformats.org/officeDocument/2006/math">
-                      <m:r>
-                        <a:rPr lang="en-US" altLang="ja-JP" i="1">
-                          <a:latin typeface="Cambria Math" charset="0"/>
-                          <a:ea typeface="HGGothicE" charset="-128"/>
-                          <a:cs typeface="HGGothicE" charset="-128"/>
-                        </a:rPr>
-                        <m:t>𝑇</m:t>
-                      </m:r>
-                    </m:oMath>
-                  </a14:m>
-                  <a:r>
-                    <a:rPr kumimoji="1" lang="en-US" altLang="ja-JP" dirty="0" smtClean="0">
-                      <a:latin typeface="HGGothicE" charset="-128"/>
-                      <a:ea typeface="HGGothicE" charset="-128"/>
-                      <a:cs typeface="HGGothicE" charset="-128"/>
-                    </a:rPr>
-                    <a:t>[sec]</a:t>
-                  </a:r>
-                  <a:r>
-                    <a:rPr kumimoji="1" lang="ja-JP" altLang="en-US" dirty="0" smtClean="0">
-                      <a:latin typeface="HGGothicE" charset="-128"/>
-                      <a:ea typeface="HGGothicE" charset="-128"/>
-                      <a:cs typeface="HGGothicE" charset="-128"/>
-                    </a:rPr>
-                    <a:t>間に</a:t>
-                  </a:r>
-                  <a:r>
-                    <a:rPr kumimoji="1" lang="en-US" altLang="ja-JP" dirty="0" smtClean="0">
-                      <a:latin typeface="HGGothicE" charset="-128"/>
-                      <a:ea typeface="HGGothicE" charset="-128"/>
-                      <a:cs typeface="HGGothicE" charset="-128"/>
-                    </a:rPr>
-                    <a:t/>
-                  </a:r>
-                  <a:br>
-                    <a:rPr kumimoji="1" lang="en-US" altLang="ja-JP" dirty="0" smtClean="0">
-                      <a:latin typeface="HGGothicE" charset="-128"/>
-                      <a:ea typeface="HGGothicE" charset="-128"/>
-                      <a:cs typeface="HGGothicE" charset="-128"/>
-                    </a:rPr>
-                  </a:br>
-                  <a:r>
-                    <a:rPr kumimoji="1" lang="ja-JP" altLang="en-US" dirty="0" smtClean="0">
-                      <a:latin typeface="HGGothicE" charset="-128"/>
-                      <a:ea typeface="HGGothicE" charset="-128"/>
-                      <a:cs typeface="HGGothicE" charset="-128"/>
-                    </a:rPr>
-                    <a:t>アクセスが集中</a:t>
-                  </a:r>
-                  <a:endParaRPr kumimoji="1" lang="ja-JP" altLang="en-US" dirty="0">
-                    <a:latin typeface="HGGothicE" charset="-128"/>
-                    <a:ea typeface="HGGothicE" charset="-128"/>
-                    <a:cs typeface="HGGothicE" charset="-128"/>
-                  </a:endParaRPr>
-                </a:p>
-              </p:txBody>
-            </p:sp>
-          </mc:Choice>
-          <mc:Fallback xmlns="">
-            <p:sp>
-              <p:nvSpPr>
-                <p:cNvPr id="42" name="テキスト ボックス 41"/>
-                <p:cNvSpPr txBox="1">
-                  <a:spLocks noRot="1" noChangeAspect="1" noMove="1" noResize="1" noEditPoints="1" noAdjustHandles="1" noChangeArrowheads="1" noChangeShapeType="1" noTextEdit="1"/>
-                </p:cNvSpPr>
-                <p:nvPr/>
-              </p:nvSpPr>
-              <p:spPr>
-                <a:xfrm>
-                  <a:off x="6850525" y="2658341"/>
-                  <a:ext cx="1800493" cy="669992"/>
-                </a:xfrm>
-                <a:prstGeom prst="rect">
-                  <a:avLst/>
-                </a:prstGeom>
-                <a:blipFill rotWithShape="0">
-                  <a:blip r:embed="rId5"/>
-                  <a:stretch>
-                    <a:fillRect l="-2694" t="-5357" r="-2357" b="-8929"/>
-                  </a:stretch>
-                </a:blipFill>
-                <a:ln>
-                  <a:solidFill>
-                    <a:schemeClr val="tx1"/>
-                  </a:solidFill>
-                </a:ln>
-              </p:spPr>
-              <p:txBody>
-                <a:bodyPr/>
-                <a:lstStyle/>
-                <a:p>
-                  <a:r>
-                    <a:rPr lang="ja-JP" altLang="en-US">
-                      <a:noFill/>
-                    </a:rPr>
-                    <a:t> </a:t>
-                  </a:r>
-                </a:p>
-              </p:txBody>
-            </p:sp>
-          </mc:Fallback>
-        </mc:AlternateContent>
-        <p:cxnSp>
-          <p:nvCxnSpPr>
-            <p:cNvPr id="18" name="直線矢印コネクタ 17"/>
-            <p:cNvCxnSpPr/>
-            <p:nvPr/>
-          </p:nvCxnSpPr>
-          <p:spPr>
-            <a:xfrm flipH="1">
-              <a:off x="9108218" y="3799516"/>
-              <a:ext cx="1959427" cy="0"/>
-            </a:xfrm>
-            <a:prstGeom prst="straightConnector1">
-              <a:avLst/>
-            </a:prstGeom>
-            <a:ln>
-              <a:solidFill>
-                <a:schemeClr val="accent1"/>
-              </a:solidFill>
-              <a:tailEnd type="arrow"/>
-            </a:ln>
-          </p:spPr>
-          <p:style>
-            <a:lnRef idx="1">
-              <a:schemeClr val="accent1"/>
-            </a:lnRef>
-            <a:fillRef idx="0">
-              <a:schemeClr val="accent1"/>
-            </a:fillRef>
-            <a:effectRef idx="0">
-              <a:schemeClr val="accent1"/>
-            </a:effectRef>
-            <a:fontRef idx="minor">
-              <a:schemeClr val="tx1"/>
-            </a:fontRef>
-          </p:style>
-        </p:cxnSp>
-        <p:cxnSp>
-          <p:nvCxnSpPr>
-            <p:cNvPr id="19" name="直線矢印コネクタ 18"/>
-            <p:cNvCxnSpPr/>
-            <p:nvPr/>
-          </p:nvCxnSpPr>
-          <p:spPr>
-            <a:xfrm flipH="1">
-              <a:off x="9108218" y="3953895"/>
-              <a:ext cx="1959428" cy="0"/>
-            </a:xfrm>
-            <a:prstGeom prst="straightConnector1">
-              <a:avLst/>
-            </a:prstGeom>
-            <a:ln>
-              <a:solidFill>
-                <a:schemeClr val="accent1"/>
-              </a:solidFill>
-              <a:tailEnd type="arrow"/>
-            </a:ln>
-          </p:spPr>
-          <p:style>
-            <a:lnRef idx="1">
-              <a:schemeClr val="accent1"/>
-            </a:lnRef>
-            <a:fillRef idx="0">
-              <a:schemeClr val="accent1"/>
-            </a:fillRef>
-            <a:effectRef idx="0">
-              <a:schemeClr val="accent1"/>
-            </a:effectRef>
-            <a:fontRef idx="minor">
-              <a:schemeClr val="tx1"/>
-            </a:fontRef>
-          </p:style>
-        </p:cxnSp>
-        <p:cxnSp>
-          <p:nvCxnSpPr>
-            <p:cNvPr id="20" name="直線矢印コネクタ 19"/>
-            <p:cNvCxnSpPr/>
-            <p:nvPr/>
-          </p:nvCxnSpPr>
-          <p:spPr>
-            <a:xfrm flipH="1">
-              <a:off x="9117124" y="2339640"/>
-              <a:ext cx="1977242" cy="0"/>
-            </a:xfrm>
-            <a:prstGeom prst="straightConnector1">
-              <a:avLst/>
-            </a:prstGeom>
-            <a:ln>
-              <a:solidFill>
-                <a:schemeClr val="accent1"/>
-              </a:solidFill>
-              <a:tailEnd type="arrow"/>
-            </a:ln>
-          </p:spPr>
-          <p:style>
-            <a:lnRef idx="1">
-              <a:schemeClr val="accent1"/>
-            </a:lnRef>
-            <a:fillRef idx="0">
-              <a:schemeClr val="accent1"/>
-            </a:fillRef>
-            <a:effectRef idx="0">
-              <a:schemeClr val="accent1"/>
-            </a:effectRef>
-            <a:fontRef idx="minor">
-              <a:schemeClr val="tx1"/>
-            </a:fontRef>
-          </p:style>
-        </p:cxnSp>
-        <p:cxnSp>
-          <p:nvCxnSpPr>
-            <p:cNvPr id="21" name="直線矢印コネクタ 20"/>
-            <p:cNvCxnSpPr/>
-            <p:nvPr/>
-          </p:nvCxnSpPr>
-          <p:spPr>
-            <a:xfrm flipH="1">
-              <a:off x="9090405" y="2536182"/>
-              <a:ext cx="1977242" cy="0"/>
-            </a:xfrm>
-            <a:prstGeom prst="straightConnector1">
-              <a:avLst/>
-            </a:prstGeom>
-            <a:ln>
-              <a:solidFill>
-                <a:schemeClr val="accent1"/>
-              </a:solidFill>
-              <a:tailEnd type="arrow"/>
-            </a:ln>
-          </p:spPr>
-          <p:style>
-            <a:lnRef idx="1">
-              <a:schemeClr val="accent1"/>
-            </a:lnRef>
-            <a:fillRef idx="0">
-              <a:schemeClr val="accent1"/>
-            </a:fillRef>
-            <a:effectRef idx="0">
-              <a:schemeClr val="accent1"/>
-            </a:effectRef>
-            <a:fontRef idx="minor">
-              <a:schemeClr val="tx1"/>
-            </a:fontRef>
-          </p:style>
-        </p:cxnSp>
-        <p:cxnSp>
-          <p:nvCxnSpPr>
-            <p:cNvPr id="22" name="直線矢印コネクタ 21"/>
-            <p:cNvCxnSpPr/>
-            <p:nvPr/>
-          </p:nvCxnSpPr>
-          <p:spPr>
-            <a:xfrm flipH="1">
-              <a:off x="10023097" y="4193472"/>
-              <a:ext cx="1062363" cy="0"/>
-            </a:xfrm>
-            <a:prstGeom prst="straightConnector1">
-              <a:avLst/>
-            </a:prstGeom>
-            <a:ln>
-              <a:solidFill>
-                <a:schemeClr val="accent1"/>
-              </a:solidFill>
-              <a:tailEnd type="arrow"/>
-            </a:ln>
-          </p:spPr>
-          <p:style>
-            <a:lnRef idx="1">
-              <a:schemeClr val="accent1"/>
-            </a:lnRef>
-            <a:fillRef idx="0">
-              <a:schemeClr val="accent1"/>
-            </a:fillRef>
-            <a:effectRef idx="0">
-              <a:schemeClr val="accent1"/>
-            </a:effectRef>
-            <a:fontRef idx="minor">
-              <a:schemeClr val="tx1"/>
-            </a:fontRef>
-          </p:style>
-        </p:cxnSp>
-        <p:cxnSp>
-          <p:nvCxnSpPr>
-            <p:cNvPr id="23" name="直線矢印コネクタ 22"/>
-            <p:cNvCxnSpPr/>
-            <p:nvPr/>
-          </p:nvCxnSpPr>
-          <p:spPr>
-            <a:xfrm flipH="1">
-              <a:off x="10042154" y="4382034"/>
-              <a:ext cx="1062363" cy="0"/>
-            </a:xfrm>
-            <a:prstGeom prst="straightConnector1">
-              <a:avLst/>
-            </a:prstGeom>
-            <a:ln>
-              <a:solidFill>
-                <a:schemeClr val="accent1"/>
-              </a:solidFill>
-              <a:tailEnd type="arrow"/>
-            </a:ln>
-          </p:spPr>
-          <p:style>
-            <a:lnRef idx="1">
-              <a:schemeClr val="accent1"/>
-            </a:lnRef>
-            <a:fillRef idx="0">
-              <a:schemeClr val="accent1"/>
-            </a:fillRef>
-            <a:effectRef idx="0">
-              <a:schemeClr val="accent1"/>
-            </a:effectRef>
-            <a:fontRef idx="minor">
-              <a:schemeClr val="tx1"/>
-            </a:fontRef>
-          </p:style>
-        </p:cxnSp>
-        <p:sp>
-          <p:nvSpPr>
-            <p:cNvPr id="24" name="テキスト ボックス 23"/>
-            <p:cNvSpPr txBox="1"/>
-            <p:nvPr/>
-          </p:nvSpPr>
-          <p:spPr>
-            <a:xfrm rot="5400000">
-              <a:off x="9625274" y="5133241"/>
-              <a:ext cx="795646" cy="307777"/>
-            </a:xfrm>
-            <a:prstGeom prst="rect">
-              <a:avLst/>
-            </a:prstGeom>
-            <a:noFill/>
-            <a:ln>
-              <a:noFill/>
-            </a:ln>
-          </p:spPr>
-          <p:txBody>
-            <a:bodyPr wrap="square" rtlCol="0">
-              <a:spAutoFit/>
-            </a:bodyPr>
-            <a:lstStyle/>
-            <a:p>
-              <a:r>
-                <a:rPr lang="ja-JP" altLang="en-US" sz="1400" dirty="0">
-                  <a:solidFill>
-                    <a:srgbClr val="FF0000"/>
-                  </a:solidFill>
-                  <a:latin typeface="HGGothicE" charset="-128"/>
-                  <a:ea typeface="HGGothicE" charset="-128"/>
-                  <a:cs typeface="HGGothicE" charset="-128"/>
-                </a:rPr>
-                <a:t>・・・</a:t>
-              </a:r>
-              <a:endParaRPr kumimoji="1" lang="ja-JP" altLang="en-US" sz="1400" dirty="0">
-                <a:solidFill>
-                  <a:srgbClr val="FF0000"/>
-                </a:solidFill>
-                <a:latin typeface="HGGothicE" charset="-128"/>
-                <a:ea typeface="HGGothicE" charset="-128"/>
-                <a:cs typeface="HGGothicE" charset="-128"/>
-              </a:endParaRPr>
-            </a:p>
-          </p:txBody>
-        </p:sp>
-        <p:cxnSp>
-          <p:nvCxnSpPr>
-            <p:cNvPr id="25" name="直線矢印コネクタ 24"/>
-            <p:cNvCxnSpPr/>
-            <p:nvPr/>
-          </p:nvCxnSpPr>
-          <p:spPr>
-            <a:xfrm flipH="1">
-              <a:off x="10023097" y="5669564"/>
-              <a:ext cx="1071270" cy="15389"/>
-            </a:xfrm>
-            <a:prstGeom prst="straightConnector1">
-              <a:avLst/>
-            </a:prstGeom>
-            <a:ln>
-              <a:solidFill>
-                <a:schemeClr val="accent1"/>
-              </a:solidFill>
-              <a:tailEnd type="arrow"/>
-            </a:ln>
-          </p:spPr>
-          <p:style>
-            <a:lnRef idx="1">
-              <a:schemeClr val="accent1"/>
-            </a:lnRef>
-            <a:fillRef idx="0">
-              <a:schemeClr val="accent1"/>
-            </a:fillRef>
-            <a:effectRef idx="0">
-              <a:schemeClr val="accent1"/>
-            </a:effectRef>
-            <a:fontRef idx="minor">
-              <a:schemeClr val="tx1"/>
-            </a:fontRef>
-          </p:style>
-        </p:cxnSp>
-        <p:cxnSp>
-          <p:nvCxnSpPr>
-            <p:cNvPr id="26" name="直線矢印コネクタ 25"/>
-            <p:cNvCxnSpPr/>
-            <p:nvPr/>
-          </p:nvCxnSpPr>
-          <p:spPr>
-            <a:xfrm flipH="1">
-              <a:off x="10023097" y="4591225"/>
-              <a:ext cx="1071269" cy="0"/>
-            </a:xfrm>
-            <a:prstGeom prst="straightConnector1">
-              <a:avLst/>
-            </a:prstGeom>
-            <a:ln>
-              <a:solidFill>
-                <a:schemeClr val="accent1"/>
-              </a:solidFill>
-              <a:tailEnd type="arrow"/>
-            </a:ln>
-          </p:spPr>
-          <p:style>
-            <a:lnRef idx="1">
-              <a:schemeClr val="accent1"/>
-            </a:lnRef>
-            <a:fillRef idx="0">
-              <a:schemeClr val="accent1"/>
-            </a:fillRef>
-            <a:effectRef idx="0">
-              <a:schemeClr val="accent1"/>
-            </a:effectRef>
-            <a:fontRef idx="minor">
-              <a:schemeClr val="tx1"/>
-            </a:fontRef>
-          </p:style>
-        </p:cxnSp>
-        <p:cxnSp>
-          <p:nvCxnSpPr>
-            <p:cNvPr id="27" name="直線矢印コネクタ 26"/>
-            <p:cNvCxnSpPr/>
-            <p:nvPr/>
-          </p:nvCxnSpPr>
-          <p:spPr>
-            <a:xfrm flipH="1">
-              <a:off x="10115895" y="4810301"/>
-              <a:ext cx="988622" cy="0"/>
-            </a:xfrm>
-            <a:prstGeom prst="straightConnector1">
-              <a:avLst/>
-            </a:prstGeom>
-            <a:ln>
-              <a:solidFill>
-                <a:schemeClr val="accent1"/>
-              </a:solidFill>
-              <a:tailEnd type="arrow"/>
-            </a:ln>
-          </p:spPr>
-          <p:style>
-            <a:lnRef idx="1">
-              <a:schemeClr val="accent1"/>
-            </a:lnRef>
-            <a:fillRef idx="0">
-              <a:schemeClr val="accent1"/>
-            </a:fillRef>
-            <a:effectRef idx="0">
-              <a:schemeClr val="accent1"/>
-            </a:effectRef>
-            <a:fontRef idx="minor">
-              <a:schemeClr val="tx1"/>
-            </a:fontRef>
-          </p:style>
-        </p:cxnSp>
-        <p:sp>
-          <p:nvSpPr>
-            <p:cNvPr id="28" name="テキスト ボックス 27"/>
-            <p:cNvSpPr txBox="1"/>
-            <p:nvPr/>
-          </p:nvSpPr>
-          <p:spPr>
-            <a:xfrm>
-              <a:off x="9565419" y="1717237"/>
-              <a:ext cx="902811" cy="307777"/>
-            </a:xfrm>
-            <a:prstGeom prst="rect">
-              <a:avLst/>
-            </a:prstGeom>
-            <a:noFill/>
-          </p:spPr>
-          <p:txBody>
-            <a:bodyPr wrap="none" rtlCol="0">
-              <a:spAutoFit/>
-            </a:bodyPr>
-            <a:lstStyle/>
-            <a:p>
-              <a:r>
-                <a:rPr lang="ja-JP" altLang="en-US" sz="1400" dirty="0">
-                  <a:latin typeface="HGGothicE" charset="-128"/>
-                  <a:ea typeface="HGGothicE" charset="-128"/>
-                  <a:cs typeface="HGGothicE" charset="-128"/>
-                </a:rPr>
-                <a:t>アクセス</a:t>
-              </a:r>
-              <a:endParaRPr kumimoji="1" lang="ja-JP" altLang="en-US" sz="1400" dirty="0">
-                <a:latin typeface="HGGothicE" charset="-128"/>
-                <a:ea typeface="HGGothicE" charset="-128"/>
-                <a:cs typeface="HGGothicE" charset="-128"/>
-              </a:endParaRPr>
-            </a:p>
-          </p:txBody>
-        </p:sp>
-        <p:sp>
-          <p:nvSpPr>
-            <p:cNvPr id="29" name="加算記号 28"/>
-            <p:cNvSpPr/>
-            <p:nvPr/>
-          </p:nvSpPr>
-          <p:spPr>
-            <a:xfrm rot="2764767">
-              <a:off x="9948080" y="4035805"/>
-              <a:ext cx="315332" cy="315332"/>
-            </a:xfrm>
-            <a:prstGeom prst="mathPlus">
-              <a:avLst>
-                <a:gd name="adj1" fmla="val 11226"/>
-              </a:avLst>
-            </a:prstGeom>
-            <a:solidFill>
-              <a:srgbClr val="FF0000"/>
-            </a:solidFill>
-            <a:ln>
-              <a:solidFill>
-                <a:srgbClr val="FF0000"/>
-              </a:solidFill>
-            </a:ln>
-          </p:spPr>
-          <p:style>
-            <a:lnRef idx="2">
-              <a:schemeClr val="accent1">
-                <a:shade val="50000"/>
-              </a:schemeClr>
-            </a:lnRef>
-            <a:fillRef idx="1">
-              <a:schemeClr val="accent1"/>
-            </a:fillRef>
-            <a:effectRef idx="0">
-              <a:schemeClr val="accent1"/>
-            </a:effectRef>
-            <a:fontRef idx="minor">
-              <a:schemeClr val="lt1"/>
-            </a:fontRef>
-          </p:style>
-          <p:txBody>
-            <a:bodyPr rtlCol="0" anchor="ctr"/>
-            <a:lstStyle/>
-            <a:p>
-              <a:pPr algn="ctr"/>
-              <a:endParaRPr kumimoji="1" lang="ja-JP" altLang="en-US">
-                <a:latin typeface="HGGothicE" charset="-128"/>
-                <a:ea typeface="HGGothicE" charset="-128"/>
-                <a:cs typeface="HGGothicE" charset="-128"/>
-              </a:endParaRPr>
-            </a:p>
-          </p:txBody>
-        </p:sp>
-        <p:sp>
-          <p:nvSpPr>
-            <p:cNvPr id="30" name="加算記号 29"/>
-            <p:cNvSpPr/>
-            <p:nvPr/>
-          </p:nvSpPr>
-          <p:spPr>
-            <a:xfrm rot="2764767">
-              <a:off x="9948080" y="4258739"/>
-              <a:ext cx="315332" cy="315332"/>
-            </a:xfrm>
-            <a:prstGeom prst="mathPlus">
-              <a:avLst>
-                <a:gd name="adj1" fmla="val 11226"/>
-              </a:avLst>
-            </a:prstGeom>
-            <a:solidFill>
-              <a:srgbClr val="FF0000"/>
-            </a:solidFill>
-            <a:ln>
-              <a:solidFill>
-                <a:srgbClr val="FF0000"/>
-              </a:solidFill>
-            </a:ln>
-          </p:spPr>
-          <p:style>
-            <a:lnRef idx="2">
-              <a:schemeClr val="accent1">
-                <a:shade val="50000"/>
-              </a:schemeClr>
-            </a:lnRef>
-            <a:fillRef idx="1">
-              <a:schemeClr val="accent1"/>
-            </a:fillRef>
-            <a:effectRef idx="0">
-              <a:schemeClr val="accent1"/>
-            </a:effectRef>
-            <a:fontRef idx="minor">
-              <a:schemeClr val="lt1"/>
-            </a:fontRef>
-          </p:style>
-          <p:txBody>
-            <a:bodyPr rtlCol="0" anchor="ctr"/>
-            <a:lstStyle/>
-            <a:p>
-              <a:pPr algn="ctr"/>
-              <a:endParaRPr kumimoji="1" lang="ja-JP" altLang="en-US">
-                <a:latin typeface="HGGothicE" charset="-128"/>
-                <a:ea typeface="HGGothicE" charset="-128"/>
-                <a:cs typeface="HGGothicE" charset="-128"/>
-              </a:endParaRPr>
-            </a:p>
-          </p:txBody>
-        </p:sp>
-        <p:sp>
-          <p:nvSpPr>
-            <p:cNvPr id="31" name="加算記号 30"/>
-            <p:cNvSpPr/>
-            <p:nvPr/>
-          </p:nvSpPr>
-          <p:spPr>
-            <a:xfrm rot="2764767">
-              <a:off x="9948080" y="4484041"/>
-              <a:ext cx="315332" cy="315332"/>
-            </a:xfrm>
-            <a:prstGeom prst="mathPlus">
-              <a:avLst>
-                <a:gd name="adj1" fmla="val 11226"/>
-              </a:avLst>
-            </a:prstGeom>
-            <a:solidFill>
-              <a:srgbClr val="FF0000"/>
-            </a:solidFill>
-            <a:ln>
-              <a:solidFill>
-                <a:srgbClr val="FF0000"/>
-              </a:solidFill>
-            </a:ln>
-          </p:spPr>
-          <p:style>
-            <a:lnRef idx="2">
-              <a:schemeClr val="accent1">
-                <a:shade val="50000"/>
-              </a:schemeClr>
-            </a:lnRef>
-            <a:fillRef idx="1">
-              <a:schemeClr val="accent1"/>
-            </a:fillRef>
-            <a:effectRef idx="0">
-              <a:schemeClr val="accent1"/>
-            </a:effectRef>
-            <a:fontRef idx="minor">
-              <a:schemeClr val="lt1"/>
-            </a:fontRef>
-          </p:style>
-          <p:txBody>
-            <a:bodyPr rtlCol="0" anchor="ctr"/>
-            <a:lstStyle/>
-            <a:p>
-              <a:pPr algn="ctr"/>
-              <a:endParaRPr kumimoji="1" lang="ja-JP" altLang="en-US">
-                <a:latin typeface="HGGothicE" charset="-128"/>
-                <a:ea typeface="HGGothicE" charset="-128"/>
-                <a:cs typeface="HGGothicE" charset="-128"/>
-              </a:endParaRPr>
-            </a:p>
-          </p:txBody>
-        </p:sp>
-        <p:sp>
-          <p:nvSpPr>
-            <p:cNvPr id="32" name="加算記号 31"/>
-            <p:cNvSpPr/>
-            <p:nvPr/>
-          </p:nvSpPr>
-          <p:spPr>
-            <a:xfrm rot="2764767">
-              <a:off x="9948080" y="4652635"/>
-              <a:ext cx="315332" cy="315332"/>
-            </a:xfrm>
-            <a:prstGeom prst="mathPlus">
-              <a:avLst>
-                <a:gd name="adj1" fmla="val 11226"/>
-              </a:avLst>
-            </a:prstGeom>
-            <a:solidFill>
-              <a:srgbClr val="FF0000"/>
-            </a:solidFill>
-            <a:ln>
-              <a:solidFill>
-                <a:srgbClr val="FF0000"/>
-              </a:solidFill>
-            </a:ln>
-          </p:spPr>
-          <p:style>
-            <a:lnRef idx="2">
-              <a:schemeClr val="accent1">
-                <a:shade val="50000"/>
-              </a:schemeClr>
-            </a:lnRef>
-            <a:fillRef idx="1">
-              <a:schemeClr val="accent1"/>
-            </a:fillRef>
-            <a:effectRef idx="0">
-              <a:schemeClr val="accent1"/>
-            </a:effectRef>
-            <a:fontRef idx="minor">
-              <a:schemeClr val="lt1"/>
-            </a:fontRef>
-          </p:style>
-          <p:txBody>
-            <a:bodyPr rtlCol="0" anchor="ctr"/>
-            <a:lstStyle/>
-            <a:p>
-              <a:pPr algn="ctr"/>
-              <a:endParaRPr kumimoji="1" lang="ja-JP" altLang="en-US">
-                <a:latin typeface="HGGothicE" charset="-128"/>
-                <a:ea typeface="HGGothicE" charset="-128"/>
-                <a:cs typeface="HGGothicE" charset="-128"/>
-              </a:endParaRPr>
-            </a:p>
-          </p:txBody>
-        </p:sp>
-        <p:sp>
-          <p:nvSpPr>
-            <p:cNvPr id="33" name="加算記号 32"/>
-            <p:cNvSpPr/>
-            <p:nvPr/>
-          </p:nvSpPr>
-          <p:spPr>
-            <a:xfrm rot="2764767">
-              <a:off x="9948080" y="5527287"/>
-              <a:ext cx="315332" cy="315332"/>
-            </a:xfrm>
-            <a:prstGeom prst="mathPlus">
-              <a:avLst>
-                <a:gd name="adj1" fmla="val 11226"/>
-              </a:avLst>
-            </a:prstGeom>
-            <a:solidFill>
-              <a:srgbClr val="FF0000"/>
-            </a:solidFill>
-            <a:ln>
-              <a:solidFill>
-                <a:srgbClr val="FF0000"/>
-              </a:solidFill>
-            </a:ln>
-          </p:spPr>
-          <p:style>
-            <a:lnRef idx="2">
-              <a:schemeClr val="accent1">
-                <a:shade val="50000"/>
-              </a:schemeClr>
-            </a:lnRef>
-            <a:fillRef idx="1">
-              <a:schemeClr val="accent1"/>
-            </a:fillRef>
-            <a:effectRef idx="0">
-              <a:schemeClr val="accent1"/>
-            </a:effectRef>
-            <a:fontRef idx="minor">
-              <a:schemeClr val="lt1"/>
-            </a:fontRef>
-          </p:style>
-          <p:txBody>
-            <a:bodyPr rtlCol="0" anchor="ctr"/>
-            <a:lstStyle/>
-            <a:p>
-              <a:pPr algn="ctr"/>
-              <a:endParaRPr kumimoji="1" lang="ja-JP" altLang="en-US">
-                <a:latin typeface="HGGothicE" charset="-128"/>
-                <a:ea typeface="HGGothicE" charset="-128"/>
-                <a:cs typeface="HGGothicE" charset="-128"/>
-              </a:endParaRPr>
-            </a:p>
-          </p:txBody>
-        </p:sp>
-        <p:sp>
-          <p:nvSpPr>
-            <p:cNvPr id="34" name="左中かっこ 33"/>
-            <p:cNvSpPr/>
-            <p:nvPr/>
-          </p:nvSpPr>
-          <p:spPr>
-            <a:xfrm>
-              <a:off x="9527304" y="4155037"/>
-              <a:ext cx="446284" cy="1643045"/>
-            </a:xfrm>
-            <a:prstGeom prst="leftBrace">
-              <a:avLst/>
-            </a:prstGeom>
-          </p:spPr>
-          <p:style>
-            <a:lnRef idx="1">
-              <a:schemeClr val="dk1"/>
-            </a:lnRef>
-            <a:fillRef idx="0">
-              <a:schemeClr val="dk1"/>
-            </a:fillRef>
-            <a:effectRef idx="0">
-              <a:schemeClr val="dk1"/>
-            </a:effectRef>
-            <a:fontRef idx="minor">
-              <a:schemeClr val="tx1"/>
-            </a:fontRef>
-          </p:style>
-          <p:txBody>
-            <a:bodyPr rtlCol="0" anchor="ctr"/>
-            <a:lstStyle/>
-            <a:p>
-              <a:pPr algn="ctr"/>
-              <a:endParaRPr kumimoji="1" lang="ja-JP" altLang="en-US">
-                <a:latin typeface="HGGothicE" charset="-128"/>
-                <a:ea typeface="HGGothicE" charset="-128"/>
-                <a:cs typeface="HGGothicE" charset="-128"/>
-              </a:endParaRPr>
-            </a:p>
-          </p:txBody>
-        </p:sp>
-        <p:sp>
-          <p:nvSpPr>
-            <p:cNvPr id="35" name="テキスト ボックス 34"/>
-            <p:cNvSpPr txBox="1"/>
-            <p:nvPr/>
-          </p:nvSpPr>
-          <p:spPr>
-            <a:xfrm>
-              <a:off x="7764926" y="4787109"/>
-              <a:ext cx="1800493" cy="369332"/>
-            </a:xfrm>
-            <a:prstGeom prst="rect">
-              <a:avLst/>
-            </a:prstGeom>
-            <a:solidFill>
-              <a:schemeClr val="bg1"/>
-            </a:solidFill>
-            <a:ln>
-              <a:solidFill>
-                <a:schemeClr val="tx1"/>
-              </a:solidFill>
-            </a:ln>
-          </p:spPr>
-          <p:txBody>
-            <a:bodyPr wrap="none" rtlCol="0">
-              <a:spAutoFit/>
-            </a:bodyPr>
-            <a:lstStyle/>
-            <a:p>
-              <a:r>
-                <a:rPr kumimoji="1" lang="ja-JP" altLang="en-US" dirty="0" smtClean="0">
-                  <a:solidFill>
-                    <a:srgbClr val="FF0000"/>
-                  </a:solidFill>
-                  <a:latin typeface="HGGothicE" charset="-128"/>
-                  <a:ea typeface="HGGothicE" charset="-128"/>
-                  <a:cs typeface="HGGothicE" charset="-128"/>
-                </a:rPr>
-                <a:t>アクセスを遮断</a:t>
-              </a:r>
-              <a:endParaRPr kumimoji="1" lang="ja-JP" altLang="en-US" dirty="0">
-                <a:solidFill>
-                  <a:srgbClr val="FF0000"/>
-                </a:solidFill>
-                <a:latin typeface="HGGothicE" charset="-128"/>
-                <a:ea typeface="HGGothicE" charset="-128"/>
-                <a:cs typeface="HGGothicE" charset="-128"/>
-              </a:endParaRPr>
-            </a:p>
-          </p:txBody>
-        </p:sp>
-      </p:grpSp>
-      <p:sp>
-        <p:nvSpPr>
-          <p:cNvPr id="36" name="タイトル 1"/>
-          <p:cNvSpPr txBox="1">
-            <a:spLocks/>
-          </p:cNvSpPr>
-          <p:nvPr/>
-        </p:nvSpPr>
-        <p:spPr>
-          <a:xfrm>
-            <a:off x="838200" y="0"/>
-            <a:ext cx="10515600" cy="1094740"/>
-          </a:xfrm>
-          <a:prstGeom prst="rect">
-            <a:avLst/>
-          </a:prstGeom>
-        </p:spPr>
-        <p:txBody>
-          <a:bodyPr>
-            <a:normAutofit lnSpcReduction="10000"/>
-          </a:bodyPr>
-          <a:lstStyle>
-            <a:lvl1pPr algn="l" defTabSz="914400" rtl="0" eaLnBrk="1" latinLnBrk="0" hangingPunct="1">
-              <a:lnSpc>
-                <a:spcPct val="90000"/>
-              </a:lnSpc>
-              <a:spcBef>
-                <a:spcPct val="0"/>
-              </a:spcBef>
-              <a:buNone/>
-              <a:defRPr kumimoji="1" sz="4400" kern="1200">
-                <a:solidFill>
-                  <a:schemeClr val="tx1"/>
-                </a:solidFill>
-                <a:latin typeface="HGPGothicE" charset="-128"/>
-                <a:ea typeface="HGPGothicE" charset="-128"/>
-                <a:cs typeface="HGPGothicE" charset="-128"/>
-              </a:defRPr>
-            </a:lvl1pPr>
-          </a:lstStyle>
-          <a:p>
-            <a:pPr marL="914400" indent="-914400">
-              <a:buFont typeface="+mj-lt"/>
-              <a:buAutoNum type="arabicPeriod" startAt="2"/>
-            </a:pPr>
-            <a:r>
-              <a:rPr lang="ja-JP" altLang="en-US" sz="4800" dirty="0" smtClean="0"/>
-              <a:t>デモ内容の説明</a:t>
-            </a:r>
-          </a:p>
-          <a:p>
-            <a:pPr marL="1371600" lvl="1" indent="-914400">
-              <a:buFont typeface="+mj-ea"/>
-              <a:buAutoNum type="circleNumDbPlain" startAt="5"/>
-            </a:pPr>
-            <a:r>
-              <a:rPr lang="en-US" altLang="ja-JP" sz="2800" dirty="0" smtClean="0">
-                <a:latin typeface="HGPGothicE" charset="-128"/>
-                <a:ea typeface="HGPGothicE" charset="-128"/>
-                <a:cs typeface="HGPGothicE" charset="-128"/>
-              </a:rPr>
-              <a:t>+α</a:t>
-            </a:r>
-            <a:r>
-              <a:rPr lang="ja-JP" altLang="en-US" sz="2800" dirty="0" smtClean="0">
-                <a:latin typeface="HGPGothicE" charset="-128"/>
-                <a:ea typeface="HGPGothicE" charset="-128"/>
-                <a:cs typeface="HGPGothicE" charset="-128"/>
-              </a:rPr>
-              <a:t>：　アクセス権限</a:t>
-            </a:r>
-            <a:endParaRPr lang="en-US" altLang="ja-JP" sz="2800" dirty="0" smtClean="0">
-              <a:latin typeface="HGPGothicE" charset="-128"/>
-              <a:ea typeface="HGPGothicE" charset="-128"/>
-              <a:cs typeface="HGPGothicE" charset="-128"/>
-            </a:endParaRPr>
-          </a:p>
-        </p:txBody>
-      </p:sp>
     </p:spTree>
     <p:extLst>
       <p:ext uri="{BB962C8B-B14F-4D97-AF65-F5344CB8AC3E}">
-        <p14:creationId xmlns:p14="http://schemas.microsoft.com/office/powerpoint/2010/main" val="1086477803"/>
+        <p14:creationId xmlns:p14="http://schemas.microsoft.com/office/powerpoint/2010/main" val="2632521847"/>
       </p:ext>
     </p:extLst>
   </p:cSld>
@@ -18240,7 +19880,7 @@
   <a:extraClrSchemeLst/>
   <a:extLst>
     <a:ext uri="{05A4C25C-085E-4340-85A3-A5531E510DB2}">
-      <thm15:themeFamily xmlns:thm15="http://schemas.microsoft.com/office/thememl/2012/main" name="Office Theme" id="{62F939B6-93AF-4DB8-9C6B-D6C7DFDC589F}" vid="{4A3C46E8-61CC-4603-A589-7422A47A8E4A}"/>
+      <thm15:themeFamily xmlns:thm15="http://schemas.microsoft.com/office/thememl/2012/main" xmlns="" name="Office Theme" id="{62F939B6-93AF-4DB8-9C6B-D6C7DFDC589F}" vid="{4A3C46E8-61CC-4603-A589-7422A47A8E4A}"/>
     </a:ext>
   </a:extLst>
 </a:theme>
@@ -18501,7 +20141,7 @@
   <a:extraClrSchemeLst/>
   <a:extLst>
     <a:ext uri="{05A4C25C-085E-4340-85A3-A5531E510DB2}">
-      <thm15:themeFamily xmlns:thm15="http://schemas.microsoft.com/office/thememl/2012/main" name="Office Theme" id="{62F939B6-93AF-4DB8-9C6B-D6C7DFDC589F}" vid="{4A3C46E8-61CC-4603-A589-7422A47A8E4A}"/>
+      <thm15:themeFamily xmlns:thm15="http://schemas.microsoft.com/office/thememl/2012/main" xmlns="" name="Office Theme" id="{62F939B6-93AF-4DB8-9C6B-D6C7DFDC589F}" vid="{4A3C46E8-61CC-4603-A589-7422A47A8E4A}"/>
     </a:ext>
   </a:extLst>
 </a:theme>

--- a/FinalReport_team1.pptx
+++ b/FinalReport_team1.pptx
@@ -124,7 +124,18 @@
   </p:defaultTextStyle>
   <p:extLst>
     <p:ext uri="{EFAFB233-063F-42B5-8137-9DF3F51BA10A}">
-      <p15:sldGuideLst xmlns:p15="http://schemas.microsoft.com/office/powerpoint/2012/main" xmlns=""/>
+      <p15:sldGuideLst xmlns:p15="http://schemas.microsoft.com/office/powerpoint/2012/main">
+        <p15:guide id="1" orient="horz" pos="2160">
+          <p15:clr>
+            <a:srgbClr val="A4A3A4"/>
+          </p15:clr>
+        </p15:guide>
+        <p15:guide id="2" pos="3840">
+          <p15:clr>
+            <a:srgbClr val="A4A3A4"/>
+          </p15:clr>
+        </p15:guide>
+      </p15:sldGuideLst>
     </p:ext>
   </p:extLst>
 </p:presentation>
@@ -8337,14 +8348,14 @@
                 <a:gridCol w="2373131">
                   <a:extLst>
                     <a:ext uri="{9D8B030D-6E8A-4147-A177-3AD203B41FA5}">
-                      <a16:colId xmlns="" xmlns:a16="http://schemas.microsoft.com/office/drawing/2014/main" val="20000"/>
+                      <a16:colId xmlns:a16="http://schemas.microsoft.com/office/drawing/2014/main" val="20000"/>
                     </a:ext>
                   </a:extLst>
                 </a:gridCol>
                 <a:gridCol w="3984996">
                   <a:extLst>
                     <a:ext uri="{9D8B030D-6E8A-4147-A177-3AD203B41FA5}">
-                      <a16:colId xmlns="" xmlns:a16="http://schemas.microsoft.com/office/drawing/2014/main" val="20001"/>
+                      <a16:colId xmlns:a16="http://schemas.microsoft.com/office/drawing/2014/main" val="20001"/>
                     </a:ext>
                   </a:extLst>
                 </a:gridCol>
@@ -8404,7 +8415,7 @@
                 </a:tc>
                 <a:extLst>
                   <a:ext uri="{0D108BD9-81ED-4DB2-BD59-A6C34878D82A}">
-                    <a16:rowId xmlns="" xmlns:a16="http://schemas.microsoft.com/office/drawing/2014/main" val="10000"/>
+                    <a16:rowId xmlns:a16="http://schemas.microsoft.com/office/drawing/2014/main" val="10000"/>
                   </a:ext>
                 </a:extLst>
               </a:tr>
@@ -8481,7 +8492,7 @@
                 </a:tc>
                 <a:extLst>
                   <a:ext uri="{0D108BD9-81ED-4DB2-BD59-A6C34878D82A}">
-                    <a16:rowId xmlns="" xmlns:a16="http://schemas.microsoft.com/office/drawing/2014/main" val="10001"/>
+                    <a16:rowId xmlns:a16="http://schemas.microsoft.com/office/drawing/2014/main" val="10001"/>
                   </a:ext>
                 </a:extLst>
               </a:tr>
@@ -8574,7 +8585,7 @@
                 </a:tc>
                 <a:extLst>
                   <a:ext uri="{0D108BD9-81ED-4DB2-BD59-A6C34878D82A}">
-                    <a16:rowId xmlns="" xmlns:a16="http://schemas.microsoft.com/office/drawing/2014/main" val="10002"/>
+                    <a16:rowId xmlns:a16="http://schemas.microsoft.com/office/drawing/2014/main" val="10002"/>
                   </a:ext>
                 </a:extLst>
               </a:tr>
@@ -8657,7 +8668,7 @@
                 </a:tc>
                 <a:extLst>
                   <a:ext uri="{0D108BD9-81ED-4DB2-BD59-A6C34878D82A}">
-                    <a16:rowId xmlns="" xmlns:a16="http://schemas.microsoft.com/office/drawing/2014/main" val="10004"/>
+                    <a16:rowId xmlns:a16="http://schemas.microsoft.com/office/drawing/2014/main" val="10004"/>
                   </a:ext>
                 </a:extLst>
               </a:tr>
@@ -8752,7 +8763,7 @@
                 </a:tc>
                 <a:extLst>
                   <a:ext uri="{0D108BD9-81ED-4DB2-BD59-A6C34878D82A}">
-                    <a16:rowId xmlns="" xmlns:a16="http://schemas.microsoft.com/office/drawing/2014/main" val="10005"/>
+                    <a16:rowId xmlns:a16="http://schemas.microsoft.com/office/drawing/2014/main" val="10005"/>
                   </a:ext>
                 </a:extLst>
               </a:tr>
@@ -8841,7 +8852,7 @@
                 </a:tc>
                 <a:extLst>
                   <a:ext uri="{0D108BD9-81ED-4DB2-BD59-A6C34878D82A}">
-                    <a16:rowId xmlns="" xmlns:a16="http://schemas.microsoft.com/office/drawing/2014/main" val="10006"/>
+                    <a16:rowId xmlns:a16="http://schemas.microsoft.com/office/drawing/2014/main" val="10006"/>
                   </a:ext>
                 </a:extLst>
               </a:tr>
@@ -8924,7 +8935,7 @@
                 </a:tc>
                 <a:extLst>
                   <a:ext uri="{0D108BD9-81ED-4DB2-BD59-A6C34878D82A}">
-                    <a16:rowId xmlns="" xmlns:a16="http://schemas.microsoft.com/office/drawing/2014/main" val="10007"/>
+                    <a16:rowId xmlns:a16="http://schemas.microsoft.com/office/drawing/2014/main" val="10007"/>
                   </a:ext>
                 </a:extLst>
               </a:tr>
@@ -9007,7 +9018,7 @@
                 </a:tc>
                 <a:extLst>
                   <a:ext uri="{0D108BD9-81ED-4DB2-BD59-A6C34878D82A}">
-                    <a16:rowId xmlns="" xmlns:a16="http://schemas.microsoft.com/office/drawing/2014/main" val="10008"/>
+                    <a16:rowId xmlns:a16="http://schemas.microsoft.com/office/drawing/2014/main" val="10008"/>
                   </a:ext>
                 </a:extLst>
               </a:tr>
@@ -9090,7 +9101,7 @@
                 </a:tc>
                 <a:extLst>
                   <a:ext uri="{0D108BD9-81ED-4DB2-BD59-A6C34878D82A}">
-                    <a16:rowId xmlns="" xmlns:a16="http://schemas.microsoft.com/office/drawing/2014/main" val="10009"/>
+                    <a16:rowId xmlns:a16="http://schemas.microsoft.com/office/drawing/2014/main" val="10009"/>
                   </a:ext>
                 </a:extLst>
               </a:tr>
@@ -9161,7 +9172,7 @@
                 </a:tc>
                 <a:extLst>
                   <a:ext uri="{0D108BD9-81ED-4DB2-BD59-A6C34878D82A}">
-                    <a16:rowId xmlns="" xmlns:a16="http://schemas.microsoft.com/office/drawing/2014/main" val="10010"/>
+                    <a16:rowId xmlns:a16="http://schemas.microsoft.com/office/drawing/2014/main" val="10010"/>
                   </a:ext>
                 </a:extLst>
               </a:tr>
@@ -9220,7 +9231,7 @@
                 </a:tc>
                 <a:extLst>
                   <a:ext uri="{0D108BD9-81ED-4DB2-BD59-A6C34878D82A}">
-                    <a16:rowId xmlns="" xmlns:a16="http://schemas.microsoft.com/office/drawing/2014/main" val="10011"/>
+                    <a16:rowId xmlns:a16="http://schemas.microsoft.com/office/drawing/2014/main" val="10011"/>
                   </a:ext>
                 </a:extLst>
               </a:tr>
@@ -9309,7 +9320,7 @@
                 </a:tc>
                 <a:extLst>
                   <a:ext uri="{0D108BD9-81ED-4DB2-BD59-A6C34878D82A}">
-                    <a16:rowId xmlns="" xmlns:a16="http://schemas.microsoft.com/office/drawing/2014/main" val="10012"/>
+                    <a16:rowId xmlns:a16="http://schemas.microsoft.com/office/drawing/2014/main" val="10012"/>
                   </a:ext>
                 </a:extLst>
               </a:tr>
@@ -9380,7 +9391,7 @@
                 </a:tc>
                 <a:extLst>
                   <a:ext uri="{0D108BD9-81ED-4DB2-BD59-A6C34878D82A}">
-                    <a16:rowId xmlns="" xmlns:a16="http://schemas.microsoft.com/office/drawing/2014/main" val="10013"/>
+                    <a16:rowId xmlns:a16="http://schemas.microsoft.com/office/drawing/2014/main" val="10013"/>
                   </a:ext>
                 </a:extLst>
               </a:tr>
@@ -9475,7 +9486,7 @@
                 </a:tc>
                 <a:extLst>
                   <a:ext uri="{0D108BD9-81ED-4DB2-BD59-A6C34878D82A}">
-                    <a16:rowId xmlns="" xmlns:a16="http://schemas.microsoft.com/office/drawing/2014/main" val="10014"/>
+                    <a16:rowId xmlns:a16="http://schemas.microsoft.com/office/drawing/2014/main" val="10014"/>
                   </a:ext>
                 </a:extLst>
               </a:tr>
@@ -9546,7 +9557,7 @@
                 </a:tc>
                 <a:extLst>
                   <a:ext uri="{0D108BD9-81ED-4DB2-BD59-A6C34878D82A}">
-                    <a16:rowId xmlns="" xmlns:a16="http://schemas.microsoft.com/office/drawing/2014/main" val="10015"/>
+                    <a16:rowId xmlns:a16="http://schemas.microsoft.com/office/drawing/2014/main" val="10015"/>
                   </a:ext>
                 </a:extLst>
               </a:tr>
@@ -9627,7 +9638,7 @@
                 </a:tc>
                 <a:extLst>
                   <a:ext uri="{0D108BD9-81ED-4DB2-BD59-A6C34878D82A}">
-                    <a16:rowId xmlns="" xmlns:a16="http://schemas.microsoft.com/office/drawing/2014/main" val="10016"/>
+                    <a16:rowId xmlns:a16="http://schemas.microsoft.com/office/drawing/2014/main" val="10016"/>
                   </a:ext>
                 </a:extLst>
               </a:tr>
@@ -9710,7 +9721,7 @@
                 </a:tc>
                 <a:extLst>
                   <a:ext uri="{0D108BD9-81ED-4DB2-BD59-A6C34878D82A}">
-                    <a16:rowId xmlns="" xmlns:a16="http://schemas.microsoft.com/office/drawing/2014/main" val="10017"/>
+                    <a16:rowId xmlns:a16="http://schemas.microsoft.com/office/drawing/2014/main" val="10017"/>
                   </a:ext>
                 </a:extLst>
               </a:tr>
@@ -9793,7 +9804,7 @@
                 </a:tc>
                 <a:extLst>
                   <a:ext uri="{0D108BD9-81ED-4DB2-BD59-A6C34878D82A}">
-                    <a16:rowId xmlns="" xmlns:a16="http://schemas.microsoft.com/office/drawing/2014/main" val="10018"/>
+                    <a16:rowId xmlns:a16="http://schemas.microsoft.com/office/drawing/2014/main" val="10018"/>
                   </a:ext>
                 </a:extLst>
               </a:tr>
@@ -9864,7 +9875,7 @@
                 </a:tc>
                 <a:extLst>
                   <a:ext uri="{0D108BD9-81ED-4DB2-BD59-A6C34878D82A}">
-                    <a16:rowId xmlns="" xmlns:a16="http://schemas.microsoft.com/office/drawing/2014/main" val="10019"/>
+                    <a16:rowId xmlns:a16="http://schemas.microsoft.com/office/drawing/2014/main" val="10019"/>
                   </a:ext>
                 </a:extLst>
               </a:tr>
@@ -10060,14 +10071,14 @@
                 <a:gridCol w="2054453">
                   <a:extLst>
                     <a:ext uri="{9D8B030D-6E8A-4147-A177-3AD203B41FA5}">
-                      <a16:colId xmlns="" xmlns:a16="http://schemas.microsoft.com/office/drawing/2014/main" val="20000"/>
+                      <a16:colId xmlns:a16="http://schemas.microsoft.com/office/drawing/2014/main" val="20000"/>
                     </a:ext>
                   </a:extLst>
                 </a:gridCol>
                 <a:gridCol w="4868409">
                   <a:extLst>
                     <a:ext uri="{9D8B030D-6E8A-4147-A177-3AD203B41FA5}">
-                      <a16:colId xmlns="" xmlns:a16="http://schemas.microsoft.com/office/drawing/2014/main" val="20001"/>
+                      <a16:colId xmlns:a16="http://schemas.microsoft.com/office/drawing/2014/main" val="20001"/>
                     </a:ext>
                   </a:extLst>
                 </a:gridCol>
@@ -10127,7 +10138,7 @@
                 </a:tc>
                 <a:extLst>
                   <a:ext uri="{0D108BD9-81ED-4DB2-BD59-A6C34878D82A}">
-                    <a16:rowId xmlns="" xmlns:a16="http://schemas.microsoft.com/office/drawing/2014/main" val="10000"/>
+                    <a16:rowId xmlns:a16="http://schemas.microsoft.com/office/drawing/2014/main" val="10000"/>
                   </a:ext>
                 </a:extLst>
               </a:tr>
@@ -10311,7 +10322,7 @@
                 </a:tc>
                 <a:extLst>
                   <a:ext uri="{0D108BD9-81ED-4DB2-BD59-A6C34878D82A}">
-                    <a16:rowId xmlns="" xmlns:a16="http://schemas.microsoft.com/office/drawing/2014/main" val="10001"/>
+                    <a16:rowId xmlns:a16="http://schemas.microsoft.com/office/drawing/2014/main" val="10001"/>
                   </a:ext>
                 </a:extLst>
               </a:tr>
@@ -10477,7 +10488,7 @@
                 </a:tc>
                 <a:extLst>
                   <a:ext uri="{0D108BD9-81ED-4DB2-BD59-A6C34878D82A}">
-                    <a16:rowId xmlns="" xmlns:a16="http://schemas.microsoft.com/office/drawing/2014/main" val="10002"/>
+                    <a16:rowId xmlns:a16="http://schemas.microsoft.com/office/drawing/2014/main" val="10002"/>
                   </a:ext>
                 </a:extLst>
               </a:tr>
@@ -10622,7 +10633,7 @@
                 </a:tc>
                 <a:extLst>
                   <a:ext uri="{0D108BD9-81ED-4DB2-BD59-A6C34878D82A}">
-                    <a16:rowId xmlns="" xmlns:a16="http://schemas.microsoft.com/office/drawing/2014/main" val="10003"/>
+                    <a16:rowId xmlns:a16="http://schemas.microsoft.com/office/drawing/2014/main" val="10003"/>
                   </a:ext>
                 </a:extLst>
               </a:tr>
@@ -10707,7 +10718,7 @@
                 </a:tc>
                 <a:extLst>
                   <a:ext uri="{0D108BD9-81ED-4DB2-BD59-A6C34878D82A}">
-                    <a16:rowId xmlns="" xmlns:a16="http://schemas.microsoft.com/office/drawing/2014/main" val="10004"/>
+                    <a16:rowId xmlns:a16="http://schemas.microsoft.com/office/drawing/2014/main" val="10004"/>
                   </a:ext>
                 </a:extLst>
               </a:tr>
@@ -10849,7 +10860,7 @@
                 </a:tc>
                 <a:extLst>
                   <a:ext uri="{0D108BD9-81ED-4DB2-BD59-A6C34878D82A}">
-                    <a16:rowId xmlns="" xmlns:a16="http://schemas.microsoft.com/office/drawing/2014/main" val="10005"/>
+                    <a16:rowId xmlns:a16="http://schemas.microsoft.com/office/drawing/2014/main" val="10005"/>
                   </a:ext>
                 </a:extLst>
               </a:tr>
@@ -11103,14 +11114,14 @@
           <p:nvPr>
             <p:extLst>
               <p:ext uri="{D42A27DB-BD31-4B8C-83A1-F6EECF244321}">
-                <p14:modId xmlns:p14="http://schemas.microsoft.com/office/powerpoint/2010/main" val="1659347555"/>
+                <p14:modId xmlns:p14="http://schemas.microsoft.com/office/powerpoint/2010/main" val="3803421236"/>
               </p:ext>
             </p:extLst>
           </p:nvPr>
         </p:nvGraphicFramePr>
         <p:xfrm>
-          <a:off x="2393792" y="2413873"/>
-          <a:ext cx="7404415" cy="2221988"/>
+          <a:off x="2116667" y="2413873"/>
+          <a:ext cx="7681541" cy="2953508"/>
         </p:xfrm>
         <a:graphic>
           <a:graphicData uri="http://schemas.openxmlformats.org/drawingml/2006/table">
@@ -11119,21 +11130,27 @@
                 <a:tableStyleId>{5C22544A-7EE6-4342-B048-85BDC9FD1C3A}</a:tableStyleId>
               </a:tblPr>
               <a:tblGrid>
-                <a:gridCol w="1698873">
+                <a:gridCol w="1762457">
                   <a:extLst>
                     <a:ext uri="{9D8B030D-6E8A-4147-A177-3AD203B41FA5}">
-                      <a16:colId xmlns="" xmlns:a16="http://schemas.microsoft.com/office/drawing/2014/main" val="20000"/>
+                      <a16:colId xmlns:a16="http://schemas.microsoft.com/office/drawing/2014/main" val="20000"/>
                     </a:ext>
                   </a:extLst>
                 </a:gridCol>
-                <a:gridCol w="2852771">
+                <a:gridCol w="2959542">
                   <a:extLst>
                     <a:ext uri="{9D8B030D-6E8A-4147-A177-3AD203B41FA5}">
-                      <a16:colId xmlns="" xmlns:a16="http://schemas.microsoft.com/office/drawing/2014/main" val="20001"/>
+                      <a16:colId xmlns:a16="http://schemas.microsoft.com/office/drawing/2014/main" val="20001"/>
                     </a:ext>
                   </a:extLst>
                 </a:gridCol>
-                <a:gridCol w="2852771"/>
+                <a:gridCol w="2959542">
+                  <a:extLst>
+                    <a:ext uri="{9D8B030D-6E8A-4147-A177-3AD203B41FA5}">
+                      <a16:colId xmlns:a16="http://schemas.microsoft.com/office/drawing/2014/main" val="20002"/>
+                    </a:ext>
+                  </a:extLst>
+                </a:gridCol>
               </a:tblGrid>
               <a:tr h="758948">
                 <a:tc>
@@ -11225,7 +11242,7 @@
                 </a:tc>
                 <a:extLst>
                   <a:ext uri="{0D108BD9-81ED-4DB2-BD59-A6C34878D82A}">
-                    <a16:rowId xmlns="" xmlns:a16="http://schemas.microsoft.com/office/drawing/2014/main" val="10000"/>
+                    <a16:rowId xmlns:a16="http://schemas.microsoft.com/office/drawing/2014/main" val="10000"/>
                   </a:ext>
                 </a:extLst>
               </a:tr>
@@ -11321,7 +11338,7 @@
                 </a:tc>
                 <a:extLst>
                   <a:ext uri="{0D108BD9-81ED-4DB2-BD59-A6C34878D82A}">
-                    <a16:rowId xmlns="" xmlns:a16="http://schemas.microsoft.com/office/drawing/2014/main" val="10001"/>
+                    <a16:rowId xmlns:a16="http://schemas.microsoft.com/office/drawing/2014/main" val="10001"/>
                   </a:ext>
                 </a:extLst>
               </a:tr>
@@ -11415,6 +11432,119 @@
                   </a:txBody>
                   <a:tcPr marL="58111" marR="58111" marT="0" marB="0" anchor="ctr"/>
                 </a:tc>
+                <a:extLst>
+                  <a:ext uri="{0D108BD9-81ED-4DB2-BD59-A6C34878D82A}">
+                    <a16:rowId xmlns:a16="http://schemas.microsoft.com/office/drawing/2014/main" val="10002"/>
+                  </a:ext>
+                </a:extLst>
+              </a:tr>
+              <a:tr h="269288">
+                <a:tc>
+                  <a:txBody>
+                    <a:bodyPr/>
+                    <a:lstStyle/>
+                    <a:p>
+                      <a:pPr algn="ctr">
+                        <a:spcAft>
+                          <a:spcPts val="0"/>
+                        </a:spcAft>
+                      </a:pPr>
+                      <a:r>
+                        <a:rPr lang="en-US" altLang="ja-JP" sz="1800" b="1" kern="100" dirty="0" smtClean="0">
+                          <a:effectLst/>
+                          <a:latin typeface="Yu Mincho" charset="-128"/>
+                          <a:ea typeface="Yu Mincho" charset="-128"/>
+                          <a:cs typeface="Times New Roman" charset="0"/>
+                        </a:rPr>
+                        <a:t>Controller VM</a:t>
+                      </a:r>
+                      <a:endParaRPr lang="ja-JP" sz="1800" b="1" kern="100" dirty="0">
+                        <a:effectLst/>
+                        <a:latin typeface="Yu Mincho" charset="-128"/>
+                        <a:ea typeface="Yu Mincho" charset="-128"/>
+                        <a:cs typeface="Times New Roman" charset="0"/>
+                      </a:endParaRPr>
+                    </a:p>
+                  </a:txBody>
+                  <a:tcPr marL="58111" marR="58111" marT="0" marB="0" anchor="ctr"/>
+                </a:tc>
+                <a:tc>
+                  <a:txBody>
+                    <a:bodyPr/>
+                    <a:lstStyle/>
+                    <a:p>
+                      <a:pPr algn="just">
+                        <a:spcAft>
+                          <a:spcPts val="0"/>
+                        </a:spcAft>
+                      </a:pPr>
+                      <a:r>
+                        <a:rPr lang="en-US" altLang="ja-JP" sz="1600" kern="100" dirty="0" smtClean="0">
+                          <a:effectLst/>
+                          <a:latin typeface="Yu Mincho" charset="-128"/>
+                          <a:ea typeface="Yu Mincho" charset="-128"/>
+                          <a:cs typeface="Times New Roman" charset="0"/>
+                          <a:hlinkClick r:id="rId4"/>
+                        </a:rPr>
+                        <a:t>http://www.anarg.jp/personal/t-saitoh/Controller_team1.ova</a:t>
+                      </a:r>
+                      <a:endParaRPr lang="ja-JP" sz="1600" kern="100" dirty="0">
+                        <a:effectLst/>
+                        <a:latin typeface="Yu Mincho" charset="-128"/>
+                        <a:ea typeface="Yu Mincho" charset="-128"/>
+                        <a:cs typeface="Times New Roman" charset="0"/>
+                      </a:endParaRPr>
+                    </a:p>
+                  </a:txBody>
+                  <a:tcPr marL="58111" marR="58111" marT="0" marB="0" anchor="ctr"/>
+                </a:tc>
+                <a:tc>
+                  <a:txBody>
+                    <a:bodyPr/>
+                    <a:lstStyle/>
+                    <a:p>
+                      <a:pPr marL="0" marR="0" indent="0" algn="just" defTabSz="914400" rtl="0" eaLnBrk="1" fontAlgn="auto" latinLnBrk="0" hangingPunct="1">
+                        <a:lnSpc>
+                          <a:spcPct val="100000"/>
+                        </a:lnSpc>
+                        <a:spcBef>
+                          <a:spcPts val="0"/>
+                        </a:spcBef>
+                        <a:spcAft>
+                          <a:spcPts val="0"/>
+                        </a:spcAft>
+                        <a:buClrTx/>
+                        <a:buSzTx/>
+                        <a:buFontTx/>
+                        <a:buNone/>
+                        <a:tabLst/>
+                        <a:defRPr/>
+                      </a:pPr>
+                      <a:r>
+                        <a:rPr lang="en-US" altLang="ja-JP" sz="1600" kern="100" dirty="0" smtClean="0">
+                          <a:effectLst/>
+                          <a:latin typeface="Yu Mincho" charset="-128"/>
+                          <a:ea typeface="Yu Mincho" charset="-128"/>
+                          <a:cs typeface="Times New Roman" charset="0"/>
+                          <a:hlinkClick r:id="rId3"/>
+                        </a:rPr>
+                        <a:t>https://github.com/handai-trema/IaaS-team-1/blob/master/README.md</a:t>
+                      </a:r>
+                      <a:endParaRPr lang="en-US" altLang="ja-JP" sz="1600" kern="100" dirty="0" smtClean="0">
+                        <a:effectLst/>
+                        <a:latin typeface="Yu Mincho" charset="-128"/>
+                        <a:ea typeface="Yu Mincho" charset="-128"/>
+                        <a:cs typeface="Times New Roman" charset="0"/>
+                      </a:endParaRPr>
+                    </a:p>
+                  </a:txBody>
+                  <a:tcPr marL="58111" marR="58111" marT="0" marB="0" anchor="ctr"/>
+                </a:tc>
+                <a:extLst>
+                  <a:ext uri="{0D108BD9-81ED-4DB2-BD59-A6C34878D82A}">
+                    <a16:rowId xmlns:a16="http://schemas.microsoft.com/office/drawing/2014/main" val="1898541787"/>
+                  </a:ext>
+                </a:extLst>
               </a:tr>
             </a:tbl>
           </a:graphicData>
@@ -11834,21 +11964,21 @@
                 <a:gridCol w="2536853">
                   <a:extLst>
                     <a:ext uri="{9D8B030D-6E8A-4147-A177-3AD203B41FA5}">
-                      <a16:colId xmlns="" xmlns:a16="http://schemas.microsoft.com/office/drawing/2014/main" val="20000"/>
+                      <a16:colId xmlns:a16="http://schemas.microsoft.com/office/drawing/2014/main" val="20000"/>
                     </a:ext>
                   </a:extLst>
                 </a:gridCol>
                 <a:gridCol w="3177556">
                   <a:extLst>
                     <a:ext uri="{9D8B030D-6E8A-4147-A177-3AD203B41FA5}">
-                      <a16:colId xmlns="" xmlns:a16="http://schemas.microsoft.com/office/drawing/2014/main" val="20001"/>
+                      <a16:colId xmlns:a16="http://schemas.microsoft.com/office/drawing/2014/main" val="20001"/>
                     </a:ext>
                   </a:extLst>
                 </a:gridCol>
                 <a:gridCol w="4219435">
                   <a:extLst>
                     <a:ext uri="{9D8B030D-6E8A-4147-A177-3AD203B41FA5}">
-                      <a16:colId xmlns="" xmlns:a16="http://schemas.microsoft.com/office/drawing/2014/main" val="20002"/>
+                      <a16:colId xmlns:a16="http://schemas.microsoft.com/office/drawing/2014/main" val="20002"/>
                     </a:ext>
                   </a:extLst>
                 </a:gridCol>
@@ -11934,7 +12064,7 @@
                 </a:tc>
                 <a:extLst>
                   <a:ext uri="{0D108BD9-81ED-4DB2-BD59-A6C34878D82A}">
-                    <a16:rowId xmlns="" xmlns:a16="http://schemas.microsoft.com/office/drawing/2014/main" val="10000"/>
+                    <a16:rowId xmlns:a16="http://schemas.microsoft.com/office/drawing/2014/main" val="10000"/>
                   </a:ext>
                 </a:extLst>
               </a:tr>
@@ -12038,7 +12168,7 @@
                 </a:tc>
                 <a:extLst>
                   <a:ext uri="{0D108BD9-81ED-4DB2-BD59-A6C34878D82A}">
-                    <a16:rowId xmlns="" xmlns:a16="http://schemas.microsoft.com/office/drawing/2014/main" val="10001"/>
+                    <a16:rowId xmlns:a16="http://schemas.microsoft.com/office/drawing/2014/main" val="10001"/>
                   </a:ext>
                 </a:extLst>
               </a:tr>
@@ -12142,7 +12272,7 @@
                 </a:tc>
                 <a:extLst>
                   <a:ext uri="{0D108BD9-81ED-4DB2-BD59-A6C34878D82A}">
-                    <a16:rowId xmlns="" xmlns:a16="http://schemas.microsoft.com/office/drawing/2014/main" val="10002"/>
+                    <a16:rowId xmlns:a16="http://schemas.microsoft.com/office/drawing/2014/main" val="10002"/>
                   </a:ext>
                 </a:extLst>
               </a:tr>
@@ -12246,7 +12376,7 @@
                 </a:tc>
                 <a:extLst>
                   <a:ext uri="{0D108BD9-81ED-4DB2-BD59-A6C34878D82A}">
-                    <a16:rowId xmlns="" xmlns:a16="http://schemas.microsoft.com/office/drawing/2014/main" val="10003"/>
+                    <a16:rowId xmlns:a16="http://schemas.microsoft.com/office/drawing/2014/main" val="10003"/>
                   </a:ext>
                 </a:extLst>
               </a:tr>
@@ -12332,7 +12462,7 @@
                 </a:tc>
                 <a:extLst>
                   <a:ext uri="{0D108BD9-81ED-4DB2-BD59-A6C34878D82A}">
-                    <a16:rowId xmlns="" xmlns:a16="http://schemas.microsoft.com/office/drawing/2014/main" val="10004"/>
+                    <a16:rowId xmlns:a16="http://schemas.microsoft.com/office/drawing/2014/main" val="10004"/>
                   </a:ext>
                 </a:extLst>
               </a:tr>
@@ -12430,7 +12560,7 @@
                 </a:tc>
                 <a:extLst>
                   <a:ext uri="{0D108BD9-81ED-4DB2-BD59-A6C34878D82A}">
-                    <a16:rowId xmlns="" xmlns:a16="http://schemas.microsoft.com/office/drawing/2014/main" val="10005"/>
+                    <a16:rowId xmlns:a16="http://schemas.microsoft.com/office/drawing/2014/main" val="10005"/>
                   </a:ext>
                 </a:extLst>
               </a:tr>
@@ -19880,7 +20010,7 @@
   <a:extraClrSchemeLst/>
   <a:extLst>
     <a:ext uri="{05A4C25C-085E-4340-85A3-A5531E510DB2}">
-      <thm15:themeFamily xmlns:thm15="http://schemas.microsoft.com/office/thememl/2012/main" xmlns="" name="Office Theme" id="{62F939B6-93AF-4DB8-9C6B-D6C7DFDC589F}" vid="{4A3C46E8-61CC-4603-A589-7422A47A8E4A}"/>
+      <thm15:themeFamily xmlns:thm15="http://schemas.microsoft.com/office/thememl/2012/main" name="Office Theme" id="{62F939B6-93AF-4DB8-9C6B-D6C7DFDC589F}" vid="{4A3C46E8-61CC-4603-A589-7422A47A8E4A}"/>
     </a:ext>
   </a:extLst>
 </a:theme>
@@ -20141,7 +20271,7 @@
   <a:extraClrSchemeLst/>
   <a:extLst>
     <a:ext uri="{05A4C25C-085E-4340-85A3-A5531E510DB2}">
-      <thm15:themeFamily xmlns:thm15="http://schemas.microsoft.com/office/thememl/2012/main" xmlns="" name="Office Theme" id="{62F939B6-93AF-4DB8-9C6B-D6C7DFDC589F}" vid="{4A3C46E8-61CC-4603-A589-7422A47A8E4A}"/>
+      <thm15:themeFamily xmlns:thm15="http://schemas.microsoft.com/office/thememl/2012/main" name="Office Theme" id="{62F939B6-93AF-4DB8-9C6B-D6C7DFDC589F}" vid="{4A3C46E8-61CC-4603-A589-7422A47A8E4A}"/>
     </a:ext>
   </a:extLst>
 </a:theme>

--- a/FinalReport_team1.pptx
+++ b/FinalReport_team1.pptx
@@ -223,20 +223,6 @@
 </p:cmLst>
 </file>
 
-<file path=ppt/comments/comment4.xml><?xml version="1.0" encoding="utf-8"?>
-<p:cmLst xmlns:a="http://schemas.openxmlformats.org/drawingml/2006/main" xmlns:r="http://schemas.openxmlformats.org/officeDocument/2006/relationships" xmlns:p="http://schemas.openxmlformats.org/presentationml/2006/main">
-  <p:cm authorId="6" dt="2017-02-02T09:40:50.200" idx="1">
-    <p:pos x="828" y="588"/>
-    <p:text>成果物の公開を担当される方は記入してね！</p:text>
-    <p:extLst mod="1">
-      <p:ext uri="{C676402C-5697-4E1C-873F-D02D1690AC5C}">
-        <p15:threadingInfo xmlns:p15="http://schemas.microsoft.com/office/powerpoint/2012/main" timeZoneBias="-540"/>
-      </p:ext>
-    </p:extLst>
-  </p:cm>
-</p:cmLst>
-</file>
-
 <file path=ppt/notesMasters/notesMaster1.xml><?xml version="1.0" encoding="utf-8"?>
 <p:notesMaster xmlns:a="http://schemas.openxmlformats.org/drawingml/2006/main" xmlns:r="http://schemas.openxmlformats.org/officeDocument/2006/relationships" xmlns:p="http://schemas.openxmlformats.org/presentationml/2006/main">
   <p:cSld>
@@ -319,7 +305,7 @@
           <a:p>
             <a:fld id="{D3280593-7C42-5843-B081-6C518870F69D}" type="datetimeFigureOut">
               <a:rPr kumimoji="1" lang="ja-JP" altLang="en-US" smtClean="0"/>
-              <a:t>2017/2/3</a:t>
+              <a:t>2017/2/4</a:t>
             </a:fld>
             <a:endParaRPr kumimoji="1" lang="ja-JP" altLang="en-US"/>
           </a:p>
@@ -834,7 +820,7 @@
           <a:p>
             <a:fld id="{66799932-8D7B-764F-9326-29DDE68D3EAA}" type="datetime1">
               <a:rPr kumimoji="1" lang="ja-JP" altLang="en-US" smtClean="0"/>
-              <a:t>2017/2/3</a:t>
+              <a:t>2017/2/4</a:t>
             </a:fld>
             <a:endParaRPr kumimoji="1" lang="ja-JP" altLang="en-US"/>
           </a:p>
@@ -1036,7 +1022,7 @@
           <a:p>
             <a:fld id="{CAE5463A-7E1A-2E4B-B0AE-41A6BD3235AF}" type="datetime1">
               <a:rPr kumimoji="1" lang="ja-JP" altLang="en-US" smtClean="0"/>
-              <a:t>2017/2/3</a:t>
+              <a:t>2017/2/4</a:t>
             </a:fld>
             <a:endParaRPr kumimoji="1" lang="ja-JP" altLang="en-US"/>
           </a:p>
@@ -1248,7 +1234,7 @@
           <a:p>
             <a:fld id="{CE374C79-7A9D-4D49-8376-FB8336C03319}" type="datetime1">
               <a:rPr kumimoji="1" lang="ja-JP" altLang="en-US" smtClean="0"/>
-              <a:t>2017/2/3</a:t>
+              <a:t>2017/2/4</a:t>
             </a:fld>
             <a:endParaRPr kumimoji="1" lang="ja-JP" altLang="en-US"/>
           </a:p>
@@ -1450,7 +1436,7 @@
           <a:p>
             <a:fld id="{E76F834C-CEFA-9D46-A7A9-2A9FAB28DDD1}" type="datetime1">
               <a:rPr kumimoji="1" lang="ja-JP" altLang="en-US" smtClean="0"/>
-              <a:t>2017/2/3</a:t>
+              <a:t>2017/2/4</a:t>
             </a:fld>
             <a:endParaRPr kumimoji="1" lang="ja-JP" altLang="en-US"/>
           </a:p>
@@ -1696,7 +1682,7 @@
           <a:p>
             <a:fld id="{9EAA5CF6-2B4A-2E44-93BE-A2EE45AF8E02}" type="datetime1">
               <a:rPr kumimoji="1" lang="ja-JP" altLang="en-US" smtClean="0"/>
-              <a:t>2017/2/3</a:t>
+              <a:t>2017/2/4</a:t>
             </a:fld>
             <a:endParaRPr kumimoji="1" lang="ja-JP" altLang="en-US"/>
           </a:p>
@@ -1992,7 +1978,7 @@
           <a:p>
             <a:fld id="{47F3C8BD-19CC-7047-9A9E-B4334F8EB4A3}" type="datetime1">
               <a:rPr kumimoji="1" lang="ja-JP" altLang="en-US" smtClean="0"/>
-              <a:t>2017/2/3</a:t>
+              <a:t>2017/2/4</a:t>
             </a:fld>
             <a:endParaRPr kumimoji="1" lang="ja-JP" altLang="en-US"/>
           </a:p>
@@ -2423,7 +2409,7 @@
           <a:p>
             <a:fld id="{0CE0FDFE-8C98-DA42-9AAE-A8374B2C458A}" type="datetime1">
               <a:rPr kumimoji="1" lang="ja-JP" altLang="en-US" smtClean="0"/>
-              <a:t>2017/2/3</a:t>
+              <a:t>2017/2/4</a:t>
             </a:fld>
             <a:endParaRPr kumimoji="1" lang="ja-JP" altLang="en-US"/>
           </a:p>
@@ -2541,7 +2527,7 @@
           <a:p>
             <a:fld id="{596E8ED7-F57B-B540-A070-084317F58026}" type="datetime1">
               <a:rPr kumimoji="1" lang="ja-JP" altLang="en-US" smtClean="0"/>
-              <a:t>2017/2/3</a:t>
+              <a:t>2017/2/4</a:t>
             </a:fld>
             <a:endParaRPr kumimoji="1" lang="ja-JP" altLang="en-US"/>
           </a:p>
@@ -2636,7 +2622,7 @@
           <a:p>
             <a:fld id="{B4708856-CBAF-AB47-9335-89045B7F966D}" type="datetime1">
               <a:rPr kumimoji="1" lang="ja-JP" altLang="en-US" smtClean="0"/>
-              <a:t>2017/2/3</a:t>
+              <a:t>2017/2/4</a:t>
             </a:fld>
             <a:endParaRPr kumimoji="1" lang="ja-JP" altLang="en-US"/>
           </a:p>
@@ -2945,7 +2931,7 @@
           <a:p>
             <a:fld id="{FF17E302-1DC0-9947-8E9A-89DEC6D799BE}" type="datetime1">
               <a:rPr kumimoji="1" lang="ja-JP" altLang="en-US" smtClean="0"/>
-              <a:t>2017/2/3</a:t>
+              <a:t>2017/2/4</a:t>
             </a:fld>
             <a:endParaRPr kumimoji="1" lang="ja-JP" altLang="en-US"/>
           </a:p>
@@ -3198,7 +3184,7 @@
           <a:p>
             <a:fld id="{828D861D-5ABD-5D42-A35A-D470506FAF5E}" type="datetime1">
               <a:rPr kumimoji="1" lang="ja-JP" altLang="en-US" smtClean="0"/>
-              <a:t>2017/2/3</a:t>
+              <a:t>2017/2/4</a:t>
             </a:fld>
             <a:endParaRPr kumimoji="1" lang="ja-JP" altLang="en-US"/>
           </a:p>
@@ -3446,7 +3432,7 @@
           <a:p>
             <a:fld id="{40E3953F-FE39-2447-83E0-87C2306981C2}" type="datetime1">
               <a:rPr lang="ja-JP" altLang="en-US" smtClean="0"/>
-              <a:t>2017/2/3</a:t>
+              <a:t>2017/2/4</a:t>
             </a:fld>
             <a:endParaRPr lang="ja-JP" altLang="en-US"/>
           </a:p>
@@ -8348,14 +8334,14 @@
                 <a:gridCol w="2373131">
                   <a:extLst>
                     <a:ext uri="{9D8B030D-6E8A-4147-A177-3AD203B41FA5}">
-                      <a16:colId xmlns:a16="http://schemas.microsoft.com/office/drawing/2014/main" val="20000"/>
+                      <a16:colId xmlns:a16="http://schemas.microsoft.com/office/drawing/2014/main" xmlns="" val="20000"/>
                     </a:ext>
                   </a:extLst>
                 </a:gridCol>
                 <a:gridCol w="3984996">
                   <a:extLst>
                     <a:ext uri="{9D8B030D-6E8A-4147-A177-3AD203B41FA5}">
-                      <a16:colId xmlns:a16="http://schemas.microsoft.com/office/drawing/2014/main" val="20001"/>
+                      <a16:colId xmlns:a16="http://schemas.microsoft.com/office/drawing/2014/main" xmlns="" val="20001"/>
                     </a:ext>
                   </a:extLst>
                 </a:gridCol>
@@ -8415,7 +8401,7 @@
                 </a:tc>
                 <a:extLst>
                   <a:ext uri="{0D108BD9-81ED-4DB2-BD59-A6C34878D82A}">
-                    <a16:rowId xmlns:a16="http://schemas.microsoft.com/office/drawing/2014/main" val="10000"/>
+                    <a16:rowId xmlns:a16="http://schemas.microsoft.com/office/drawing/2014/main" xmlns="" val="10000"/>
                   </a:ext>
                 </a:extLst>
               </a:tr>
@@ -8492,7 +8478,7 @@
                 </a:tc>
                 <a:extLst>
                   <a:ext uri="{0D108BD9-81ED-4DB2-BD59-A6C34878D82A}">
-                    <a16:rowId xmlns:a16="http://schemas.microsoft.com/office/drawing/2014/main" val="10001"/>
+                    <a16:rowId xmlns:a16="http://schemas.microsoft.com/office/drawing/2014/main" xmlns="" val="10001"/>
                   </a:ext>
                 </a:extLst>
               </a:tr>
@@ -8585,7 +8571,7 @@
                 </a:tc>
                 <a:extLst>
                   <a:ext uri="{0D108BD9-81ED-4DB2-BD59-A6C34878D82A}">
-                    <a16:rowId xmlns:a16="http://schemas.microsoft.com/office/drawing/2014/main" val="10002"/>
+                    <a16:rowId xmlns:a16="http://schemas.microsoft.com/office/drawing/2014/main" xmlns="" val="10002"/>
                   </a:ext>
                 </a:extLst>
               </a:tr>
@@ -8668,7 +8654,7 @@
                 </a:tc>
                 <a:extLst>
                   <a:ext uri="{0D108BD9-81ED-4DB2-BD59-A6C34878D82A}">
-                    <a16:rowId xmlns:a16="http://schemas.microsoft.com/office/drawing/2014/main" val="10004"/>
+                    <a16:rowId xmlns:a16="http://schemas.microsoft.com/office/drawing/2014/main" xmlns="" val="10004"/>
                   </a:ext>
                 </a:extLst>
               </a:tr>
@@ -8763,7 +8749,7 @@
                 </a:tc>
                 <a:extLst>
                   <a:ext uri="{0D108BD9-81ED-4DB2-BD59-A6C34878D82A}">
-                    <a16:rowId xmlns:a16="http://schemas.microsoft.com/office/drawing/2014/main" val="10005"/>
+                    <a16:rowId xmlns:a16="http://schemas.microsoft.com/office/drawing/2014/main" xmlns="" val="10005"/>
                   </a:ext>
                 </a:extLst>
               </a:tr>
@@ -8852,7 +8838,7 @@
                 </a:tc>
                 <a:extLst>
                   <a:ext uri="{0D108BD9-81ED-4DB2-BD59-A6C34878D82A}">
-                    <a16:rowId xmlns:a16="http://schemas.microsoft.com/office/drawing/2014/main" val="10006"/>
+                    <a16:rowId xmlns:a16="http://schemas.microsoft.com/office/drawing/2014/main" xmlns="" val="10006"/>
                   </a:ext>
                 </a:extLst>
               </a:tr>
@@ -8935,7 +8921,7 @@
                 </a:tc>
                 <a:extLst>
                   <a:ext uri="{0D108BD9-81ED-4DB2-BD59-A6C34878D82A}">
-                    <a16:rowId xmlns:a16="http://schemas.microsoft.com/office/drawing/2014/main" val="10007"/>
+                    <a16:rowId xmlns:a16="http://schemas.microsoft.com/office/drawing/2014/main" xmlns="" val="10007"/>
                   </a:ext>
                 </a:extLst>
               </a:tr>
@@ -9018,7 +9004,7 @@
                 </a:tc>
                 <a:extLst>
                   <a:ext uri="{0D108BD9-81ED-4DB2-BD59-A6C34878D82A}">
-                    <a16:rowId xmlns:a16="http://schemas.microsoft.com/office/drawing/2014/main" val="10008"/>
+                    <a16:rowId xmlns:a16="http://schemas.microsoft.com/office/drawing/2014/main" xmlns="" val="10008"/>
                   </a:ext>
                 </a:extLst>
               </a:tr>
@@ -9101,7 +9087,7 @@
                 </a:tc>
                 <a:extLst>
                   <a:ext uri="{0D108BD9-81ED-4DB2-BD59-A6C34878D82A}">
-                    <a16:rowId xmlns:a16="http://schemas.microsoft.com/office/drawing/2014/main" val="10009"/>
+                    <a16:rowId xmlns:a16="http://schemas.microsoft.com/office/drawing/2014/main" xmlns="" val="10009"/>
                   </a:ext>
                 </a:extLst>
               </a:tr>
@@ -9172,7 +9158,7 @@
                 </a:tc>
                 <a:extLst>
                   <a:ext uri="{0D108BD9-81ED-4DB2-BD59-A6C34878D82A}">
-                    <a16:rowId xmlns:a16="http://schemas.microsoft.com/office/drawing/2014/main" val="10010"/>
+                    <a16:rowId xmlns:a16="http://schemas.microsoft.com/office/drawing/2014/main" xmlns="" val="10010"/>
                   </a:ext>
                 </a:extLst>
               </a:tr>
@@ -9231,7 +9217,7 @@
                 </a:tc>
                 <a:extLst>
                   <a:ext uri="{0D108BD9-81ED-4DB2-BD59-A6C34878D82A}">
-                    <a16:rowId xmlns:a16="http://schemas.microsoft.com/office/drawing/2014/main" val="10011"/>
+                    <a16:rowId xmlns:a16="http://schemas.microsoft.com/office/drawing/2014/main" xmlns="" val="10011"/>
                   </a:ext>
                 </a:extLst>
               </a:tr>
@@ -9320,7 +9306,7 @@
                 </a:tc>
                 <a:extLst>
                   <a:ext uri="{0D108BD9-81ED-4DB2-BD59-A6C34878D82A}">
-                    <a16:rowId xmlns:a16="http://schemas.microsoft.com/office/drawing/2014/main" val="10012"/>
+                    <a16:rowId xmlns:a16="http://schemas.microsoft.com/office/drawing/2014/main" xmlns="" val="10012"/>
                   </a:ext>
                 </a:extLst>
               </a:tr>
@@ -9391,7 +9377,7 @@
                 </a:tc>
                 <a:extLst>
                   <a:ext uri="{0D108BD9-81ED-4DB2-BD59-A6C34878D82A}">
-                    <a16:rowId xmlns:a16="http://schemas.microsoft.com/office/drawing/2014/main" val="10013"/>
+                    <a16:rowId xmlns:a16="http://schemas.microsoft.com/office/drawing/2014/main" xmlns="" val="10013"/>
                   </a:ext>
                 </a:extLst>
               </a:tr>
@@ -9486,7 +9472,7 @@
                 </a:tc>
                 <a:extLst>
                   <a:ext uri="{0D108BD9-81ED-4DB2-BD59-A6C34878D82A}">
-                    <a16:rowId xmlns:a16="http://schemas.microsoft.com/office/drawing/2014/main" val="10014"/>
+                    <a16:rowId xmlns:a16="http://schemas.microsoft.com/office/drawing/2014/main" xmlns="" val="10014"/>
                   </a:ext>
                 </a:extLst>
               </a:tr>
@@ -9557,7 +9543,7 @@
                 </a:tc>
                 <a:extLst>
                   <a:ext uri="{0D108BD9-81ED-4DB2-BD59-A6C34878D82A}">
-                    <a16:rowId xmlns:a16="http://schemas.microsoft.com/office/drawing/2014/main" val="10015"/>
+                    <a16:rowId xmlns:a16="http://schemas.microsoft.com/office/drawing/2014/main" xmlns="" val="10015"/>
                   </a:ext>
                 </a:extLst>
               </a:tr>
@@ -9638,7 +9624,7 @@
                 </a:tc>
                 <a:extLst>
                   <a:ext uri="{0D108BD9-81ED-4DB2-BD59-A6C34878D82A}">
-                    <a16:rowId xmlns:a16="http://schemas.microsoft.com/office/drawing/2014/main" val="10016"/>
+                    <a16:rowId xmlns:a16="http://schemas.microsoft.com/office/drawing/2014/main" xmlns="" val="10016"/>
                   </a:ext>
                 </a:extLst>
               </a:tr>
@@ -9721,7 +9707,7 @@
                 </a:tc>
                 <a:extLst>
                   <a:ext uri="{0D108BD9-81ED-4DB2-BD59-A6C34878D82A}">
-                    <a16:rowId xmlns:a16="http://schemas.microsoft.com/office/drawing/2014/main" val="10017"/>
+                    <a16:rowId xmlns:a16="http://schemas.microsoft.com/office/drawing/2014/main" xmlns="" val="10017"/>
                   </a:ext>
                 </a:extLst>
               </a:tr>
@@ -9804,7 +9790,7 @@
                 </a:tc>
                 <a:extLst>
                   <a:ext uri="{0D108BD9-81ED-4DB2-BD59-A6C34878D82A}">
-                    <a16:rowId xmlns:a16="http://schemas.microsoft.com/office/drawing/2014/main" val="10018"/>
+                    <a16:rowId xmlns:a16="http://schemas.microsoft.com/office/drawing/2014/main" xmlns="" val="10018"/>
                   </a:ext>
                 </a:extLst>
               </a:tr>
@@ -9875,7 +9861,7 @@
                 </a:tc>
                 <a:extLst>
                   <a:ext uri="{0D108BD9-81ED-4DB2-BD59-A6C34878D82A}">
-                    <a16:rowId xmlns:a16="http://schemas.microsoft.com/office/drawing/2014/main" val="10019"/>
+                    <a16:rowId xmlns:a16="http://schemas.microsoft.com/office/drawing/2014/main" xmlns="" val="10019"/>
                   </a:ext>
                 </a:extLst>
               </a:tr>
@@ -10071,14 +10057,14 @@
                 <a:gridCol w="2054453">
                   <a:extLst>
                     <a:ext uri="{9D8B030D-6E8A-4147-A177-3AD203B41FA5}">
-                      <a16:colId xmlns:a16="http://schemas.microsoft.com/office/drawing/2014/main" val="20000"/>
+                      <a16:colId xmlns:a16="http://schemas.microsoft.com/office/drawing/2014/main" xmlns="" val="20000"/>
                     </a:ext>
                   </a:extLst>
                 </a:gridCol>
                 <a:gridCol w="4868409">
                   <a:extLst>
                     <a:ext uri="{9D8B030D-6E8A-4147-A177-3AD203B41FA5}">
-                      <a16:colId xmlns:a16="http://schemas.microsoft.com/office/drawing/2014/main" val="20001"/>
+                      <a16:colId xmlns:a16="http://schemas.microsoft.com/office/drawing/2014/main" xmlns="" val="20001"/>
                     </a:ext>
                   </a:extLst>
                 </a:gridCol>
@@ -10138,7 +10124,7 @@
                 </a:tc>
                 <a:extLst>
                   <a:ext uri="{0D108BD9-81ED-4DB2-BD59-A6C34878D82A}">
-                    <a16:rowId xmlns:a16="http://schemas.microsoft.com/office/drawing/2014/main" val="10000"/>
+                    <a16:rowId xmlns:a16="http://schemas.microsoft.com/office/drawing/2014/main" xmlns="" val="10000"/>
                   </a:ext>
                 </a:extLst>
               </a:tr>
@@ -10322,7 +10308,7 @@
                 </a:tc>
                 <a:extLst>
                   <a:ext uri="{0D108BD9-81ED-4DB2-BD59-A6C34878D82A}">
-                    <a16:rowId xmlns:a16="http://schemas.microsoft.com/office/drawing/2014/main" val="10001"/>
+                    <a16:rowId xmlns:a16="http://schemas.microsoft.com/office/drawing/2014/main" xmlns="" val="10001"/>
                   </a:ext>
                 </a:extLst>
               </a:tr>
@@ -10488,7 +10474,7 @@
                 </a:tc>
                 <a:extLst>
                   <a:ext uri="{0D108BD9-81ED-4DB2-BD59-A6C34878D82A}">
-                    <a16:rowId xmlns:a16="http://schemas.microsoft.com/office/drawing/2014/main" val="10002"/>
+                    <a16:rowId xmlns:a16="http://schemas.microsoft.com/office/drawing/2014/main" xmlns="" val="10002"/>
                   </a:ext>
                 </a:extLst>
               </a:tr>
@@ -10633,7 +10619,7 @@
                 </a:tc>
                 <a:extLst>
                   <a:ext uri="{0D108BD9-81ED-4DB2-BD59-A6C34878D82A}">
-                    <a16:rowId xmlns:a16="http://schemas.microsoft.com/office/drawing/2014/main" val="10003"/>
+                    <a16:rowId xmlns:a16="http://schemas.microsoft.com/office/drawing/2014/main" xmlns="" val="10003"/>
                   </a:ext>
                 </a:extLst>
               </a:tr>
@@ -10718,7 +10704,7 @@
                 </a:tc>
                 <a:extLst>
                   <a:ext uri="{0D108BD9-81ED-4DB2-BD59-A6C34878D82A}">
-                    <a16:rowId xmlns:a16="http://schemas.microsoft.com/office/drawing/2014/main" val="10004"/>
+                    <a16:rowId xmlns:a16="http://schemas.microsoft.com/office/drawing/2014/main" xmlns="" val="10004"/>
                   </a:ext>
                 </a:extLst>
               </a:tr>
@@ -10860,7 +10846,7 @@
                 </a:tc>
                 <a:extLst>
                   <a:ext uri="{0D108BD9-81ED-4DB2-BD59-A6C34878D82A}">
-                    <a16:rowId xmlns:a16="http://schemas.microsoft.com/office/drawing/2014/main" val="10005"/>
+                    <a16:rowId xmlns:a16="http://schemas.microsoft.com/office/drawing/2014/main" xmlns="" val="10005"/>
                   </a:ext>
                 </a:extLst>
               </a:tr>
@@ -11114,14 +11100,14 @@
           <p:nvPr>
             <p:extLst>
               <p:ext uri="{D42A27DB-BD31-4B8C-83A1-F6EECF244321}">
-                <p14:modId xmlns:p14="http://schemas.microsoft.com/office/powerpoint/2010/main" val="3803421236"/>
+                <p14:modId xmlns:p14="http://schemas.microsoft.com/office/powerpoint/2010/main" val="709140916"/>
               </p:ext>
             </p:extLst>
           </p:nvPr>
         </p:nvGraphicFramePr>
         <p:xfrm>
-          <a:off x="2116667" y="2413873"/>
-          <a:ext cx="7681541" cy="2953508"/>
+          <a:off x="2116667" y="2413871"/>
+          <a:ext cx="7681541" cy="3601917"/>
         </p:xfrm>
         <a:graphic>
           <a:graphicData uri="http://schemas.openxmlformats.org/drawingml/2006/table">
@@ -11133,26 +11119,26 @@
                 <a:gridCol w="1762457">
                   <a:extLst>
                     <a:ext uri="{9D8B030D-6E8A-4147-A177-3AD203B41FA5}">
-                      <a16:colId xmlns:a16="http://schemas.microsoft.com/office/drawing/2014/main" val="20000"/>
+                      <a16:colId xmlns:a16="http://schemas.microsoft.com/office/drawing/2014/main" xmlns="" val="20000"/>
                     </a:ext>
                   </a:extLst>
                 </a:gridCol>
                 <a:gridCol w="2959542">
                   <a:extLst>
                     <a:ext uri="{9D8B030D-6E8A-4147-A177-3AD203B41FA5}">
-                      <a16:colId xmlns:a16="http://schemas.microsoft.com/office/drawing/2014/main" val="20001"/>
+                      <a16:colId xmlns:a16="http://schemas.microsoft.com/office/drawing/2014/main" xmlns="" val="20001"/>
                     </a:ext>
                   </a:extLst>
                 </a:gridCol>
                 <a:gridCol w="2959542">
                   <a:extLst>
                     <a:ext uri="{9D8B030D-6E8A-4147-A177-3AD203B41FA5}">
-                      <a16:colId xmlns:a16="http://schemas.microsoft.com/office/drawing/2014/main" val="20002"/>
+                      <a16:colId xmlns:a16="http://schemas.microsoft.com/office/drawing/2014/main" xmlns="" val="20002"/>
                     </a:ext>
                   </a:extLst>
                 </a:gridCol>
               </a:tblGrid>
-              <a:tr h="758948">
+              <a:tr h="1282077">
                 <a:tc>
                   <a:txBody>
                     <a:bodyPr/>
@@ -11242,11 +11228,11 @@
                 </a:tc>
                 <a:extLst>
                   <a:ext uri="{0D108BD9-81ED-4DB2-BD59-A6C34878D82A}">
-                    <a16:rowId xmlns:a16="http://schemas.microsoft.com/office/drawing/2014/main" val="10000"/>
+                    <a16:rowId xmlns:a16="http://schemas.microsoft.com/office/drawing/2014/main" xmlns="" val="10000"/>
                   </a:ext>
                 </a:extLst>
               </a:tr>
-              <a:tr h="269288">
+              <a:tr h="620693">
                 <a:tc>
                   <a:txBody>
                     <a:bodyPr/>
@@ -11276,7 +11262,7 @@
                   </a:txBody>
                   <a:tcPr marL="58111" marR="58111" marT="0" marB="0" anchor="ctr"/>
                 </a:tc>
-                <a:tc>
+                <a:tc rowSpan="2">
                   <a:txBody>
                     <a:bodyPr/>
                     <a:lstStyle/>
@@ -11306,7 +11292,7 @@
                   </a:txBody>
                   <a:tcPr marL="58111" marR="58111" marT="0" marB="0" anchor="ctr"/>
                 </a:tc>
-                <a:tc>
+                <a:tc rowSpan="3">
                   <a:txBody>
                     <a:bodyPr/>
                     <a:lstStyle/>
@@ -11338,11 +11324,11 @@
                 </a:tc>
                 <a:extLst>
                   <a:ext uri="{0D108BD9-81ED-4DB2-BD59-A6C34878D82A}">
-                    <a16:rowId xmlns:a16="http://schemas.microsoft.com/office/drawing/2014/main" val="10001"/>
+                    <a16:rowId xmlns:a16="http://schemas.microsoft.com/office/drawing/2014/main" xmlns="" val="10001"/>
                   </a:ext>
                 </a:extLst>
               </a:tr>
-              <a:tr h="269288">
+              <a:tr h="463403">
                 <a:tc>
                   <a:txBody>
                     <a:bodyPr/>
@@ -11372,7 +11358,7 @@
                   </a:txBody>
                   <a:tcPr marL="58111" marR="58111" marT="0" marB="0" anchor="ctr"/>
                 </a:tc>
-                <a:tc>
+                <a:tc vMerge="1">
                   <a:txBody>
                     <a:bodyPr/>
                     <a:lstStyle/>
@@ -11382,16 +11368,6 @@
                           <a:spcPts val="0"/>
                         </a:spcAft>
                       </a:pPr>
-                      <a:r>
-                        <a:rPr lang="en-US" altLang="ja-JP" sz="1600" kern="100" dirty="0" smtClean="0">
-                          <a:effectLst/>
-                          <a:latin typeface="Yu Mincho" charset="-128"/>
-                          <a:ea typeface="Yu Mincho" charset="-128"/>
-                          <a:cs typeface="Times New Roman" charset="0"/>
-                          <a:hlinkClick r:id="rId2"/>
-                        </a:rPr>
-                        <a:t>https://github.com/handai-trema/IaaS-team-1/tree/master/restAPI</a:t>
-                      </a:r>
                       <a:endParaRPr lang="ja-JP" sz="1600" kern="100" dirty="0">
                         <a:effectLst/>
                         <a:latin typeface="Yu Mincho" charset="-128"/>
@@ -11402,7 +11378,7 @@
                   </a:txBody>
                   <a:tcPr marL="58111" marR="58111" marT="0" marB="0" anchor="ctr"/>
                 </a:tc>
-                <a:tc>
+                <a:tc vMerge="1">
                   <a:txBody>
                     <a:bodyPr/>
                     <a:lstStyle/>
@@ -11412,16 +11388,6 @@
                           <a:spcPts val="0"/>
                         </a:spcAft>
                       </a:pPr>
-                      <a:r>
-                        <a:rPr lang="en-US" altLang="ja-JP" sz="1600" kern="100" dirty="0" smtClean="0">
-                          <a:effectLst/>
-                          <a:latin typeface="Yu Mincho" charset="-128"/>
-                          <a:ea typeface="Yu Mincho" charset="-128"/>
-                          <a:cs typeface="Times New Roman" charset="0"/>
-                          <a:hlinkClick r:id="rId3"/>
-                        </a:rPr>
-                        <a:t>https://github.com/handai-trema/IaaS-team-1/blob/master/README.md</a:t>
-                      </a:r>
                       <a:endParaRPr lang="en-US" altLang="ja-JP" sz="1600" kern="100" dirty="0" smtClean="0">
                         <a:effectLst/>
                         <a:latin typeface="Yu Mincho" charset="-128"/>
@@ -11434,11 +11400,11 @@
                 </a:tc>
                 <a:extLst>
                   <a:ext uri="{0D108BD9-81ED-4DB2-BD59-A6C34878D82A}">
-                    <a16:rowId xmlns:a16="http://schemas.microsoft.com/office/drawing/2014/main" val="10002"/>
+                    <a16:rowId xmlns:a16="http://schemas.microsoft.com/office/drawing/2014/main" xmlns="" val="10002"/>
                   </a:ext>
                 </a:extLst>
               </a:tr>
-              <a:tr h="269288">
+              <a:tr h="1235744">
                 <a:tc>
                   <a:txBody>
                     <a:bodyPr/>
@@ -11498,7 +11464,7 @@
                   </a:txBody>
                   <a:tcPr marL="58111" marR="58111" marT="0" marB="0" anchor="ctr"/>
                 </a:tc>
-                <a:tc>
+                <a:tc vMerge="1">
                   <a:txBody>
                     <a:bodyPr/>
                     <a:lstStyle/>
@@ -11520,16 +11486,6 @@
                         <a:tabLst/>
                         <a:defRPr/>
                       </a:pPr>
-                      <a:r>
-                        <a:rPr lang="en-US" altLang="ja-JP" sz="1600" kern="100" dirty="0" smtClean="0">
-                          <a:effectLst/>
-                          <a:latin typeface="Yu Mincho" charset="-128"/>
-                          <a:ea typeface="Yu Mincho" charset="-128"/>
-                          <a:cs typeface="Times New Roman" charset="0"/>
-                          <a:hlinkClick r:id="rId3"/>
-                        </a:rPr>
-                        <a:t>https://github.com/handai-trema/IaaS-team-1/blob/master/README.md</a:t>
-                      </a:r>
                       <a:endParaRPr lang="en-US" altLang="ja-JP" sz="1600" kern="100" dirty="0" smtClean="0">
                         <a:effectLst/>
                         <a:latin typeface="Yu Mincho" charset="-128"/>
@@ -11542,7 +11498,7 @@
                 </a:tc>
                 <a:extLst>
                   <a:ext uri="{0D108BD9-81ED-4DB2-BD59-A6C34878D82A}">
-                    <a16:rowId xmlns:a16="http://schemas.microsoft.com/office/drawing/2014/main" val="1898541787"/>
+                    <a16:rowId xmlns:a16="http://schemas.microsoft.com/office/drawing/2014/main" xmlns="" val="1898541787"/>
                   </a:ext>
                 </a:extLst>
               </a:tr>
@@ -11964,21 +11920,21 @@
                 <a:gridCol w="2536853">
                   <a:extLst>
                     <a:ext uri="{9D8B030D-6E8A-4147-A177-3AD203B41FA5}">
-                      <a16:colId xmlns:a16="http://schemas.microsoft.com/office/drawing/2014/main" val="20000"/>
+                      <a16:colId xmlns:a16="http://schemas.microsoft.com/office/drawing/2014/main" xmlns="" val="20000"/>
                     </a:ext>
                   </a:extLst>
                 </a:gridCol>
                 <a:gridCol w="3177556">
                   <a:extLst>
                     <a:ext uri="{9D8B030D-6E8A-4147-A177-3AD203B41FA5}">
-                      <a16:colId xmlns:a16="http://schemas.microsoft.com/office/drawing/2014/main" val="20001"/>
+                      <a16:colId xmlns:a16="http://schemas.microsoft.com/office/drawing/2014/main" xmlns="" val="20001"/>
                     </a:ext>
                   </a:extLst>
                 </a:gridCol>
                 <a:gridCol w="4219435">
                   <a:extLst>
                     <a:ext uri="{9D8B030D-6E8A-4147-A177-3AD203B41FA5}">
-                      <a16:colId xmlns:a16="http://schemas.microsoft.com/office/drawing/2014/main" val="20002"/>
+                      <a16:colId xmlns:a16="http://schemas.microsoft.com/office/drawing/2014/main" xmlns="" val="20002"/>
                     </a:ext>
                   </a:extLst>
                 </a:gridCol>
@@ -12064,7 +12020,7 @@
                 </a:tc>
                 <a:extLst>
                   <a:ext uri="{0D108BD9-81ED-4DB2-BD59-A6C34878D82A}">
-                    <a16:rowId xmlns:a16="http://schemas.microsoft.com/office/drawing/2014/main" val="10000"/>
+                    <a16:rowId xmlns:a16="http://schemas.microsoft.com/office/drawing/2014/main" xmlns="" val="10000"/>
                   </a:ext>
                 </a:extLst>
               </a:tr>
@@ -12168,7 +12124,7 @@
                 </a:tc>
                 <a:extLst>
                   <a:ext uri="{0D108BD9-81ED-4DB2-BD59-A6C34878D82A}">
-                    <a16:rowId xmlns:a16="http://schemas.microsoft.com/office/drawing/2014/main" val="10001"/>
+                    <a16:rowId xmlns:a16="http://schemas.microsoft.com/office/drawing/2014/main" xmlns="" val="10001"/>
                   </a:ext>
                 </a:extLst>
               </a:tr>
@@ -12272,7 +12228,7 @@
                 </a:tc>
                 <a:extLst>
                   <a:ext uri="{0D108BD9-81ED-4DB2-BD59-A6C34878D82A}">
-                    <a16:rowId xmlns:a16="http://schemas.microsoft.com/office/drawing/2014/main" val="10002"/>
+                    <a16:rowId xmlns:a16="http://schemas.microsoft.com/office/drawing/2014/main" xmlns="" val="10002"/>
                   </a:ext>
                 </a:extLst>
               </a:tr>
@@ -12376,7 +12332,7 @@
                 </a:tc>
                 <a:extLst>
                   <a:ext uri="{0D108BD9-81ED-4DB2-BD59-A6C34878D82A}">
-                    <a16:rowId xmlns:a16="http://schemas.microsoft.com/office/drawing/2014/main" val="10003"/>
+                    <a16:rowId xmlns:a16="http://schemas.microsoft.com/office/drawing/2014/main" xmlns="" val="10003"/>
                   </a:ext>
                 </a:extLst>
               </a:tr>
@@ -12418,12 +12374,12 @@
                         </a:spcAft>
                       </a:pPr>
                       <a:r>
-                        <a:rPr lang="en-US" sz="2000" kern="100">
+                        <a:rPr lang="en-US" sz="2000" kern="100" dirty="0">
                           <a:effectLst/>
                         </a:rPr>
                         <a:t> </a:t>
                       </a:r>
-                      <a:endParaRPr lang="ja-JP" sz="2800" kern="100">
+                      <a:endParaRPr lang="ja-JP" sz="2800" kern="100" dirty="0">
                         <a:effectLst/>
                         <a:latin typeface="Yu Mincho" charset="-128"/>
                         <a:ea typeface="Yu Mincho" charset="-128"/>
@@ -12462,7 +12418,7 @@
                 </a:tc>
                 <a:extLst>
                   <a:ext uri="{0D108BD9-81ED-4DB2-BD59-A6C34878D82A}">
-                    <a16:rowId xmlns:a16="http://schemas.microsoft.com/office/drawing/2014/main" val="10004"/>
+                    <a16:rowId xmlns:a16="http://schemas.microsoft.com/office/drawing/2014/main" xmlns="" val="10004"/>
                   </a:ext>
                 </a:extLst>
               </a:tr>
@@ -12560,7 +12516,7 @@
                 </a:tc>
                 <a:extLst>
                   <a:ext uri="{0D108BD9-81ED-4DB2-BD59-A6C34878D82A}">
-                    <a16:rowId xmlns:a16="http://schemas.microsoft.com/office/drawing/2014/main" val="10005"/>
+                    <a16:rowId xmlns:a16="http://schemas.microsoft.com/office/drawing/2014/main" xmlns="" val="10005"/>
                   </a:ext>
                 </a:extLst>
               </a:tr>

--- a/FinalReport_team1.pptx
+++ b/FinalReport_team1.pptx
@@ -183,46 +183,6 @@
 </p:cmLst>
 </file>
 
-<file path=ppt/comments/comment2.xml><?xml version="1.0" encoding="utf-8"?>
-<p:cmLst xmlns:a="http://schemas.openxmlformats.org/drawingml/2006/main" xmlns:r="http://schemas.openxmlformats.org/officeDocument/2006/relationships" xmlns:p="http://schemas.openxmlformats.org/presentationml/2006/main">
-  <p:cm authorId="7" dt="2017-02-02T10:09:36.050" idx="1">
-    <p:pos x="3811" y="771"/>
-    <p:text>最終発表のスライドをそのまま載せました．
-下記のデモ内容が予定していたものと異なる場合は未だ書いてません．
-以下メールより引用
-----------
-デモ内容の説明
-（今日のスライドをベースにしてもOK）
-  - デモの内容が当初予定していたものと異なる場合は以下も明記
-    - 差が出た要因
-    - 予定通りに進まなかった要因
-  - OpenFlowが，どこに，どのように使われているかが明記されていない場合はそれも明記
-</p:text>
-    <p:extLst>
-      <p:ext uri="{C676402C-5697-4E1C-873F-D02D1690AC5C}">
-        <p15:threadingInfo xmlns:p15="http://schemas.microsoft.com/office/powerpoint/2012/main" timeZoneBias="-540"/>
-      </p:ext>
-    </p:extLst>
-  </p:cm>
-</p:cmLst>
-</file>
-
-<file path=ppt/comments/comment3.xml><?xml version="1.0" encoding="utf-8"?>
-<p:cmLst xmlns:a="http://schemas.openxmlformats.org/drawingml/2006/main" xmlns:r="http://schemas.openxmlformats.org/officeDocument/2006/relationships" xmlns:p="http://schemas.openxmlformats.org/presentationml/2006/main">
-  <p:cm authorId="5" dt="2017-02-02T09:37:28.363" idx="1">
-    <p:pos x="475" y="1318"/>
-    <p:text>各自で自分の役割を編集してください．
-見やすさのためにリスト形式にしていますが，特に意味はございません．
-Edit your works.</p:text>
-    <p:extLst>
-      <p:ext uri="{C676402C-5697-4E1C-873F-D02D1690AC5C}">
-        <p15:threadingInfo xmlns:p15="http://schemas.microsoft.com/office/powerpoint/2012/main" timeZoneBias="-540"/>
-      </p:ext>
-    </p:extLst>
-  </p:cm>
-</p:cmLst>
-</file>
-
 <file path=ppt/notesMasters/notesMaster1.xml><?xml version="1.0" encoding="utf-8"?>
 <p:notesMaster xmlns:a="http://schemas.openxmlformats.org/drawingml/2006/main" xmlns:r="http://schemas.openxmlformats.org/officeDocument/2006/relationships" xmlns:p="http://schemas.openxmlformats.org/presentationml/2006/main">
   <p:cSld>
@@ -305,7 +265,7 @@
           <a:p>
             <a:fld id="{D3280593-7C42-5843-B081-6C518870F69D}" type="datetimeFigureOut">
               <a:rPr kumimoji="1" lang="ja-JP" altLang="en-US" smtClean="0"/>
-              <a:t>2017/2/4</a:t>
+              <a:t>2017/2/6</a:t>
             </a:fld>
             <a:endParaRPr kumimoji="1" lang="ja-JP" altLang="en-US"/>
           </a:p>
@@ -820,7 +780,7 @@
           <a:p>
             <a:fld id="{66799932-8D7B-764F-9326-29DDE68D3EAA}" type="datetime1">
               <a:rPr kumimoji="1" lang="ja-JP" altLang="en-US" smtClean="0"/>
-              <a:t>2017/2/4</a:t>
+              <a:t>2017/2/6</a:t>
             </a:fld>
             <a:endParaRPr kumimoji="1" lang="ja-JP" altLang="en-US"/>
           </a:p>
@@ -1022,7 +982,7 @@
           <a:p>
             <a:fld id="{CAE5463A-7E1A-2E4B-B0AE-41A6BD3235AF}" type="datetime1">
               <a:rPr kumimoji="1" lang="ja-JP" altLang="en-US" smtClean="0"/>
-              <a:t>2017/2/4</a:t>
+              <a:t>2017/2/6</a:t>
             </a:fld>
             <a:endParaRPr kumimoji="1" lang="ja-JP" altLang="en-US"/>
           </a:p>
@@ -1234,7 +1194,7 @@
           <a:p>
             <a:fld id="{CE374C79-7A9D-4D49-8376-FB8336C03319}" type="datetime1">
               <a:rPr kumimoji="1" lang="ja-JP" altLang="en-US" smtClean="0"/>
-              <a:t>2017/2/4</a:t>
+              <a:t>2017/2/6</a:t>
             </a:fld>
             <a:endParaRPr kumimoji="1" lang="ja-JP" altLang="en-US"/>
           </a:p>
@@ -1436,7 +1396,7 @@
           <a:p>
             <a:fld id="{E76F834C-CEFA-9D46-A7A9-2A9FAB28DDD1}" type="datetime1">
               <a:rPr kumimoji="1" lang="ja-JP" altLang="en-US" smtClean="0"/>
-              <a:t>2017/2/4</a:t>
+              <a:t>2017/2/6</a:t>
             </a:fld>
             <a:endParaRPr kumimoji="1" lang="ja-JP" altLang="en-US"/>
           </a:p>
@@ -1682,7 +1642,7 @@
           <a:p>
             <a:fld id="{9EAA5CF6-2B4A-2E44-93BE-A2EE45AF8E02}" type="datetime1">
               <a:rPr kumimoji="1" lang="ja-JP" altLang="en-US" smtClean="0"/>
-              <a:t>2017/2/4</a:t>
+              <a:t>2017/2/6</a:t>
             </a:fld>
             <a:endParaRPr kumimoji="1" lang="ja-JP" altLang="en-US"/>
           </a:p>
@@ -1978,7 +1938,7 @@
           <a:p>
             <a:fld id="{47F3C8BD-19CC-7047-9A9E-B4334F8EB4A3}" type="datetime1">
               <a:rPr kumimoji="1" lang="ja-JP" altLang="en-US" smtClean="0"/>
-              <a:t>2017/2/4</a:t>
+              <a:t>2017/2/6</a:t>
             </a:fld>
             <a:endParaRPr kumimoji="1" lang="ja-JP" altLang="en-US"/>
           </a:p>
@@ -2409,7 +2369,7 @@
           <a:p>
             <a:fld id="{0CE0FDFE-8C98-DA42-9AAE-A8374B2C458A}" type="datetime1">
               <a:rPr kumimoji="1" lang="ja-JP" altLang="en-US" smtClean="0"/>
-              <a:t>2017/2/4</a:t>
+              <a:t>2017/2/6</a:t>
             </a:fld>
             <a:endParaRPr kumimoji="1" lang="ja-JP" altLang="en-US"/>
           </a:p>
@@ -2527,7 +2487,7 @@
           <a:p>
             <a:fld id="{596E8ED7-F57B-B540-A070-084317F58026}" type="datetime1">
               <a:rPr kumimoji="1" lang="ja-JP" altLang="en-US" smtClean="0"/>
-              <a:t>2017/2/4</a:t>
+              <a:t>2017/2/6</a:t>
             </a:fld>
             <a:endParaRPr kumimoji="1" lang="ja-JP" altLang="en-US"/>
           </a:p>
@@ -2622,7 +2582,7 @@
           <a:p>
             <a:fld id="{B4708856-CBAF-AB47-9335-89045B7F966D}" type="datetime1">
               <a:rPr kumimoji="1" lang="ja-JP" altLang="en-US" smtClean="0"/>
-              <a:t>2017/2/4</a:t>
+              <a:t>2017/2/6</a:t>
             </a:fld>
             <a:endParaRPr kumimoji="1" lang="ja-JP" altLang="en-US"/>
           </a:p>
@@ -2931,7 +2891,7 @@
           <a:p>
             <a:fld id="{FF17E302-1DC0-9947-8E9A-89DEC6D799BE}" type="datetime1">
               <a:rPr kumimoji="1" lang="ja-JP" altLang="en-US" smtClean="0"/>
-              <a:t>2017/2/4</a:t>
+              <a:t>2017/2/6</a:t>
             </a:fld>
             <a:endParaRPr kumimoji="1" lang="ja-JP" altLang="en-US"/>
           </a:p>
@@ -3184,7 +3144,7 @@
           <a:p>
             <a:fld id="{828D861D-5ABD-5D42-A35A-D470506FAF5E}" type="datetime1">
               <a:rPr kumimoji="1" lang="ja-JP" altLang="en-US" smtClean="0"/>
-              <a:t>2017/2/4</a:t>
+              <a:t>2017/2/6</a:t>
             </a:fld>
             <a:endParaRPr kumimoji="1" lang="ja-JP" altLang="en-US"/>
           </a:p>
@@ -3432,7 +3392,7 @@
           <a:p>
             <a:fld id="{40E3953F-FE39-2447-83E0-87C2306981C2}" type="datetime1">
               <a:rPr lang="ja-JP" altLang="en-US" smtClean="0"/>
-              <a:t>2017/2/4</a:t>
+              <a:t>2017/2/6</a:t>
             </a:fld>
             <a:endParaRPr lang="ja-JP" altLang="en-US"/>
           </a:p>
@@ -3996,7 +3956,7 @@
                 <a:ea typeface="Yu Mincho" charset="-128"/>
                 <a:cs typeface="Times New Roman" charset="0"/>
               </a:rPr>
-              <a:t>2017/02/??(??.) </a:t>
+              <a:t>2017/02/07(Tue.) </a:t>
             </a:r>
             <a:r>
               <a:rPr lang="ja-JP" altLang="ja-JP" sz="2400" kern="100" dirty="0" smtClean="0">
@@ -8334,14 +8294,14 @@
                 <a:gridCol w="2373131">
                   <a:extLst>
                     <a:ext uri="{9D8B030D-6E8A-4147-A177-3AD203B41FA5}">
-                      <a16:colId xmlns:a16="http://schemas.microsoft.com/office/drawing/2014/main" xmlns="" val="20000"/>
+                      <a16:colId xmlns="" xmlns:a16="http://schemas.microsoft.com/office/drawing/2014/main" val="20000"/>
                     </a:ext>
                   </a:extLst>
                 </a:gridCol>
                 <a:gridCol w="3984996">
                   <a:extLst>
                     <a:ext uri="{9D8B030D-6E8A-4147-A177-3AD203B41FA5}">
-                      <a16:colId xmlns:a16="http://schemas.microsoft.com/office/drawing/2014/main" xmlns="" val="20001"/>
+                      <a16:colId xmlns="" xmlns:a16="http://schemas.microsoft.com/office/drawing/2014/main" val="20001"/>
                     </a:ext>
                   </a:extLst>
                 </a:gridCol>
@@ -8401,7 +8361,7 @@
                 </a:tc>
                 <a:extLst>
                   <a:ext uri="{0D108BD9-81ED-4DB2-BD59-A6C34878D82A}">
-                    <a16:rowId xmlns:a16="http://schemas.microsoft.com/office/drawing/2014/main" xmlns="" val="10000"/>
+                    <a16:rowId xmlns="" xmlns:a16="http://schemas.microsoft.com/office/drawing/2014/main" val="10000"/>
                   </a:ext>
                 </a:extLst>
               </a:tr>
@@ -8478,7 +8438,7 @@
                 </a:tc>
                 <a:extLst>
                   <a:ext uri="{0D108BD9-81ED-4DB2-BD59-A6C34878D82A}">
-                    <a16:rowId xmlns:a16="http://schemas.microsoft.com/office/drawing/2014/main" xmlns="" val="10001"/>
+                    <a16:rowId xmlns="" xmlns:a16="http://schemas.microsoft.com/office/drawing/2014/main" val="10001"/>
                   </a:ext>
                 </a:extLst>
               </a:tr>
@@ -8571,7 +8531,7 @@
                 </a:tc>
                 <a:extLst>
                   <a:ext uri="{0D108BD9-81ED-4DB2-BD59-A6C34878D82A}">
-                    <a16:rowId xmlns:a16="http://schemas.microsoft.com/office/drawing/2014/main" xmlns="" val="10002"/>
+                    <a16:rowId xmlns="" xmlns:a16="http://schemas.microsoft.com/office/drawing/2014/main" val="10002"/>
                   </a:ext>
                 </a:extLst>
               </a:tr>
@@ -8654,7 +8614,7 @@
                 </a:tc>
                 <a:extLst>
                   <a:ext uri="{0D108BD9-81ED-4DB2-BD59-A6C34878D82A}">
-                    <a16:rowId xmlns:a16="http://schemas.microsoft.com/office/drawing/2014/main" xmlns="" val="10004"/>
+                    <a16:rowId xmlns="" xmlns:a16="http://schemas.microsoft.com/office/drawing/2014/main" val="10004"/>
                   </a:ext>
                 </a:extLst>
               </a:tr>
@@ -8749,7 +8709,7 @@
                 </a:tc>
                 <a:extLst>
                   <a:ext uri="{0D108BD9-81ED-4DB2-BD59-A6C34878D82A}">
-                    <a16:rowId xmlns:a16="http://schemas.microsoft.com/office/drawing/2014/main" xmlns="" val="10005"/>
+                    <a16:rowId xmlns="" xmlns:a16="http://schemas.microsoft.com/office/drawing/2014/main" val="10005"/>
                   </a:ext>
                 </a:extLst>
               </a:tr>
@@ -8838,7 +8798,7 @@
                 </a:tc>
                 <a:extLst>
                   <a:ext uri="{0D108BD9-81ED-4DB2-BD59-A6C34878D82A}">
-                    <a16:rowId xmlns:a16="http://schemas.microsoft.com/office/drawing/2014/main" xmlns="" val="10006"/>
+                    <a16:rowId xmlns="" xmlns:a16="http://schemas.microsoft.com/office/drawing/2014/main" val="10006"/>
                   </a:ext>
                 </a:extLst>
               </a:tr>
@@ -8921,7 +8881,7 @@
                 </a:tc>
                 <a:extLst>
                   <a:ext uri="{0D108BD9-81ED-4DB2-BD59-A6C34878D82A}">
-                    <a16:rowId xmlns:a16="http://schemas.microsoft.com/office/drawing/2014/main" xmlns="" val="10007"/>
+                    <a16:rowId xmlns="" xmlns:a16="http://schemas.microsoft.com/office/drawing/2014/main" val="10007"/>
                   </a:ext>
                 </a:extLst>
               </a:tr>
@@ -9004,7 +8964,7 @@
                 </a:tc>
                 <a:extLst>
                   <a:ext uri="{0D108BD9-81ED-4DB2-BD59-A6C34878D82A}">
-                    <a16:rowId xmlns:a16="http://schemas.microsoft.com/office/drawing/2014/main" xmlns="" val="10008"/>
+                    <a16:rowId xmlns="" xmlns:a16="http://schemas.microsoft.com/office/drawing/2014/main" val="10008"/>
                   </a:ext>
                 </a:extLst>
               </a:tr>
@@ -9087,7 +9047,7 @@
                 </a:tc>
                 <a:extLst>
                   <a:ext uri="{0D108BD9-81ED-4DB2-BD59-A6C34878D82A}">
-                    <a16:rowId xmlns:a16="http://schemas.microsoft.com/office/drawing/2014/main" xmlns="" val="10009"/>
+                    <a16:rowId xmlns="" xmlns:a16="http://schemas.microsoft.com/office/drawing/2014/main" val="10009"/>
                   </a:ext>
                 </a:extLst>
               </a:tr>
@@ -9158,7 +9118,7 @@
                 </a:tc>
                 <a:extLst>
                   <a:ext uri="{0D108BD9-81ED-4DB2-BD59-A6C34878D82A}">
-                    <a16:rowId xmlns:a16="http://schemas.microsoft.com/office/drawing/2014/main" xmlns="" val="10010"/>
+                    <a16:rowId xmlns="" xmlns:a16="http://schemas.microsoft.com/office/drawing/2014/main" val="10010"/>
                   </a:ext>
                 </a:extLst>
               </a:tr>
@@ -9217,7 +9177,7 @@
                 </a:tc>
                 <a:extLst>
                   <a:ext uri="{0D108BD9-81ED-4DB2-BD59-A6C34878D82A}">
-                    <a16:rowId xmlns:a16="http://schemas.microsoft.com/office/drawing/2014/main" xmlns="" val="10011"/>
+                    <a16:rowId xmlns="" xmlns:a16="http://schemas.microsoft.com/office/drawing/2014/main" val="10011"/>
                   </a:ext>
                 </a:extLst>
               </a:tr>
@@ -9306,7 +9266,7 @@
                 </a:tc>
                 <a:extLst>
                   <a:ext uri="{0D108BD9-81ED-4DB2-BD59-A6C34878D82A}">
-                    <a16:rowId xmlns:a16="http://schemas.microsoft.com/office/drawing/2014/main" xmlns="" val="10012"/>
+                    <a16:rowId xmlns="" xmlns:a16="http://schemas.microsoft.com/office/drawing/2014/main" val="10012"/>
                   </a:ext>
                 </a:extLst>
               </a:tr>
@@ -9377,7 +9337,7 @@
                 </a:tc>
                 <a:extLst>
                   <a:ext uri="{0D108BD9-81ED-4DB2-BD59-A6C34878D82A}">
-                    <a16:rowId xmlns:a16="http://schemas.microsoft.com/office/drawing/2014/main" xmlns="" val="10013"/>
+                    <a16:rowId xmlns="" xmlns:a16="http://schemas.microsoft.com/office/drawing/2014/main" val="10013"/>
                   </a:ext>
                 </a:extLst>
               </a:tr>
@@ -9472,7 +9432,7 @@
                 </a:tc>
                 <a:extLst>
                   <a:ext uri="{0D108BD9-81ED-4DB2-BD59-A6C34878D82A}">
-                    <a16:rowId xmlns:a16="http://schemas.microsoft.com/office/drawing/2014/main" xmlns="" val="10014"/>
+                    <a16:rowId xmlns="" xmlns:a16="http://schemas.microsoft.com/office/drawing/2014/main" val="10014"/>
                   </a:ext>
                 </a:extLst>
               </a:tr>
@@ -9543,7 +9503,7 @@
                 </a:tc>
                 <a:extLst>
                   <a:ext uri="{0D108BD9-81ED-4DB2-BD59-A6C34878D82A}">
-                    <a16:rowId xmlns:a16="http://schemas.microsoft.com/office/drawing/2014/main" xmlns="" val="10015"/>
+                    <a16:rowId xmlns="" xmlns:a16="http://schemas.microsoft.com/office/drawing/2014/main" val="10015"/>
                   </a:ext>
                 </a:extLst>
               </a:tr>
@@ -9624,7 +9584,7 @@
                 </a:tc>
                 <a:extLst>
                   <a:ext uri="{0D108BD9-81ED-4DB2-BD59-A6C34878D82A}">
-                    <a16:rowId xmlns:a16="http://schemas.microsoft.com/office/drawing/2014/main" xmlns="" val="10016"/>
+                    <a16:rowId xmlns="" xmlns:a16="http://schemas.microsoft.com/office/drawing/2014/main" val="10016"/>
                   </a:ext>
                 </a:extLst>
               </a:tr>
@@ -9707,7 +9667,7 @@
                 </a:tc>
                 <a:extLst>
                   <a:ext uri="{0D108BD9-81ED-4DB2-BD59-A6C34878D82A}">
-                    <a16:rowId xmlns:a16="http://schemas.microsoft.com/office/drawing/2014/main" xmlns="" val="10017"/>
+                    <a16:rowId xmlns="" xmlns:a16="http://schemas.microsoft.com/office/drawing/2014/main" val="10017"/>
                   </a:ext>
                 </a:extLst>
               </a:tr>
@@ -9790,7 +9750,7 @@
                 </a:tc>
                 <a:extLst>
                   <a:ext uri="{0D108BD9-81ED-4DB2-BD59-A6C34878D82A}">
-                    <a16:rowId xmlns:a16="http://schemas.microsoft.com/office/drawing/2014/main" xmlns="" val="10018"/>
+                    <a16:rowId xmlns="" xmlns:a16="http://schemas.microsoft.com/office/drawing/2014/main" val="10018"/>
                   </a:ext>
                 </a:extLst>
               </a:tr>
@@ -9861,7 +9821,7 @@
                 </a:tc>
                 <a:extLst>
                   <a:ext uri="{0D108BD9-81ED-4DB2-BD59-A6C34878D82A}">
-                    <a16:rowId xmlns:a16="http://schemas.microsoft.com/office/drawing/2014/main" xmlns="" val="10019"/>
+                    <a16:rowId xmlns="" xmlns:a16="http://schemas.microsoft.com/office/drawing/2014/main" val="10019"/>
                   </a:ext>
                 </a:extLst>
               </a:tr>
@@ -10057,14 +10017,14 @@
                 <a:gridCol w="2054453">
                   <a:extLst>
                     <a:ext uri="{9D8B030D-6E8A-4147-A177-3AD203B41FA5}">
-                      <a16:colId xmlns:a16="http://schemas.microsoft.com/office/drawing/2014/main" xmlns="" val="20000"/>
+                      <a16:colId xmlns="" xmlns:a16="http://schemas.microsoft.com/office/drawing/2014/main" val="20000"/>
                     </a:ext>
                   </a:extLst>
                 </a:gridCol>
                 <a:gridCol w="4868409">
                   <a:extLst>
                     <a:ext uri="{9D8B030D-6E8A-4147-A177-3AD203B41FA5}">
-                      <a16:colId xmlns:a16="http://schemas.microsoft.com/office/drawing/2014/main" xmlns="" val="20001"/>
+                      <a16:colId xmlns="" xmlns:a16="http://schemas.microsoft.com/office/drawing/2014/main" val="20001"/>
                     </a:ext>
                   </a:extLst>
                 </a:gridCol>
@@ -10124,7 +10084,7 @@
                 </a:tc>
                 <a:extLst>
                   <a:ext uri="{0D108BD9-81ED-4DB2-BD59-A6C34878D82A}">
-                    <a16:rowId xmlns:a16="http://schemas.microsoft.com/office/drawing/2014/main" xmlns="" val="10000"/>
+                    <a16:rowId xmlns="" xmlns:a16="http://schemas.microsoft.com/office/drawing/2014/main" val="10000"/>
                   </a:ext>
                 </a:extLst>
               </a:tr>
@@ -10308,7 +10268,7 @@
                 </a:tc>
                 <a:extLst>
                   <a:ext uri="{0D108BD9-81ED-4DB2-BD59-A6C34878D82A}">
-                    <a16:rowId xmlns:a16="http://schemas.microsoft.com/office/drawing/2014/main" xmlns="" val="10001"/>
+                    <a16:rowId xmlns="" xmlns:a16="http://schemas.microsoft.com/office/drawing/2014/main" val="10001"/>
                   </a:ext>
                 </a:extLst>
               </a:tr>
@@ -10474,7 +10434,7 @@
                 </a:tc>
                 <a:extLst>
                   <a:ext uri="{0D108BD9-81ED-4DB2-BD59-A6C34878D82A}">
-                    <a16:rowId xmlns:a16="http://schemas.microsoft.com/office/drawing/2014/main" xmlns="" val="10002"/>
+                    <a16:rowId xmlns="" xmlns:a16="http://schemas.microsoft.com/office/drawing/2014/main" val="10002"/>
                   </a:ext>
                 </a:extLst>
               </a:tr>
@@ -10619,7 +10579,7 @@
                 </a:tc>
                 <a:extLst>
                   <a:ext uri="{0D108BD9-81ED-4DB2-BD59-A6C34878D82A}">
-                    <a16:rowId xmlns:a16="http://schemas.microsoft.com/office/drawing/2014/main" xmlns="" val="10003"/>
+                    <a16:rowId xmlns="" xmlns:a16="http://schemas.microsoft.com/office/drawing/2014/main" val="10003"/>
                   </a:ext>
                 </a:extLst>
               </a:tr>
@@ -10704,7 +10664,7 @@
                 </a:tc>
                 <a:extLst>
                   <a:ext uri="{0D108BD9-81ED-4DB2-BD59-A6C34878D82A}">
-                    <a16:rowId xmlns:a16="http://schemas.microsoft.com/office/drawing/2014/main" xmlns="" val="10004"/>
+                    <a16:rowId xmlns="" xmlns:a16="http://schemas.microsoft.com/office/drawing/2014/main" val="10004"/>
                   </a:ext>
                 </a:extLst>
               </a:tr>
@@ -10846,7 +10806,7 @@
                 </a:tc>
                 <a:extLst>
                   <a:ext uri="{0D108BD9-81ED-4DB2-BD59-A6C34878D82A}">
-                    <a16:rowId xmlns:a16="http://schemas.microsoft.com/office/drawing/2014/main" xmlns="" val="10005"/>
+                    <a16:rowId xmlns="" xmlns:a16="http://schemas.microsoft.com/office/drawing/2014/main" val="10005"/>
                   </a:ext>
                 </a:extLst>
               </a:tr>
@@ -11058,8 +11018,8 @@
         </p:nvSpPr>
         <p:spPr>
           <a:xfrm>
-            <a:off x="637350" y="1314808"/>
-            <a:ext cx="6013185" cy="369332"/>
+            <a:off x="838200" y="1200310"/>
+            <a:ext cx="5724644" cy="369332"/>
           </a:xfrm>
           <a:prstGeom prst="rect">
             <a:avLst/>
@@ -11071,10 +11031,6 @@
           </a:bodyPr>
           <a:lstStyle/>
           <a:p>
-            <a:pPr marL="285750" indent="-285750">
-              <a:buFont typeface="Arial" charset="0"/>
-              <a:buChar char="•"/>
-            </a:pPr>
             <a:r>
               <a:rPr lang="ja-JP" altLang="en-US" dirty="0" smtClean="0">
                 <a:latin typeface="HGGothicE" charset="-128"/>
@@ -11119,21 +11075,21 @@
                 <a:gridCol w="1762457">
                   <a:extLst>
                     <a:ext uri="{9D8B030D-6E8A-4147-A177-3AD203B41FA5}">
-                      <a16:colId xmlns:a16="http://schemas.microsoft.com/office/drawing/2014/main" xmlns="" val="20000"/>
+                      <a16:colId xmlns="" xmlns:a16="http://schemas.microsoft.com/office/drawing/2014/main" val="20000"/>
                     </a:ext>
                   </a:extLst>
                 </a:gridCol>
                 <a:gridCol w="2959542">
                   <a:extLst>
                     <a:ext uri="{9D8B030D-6E8A-4147-A177-3AD203B41FA5}">
-                      <a16:colId xmlns:a16="http://schemas.microsoft.com/office/drawing/2014/main" xmlns="" val="20001"/>
+                      <a16:colId xmlns="" xmlns:a16="http://schemas.microsoft.com/office/drawing/2014/main" val="20001"/>
                     </a:ext>
                   </a:extLst>
                 </a:gridCol>
                 <a:gridCol w="2959542">
                   <a:extLst>
                     <a:ext uri="{9D8B030D-6E8A-4147-A177-3AD203B41FA5}">
-                      <a16:colId xmlns:a16="http://schemas.microsoft.com/office/drawing/2014/main" xmlns="" val="20002"/>
+                      <a16:colId xmlns="" xmlns:a16="http://schemas.microsoft.com/office/drawing/2014/main" val="20002"/>
                     </a:ext>
                   </a:extLst>
                 </a:gridCol>
@@ -11228,7 +11184,7 @@
                 </a:tc>
                 <a:extLst>
                   <a:ext uri="{0D108BD9-81ED-4DB2-BD59-A6C34878D82A}">
-                    <a16:rowId xmlns:a16="http://schemas.microsoft.com/office/drawing/2014/main" xmlns="" val="10000"/>
+                    <a16:rowId xmlns="" xmlns:a16="http://schemas.microsoft.com/office/drawing/2014/main" val="10000"/>
                   </a:ext>
                 </a:extLst>
               </a:tr>
@@ -11324,7 +11280,7 @@
                 </a:tc>
                 <a:extLst>
                   <a:ext uri="{0D108BD9-81ED-4DB2-BD59-A6C34878D82A}">
-                    <a16:rowId xmlns:a16="http://schemas.microsoft.com/office/drawing/2014/main" xmlns="" val="10001"/>
+                    <a16:rowId xmlns="" xmlns:a16="http://schemas.microsoft.com/office/drawing/2014/main" val="10001"/>
                   </a:ext>
                 </a:extLst>
               </a:tr>
@@ -11400,7 +11356,7 @@
                 </a:tc>
                 <a:extLst>
                   <a:ext uri="{0D108BD9-81ED-4DB2-BD59-A6C34878D82A}">
-                    <a16:rowId xmlns:a16="http://schemas.microsoft.com/office/drawing/2014/main" xmlns="" val="10002"/>
+                    <a16:rowId xmlns="" xmlns:a16="http://schemas.microsoft.com/office/drawing/2014/main" val="10002"/>
                   </a:ext>
                 </a:extLst>
               </a:tr>
@@ -11498,7 +11454,7 @@
                 </a:tc>
                 <a:extLst>
                   <a:ext uri="{0D108BD9-81ED-4DB2-BD59-A6C34878D82A}">
-                    <a16:rowId xmlns:a16="http://schemas.microsoft.com/office/drawing/2014/main" xmlns="" val="1898541787"/>
+                    <a16:rowId xmlns="" xmlns:a16="http://schemas.microsoft.com/office/drawing/2014/main" val="1898541787"/>
                   </a:ext>
                 </a:extLst>
               </a:tr>
@@ -11618,8 +11574,8 @@
         </p:nvSpPr>
         <p:spPr>
           <a:xfrm>
-            <a:off x="838200" y="0"/>
-            <a:ext cx="10515600" cy="1094740"/>
+            <a:off x="1602697" y="314793"/>
+            <a:ext cx="7556293" cy="958214"/>
           </a:xfrm>
         </p:spPr>
         <p:txBody>
@@ -11648,7 +11604,7 @@
         </p:nvSpPr>
         <p:spPr>
           <a:xfrm>
-            <a:off x="2191512" y="1140777"/>
+            <a:off x="2660353" y="1140777"/>
             <a:ext cx="8086344" cy="5398135"/>
           </a:xfrm>
         </p:spPr>
@@ -11901,7 +11857,7 @@
           <p:nvPr>
             <p:extLst>
               <p:ext uri="{D42A27DB-BD31-4B8C-83A1-F6EECF244321}">
-                <p14:modId xmlns:p14="http://schemas.microsoft.com/office/powerpoint/2010/main" val="2885436585"/>
+                <p14:modId xmlns:p14="http://schemas.microsoft.com/office/powerpoint/2010/main" val="1313479307"/>
               </p:ext>
             </p:extLst>
           </p:nvPr>
@@ -11920,21 +11876,21 @@
                 <a:gridCol w="2536853">
                   <a:extLst>
                     <a:ext uri="{9D8B030D-6E8A-4147-A177-3AD203B41FA5}">
-                      <a16:colId xmlns:a16="http://schemas.microsoft.com/office/drawing/2014/main" xmlns="" val="20000"/>
+                      <a16:colId xmlns="" xmlns:a16="http://schemas.microsoft.com/office/drawing/2014/main" val="20000"/>
                     </a:ext>
                   </a:extLst>
                 </a:gridCol>
                 <a:gridCol w="3177556">
                   <a:extLst>
                     <a:ext uri="{9D8B030D-6E8A-4147-A177-3AD203B41FA5}">
-                      <a16:colId xmlns:a16="http://schemas.microsoft.com/office/drawing/2014/main" xmlns="" val="20001"/>
+                      <a16:colId xmlns="" xmlns:a16="http://schemas.microsoft.com/office/drawing/2014/main" val="20001"/>
                     </a:ext>
                   </a:extLst>
                 </a:gridCol>
                 <a:gridCol w="4219435">
                   <a:extLst>
                     <a:ext uri="{9D8B030D-6E8A-4147-A177-3AD203B41FA5}">
-                      <a16:colId xmlns:a16="http://schemas.microsoft.com/office/drawing/2014/main" xmlns="" val="20002"/>
+                      <a16:colId xmlns="" xmlns:a16="http://schemas.microsoft.com/office/drawing/2014/main" val="20002"/>
                     </a:ext>
                   </a:extLst>
                 </a:gridCol>
@@ -12020,7 +11976,7 @@
                 </a:tc>
                 <a:extLst>
                   <a:ext uri="{0D108BD9-81ED-4DB2-BD59-A6C34878D82A}">
-                    <a16:rowId xmlns:a16="http://schemas.microsoft.com/office/drawing/2014/main" xmlns="" val="10000"/>
+                    <a16:rowId xmlns="" xmlns:a16="http://schemas.microsoft.com/office/drawing/2014/main" val="10000"/>
                   </a:ext>
                 </a:extLst>
               </a:tr>
@@ -12124,7 +12080,7 @@
                 </a:tc>
                 <a:extLst>
                   <a:ext uri="{0D108BD9-81ED-4DB2-BD59-A6C34878D82A}">
-                    <a16:rowId xmlns:a16="http://schemas.microsoft.com/office/drawing/2014/main" xmlns="" val="10001"/>
+                    <a16:rowId xmlns="" xmlns:a16="http://schemas.microsoft.com/office/drawing/2014/main" val="10001"/>
                   </a:ext>
                 </a:extLst>
               </a:tr>
@@ -12228,7 +12184,7 @@
                 </a:tc>
                 <a:extLst>
                   <a:ext uri="{0D108BD9-81ED-4DB2-BD59-A6C34878D82A}">
-                    <a16:rowId xmlns:a16="http://schemas.microsoft.com/office/drawing/2014/main" xmlns="" val="10002"/>
+                    <a16:rowId xmlns="" xmlns:a16="http://schemas.microsoft.com/office/drawing/2014/main" val="10002"/>
                   </a:ext>
                 </a:extLst>
               </a:tr>
@@ -12332,7 +12288,7 @@
                 </a:tc>
                 <a:extLst>
                   <a:ext uri="{0D108BD9-81ED-4DB2-BD59-A6C34878D82A}">
-                    <a16:rowId xmlns:a16="http://schemas.microsoft.com/office/drawing/2014/main" xmlns="" val="10003"/>
+                    <a16:rowId xmlns="" xmlns:a16="http://schemas.microsoft.com/office/drawing/2014/main" val="10003"/>
                   </a:ext>
                 </a:extLst>
               </a:tr>
@@ -12373,6 +12329,12 @@
                           <a:spcPts val="0"/>
                         </a:spcAft>
                       </a:pPr>
+                      <a:r>
+                        <a:rPr lang="en-US" sz="2000" kern="100" dirty="0" smtClean="0">
+                          <a:effectLst/>
+                        </a:rPr>
+                        <a:t>33E16024</a:t>
+                      </a:r>
                       <a:r>
                         <a:rPr lang="en-US" sz="2000" kern="100" dirty="0">
                           <a:effectLst/>
@@ -12418,7 +12380,7 @@
                 </a:tc>
                 <a:extLst>
                   <a:ext uri="{0D108BD9-81ED-4DB2-BD59-A6C34878D82A}">
-                    <a16:rowId xmlns:a16="http://schemas.microsoft.com/office/drawing/2014/main" xmlns="" val="10004"/>
+                    <a16:rowId xmlns="" xmlns:a16="http://schemas.microsoft.com/office/drawing/2014/main" val="10004"/>
                   </a:ext>
                 </a:extLst>
               </a:tr>
@@ -12516,7 +12478,7 @@
                 </a:tc>
                 <a:extLst>
                   <a:ext uri="{0D108BD9-81ED-4DB2-BD59-A6C34878D82A}">
-                    <a16:rowId xmlns:a16="http://schemas.microsoft.com/office/drawing/2014/main" xmlns="" val="10005"/>
+                    <a16:rowId xmlns="" xmlns:a16="http://schemas.microsoft.com/office/drawing/2014/main" val="10005"/>
                   </a:ext>
                 </a:extLst>
               </a:tr>

--- a/FinalReport_team1.pptx
+++ b/FinalReport_team1.pptx
@@ -165,22 +165,6 @@
     <p:extLst/>
   </p:cmAuthor>
 </p:cmAuthorLst>
-</file>
-
-<file path=ppt/comments/comment1.xml><?xml version="1.0" encoding="utf-8"?>
-<p:cmLst xmlns:a="http://schemas.openxmlformats.org/drawingml/2006/main" xmlns:r="http://schemas.openxmlformats.org/officeDocument/2006/relationships" xmlns:p="http://schemas.openxmlformats.org/presentationml/2006/main">
-  <p:cm authorId="1" dt="2017-02-02T09:18:53.884" idx="1">
-    <p:pos x="5111" y="474"/>
-    <p:text>提出する人は記入忘れずに！
-それは私かもしれない．
-Write the submission date.</p:text>
-    <p:extLst>
-      <p:ext uri="{C676402C-5697-4E1C-873F-D02D1690AC5C}">
-        <p15:threadingInfo xmlns:p15="http://schemas.microsoft.com/office/powerpoint/2012/main" timeZoneBias="-540"/>
-      </p:ext>
-    </p:extLst>
-  </p:cm>
-</p:cmLst>
 </file>
 
 <file path=ppt/notesMasters/notesMaster1.xml><?xml version="1.0" encoding="utf-8"?>
@@ -8294,14 +8278,14 @@
                 <a:gridCol w="2373131">
                   <a:extLst>
                     <a:ext uri="{9D8B030D-6E8A-4147-A177-3AD203B41FA5}">
-                      <a16:colId xmlns="" xmlns:a16="http://schemas.microsoft.com/office/drawing/2014/main" val="20000"/>
+                      <a16:colId xmlns:a16="http://schemas.microsoft.com/office/drawing/2014/main" xmlns="" val="20000"/>
                     </a:ext>
                   </a:extLst>
                 </a:gridCol>
                 <a:gridCol w="3984996">
                   <a:extLst>
                     <a:ext uri="{9D8B030D-6E8A-4147-A177-3AD203B41FA5}">
-                      <a16:colId xmlns="" xmlns:a16="http://schemas.microsoft.com/office/drawing/2014/main" val="20001"/>
+                      <a16:colId xmlns:a16="http://schemas.microsoft.com/office/drawing/2014/main" xmlns="" val="20001"/>
                     </a:ext>
                   </a:extLst>
                 </a:gridCol>
@@ -8361,7 +8345,7 @@
                 </a:tc>
                 <a:extLst>
                   <a:ext uri="{0D108BD9-81ED-4DB2-BD59-A6C34878D82A}">
-                    <a16:rowId xmlns="" xmlns:a16="http://schemas.microsoft.com/office/drawing/2014/main" val="10000"/>
+                    <a16:rowId xmlns:a16="http://schemas.microsoft.com/office/drawing/2014/main" xmlns="" val="10000"/>
                   </a:ext>
                 </a:extLst>
               </a:tr>
@@ -8438,7 +8422,7 @@
                 </a:tc>
                 <a:extLst>
                   <a:ext uri="{0D108BD9-81ED-4DB2-BD59-A6C34878D82A}">
-                    <a16:rowId xmlns="" xmlns:a16="http://schemas.microsoft.com/office/drawing/2014/main" val="10001"/>
+                    <a16:rowId xmlns:a16="http://schemas.microsoft.com/office/drawing/2014/main" xmlns="" val="10001"/>
                   </a:ext>
                 </a:extLst>
               </a:tr>
@@ -8531,7 +8515,7 @@
                 </a:tc>
                 <a:extLst>
                   <a:ext uri="{0D108BD9-81ED-4DB2-BD59-A6C34878D82A}">
-                    <a16:rowId xmlns="" xmlns:a16="http://schemas.microsoft.com/office/drawing/2014/main" val="10002"/>
+                    <a16:rowId xmlns:a16="http://schemas.microsoft.com/office/drawing/2014/main" xmlns="" val="10002"/>
                   </a:ext>
                 </a:extLst>
               </a:tr>
@@ -8614,7 +8598,7 @@
                 </a:tc>
                 <a:extLst>
                   <a:ext uri="{0D108BD9-81ED-4DB2-BD59-A6C34878D82A}">
-                    <a16:rowId xmlns="" xmlns:a16="http://schemas.microsoft.com/office/drawing/2014/main" val="10004"/>
+                    <a16:rowId xmlns:a16="http://schemas.microsoft.com/office/drawing/2014/main" xmlns="" val="10004"/>
                   </a:ext>
                 </a:extLst>
               </a:tr>
@@ -8709,7 +8693,7 @@
                 </a:tc>
                 <a:extLst>
                   <a:ext uri="{0D108BD9-81ED-4DB2-BD59-A6C34878D82A}">
-                    <a16:rowId xmlns="" xmlns:a16="http://schemas.microsoft.com/office/drawing/2014/main" val="10005"/>
+                    <a16:rowId xmlns:a16="http://schemas.microsoft.com/office/drawing/2014/main" xmlns="" val="10005"/>
                   </a:ext>
                 </a:extLst>
               </a:tr>
@@ -8798,7 +8782,7 @@
                 </a:tc>
                 <a:extLst>
                   <a:ext uri="{0D108BD9-81ED-4DB2-BD59-A6C34878D82A}">
-                    <a16:rowId xmlns="" xmlns:a16="http://schemas.microsoft.com/office/drawing/2014/main" val="10006"/>
+                    <a16:rowId xmlns:a16="http://schemas.microsoft.com/office/drawing/2014/main" xmlns="" val="10006"/>
                   </a:ext>
                 </a:extLst>
               </a:tr>
@@ -8881,7 +8865,7 @@
                 </a:tc>
                 <a:extLst>
                   <a:ext uri="{0D108BD9-81ED-4DB2-BD59-A6C34878D82A}">
-                    <a16:rowId xmlns="" xmlns:a16="http://schemas.microsoft.com/office/drawing/2014/main" val="10007"/>
+                    <a16:rowId xmlns:a16="http://schemas.microsoft.com/office/drawing/2014/main" xmlns="" val="10007"/>
                   </a:ext>
                 </a:extLst>
               </a:tr>
@@ -8964,7 +8948,7 @@
                 </a:tc>
                 <a:extLst>
                   <a:ext uri="{0D108BD9-81ED-4DB2-BD59-A6C34878D82A}">
-                    <a16:rowId xmlns="" xmlns:a16="http://schemas.microsoft.com/office/drawing/2014/main" val="10008"/>
+                    <a16:rowId xmlns:a16="http://schemas.microsoft.com/office/drawing/2014/main" xmlns="" val="10008"/>
                   </a:ext>
                 </a:extLst>
               </a:tr>
@@ -9047,7 +9031,7 @@
                 </a:tc>
                 <a:extLst>
                   <a:ext uri="{0D108BD9-81ED-4DB2-BD59-A6C34878D82A}">
-                    <a16:rowId xmlns="" xmlns:a16="http://schemas.microsoft.com/office/drawing/2014/main" val="10009"/>
+                    <a16:rowId xmlns:a16="http://schemas.microsoft.com/office/drawing/2014/main" xmlns="" val="10009"/>
                   </a:ext>
                 </a:extLst>
               </a:tr>
@@ -9118,7 +9102,7 @@
                 </a:tc>
                 <a:extLst>
                   <a:ext uri="{0D108BD9-81ED-4DB2-BD59-A6C34878D82A}">
-                    <a16:rowId xmlns="" xmlns:a16="http://schemas.microsoft.com/office/drawing/2014/main" val="10010"/>
+                    <a16:rowId xmlns:a16="http://schemas.microsoft.com/office/drawing/2014/main" xmlns="" val="10010"/>
                   </a:ext>
                 </a:extLst>
               </a:tr>
@@ -9177,7 +9161,7 @@
                 </a:tc>
                 <a:extLst>
                   <a:ext uri="{0D108BD9-81ED-4DB2-BD59-A6C34878D82A}">
-                    <a16:rowId xmlns="" xmlns:a16="http://schemas.microsoft.com/office/drawing/2014/main" val="10011"/>
+                    <a16:rowId xmlns:a16="http://schemas.microsoft.com/office/drawing/2014/main" xmlns="" val="10011"/>
                   </a:ext>
                 </a:extLst>
               </a:tr>
@@ -9266,7 +9250,7 @@
                 </a:tc>
                 <a:extLst>
                   <a:ext uri="{0D108BD9-81ED-4DB2-BD59-A6C34878D82A}">
-                    <a16:rowId xmlns="" xmlns:a16="http://schemas.microsoft.com/office/drawing/2014/main" val="10012"/>
+                    <a16:rowId xmlns:a16="http://schemas.microsoft.com/office/drawing/2014/main" xmlns="" val="10012"/>
                   </a:ext>
                 </a:extLst>
               </a:tr>
@@ -9337,7 +9321,7 @@
                 </a:tc>
                 <a:extLst>
                   <a:ext uri="{0D108BD9-81ED-4DB2-BD59-A6C34878D82A}">
-                    <a16:rowId xmlns="" xmlns:a16="http://schemas.microsoft.com/office/drawing/2014/main" val="10013"/>
+                    <a16:rowId xmlns:a16="http://schemas.microsoft.com/office/drawing/2014/main" xmlns="" val="10013"/>
                   </a:ext>
                 </a:extLst>
               </a:tr>
@@ -9432,7 +9416,7 @@
                 </a:tc>
                 <a:extLst>
                   <a:ext uri="{0D108BD9-81ED-4DB2-BD59-A6C34878D82A}">
-                    <a16:rowId xmlns="" xmlns:a16="http://schemas.microsoft.com/office/drawing/2014/main" val="10014"/>
+                    <a16:rowId xmlns:a16="http://schemas.microsoft.com/office/drawing/2014/main" xmlns="" val="10014"/>
                   </a:ext>
                 </a:extLst>
               </a:tr>
@@ -9503,7 +9487,7 @@
                 </a:tc>
                 <a:extLst>
                   <a:ext uri="{0D108BD9-81ED-4DB2-BD59-A6C34878D82A}">
-                    <a16:rowId xmlns="" xmlns:a16="http://schemas.microsoft.com/office/drawing/2014/main" val="10015"/>
+                    <a16:rowId xmlns:a16="http://schemas.microsoft.com/office/drawing/2014/main" xmlns="" val="10015"/>
                   </a:ext>
                 </a:extLst>
               </a:tr>
@@ -9584,7 +9568,7 @@
                 </a:tc>
                 <a:extLst>
                   <a:ext uri="{0D108BD9-81ED-4DB2-BD59-A6C34878D82A}">
-                    <a16:rowId xmlns="" xmlns:a16="http://schemas.microsoft.com/office/drawing/2014/main" val="10016"/>
+                    <a16:rowId xmlns:a16="http://schemas.microsoft.com/office/drawing/2014/main" xmlns="" val="10016"/>
                   </a:ext>
                 </a:extLst>
               </a:tr>
@@ -9667,7 +9651,7 @@
                 </a:tc>
                 <a:extLst>
                   <a:ext uri="{0D108BD9-81ED-4DB2-BD59-A6C34878D82A}">
-                    <a16:rowId xmlns="" xmlns:a16="http://schemas.microsoft.com/office/drawing/2014/main" val="10017"/>
+                    <a16:rowId xmlns:a16="http://schemas.microsoft.com/office/drawing/2014/main" xmlns="" val="10017"/>
                   </a:ext>
                 </a:extLst>
               </a:tr>
@@ -9750,7 +9734,7 @@
                 </a:tc>
                 <a:extLst>
                   <a:ext uri="{0D108BD9-81ED-4DB2-BD59-A6C34878D82A}">
-                    <a16:rowId xmlns="" xmlns:a16="http://schemas.microsoft.com/office/drawing/2014/main" val="10018"/>
+                    <a16:rowId xmlns:a16="http://schemas.microsoft.com/office/drawing/2014/main" xmlns="" val="10018"/>
                   </a:ext>
                 </a:extLst>
               </a:tr>
@@ -9821,7 +9805,7 @@
                 </a:tc>
                 <a:extLst>
                   <a:ext uri="{0D108BD9-81ED-4DB2-BD59-A6C34878D82A}">
-                    <a16:rowId xmlns="" xmlns:a16="http://schemas.microsoft.com/office/drawing/2014/main" val="10019"/>
+                    <a16:rowId xmlns:a16="http://schemas.microsoft.com/office/drawing/2014/main" xmlns="" val="10019"/>
                   </a:ext>
                 </a:extLst>
               </a:tr>
@@ -10017,14 +10001,14 @@
                 <a:gridCol w="2054453">
                   <a:extLst>
                     <a:ext uri="{9D8B030D-6E8A-4147-A177-3AD203B41FA5}">
-                      <a16:colId xmlns="" xmlns:a16="http://schemas.microsoft.com/office/drawing/2014/main" val="20000"/>
+                      <a16:colId xmlns:a16="http://schemas.microsoft.com/office/drawing/2014/main" xmlns="" val="20000"/>
                     </a:ext>
                   </a:extLst>
                 </a:gridCol>
                 <a:gridCol w="4868409">
                   <a:extLst>
                     <a:ext uri="{9D8B030D-6E8A-4147-A177-3AD203B41FA5}">
-                      <a16:colId xmlns="" xmlns:a16="http://schemas.microsoft.com/office/drawing/2014/main" val="20001"/>
+                      <a16:colId xmlns:a16="http://schemas.microsoft.com/office/drawing/2014/main" xmlns="" val="20001"/>
                     </a:ext>
                   </a:extLst>
                 </a:gridCol>
@@ -10084,7 +10068,7 @@
                 </a:tc>
                 <a:extLst>
                   <a:ext uri="{0D108BD9-81ED-4DB2-BD59-A6C34878D82A}">
-                    <a16:rowId xmlns="" xmlns:a16="http://schemas.microsoft.com/office/drawing/2014/main" val="10000"/>
+                    <a16:rowId xmlns:a16="http://schemas.microsoft.com/office/drawing/2014/main" xmlns="" val="10000"/>
                   </a:ext>
                 </a:extLst>
               </a:tr>
@@ -10268,7 +10252,7 @@
                 </a:tc>
                 <a:extLst>
                   <a:ext uri="{0D108BD9-81ED-4DB2-BD59-A6C34878D82A}">
-                    <a16:rowId xmlns="" xmlns:a16="http://schemas.microsoft.com/office/drawing/2014/main" val="10001"/>
+                    <a16:rowId xmlns:a16="http://schemas.microsoft.com/office/drawing/2014/main" xmlns="" val="10001"/>
                   </a:ext>
                 </a:extLst>
               </a:tr>
@@ -10434,7 +10418,7 @@
                 </a:tc>
                 <a:extLst>
                   <a:ext uri="{0D108BD9-81ED-4DB2-BD59-A6C34878D82A}">
-                    <a16:rowId xmlns="" xmlns:a16="http://schemas.microsoft.com/office/drawing/2014/main" val="10002"/>
+                    <a16:rowId xmlns:a16="http://schemas.microsoft.com/office/drawing/2014/main" xmlns="" val="10002"/>
                   </a:ext>
                 </a:extLst>
               </a:tr>
@@ -10579,7 +10563,7 @@
                 </a:tc>
                 <a:extLst>
                   <a:ext uri="{0D108BD9-81ED-4DB2-BD59-A6C34878D82A}">
-                    <a16:rowId xmlns="" xmlns:a16="http://schemas.microsoft.com/office/drawing/2014/main" val="10003"/>
+                    <a16:rowId xmlns:a16="http://schemas.microsoft.com/office/drawing/2014/main" xmlns="" val="10003"/>
                   </a:ext>
                 </a:extLst>
               </a:tr>
@@ -10664,7 +10648,7 @@
                 </a:tc>
                 <a:extLst>
                   <a:ext uri="{0D108BD9-81ED-4DB2-BD59-A6C34878D82A}">
-                    <a16:rowId xmlns="" xmlns:a16="http://schemas.microsoft.com/office/drawing/2014/main" val="10004"/>
+                    <a16:rowId xmlns:a16="http://schemas.microsoft.com/office/drawing/2014/main" xmlns="" val="10004"/>
                   </a:ext>
                 </a:extLst>
               </a:tr>
@@ -10806,7 +10790,7 @@
                 </a:tc>
                 <a:extLst>
                   <a:ext uri="{0D108BD9-81ED-4DB2-BD59-A6C34878D82A}">
-                    <a16:rowId xmlns="" xmlns:a16="http://schemas.microsoft.com/office/drawing/2014/main" val="10005"/>
+                    <a16:rowId xmlns:a16="http://schemas.microsoft.com/office/drawing/2014/main" xmlns="" val="10005"/>
                   </a:ext>
                 </a:extLst>
               </a:tr>
@@ -11075,21 +11059,21 @@
                 <a:gridCol w="1762457">
                   <a:extLst>
                     <a:ext uri="{9D8B030D-6E8A-4147-A177-3AD203B41FA5}">
-                      <a16:colId xmlns="" xmlns:a16="http://schemas.microsoft.com/office/drawing/2014/main" val="20000"/>
+                      <a16:colId xmlns:a16="http://schemas.microsoft.com/office/drawing/2014/main" xmlns="" val="20000"/>
                     </a:ext>
                   </a:extLst>
                 </a:gridCol>
                 <a:gridCol w="2959542">
                   <a:extLst>
                     <a:ext uri="{9D8B030D-6E8A-4147-A177-3AD203B41FA5}">
-                      <a16:colId xmlns="" xmlns:a16="http://schemas.microsoft.com/office/drawing/2014/main" val="20001"/>
+                      <a16:colId xmlns:a16="http://schemas.microsoft.com/office/drawing/2014/main" xmlns="" val="20001"/>
                     </a:ext>
                   </a:extLst>
                 </a:gridCol>
                 <a:gridCol w="2959542">
                   <a:extLst>
                     <a:ext uri="{9D8B030D-6E8A-4147-A177-3AD203B41FA5}">
-                      <a16:colId xmlns="" xmlns:a16="http://schemas.microsoft.com/office/drawing/2014/main" val="20002"/>
+                      <a16:colId xmlns:a16="http://schemas.microsoft.com/office/drawing/2014/main" xmlns="" val="20002"/>
                     </a:ext>
                   </a:extLst>
                 </a:gridCol>
@@ -11184,7 +11168,7 @@
                 </a:tc>
                 <a:extLst>
                   <a:ext uri="{0D108BD9-81ED-4DB2-BD59-A6C34878D82A}">
-                    <a16:rowId xmlns="" xmlns:a16="http://schemas.microsoft.com/office/drawing/2014/main" val="10000"/>
+                    <a16:rowId xmlns:a16="http://schemas.microsoft.com/office/drawing/2014/main" xmlns="" val="10000"/>
                   </a:ext>
                 </a:extLst>
               </a:tr>
@@ -11280,7 +11264,7 @@
                 </a:tc>
                 <a:extLst>
                   <a:ext uri="{0D108BD9-81ED-4DB2-BD59-A6C34878D82A}">
-                    <a16:rowId xmlns="" xmlns:a16="http://schemas.microsoft.com/office/drawing/2014/main" val="10001"/>
+                    <a16:rowId xmlns:a16="http://schemas.microsoft.com/office/drawing/2014/main" xmlns="" val="10001"/>
                   </a:ext>
                 </a:extLst>
               </a:tr>
@@ -11356,7 +11340,7 @@
                 </a:tc>
                 <a:extLst>
                   <a:ext uri="{0D108BD9-81ED-4DB2-BD59-A6C34878D82A}">
-                    <a16:rowId xmlns="" xmlns:a16="http://schemas.microsoft.com/office/drawing/2014/main" val="10002"/>
+                    <a16:rowId xmlns:a16="http://schemas.microsoft.com/office/drawing/2014/main" xmlns="" val="10002"/>
                   </a:ext>
                 </a:extLst>
               </a:tr>
@@ -11454,7 +11438,7 @@
                 </a:tc>
                 <a:extLst>
                   <a:ext uri="{0D108BD9-81ED-4DB2-BD59-A6C34878D82A}">
-                    <a16:rowId xmlns="" xmlns:a16="http://schemas.microsoft.com/office/drawing/2014/main" val="1898541787"/>
+                    <a16:rowId xmlns:a16="http://schemas.microsoft.com/office/drawing/2014/main" xmlns="" val="1898541787"/>
                   </a:ext>
                 </a:extLst>
               </a:tr>
@@ -11876,21 +11860,21 @@
                 <a:gridCol w="2536853">
                   <a:extLst>
                     <a:ext uri="{9D8B030D-6E8A-4147-A177-3AD203B41FA5}">
-                      <a16:colId xmlns="" xmlns:a16="http://schemas.microsoft.com/office/drawing/2014/main" val="20000"/>
+                      <a16:colId xmlns:a16="http://schemas.microsoft.com/office/drawing/2014/main" xmlns="" val="20000"/>
                     </a:ext>
                   </a:extLst>
                 </a:gridCol>
                 <a:gridCol w="3177556">
                   <a:extLst>
                     <a:ext uri="{9D8B030D-6E8A-4147-A177-3AD203B41FA5}">
-                      <a16:colId xmlns="" xmlns:a16="http://schemas.microsoft.com/office/drawing/2014/main" val="20001"/>
+                      <a16:colId xmlns:a16="http://schemas.microsoft.com/office/drawing/2014/main" xmlns="" val="20001"/>
                     </a:ext>
                   </a:extLst>
                 </a:gridCol>
                 <a:gridCol w="4219435">
                   <a:extLst>
                     <a:ext uri="{9D8B030D-6E8A-4147-A177-3AD203B41FA5}">
-                      <a16:colId xmlns="" xmlns:a16="http://schemas.microsoft.com/office/drawing/2014/main" val="20002"/>
+                      <a16:colId xmlns:a16="http://schemas.microsoft.com/office/drawing/2014/main" xmlns="" val="20002"/>
                     </a:ext>
                   </a:extLst>
                 </a:gridCol>
@@ -11976,7 +11960,7 @@
                 </a:tc>
                 <a:extLst>
                   <a:ext uri="{0D108BD9-81ED-4DB2-BD59-A6C34878D82A}">
-                    <a16:rowId xmlns="" xmlns:a16="http://schemas.microsoft.com/office/drawing/2014/main" val="10000"/>
+                    <a16:rowId xmlns:a16="http://schemas.microsoft.com/office/drawing/2014/main" xmlns="" val="10000"/>
                   </a:ext>
                 </a:extLst>
               </a:tr>
@@ -12080,7 +12064,7 @@
                 </a:tc>
                 <a:extLst>
                   <a:ext uri="{0D108BD9-81ED-4DB2-BD59-A6C34878D82A}">
-                    <a16:rowId xmlns="" xmlns:a16="http://schemas.microsoft.com/office/drawing/2014/main" val="10001"/>
+                    <a16:rowId xmlns:a16="http://schemas.microsoft.com/office/drawing/2014/main" xmlns="" val="10001"/>
                   </a:ext>
                 </a:extLst>
               </a:tr>
@@ -12184,7 +12168,7 @@
                 </a:tc>
                 <a:extLst>
                   <a:ext uri="{0D108BD9-81ED-4DB2-BD59-A6C34878D82A}">
-                    <a16:rowId xmlns="" xmlns:a16="http://schemas.microsoft.com/office/drawing/2014/main" val="10002"/>
+                    <a16:rowId xmlns:a16="http://schemas.microsoft.com/office/drawing/2014/main" xmlns="" val="10002"/>
                   </a:ext>
                 </a:extLst>
               </a:tr>
@@ -12288,7 +12272,7 @@
                 </a:tc>
                 <a:extLst>
                   <a:ext uri="{0D108BD9-81ED-4DB2-BD59-A6C34878D82A}">
-                    <a16:rowId xmlns="" xmlns:a16="http://schemas.microsoft.com/office/drawing/2014/main" val="10003"/>
+                    <a16:rowId xmlns:a16="http://schemas.microsoft.com/office/drawing/2014/main" xmlns="" val="10003"/>
                   </a:ext>
                 </a:extLst>
               </a:tr>
@@ -12380,7 +12364,7 @@
                 </a:tc>
                 <a:extLst>
                   <a:ext uri="{0D108BD9-81ED-4DB2-BD59-A6C34878D82A}">
-                    <a16:rowId xmlns="" xmlns:a16="http://schemas.microsoft.com/office/drawing/2014/main" val="10004"/>
+                    <a16:rowId xmlns:a16="http://schemas.microsoft.com/office/drawing/2014/main" xmlns="" val="10004"/>
                   </a:ext>
                 </a:extLst>
               </a:tr>
@@ -12478,7 +12462,7 @@
                 </a:tc>
                 <a:extLst>
                   <a:ext uri="{0D108BD9-81ED-4DB2-BD59-A6C34878D82A}">
-                    <a16:rowId xmlns="" xmlns:a16="http://schemas.microsoft.com/office/drawing/2014/main" val="10005"/>
+                    <a16:rowId xmlns:a16="http://schemas.microsoft.com/office/drawing/2014/main" xmlns="" val="10005"/>
                   </a:ext>
                 </a:extLst>
               </a:tr>
